--- a/Трансфомеры.pptx
+++ b/Трансфомеры.pptx
@@ -22,6 +22,11 @@
     <p:sldId id="268" r:id="rId17"/>
     <p:sldId id="269" r:id="rId18"/>
     <p:sldId id="270" r:id="rId19"/>
+    <p:sldId id="271" r:id="rId20"/>
+    <p:sldId id="272" r:id="rId21"/>
+    <p:sldId id="273" r:id="rId22"/>
+    <p:sldId id="274" r:id="rId23"/>
+    <p:sldId id="275" r:id="rId24"/>
   </p:sldIdLst>
   <p:sldSz cx="10080625" cy="5670550"/>
   <p:notesSz cx="7559675" cy="10691813"/>
@@ -79,7 +84,7 @@
         <p:txBody>
           <a:bodyPr/>
           <a:p>
-            <a:fld id="{D6CB3F31-478C-4172-A855-AD667DD31695}" type="slidenum">
+            <a:fld id="{0D2B308A-C855-4148-8B9C-5FED14F5FA79}" type="slidenum">
               <a:t>&lt;#&gt;</a:t>
             </a:fld>
           </a:p>
@@ -140,8 +145,8 @@
         </p:nvSpPr>
         <p:spPr>
           <a:xfrm>
-            <a:off x="2700000" y="1357200"/>
-            <a:ext cx="4679640" cy="1875240"/>
+            <a:off x="504000" y="74160"/>
+            <a:ext cx="9072000" cy="1250280"/>
           </a:xfrm>
           <a:prstGeom prst="rect">
             <a:avLst/>
@@ -180,8 +185,8 @@
         </p:nvSpPr>
         <p:spPr>
           <a:xfrm>
-            <a:off x="3420000" y="3240000"/>
-            <a:ext cx="6299640" cy="772560"/>
+            <a:off x="504000" y="1326600"/>
+            <a:ext cx="9072000" cy="1568520"/>
           </a:xfrm>
           <a:prstGeom prst="rect">
             <a:avLst/>
@@ -193,7 +198,7 @@
         </p:spPr>
         <p:txBody>
           <a:bodyPr lIns="0" rIns="0" tIns="0" bIns="0" anchor="t">
-            <a:normAutofit fontScale="86000"/>
+            <a:normAutofit/>
           </a:bodyPr>
           <a:p>
             <a:pPr indent="0">
@@ -223,8 +228,8 @@
         </p:nvSpPr>
         <p:spPr>
           <a:xfrm>
-            <a:off x="3420000" y="4086360"/>
-            <a:ext cx="6299640" cy="772560"/>
+            <a:off x="504000" y="3044520"/>
+            <a:ext cx="9072000" cy="1568520"/>
           </a:xfrm>
           <a:prstGeom prst="rect">
             <a:avLst/>
@@ -236,7 +241,7 @@
         </p:spPr>
         <p:txBody>
           <a:bodyPr lIns="0" rIns="0" tIns="0" bIns="0" anchor="t">
-            <a:normAutofit fontScale="86000"/>
+            <a:normAutofit/>
           </a:bodyPr>
           <a:p>
             <a:pPr indent="0">
@@ -288,7 +293,7 @@
         <p:txBody>
           <a:bodyPr/>
           <a:p>
-            <a:fld id="{BA890CF2-6505-4A77-91C0-290B76B8B019}" type="slidenum">
+            <a:fld id="{A66EE16F-10F6-4114-9889-D19ACE0A5C98}" type="slidenum">
               <a:t>&lt;#&gt;</a:t>
             </a:fld>
           </a:p>
@@ -349,8 +354,8 @@
         </p:nvSpPr>
         <p:spPr>
           <a:xfrm>
-            <a:off x="2700000" y="1357200"/>
-            <a:ext cx="4679640" cy="1875240"/>
+            <a:off x="504000" y="74160"/>
+            <a:ext cx="9072000" cy="1250280"/>
           </a:xfrm>
           <a:prstGeom prst="rect">
             <a:avLst/>
@@ -389,8 +394,8 @@
         </p:nvSpPr>
         <p:spPr>
           <a:xfrm>
-            <a:off x="3420000" y="3240000"/>
-            <a:ext cx="3074040" cy="772560"/>
+            <a:off x="504000" y="1326600"/>
+            <a:ext cx="4426920" cy="1568520"/>
           </a:xfrm>
           <a:prstGeom prst="rect">
             <a:avLst/>
@@ -402,7 +407,7 @@
         </p:spPr>
         <p:txBody>
           <a:bodyPr lIns="0" rIns="0" tIns="0" bIns="0" anchor="t">
-            <a:normAutofit fontScale="59000"/>
+            <a:normAutofit/>
           </a:bodyPr>
           <a:p>
             <a:pPr indent="0">
@@ -432,8 +437,8 @@
         </p:nvSpPr>
         <p:spPr>
           <a:xfrm>
-            <a:off x="6648120" y="3240000"/>
-            <a:ext cx="3074040" cy="772560"/>
+            <a:off x="5152680" y="1326600"/>
+            <a:ext cx="4426920" cy="1568520"/>
           </a:xfrm>
           <a:prstGeom prst="rect">
             <a:avLst/>
@@ -445,7 +450,7 @@
         </p:spPr>
         <p:txBody>
           <a:bodyPr lIns="0" rIns="0" tIns="0" bIns="0" anchor="t">
-            <a:normAutofit fontScale="59000"/>
+            <a:normAutofit/>
           </a:bodyPr>
           <a:p>
             <a:pPr indent="0">
@@ -475,8 +480,8 @@
         </p:nvSpPr>
         <p:spPr>
           <a:xfrm>
-            <a:off x="3420000" y="4086360"/>
-            <a:ext cx="3074040" cy="772560"/>
+            <a:off x="504000" y="3044520"/>
+            <a:ext cx="4426920" cy="1568520"/>
           </a:xfrm>
           <a:prstGeom prst="rect">
             <a:avLst/>
@@ -488,7 +493,7 @@
         </p:spPr>
         <p:txBody>
           <a:bodyPr lIns="0" rIns="0" tIns="0" bIns="0" anchor="t">
-            <a:normAutofit fontScale="59000"/>
+            <a:normAutofit/>
           </a:bodyPr>
           <a:p>
             <a:pPr indent="0">
@@ -518,8 +523,8 @@
         </p:nvSpPr>
         <p:spPr>
           <a:xfrm>
-            <a:off x="6648120" y="4086360"/>
-            <a:ext cx="3074040" cy="772560"/>
+            <a:off x="5152680" y="3044520"/>
+            <a:ext cx="4426920" cy="1568520"/>
           </a:xfrm>
           <a:prstGeom prst="rect">
             <a:avLst/>
@@ -531,7 +536,7 @@
         </p:spPr>
         <p:txBody>
           <a:bodyPr lIns="0" rIns="0" tIns="0" bIns="0" anchor="t">
-            <a:normAutofit fontScale="59000"/>
+            <a:normAutofit/>
           </a:bodyPr>
           <a:p>
             <a:pPr indent="0">
@@ -583,7 +588,7 @@
         <p:txBody>
           <a:bodyPr/>
           <a:p>
-            <a:fld id="{D069B7F5-DD29-4C03-917C-77E0B6A53A78}" type="slidenum">
+            <a:fld id="{1F3EB736-6125-422E-A34F-74E1597D9720}" type="slidenum">
               <a:t>&lt;#&gt;</a:t>
             </a:fld>
           </a:p>
@@ -644,8 +649,8 @@
         </p:nvSpPr>
         <p:spPr>
           <a:xfrm>
-            <a:off x="2700000" y="1357200"/>
-            <a:ext cx="4679640" cy="1875240"/>
+            <a:off x="504000" y="74160"/>
+            <a:ext cx="9072000" cy="1250280"/>
           </a:xfrm>
           <a:prstGeom prst="rect">
             <a:avLst/>
@@ -684,8 +689,8 @@
         </p:nvSpPr>
         <p:spPr>
           <a:xfrm>
-            <a:off x="3420000" y="3240000"/>
-            <a:ext cx="2028240" cy="772560"/>
+            <a:off x="504000" y="1326600"/>
+            <a:ext cx="2921040" cy="1568520"/>
           </a:xfrm>
           <a:prstGeom prst="rect">
             <a:avLst/>
@@ -697,7 +702,7 @@
         </p:spPr>
         <p:txBody>
           <a:bodyPr lIns="0" rIns="0" tIns="0" bIns="0" anchor="t">
-            <a:normAutofit fontScale="56000"/>
+            <a:normAutofit fontScale="81000"/>
           </a:bodyPr>
           <a:p>
             <a:pPr indent="0">
@@ -727,8 +732,8 @@
         </p:nvSpPr>
         <p:spPr>
           <a:xfrm>
-            <a:off x="5550120" y="3240000"/>
-            <a:ext cx="2028240" cy="772560"/>
+            <a:off x="3571560" y="1326600"/>
+            <a:ext cx="2921040" cy="1568520"/>
           </a:xfrm>
           <a:prstGeom prst="rect">
             <a:avLst/>
@@ -740,7 +745,7 @@
         </p:spPr>
         <p:txBody>
           <a:bodyPr lIns="0" rIns="0" tIns="0" bIns="0" anchor="t">
-            <a:normAutofit fontScale="56000"/>
+            <a:normAutofit fontScale="81000"/>
           </a:bodyPr>
           <a:p>
             <a:pPr indent="0">
@@ -770,8 +775,8 @@
         </p:nvSpPr>
         <p:spPr>
           <a:xfrm>
-            <a:off x="7680240" y="3240000"/>
-            <a:ext cx="2028240" cy="772560"/>
+            <a:off x="6639120" y="1326600"/>
+            <a:ext cx="2921040" cy="1568520"/>
           </a:xfrm>
           <a:prstGeom prst="rect">
             <a:avLst/>
@@ -783,7 +788,7 @@
         </p:spPr>
         <p:txBody>
           <a:bodyPr lIns="0" rIns="0" tIns="0" bIns="0" anchor="t">
-            <a:normAutofit fontScale="56000"/>
+            <a:normAutofit fontScale="81000"/>
           </a:bodyPr>
           <a:p>
             <a:pPr indent="0">
@@ -813,8 +818,8 @@
         </p:nvSpPr>
         <p:spPr>
           <a:xfrm>
-            <a:off x="3420000" y="4086360"/>
-            <a:ext cx="2028240" cy="772560"/>
+            <a:off x="504000" y="3044520"/>
+            <a:ext cx="2921040" cy="1568520"/>
           </a:xfrm>
           <a:prstGeom prst="rect">
             <a:avLst/>
@@ -826,7 +831,7 @@
         </p:spPr>
         <p:txBody>
           <a:bodyPr lIns="0" rIns="0" tIns="0" bIns="0" anchor="t">
-            <a:normAutofit fontScale="56000"/>
+            <a:normAutofit fontScale="81000"/>
           </a:bodyPr>
           <a:p>
             <a:pPr indent="0">
@@ -856,8 +861,8 @@
         </p:nvSpPr>
         <p:spPr>
           <a:xfrm>
-            <a:off x="5550120" y="4086360"/>
-            <a:ext cx="2028240" cy="772560"/>
+            <a:off x="3571560" y="3044520"/>
+            <a:ext cx="2921040" cy="1568520"/>
           </a:xfrm>
           <a:prstGeom prst="rect">
             <a:avLst/>
@@ -869,7 +874,7 @@
         </p:spPr>
         <p:txBody>
           <a:bodyPr lIns="0" rIns="0" tIns="0" bIns="0" anchor="t">
-            <a:normAutofit fontScale="56000"/>
+            <a:normAutofit fontScale="81000"/>
           </a:bodyPr>
           <a:p>
             <a:pPr indent="0">
@@ -899,8 +904,8 @@
         </p:nvSpPr>
         <p:spPr>
           <a:xfrm>
-            <a:off x="7680240" y="4086360"/>
-            <a:ext cx="2028240" cy="772560"/>
+            <a:off x="6639120" y="3044520"/>
+            <a:ext cx="2921040" cy="1568520"/>
           </a:xfrm>
           <a:prstGeom prst="rect">
             <a:avLst/>
@@ -912,7 +917,7 @@
         </p:spPr>
         <p:txBody>
           <a:bodyPr lIns="0" rIns="0" tIns="0" bIns="0" anchor="t">
-            <a:normAutofit fontScale="56000"/>
+            <a:normAutofit fontScale="81000"/>
           </a:bodyPr>
           <a:p>
             <a:pPr indent="0">
@@ -964,7 +969,7 @@
         <p:txBody>
           <a:bodyPr/>
           <a:p>
-            <a:fld id="{B7F4A4E2-4F5B-4F1E-B311-CF117B1F02EE}" type="slidenum">
+            <a:fld id="{01C1646B-1204-42A3-94EC-357B0B9535F1}" type="slidenum">
               <a:t>&lt;#&gt;</a:t>
             </a:fld>
           </a:p>
@@ -1088,8 +1093,8 @@
         </p:nvSpPr>
         <p:spPr>
           <a:xfrm>
-            <a:off x="2700000" y="1357200"/>
-            <a:ext cx="4679640" cy="1875240"/>
+            <a:off x="504000" y="74160"/>
+            <a:ext cx="9072000" cy="1250280"/>
           </a:xfrm>
           <a:prstGeom prst="rect">
             <a:avLst/>
@@ -1128,8 +1133,8 @@
         </p:nvSpPr>
         <p:spPr>
           <a:xfrm>
-            <a:off x="3420000" y="3240000"/>
-            <a:ext cx="6299640" cy="1619640"/>
+            <a:off x="504000" y="1326600"/>
+            <a:ext cx="9072000" cy="3288600"/>
           </a:xfrm>
           <a:prstGeom prst="rect">
             <a:avLst/>
@@ -1231,8 +1236,8 @@
         </p:nvSpPr>
         <p:spPr>
           <a:xfrm>
-            <a:off x="2700000" y="1357200"/>
-            <a:ext cx="4679640" cy="1875240"/>
+            <a:off x="504000" y="74160"/>
+            <a:ext cx="9072000" cy="1250280"/>
           </a:xfrm>
           <a:prstGeom prst="rect">
             <a:avLst/>
@@ -1271,8 +1276,8 @@
         </p:nvSpPr>
         <p:spPr>
           <a:xfrm>
-            <a:off x="3420000" y="3240000"/>
-            <a:ext cx="6299640" cy="1619640"/>
+            <a:off x="504000" y="1326600"/>
+            <a:ext cx="9072000" cy="3288600"/>
           </a:xfrm>
           <a:prstGeom prst="rect">
             <a:avLst/>
@@ -1377,8 +1382,8 @@
         </p:nvSpPr>
         <p:spPr>
           <a:xfrm>
-            <a:off x="2700000" y="1357200"/>
-            <a:ext cx="4679640" cy="1875240"/>
+            <a:off x="504000" y="74160"/>
+            <a:ext cx="9072000" cy="1250280"/>
           </a:xfrm>
           <a:prstGeom prst="rect">
             <a:avLst/>
@@ -1417,8 +1422,8 @@
         </p:nvSpPr>
         <p:spPr>
           <a:xfrm>
-            <a:off x="3420000" y="3240000"/>
-            <a:ext cx="3074040" cy="1619640"/>
+            <a:off x="504000" y="1326600"/>
+            <a:ext cx="4426920" cy="3288600"/>
           </a:xfrm>
           <a:prstGeom prst="rect">
             <a:avLst/>
@@ -1430,7 +1435,7 @@
         </p:spPr>
         <p:txBody>
           <a:bodyPr lIns="0" rIns="0" tIns="0" bIns="0" anchor="t">
-            <a:normAutofit fontScale="84000"/>
+            <a:normAutofit/>
           </a:bodyPr>
           <a:p>
             <a:pPr indent="0">
@@ -1460,8 +1465,8 @@
         </p:nvSpPr>
         <p:spPr>
           <a:xfrm>
-            <a:off x="6648120" y="3240000"/>
-            <a:ext cx="3074040" cy="1619640"/>
+            <a:off x="5152680" y="1326600"/>
+            <a:ext cx="4426920" cy="3288600"/>
           </a:xfrm>
           <a:prstGeom prst="rect">
             <a:avLst/>
@@ -1473,7 +1478,7 @@
         </p:spPr>
         <p:txBody>
           <a:bodyPr lIns="0" rIns="0" tIns="0" bIns="0" anchor="t">
-            <a:normAutofit fontScale="84000"/>
+            <a:normAutofit/>
           </a:bodyPr>
           <a:p>
             <a:pPr indent="0">
@@ -1566,8 +1571,8 @@
         </p:nvSpPr>
         <p:spPr>
           <a:xfrm>
-            <a:off x="2700000" y="1357200"/>
-            <a:ext cx="4679640" cy="1875240"/>
+            <a:off x="504000" y="74160"/>
+            <a:ext cx="9072000" cy="1250280"/>
           </a:xfrm>
           <a:prstGeom prst="rect">
             <a:avLst/>
@@ -1669,8 +1674,8 @@
         </p:nvSpPr>
         <p:spPr>
           <a:xfrm>
-            <a:off x="2700000" y="1485000"/>
-            <a:ext cx="4679640" cy="7508880"/>
+            <a:off x="504000" y="226080"/>
+            <a:ext cx="9072000" cy="4388400"/>
           </a:xfrm>
           <a:prstGeom prst="rect">
             <a:avLst/>
@@ -1770,8 +1775,8 @@
         </p:nvSpPr>
         <p:spPr>
           <a:xfrm>
-            <a:off x="2700000" y="1357200"/>
-            <a:ext cx="4679640" cy="1875240"/>
+            <a:off x="504000" y="74160"/>
+            <a:ext cx="9072000" cy="1250280"/>
           </a:xfrm>
           <a:prstGeom prst="rect">
             <a:avLst/>
@@ -1810,8 +1815,8 @@
         </p:nvSpPr>
         <p:spPr>
           <a:xfrm>
-            <a:off x="3420000" y="3240000"/>
-            <a:ext cx="3074040" cy="772560"/>
+            <a:off x="504000" y="1326600"/>
+            <a:ext cx="4426920" cy="1568520"/>
           </a:xfrm>
           <a:prstGeom prst="rect">
             <a:avLst/>
@@ -1823,7 +1828,7 @@
         </p:spPr>
         <p:txBody>
           <a:bodyPr lIns="0" rIns="0" tIns="0" bIns="0" anchor="t">
-            <a:normAutofit fontScale="59000"/>
+            <a:normAutofit/>
           </a:bodyPr>
           <a:p>
             <a:pPr indent="0">
@@ -1853,8 +1858,8 @@
         </p:nvSpPr>
         <p:spPr>
           <a:xfrm>
-            <a:off x="6648120" y="3240000"/>
-            <a:ext cx="3074040" cy="1619640"/>
+            <a:off x="5152680" y="1326600"/>
+            <a:ext cx="4426920" cy="3288600"/>
           </a:xfrm>
           <a:prstGeom prst="rect">
             <a:avLst/>
@@ -1866,7 +1871,7 @@
         </p:spPr>
         <p:txBody>
           <a:bodyPr lIns="0" rIns="0" tIns="0" bIns="0" anchor="t">
-            <a:normAutofit fontScale="84000"/>
+            <a:normAutofit/>
           </a:bodyPr>
           <a:p>
             <a:pPr indent="0">
@@ -1896,8 +1901,8 @@
         </p:nvSpPr>
         <p:spPr>
           <a:xfrm>
-            <a:off x="3420000" y="4086360"/>
-            <a:ext cx="3074040" cy="772560"/>
+            <a:off x="504000" y="3044520"/>
+            <a:ext cx="4426920" cy="1568520"/>
           </a:xfrm>
           <a:prstGeom prst="rect">
             <a:avLst/>
@@ -1909,7 +1914,7 @@
         </p:spPr>
         <p:txBody>
           <a:bodyPr lIns="0" rIns="0" tIns="0" bIns="0" anchor="t">
-            <a:normAutofit fontScale="59000"/>
+            <a:normAutofit/>
           </a:bodyPr>
           <a:p>
             <a:pPr indent="0">
@@ -2002,8 +2007,8 @@
         </p:nvSpPr>
         <p:spPr>
           <a:xfrm>
-            <a:off x="2700000" y="1357200"/>
-            <a:ext cx="4679640" cy="1875240"/>
+            <a:off x="504000" y="74160"/>
+            <a:ext cx="9072000" cy="1250280"/>
           </a:xfrm>
           <a:prstGeom prst="rect">
             <a:avLst/>
@@ -2042,8 +2047,8 @@
         </p:nvSpPr>
         <p:spPr>
           <a:xfrm>
-            <a:off x="3420000" y="3240000"/>
-            <a:ext cx="6299640" cy="1619640"/>
+            <a:off x="504000" y="1326600"/>
+            <a:ext cx="9072000" cy="3288600"/>
           </a:xfrm>
           <a:prstGeom prst="rect">
             <a:avLst/>
@@ -2104,7 +2109,7 @@
         <p:txBody>
           <a:bodyPr/>
           <a:p>
-            <a:fld id="{DC04B27A-FC1F-49C9-9DB3-DD4180F029B9}" type="slidenum">
+            <a:fld id="{A01A25B1-7E91-4A67-A697-0305F18FED68}" type="slidenum">
               <a:t>&lt;#&gt;</a:t>
             </a:fld>
           </a:p>
@@ -2165,8 +2170,8 @@
         </p:nvSpPr>
         <p:spPr>
           <a:xfrm>
-            <a:off x="2700000" y="1357200"/>
-            <a:ext cx="4679640" cy="1875240"/>
+            <a:off x="504000" y="74160"/>
+            <a:ext cx="9072000" cy="1250280"/>
           </a:xfrm>
           <a:prstGeom prst="rect">
             <a:avLst/>
@@ -2205,8 +2210,8 @@
         </p:nvSpPr>
         <p:spPr>
           <a:xfrm>
-            <a:off x="3420000" y="3240000"/>
-            <a:ext cx="3074040" cy="1619640"/>
+            <a:off x="504000" y="1326600"/>
+            <a:ext cx="4426920" cy="3288600"/>
           </a:xfrm>
           <a:prstGeom prst="rect">
             <a:avLst/>
@@ -2218,7 +2223,7 @@
         </p:spPr>
         <p:txBody>
           <a:bodyPr lIns="0" rIns="0" tIns="0" bIns="0" anchor="t">
-            <a:normAutofit fontScale="84000"/>
+            <a:normAutofit/>
           </a:bodyPr>
           <a:p>
             <a:pPr indent="0">
@@ -2248,8 +2253,8 @@
         </p:nvSpPr>
         <p:spPr>
           <a:xfrm>
-            <a:off x="6648120" y="3240000"/>
-            <a:ext cx="3074040" cy="772560"/>
+            <a:off x="5152680" y="1326600"/>
+            <a:ext cx="4426920" cy="1568520"/>
           </a:xfrm>
           <a:prstGeom prst="rect">
             <a:avLst/>
@@ -2261,7 +2266,7 @@
         </p:spPr>
         <p:txBody>
           <a:bodyPr lIns="0" rIns="0" tIns="0" bIns="0" anchor="t">
-            <a:normAutofit fontScale="59000"/>
+            <a:normAutofit/>
           </a:bodyPr>
           <a:p>
             <a:pPr indent="0">
@@ -2291,8 +2296,8 @@
         </p:nvSpPr>
         <p:spPr>
           <a:xfrm>
-            <a:off x="6648120" y="4086360"/>
-            <a:ext cx="3074040" cy="772560"/>
+            <a:off x="5152680" y="3044520"/>
+            <a:ext cx="4426920" cy="1568520"/>
           </a:xfrm>
           <a:prstGeom prst="rect">
             <a:avLst/>
@@ -2304,7 +2309,7 @@
         </p:spPr>
         <p:txBody>
           <a:bodyPr lIns="0" rIns="0" tIns="0" bIns="0" anchor="t">
-            <a:normAutofit fontScale="59000"/>
+            <a:normAutofit/>
           </a:bodyPr>
           <a:p>
             <a:pPr indent="0">
@@ -2397,8 +2402,8 @@
         </p:nvSpPr>
         <p:spPr>
           <a:xfrm>
-            <a:off x="2700000" y="1357200"/>
-            <a:ext cx="4679640" cy="1875240"/>
+            <a:off x="504000" y="74160"/>
+            <a:ext cx="9072000" cy="1250280"/>
           </a:xfrm>
           <a:prstGeom prst="rect">
             <a:avLst/>
@@ -2437,8 +2442,8 @@
         </p:nvSpPr>
         <p:spPr>
           <a:xfrm>
-            <a:off x="3420000" y="3240000"/>
-            <a:ext cx="3074040" cy="772560"/>
+            <a:off x="504000" y="1326600"/>
+            <a:ext cx="4426920" cy="1568520"/>
           </a:xfrm>
           <a:prstGeom prst="rect">
             <a:avLst/>
@@ -2450,7 +2455,7 @@
         </p:spPr>
         <p:txBody>
           <a:bodyPr lIns="0" rIns="0" tIns="0" bIns="0" anchor="t">
-            <a:normAutofit fontScale="59000"/>
+            <a:normAutofit/>
           </a:bodyPr>
           <a:p>
             <a:pPr indent="0">
@@ -2480,8 +2485,8 @@
         </p:nvSpPr>
         <p:spPr>
           <a:xfrm>
-            <a:off x="6648120" y="3240000"/>
-            <a:ext cx="3074040" cy="772560"/>
+            <a:off x="5152680" y="1326600"/>
+            <a:ext cx="4426920" cy="1568520"/>
           </a:xfrm>
           <a:prstGeom prst="rect">
             <a:avLst/>
@@ -2493,7 +2498,7 @@
         </p:spPr>
         <p:txBody>
           <a:bodyPr lIns="0" rIns="0" tIns="0" bIns="0" anchor="t">
-            <a:normAutofit fontScale="59000"/>
+            <a:normAutofit/>
           </a:bodyPr>
           <a:p>
             <a:pPr indent="0">
@@ -2523,8 +2528,8 @@
         </p:nvSpPr>
         <p:spPr>
           <a:xfrm>
-            <a:off x="3420000" y="4086360"/>
-            <a:ext cx="6299640" cy="772560"/>
+            <a:off x="504000" y="3044520"/>
+            <a:ext cx="9072000" cy="1568520"/>
           </a:xfrm>
           <a:prstGeom prst="rect">
             <a:avLst/>
@@ -2536,7 +2541,7 @@
         </p:spPr>
         <p:txBody>
           <a:bodyPr lIns="0" rIns="0" tIns="0" bIns="0" anchor="t">
-            <a:normAutofit fontScale="86000"/>
+            <a:normAutofit/>
           </a:bodyPr>
           <a:p>
             <a:pPr indent="0">
@@ -2629,8 +2634,8 @@
         </p:nvSpPr>
         <p:spPr>
           <a:xfrm>
-            <a:off x="2700000" y="1357200"/>
-            <a:ext cx="4679640" cy="1875240"/>
+            <a:off x="504000" y="74160"/>
+            <a:ext cx="9072000" cy="1250280"/>
           </a:xfrm>
           <a:prstGeom prst="rect">
             <a:avLst/>
@@ -2669,8 +2674,8 @@
         </p:nvSpPr>
         <p:spPr>
           <a:xfrm>
-            <a:off x="3420000" y="3240000"/>
-            <a:ext cx="6299640" cy="772560"/>
+            <a:off x="504000" y="1326600"/>
+            <a:ext cx="9072000" cy="1568520"/>
           </a:xfrm>
           <a:prstGeom prst="rect">
             <a:avLst/>
@@ -2682,7 +2687,7 @@
         </p:spPr>
         <p:txBody>
           <a:bodyPr lIns="0" rIns="0" tIns="0" bIns="0" anchor="t">
-            <a:normAutofit fontScale="86000"/>
+            <a:normAutofit/>
           </a:bodyPr>
           <a:p>
             <a:pPr indent="0">
@@ -2712,8 +2717,8 @@
         </p:nvSpPr>
         <p:spPr>
           <a:xfrm>
-            <a:off x="3420000" y="4086360"/>
-            <a:ext cx="6299640" cy="772560"/>
+            <a:off x="504000" y="3044520"/>
+            <a:ext cx="9072000" cy="1568520"/>
           </a:xfrm>
           <a:prstGeom prst="rect">
             <a:avLst/>
@@ -2725,7 +2730,7 @@
         </p:spPr>
         <p:txBody>
           <a:bodyPr lIns="0" rIns="0" tIns="0" bIns="0" anchor="t">
-            <a:normAutofit fontScale="86000"/>
+            <a:normAutofit/>
           </a:bodyPr>
           <a:p>
             <a:pPr indent="0">
@@ -2818,8 +2823,8 @@
         </p:nvSpPr>
         <p:spPr>
           <a:xfrm>
-            <a:off x="2700000" y="1357200"/>
-            <a:ext cx="4679640" cy="1875240"/>
+            <a:off x="504000" y="74160"/>
+            <a:ext cx="9072000" cy="1250280"/>
           </a:xfrm>
           <a:prstGeom prst="rect">
             <a:avLst/>
@@ -2858,8 +2863,8 @@
         </p:nvSpPr>
         <p:spPr>
           <a:xfrm>
-            <a:off x="3420000" y="3240000"/>
-            <a:ext cx="3074040" cy="772560"/>
+            <a:off x="504000" y="1326600"/>
+            <a:ext cx="4426920" cy="1568520"/>
           </a:xfrm>
           <a:prstGeom prst="rect">
             <a:avLst/>
@@ -2871,7 +2876,7 @@
         </p:spPr>
         <p:txBody>
           <a:bodyPr lIns="0" rIns="0" tIns="0" bIns="0" anchor="t">
-            <a:normAutofit fontScale="59000"/>
+            <a:normAutofit/>
           </a:bodyPr>
           <a:p>
             <a:pPr indent="0">
@@ -2901,8 +2906,8 @@
         </p:nvSpPr>
         <p:spPr>
           <a:xfrm>
-            <a:off x="6648120" y="3240000"/>
-            <a:ext cx="3074040" cy="772560"/>
+            <a:off x="5152680" y="1326600"/>
+            <a:ext cx="4426920" cy="1568520"/>
           </a:xfrm>
           <a:prstGeom prst="rect">
             <a:avLst/>
@@ -2914,7 +2919,7 @@
         </p:spPr>
         <p:txBody>
           <a:bodyPr lIns="0" rIns="0" tIns="0" bIns="0" anchor="t">
-            <a:normAutofit fontScale="59000"/>
+            <a:normAutofit/>
           </a:bodyPr>
           <a:p>
             <a:pPr indent="0">
@@ -2944,8 +2949,8 @@
         </p:nvSpPr>
         <p:spPr>
           <a:xfrm>
-            <a:off x="3420000" y="4086360"/>
-            <a:ext cx="3074040" cy="772560"/>
+            <a:off x="504000" y="3044520"/>
+            <a:ext cx="4426920" cy="1568520"/>
           </a:xfrm>
           <a:prstGeom prst="rect">
             <a:avLst/>
@@ -2957,7 +2962,7 @@
         </p:spPr>
         <p:txBody>
           <a:bodyPr lIns="0" rIns="0" tIns="0" bIns="0" anchor="t">
-            <a:normAutofit fontScale="59000"/>
+            <a:normAutofit/>
           </a:bodyPr>
           <a:p>
             <a:pPr indent="0">
@@ -2987,8 +2992,8 @@
         </p:nvSpPr>
         <p:spPr>
           <a:xfrm>
-            <a:off x="6648120" y="4086360"/>
-            <a:ext cx="3074040" cy="772560"/>
+            <a:off x="5152680" y="3044520"/>
+            <a:ext cx="4426920" cy="1568520"/>
           </a:xfrm>
           <a:prstGeom prst="rect">
             <a:avLst/>
@@ -3000,7 +3005,7 @@
         </p:spPr>
         <p:txBody>
           <a:bodyPr lIns="0" rIns="0" tIns="0" bIns="0" anchor="t">
-            <a:normAutofit fontScale="59000"/>
+            <a:normAutofit/>
           </a:bodyPr>
           <a:p>
             <a:pPr indent="0">
@@ -3093,8 +3098,8 @@
         </p:nvSpPr>
         <p:spPr>
           <a:xfrm>
-            <a:off x="2700000" y="1357200"/>
-            <a:ext cx="4679640" cy="1875240"/>
+            <a:off x="504000" y="74160"/>
+            <a:ext cx="9072000" cy="1250280"/>
           </a:xfrm>
           <a:prstGeom prst="rect">
             <a:avLst/>
@@ -3133,8 +3138,8 @@
         </p:nvSpPr>
         <p:spPr>
           <a:xfrm>
-            <a:off x="3420000" y="3240000"/>
-            <a:ext cx="2028240" cy="772560"/>
+            <a:off x="504000" y="1326600"/>
+            <a:ext cx="2921040" cy="1568520"/>
           </a:xfrm>
           <a:prstGeom prst="rect">
             <a:avLst/>
@@ -3146,7 +3151,7 @@
         </p:spPr>
         <p:txBody>
           <a:bodyPr lIns="0" rIns="0" tIns="0" bIns="0" anchor="t">
-            <a:normAutofit fontScale="56000"/>
+            <a:normAutofit fontScale="81000"/>
           </a:bodyPr>
           <a:p>
             <a:pPr indent="0">
@@ -3176,8 +3181,8 @@
         </p:nvSpPr>
         <p:spPr>
           <a:xfrm>
-            <a:off x="5550120" y="3240000"/>
-            <a:ext cx="2028240" cy="772560"/>
+            <a:off x="3571560" y="1326600"/>
+            <a:ext cx="2921040" cy="1568520"/>
           </a:xfrm>
           <a:prstGeom prst="rect">
             <a:avLst/>
@@ -3189,7 +3194,7 @@
         </p:spPr>
         <p:txBody>
           <a:bodyPr lIns="0" rIns="0" tIns="0" bIns="0" anchor="t">
-            <a:normAutofit fontScale="56000"/>
+            <a:normAutofit fontScale="81000"/>
           </a:bodyPr>
           <a:p>
             <a:pPr indent="0">
@@ -3219,8 +3224,8 @@
         </p:nvSpPr>
         <p:spPr>
           <a:xfrm>
-            <a:off x="7680240" y="3240000"/>
-            <a:ext cx="2028240" cy="772560"/>
+            <a:off x="6639120" y="1326600"/>
+            <a:ext cx="2921040" cy="1568520"/>
           </a:xfrm>
           <a:prstGeom prst="rect">
             <a:avLst/>
@@ -3232,7 +3237,7 @@
         </p:spPr>
         <p:txBody>
           <a:bodyPr lIns="0" rIns="0" tIns="0" bIns="0" anchor="t">
-            <a:normAutofit fontScale="56000"/>
+            <a:normAutofit fontScale="81000"/>
           </a:bodyPr>
           <a:p>
             <a:pPr indent="0">
@@ -3262,8 +3267,8 @@
         </p:nvSpPr>
         <p:spPr>
           <a:xfrm>
-            <a:off x="3420000" y="4086360"/>
-            <a:ext cx="2028240" cy="772560"/>
+            <a:off x="504000" y="3044520"/>
+            <a:ext cx="2921040" cy="1568520"/>
           </a:xfrm>
           <a:prstGeom prst="rect">
             <a:avLst/>
@@ -3275,7 +3280,7 @@
         </p:spPr>
         <p:txBody>
           <a:bodyPr lIns="0" rIns="0" tIns="0" bIns="0" anchor="t">
-            <a:normAutofit fontScale="56000"/>
+            <a:normAutofit fontScale="81000"/>
           </a:bodyPr>
           <a:p>
             <a:pPr indent="0">
@@ -3305,8 +3310,8 @@
         </p:nvSpPr>
         <p:spPr>
           <a:xfrm>
-            <a:off x="5550120" y="4086360"/>
-            <a:ext cx="2028240" cy="772560"/>
+            <a:off x="3571560" y="3044520"/>
+            <a:ext cx="2921040" cy="1568520"/>
           </a:xfrm>
           <a:prstGeom prst="rect">
             <a:avLst/>
@@ -3318,7 +3323,7 @@
         </p:spPr>
         <p:txBody>
           <a:bodyPr lIns="0" rIns="0" tIns="0" bIns="0" anchor="t">
-            <a:normAutofit fontScale="56000"/>
+            <a:normAutofit fontScale="81000"/>
           </a:bodyPr>
           <a:p>
             <a:pPr indent="0">
@@ -3348,8 +3353,8 @@
         </p:nvSpPr>
         <p:spPr>
           <a:xfrm>
-            <a:off x="7680240" y="4086360"/>
-            <a:ext cx="2028240" cy="772560"/>
+            <a:off x="6639120" y="3044520"/>
+            <a:ext cx="2921040" cy="1568520"/>
           </a:xfrm>
           <a:prstGeom prst="rect">
             <a:avLst/>
@@ -3361,7 +3366,7 @@
         </p:spPr>
         <p:txBody>
           <a:bodyPr lIns="0" rIns="0" tIns="0" bIns="0" anchor="t">
-            <a:normAutofit fontScale="56000"/>
+            <a:normAutofit fontScale="81000"/>
           </a:bodyPr>
           <a:p>
             <a:pPr indent="0">
@@ -3476,7 +3481,7 @@
         <p:txBody>
           <a:bodyPr/>
           <a:p>
-            <a:fld id="{D5664081-6AFD-49B8-B8D2-8953A8F4FB61}" type="slidenum">
+            <a:fld id="{002F61D5-53B0-45BC-9068-43531A4F00E0}" type="slidenum">
               <a:t>&lt;#&gt;</a:t>
             </a:fld>
           </a:p>
@@ -3537,8 +3542,8 @@
         </p:nvSpPr>
         <p:spPr>
           <a:xfrm>
-            <a:off x="2700000" y="1357200"/>
-            <a:ext cx="4679640" cy="1875240"/>
+            <a:off x="504000" y="74160"/>
+            <a:ext cx="9072000" cy="1250280"/>
           </a:xfrm>
           <a:prstGeom prst="rect">
             <a:avLst/>
@@ -3577,8 +3582,8 @@
         </p:nvSpPr>
         <p:spPr>
           <a:xfrm>
-            <a:off x="3420000" y="3240000"/>
-            <a:ext cx="6299640" cy="1619640"/>
+            <a:off x="504000" y="1326600"/>
+            <a:ext cx="9072000" cy="3288600"/>
           </a:xfrm>
           <a:prstGeom prst="rect">
             <a:avLst/>
@@ -3639,7 +3644,7 @@
         <p:txBody>
           <a:bodyPr/>
           <a:p>
-            <a:fld id="{92D4ABD4-6184-4B3F-890A-03B20221B912}" type="slidenum">
+            <a:fld id="{83ABC702-5D90-41CE-80C1-938941F89E57}" type="slidenum">
               <a:t>&lt;#&gt;</a:t>
             </a:fld>
           </a:p>
@@ -3700,8 +3705,8 @@
         </p:nvSpPr>
         <p:spPr>
           <a:xfrm>
-            <a:off x="2700000" y="1357200"/>
-            <a:ext cx="4679640" cy="1875240"/>
+            <a:off x="504000" y="74160"/>
+            <a:ext cx="9072000" cy="1250280"/>
           </a:xfrm>
           <a:prstGeom prst="rect">
             <a:avLst/>
@@ -3740,8 +3745,8 @@
         </p:nvSpPr>
         <p:spPr>
           <a:xfrm>
-            <a:off x="3420000" y="3240000"/>
-            <a:ext cx="6299640" cy="1619640"/>
+            <a:off x="504000" y="1326600"/>
+            <a:ext cx="9072000" cy="3288600"/>
           </a:xfrm>
           <a:prstGeom prst="rect">
             <a:avLst/>
@@ -3805,7 +3810,7 @@
         <p:txBody>
           <a:bodyPr/>
           <a:p>
-            <a:fld id="{E93CC170-33CE-4578-8B1E-CE90AB8BBD2E}" type="slidenum">
+            <a:fld id="{330D5B49-F2BA-40FF-B363-290FB58340D8}" type="slidenum">
               <a:t>&lt;#&gt;</a:t>
             </a:fld>
           </a:p>
@@ -3866,8 +3871,8 @@
         </p:nvSpPr>
         <p:spPr>
           <a:xfrm>
-            <a:off x="2700000" y="1357200"/>
-            <a:ext cx="4679640" cy="1875240"/>
+            <a:off x="504000" y="74160"/>
+            <a:ext cx="9072000" cy="1250280"/>
           </a:xfrm>
           <a:prstGeom prst="rect">
             <a:avLst/>
@@ -3906,8 +3911,8 @@
         </p:nvSpPr>
         <p:spPr>
           <a:xfrm>
-            <a:off x="3420000" y="3240000"/>
-            <a:ext cx="3074040" cy="1619640"/>
+            <a:off x="504000" y="1326600"/>
+            <a:ext cx="4426920" cy="3288600"/>
           </a:xfrm>
           <a:prstGeom prst="rect">
             <a:avLst/>
@@ -3919,7 +3924,7 @@
         </p:spPr>
         <p:txBody>
           <a:bodyPr lIns="0" rIns="0" tIns="0" bIns="0" anchor="t">
-            <a:normAutofit fontScale="84000"/>
+            <a:normAutofit/>
           </a:bodyPr>
           <a:p>
             <a:pPr indent="0">
@@ -3949,8 +3954,8 @@
         </p:nvSpPr>
         <p:spPr>
           <a:xfrm>
-            <a:off x="6648120" y="3240000"/>
-            <a:ext cx="3074040" cy="1619640"/>
+            <a:off x="5152680" y="1326600"/>
+            <a:ext cx="4426920" cy="3288600"/>
           </a:xfrm>
           <a:prstGeom prst="rect">
             <a:avLst/>
@@ -3962,7 +3967,7 @@
         </p:spPr>
         <p:txBody>
           <a:bodyPr lIns="0" rIns="0" tIns="0" bIns="0" anchor="t">
-            <a:normAutofit fontScale="84000"/>
+            <a:normAutofit/>
           </a:bodyPr>
           <a:p>
             <a:pPr indent="0">
@@ -4014,7 +4019,7 @@
         <p:txBody>
           <a:bodyPr/>
           <a:p>
-            <a:fld id="{A950F7A5-FC5F-44BD-9C7C-A1C6BE24E389}" type="slidenum">
+            <a:fld id="{91AB3805-ABC8-48A0-8185-3FC5BD5BE4EA}" type="slidenum">
               <a:t>&lt;#&gt;</a:t>
             </a:fld>
           </a:p>
@@ -4075,8 +4080,8 @@
         </p:nvSpPr>
         <p:spPr>
           <a:xfrm>
-            <a:off x="2700000" y="1357200"/>
-            <a:ext cx="4679640" cy="1875240"/>
+            <a:off x="504000" y="74160"/>
+            <a:ext cx="9072000" cy="1250280"/>
           </a:xfrm>
           <a:prstGeom prst="rect">
             <a:avLst/>
@@ -4137,7 +4142,7 @@
         <p:txBody>
           <a:bodyPr/>
           <a:p>
-            <a:fld id="{ADA34F10-6D3B-457D-A7EC-8F76ED7C9CE0}" type="slidenum">
+            <a:fld id="{B0EA6A73-9A83-43F7-A7A9-CA499F19C6A1}" type="slidenum">
               <a:t>&lt;#&gt;</a:t>
             </a:fld>
           </a:p>
@@ -4198,8 +4203,8 @@
         </p:nvSpPr>
         <p:spPr>
           <a:xfrm>
-            <a:off x="2700000" y="1357200"/>
-            <a:ext cx="4679640" cy="1875240"/>
+            <a:off x="504000" y="74160"/>
+            <a:ext cx="9072000" cy="1250280"/>
           </a:xfrm>
           <a:prstGeom prst="rect">
             <a:avLst/>
@@ -4238,8 +4243,8 @@
         </p:nvSpPr>
         <p:spPr>
           <a:xfrm>
-            <a:off x="3420000" y="3240000"/>
-            <a:ext cx="6299640" cy="1619640"/>
+            <a:off x="504000" y="1326600"/>
+            <a:ext cx="9072000" cy="3288600"/>
           </a:xfrm>
           <a:prstGeom prst="rect">
             <a:avLst/>
@@ -4303,7 +4308,7 @@
         <p:txBody>
           <a:bodyPr/>
           <a:p>
-            <a:fld id="{C81D05C2-1CF5-4B6D-88A6-5AA7DCD4E772}" type="slidenum">
+            <a:fld id="{9F7B20C2-4F3B-412E-BE85-C53A7BA7BDAD}" type="slidenum">
               <a:t>&lt;#&gt;</a:t>
             </a:fld>
           </a:p>
@@ -4364,8 +4369,8 @@
         </p:nvSpPr>
         <p:spPr>
           <a:xfrm>
-            <a:off x="2700000" y="1485000"/>
-            <a:ext cx="4679640" cy="7508880"/>
+            <a:off x="504000" y="226080"/>
+            <a:ext cx="9072000" cy="4388400"/>
           </a:xfrm>
           <a:prstGeom prst="rect">
             <a:avLst/>
@@ -4424,7 +4429,7 @@
         <p:txBody>
           <a:bodyPr/>
           <a:p>
-            <a:fld id="{E71B2ABA-52BE-4571-A789-08F09BBA7A37}" type="slidenum">
+            <a:fld id="{AA531556-8152-486B-BC21-875EFD78C633}" type="slidenum">
               <a:t>&lt;#&gt;</a:t>
             </a:fld>
           </a:p>
@@ -4485,8 +4490,8 @@
         </p:nvSpPr>
         <p:spPr>
           <a:xfrm>
-            <a:off x="2700000" y="1357200"/>
-            <a:ext cx="4679640" cy="1875240"/>
+            <a:off x="504000" y="74160"/>
+            <a:ext cx="9072000" cy="1250280"/>
           </a:xfrm>
           <a:prstGeom prst="rect">
             <a:avLst/>
@@ -4525,8 +4530,8 @@
         </p:nvSpPr>
         <p:spPr>
           <a:xfrm>
-            <a:off x="3420000" y="3240000"/>
-            <a:ext cx="3074040" cy="772560"/>
+            <a:off x="504000" y="1326600"/>
+            <a:ext cx="4426920" cy="1568520"/>
           </a:xfrm>
           <a:prstGeom prst="rect">
             <a:avLst/>
@@ -4538,7 +4543,7 @@
         </p:spPr>
         <p:txBody>
           <a:bodyPr lIns="0" rIns="0" tIns="0" bIns="0" anchor="t">
-            <a:normAutofit fontScale="59000"/>
+            <a:normAutofit/>
           </a:bodyPr>
           <a:p>
             <a:pPr indent="0">
@@ -4568,8 +4573,8 @@
         </p:nvSpPr>
         <p:spPr>
           <a:xfrm>
-            <a:off x="6648120" y="3240000"/>
-            <a:ext cx="3074040" cy="1619640"/>
+            <a:off x="5152680" y="1326600"/>
+            <a:ext cx="4426920" cy="3288600"/>
           </a:xfrm>
           <a:prstGeom prst="rect">
             <a:avLst/>
@@ -4581,7 +4586,7 @@
         </p:spPr>
         <p:txBody>
           <a:bodyPr lIns="0" rIns="0" tIns="0" bIns="0" anchor="t">
-            <a:normAutofit fontScale="84000"/>
+            <a:normAutofit/>
           </a:bodyPr>
           <a:p>
             <a:pPr indent="0">
@@ -4611,8 +4616,8 @@
         </p:nvSpPr>
         <p:spPr>
           <a:xfrm>
-            <a:off x="3420000" y="4086360"/>
-            <a:ext cx="3074040" cy="772560"/>
+            <a:off x="504000" y="3044520"/>
+            <a:ext cx="4426920" cy="1568520"/>
           </a:xfrm>
           <a:prstGeom prst="rect">
             <a:avLst/>
@@ -4624,7 +4629,7 @@
         </p:spPr>
         <p:txBody>
           <a:bodyPr lIns="0" rIns="0" tIns="0" bIns="0" anchor="t">
-            <a:normAutofit fontScale="59000"/>
+            <a:normAutofit/>
           </a:bodyPr>
           <a:p>
             <a:pPr indent="0">
@@ -4676,7 +4681,7 @@
         <p:txBody>
           <a:bodyPr/>
           <a:p>
-            <a:fld id="{74C01B64-B600-4AFC-9B8E-CFCCD22E2071}" type="slidenum">
+            <a:fld id="{E678E65E-7A02-4494-9C0C-087204E12811}" type="slidenum">
               <a:t>&lt;#&gt;</a:t>
             </a:fld>
           </a:p>
@@ -4737,8 +4742,8 @@
         </p:nvSpPr>
         <p:spPr>
           <a:xfrm>
-            <a:off x="2700000" y="1357200"/>
-            <a:ext cx="4679640" cy="1875240"/>
+            <a:off x="504000" y="74160"/>
+            <a:ext cx="9072000" cy="1250280"/>
           </a:xfrm>
           <a:prstGeom prst="rect">
             <a:avLst/>
@@ -4777,8 +4782,8 @@
         </p:nvSpPr>
         <p:spPr>
           <a:xfrm>
-            <a:off x="3420000" y="3240000"/>
-            <a:ext cx="3074040" cy="1619640"/>
+            <a:off x="504000" y="1326600"/>
+            <a:ext cx="4426920" cy="3288600"/>
           </a:xfrm>
           <a:prstGeom prst="rect">
             <a:avLst/>
@@ -4790,7 +4795,7 @@
         </p:spPr>
         <p:txBody>
           <a:bodyPr lIns="0" rIns="0" tIns="0" bIns="0" anchor="t">
-            <a:normAutofit fontScale="84000"/>
+            <a:normAutofit/>
           </a:bodyPr>
           <a:p>
             <a:pPr indent="0">
@@ -4820,8 +4825,8 @@
         </p:nvSpPr>
         <p:spPr>
           <a:xfrm>
-            <a:off x="6648120" y="3240000"/>
-            <a:ext cx="3074040" cy="772560"/>
+            <a:off x="5152680" y="1326600"/>
+            <a:ext cx="4426920" cy="1568520"/>
           </a:xfrm>
           <a:prstGeom prst="rect">
             <a:avLst/>
@@ -4833,7 +4838,7 @@
         </p:spPr>
         <p:txBody>
           <a:bodyPr lIns="0" rIns="0" tIns="0" bIns="0" anchor="t">
-            <a:normAutofit fontScale="59000"/>
+            <a:normAutofit/>
           </a:bodyPr>
           <a:p>
             <a:pPr indent="0">
@@ -4863,8 +4868,8 @@
         </p:nvSpPr>
         <p:spPr>
           <a:xfrm>
-            <a:off x="6648120" y="4086360"/>
-            <a:ext cx="3074040" cy="772560"/>
+            <a:off x="5152680" y="3044520"/>
+            <a:ext cx="4426920" cy="1568520"/>
           </a:xfrm>
           <a:prstGeom prst="rect">
             <a:avLst/>
@@ -4876,7 +4881,7 @@
         </p:spPr>
         <p:txBody>
           <a:bodyPr lIns="0" rIns="0" tIns="0" bIns="0" anchor="t">
-            <a:normAutofit fontScale="59000"/>
+            <a:normAutofit/>
           </a:bodyPr>
           <a:p>
             <a:pPr indent="0">
@@ -4928,7 +4933,7 @@
         <p:txBody>
           <a:bodyPr/>
           <a:p>
-            <a:fld id="{E699A865-B28A-463B-BFBC-21A88BE1BCF2}" type="slidenum">
+            <a:fld id="{3E45DE5E-F74E-4382-B942-F3FF459C4955}" type="slidenum">
               <a:t>&lt;#&gt;</a:t>
             </a:fld>
           </a:p>
@@ -4989,8 +4994,8 @@
         </p:nvSpPr>
         <p:spPr>
           <a:xfrm>
-            <a:off x="2700000" y="1357200"/>
-            <a:ext cx="4679640" cy="1875240"/>
+            <a:off x="504000" y="74160"/>
+            <a:ext cx="9072000" cy="1250280"/>
           </a:xfrm>
           <a:prstGeom prst="rect">
             <a:avLst/>
@@ -5029,8 +5034,8 @@
         </p:nvSpPr>
         <p:spPr>
           <a:xfrm>
-            <a:off x="3420000" y="3240000"/>
-            <a:ext cx="3074040" cy="772560"/>
+            <a:off x="504000" y="1326600"/>
+            <a:ext cx="4426920" cy="1568520"/>
           </a:xfrm>
           <a:prstGeom prst="rect">
             <a:avLst/>
@@ -5042,7 +5047,7 @@
         </p:spPr>
         <p:txBody>
           <a:bodyPr lIns="0" rIns="0" tIns="0" bIns="0" anchor="t">
-            <a:normAutofit fontScale="59000"/>
+            <a:normAutofit/>
           </a:bodyPr>
           <a:p>
             <a:pPr indent="0">
@@ -5072,8 +5077,8 @@
         </p:nvSpPr>
         <p:spPr>
           <a:xfrm>
-            <a:off x="6648120" y="3240000"/>
-            <a:ext cx="3074040" cy="772560"/>
+            <a:off x="5152680" y="1326600"/>
+            <a:ext cx="4426920" cy="1568520"/>
           </a:xfrm>
           <a:prstGeom prst="rect">
             <a:avLst/>
@@ -5085,7 +5090,7 @@
         </p:spPr>
         <p:txBody>
           <a:bodyPr lIns="0" rIns="0" tIns="0" bIns="0" anchor="t">
-            <a:normAutofit fontScale="59000"/>
+            <a:normAutofit/>
           </a:bodyPr>
           <a:p>
             <a:pPr indent="0">
@@ -5115,8 +5120,8 @@
         </p:nvSpPr>
         <p:spPr>
           <a:xfrm>
-            <a:off x="3420000" y="4086360"/>
-            <a:ext cx="6299640" cy="772560"/>
+            <a:off x="504000" y="3044520"/>
+            <a:ext cx="9072000" cy="1568520"/>
           </a:xfrm>
           <a:prstGeom prst="rect">
             <a:avLst/>
@@ -5128,7 +5133,7 @@
         </p:spPr>
         <p:txBody>
           <a:bodyPr lIns="0" rIns="0" tIns="0" bIns="0" anchor="t">
-            <a:normAutofit fontScale="86000"/>
+            <a:normAutofit/>
           </a:bodyPr>
           <a:p>
             <a:pPr indent="0">
@@ -5180,7 +5185,7 @@
         <p:txBody>
           <a:bodyPr/>
           <a:p>
-            <a:fld id="{D154D239-892E-4A9A-BA6D-D75D270F91F0}" type="slidenum">
+            <a:fld id="{70301E90-4F75-43D3-B6A0-915FAA2901AF}" type="slidenum">
               <a:t>&lt;#&gt;</a:t>
             </a:fld>
           </a:p>
@@ -5241,8 +5246,8 @@
         </p:nvSpPr>
         <p:spPr>
           <a:xfrm>
-            <a:off x="2700000" y="1357200"/>
-            <a:ext cx="4679640" cy="1875240"/>
+            <a:off x="504000" y="74160"/>
+            <a:ext cx="9072000" cy="1250280"/>
           </a:xfrm>
           <a:prstGeom prst="rect">
             <a:avLst/>
@@ -5281,8 +5286,8 @@
         </p:nvSpPr>
         <p:spPr>
           <a:xfrm>
-            <a:off x="3420000" y="3240000"/>
-            <a:ext cx="6299640" cy="772560"/>
+            <a:off x="504000" y="1326600"/>
+            <a:ext cx="9072000" cy="1568520"/>
           </a:xfrm>
           <a:prstGeom prst="rect">
             <a:avLst/>
@@ -5294,7 +5299,7 @@
         </p:spPr>
         <p:txBody>
           <a:bodyPr lIns="0" rIns="0" tIns="0" bIns="0" anchor="t">
-            <a:normAutofit fontScale="86000"/>
+            <a:normAutofit/>
           </a:bodyPr>
           <a:p>
             <a:pPr indent="0">
@@ -5324,8 +5329,8 @@
         </p:nvSpPr>
         <p:spPr>
           <a:xfrm>
-            <a:off x="3420000" y="4086360"/>
-            <a:ext cx="6299640" cy="772560"/>
+            <a:off x="504000" y="3044520"/>
+            <a:ext cx="9072000" cy="1568520"/>
           </a:xfrm>
           <a:prstGeom prst="rect">
             <a:avLst/>
@@ -5337,7 +5342,7 @@
         </p:spPr>
         <p:txBody>
           <a:bodyPr lIns="0" rIns="0" tIns="0" bIns="0" anchor="t">
-            <a:normAutofit fontScale="86000"/>
+            <a:normAutofit/>
           </a:bodyPr>
           <a:p>
             <a:pPr indent="0">
@@ -5389,7 +5394,7 @@
         <p:txBody>
           <a:bodyPr/>
           <a:p>
-            <a:fld id="{07EEBE71-1069-47DD-9332-90C931A97767}" type="slidenum">
+            <a:fld id="{CCAEDB91-19FB-413A-8915-2DC01CA3170E}" type="slidenum">
               <a:t>&lt;#&gt;</a:t>
             </a:fld>
           </a:p>
@@ -5450,8 +5455,8 @@
         </p:nvSpPr>
         <p:spPr>
           <a:xfrm>
-            <a:off x="2700000" y="1357200"/>
-            <a:ext cx="4679640" cy="1875240"/>
+            <a:off x="504000" y="74160"/>
+            <a:ext cx="9072000" cy="1250280"/>
           </a:xfrm>
           <a:prstGeom prst="rect">
             <a:avLst/>
@@ -5490,8 +5495,8 @@
         </p:nvSpPr>
         <p:spPr>
           <a:xfrm>
-            <a:off x="3420000" y="3240000"/>
-            <a:ext cx="3074040" cy="772560"/>
+            <a:off x="504000" y="1326600"/>
+            <a:ext cx="4426920" cy="1568520"/>
           </a:xfrm>
           <a:prstGeom prst="rect">
             <a:avLst/>
@@ -5503,7 +5508,7 @@
         </p:spPr>
         <p:txBody>
           <a:bodyPr lIns="0" rIns="0" tIns="0" bIns="0" anchor="t">
-            <a:normAutofit fontScale="59000"/>
+            <a:normAutofit/>
           </a:bodyPr>
           <a:p>
             <a:pPr indent="0">
@@ -5533,8 +5538,8 @@
         </p:nvSpPr>
         <p:spPr>
           <a:xfrm>
-            <a:off x="6648120" y="3240000"/>
-            <a:ext cx="3074040" cy="772560"/>
+            <a:off x="5152680" y="1326600"/>
+            <a:ext cx="4426920" cy="1568520"/>
           </a:xfrm>
           <a:prstGeom prst="rect">
             <a:avLst/>
@@ -5546,7 +5551,7 @@
         </p:spPr>
         <p:txBody>
           <a:bodyPr lIns="0" rIns="0" tIns="0" bIns="0" anchor="t">
-            <a:normAutofit fontScale="59000"/>
+            <a:normAutofit/>
           </a:bodyPr>
           <a:p>
             <a:pPr indent="0">
@@ -5576,8 +5581,8 @@
         </p:nvSpPr>
         <p:spPr>
           <a:xfrm>
-            <a:off x="3420000" y="4086360"/>
-            <a:ext cx="3074040" cy="772560"/>
+            <a:off x="504000" y="3044520"/>
+            <a:ext cx="4426920" cy="1568520"/>
           </a:xfrm>
           <a:prstGeom prst="rect">
             <a:avLst/>
@@ -5589,7 +5594,7 @@
         </p:spPr>
         <p:txBody>
           <a:bodyPr lIns="0" rIns="0" tIns="0" bIns="0" anchor="t">
-            <a:normAutofit fontScale="59000"/>
+            <a:normAutofit/>
           </a:bodyPr>
           <a:p>
             <a:pPr indent="0">
@@ -5619,8 +5624,8 @@
         </p:nvSpPr>
         <p:spPr>
           <a:xfrm>
-            <a:off x="6648120" y="4086360"/>
-            <a:ext cx="3074040" cy="772560"/>
+            <a:off x="5152680" y="3044520"/>
+            <a:ext cx="4426920" cy="1568520"/>
           </a:xfrm>
           <a:prstGeom prst="rect">
             <a:avLst/>
@@ -5632,7 +5637,7 @@
         </p:spPr>
         <p:txBody>
           <a:bodyPr lIns="0" rIns="0" tIns="0" bIns="0" anchor="t">
-            <a:normAutofit fontScale="59000"/>
+            <a:normAutofit/>
           </a:bodyPr>
           <a:p>
             <a:pPr indent="0">
@@ -5684,7 +5689,7 @@
         <p:txBody>
           <a:bodyPr/>
           <a:p>
-            <a:fld id="{95C83A6D-C630-4595-9A96-667FBED09837}" type="slidenum">
+            <a:fld id="{F024C29C-E243-416B-BE63-D87F294CDADA}" type="slidenum">
               <a:t>&lt;#&gt;</a:t>
             </a:fld>
           </a:p>
@@ -5745,8 +5750,8 @@
         </p:nvSpPr>
         <p:spPr>
           <a:xfrm>
-            <a:off x="2700000" y="1357200"/>
-            <a:ext cx="4679640" cy="1875240"/>
+            <a:off x="504000" y="74160"/>
+            <a:ext cx="9072000" cy="1250280"/>
           </a:xfrm>
           <a:prstGeom prst="rect">
             <a:avLst/>
@@ -5785,8 +5790,8 @@
         </p:nvSpPr>
         <p:spPr>
           <a:xfrm>
-            <a:off x="3420000" y="3240000"/>
-            <a:ext cx="2028240" cy="772560"/>
+            <a:off x="504000" y="1326600"/>
+            <a:ext cx="2921040" cy="1568520"/>
           </a:xfrm>
           <a:prstGeom prst="rect">
             <a:avLst/>
@@ -5798,7 +5803,7 @@
         </p:spPr>
         <p:txBody>
           <a:bodyPr lIns="0" rIns="0" tIns="0" bIns="0" anchor="t">
-            <a:normAutofit fontScale="56000"/>
+            <a:normAutofit fontScale="81000"/>
           </a:bodyPr>
           <a:p>
             <a:pPr indent="0">
@@ -5828,8 +5833,8 @@
         </p:nvSpPr>
         <p:spPr>
           <a:xfrm>
-            <a:off x="5550120" y="3240000"/>
-            <a:ext cx="2028240" cy="772560"/>
+            <a:off x="3571560" y="1326600"/>
+            <a:ext cx="2921040" cy="1568520"/>
           </a:xfrm>
           <a:prstGeom prst="rect">
             <a:avLst/>
@@ -5841,7 +5846,7 @@
         </p:spPr>
         <p:txBody>
           <a:bodyPr lIns="0" rIns="0" tIns="0" bIns="0" anchor="t">
-            <a:normAutofit fontScale="56000"/>
+            <a:normAutofit fontScale="81000"/>
           </a:bodyPr>
           <a:p>
             <a:pPr indent="0">
@@ -5871,8 +5876,8 @@
         </p:nvSpPr>
         <p:spPr>
           <a:xfrm>
-            <a:off x="7680240" y="3240000"/>
-            <a:ext cx="2028240" cy="772560"/>
+            <a:off x="6639120" y="1326600"/>
+            <a:ext cx="2921040" cy="1568520"/>
           </a:xfrm>
           <a:prstGeom prst="rect">
             <a:avLst/>
@@ -5884,7 +5889,7 @@
         </p:spPr>
         <p:txBody>
           <a:bodyPr lIns="0" rIns="0" tIns="0" bIns="0" anchor="t">
-            <a:normAutofit fontScale="56000"/>
+            <a:normAutofit fontScale="81000"/>
           </a:bodyPr>
           <a:p>
             <a:pPr indent="0">
@@ -5914,8 +5919,8 @@
         </p:nvSpPr>
         <p:spPr>
           <a:xfrm>
-            <a:off x="3420000" y="4086360"/>
-            <a:ext cx="2028240" cy="772560"/>
+            <a:off x="504000" y="3044520"/>
+            <a:ext cx="2921040" cy="1568520"/>
           </a:xfrm>
           <a:prstGeom prst="rect">
             <a:avLst/>
@@ -5927,7 +5932,7 @@
         </p:spPr>
         <p:txBody>
           <a:bodyPr lIns="0" rIns="0" tIns="0" bIns="0" anchor="t">
-            <a:normAutofit fontScale="56000"/>
+            <a:normAutofit fontScale="81000"/>
           </a:bodyPr>
           <a:p>
             <a:pPr indent="0">
@@ -5957,8 +5962,8 @@
         </p:nvSpPr>
         <p:spPr>
           <a:xfrm>
-            <a:off x="5550120" y="4086360"/>
-            <a:ext cx="2028240" cy="772560"/>
+            <a:off x="3571560" y="3044520"/>
+            <a:ext cx="2921040" cy="1568520"/>
           </a:xfrm>
           <a:prstGeom prst="rect">
             <a:avLst/>
@@ -5970,7 +5975,7 @@
         </p:spPr>
         <p:txBody>
           <a:bodyPr lIns="0" rIns="0" tIns="0" bIns="0" anchor="t">
-            <a:normAutofit fontScale="56000"/>
+            <a:normAutofit fontScale="81000"/>
           </a:bodyPr>
           <a:p>
             <a:pPr indent="0">
@@ -6000,8 +6005,8 @@
         </p:nvSpPr>
         <p:spPr>
           <a:xfrm>
-            <a:off x="7680240" y="4086360"/>
-            <a:ext cx="2028240" cy="772560"/>
+            <a:off x="6639120" y="3044520"/>
+            <a:ext cx="2921040" cy="1568520"/>
           </a:xfrm>
           <a:prstGeom prst="rect">
             <a:avLst/>
@@ -6013,7 +6018,7 @@
         </p:spPr>
         <p:txBody>
           <a:bodyPr lIns="0" rIns="0" tIns="0" bIns="0" anchor="t">
-            <a:normAutofit fontScale="56000"/>
+            <a:normAutofit fontScale="81000"/>
           </a:bodyPr>
           <a:p>
             <a:pPr indent="0">
@@ -6065,7 +6070,7 @@
         <p:txBody>
           <a:bodyPr/>
           <a:p>
-            <a:fld id="{36C3AA76-3196-49EB-A683-B268EDD091DF}" type="slidenum">
+            <a:fld id="{492C31A3-FE49-49EC-9210-B12A317DEA5B}" type="slidenum">
               <a:t>&lt;#&gt;</a:t>
             </a:fld>
           </a:p>
@@ -6126,8 +6131,8 @@
         </p:nvSpPr>
         <p:spPr>
           <a:xfrm>
-            <a:off x="2700000" y="1357200"/>
-            <a:ext cx="4679640" cy="1875240"/>
+            <a:off x="504000" y="74160"/>
+            <a:ext cx="9072000" cy="1250280"/>
           </a:xfrm>
           <a:prstGeom prst="rect">
             <a:avLst/>
@@ -6166,8 +6171,8 @@
         </p:nvSpPr>
         <p:spPr>
           <a:xfrm>
-            <a:off x="3420000" y="3240000"/>
-            <a:ext cx="3074040" cy="1619640"/>
+            <a:off x="504000" y="1326600"/>
+            <a:ext cx="4426920" cy="3288600"/>
           </a:xfrm>
           <a:prstGeom prst="rect">
             <a:avLst/>
@@ -6179,7 +6184,7 @@
         </p:spPr>
         <p:txBody>
           <a:bodyPr lIns="0" rIns="0" tIns="0" bIns="0" anchor="t">
-            <a:normAutofit fontScale="84000"/>
+            <a:normAutofit/>
           </a:bodyPr>
           <a:p>
             <a:pPr indent="0">
@@ -6209,8 +6214,8 @@
         </p:nvSpPr>
         <p:spPr>
           <a:xfrm>
-            <a:off x="6648120" y="3240000"/>
-            <a:ext cx="3074040" cy="1619640"/>
+            <a:off x="5152680" y="1326600"/>
+            <a:ext cx="4426920" cy="3288600"/>
           </a:xfrm>
           <a:prstGeom prst="rect">
             <a:avLst/>
@@ -6222,7 +6227,7 @@
         </p:spPr>
         <p:txBody>
           <a:bodyPr lIns="0" rIns="0" tIns="0" bIns="0" anchor="t">
-            <a:normAutofit fontScale="84000"/>
+            <a:normAutofit/>
           </a:bodyPr>
           <a:p>
             <a:pPr indent="0">
@@ -6274,7 +6279,7 @@
         <p:txBody>
           <a:bodyPr/>
           <a:p>
-            <a:fld id="{B0A2EA19-B251-4291-BB2F-C90446DF8299}" type="slidenum">
+            <a:fld id="{7A120CC0-2F9F-4680-871C-725C149577A4}" type="slidenum">
               <a:t>&lt;#&gt;</a:t>
             </a:fld>
           </a:p>
@@ -6335,8 +6340,8 @@
         </p:nvSpPr>
         <p:spPr>
           <a:xfrm>
-            <a:off x="2700000" y="1357200"/>
-            <a:ext cx="4679640" cy="1875240"/>
+            <a:off x="504000" y="74160"/>
+            <a:ext cx="9072000" cy="1250280"/>
           </a:xfrm>
           <a:prstGeom prst="rect">
             <a:avLst/>
@@ -6397,7 +6402,7 @@
         <p:txBody>
           <a:bodyPr/>
           <a:p>
-            <a:fld id="{19D757FC-A116-4234-9570-0D4ACA845A36}" type="slidenum">
+            <a:fld id="{E5AC80A2-258B-494A-9718-BA65D162257A}" type="slidenum">
               <a:t>&lt;#&gt;</a:t>
             </a:fld>
           </a:p>
@@ -6458,8 +6463,8 @@
         </p:nvSpPr>
         <p:spPr>
           <a:xfrm>
-            <a:off x="2700000" y="1485000"/>
-            <a:ext cx="4679640" cy="7508880"/>
+            <a:off x="504000" y="226080"/>
+            <a:ext cx="9072000" cy="4388400"/>
           </a:xfrm>
           <a:prstGeom prst="rect">
             <a:avLst/>
@@ -6518,7 +6523,7 @@
         <p:txBody>
           <a:bodyPr/>
           <a:p>
-            <a:fld id="{70824771-4CFC-4DA8-B58B-00538AAD6E6C}" type="slidenum">
+            <a:fld id="{38775527-D1B5-4BA3-8001-862E4871BA95}" type="slidenum">
               <a:t>&lt;#&gt;</a:t>
             </a:fld>
           </a:p>
@@ -6579,8 +6584,8 @@
         </p:nvSpPr>
         <p:spPr>
           <a:xfrm>
-            <a:off x="2700000" y="1357200"/>
-            <a:ext cx="4679640" cy="1875240"/>
+            <a:off x="504000" y="74160"/>
+            <a:ext cx="9072000" cy="1250280"/>
           </a:xfrm>
           <a:prstGeom prst="rect">
             <a:avLst/>
@@ -6619,8 +6624,8 @@
         </p:nvSpPr>
         <p:spPr>
           <a:xfrm>
-            <a:off x="3420000" y="3240000"/>
-            <a:ext cx="3074040" cy="772560"/>
+            <a:off x="504000" y="1326600"/>
+            <a:ext cx="4426920" cy="1568520"/>
           </a:xfrm>
           <a:prstGeom prst="rect">
             <a:avLst/>
@@ -6632,7 +6637,7 @@
         </p:spPr>
         <p:txBody>
           <a:bodyPr lIns="0" rIns="0" tIns="0" bIns="0" anchor="t">
-            <a:normAutofit fontScale="59000"/>
+            <a:normAutofit/>
           </a:bodyPr>
           <a:p>
             <a:pPr indent="0">
@@ -6662,8 +6667,8 @@
         </p:nvSpPr>
         <p:spPr>
           <a:xfrm>
-            <a:off x="6648120" y="3240000"/>
-            <a:ext cx="3074040" cy="1619640"/>
+            <a:off x="5152680" y="1326600"/>
+            <a:ext cx="4426920" cy="3288600"/>
           </a:xfrm>
           <a:prstGeom prst="rect">
             <a:avLst/>
@@ -6675,7 +6680,7 @@
         </p:spPr>
         <p:txBody>
           <a:bodyPr lIns="0" rIns="0" tIns="0" bIns="0" anchor="t">
-            <a:normAutofit fontScale="84000"/>
+            <a:normAutofit/>
           </a:bodyPr>
           <a:p>
             <a:pPr indent="0">
@@ -6705,8 +6710,8 @@
         </p:nvSpPr>
         <p:spPr>
           <a:xfrm>
-            <a:off x="3420000" y="4086360"/>
-            <a:ext cx="3074040" cy="772560"/>
+            <a:off x="504000" y="3044520"/>
+            <a:ext cx="4426920" cy="1568520"/>
           </a:xfrm>
           <a:prstGeom prst="rect">
             <a:avLst/>
@@ -6718,7 +6723,7 @@
         </p:spPr>
         <p:txBody>
           <a:bodyPr lIns="0" rIns="0" tIns="0" bIns="0" anchor="t">
-            <a:normAutofit fontScale="59000"/>
+            <a:normAutofit/>
           </a:bodyPr>
           <a:p>
             <a:pPr indent="0">
@@ -6770,7 +6775,7 @@
         <p:txBody>
           <a:bodyPr/>
           <a:p>
-            <a:fld id="{C5F39012-EE9D-4F60-A933-714DE08C839C}" type="slidenum">
+            <a:fld id="{C67199B7-5578-4593-BF27-5C189C58FA1C}" type="slidenum">
               <a:t>&lt;#&gt;</a:t>
             </a:fld>
           </a:p>
@@ -6831,8 +6836,8 @@
         </p:nvSpPr>
         <p:spPr>
           <a:xfrm>
-            <a:off x="2700000" y="1357200"/>
-            <a:ext cx="4679640" cy="1875240"/>
+            <a:off x="504000" y="74160"/>
+            <a:ext cx="9072000" cy="1250280"/>
           </a:xfrm>
           <a:prstGeom prst="rect">
             <a:avLst/>
@@ -6871,8 +6876,8 @@
         </p:nvSpPr>
         <p:spPr>
           <a:xfrm>
-            <a:off x="3420000" y="3240000"/>
-            <a:ext cx="3074040" cy="1619640"/>
+            <a:off x="504000" y="1326600"/>
+            <a:ext cx="4426920" cy="3288600"/>
           </a:xfrm>
           <a:prstGeom prst="rect">
             <a:avLst/>
@@ -6884,7 +6889,7 @@
         </p:spPr>
         <p:txBody>
           <a:bodyPr lIns="0" rIns="0" tIns="0" bIns="0" anchor="t">
-            <a:normAutofit fontScale="84000"/>
+            <a:normAutofit/>
           </a:bodyPr>
           <a:p>
             <a:pPr indent="0">
@@ -6914,8 +6919,8 @@
         </p:nvSpPr>
         <p:spPr>
           <a:xfrm>
-            <a:off x="6648120" y="3240000"/>
-            <a:ext cx="3074040" cy="772560"/>
+            <a:off x="5152680" y="1326600"/>
+            <a:ext cx="4426920" cy="1568520"/>
           </a:xfrm>
           <a:prstGeom prst="rect">
             <a:avLst/>
@@ -6927,7 +6932,7 @@
         </p:spPr>
         <p:txBody>
           <a:bodyPr lIns="0" rIns="0" tIns="0" bIns="0" anchor="t">
-            <a:normAutofit fontScale="59000"/>
+            <a:normAutofit/>
           </a:bodyPr>
           <a:p>
             <a:pPr indent="0">
@@ -6957,8 +6962,8 @@
         </p:nvSpPr>
         <p:spPr>
           <a:xfrm>
-            <a:off x="6648120" y="4086360"/>
-            <a:ext cx="3074040" cy="772560"/>
+            <a:off x="5152680" y="3044520"/>
+            <a:ext cx="4426920" cy="1568520"/>
           </a:xfrm>
           <a:prstGeom prst="rect">
             <a:avLst/>
@@ -6970,7 +6975,7 @@
         </p:spPr>
         <p:txBody>
           <a:bodyPr lIns="0" rIns="0" tIns="0" bIns="0" anchor="t">
-            <a:normAutofit fontScale="59000"/>
+            <a:normAutofit/>
           </a:bodyPr>
           <a:p>
             <a:pPr indent="0">
@@ -7022,7 +7027,7 @@
         <p:txBody>
           <a:bodyPr/>
           <a:p>
-            <a:fld id="{21C12573-8DCC-4E9B-9676-C7F244EAC9BB}" type="slidenum">
+            <a:fld id="{8AEB7F91-5F8A-4C9F-ADEF-984CC9EEE6F1}" type="slidenum">
               <a:t>&lt;#&gt;</a:t>
             </a:fld>
           </a:p>
@@ -7083,8 +7088,8 @@
         </p:nvSpPr>
         <p:spPr>
           <a:xfrm>
-            <a:off x="2700000" y="1357200"/>
-            <a:ext cx="4679640" cy="1875240"/>
+            <a:off x="504000" y="74160"/>
+            <a:ext cx="9072000" cy="1250280"/>
           </a:xfrm>
           <a:prstGeom prst="rect">
             <a:avLst/>
@@ -7123,8 +7128,8 @@
         </p:nvSpPr>
         <p:spPr>
           <a:xfrm>
-            <a:off x="3420000" y="3240000"/>
-            <a:ext cx="3074040" cy="772560"/>
+            <a:off x="504000" y="1326600"/>
+            <a:ext cx="4426920" cy="1568520"/>
           </a:xfrm>
           <a:prstGeom prst="rect">
             <a:avLst/>
@@ -7136,7 +7141,7 @@
         </p:spPr>
         <p:txBody>
           <a:bodyPr lIns="0" rIns="0" tIns="0" bIns="0" anchor="t">
-            <a:normAutofit fontScale="59000"/>
+            <a:normAutofit/>
           </a:bodyPr>
           <a:p>
             <a:pPr indent="0">
@@ -7166,8 +7171,8 @@
         </p:nvSpPr>
         <p:spPr>
           <a:xfrm>
-            <a:off x="6648120" y="3240000"/>
-            <a:ext cx="3074040" cy="772560"/>
+            <a:off x="5152680" y="1326600"/>
+            <a:ext cx="4426920" cy="1568520"/>
           </a:xfrm>
           <a:prstGeom prst="rect">
             <a:avLst/>
@@ -7179,7 +7184,7 @@
         </p:spPr>
         <p:txBody>
           <a:bodyPr lIns="0" rIns="0" tIns="0" bIns="0" anchor="t">
-            <a:normAutofit fontScale="59000"/>
+            <a:normAutofit/>
           </a:bodyPr>
           <a:p>
             <a:pPr indent="0">
@@ -7209,8 +7214,8 @@
         </p:nvSpPr>
         <p:spPr>
           <a:xfrm>
-            <a:off x="3420000" y="4086360"/>
-            <a:ext cx="6299640" cy="772560"/>
+            <a:off x="504000" y="3044520"/>
+            <a:ext cx="9072000" cy="1568520"/>
           </a:xfrm>
           <a:prstGeom prst="rect">
             <a:avLst/>
@@ -7222,7 +7227,7 @@
         </p:spPr>
         <p:txBody>
           <a:bodyPr lIns="0" rIns="0" tIns="0" bIns="0" anchor="t">
-            <a:normAutofit fontScale="86000"/>
+            <a:normAutofit/>
           </a:bodyPr>
           <a:p>
             <a:pPr indent="0">
@@ -7274,7 +7279,7 @@
         <p:txBody>
           <a:bodyPr/>
           <a:p>
-            <a:fld id="{414AF79B-20EE-49A8-BECE-3255F0191403}" type="slidenum">
+            <a:fld id="{F014306A-3E1D-47EA-81B5-9029156D106E}" type="slidenum">
               <a:t>&lt;#&gt;</a:t>
             </a:fld>
           </a:p>
@@ -7332,7 +7337,7 @@
         <p:spPr>
           <a:xfrm>
             <a:off x="0" y="0"/>
-            <a:ext cx="10079640" cy="5669640"/>
+            <a:ext cx="10079280" cy="5669280"/>
           </a:xfrm>
           <a:prstGeom prst="rect">
             <a:avLst/>
@@ -7379,7 +7384,7 @@
         <p:spPr>
           <a:xfrm>
             <a:off x="0" y="0"/>
-            <a:ext cx="10079640" cy="3779640"/>
+            <a:ext cx="10079280" cy="3779280"/>
           </a:xfrm>
           <a:prstGeom prst="rect">
             <a:avLst/>
@@ -7432,19 +7437,19 @@
         </p:nvSpPr>
         <p:spPr>
           <a:xfrm>
-            <a:off x="2700000" y="1485000"/>
-            <a:ext cx="4679640" cy="1619640"/>
-          </a:xfrm>
-          <a:prstGeom prst="rect">
-            <a:avLst/>
-          </a:prstGeom>
-          <a:noFill/>
-          <a:ln w="0">
-            <a:noFill/>
-          </a:ln>
-        </p:spPr>
-        <p:txBody>
-          <a:bodyPr lIns="0" rIns="0" tIns="0" bIns="0" anchor="ctr" anchorCtr="1">
+            <a:off x="2700000" y="1357200"/>
+            <a:ext cx="4679280" cy="1874880"/>
+          </a:xfrm>
+          <a:prstGeom prst="rect">
+            <a:avLst/>
+          </a:prstGeom>
+          <a:noFill/>
+          <a:ln w="0">
+            <a:noFill/>
+          </a:ln>
+        </p:spPr>
+        <p:txBody>
+          <a:bodyPr lIns="0" rIns="0" tIns="0" bIns="0" anchor="ctr">
             <a:noAutofit/>
           </a:bodyPr>
           <a:p>
@@ -7476,13 +7481,238 @@
             <a:spLocks noGrp="1"/>
           </p:cNvSpPr>
           <p:nvPr>
+            <p:ph type="body"/>
+          </p:nvPr>
+        </p:nvSpPr>
+        <p:spPr>
+          <a:xfrm>
+            <a:off x="3420000" y="3240000"/>
+            <a:ext cx="6299280" cy="1619280"/>
+          </a:xfrm>
+          <a:prstGeom prst="rect">
+            <a:avLst/>
+          </a:prstGeom>
+          <a:noFill/>
+          <a:ln w="0">
+            <a:noFill/>
+          </a:ln>
+        </p:spPr>
+        <p:txBody>
+          <a:bodyPr lIns="0" rIns="0" tIns="0" bIns="0" anchor="t">
+            <a:normAutofit fontScale="70000"/>
+          </a:bodyPr>
+          <a:p>
+            <a:pPr marL="302400" indent="-226800">
+              <a:spcBef>
+                <a:spcPts val="1417"/>
+              </a:spcBef>
+              <a:buClr>
+                <a:srgbClr val="000000"/>
+              </a:buClr>
+              <a:buSzPct val="45000"/>
+              <a:buFont typeface="Wingdings" charset="2"/>
+              <a:buChar char=""/>
+            </a:pPr>
+            <a:r>
+              <a:rPr b="0" lang="ru-RU" sz="1800" spc="-1" strike="noStrike">
+                <a:solidFill>
+                  <a:srgbClr val="000000"/>
+                </a:solidFill>
+                <a:latin typeface="Arial"/>
+              </a:rPr>
+              <a:t>Для правки структуры щёлкните мышью</a:t>
+            </a:r>
+            <a:endParaRPr b="0" lang="ru-RU" sz="1800" spc="-1" strike="noStrike">
+              <a:solidFill>
+                <a:srgbClr val="000000"/>
+              </a:solidFill>
+              <a:latin typeface="Arial"/>
+            </a:endParaRPr>
+          </a:p>
+          <a:p>
+            <a:pPr lvl="1" marL="604800" indent="-226800">
+              <a:spcBef>
+                <a:spcPts val="1134"/>
+              </a:spcBef>
+              <a:buClr>
+                <a:srgbClr val="000000"/>
+              </a:buClr>
+              <a:buSzPct val="75000"/>
+              <a:buFont typeface="Symbol" charset="2"/>
+              <a:buChar char=""/>
+            </a:pPr>
+            <a:r>
+              <a:rPr b="0" lang="ru-RU" sz="1800" spc="-1" strike="noStrike">
+                <a:solidFill>
+                  <a:srgbClr val="000000"/>
+                </a:solidFill>
+                <a:latin typeface="Arial"/>
+              </a:rPr>
+              <a:t>Второй уровень структуры</a:t>
+            </a:r>
+            <a:endParaRPr b="0" lang="ru-RU" sz="1800" spc="-1" strike="noStrike">
+              <a:solidFill>
+                <a:srgbClr val="000000"/>
+              </a:solidFill>
+              <a:latin typeface="Arial"/>
+            </a:endParaRPr>
+          </a:p>
+          <a:p>
+            <a:pPr lvl="2" marL="907200" indent="-201600">
+              <a:spcBef>
+                <a:spcPts val="850"/>
+              </a:spcBef>
+              <a:buClr>
+                <a:srgbClr val="000000"/>
+              </a:buClr>
+              <a:buSzPct val="45000"/>
+              <a:buFont typeface="Wingdings" charset="2"/>
+              <a:buChar char=""/>
+            </a:pPr>
+            <a:r>
+              <a:rPr b="0" lang="ru-RU" sz="1800" spc="-1" strike="noStrike">
+                <a:solidFill>
+                  <a:srgbClr val="000000"/>
+                </a:solidFill>
+                <a:latin typeface="Arial"/>
+              </a:rPr>
+              <a:t>Третий уровень структуры</a:t>
+            </a:r>
+            <a:endParaRPr b="0" lang="ru-RU" sz="1800" spc="-1" strike="noStrike">
+              <a:solidFill>
+                <a:srgbClr val="000000"/>
+              </a:solidFill>
+              <a:latin typeface="Arial"/>
+            </a:endParaRPr>
+          </a:p>
+          <a:p>
+            <a:pPr lvl="3" marL="1209600" indent="-151200">
+              <a:spcBef>
+                <a:spcPts val="567"/>
+              </a:spcBef>
+              <a:buClr>
+                <a:srgbClr val="000000"/>
+              </a:buClr>
+              <a:buSzPct val="75000"/>
+              <a:buFont typeface="Symbol" charset="2"/>
+              <a:buChar char=""/>
+            </a:pPr>
+            <a:r>
+              <a:rPr b="0" lang="ru-RU" sz="1800" spc="-1" strike="noStrike">
+                <a:solidFill>
+                  <a:srgbClr val="000000"/>
+                </a:solidFill>
+                <a:latin typeface="Arial"/>
+              </a:rPr>
+              <a:t>Четвёртый уровень структуры</a:t>
+            </a:r>
+            <a:endParaRPr b="0" lang="ru-RU" sz="1800" spc="-1" strike="noStrike">
+              <a:solidFill>
+                <a:srgbClr val="000000"/>
+              </a:solidFill>
+              <a:latin typeface="Arial"/>
+            </a:endParaRPr>
+          </a:p>
+          <a:p>
+            <a:pPr lvl="4" marL="1512000" indent="-151200">
+              <a:spcBef>
+                <a:spcPts val="283"/>
+              </a:spcBef>
+              <a:buClr>
+                <a:srgbClr val="000000"/>
+              </a:buClr>
+              <a:buSzPct val="45000"/>
+              <a:buFont typeface="Wingdings" charset="2"/>
+              <a:buChar char=""/>
+            </a:pPr>
+            <a:r>
+              <a:rPr b="0" lang="ru-RU" sz="1800" spc="-1" strike="noStrike">
+                <a:solidFill>
+                  <a:srgbClr val="000000"/>
+                </a:solidFill>
+                <a:latin typeface="Arial"/>
+              </a:rPr>
+              <a:t>Пятый уровень структуры</a:t>
+            </a:r>
+            <a:endParaRPr b="0" lang="ru-RU" sz="1800" spc="-1" strike="noStrike">
+              <a:solidFill>
+                <a:srgbClr val="000000"/>
+              </a:solidFill>
+              <a:latin typeface="Arial"/>
+            </a:endParaRPr>
+          </a:p>
+          <a:p>
+            <a:pPr lvl="5" marL="1814400" indent="-151200">
+              <a:spcBef>
+                <a:spcPts val="283"/>
+              </a:spcBef>
+              <a:buClr>
+                <a:srgbClr val="000000"/>
+              </a:buClr>
+              <a:buSzPct val="45000"/>
+              <a:buFont typeface="Wingdings" charset="2"/>
+              <a:buChar char=""/>
+            </a:pPr>
+            <a:r>
+              <a:rPr b="0" lang="ru-RU" sz="1800" spc="-1" strike="noStrike">
+                <a:solidFill>
+                  <a:srgbClr val="000000"/>
+                </a:solidFill>
+                <a:latin typeface="Arial"/>
+              </a:rPr>
+              <a:t>Шестой уровень структуры</a:t>
+            </a:r>
+            <a:endParaRPr b="0" lang="ru-RU" sz="1800" spc="-1" strike="noStrike">
+              <a:solidFill>
+                <a:srgbClr val="000000"/>
+              </a:solidFill>
+              <a:latin typeface="Arial"/>
+            </a:endParaRPr>
+          </a:p>
+          <a:p>
+            <a:pPr lvl="6" marL="2116800" indent="-151200">
+              <a:spcBef>
+                <a:spcPts val="283"/>
+              </a:spcBef>
+              <a:buClr>
+                <a:srgbClr val="000000"/>
+              </a:buClr>
+              <a:buSzPct val="45000"/>
+              <a:buFont typeface="Wingdings" charset="2"/>
+              <a:buChar char=""/>
+            </a:pPr>
+            <a:r>
+              <a:rPr b="0" lang="ru-RU" sz="1800" spc="-1" strike="noStrike">
+                <a:solidFill>
+                  <a:srgbClr val="000000"/>
+                </a:solidFill>
+                <a:latin typeface="Arial"/>
+              </a:rPr>
+              <a:t>Седьмой уровень структуры</a:t>
+            </a:r>
+            <a:endParaRPr b="0" lang="ru-RU" sz="1800" spc="-1" strike="noStrike">
+              <a:solidFill>
+                <a:srgbClr val="000000"/>
+              </a:solidFill>
+              <a:latin typeface="Arial"/>
+            </a:endParaRPr>
+          </a:p>
+        </p:txBody>
+      </p:sp>
+      <p:sp>
+        <p:nvSpPr>
+          <p:cNvPr id="4" name="PlaceHolder 3"/>
+          <p:cNvSpPr>
+            <a:spLocks noGrp="1"/>
+          </p:cNvSpPr>
+          <p:nvPr>
             <p:ph type="ftr" idx="1"/>
           </p:nvPr>
         </p:nvSpPr>
         <p:spPr>
           <a:xfrm>
             <a:off x="3420000" y="5400000"/>
-            <a:ext cx="3239640" cy="269640"/>
+            <a:ext cx="3239280" cy="269280"/>
           </a:xfrm>
           <a:prstGeom prst="rect">
             <a:avLst/>
@@ -7530,7 +7760,7 @@
                 </a:solidFill>
                 <a:latin typeface="Source Sans Pro Black"/>
               </a:rPr>
-              <a:t> </a:t>
+              <a:t>&lt;нижний колонтитул&gt;</a:t>
             </a:r>
             <a:endParaRPr b="0" lang="ru-RU" sz="1800" spc="-1" strike="noStrike">
               <a:solidFill>
@@ -7543,7 +7773,7 @@
       </p:sp>
       <p:sp>
         <p:nvSpPr>
-          <p:cNvPr id="4" name="PlaceHolder 3"/>
+          <p:cNvPr id="5" name="PlaceHolder 4"/>
           <p:cNvSpPr>
             <a:spLocks noGrp="1"/>
           </p:cNvSpPr>
@@ -7554,7 +7784,7 @@
         <p:spPr>
           <a:xfrm>
             <a:off x="9180000" y="5130000"/>
-            <a:ext cx="719640" cy="539640"/>
+            <a:ext cx="719280" cy="539280"/>
           </a:xfrm>
           <a:prstGeom prst="rect">
             <a:avLst/>
@@ -7595,14 +7825,14 @@
                 <a:tab algn="l" pos="0"/>
               </a:tabLst>
             </a:pPr>
-            <a:fld id="{5548AF51-2E40-4ECF-8362-F6763D608559}" type="slidenum">
+            <a:fld id="{BC83BDCE-8F65-4DAD-8E07-018084BF296B}" type="slidenum">
               <a:rPr b="1" lang="ru-RU" sz="1800" spc="-1" strike="noStrike">
                 <a:solidFill>
                   <a:srgbClr val="ffffff"/>
                 </a:solidFill>
                 <a:latin typeface="Source Sans Pro Black"/>
               </a:rPr>
-              <a:t>14</a:t>
+              <a:t>&lt;номер&gt;</a:t>
             </a:fld>
             <a:endParaRPr b="0" lang="ru-RU" sz="1800" spc="-1" strike="noStrike">
               <a:solidFill>
@@ -7615,7 +7845,7 @@
       </p:sp>
       <p:sp>
         <p:nvSpPr>
-          <p:cNvPr id="5" name="PlaceHolder 4"/>
+          <p:cNvPr id="6" name="PlaceHolder 5"/>
           <p:cNvSpPr>
             <a:spLocks noGrp="1"/>
           </p:cNvSpPr>
@@ -7626,7 +7856,7 @@
         <p:spPr>
           <a:xfrm>
             <a:off x="360000" y="5400000"/>
-            <a:ext cx="2879640" cy="269640"/>
+            <a:ext cx="2879280" cy="269280"/>
           </a:xfrm>
           <a:prstGeom prst="rect">
             <a:avLst/>
@@ -7662,238 +7892,13 @@
                 </a:solidFill>
                 <a:latin typeface="Times New Roman"/>
               </a:rPr>
-              <a:t> </a:t>
+              <a:t>&lt;дата/время&gt;</a:t>
             </a:r>
             <a:endParaRPr b="0" lang="ru-RU" sz="1400" spc="-1" strike="noStrike">
               <a:solidFill>
                 <a:srgbClr val="000000"/>
               </a:solidFill>
               <a:latin typeface="Times New Roman"/>
-            </a:endParaRPr>
-          </a:p>
-        </p:txBody>
-      </p:sp>
-      <p:sp>
-        <p:nvSpPr>
-          <p:cNvPr id="6" name="PlaceHolder 5"/>
-          <p:cNvSpPr>
-            <a:spLocks noGrp="1"/>
-          </p:cNvSpPr>
-          <p:nvPr>
-            <p:ph type="body"/>
-          </p:nvPr>
-        </p:nvSpPr>
-        <p:spPr>
-          <a:xfrm>
-            <a:off x="504000" y="1326600"/>
-            <a:ext cx="9072000" cy="3288600"/>
-          </a:xfrm>
-          <a:prstGeom prst="rect">
-            <a:avLst/>
-          </a:prstGeom>
-          <a:noFill/>
-          <a:ln w="0">
-            <a:noFill/>
-          </a:ln>
-        </p:spPr>
-        <p:txBody>
-          <a:bodyPr lIns="0" rIns="0" tIns="0" bIns="0" anchor="t">
-            <a:normAutofit/>
-          </a:bodyPr>
-          <a:p>
-            <a:pPr marL="432000" indent="-324000">
-              <a:spcBef>
-                <a:spcPts val="1417"/>
-              </a:spcBef>
-              <a:buClr>
-                <a:srgbClr val="000000"/>
-              </a:buClr>
-              <a:buSzPct val="45000"/>
-              <a:buFont typeface="Wingdings" charset="2"/>
-              <a:buChar char=""/>
-            </a:pPr>
-            <a:r>
-              <a:rPr b="0" lang="ru-RU" sz="3200" spc="-1" strike="noStrike">
-                <a:solidFill>
-                  <a:srgbClr val="000000"/>
-                </a:solidFill>
-                <a:latin typeface="Arial"/>
-              </a:rPr>
-              <a:t>Для правки структуры щёлкните мышью</a:t>
-            </a:r>
-            <a:endParaRPr b="0" lang="ru-RU" sz="3200" spc="-1" strike="noStrike">
-              <a:solidFill>
-                <a:srgbClr val="000000"/>
-              </a:solidFill>
-              <a:latin typeface="Arial"/>
-            </a:endParaRPr>
-          </a:p>
-          <a:p>
-            <a:pPr lvl="1" marL="864000" indent="-324000">
-              <a:spcBef>
-                <a:spcPts val="1134"/>
-              </a:spcBef>
-              <a:buClr>
-                <a:srgbClr val="000000"/>
-              </a:buClr>
-              <a:buSzPct val="75000"/>
-              <a:buFont typeface="Symbol" charset="2"/>
-              <a:buChar char=""/>
-            </a:pPr>
-            <a:r>
-              <a:rPr b="0" lang="ru-RU" sz="2800" spc="-1" strike="noStrike">
-                <a:solidFill>
-                  <a:srgbClr val="000000"/>
-                </a:solidFill>
-                <a:latin typeface="Arial"/>
-              </a:rPr>
-              <a:t>Второй уровень структуры</a:t>
-            </a:r>
-            <a:endParaRPr b="0" lang="ru-RU" sz="2800" spc="-1" strike="noStrike">
-              <a:solidFill>
-                <a:srgbClr val="000000"/>
-              </a:solidFill>
-              <a:latin typeface="Arial"/>
-            </a:endParaRPr>
-          </a:p>
-          <a:p>
-            <a:pPr lvl="2" marL="1296000" indent="-288000">
-              <a:spcBef>
-                <a:spcPts val="850"/>
-              </a:spcBef>
-              <a:buClr>
-                <a:srgbClr val="000000"/>
-              </a:buClr>
-              <a:buSzPct val="45000"/>
-              <a:buFont typeface="Wingdings" charset="2"/>
-              <a:buChar char=""/>
-            </a:pPr>
-            <a:r>
-              <a:rPr b="0" lang="ru-RU" sz="2400" spc="-1" strike="noStrike">
-                <a:solidFill>
-                  <a:srgbClr val="000000"/>
-                </a:solidFill>
-                <a:latin typeface="Arial"/>
-              </a:rPr>
-              <a:t>Третий уровень структуры</a:t>
-            </a:r>
-            <a:endParaRPr b="0" lang="ru-RU" sz="2400" spc="-1" strike="noStrike">
-              <a:solidFill>
-                <a:srgbClr val="000000"/>
-              </a:solidFill>
-              <a:latin typeface="Arial"/>
-            </a:endParaRPr>
-          </a:p>
-          <a:p>
-            <a:pPr lvl="3" marL="1728000" indent="-216000">
-              <a:spcBef>
-                <a:spcPts val="567"/>
-              </a:spcBef>
-              <a:buClr>
-                <a:srgbClr val="000000"/>
-              </a:buClr>
-              <a:buSzPct val="75000"/>
-              <a:buFont typeface="Symbol" charset="2"/>
-              <a:buChar char=""/>
-            </a:pPr>
-            <a:r>
-              <a:rPr b="0" lang="ru-RU" sz="2000" spc="-1" strike="noStrike">
-                <a:solidFill>
-                  <a:srgbClr val="000000"/>
-                </a:solidFill>
-                <a:latin typeface="Arial"/>
-              </a:rPr>
-              <a:t>Четвёртый уровень структуры</a:t>
-            </a:r>
-            <a:endParaRPr b="0" lang="ru-RU" sz="2000" spc="-1" strike="noStrike">
-              <a:solidFill>
-                <a:srgbClr val="000000"/>
-              </a:solidFill>
-              <a:latin typeface="Arial"/>
-            </a:endParaRPr>
-          </a:p>
-          <a:p>
-            <a:pPr lvl="4" marL="2160000" indent="-216000">
-              <a:spcBef>
-                <a:spcPts val="283"/>
-              </a:spcBef>
-              <a:buClr>
-                <a:srgbClr val="000000"/>
-              </a:buClr>
-              <a:buSzPct val="45000"/>
-              <a:buFont typeface="Wingdings" charset="2"/>
-              <a:buChar char=""/>
-            </a:pPr>
-            <a:r>
-              <a:rPr b="0" lang="ru-RU" sz="2000" spc="-1" strike="noStrike">
-                <a:solidFill>
-                  <a:srgbClr val="000000"/>
-                </a:solidFill>
-                <a:latin typeface="Arial"/>
-              </a:rPr>
-              <a:t>Пятый уровень структуры</a:t>
-            </a:r>
-            <a:endParaRPr b="0" lang="ru-RU" sz="2000" spc="-1" strike="noStrike">
-              <a:solidFill>
-                <a:srgbClr val="000000"/>
-              </a:solidFill>
-              <a:latin typeface="Arial"/>
-            </a:endParaRPr>
-          </a:p>
-          <a:p>
-            <a:pPr lvl="5" marL="2592000" indent="-216000">
-              <a:spcBef>
-                <a:spcPts val="283"/>
-              </a:spcBef>
-              <a:buClr>
-                <a:srgbClr val="000000"/>
-              </a:buClr>
-              <a:buSzPct val="45000"/>
-              <a:buFont typeface="Wingdings" charset="2"/>
-              <a:buChar char=""/>
-            </a:pPr>
-            <a:r>
-              <a:rPr b="0" lang="ru-RU" sz="2000" spc="-1" strike="noStrike">
-                <a:solidFill>
-                  <a:srgbClr val="000000"/>
-                </a:solidFill>
-                <a:latin typeface="Arial"/>
-              </a:rPr>
-              <a:t>Шестой уровень структуры</a:t>
-            </a:r>
-            <a:endParaRPr b="0" lang="ru-RU" sz="2000" spc="-1" strike="noStrike">
-              <a:solidFill>
-                <a:srgbClr val="000000"/>
-              </a:solidFill>
-              <a:latin typeface="Arial"/>
-            </a:endParaRPr>
-          </a:p>
-          <a:p>
-            <a:pPr lvl="6" marL="3024000" indent="-216000">
-              <a:spcBef>
-                <a:spcPts val="283"/>
-              </a:spcBef>
-              <a:buClr>
-                <a:srgbClr val="000000"/>
-              </a:buClr>
-              <a:buSzPct val="45000"/>
-              <a:buFont typeface="Wingdings" charset="2"/>
-              <a:buChar char=""/>
-            </a:pPr>
-            <a:r>
-              <a:rPr b="0" lang="ru-RU" sz="2000" spc="-1" strike="noStrike">
-                <a:solidFill>
-                  <a:srgbClr val="000000"/>
-                </a:solidFill>
-                <a:latin typeface="Arial"/>
-              </a:rPr>
-              <a:t>Седьмой уровень структуры</a:t>
-            </a:r>
-            <a:endParaRPr b="0" lang="ru-RU" sz="2000" spc="-1" strike="noStrike">
-              <a:solidFill>
-                <a:srgbClr val="000000"/>
-              </a:solidFill>
-              <a:latin typeface="Arial"/>
             </a:endParaRPr>
           </a:p>
         </p:txBody>
@@ -7944,7 +7949,7 @@
         <p:spPr>
           <a:xfrm>
             <a:off x="0" y="5400000"/>
-            <a:ext cx="10079640" cy="269640"/>
+            <a:ext cx="10079280" cy="269280"/>
           </a:xfrm>
           <a:prstGeom prst="rect">
             <a:avLst/>
@@ -7991,7 +7996,7 @@
         <p:spPr>
           <a:xfrm>
             <a:off x="0" y="0"/>
-            <a:ext cx="10079640" cy="1214640"/>
+            <a:ext cx="10079280" cy="1214280"/>
           </a:xfrm>
           <a:prstGeom prst="rect">
             <a:avLst/>
@@ -8038,7 +8043,7 @@
         <p:spPr>
           <a:xfrm>
             <a:off x="9315000" y="5175000"/>
-            <a:ext cx="449640" cy="449640"/>
+            <a:ext cx="449280" cy="449280"/>
           </a:xfrm>
           <a:prstGeom prst="ellipse">
             <a:avLst/>
@@ -8088,7 +8093,7 @@
         <p:spPr>
           <a:xfrm>
             <a:off x="9180000" y="5130000"/>
-            <a:ext cx="719640" cy="539640"/>
+            <a:ext cx="719280" cy="539280"/>
           </a:xfrm>
           <a:prstGeom prst="rect">
             <a:avLst/>
@@ -8114,12 +8119,13 @@
                 <a:spcPct val="100000"/>
               </a:lnSpc>
             </a:pPr>
-            <a:fld id="{E5D42E41-8857-41CC-9707-34B07A61AC44}" type="slidenum">
+            <a:fld id="{E72E1C6B-F25A-4BBC-B435-5F4AB32A768F}" type="slidenum">
               <a:rPr b="1" lang="ru-RU" sz="1800" spc="-1" strike="noStrike">
                 <a:solidFill>
                   <a:srgbClr val="ffffff"/>
                 </a:solidFill>
                 <a:latin typeface="Source Sans Pro Black"/>
+                <a:ea typeface="DejaVu Sans"/>
               </a:rPr>
               <a:t>&lt;номер&gt;</a:t>
             </a:fld>
@@ -8139,287 +8145,13 @@
             <a:spLocks noGrp="1"/>
           </p:cNvSpPr>
           <p:nvPr>
-            <p:ph type="title"/>
-          </p:nvPr>
-        </p:nvSpPr>
-        <p:spPr>
-          <a:xfrm>
-            <a:off x="2700000" y="1485000"/>
-            <a:ext cx="4679640" cy="1619640"/>
-          </a:xfrm>
-          <a:prstGeom prst="rect">
-            <a:avLst/>
-          </a:prstGeom>
-          <a:noFill/>
-          <a:ln w="0">
-            <a:noFill/>
-          </a:ln>
-        </p:spPr>
-        <p:txBody>
-          <a:bodyPr lIns="0" rIns="0" tIns="0" bIns="0" anchor="ctr" anchorCtr="1">
-            <a:noAutofit/>
-          </a:bodyPr>
-          <a:p>
-            <a:pPr indent="0">
-              <a:buNone/>
-            </a:pPr>
-            <a:r>
-              <a:rPr b="0" lang="ru-RU" sz="1800" spc="-1" strike="noStrike">
-                <a:solidFill>
-                  <a:srgbClr val="000000"/>
-                </a:solidFill>
-                <a:latin typeface="Arial"/>
-              </a:rPr>
-              <a:t>Для правки текста заглавия щёлкните мышью</a:t>
-            </a:r>
-            <a:endParaRPr b="0" lang="ru-RU" sz="1800" spc="-1" strike="noStrike">
-              <a:solidFill>
-                <a:srgbClr val="000000"/>
-              </a:solidFill>
-              <a:latin typeface="Arial"/>
-            </a:endParaRPr>
-          </a:p>
-        </p:txBody>
-      </p:sp>
-      <p:sp>
-        <p:nvSpPr>
-          <p:cNvPr id="48" name="PlaceHolder 2"/>
-          <p:cNvSpPr>
-            <a:spLocks noGrp="1"/>
-          </p:cNvSpPr>
-          <p:nvPr>
-            <p:ph type="body"/>
-          </p:nvPr>
-        </p:nvSpPr>
-        <p:spPr>
-          <a:xfrm>
-            <a:off x="3420000" y="3240000"/>
-            <a:ext cx="6299640" cy="1619640"/>
-          </a:xfrm>
-          <a:prstGeom prst="rect">
-            <a:avLst/>
-          </a:prstGeom>
-          <a:noFill/>
-          <a:ln w="0">
-            <a:noFill/>
-          </a:ln>
-        </p:spPr>
-        <p:txBody>
-          <a:bodyPr lIns="0" rIns="0" tIns="0" bIns="0" anchor="t">
-            <a:normAutofit fontScale="70000"/>
-          </a:bodyPr>
-          <a:p>
-            <a:pPr marL="302400" indent="-226800">
-              <a:spcBef>
-                <a:spcPts val="1417"/>
-              </a:spcBef>
-              <a:buClr>
-                <a:srgbClr val="000000"/>
-              </a:buClr>
-              <a:buSzPct val="45000"/>
-              <a:buFont typeface="Wingdings" charset="2"/>
-              <a:buChar char=""/>
-            </a:pPr>
-            <a:r>
-              <a:rPr b="0" lang="ru-RU" sz="1800" spc="-1" strike="noStrike">
-                <a:solidFill>
-                  <a:srgbClr val="000000"/>
-                </a:solidFill>
-                <a:latin typeface="Arial"/>
-              </a:rPr>
-              <a:t>Для правки структуры щёлкните мышью</a:t>
-            </a:r>
-            <a:endParaRPr b="0" lang="ru-RU" sz="1800" spc="-1" strike="noStrike">
-              <a:solidFill>
-                <a:srgbClr val="000000"/>
-              </a:solidFill>
-              <a:latin typeface="Arial"/>
-            </a:endParaRPr>
-          </a:p>
-          <a:p>
-            <a:pPr lvl="1" marL="604800" indent="-226800">
-              <a:spcBef>
-                <a:spcPts val="1134"/>
-              </a:spcBef>
-              <a:buClr>
-                <a:srgbClr val="000000"/>
-              </a:buClr>
-              <a:buSzPct val="75000"/>
-              <a:buFont typeface="Symbol" charset="2"/>
-              <a:buChar char=""/>
-            </a:pPr>
-            <a:r>
-              <a:rPr b="0" lang="ru-RU" sz="1800" spc="-1" strike="noStrike">
-                <a:solidFill>
-                  <a:srgbClr val="000000"/>
-                </a:solidFill>
-                <a:latin typeface="Arial"/>
-              </a:rPr>
-              <a:t>Второй уровень структуры</a:t>
-            </a:r>
-            <a:endParaRPr b="0" lang="ru-RU" sz="1800" spc="-1" strike="noStrike">
-              <a:solidFill>
-                <a:srgbClr val="000000"/>
-              </a:solidFill>
-              <a:latin typeface="Arial"/>
-            </a:endParaRPr>
-          </a:p>
-          <a:p>
-            <a:pPr lvl="2" marL="907200" indent="-201600">
-              <a:spcBef>
-                <a:spcPts val="850"/>
-              </a:spcBef>
-              <a:buClr>
-                <a:srgbClr val="000000"/>
-              </a:buClr>
-              <a:buSzPct val="45000"/>
-              <a:buFont typeface="Wingdings" charset="2"/>
-              <a:buChar char=""/>
-            </a:pPr>
-            <a:r>
-              <a:rPr b="0" lang="ru-RU" sz="1800" spc="-1" strike="noStrike">
-                <a:solidFill>
-                  <a:srgbClr val="000000"/>
-                </a:solidFill>
-                <a:latin typeface="Arial"/>
-              </a:rPr>
-              <a:t>Третий уровень структуры</a:t>
-            </a:r>
-            <a:endParaRPr b="0" lang="ru-RU" sz="1800" spc="-1" strike="noStrike">
-              <a:solidFill>
-                <a:srgbClr val="000000"/>
-              </a:solidFill>
-              <a:latin typeface="Arial"/>
-            </a:endParaRPr>
-          </a:p>
-          <a:p>
-            <a:pPr lvl="3" marL="1209600" indent="-151200">
-              <a:spcBef>
-                <a:spcPts val="567"/>
-              </a:spcBef>
-              <a:buClr>
-                <a:srgbClr val="000000"/>
-              </a:buClr>
-              <a:buSzPct val="75000"/>
-              <a:buFont typeface="Symbol" charset="2"/>
-              <a:buChar char=""/>
-            </a:pPr>
-            <a:r>
-              <a:rPr b="0" lang="ru-RU" sz="1800" spc="-1" strike="noStrike">
-                <a:solidFill>
-                  <a:srgbClr val="000000"/>
-                </a:solidFill>
-                <a:latin typeface="Arial"/>
-              </a:rPr>
-              <a:t>Четвёртый уровень структуры</a:t>
-            </a:r>
-            <a:endParaRPr b="0" lang="ru-RU" sz="1800" spc="-1" strike="noStrike">
-              <a:solidFill>
-                <a:srgbClr val="000000"/>
-              </a:solidFill>
-              <a:latin typeface="Arial"/>
-            </a:endParaRPr>
-          </a:p>
-          <a:p>
-            <a:pPr lvl="4" marL="1512000" indent="-151200">
-              <a:spcBef>
-                <a:spcPts val="283"/>
-              </a:spcBef>
-              <a:buClr>
-                <a:srgbClr val="000000"/>
-              </a:buClr>
-              <a:buSzPct val="45000"/>
-              <a:buFont typeface="Wingdings" charset="2"/>
-              <a:buChar char=""/>
-            </a:pPr>
-            <a:r>
-              <a:rPr b="0" lang="ru-RU" sz="1800" spc="-1" strike="noStrike">
-                <a:solidFill>
-                  <a:srgbClr val="000000"/>
-                </a:solidFill>
-                <a:latin typeface="Arial"/>
-              </a:rPr>
-              <a:t>Пятый уровень структуры</a:t>
-            </a:r>
-            <a:endParaRPr b="0" lang="ru-RU" sz="1800" spc="-1" strike="noStrike">
-              <a:solidFill>
-                <a:srgbClr val="000000"/>
-              </a:solidFill>
-              <a:latin typeface="Arial"/>
-            </a:endParaRPr>
-          </a:p>
-          <a:p>
-            <a:pPr lvl="5" marL="1814400" indent="-151200">
-              <a:spcBef>
-                <a:spcPts val="283"/>
-              </a:spcBef>
-              <a:buClr>
-                <a:srgbClr val="000000"/>
-              </a:buClr>
-              <a:buSzPct val="45000"/>
-              <a:buFont typeface="Wingdings" charset="2"/>
-              <a:buChar char=""/>
-            </a:pPr>
-            <a:r>
-              <a:rPr b="0" lang="ru-RU" sz="1800" spc="-1" strike="noStrike">
-                <a:solidFill>
-                  <a:srgbClr val="000000"/>
-                </a:solidFill>
-                <a:latin typeface="Arial"/>
-              </a:rPr>
-              <a:t>Шестой уровень структуры</a:t>
-            </a:r>
-            <a:endParaRPr b="0" lang="ru-RU" sz="1800" spc="-1" strike="noStrike">
-              <a:solidFill>
-                <a:srgbClr val="000000"/>
-              </a:solidFill>
-              <a:latin typeface="Arial"/>
-            </a:endParaRPr>
-          </a:p>
-          <a:p>
-            <a:pPr lvl="6" marL="2116800" indent="-151200">
-              <a:spcBef>
-                <a:spcPts val="283"/>
-              </a:spcBef>
-              <a:buClr>
-                <a:srgbClr val="000000"/>
-              </a:buClr>
-              <a:buSzPct val="45000"/>
-              <a:buFont typeface="Wingdings" charset="2"/>
-              <a:buChar char=""/>
-            </a:pPr>
-            <a:r>
-              <a:rPr b="0" lang="ru-RU" sz="1800" spc="-1" strike="noStrike">
-                <a:solidFill>
-                  <a:srgbClr val="000000"/>
-                </a:solidFill>
-                <a:latin typeface="Arial"/>
-              </a:rPr>
-              <a:t>Седьмой уровень структуры</a:t>
-            </a:r>
-            <a:endParaRPr b="0" lang="ru-RU" sz="1800" spc="-1" strike="noStrike">
-              <a:solidFill>
-                <a:srgbClr val="000000"/>
-              </a:solidFill>
-              <a:latin typeface="Arial"/>
-            </a:endParaRPr>
-          </a:p>
-        </p:txBody>
-      </p:sp>
-      <p:sp>
-        <p:nvSpPr>
-          <p:cNvPr id="49" name="PlaceHolder 3"/>
-          <p:cNvSpPr>
-            <a:spLocks noGrp="1"/>
-          </p:cNvSpPr>
-          <p:nvPr>
             <p:ph type="ftr" idx="4"/>
           </p:nvPr>
         </p:nvSpPr>
         <p:spPr>
           <a:xfrm>
             <a:off x="3420000" y="5400000"/>
-            <a:ext cx="3239640" cy="269640"/>
+            <a:ext cx="3239280" cy="269280"/>
           </a:xfrm>
           <a:prstGeom prst="rect">
             <a:avLst/>
@@ -8480,7 +8212,7 @@
       </p:sp>
       <p:sp>
         <p:nvSpPr>
-          <p:cNvPr id="50" name="PlaceHolder 4"/>
+          <p:cNvPr id="48" name="PlaceHolder 2"/>
           <p:cNvSpPr>
             <a:spLocks noGrp="1"/>
           </p:cNvSpPr>
@@ -8491,7 +8223,7 @@
         <p:spPr>
           <a:xfrm>
             <a:off x="360000" y="5400000"/>
-            <a:ext cx="2879640" cy="269640"/>
+            <a:ext cx="2879280" cy="269280"/>
           </a:xfrm>
           <a:prstGeom prst="rect">
             <a:avLst/>
@@ -8534,6 +8266,280 @@
                 <a:srgbClr val="000000"/>
               </a:solidFill>
               <a:latin typeface="Times New Roman"/>
+            </a:endParaRPr>
+          </a:p>
+        </p:txBody>
+      </p:sp>
+      <p:sp>
+        <p:nvSpPr>
+          <p:cNvPr id="49" name="PlaceHolder 3"/>
+          <p:cNvSpPr>
+            <a:spLocks noGrp="1"/>
+          </p:cNvSpPr>
+          <p:nvPr>
+            <p:ph type="title"/>
+          </p:nvPr>
+        </p:nvSpPr>
+        <p:spPr>
+          <a:xfrm>
+            <a:off x="504000" y="226080"/>
+            <a:ext cx="9072000" cy="946440"/>
+          </a:xfrm>
+          <a:prstGeom prst="rect">
+            <a:avLst/>
+          </a:prstGeom>
+          <a:noFill/>
+          <a:ln w="0">
+            <a:noFill/>
+          </a:ln>
+        </p:spPr>
+        <p:txBody>
+          <a:bodyPr lIns="0" rIns="0" tIns="0" bIns="0" anchor="ctr">
+            <a:noAutofit/>
+          </a:bodyPr>
+          <a:p>
+            <a:pPr indent="0" algn="ctr">
+              <a:buNone/>
+            </a:pPr>
+            <a:r>
+              <a:rPr b="0" lang="ru-RU" sz="4400" spc="-1" strike="noStrike">
+                <a:solidFill>
+                  <a:srgbClr val="000000"/>
+                </a:solidFill>
+                <a:latin typeface="Arial"/>
+              </a:rPr>
+              <a:t>Для правки текста заглавия щёлкните мышью</a:t>
+            </a:r>
+            <a:endParaRPr b="0" lang="ru-RU" sz="4400" spc="-1" strike="noStrike">
+              <a:solidFill>
+                <a:srgbClr val="000000"/>
+              </a:solidFill>
+              <a:latin typeface="Arial"/>
+            </a:endParaRPr>
+          </a:p>
+        </p:txBody>
+      </p:sp>
+      <p:sp>
+        <p:nvSpPr>
+          <p:cNvPr id="50" name="PlaceHolder 4"/>
+          <p:cNvSpPr>
+            <a:spLocks noGrp="1"/>
+          </p:cNvSpPr>
+          <p:nvPr>
+            <p:ph type="body"/>
+          </p:nvPr>
+        </p:nvSpPr>
+        <p:spPr>
+          <a:xfrm>
+            <a:off x="504000" y="1326600"/>
+            <a:ext cx="9072000" cy="3288600"/>
+          </a:xfrm>
+          <a:prstGeom prst="rect">
+            <a:avLst/>
+          </a:prstGeom>
+          <a:noFill/>
+          <a:ln w="0">
+            <a:noFill/>
+          </a:ln>
+        </p:spPr>
+        <p:txBody>
+          <a:bodyPr lIns="0" rIns="0" tIns="0" bIns="0" anchor="t">
+            <a:normAutofit/>
+          </a:bodyPr>
+          <a:p>
+            <a:pPr marL="432000" indent="-324000">
+              <a:spcBef>
+                <a:spcPts val="1417"/>
+              </a:spcBef>
+              <a:buClr>
+                <a:srgbClr val="000000"/>
+              </a:buClr>
+              <a:buSzPct val="45000"/>
+              <a:buFont typeface="Wingdings" charset="2"/>
+              <a:buChar char=""/>
+            </a:pPr>
+            <a:r>
+              <a:rPr b="0" lang="ru-RU" sz="3200" spc="-1" strike="noStrike">
+                <a:solidFill>
+                  <a:srgbClr val="000000"/>
+                </a:solidFill>
+                <a:latin typeface="Arial"/>
+              </a:rPr>
+              <a:t>Для правки структуры щёлкните мышью</a:t>
+            </a:r>
+            <a:endParaRPr b="0" lang="ru-RU" sz="3200" spc="-1" strike="noStrike">
+              <a:solidFill>
+                <a:srgbClr val="000000"/>
+              </a:solidFill>
+              <a:latin typeface="Arial"/>
+            </a:endParaRPr>
+          </a:p>
+          <a:p>
+            <a:pPr lvl="1" marL="864000" indent="-324000">
+              <a:spcBef>
+                <a:spcPts val="1134"/>
+              </a:spcBef>
+              <a:buClr>
+                <a:srgbClr val="000000"/>
+              </a:buClr>
+              <a:buSzPct val="75000"/>
+              <a:buFont typeface="Symbol" charset="2"/>
+              <a:buChar char=""/>
+            </a:pPr>
+            <a:r>
+              <a:rPr b="0" lang="ru-RU" sz="2800" spc="-1" strike="noStrike">
+                <a:solidFill>
+                  <a:srgbClr val="000000"/>
+                </a:solidFill>
+                <a:latin typeface="Arial"/>
+              </a:rPr>
+              <a:t>Второй уровень структуры</a:t>
+            </a:r>
+            <a:endParaRPr b="0" lang="ru-RU" sz="2800" spc="-1" strike="noStrike">
+              <a:solidFill>
+                <a:srgbClr val="000000"/>
+              </a:solidFill>
+              <a:latin typeface="Arial"/>
+            </a:endParaRPr>
+          </a:p>
+          <a:p>
+            <a:pPr lvl="2" marL="1296000" indent="-288000">
+              <a:spcBef>
+                <a:spcPts val="850"/>
+              </a:spcBef>
+              <a:buClr>
+                <a:srgbClr val="000000"/>
+              </a:buClr>
+              <a:buSzPct val="45000"/>
+              <a:buFont typeface="Wingdings" charset="2"/>
+              <a:buChar char=""/>
+            </a:pPr>
+            <a:r>
+              <a:rPr b="0" lang="ru-RU" sz="2400" spc="-1" strike="noStrike">
+                <a:solidFill>
+                  <a:srgbClr val="000000"/>
+                </a:solidFill>
+                <a:latin typeface="Arial"/>
+              </a:rPr>
+              <a:t>Третий уровень структуры</a:t>
+            </a:r>
+            <a:endParaRPr b="0" lang="ru-RU" sz="2400" spc="-1" strike="noStrike">
+              <a:solidFill>
+                <a:srgbClr val="000000"/>
+              </a:solidFill>
+              <a:latin typeface="Arial"/>
+            </a:endParaRPr>
+          </a:p>
+          <a:p>
+            <a:pPr lvl="3" marL="1728000" indent="-216000">
+              <a:spcBef>
+                <a:spcPts val="567"/>
+              </a:spcBef>
+              <a:buClr>
+                <a:srgbClr val="000000"/>
+              </a:buClr>
+              <a:buSzPct val="75000"/>
+              <a:buFont typeface="Symbol" charset="2"/>
+              <a:buChar char=""/>
+            </a:pPr>
+            <a:r>
+              <a:rPr b="0" lang="ru-RU" sz="2000" spc="-1" strike="noStrike">
+                <a:solidFill>
+                  <a:srgbClr val="000000"/>
+                </a:solidFill>
+                <a:latin typeface="Arial"/>
+              </a:rPr>
+              <a:t>Четвёртый уровень структуры</a:t>
+            </a:r>
+            <a:endParaRPr b="0" lang="ru-RU" sz="2000" spc="-1" strike="noStrike">
+              <a:solidFill>
+                <a:srgbClr val="000000"/>
+              </a:solidFill>
+              <a:latin typeface="Arial"/>
+            </a:endParaRPr>
+          </a:p>
+          <a:p>
+            <a:pPr lvl="4" marL="2160000" indent="-216000">
+              <a:spcBef>
+                <a:spcPts val="283"/>
+              </a:spcBef>
+              <a:buClr>
+                <a:srgbClr val="000000"/>
+              </a:buClr>
+              <a:buSzPct val="45000"/>
+              <a:buFont typeface="Wingdings" charset="2"/>
+              <a:buChar char=""/>
+            </a:pPr>
+            <a:r>
+              <a:rPr b="0" lang="ru-RU" sz="2000" spc="-1" strike="noStrike">
+                <a:solidFill>
+                  <a:srgbClr val="000000"/>
+                </a:solidFill>
+                <a:latin typeface="Arial"/>
+              </a:rPr>
+              <a:t>Пятый уровень структуры</a:t>
+            </a:r>
+            <a:endParaRPr b="0" lang="ru-RU" sz="2000" spc="-1" strike="noStrike">
+              <a:solidFill>
+                <a:srgbClr val="000000"/>
+              </a:solidFill>
+              <a:latin typeface="Arial"/>
+            </a:endParaRPr>
+          </a:p>
+          <a:p>
+            <a:pPr lvl="5" marL="2592000" indent="-216000">
+              <a:spcBef>
+                <a:spcPts val="283"/>
+              </a:spcBef>
+              <a:buClr>
+                <a:srgbClr val="000000"/>
+              </a:buClr>
+              <a:buSzPct val="45000"/>
+              <a:buFont typeface="Wingdings" charset="2"/>
+              <a:buChar char=""/>
+            </a:pPr>
+            <a:r>
+              <a:rPr b="0" lang="ru-RU" sz="2000" spc="-1" strike="noStrike">
+                <a:solidFill>
+                  <a:srgbClr val="000000"/>
+                </a:solidFill>
+                <a:latin typeface="Arial"/>
+              </a:rPr>
+              <a:t>Шестой уровень структуры</a:t>
+            </a:r>
+            <a:endParaRPr b="0" lang="ru-RU" sz="2000" spc="-1" strike="noStrike">
+              <a:solidFill>
+                <a:srgbClr val="000000"/>
+              </a:solidFill>
+              <a:latin typeface="Arial"/>
+            </a:endParaRPr>
+          </a:p>
+          <a:p>
+            <a:pPr lvl="6" marL="3024000" indent="-216000">
+              <a:spcBef>
+                <a:spcPts val="283"/>
+              </a:spcBef>
+              <a:buClr>
+                <a:srgbClr val="000000"/>
+              </a:buClr>
+              <a:buSzPct val="45000"/>
+              <a:buFont typeface="Wingdings" charset="2"/>
+              <a:buChar char=""/>
+            </a:pPr>
+            <a:r>
+              <a:rPr b="0" lang="ru-RU" sz="2000" spc="-1" strike="noStrike">
+                <a:solidFill>
+                  <a:srgbClr val="000000"/>
+                </a:solidFill>
+                <a:latin typeface="Arial"/>
+              </a:rPr>
+              <a:t>Седьмой уровень структуры</a:t>
+            </a:r>
+            <a:endParaRPr b="0" lang="ru-RU" sz="2000" spc="-1" strike="noStrike">
+              <a:solidFill>
+                <a:srgbClr val="000000"/>
+              </a:solidFill>
+              <a:latin typeface="Arial"/>
             </a:endParaRPr>
           </a:p>
         </p:txBody>
@@ -8584,7 +8590,7 @@
         <p:spPr>
           <a:xfrm>
             <a:off x="0" y="0"/>
-            <a:ext cx="10079640" cy="5669640"/>
+            <a:ext cx="10079280" cy="5669280"/>
           </a:xfrm>
           <a:prstGeom prst="rect">
             <a:avLst/>
@@ -8631,7 +8637,7 @@
         <p:spPr>
           <a:xfrm>
             <a:off x="2520000" y="1350000"/>
-            <a:ext cx="5039640" cy="1889640"/>
+            <a:ext cx="5039280" cy="1889280"/>
           </a:xfrm>
           <a:prstGeom prst="wedgeRectCallout">
             <a:avLst>
@@ -8682,287 +8688,13 @@
             <a:spLocks noGrp="1"/>
           </p:cNvSpPr>
           <p:nvPr>
-            <p:ph type="title"/>
-          </p:nvPr>
-        </p:nvSpPr>
-        <p:spPr>
-          <a:xfrm>
-            <a:off x="2700000" y="1485000"/>
-            <a:ext cx="4679640" cy="1619640"/>
-          </a:xfrm>
-          <a:prstGeom prst="rect">
-            <a:avLst/>
-          </a:prstGeom>
-          <a:noFill/>
-          <a:ln w="0">
-            <a:noFill/>
-          </a:ln>
-        </p:spPr>
-        <p:txBody>
-          <a:bodyPr lIns="0" rIns="0" tIns="0" bIns="0" anchor="ctr" anchorCtr="1">
-            <a:noAutofit/>
-          </a:bodyPr>
-          <a:p>
-            <a:pPr indent="0">
-              <a:buNone/>
-            </a:pPr>
-            <a:r>
-              <a:rPr b="0" lang="ru-RU" sz="1800" spc="-1" strike="noStrike">
-                <a:solidFill>
-                  <a:srgbClr val="000000"/>
-                </a:solidFill>
-                <a:latin typeface="Arial"/>
-              </a:rPr>
-              <a:t>Для правки текста заглавия щёлкните мышью</a:t>
-            </a:r>
-            <a:endParaRPr b="0" lang="ru-RU" sz="1800" spc="-1" strike="noStrike">
-              <a:solidFill>
-                <a:srgbClr val="000000"/>
-              </a:solidFill>
-              <a:latin typeface="Arial"/>
-            </a:endParaRPr>
-          </a:p>
-        </p:txBody>
-      </p:sp>
-      <p:sp>
-        <p:nvSpPr>
-          <p:cNvPr id="90" name="PlaceHolder 2"/>
-          <p:cNvSpPr>
-            <a:spLocks noGrp="1"/>
-          </p:cNvSpPr>
-          <p:nvPr>
-            <p:ph type="body"/>
-          </p:nvPr>
-        </p:nvSpPr>
-        <p:spPr>
-          <a:xfrm>
-            <a:off x="3420000" y="3240000"/>
-            <a:ext cx="6299640" cy="1619640"/>
-          </a:xfrm>
-          <a:prstGeom prst="rect">
-            <a:avLst/>
-          </a:prstGeom>
-          <a:noFill/>
-          <a:ln w="0">
-            <a:noFill/>
-          </a:ln>
-        </p:spPr>
-        <p:txBody>
-          <a:bodyPr lIns="0" rIns="0" tIns="0" bIns="0" anchor="t">
-            <a:normAutofit fontScale="70000"/>
-          </a:bodyPr>
-          <a:p>
-            <a:pPr marL="302400" indent="-226800">
-              <a:spcBef>
-                <a:spcPts val="1417"/>
-              </a:spcBef>
-              <a:buClr>
-                <a:srgbClr val="000000"/>
-              </a:buClr>
-              <a:buSzPct val="45000"/>
-              <a:buFont typeface="Wingdings" charset="2"/>
-              <a:buChar char=""/>
-            </a:pPr>
-            <a:r>
-              <a:rPr b="0" lang="ru-RU" sz="1800" spc="-1" strike="noStrike">
-                <a:solidFill>
-                  <a:srgbClr val="000000"/>
-                </a:solidFill>
-                <a:latin typeface="Arial"/>
-              </a:rPr>
-              <a:t>Для правки структуры щёлкните мышью</a:t>
-            </a:r>
-            <a:endParaRPr b="0" lang="ru-RU" sz="1800" spc="-1" strike="noStrike">
-              <a:solidFill>
-                <a:srgbClr val="000000"/>
-              </a:solidFill>
-              <a:latin typeface="Arial"/>
-            </a:endParaRPr>
-          </a:p>
-          <a:p>
-            <a:pPr lvl="1" marL="604800" indent="-226800">
-              <a:spcBef>
-                <a:spcPts val="1134"/>
-              </a:spcBef>
-              <a:buClr>
-                <a:srgbClr val="000000"/>
-              </a:buClr>
-              <a:buSzPct val="75000"/>
-              <a:buFont typeface="Symbol" charset="2"/>
-              <a:buChar char=""/>
-            </a:pPr>
-            <a:r>
-              <a:rPr b="0" lang="ru-RU" sz="1800" spc="-1" strike="noStrike">
-                <a:solidFill>
-                  <a:srgbClr val="000000"/>
-                </a:solidFill>
-                <a:latin typeface="Arial"/>
-              </a:rPr>
-              <a:t>Второй уровень структуры</a:t>
-            </a:r>
-            <a:endParaRPr b="0" lang="ru-RU" sz="1800" spc="-1" strike="noStrike">
-              <a:solidFill>
-                <a:srgbClr val="000000"/>
-              </a:solidFill>
-              <a:latin typeface="Arial"/>
-            </a:endParaRPr>
-          </a:p>
-          <a:p>
-            <a:pPr lvl="2" marL="907200" indent="-201600">
-              <a:spcBef>
-                <a:spcPts val="850"/>
-              </a:spcBef>
-              <a:buClr>
-                <a:srgbClr val="000000"/>
-              </a:buClr>
-              <a:buSzPct val="45000"/>
-              <a:buFont typeface="Wingdings" charset="2"/>
-              <a:buChar char=""/>
-            </a:pPr>
-            <a:r>
-              <a:rPr b="0" lang="ru-RU" sz="1800" spc="-1" strike="noStrike">
-                <a:solidFill>
-                  <a:srgbClr val="000000"/>
-                </a:solidFill>
-                <a:latin typeface="Arial"/>
-              </a:rPr>
-              <a:t>Третий уровень структуры</a:t>
-            </a:r>
-            <a:endParaRPr b="0" lang="ru-RU" sz="1800" spc="-1" strike="noStrike">
-              <a:solidFill>
-                <a:srgbClr val="000000"/>
-              </a:solidFill>
-              <a:latin typeface="Arial"/>
-            </a:endParaRPr>
-          </a:p>
-          <a:p>
-            <a:pPr lvl="3" marL="1209600" indent="-151200">
-              <a:spcBef>
-                <a:spcPts val="567"/>
-              </a:spcBef>
-              <a:buClr>
-                <a:srgbClr val="000000"/>
-              </a:buClr>
-              <a:buSzPct val="75000"/>
-              <a:buFont typeface="Symbol" charset="2"/>
-              <a:buChar char=""/>
-            </a:pPr>
-            <a:r>
-              <a:rPr b="0" lang="ru-RU" sz="1800" spc="-1" strike="noStrike">
-                <a:solidFill>
-                  <a:srgbClr val="000000"/>
-                </a:solidFill>
-                <a:latin typeface="Arial"/>
-              </a:rPr>
-              <a:t>Четвёртый уровень структуры</a:t>
-            </a:r>
-            <a:endParaRPr b="0" lang="ru-RU" sz="1800" spc="-1" strike="noStrike">
-              <a:solidFill>
-                <a:srgbClr val="000000"/>
-              </a:solidFill>
-              <a:latin typeface="Arial"/>
-            </a:endParaRPr>
-          </a:p>
-          <a:p>
-            <a:pPr lvl="4" marL="1512000" indent="-151200">
-              <a:spcBef>
-                <a:spcPts val="283"/>
-              </a:spcBef>
-              <a:buClr>
-                <a:srgbClr val="000000"/>
-              </a:buClr>
-              <a:buSzPct val="45000"/>
-              <a:buFont typeface="Wingdings" charset="2"/>
-              <a:buChar char=""/>
-            </a:pPr>
-            <a:r>
-              <a:rPr b="0" lang="ru-RU" sz="1800" spc="-1" strike="noStrike">
-                <a:solidFill>
-                  <a:srgbClr val="000000"/>
-                </a:solidFill>
-                <a:latin typeface="Arial"/>
-              </a:rPr>
-              <a:t>Пятый уровень структуры</a:t>
-            </a:r>
-            <a:endParaRPr b="0" lang="ru-RU" sz="1800" spc="-1" strike="noStrike">
-              <a:solidFill>
-                <a:srgbClr val="000000"/>
-              </a:solidFill>
-              <a:latin typeface="Arial"/>
-            </a:endParaRPr>
-          </a:p>
-          <a:p>
-            <a:pPr lvl="5" marL="1814400" indent="-151200">
-              <a:spcBef>
-                <a:spcPts val="283"/>
-              </a:spcBef>
-              <a:buClr>
-                <a:srgbClr val="000000"/>
-              </a:buClr>
-              <a:buSzPct val="45000"/>
-              <a:buFont typeface="Wingdings" charset="2"/>
-              <a:buChar char=""/>
-            </a:pPr>
-            <a:r>
-              <a:rPr b="0" lang="ru-RU" sz="1800" spc="-1" strike="noStrike">
-                <a:solidFill>
-                  <a:srgbClr val="000000"/>
-                </a:solidFill>
-                <a:latin typeface="Arial"/>
-              </a:rPr>
-              <a:t>Шестой уровень структуры</a:t>
-            </a:r>
-            <a:endParaRPr b="0" lang="ru-RU" sz="1800" spc="-1" strike="noStrike">
-              <a:solidFill>
-                <a:srgbClr val="000000"/>
-              </a:solidFill>
-              <a:latin typeface="Arial"/>
-            </a:endParaRPr>
-          </a:p>
-          <a:p>
-            <a:pPr lvl="6" marL="2116800" indent="-151200">
-              <a:spcBef>
-                <a:spcPts val="283"/>
-              </a:spcBef>
-              <a:buClr>
-                <a:srgbClr val="000000"/>
-              </a:buClr>
-              <a:buSzPct val="45000"/>
-              <a:buFont typeface="Wingdings" charset="2"/>
-              <a:buChar char=""/>
-            </a:pPr>
-            <a:r>
-              <a:rPr b="0" lang="ru-RU" sz="1800" spc="-1" strike="noStrike">
-                <a:solidFill>
-                  <a:srgbClr val="000000"/>
-                </a:solidFill>
-                <a:latin typeface="Arial"/>
-              </a:rPr>
-              <a:t>Седьмой уровень структуры</a:t>
-            </a:r>
-            <a:endParaRPr b="0" lang="ru-RU" sz="1800" spc="-1" strike="noStrike">
-              <a:solidFill>
-                <a:srgbClr val="000000"/>
-              </a:solidFill>
-              <a:latin typeface="Arial"/>
-            </a:endParaRPr>
-          </a:p>
-        </p:txBody>
-      </p:sp>
-      <p:sp>
-        <p:nvSpPr>
-          <p:cNvPr id="91" name="PlaceHolder 3"/>
-          <p:cNvSpPr>
-            <a:spLocks noGrp="1"/>
-          </p:cNvSpPr>
-          <p:nvPr>
             <p:ph type="ftr" idx="6"/>
           </p:nvPr>
         </p:nvSpPr>
         <p:spPr>
           <a:xfrm>
             <a:off x="3420000" y="5400000"/>
-            <a:ext cx="3239640" cy="269640"/>
+            <a:ext cx="3239280" cy="269280"/>
           </a:xfrm>
           <a:prstGeom prst="rect">
             <a:avLst/>
@@ -9023,7 +8755,7 @@
       </p:sp>
       <p:sp>
         <p:nvSpPr>
-          <p:cNvPr id="92" name="PlaceHolder 4"/>
+          <p:cNvPr id="90" name="PlaceHolder 2"/>
           <p:cNvSpPr>
             <a:spLocks noGrp="1"/>
           </p:cNvSpPr>
@@ -9034,7 +8766,7 @@
         <p:spPr>
           <a:xfrm>
             <a:off x="9180000" y="5130000"/>
-            <a:ext cx="719640" cy="539640"/>
+            <a:ext cx="719280" cy="539280"/>
           </a:xfrm>
           <a:prstGeom prst="rect">
             <a:avLst/>
@@ -9075,7 +8807,7 @@
                 <a:tab algn="l" pos="0"/>
               </a:tabLst>
             </a:pPr>
-            <a:fld id="{2DDBC325-616F-4D5C-947D-A0D6611FF01B}" type="slidenum">
+            <a:fld id="{B6D78213-1E43-47A3-A03B-359D9D352E69}" type="slidenum">
               <a:rPr b="1" lang="ru-RU" sz="1800" spc="-1" strike="noStrike">
                 <a:solidFill>
                   <a:srgbClr val="ffffff"/>
@@ -9095,7 +8827,7 @@
       </p:sp>
       <p:sp>
         <p:nvSpPr>
-          <p:cNvPr id="93" name="PlaceHolder 5"/>
+          <p:cNvPr id="91" name="PlaceHolder 3"/>
           <p:cNvSpPr>
             <a:spLocks noGrp="1"/>
           </p:cNvSpPr>
@@ -9106,7 +8838,7 @@
         <p:spPr>
           <a:xfrm>
             <a:off x="360000" y="5400000"/>
-            <a:ext cx="2879640" cy="269640"/>
+            <a:ext cx="2879280" cy="269280"/>
           </a:xfrm>
           <a:prstGeom prst="rect">
             <a:avLst/>
@@ -9149,6 +8881,280 @@
                 <a:srgbClr val="000000"/>
               </a:solidFill>
               <a:latin typeface="Times New Roman"/>
+            </a:endParaRPr>
+          </a:p>
+        </p:txBody>
+      </p:sp>
+      <p:sp>
+        <p:nvSpPr>
+          <p:cNvPr id="92" name="PlaceHolder 4"/>
+          <p:cNvSpPr>
+            <a:spLocks noGrp="1"/>
+          </p:cNvSpPr>
+          <p:nvPr>
+            <p:ph type="title"/>
+          </p:nvPr>
+        </p:nvSpPr>
+        <p:spPr>
+          <a:xfrm>
+            <a:off x="504000" y="226080"/>
+            <a:ext cx="9072000" cy="946440"/>
+          </a:xfrm>
+          <a:prstGeom prst="rect">
+            <a:avLst/>
+          </a:prstGeom>
+          <a:noFill/>
+          <a:ln w="0">
+            <a:noFill/>
+          </a:ln>
+        </p:spPr>
+        <p:txBody>
+          <a:bodyPr lIns="0" rIns="0" tIns="0" bIns="0" anchor="ctr">
+            <a:noAutofit/>
+          </a:bodyPr>
+          <a:p>
+            <a:pPr indent="0" algn="ctr">
+              <a:buNone/>
+            </a:pPr>
+            <a:r>
+              <a:rPr b="0" lang="ru-RU" sz="4400" spc="-1" strike="noStrike">
+                <a:solidFill>
+                  <a:srgbClr val="000000"/>
+                </a:solidFill>
+                <a:latin typeface="Arial"/>
+              </a:rPr>
+              <a:t>Для правки текста заглавия щёлкните мышью</a:t>
+            </a:r>
+            <a:endParaRPr b="0" lang="ru-RU" sz="4400" spc="-1" strike="noStrike">
+              <a:solidFill>
+                <a:srgbClr val="000000"/>
+              </a:solidFill>
+              <a:latin typeface="Arial"/>
+            </a:endParaRPr>
+          </a:p>
+        </p:txBody>
+      </p:sp>
+      <p:sp>
+        <p:nvSpPr>
+          <p:cNvPr id="93" name="PlaceHolder 5"/>
+          <p:cNvSpPr>
+            <a:spLocks noGrp="1"/>
+          </p:cNvSpPr>
+          <p:nvPr>
+            <p:ph type="body"/>
+          </p:nvPr>
+        </p:nvSpPr>
+        <p:spPr>
+          <a:xfrm>
+            <a:off x="504000" y="1326600"/>
+            <a:ext cx="9072000" cy="3288600"/>
+          </a:xfrm>
+          <a:prstGeom prst="rect">
+            <a:avLst/>
+          </a:prstGeom>
+          <a:noFill/>
+          <a:ln w="0">
+            <a:noFill/>
+          </a:ln>
+        </p:spPr>
+        <p:txBody>
+          <a:bodyPr lIns="0" rIns="0" tIns="0" bIns="0" anchor="t">
+            <a:normAutofit/>
+          </a:bodyPr>
+          <a:p>
+            <a:pPr marL="432000" indent="-324000">
+              <a:spcBef>
+                <a:spcPts val="1417"/>
+              </a:spcBef>
+              <a:buClr>
+                <a:srgbClr val="000000"/>
+              </a:buClr>
+              <a:buSzPct val="45000"/>
+              <a:buFont typeface="Wingdings" charset="2"/>
+              <a:buChar char=""/>
+            </a:pPr>
+            <a:r>
+              <a:rPr b="0" lang="ru-RU" sz="3200" spc="-1" strike="noStrike">
+                <a:solidFill>
+                  <a:srgbClr val="000000"/>
+                </a:solidFill>
+                <a:latin typeface="Arial"/>
+              </a:rPr>
+              <a:t>Для правки структуры щёлкните мышью</a:t>
+            </a:r>
+            <a:endParaRPr b="0" lang="ru-RU" sz="3200" spc="-1" strike="noStrike">
+              <a:solidFill>
+                <a:srgbClr val="000000"/>
+              </a:solidFill>
+              <a:latin typeface="Arial"/>
+            </a:endParaRPr>
+          </a:p>
+          <a:p>
+            <a:pPr lvl="1" marL="864000" indent="-324000">
+              <a:spcBef>
+                <a:spcPts val="1134"/>
+              </a:spcBef>
+              <a:buClr>
+                <a:srgbClr val="000000"/>
+              </a:buClr>
+              <a:buSzPct val="75000"/>
+              <a:buFont typeface="Symbol" charset="2"/>
+              <a:buChar char=""/>
+            </a:pPr>
+            <a:r>
+              <a:rPr b="0" lang="ru-RU" sz="2800" spc="-1" strike="noStrike">
+                <a:solidFill>
+                  <a:srgbClr val="000000"/>
+                </a:solidFill>
+                <a:latin typeface="Arial"/>
+              </a:rPr>
+              <a:t>Второй уровень структуры</a:t>
+            </a:r>
+            <a:endParaRPr b="0" lang="ru-RU" sz="2800" spc="-1" strike="noStrike">
+              <a:solidFill>
+                <a:srgbClr val="000000"/>
+              </a:solidFill>
+              <a:latin typeface="Arial"/>
+            </a:endParaRPr>
+          </a:p>
+          <a:p>
+            <a:pPr lvl="2" marL="1296000" indent="-288000">
+              <a:spcBef>
+                <a:spcPts val="850"/>
+              </a:spcBef>
+              <a:buClr>
+                <a:srgbClr val="000000"/>
+              </a:buClr>
+              <a:buSzPct val="45000"/>
+              <a:buFont typeface="Wingdings" charset="2"/>
+              <a:buChar char=""/>
+            </a:pPr>
+            <a:r>
+              <a:rPr b="0" lang="ru-RU" sz="2400" spc="-1" strike="noStrike">
+                <a:solidFill>
+                  <a:srgbClr val="000000"/>
+                </a:solidFill>
+                <a:latin typeface="Arial"/>
+              </a:rPr>
+              <a:t>Третий уровень структуры</a:t>
+            </a:r>
+            <a:endParaRPr b="0" lang="ru-RU" sz="2400" spc="-1" strike="noStrike">
+              <a:solidFill>
+                <a:srgbClr val="000000"/>
+              </a:solidFill>
+              <a:latin typeface="Arial"/>
+            </a:endParaRPr>
+          </a:p>
+          <a:p>
+            <a:pPr lvl="3" marL="1728000" indent="-216000">
+              <a:spcBef>
+                <a:spcPts val="567"/>
+              </a:spcBef>
+              <a:buClr>
+                <a:srgbClr val="000000"/>
+              </a:buClr>
+              <a:buSzPct val="75000"/>
+              <a:buFont typeface="Symbol" charset="2"/>
+              <a:buChar char=""/>
+            </a:pPr>
+            <a:r>
+              <a:rPr b="0" lang="ru-RU" sz="2000" spc="-1" strike="noStrike">
+                <a:solidFill>
+                  <a:srgbClr val="000000"/>
+                </a:solidFill>
+                <a:latin typeface="Arial"/>
+              </a:rPr>
+              <a:t>Четвёртый уровень структуры</a:t>
+            </a:r>
+            <a:endParaRPr b="0" lang="ru-RU" sz="2000" spc="-1" strike="noStrike">
+              <a:solidFill>
+                <a:srgbClr val="000000"/>
+              </a:solidFill>
+              <a:latin typeface="Arial"/>
+            </a:endParaRPr>
+          </a:p>
+          <a:p>
+            <a:pPr lvl="4" marL="2160000" indent="-216000">
+              <a:spcBef>
+                <a:spcPts val="283"/>
+              </a:spcBef>
+              <a:buClr>
+                <a:srgbClr val="000000"/>
+              </a:buClr>
+              <a:buSzPct val="45000"/>
+              <a:buFont typeface="Wingdings" charset="2"/>
+              <a:buChar char=""/>
+            </a:pPr>
+            <a:r>
+              <a:rPr b="0" lang="ru-RU" sz="2000" spc="-1" strike="noStrike">
+                <a:solidFill>
+                  <a:srgbClr val="000000"/>
+                </a:solidFill>
+                <a:latin typeface="Arial"/>
+              </a:rPr>
+              <a:t>Пятый уровень структуры</a:t>
+            </a:r>
+            <a:endParaRPr b="0" lang="ru-RU" sz="2000" spc="-1" strike="noStrike">
+              <a:solidFill>
+                <a:srgbClr val="000000"/>
+              </a:solidFill>
+              <a:latin typeface="Arial"/>
+            </a:endParaRPr>
+          </a:p>
+          <a:p>
+            <a:pPr lvl="5" marL="2592000" indent="-216000">
+              <a:spcBef>
+                <a:spcPts val="283"/>
+              </a:spcBef>
+              <a:buClr>
+                <a:srgbClr val="000000"/>
+              </a:buClr>
+              <a:buSzPct val="45000"/>
+              <a:buFont typeface="Wingdings" charset="2"/>
+              <a:buChar char=""/>
+            </a:pPr>
+            <a:r>
+              <a:rPr b="0" lang="ru-RU" sz="2000" spc="-1" strike="noStrike">
+                <a:solidFill>
+                  <a:srgbClr val="000000"/>
+                </a:solidFill>
+                <a:latin typeface="Arial"/>
+              </a:rPr>
+              <a:t>Шестой уровень структуры</a:t>
+            </a:r>
+            <a:endParaRPr b="0" lang="ru-RU" sz="2000" spc="-1" strike="noStrike">
+              <a:solidFill>
+                <a:srgbClr val="000000"/>
+              </a:solidFill>
+              <a:latin typeface="Arial"/>
+            </a:endParaRPr>
+          </a:p>
+          <a:p>
+            <a:pPr lvl="6" marL="3024000" indent="-216000">
+              <a:spcBef>
+                <a:spcPts val="283"/>
+              </a:spcBef>
+              <a:buClr>
+                <a:srgbClr val="000000"/>
+              </a:buClr>
+              <a:buSzPct val="45000"/>
+              <a:buFont typeface="Wingdings" charset="2"/>
+              <a:buChar char=""/>
+            </a:pPr>
+            <a:r>
+              <a:rPr b="0" lang="ru-RU" sz="2000" spc="-1" strike="noStrike">
+                <a:solidFill>
+                  <a:srgbClr val="000000"/>
+                </a:solidFill>
+                <a:latin typeface="Arial"/>
+              </a:rPr>
+              <a:t>Седьмой уровень структуры</a:t>
+            </a:r>
+            <a:endParaRPr b="0" lang="ru-RU" sz="2000" spc="-1" strike="noStrike">
+              <a:solidFill>
+                <a:srgbClr val="000000"/>
+              </a:solidFill>
+              <a:latin typeface="Arial"/>
             </a:endParaRPr>
           </a:p>
         </p:txBody>
@@ -9203,7 +9209,7 @@
         <p:spPr>
           <a:xfrm>
             <a:off x="360000" y="2828520"/>
-            <a:ext cx="9359640" cy="731520"/>
+            <a:ext cx="9359280" cy="731160"/>
           </a:xfrm>
           <a:prstGeom prst="rect">
             <a:avLst/>
@@ -9258,7 +9264,7 @@
         <p:spPr>
           <a:xfrm>
             <a:off x="360000" y="3915000"/>
-            <a:ext cx="9359640" cy="1484640"/>
+            <a:ext cx="9359280" cy="1484280"/>
           </a:xfrm>
           <a:prstGeom prst="rect">
             <a:avLst/>
@@ -9394,8 +9400,8 @@
         </p:nvSpPr>
         <p:spPr>
           <a:xfrm>
-            <a:off x="360000" y="225720"/>
-            <a:ext cx="9359640" cy="718560"/>
+            <a:off x="-540000" y="0"/>
+            <a:ext cx="7559640" cy="1619280"/>
           </a:xfrm>
           <a:prstGeom prst="rect">
             <a:avLst/>
@@ -9410,7 +9416,7 @@
             <a:noAutofit/>
           </a:bodyPr>
           <a:p>
-            <a:pPr indent="0">
+            <a:pPr indent="0" algn="ctr">
               <a:lnSpc>
                 <a:spcPct val="100000"/>
               </a:lnSpc>
@@ -9426,7 +9432,7 @@
                 </a:solidFill>
                 <a:latin typeface="Source Sans Pro Black"/>
               </a:rPr>
-              <a:t>Encoder and Decoder</a:t>
+              <a:t>Пару слов о Positional Embeddings (PE)</a:t>
             </a:r>
             <a:endParaRPr b="0" lang="ru-RU" sz="2700" spc="-1" strike="noStrike">
               <a:solidFill>
@@ -9439,54 +9445,144 @@
       </p:sp>
       <p:sp>
         <p:nvSpPr>
-          <p:cNvPr id="170" name="PlaceHolder 2"/>
-          <p:cNvSpPr>
-            <a:spLocks noGrp="1"/>
-          </p:cNvSpPr>
-          <p:nvPr>
-            <p:ph/>
-          </p:nvPr>
-        </p:nvSpPr>
-        <p:spPr>
-          <a:xfrm>
-            <a:off x="360000" y="1485000"/>
-            <a:ext cx="9359640" cy="3779640"/>
-          </a:xfrm>
-          <a:prstGeom prst="rect">
-            <a:avLst/>
-          </a:prstGeom>
-          <a:noFill/>
-          <a:ln w="0">
-            <a:noFill/>
-          </a:ln>
-        </p:spPr>
-        <p:txBody>
-          <a:bodyPr lIns="0" rIns="0" tIns="0" bIns="0" anchor="t">
-            <a:normAutofit/>
-          </a:bodyPr>
-          <a:p>
-            <a:pPr marL="432000" indent="-324000">
+          <p:cNvPr id="170" name=""/>
+          <p:cNvSpPr/>
+          <p:nvPr/>
+        </p:nvSpPr>
+        <p:spPr>
+          <a:xfrm>
+            <a:off x="180000" y="1897200"/>
+            <a:ext cx="10066680" cy="982440"/>
+          </a:xfrm>
+          <a:prstGeom prst="rect">
+            <a:avLst/>
+          </a:prstGeom>
+          <a:noFill/>
+          <a:ln w="0">
+            <a:noFill/>
+          </a:ln>
+        </p:spPr>
+        <p:style>
+          <a:lnRef idx="0"/>
+          <a:fillRef idx="0"/>
+          <a:effectRef idx="0"/>
+          <a:fontRef idx="minor"/>
+        </p:style>
+        <p:txBody>
+          <a:bodyPr lIns="90000" rIns="90000" tIns="45000" bIns="45000" anchor="t">
+            <a:noAutofit/>
+          </a:bodyPr>
+          <a:p>
+            <a:pPr>
               <a:lnSpc>
                 <a:spcPct val="100000"/>
               </a:lnSpc>
-              <a:spcAft>
-                <a:spcPts val="1057"/>
-              </a:spcAft>
-              <a:buClr>
-                <a:srgbClr val="2c3e50"/>
-              </a:buClr>
-              <a:buSzPct val="45000"/>
-              <a:buFont typeface="Wingdings" charset="2"/>
-              <a:buChar char=""/>
+            </a:pPr>
+            <a:r>
+              <a:rPr b="1" lang="ru-RU" sz="2100" spc="-1" strike="noStrike">
+                <a:solidFill>
+                  <a:srgbClr val="000000"/>
+                </a:solidFill>
+                <a:latin typeface="Arial"/>
+              </a:rPr>
+              <a:t>Типы PE в MHSA:</a:t>
+            </a:r>
+            <a:endParaRPr b="0" lang="ru-RU" sz="2100" spc="-1" strike="noStrike">
+              <a:solidFill>
+                <a:srgbClr val="000000"/>
+              </a:solidFill>
+              <a:latin typeface="Arial"/>
+            </a:endParaRPr>
+          </a:p>
+          <a:p>
+            <a:pPr>
+              <a:lnSpc>
+                <a:spcPct val="100000"/>
+              </a:lnSpc>
+            </a:pPr>
+            <a:r>
+              <a:rPr b="1" lang="ru-RU" sz="2100" spc="-1" strike="noStrike">
+                <a:solidFill>
+                  <a:srgbClr val="000000"/>
+                </a:solidFill>
+                <a:latin typeface="Arial"/>
+              </a:rPr>
+              <a:t>1) Абсолютный</a:t>
+            </a:r>
+            <a:endParaRPr b="0" lang="ru-RU" sz="2100" spc="-1" strike="noStrike">
+              <a:solidFill>
+                <a:srgbClr val="000000"/>
+              </a:solidFill>
+              <a:latin typeface="Arial"/>
+            </a:endParaRPr>
+          </a:p>
+          <a:p>
+            <a:pPr>
+              <a:lnSpc>
+                <a:spcPct val="100000"/>
+              </a:lnSpc>
+            </a:pPr>
+            <a:r>
+              <a:rPr b="1" lang="ru-RU" sz="2100" spc="-1" strike="noStrike">
+                <a:solidFill>
+                  <a:srgbClr val="000000"/>
+                </a:solidFill>
+                <a:latin typeface="Arial"/>
+              </a:rPr>
+              <a:t>2)Относительный</a:t>
+            </a:r>
+            <a:endParaRPr b="0" lang="ru-RU" sz="2100" spc="-1" strike="noStrike">
+              <a:solidFill>
+                <a:srgbClr val="000000"/>
+              </a:solidFill>
+              <a:latin typeface="Arial"/>
+            </a:endParaRPr>
+          </a:p>
+        </p:txBody>
+      </p:sp>
+      <p:sp>
+        <p:nvSpPr>
+          <p:cNvPr id="171" name=""/>
+          <p:cNvSpPr/>
+          <p:nvPr/>
+        </p:nvSpPr>
+        <p:spPr>
+          <a:xfrm>
+            <a:off x="180000" y="1357200"/>
+            <a:ext cx="3959640" cy="982440"/>
+          </a:xfrm>
+          <a:prstGeom prst="rect">
+            <a:avLst/>
+          </a:prstGeom>
+          <a:noFill/>
+          <a:ln w="0">
+            <a:noFill/>
+          </a:ln>
+        </p:spPr>
+        <p:style>
+          <a:lnRef idx="0"/>
+          <a:fillRef idx="0"/>
+          <a:effectRef idx="0"/>
+          <a:fontRef idx="minor"/>
+        </p:style>
+        <p:txBody>
+          <a:bodyPr lIns="90000" rIns="90000" tIns="45000" bIns="45000" anchor="t">
+            <a:noAutofit/>
+          </a:bodyPr>
+          <a:p>
+            <a:pPr>
+              <a:lnSpc>
+                <a:spcPct val="100000"/>
+              </a:lnSpc>
             </a:pPr>
             <a:r>
               <a:rPr b="1" lang="ru-RU" sz="2400" spc="-1" strike="noStrike">
                 <a:solidFill>
-                  <a:srgbClr val="2c3e50"/>
+                  <a:srgbClr val="000000"/>
                 </a:solidFill>
-                <a:latin typeface="Source Sans Pro Semibold"/>
+                <a:latin typeface="Arial"/>
               </a:rPr>
-              <a:t>Что это? Кратко говоря, две RNN</a:t>
+              <a:t>Что это и зачем оно?</a:t>
             </a:r>
             <a:endParaRPr b="0" lang="ru-RU" sz="2400" spc="-1" strike="noStrike">
               <a:solidFill>
@@ -9499,7 +9595,7 @@
       </p:sp>
       <p:pic>
         <p:nvPicPr>
-          <p:cNvPr id="171" name="" descr=""/>
+          <p:cNvPr id="172" name="" descr=""/>
           <p:cNvPicPr/>
           <p:nvPr/>
         </p:nvPicPr>
@@ -9509,231 +9605,8 @@
         </p:blipFill>
         <p:spPr>
           <a:xfrm>
-            <a:off x="1837440" y="1980000"/>
-            <a:ext cx="5542200" cy="2675160"/>
-          </a:xfrm>
-          <a:prstGeom prst="rect">
-            <a:avLst/>
-          </a:prstGeom>
-          <a:ln w="10800">
-            <a:noFill/>
-          </a:ln>
-        </p:spPr>
-      </p:pic>
-    </p:spTree>
-  </p:cSld>
-  <mc:AlternateContent>
-    <mc:Choice Requires="p14">
-      <p:transition spd="slow" p14:dur="2000"/>
-    </mc:Choice>
-    <mc:Fallback>
-      <p:transition spd="slow"/>
-    </mc:Fallback>
-  </mc:AlternateContent>
-</p:sld>
-</file>
-
-<file path=ppt/slides/slide11.xml><?xml version="1.0" encoding="utf-8"?>
-<p:sld xmlns:a="http://schemas.openxmlformats.org/drawingml/2006/main" xmlns:p="http://schemas.openxmlformats.org/presentationml/2006/main" xmlns:r="http://schemas.openxmlformats.org/officeDocument/2006/relationships" xmlns:p14="http://schemas.microsoft.com/office/powerpoint/2010/main" xmlns:p15="http://schemas.microsoft.com/office/powerpoint/2012/main" xmlns:mc="http://schemas.openxmlformats.org/markup-compatibility/2006">
-  <p:cSld>
-    <p:spTree>
-      <p:nvGrpSpPr>
-        <p:cNvPr id="1" name=""/>
-        <p:cNvGrpSpPr/>
-        <p:nvPr/>
-      </p:nvGrpSpPr>
-      <p:grpSpPr>
-        <a:xfrm>
-          <a:off x="0" y="0"/>
-          <a:ext cx="0" cy="0"/>
-          <a:chOff x="0" y="0"/>
-          <a:chExt cx="0" cy="0"/>
-        </a:xfrm>
-      </p:grpSpPr>
-      <p:sp>
-        <p:nvSpPr>
-          <p:cNvPr id="172" name="PlaceHolder 1"/>
-          <p:cNvSpPr>
-            <a:spLocks noGrp="1"/>
-          </p:cNvSpPr>
-          <p:nvPr>
-            <p:ph type="title"/>
-          </p:nvPr>
-        </p:nvSpPr>
-        <p:spPr>
-          <a:xfrm>
-            <a:off x="-540000" y="0"/>
-            <a:ext cx="7560000" cy="1619640"/>
-          </a:xfrm>
-          <a:prstGeom prst="rect">
-            <a:avLst/>
-          </a:prstGeom>
-          <a:noFill/>
-          <a:ln w="0">
-            <a:noFill/>
-          </a:ln>
-        </p:spPr>
-        <p:txBody>
-          <a:bodyPr lIns="0" rIns="0" tIns="0" bIns="0" anchor="ctr">
-            <a:noAutofit/>
-          </a:bodyPr>
-          <a:p>
-            <a:pPr indent="0" algn="ctr">
-              <a:lnSpc>
-                <a:spcPct val="100000"/>
-              </a:lnSpc>
-              <a:buNone/>
-            </a:pPr>
-            <a:r>
-              <a:rPr b="1" lang="ru-RU" sz="2700" spc="-1" strike="noStrike">
-                <a:solidFill>
-                  <a:srgbClr val="ffffff"/>
-                </a:solidFill>
-                <a:latin typeface="Source Sans Pro Black"/>
-              </a:rPr>
-              <a:t>Пару слов о Positional Embeddings (PE)</a:t>
-            </a:r>
-            <a:endParaRPr b="0" lang="ru-RU" sz="2700" spc="-1" strike="noStrike">
-              <a:solidFill>
-                <a:srgbClr val="000000"/>
-              </a:solidFill>
-              <a:latin typeface="Arial"/>
-            </a:endParaRPr>
-          </a:p>
-        </p:txBody>
-      </p:sp>
-      <p:sp>
-        <p:nvSpPr>
-          <p:cNvPr id="173" name=""/>
-          <p:cNvSpPr txBox="1"/>
-          <p:nvPr/>
-        </p:nvSpPr>
-        <p:spPr>
-          <a:xfrm>
-            <a:off x="180000" y="1897200"/>
-            <a:ext cx="10067040" cy="982800"/>
-          </a:xfrm>
-          <a:prstGeom prst="rect">
-            <a:avLst/>
-          </a:prstGeom>
-          <a:noFill/>
-          <a:ln w="0">
-            <a:noFill/>
-          </a:ln>
-        </p:spPr>
-        <p:txBody>
-          <a:bodyPr lIns="90000" rIns="90000" tIns="45000" bIns="45000" anchor="t">
-            <a:noAutofit/>
-          </a:bodyPr>
-          <a:p>
-            <a:r>
-              <a:rPr b="1" lang="ru-RU" sz="2100" spc="-1" strike="noStrike">
-                <a:solidFill>
-                  <a:srgbClr val="000000"/>
-                </a:solidFill>
-                <a:latin typeface="Arial"/>
-              </a:rPr>
-              <a:t>Типы PE в MHSA:</a:t>
-            </a:r>
-            <a:endParaRPr b="0" lang="ru-RU" sz="2100" spc="-1" strike="noStrike">
-              <a:solidFill>
-                <a:srgbClr val="000000"/>
-              </a:solidFill>
-              <a:latin typeface="Arial"/>
-            </a:endParaRPr>
-          </a:p>
-          <a:p>
-            <a:r>
-              <a:rPr b="1" lang="ru-RU" sz="2100" spc="-1" strike="noStrike">
-                <a:solidFill>
-                  <a:srgbClr val="000000"/>
-                </a:solidFill>
-                <a:latin typeface="Arial"/>
-              </a:rPr>
-              <a:t>1) Абсолютный</a:t>
-            </a:r>
-            <a:endParaRPr b="0" lang="ru-RU" sz="2100" spc="-1" strike="noStrike">
-              <a:solidFill>
-                <a:srgbClr val="000000"/>
-              </a:solidFill>
-              <a:latin typeface="Arial"/>
-            </a:endParaRPr>
-          </a:p>
-          <a:p>
-            <a:r>
-              <a:rPr b="1" lang="ru-RU" sz="2100" spc="-1" strike="noStrike">
-                <a:solidFill>
-                  <a:srgbClr val="000000"/>
-                </a:solidFill>
-                <a:latin typeface="Arial"/>
-              </a:rPr>
-              <a:t>2)Относительный</a:t>
-            </a:r>
-            <a:endParaRPr b="0" lang="ru-RU" sz="2100" spc="-1" strike="noStrike">
-              <a:solidFill>
-                <a:srgbClr val="000000"/>
-              </a:solidFill>
-              <a:latin typeface="Arial"/>
-            </a:endParaRPr>
-          </a:p>
-        </p:txBody>
-      </p:sp>
-      <p:sp>
-        <p:nvSpPr>
-          <p:cNvPr id="174" name=""/>
-          <p:cNvSpPr txBox="1"/>
-          <p:nvPr/>
-        </p:nvSpPr>
-        <p:spPr>
-          <a:xfrm>
-            <a:off x="180000" y="1357200"/>
-            <a:ext cx="3960000" cy="982800"/>
-          </a:xfrm>
-          <a:prstGeom prst="rect">
-            <a:avLst/>
-          </a:prstGeom>
-          <a:noFill/>
-          <a:ln w="0">
-            <a:noFill/>
-          </a:ln>
-        </p:spPr>
-        <p:txBody>
-          <a:bodyPr lIns="90000" rIns="90000" tIns="45000" bIns="45000" anchor="t">
-            <a:noAutofit/>
-          </a:bodyPr>
-          <a:p>
-            <a:r>
-              <a:rPr b="1" lang="ru-RU" sz="2400" spc="-1" strike="noStrike">
-                <a:solidFill>
-                  <a:srgbClr val="000000"/>
-                </a:solidFill>
-                <a:latin typeface="Arial"/>
-              </a:rPr>
-              <a:t>Что это и зачем оно?</a:t>
-            </a:r>
-            <a:endParaRPr b="0" lang="ru-RU" sz="2400" spc="-1" strike="noStrike">
-              <a:solidFill>
-                <a:srgbClr val="000000"/>
-              </a:solidFill>
-              <a:latin typeface="Arial"/>
-            </a:endParaRPr>
-          </a:p>
-        </p:txBody>
-      </p:sp>
-      <p:pic>
-        <p:nvPicPr>
-          <p:cNvPr id="175" name="" descr=""/>
-          <p:cNvPicPr/>
-          <p:nvPr/>
-        </p:nvPicPr>
-        <p:blipFill>
-          <a:blip r:embed="rId1"/>
-          <a:stretch/>
-        </p:blipFill>
-        <p:spPr>
-          <a:xfrm>
             <a:off x="3960000" y="1620000"/>
-            <a:ext cx="5400000" cy="1117800"/>
+            <a:ext cx="5399640" cy="1117440"/>
           </a:xfrm>
           <a:prstGeom prst="rect">
             <a:avLst/>
@@ -9745,7 +9618,7 @@
       </p:pic>
       <p:pic>
         <p:nvPicPr>
-          <p:cNvPr id="176" name="" descr=""/>
+          <p:cNvPr id="173" name="" descr=""/>
           <p:cNvPicPr/>
           <p:nvPr/>
         </p:nvPicPr>
@@ -9756,7 +9629,7 @@
         <p:spPr>
           <a:xfrm>
             <a:off x="180000" y="3938760"/>
-            <a:ext cx="6988320" cy="1101240"/>
+            <a:ext cx="6987960" cy="1100880"/>
           </a:xfrm>
           <a:prstGeom prst="rect">
             <a:avLst/>
@@ -9768,7 +9641,7 @@
       </p:pic>
       <p:sp>
         <p:nvSpPr>
-          <p:cNvPr id="177" name=""/>
+          <p:cNvPr id="174" name=""/>
           <p:cNvSpPr/>
           <p:nvPr/>
         </p:nvSpPr>
@@ -9803,34 +9676,46 @@
                 <a:srgbClr val="000000"/>
               </a:solidFill>
               <a:latin typeface="Arial"/>
-            </a:endParaRPr>
-          </a:p>
-        </p:txBody>
-      </p:sp>
-      <p:sp>
-        <p:nvSpPr>
-          <p:cNvPr id="178" name=""/>
-          <p:cNvSpPr txBox="1"/>
+              <a:ea typeface="DejaVu Sans"/>
+            </a:endParaRPr>
+          </a:p>
+        </p:txBody>
+      </p:sp>
+      <p:sp>
+        <p:nvSpPr>
+          <p:cNvPr id="175" name=""/>
+          <p:cNvSpPr/>
           <p:nvPr/>
         </p:nvSpPr>
         <p:spPr>
           <a:xfrm>
             <a:off x="6480000" y="4462920"/>
-            <a:ext cx="3370320" cy="937080"/>
-          </a:xfrm>
-          <a:prstGeom prst="rect">
-            <a:avLst/>
-          </a:prstGeom>
-          <a:noFill/>
-          <a:ln w="0">
-            <a:noFill/>
-          </a:ln>
-        </p:spPr>
+            <a:ext cx="3369960" cy="936720"/>
+          </a:xfrm>
+          <a:prstGeom prst="rect">
+            <a:avLst/>
+          </a:prstGeom>
+          <a:noFill/>
+          <a:ln w="0">
+            <a:noFill/>
+          </a:ln>
+        </p:spPr>
+        <p:style>
+          <a:lnRef idx="0"/>
+          <a:fillRef idx="0"/>
+          <a:effectRef idx="0"/>
+          <a:fontRef idx="minor"/>
+        </p:style>
         <p:txBody>
           <a:bodyPr lIns="90000" rIns="90000" tIns="45000" bIns="45000" anchor="t">
             <a:noAutofit/>
           </a:bodyPr>
           <a:p>
+            <a:pPr>
+              <a:lnSpc>
+                <a:spcPct val="100000"/>
+              </a:lnSpc>
+            </a:pPr>
             <a:r>
               <a:rPr b="1" lang="ru-RU" sz="1500" spc="-1" strike="noStrike">
                 <a:solidFill>
@@ -9893,7 +9778,7 @@
                                           </p:stCondLst>
                                         </p:cTn>
                                         <p:tgtEl>
-                                          <p:spTgt spid="173">
+                                          <p:spTgt spid="170">
                                             <p:txEl>
                                               <p:pRg st="0" end="0"/>
                                             </p:txEl>
@@ -9924,7 +9809,7 @@
                                           </p:stCondLst>
                                         </p:cTn>
                                         <p:tgtEl>
-                                          <p:spTgt spid="173">
+                                          <p:spTgt spid="170">
                                             <p:txEl>
                                               <p:pRg st="1" end="1"/>
                                             </p:txEl>
@@ -9955,7 +9840,7 @@
                                           </p:stCondLst>
                                         </p:cTn>
                                         <p:tgtEl>
-                                          <p:spTgt spid="173">
+                                          <p:spTgt spid="170">
                                             <p:txEl>
                                               <p:pRg st="2" end="2"/>
                                             </p:txEl>
@@ -10004,7 +9889,7 @@
                                           </p:stCondLst>
                                         </p:cTn>
                                         <p:tgtEl>
-                                          <p:spTgt spid="175"/>
+                                          <p:spTgt spid="172"/>
                                         </p:tgtEl>
                                         <p:attrNameLst>
                                           <p:attrName>style.visibility</p:attrName>
@@ -10049,7 +9934,7 @@
                                           </p:stCondLst>
                                         </p:cTn>
                                         <p:tgtEl>
-                                          <p:spTgt spid="176"/>
+                                          <p:spTgt spid="173"/>
                                         </p:tgtEl>
                                         <p:attrNameLst>
                                           <p:attrName>style.visibility</p:attrName>
@@ -10076,7 +9961,7 @@
                                           </p:stCondLst>
                                         </p:cTn>
                                         <p:tgtEl>
-                                          <p:spTgt spid="177"/>
+                                          <p:spTgt spid="174"/>
                                         </p:tgtEl>
                                         <p:attrNameLst>
                                           <p:attrName>style.visibility</p:attrName>
@@ -10103,7 +9988,7 @@
                                           </p:stCondLst>
                                         </p:cTn>
                                         <p:tgtEl>
-                                          <p:spTgt spid="178"/>
+                                          <p:spTgt spid="175"/>
                                         </p:tgtEl>
                                         <p:attrNameLst>
                                           <p:attrName>style.visibility</p:attrName>
@@ -10147,6 +10032,174 @@
 </p:sld>
 </file>
 
+<file path=ppt/slides/slide11.xml><?xml version="1.0" encoding="utf-8"?>
+<p:sld xmlns:a="http://schemas.openxmlformats.org/drawingml/2006/main" xmlns:p="http://schemas.openxmlformats.org/presentationml/2006/main" xmlns:r="http://schemas.openxmlformats.org/officeDocument/2006/relationships" xmlns:p14="http://schemas.microsoft.com/office/powerpoint/2010/main" xmlns:p15="http://schemas.microsoft.com/office/powerpoint/2012/main" xmlns:mc="http://schemas.openxmlformats.org/markup-compatibility/2006">
+  <p:cSld>
+    <p:spTree>
+      <p:nvGrpSpPr>
+        <p:cNvPr id="1" name=""/>
+        <p:cNvGrpSpPr/>
+        <p:nvPr/>
+      </p:nvGrpSpPr>
+      <p:grpSpPr>
+        <a:xfrm>
+          <a:off x="0" y="0"/>
+          <a:ext cx="0" cy="0"/>
+          <a:chOff x="0" y="0"/>
+          <a:chExt cx="0" cy="0"/>
+        </a:xfrm>
+      </p:grpSpPr>
+      <p:sp>
+        <p:nvSpPr>
+          <p:cNvPr id="176" name="PlaceHolder 1"/>
+          <p:cNvSpPr>
+            <a:spLocks noGrp="1"/>
+          </p:cNvSpPr>
+          <p:nvPr>
+            <p:ph type="title"/>
+          </p:nvPr>
+        </p:nvSpPr>
+        <p:spPr>
+          <a:xfrm>
+            <a:off x="360000" y="225720"/>
+            <a:ext cx="9359280" cy="718200"/>
+          </a:xfrm>
+          <a:prstGeom prst="rect">
+            <a:avLst/>
+          </a:prstGeom>
+          <a:noFill/>
+          <a:ln w="0">
+            <a:noFill/>
+          </a:ln>
+        </p:spPr>
+        <p:txBody>
+          <a:bodyPr lIns="0" rIns="0" tIns="0" bIns="0" anchor="ctr">
+            <a:noAutofit/>
+          </a:bodyPr>
+          <a:p>
+            <a:pPr indent="0">
+              <a:lnSpc>
+                <a:spcPct val="100000"/>
+              </a:lnSpc>
+              <a:buNone/>
+              <a:tabLst>
+                <a:tab algn="l" pos="0"/>
+              </a:tabLst>
+            </a:pPr>
+            <a:r>
+              <a:rPr b="1" lang="ru-RU" sz="2700" spc="-1" strike="noStrike">
+                <a:solidFill>
+                  <a:srgbClr val="ffffff"/>
+                </a:solidFill>
+                <a:latin typeface="Source Sans Pro Black"/>
+              </a:rPr>
+              <a:t>Encoder and Decoder</a:t>
+            </a:r>
+            <a:endParaRPr b="0" lang="ru-RU" sz="2700" spc="-1" strike="noStrike">
+              <a:solidFill>
+                <a:srgbClr val="000000"/>
+              </a:solidFill>
+              <a:latin typeface="Arial"/>
+            </a:endParaRPr>
+          </a:p>
+        </p:txBody>
+      </p:sp>
+      <p:sp>
+        <p:nvSpPr>
+          <p:cNvPr id="177" name="PlaceHolder 2"/>
+          <p:cNvSpPr>
+            <a:spLocks noGrp="1"/>
+          </p:cNvSpPr>
+          <p:nvPr>
+            <p:ph/>
+          </p:nvPr>
+        </p:nvSpPr>
+        <p:spPr>
+          <a:xfrm>
+            <a:off x="360000" y="1485000"/>
+            <a:ext cx="9359280" cy="3779280"/>
+          </a:xfrm>
+          <a:prstGeom prst="rect">
+            <a:avLst/>
+          </a:prstGeom>
+          <a:noFill/>
+          <a:ln w="0">
+            <a:noFill/>
+          </a:ln>
+        </p:spPr>
+        <p:txBody>
+          <a:bodyPr lIns="0" rIns="0" tIns="0" bIns="0" anchor="t">
+            <a:normAutofit/>
+          </a:bodyPr>
+          <a:p>
+            <a:pPr marL="432000" indent="-324000">
+              <a:lnSpc>
+                <a:spcPct val="100000"/>
+              </a:lnSpc>
+              <a:spcAft>
+                <a:spcPts val="1057"/>
+              </a:spcAft>
+              <a:buClr>
+                <a:srgbClr val="2c3e50"/>
+              </a:buClr>
+              <a:buSzPct val="45000"/>
+              <a:buFont typeface="Wingdings" charset="2"/>
+              <a:buChar char=""/>
+            </a:pPr>
+            <a:r>
+              <a:rPr b="1" lang="ru-RU" sz="2400" spc="-1" strike="noStrike">
+                <a:solidFill>
+                  <a:srgbClr val="2c3e50"/>
+                </a:solidFill>
+                <a:latin typeface="Source Sans Pro Semibold"/>
+              </a:rPr>
+              <a:t>Что это? Кратко говоря, две RNN</a:t>
+            </a:r>
+            <a:endParaRPr b="0" lang="ru-RU" sz="2400" spc="-1" strike="noStrike">
+              <a:solidFill>
+                <a:srgbClr val="000000"/>
+              </a:solidFill>
+              <a:latin typeface="Arial"/>
+            </a:endParaRPr>
+          </a:p>
+        </p:txBody>
+      </p:sp>
+      <p:pic>
+        <p:nvPicPr>
+          <p:cNvPr id="178" name="" descr=""/>
+          <p:cNvPicPr/>
+          <p:nvPr/>
+        </p:nvPicPr>
+        <p:blipFill>
+          <a:blip r:embed="rId1"/>
+          <a:stretch/>
+        </p:blipFill>
+        <p:spPr>
+          <a:xfrm>
+            <a:off x="1837440" y="1980000"/>
+            <a:ext cx="5541840" cy="2674800"/>
+          </a:xfrm>
+          <a:prstGeom prst="rect">
+            <a:avLst/>
+          </a:prstGeom>
+          <a:ln w="10800">
+            <a:noFill/>
+          </a:ln>
+        </p:spPr>
+      </p:pic>
+    </p:spTree>
+  </p:cSld>
+  <mc:AlternateContent>
+    <mc:Choice Requires="p14">
+      <p:transition spd="slow" p14:dur="2000"/>
+    </mc:Choice>
+    <mc:Fallback>
+      <p:transition spd="slow"/>
+    </mc:Fallback>
+  </mc:AlternateContent>
+</p:sld>
+</file>
+
 <file path=ppt/slides/slide12.xml><?xml version="1.0" encoding="utf-8"?>
 <p:sld xmlns:a="http://schemas.openxmlformats.org/drawingml/2006/main" xmlns:p="http://schemas.openxmlformats.org/presentationml/2006/main" xmlns:r="http://schemas.openxmlformats.org/officeDocument/2006/relationships" xmlns:p14="http://schemas.microsoft.com/office/powerpoint/2010/main" xmlns:p15="http://schemas.microsoft.com/office/powerpoint/2012/main" xmlns:mc="http://schemas.openxmlformats.org/markup-compatibility/2006">
   <p:cSld>
@@ -10167,27 +10220,38 @@
       <p:sp>
         <p:nvSpPr>
           <p:cNvPr id="179" name=""/>
-          <p:cNvSpPr txBox="1"/>
+          <p:cNvSpPr/>
           <p:nvPr/>
         </p:nvSpPr>
         <p:spPr>
           <a:xfrm>
             <a:off x="412920" y="321480"/>
-            <a:ext cx="3547080" cy="578520"/>
-          </a:xfrm>
-          <a:prstGeom prst="rect">
-            <a:avLst/>
-          </a:prstGeom>
-          <a:noFill/>
-          <a:ln w="0">
-            <a:noFill/>
-          </a:ln>
-        </p:spPr>
+            <a:ext cx="3546720" cy="578160"/>
+          </a:xfrm>
+          <a:prstGeom prst="rect">
+            <a:avLst/>
+          </a:prstGeom>
+          <a:noFill/>
+          <a:ln w="0">
+            <a:noFill/>
+          </a:ln>
+        </p:spPr>
+        <p:style>
+          <a:lnRef idx="0"/>
+          <a:fillRef idx="0"/>
+          <a:effectRef idx="0"/>
+          <a:fontRef idx="minor"/>
+        </p:style>
         <p:txBody>
           <a:bodyPr lIns="90000" rIns="90000" tIns="45000" bIns="45000" anchor="t">
             <a:noAutofit/>
           </a:bodyPr>
           <a:p>
+            <a:pPr>
+              <a:lnSpc>
+                <a:spcPct val="100000"/>
+              </a:lnSpc>
+            </a:pPr>
             <a:r>
               <a:rPr b="1" lang="ru-RU" sz="2700" spc="-1" strike="noStrike">
                 <a:solidFill>
@@ -10218,8 +10282,8 @@
         </p:blipFill>
         <p:spPr>
           <a:xfrm>
-            <a:off x="2520000" y="1260000"/>
-            <a:ext cx="5220000" cy="4068360"/>
+            <a:off x="2160360" y="1260000"/>
+            <a:ext cx="5219640" cy="4068000"/>
           </a:xfrm>
           <a:prstGeom prst="rect">
             <a:avLst/>
@@ -10262,27 +10326,38 @@
       <p:sp>
         <p:nvSpPr>
           <p:cNvPr id="181" name=""/>
-          <p:cNvSpPr txBox="1"/>
+          <p:cNvSpPr/>
           <p:nvPr/>
         </p:nvSpPr>
         <p:spPr>
           <a:xfrm>
             <a:off x="357840" y="180000"/>
-            <a:ext cx="6842160" cy="1065960"/>
-          </a:xfrm>
-          <a:prstGeom prst="rect">
-            <a:avLst/>
-          </a:prstGeom>
-          <a:noFill/>
-          <a:ln w="0">
-            <a:noFill/>
-          </a:ln>
-        </p:spPr>
+            <a:ext cx="6841800" cy="1065600"/>
+          </a:xfrm>
+          <a:prstGeom prst="rect">
+            <a:avLst/>
+          </a:prstGeom>
+          <a:noFill/>
+          <a:ln w="0">
+            <a:noFill/>
+          </a:ln>
+        </p:spPr>
+        <p:style>
+          <a:lnRef idx="0"/>
+          <a:fillRef idx="0"/>
+          <a:effectRef idx="0"/>
+          <a:fontRef idx="minor"/>
+        </p:style>
         <p:txBody>
           <a:bodyPr lIns="90000" rIns="90000" tIns="45000" bIns="45000" anchor="t">
             <a:noAutofit/>
           </a:bodyPr>
           <a:p>
+            <a:pPr>
+              <a:lnSpc>
+                <a:spcPct val="100000"/>
+              </a:lnSpc>
+            </a:pPr>
             <a:r>
               <a:rPr b="1" lang="ru-RU" sz="2700" spc="-1" strike="noStrike">
                 <a:solidFill>
@@ -10314,7 +10389,7 @@
         <p:spPr>
           <a:xfrm>
             <a:off x="1980000" y="1800000"/>
-            <a:ext cx="5587920" cy="3175200"/>
+            <a:ext cx="5587560" cy="3174840"/>
           </a:xfrm>
           <a:prstGeom prst="rect">
             <a:avLst/>
@@ -10324,6 +10399,48 @@
           </a:ln>
         </p:spPr>
       </p:pic>
+      <p:sp>
+        <p:nvSpPr>
+          <p:cNvPr id="183" name=""/>
+          <p:cNvSpPr txBox="1"/>
+          <p:nvPr/>
+        </p:nvSpPr>
+        <p:spPr>
+          <a:xfrm>
+            <a:off x="2353680" y="1369440"/>
+            <a:ext cx="5746320" cy="430560"/>
+          </a:xfrm>
+          <a:prstGeom prst="rect">
+            <a:avLst/>
+          </a:prstGeom>
+          <a:noFill/>
+          <a:ln w="0">
+            <a:noFill/>
+          </a:ln>
+        </p:spPr>
+        <p:txBody>
+          <a:bodyPr lIns="90000" rIns="90000" tIns="45000" bIns="45000" anchor="t">
+            <a:noAutofit/>
+          </a:bodyPr>
+          <a:p>
+            <a:r>
+              <a:rPr b="1" lang="ru-RU" sz="2400" spc="-1" strike="noStrike">
+                <a:solidFill>
+                  <a:srgbClr val="000000"/>
+                </a:solidFill>
+                <a:latin typeface="Arial"/>
+              </a:rPr>
+              <a:t>Encoder + Decoder = Transformer</a:t>
+            </a:r>
+            <a:endParaRPr b="0" lang="ru-RU" sz="2400" spc="-1" strike="noStrike">
+              <a:solidFill>
+                <a:srgbClr val="000000"/>
+              </a:solidFill>
+              <a:latin typeface="Arial"/>
+            </a:endParaRPr>
+          </a:p>
+        </p:txBody>
+      </p:sp>
     </p:spTree>
   </p:cSld>
   <mc:AlternateContent>
@@ -10356,28 +10473,39 @@
       </p:grpSpPr>
       <p:sp>
         <p:nvSpPr>
-          <p:cNvPr id="183" name=""/>
-          <p:cNvSpPr txBox="1"/>
+          <p:cNvPr id="184" name=""/>
+          <p:cNvSpPr/>
           <p:nvPr/>
         </p:nvSpPr>
         <p:spPr>
           <a:xfrm>
             <a:off x="252000" y="360000"/>
-            <a:ext cx="6048000" cy="578520"/>
-          </a:xfrm>
-          <a:prstGeom prst="rect">
-            <a:avLst/>
-          </a:prstGeom>
-          <a:noFill/>
-          <a:ln w="0">
-            <a:noFill/>
-          </a:ln>
-        </p:spPr>
+            <a:ext cx="6047640" cy="578160"/>
+          </a:xfrm>
+          <a:prstGeom prst="rect">
+            <a:avLst/>
+          </a:prstGeom>
+          <a:noFill/>
+          <a:ln w="0">
+            <a:noFill/>
+          </a:ln>
+        </p:spPr>
+        <p:style>
+          <a:lnRef idx="0"/>
+          <a:fillRef idx="0"/>
+          <a:effectRef idx="0"/>
+          <a:fontRef idx="minor"/>
+        </p:style>
         <p:txBody>
           <a:bodyPr lIns="90000" rIns="90000" tIns="45000" bIns="45000" anchor="t">
             <a:noAutofit/>
           </a:bodyPr>
           <a:p>
+            <a:pPr>
+              <a:lnSpc>
+                <a:spcPct val="100000"/>
+              </a:lnSpc>
+            </a:pPr>
             <a:r>
               <a:rPr b="1" lang="ru-RU" sz="2700" spc="-1" strike="noStrike">
                 <a:solidFill>
@@ -10385,7 +10513,7 @@
                 </a:solidFill>
                 <a:latin typeface="Source Sans Pro Black"/>
               </a:rPr>
-              <a:t>Про Linear Layer</a:t>
+              <a:t>Про Linear Layer and Softmax</a:t>
             </a:r>
             <a:endParaRPr b="0" lang="ru-RU" sz="2700" spc="-1" strike="noStrike">
               <a:solidFill>
@@ -10396,6 +10524,29 @@
           </a:p>
         </p:txBody>
       </p:sp>
+      <p:pic>
+        <p:nvPicPr>
+          <p:cNvPr id="185" name="" descr=""/>
+          <p:cNvPicPr/>
+          <p:nvPr/>
+        </p:nvPicPr>
+        <p:blipFill>
+          <a:blip r:embed="rId1"/>
+          <a:stretch/>
+        </p:blipFill>
+        <p:spPr>
+          <a:xfrm>
+            <a:off x="2628360" y="1727640"/>
+            <a:ext cx="4571640" cy="2952360"/>
+          </a:xfrm>
+          <a:prstGeom prst="rect">
+            <a:avLst/>
+          </a:prstGeom>
+          <a:ln w="0">
+            <a:noFill/>
+          </a:ln>
+        </p:spPr>
+      </p:pic>
     </p:spTree>
   </p:cSld>
   <mc:AlternateContent>
@@ -10428,61 +10579,789 @@
       </p:grpSpPr>
       <p:sp>
         <p:nvSpPr>
-          <p:cNvPr id="184" name="PlaceHolder 1"/>
-          <p:cNvSpPr>
-            <a:spLocks noGrp="1"/>
-          </p:cNvSpPr>
-          <p:nvPr>
-            <p:ph type="title"/>
-          </p:nvPr>
-        </p:nvSpPr>
-        <p:spPr>
-          <a:xfrm>
-            <a:off x="2700000" y="1440000"/>
-            <a:ext cx="4679640" cy="1619640"/>
-          </a:xfrm>
-          <a:prstGeom prst="rect">
-            <a:avLst/>
-          </a:prstGeom>
-          <a:noFill/>
-          <a:ln w="0">
-            <a:noFill/>
-          </a:ln>
-        </p:spPr>
-        <p:txBody>
-          <a:bodyPr lIns="0" rIns="0" tIns="0" bIns="0" anchor="ctr" anchorCtr="1">
+          <p:cNvPr id="186" name=""/>
+          <p:cNvSpPr txBox="1"/>
+          <p:nvPr/>
+        </p:nvSpPr>
+        <p:spPr>
+          <a:xfrm>
+            <a:off x="360000" y="180000"/>
+            <a:ext cx="5580000" cy="1065960"/>
+          </a:xfrm>
+          <a:prstGeom prst="rect">
+            <a:avLst/>
+          </a:prstGeom>
+          <a:noFill/>
+          <a:ln w="0">
+            <a:noFill/>
+          </a:ln>
+        </p:spPr>
+        <p:txBody>
+          <a:bodyPr lIns="90000" rIns="90000" tIns="45000" bIns="45000" anchor="t">
             <a:noAutofit/>
           </a:bodyPr>
           <a:p>
-            <a:pPr indent="0" algn="ctr">
-              <a:buNone/>
-            </a:pPr>
-            <a:endParaRPr b="0" lang="ru-RU" sz="1800" spc="-1" strike="noStrike">
-              <a:solidFill>
-                <a:srgbClr val="000000"/>
-              </a:solidFill>
-              <a:latin typeface="Arial"/>
-            </a:endParaRPr>
-          </a:p>
-        </p:txBody>
-      </p:sp>
-      <p:sp>
-        <p:nvSpPr>
-          <p:cNvPr id="3" name="PlaceHolder 2"/>
-          <p:cNvSpPr>
-            <a:spLocks noGrp="1"/>
-          </p:cNvSpPr>
-          <p:nvPr>
-            <p:ph type="sldNum" idx="7"/>
-          </p:nvPr>
-        </p:nvSpPr>
-        <p:spPr/>
-        <p:txBody>
-          <a:bodyPr/>
-          <a:p>
-            <a:fld id="{53A55499-F5D6-4ED0-B162-49ED7F49702E}" type="slidenum">
-              <a:t>15</a:t>
-            </a:fld>
+            <a:r>
+              <a:rPr b="1" lang="ru-RU" sz="2700" spc="-1" strike="noStrike">
+                <a:solidFill>
+                  <a:srgbClr val="ffffff"/>
+                </a:solidFill>
+                <a:latin typeface="Source Sans Pro Black"/>
+              </a:rPr>
+              <a:t>Обучение трансфомера и loss function </a:t>
+            </a:r>
+            <a:endParaRPr b="0" lang="ru-RU" sz="2700" spc="-1" strike="noStrike">
+              <a:solidFill>
+                <a:srgbClr val="000000"/>
+              </a:solidFill>
+              <a:latin typeface="Arial"/>
+            </a:endParaRPr>
+          </a:p>
+        </p:txBody>
+      </p:sp>
+      <p:pic>
+        <p:nvPicPr>
+          <p:cNvPr id="187" name="" descr=""/>
+          <p:cNvPicPr/>
+          <p:nvPr/>
+        </p:nvPicPr>
+        <p:blipFill>
+          <a:blip r:embed="rId1"/>
+          <a:stretch/>
+        </p:blipFill>
+        <p:spPr>
+          <a:xfrm>
+            <a:off x="360000" y="1213200"/>
+            <a:ext cx="4691160" cy="3646800"/>
+          </a:xfrm>
+          <a:prstGeom prst="rect">
+            <a:avLst/>
+          </a:prstGeom>
+          <a:ln w="0">
+            <a:noFill/>
+          </a:ln>
+        </p:spPr>
+      </p:pic>
+      <p:pic>
+        <p:nvPicPr>
+          <p:cNvPr id="188" name="" descr=""/>
+          <p:cNvPicPr/>
+          <p:nvPr/>
+        </p:nvPicPr>
+        <p:blipFill>
+          <a:blip r:embed="rId2"/>
+          <a:stretch/>
+        </p:blipFill>
+        <p:spPr>
+          <a:xfrm>
+            <a:off x="5076720" y="1440000"/>
+            <a:ext cx="4643280" cy="3600000"/>
+          </a:xfrm>
+          <a:prstGeom prst="rect">
+            <a:avLst/>
+          </a:prstGeom>
+          <a:ln w="0">
+            <a:noFill/>
+          </a:ln>
+        </p:spPr>
+      </p:pic>
+    </p:spTree>
+  </p:cSld>
+  <mc:AlternateContent>
+    <mc:Choice Requires="p14">
+      <p:transition spd="slow" p14:dur="2000"/>
+    </mc:Choice>
+    <mc:Fallback>
+      <p:transition spd="slow"/>
+    </mc:Fallback>
+  </mc:AlternateContent>
+</p:sld>
+</file>
+
+<file path=ppt/slides/slide16.xml><?xml version="1.0" encoding="utf-8"?>
+<p:sld xmlns:a="http://schemas.openxmlformats.org/drawingml/2006/main" xmlns:p="http://schemas.openxmlformats.org/presentationml/2006/main" xmlns:r="http://schemas.openxmlformats.org/officeDocument/2006/relationships" xmlns:p14="http://schemas.microsoft.com/office/powerpoint/2010/main" xmlns:p15="http://schemas.microsoft.com/office/powerpoint/2012/main" xmlns:mc="http://schemas.openxmlformats.org/markup-compatibility/2006">
+  <p:cSld>
+    <p:spTree>
+      <p:nvGrpSpPr>
+        <p:cNvPr id="1" name=""/>
+        <p:cNvGrpSpPr/>
+        <p:nvPr/>
+      </p:nvGrpSpPr>
+      <p:grpSpPr>
+        <a:xfrm>
+          <a:off x="0" y="0"/>
+          <a:ext cx="0" cy="0"/>
+          <a:chOff x="0" y="0"/>
+          <a:chExt cx="0" cy="0"/>
+        </a:xfrm>
+      </p:grpSpPr>
+      <p:sp>
+        <p:nvSpPr>
+          <p:cNvPr id="189" name=""/>
+          <p:cNvSpPr txBox="1"/>
+          <p:nvPr/>
+        </p:nvSpPr>
+        <p:spPr>
+          <a:xfrm>
+            <a:off x="180000" y="501480"/>
+            <a:ext cx="6002280" cy="578520"/>
+          </a:xfrm>
+          <a:prstGeom prst="rect">
+            <a:avLst/>
+          </a:prstGeom>
+          <a:noFill/>
+          <a:ln w="0">
+            <a:noFill/>
+          </a:ln>
+        </p:spPr>
+        <p:txBody>
+          <a:bodyPr lIns="90000" rIns="90000" tIns="45000" bIns="45000" anchor="t">
+            <a:noAutofit/>
+          </a:bodyPr>
+          <a:p>
+            <a:r>
+              <a:rPr b="1" lang="ru-RU" sz="2700" spc="-1" strike="noStrike">
+                <a:solidFill>
+                  <a:srgbClr val="ffffff"/>
+                </a:solidFill>
+                <a:latin typeface="Source Sans Pro Black"/>
+              </a:rPr>
+              <a:t>BERT</a:t>
+            </a:r>
+            <a:endParaRPr b="0" lang="ru-RU" sz="2700" spc="-1" strike="noStrike">
+              <a:solidFill>
+                <a:srgbClr val="000000"/>
+              </a:solidFill>
+              <a:latin typeface="Arial"/>
+            </a:endParaRPr>
+          </a:p>
+        </p:txBody>
+      </p:sp>
+      <p:pic>
+        <p:nvPicPr>
+          <p:cNvPr id="190" name="" descr=""/>
+          <p:cNvPicPr/>
+          <p:nvPr/>
+        </p:nvPicPr>
+        <p:blipFill>
+          <a:blip r:embed="rId1"/>
+          <a:stretch/>
+        </p:blipFill>
+        <p:spPr>
+          <a:xfrm>
+            <a:off x="72000" y="1440000"/>
+            <a:ext cx="6117480" cy="2340000"/>
+          </a:xfrm>
+          <a:prstGeom prst="rect">
+            <a:avLst/>
+          </a:prstGeom>
+          <a:ln w="0">
+            <a:noFill/>
+          </a:ln>
+        </p:spPr>
+      </p:pic>
+      <p:sp>
+        <p:nvSpPr>
+          <p:cNvPr id="191" name=""/>
+          <p:cNvSpPr txBox="1"/>
+          <p:nvPr/>
+        </p:nvSpPr>
+        <p:spPr>
+          <a:xfrm>
+            <a:off x="5548320" y="1620000"/>
+            <a:ext cx="4171680" cy="1541880"/>
+          </a:xfrm>
+          <a:prstGeom prst="rect">
+            <a:avLst/>
+          </a:prstGeom>
+          <a:noFill/>
+          <a:ln w="0">
+            <a:noFill/>
+          </a:ln>
+        </p:spPr>
+        <p:txBody>
+          <a:bodyPr lIns="90000" rIns="90000" tIns="45000" bIns="45000" anchor="t">
+            <a:noAutofit/>
+          </a:bodyPr>
+          <a:p>
+            <a:r>
+              <a:rPr b="1" lang="ru-RU" sz="2000" spc="-1" strike="noStrike">
+                <a:solidFill>
+                  <a:srgbClr val="2c3e50"/>
+                </a:solidFill>
+                <a:latin typeface="Source Sans Pro Semibold"/>
+              </a:rPr>
+              <a:t>С точки зрения ахритектуры BERT’s input индентичен трансфомерам.</a:t>
+            </a:r>
+            <a:endParaRPr b="0" lang="ru-RU" sz="2000" spc="-1" strike="noStrike">
+              <a:solidFill>
+                <a:srgbClr val="000000"/>
+              </a:solidFill>
+              <a:latin typeface="Arial"/>
+            </a:endParaRPr>
+          </a:p>
+        </p:txBody>
+      </p:sp>
+      <p:sp>
+        <p:nvSpPr>
+          <p:cNvPr id="192" name=""/>
+          <p:cNvSpPr txBox="1"/>
+          <p:nvPr/>
+        </p:nvSpPr>
+        <p:spPr>
+          <a:xfrm>
+            <a:off x="5430240" y="2880000"/>
+            <a:ext cx="3929760" cy="2267640"/>
+          </a:xfrm>
+          <a:prstGeom prst="rect">
+            <a:avLst/>
+          </a:prstGeom>
+          <a:noFill/>
+          <a:ln w="0">
+            <a:noFill/>
+          </a:ln>
+        </p:spPr>
+        <p:txBody>
+          <a:bodyPr lIns="90000" rIns="90000" tIns="45000" bIns="45000" anchor="t">
+            <a:noAutofit/>
+          </a:bodyPr>
+          <a:p>
+            <a:r>
+              <a:rPr b="1" lang="ru-RU" sz="2000" spc="-1" strike="noStrike">
+                <a:solidFill>
+                  <a:srgbClr val="2c3e50"/>
+                </a:solidFill>
+                <a:latin typeface="Source Sans Pro Semibold"/>
+              </a:rPr>
+              <a:t>Различие в выходе, а именно Для каждой позиции на выход подается вектор размерностью hidden_size (768 в базовой модели BERT'а).</a:t>
+            </a:r>
+            <a:endParaRPr b="0" lang="ru-RU" sz="2000" spc="-1" strike="noStrike">
+              <a:solidFill>
+                <a:srgbClr val="000000"/>
+              </a:solidFill>
+              <a:latin typeface="Arial"/>
+            </a:endParaRPr>
+          </a:p>
+          <a:p>
+            <a:endParaRPr b="0" lang="ru-RU" sz="2000" spc="-1" strike="noStrike">
+              <a:solidFill>
+                <a:srgbClr val="000000"/>
+              </a:solidFill>
+              <a:latin typeface="Arial"/>
+            </a:endParaRPr>
+          </a:p>
+        </p:txBody>
+      </p:sp>
+      <p:sp>
+        <p:nvSpPr>
+          <p:cNvPr id="193" name=""/>
+          <p:cNvSpPr txBox="1"/>
+          <p:nvPr/>
+        </p:nvSpPr>
+        <p:spPr>
+          <a:xfrm>
+            <a:off x="235440" y="4043520"/>
+            <a:ext cx="1384560" cy="1176480"/>
+          </a:xfrm>
+          <a:prstGeom prst="rect">
+            <a:avLst/>
+          </a:prstGeom>
+          <a:noFill/>
+          <a:ln w="0">
+            <a:noFill/>
+          </a:ln>
+        </p:spPr>
+        <p:txBody>
+          <a:bodyPr lIns="90000" rIns="90000" tIns="45000" bIns="45000" anchor="t">
+            <a:noAutofit/>
+          </a:bodyPr>
+          <a:p>
+            <a:r>
+              <a:rPr b="0" lang="ru-RU" sz="1500" spc="-1" strike="noStrike">
+                <a:solidFill>
+                  <a:srgbClr val="000000"/>
+                </a:solidFill>
+                <a:latin typeface="Source Sans Pro Black"/>
+              </a:rPr>
+              <a:t>Токены BERT:</a:t>
+            </a:r>
+            <a:endParaRPr b="0" lang="ru-RU" sz="1500" spc="-1" strike="noStrike">
+              <a:solidFill>
+                <a:srgbClr val="000000"/>
+              </a:solidFill>
+              <a:latin typeface="Arial"/>
+            </a:endParaRPr>
+          </a:p>
+          <a:p>
+            <a:r>
+              <a:rPr b="0" lang="ru-RU" sz="1500" spc="-1" strike="noStrike">
+                <a:solidFill>
+                  <a:srgbClr val="000000"/>
+                </a:solidFill>
+                <a:latin typeface="Source Sans Pro Black"/>
+              </a:rPr>
+              <a:t>[SEP]</a:t>
+            </a:r>
+            <a:endParaRPr b="0" lang="ru-RU" sz="1500" spc="-1" strike="noStrike">
+              <a:solidFill>
+                <a:srgbClr val="000000"/>
+              </a:solidFill>
+              <a:latin typeface="Arial"/>
+            </a:endParaRPr>
+          </a:p>
+          <a:p>
+            <a:r>
+              <a:rPr b="0" lang="ru-RU" sz="1500" spc="-1" strike="noStrike">
+                <a:solidFill>
+                  <a:srgbClr val="000000"/>
+                </a:solidFill>
+                <a:latin typeface="Source Sans Pro Black"/>
+              </a:rPr>
+              <a:t>[MASK]</a:t>
+            </a:r>
+            <a:endParaRPr b="0" lang="ru-RU" sz="1500" spc="-1" strike="noStrike">
+              <a:solidFill>
+                <a:srgbClr val="000000"/>
+              </a:solidFill>
+              <a:latin typeface="Arial"/>
+            </a:endParaRPr>
+          </a:p>
+          <a:p>
+            <a:r>
+              <a:rPr b="0" lang="ru-RU" sz="1500" spc="-1" strike="noStrike">
+                <a:solidFill>
+                  <a:srgbClr val="000000"/>
+                </a:solidFill>
+                <a:latin typeface="Source Sans Pro Black"/>
+              </a:rPr>
+              <a:t>[CLS]</a:t>
+            </a:r>
+            <a:endParaRPr b="0" lang="ru-RU" sz="1500" spc="-1" strike="noStrike">
+              <a:solidFill>
+                <a:srgbClr val="000000"/>
+              </a:solidFill>
+              <a:latin typeface="Arial"/>
+            </a:endParaRPr>
+          </a:p>
+        </p:txBody>
+      </p:sp>
+    </p:spTree>
+  </p:cSld>
+  <mc:AlternateContent>
+    <mc:Choice Requires="p14">
+      <p:transition spd="slow" p14:dur="2000"/>
+    </mc:Choice>
+    <mc:Fallback>
+      <p:transition spd="slow"/>
+    </mc:Fallback>
+  </mc:AlternateContent>
+</p:sld>
+</file>
+
+<file path=ppt/slides/slide17.xml><?xml version="1.0" encoding="utf-8"?>
+<p:sld xmlns:a="http://schemas.openxmlformats.org/drawingml/2006/main" xmlns:p="http://schemas.openxmlformats.org/presentationml/2006/main" xmlns:r="http://schemas.openxmlformats.org/officeDocument/2006/relationships" xmlns:p14="http://schemas.microsoft.com/office/powerpoint/2010/main" xmlns:p15="http://schemas.microsoft.com/office/powerpoint/2012/main" xmlns:mc="http://schemas.openxmlformats.org/markup-compatibility/2006">
+  <p:cSld>
+    <p:spTree>
+      <p:nvGrpSpPr>
+        <p:cNvPr id="1" name=""/>
+        <p:cNvGrpSpPr/>
+        <p:nvPr/>
+      </p:nvGrpSpPr>
+      <p:grpSpPr>
+        <a:xfrm>
+          <a:off x="0" y="0"/>
+          <a:ext cx="0" cy="0"/>
+          <a:chOff x="0" y="0"/>
+          <a:chExt cx="0" cy="0"/>
+        </a:xfrm>
+      </p:grpSpPr>
+      <p:sp>
+        <p:nvSpPr>
+          <p:cNvPr id="194" name=""/>
+          <p:cNvSpPr txBox="1"/>
+          <p:nvPr/>
+        </p:nvSpPr>
+        <p:spPr>
+          <a:xfrm>
+            <a:off x="180000" y="194040"/>
+            <a:ext cx="6366600" cy="1065960"/>
+          </a:xfrm>
+          <a:prstGeom prst="rect">
+            <a:avLst/>
+          </a:prstGeom>
+          <a:noFill/>
+          <a:ln w="0">
+            <a:noFill/>
+          </a:ln>
+        </p:spPr>
+        <p:txBody>
+          <a:bodyPr lIns="90000" rIns="90000" tIns="45000" bIns="45000" anchor="t">
+            <a:noAutofit/>
+          </a:bodyPr>
+          <a:p>
+            <a:r>
+              <a:rPr b="1" lang="ru-RU" sz="2700" spc="-1" strike="noStrike">
+                <a:solidFill>
+                  <a:srgbClr val="ffffff"/>
+                </a:solidFill>
+                <a:latin typeface="Source Sans Pro Black"/>
+              </a:rPr>
+              <a:t>BERT для задач языкового моделирования</a:t>
+            </a:r>
+            <a:endParaRPr b="0" lang="ru-RU" sz="2700" spc="-1" strike="noStrike">
+              <a:solidFill>
+                <a:srgbClr val="000000"/>
+              </a:solidFill>
+              <a:latin typeface="Arial"/>
+            </a:endParaRPr>
+          </a:p>
+        </p:txBody>
+      </p:sp>
+      <p:pic>
+        <p:nvPicPr>
+          <p:cNvPr id="195" name="" descr=""/>
+          <p:cNvPicPr/>
+          <p:nvPr/>
+        </p:nvPicPr>
+        <p:blipFill>
+          <a:blip r:embed="rId1"/>
+          <a:stretch/>
+        </p:blipFill>
+        <p:spPr>
+          <a:xfrm>
+            <a:off x="540000" y="1687680"/>
+            <a:ext cx="4828320" cy="3172320"/>
+          </a:xfrm>
+          <a:prstGeom prst="rect">
+            <a:avLst/>
+          </a:prstGeom>
+          <a:ln w="0">
+            <a:noFill/>
+          </a:ln>
+        </p:spPr>
+      </p:pic>
+      <p:sp>
+        <p:nvSpPr>
+          <p:cNvPr id="196" name=""/>
+          <p:cNvSpPr txBox="1"/>
+          <p:nvPr/>
+        </p:nvSpPr>
+        <p:spPr>
+          <a:xfrm>
+            <a:off x="5700240" y="2201040"/>
+            <a:ext cx="3839760" cy="1758960"/>
+          </a:xfrm>
+          <a:prstGeom prst="rect">
+            <a:avLst/>
+          </a:prstGeom>
+          <a:noFill/>
+          <a:ln w="0">
+            <a:noFill/>
+          </a:ln>
+        </p:spPr>
+        <p:txBody>
+          <a:bodyPr lIns="90000" rIns="90000" tIns="45000" bIns="45000" anchor="t">
+            <a:noAutofit/>
+          </a:bodyPr>
+          <a:p>
+            <a:r>
+              <a:rPr b="0" lang="ru-RU" sz="1500" spc="-1" strike="noStrike">
+                <a:solidFill>
+                  <a:srgbClr val="000000"/>
+                </a:solidFill>
+                <a:latin typeface="Source Sans Pro Black"/>
+              </a:rPr>
+              <a:t>Для задач языкового моделирования BERT использует «умные» маски для 15% слов во входном предложении и просит модель предсказать пропущенное слово</a:t>
+            </a:r>
+            <a:endParaRPr b="0" lang="ru-RU" sz="1500" spc="-1" strike="noStrike">
+              <a:solidFill>
+                <a:srgbClr val="000000"/>
+              </a:solidFill>
+              <a:latin typeface="Source Sans Pro Black"/>
+            </a:endParaRPr>
+          </a:p>
+        </p:txBody>
+      </p:sp>
+    </p:spTree>
+  </p:cSld>
+  <mc:AlternateContent>
+    <mc:Choice Requires="p14">
+      <p:transition spd="slow" p14:dur="2000"/>
+    </mc:Choice>
+    <mc:Fallback>
+      <p:transition spd="slow"/>
+    </mc:Fallback>
+  </mc:AlternateContent>
+</p:sld>
+</file>
+
+<file path=ppt/slides/slide18.xml><?xml version="1.0" encoding="utf-8"?>
+<p:sld xmlns:a="http://schemas.openxmlformats.org/drawingml/2006/main" xmlns:p="http://schemas.openxmlformats.org/presentationml/2006/main" xmlns:r="http://schemas.openxmlformats.org/officeDocument/2006/relationships" xmlns:p14="http://schemas.microsoft.com/office/powerpoint/2010/main" xmlns:p15="http://schemas.microsoft.com/office/powerpoint/2012/main" xmlns:mc="http://schemas.openxmlformats.org/markup-compatibility/2006">
+  <p:cSld>
+    <p:spTree>
+      <p:nvGrpSpPr>
+        <p:cNvPr id="1" name=""/>
+        <p:cNvGrpSpPr/>
+        <p:nvPr/>
+      </p:nvGrpSpPr>
+      <p:grpSpPr>
+        <a:xfrm>
+          <a:off x="0" y="0"/>
+          <a:ext cx="0" cy="0"/>
+          <a:chOff x="0" y="0"/>
+          <a:chExt cx="0" cy="0"/>
+        </a:xfrm>
+      </p:grpSpPr>
+      <p:sp>
+        <p:nvSpPr>
+          <p:cNvPr id="197" name=""/>
+          <p:cNvSpPr txBox="1"/>
+          <p:nvPr/>
+        </p:nvSpPr>
+        <p:spPr>
+          <a:xfrm>
+            <a:off x="180000" y="321480"/>
+            <a:ext cx="6660000" cy="3504960"/>
+          </a:xfrm>
+          <a:prstGeom prst="rect">
+            <a:avLst/>
+          </a:prstGeom>
+          <a:noFill/>
+          <a:ln w="0">
+            <a:noFill/>
+          </a:ln>
+        </p:spPr>
+        <p:txBody>
+          <a:bodyPr lIns="90000" rIns="90000" tIns="45000" bIns="45000" anchor="t">
+            <a:noAutofit/>
+          </a:bodyPr>
+          <a:p>
+            <a:r>
+              <a:rPr b="1" lang="ru-RU" sz="2700" spc="-1" strike="noStrike">
+                <a:solidFill>
+                  <a:srgbClr val="ffffff"/>
+                </a:solidFill>
+                <a:latin typeface="Source Sans Pro Black"/>
+              </a:rPr>
+              <a:t>BERT для задачи двух предложений</a:t>
+            </a:r>
+            <a:endParaRPr b="0" lang="ru-RU" sz="2700" spc="-1" strike="noStrike">
+              <a:solidFill>
+                <a:srgbClr val="000000"/>
+              </a:solidFill>
+              <a:latin typeface="Arial"/>
+            </a:endParaRPr>
+          </a:p>
+        </p:txBody>
+      </p:sp>
+      <p:pic>
+        <p:nvPicPr>
+          <p:cNvPr id="198" name="" descr=""/>
+          <p:cNvPicPr/>
+          <p:nvPr/>
+        </p:nvPicPr>
+        <p:blipFill>
+          <a:blip r:embed="rId1"/>
+          <a:stretch/>
+        </p:blipFill>
+        <p:spPr>
+          <a:xfrm>
+            <a:off x="398160" y="1668600"/>
+            <a:ext cx="4641840" cy="3191400"/>
+          </a:xfrm>
+          <a:prstGeom prst="rect">
+            <a:avLst/>
+          </a:prstGeom>
+          <a:ln w="0">
+            <a:noFill/>
+          </a:ln>
+        </p:spPr>
+      </p:pic>
+      <p:sp>
+        <p:nvSpPr>
+          <p:cNvPr id="199" name=""/>
+          <p:cNvSpPr txBox="1"/>
+          <p:nvPr/>
+        </p:nvSpPr>
+        <p:spPr>
+          <a:xfrm>
+            <a:off x="4860000" y="2520000"/>
+            <a:ext cx="5040000" cy="1447560"/>
+          </a:xfrm>
+          <a:prstGeom prst="rect">
+            <a:avLst/>
+          </a:prstGeom>
+          <a:noFill/>
+          <a:ln w="0">
+            <a:noFill/>
+          </a:ln>
+        </p:spPr>
+        <p:txBody>
+          <a:bodyPr lIns="90000" rIns="90000" tIns="45000" bIns="45000" anchor="t">
+            <a:noAutofit/>
+          </a:bodyPr>
+          <a:p>
+            <a:r>
+              <a:rPr b="0" lang="ru-RU" sz="1500" spc="-1" strike="noStrike">
+                <a:solidFill>
+                  <a:srgbClr val="000000"/>
+                </a:solidFill>
+                <a:latin typeface="Source Sans Pro Black"/>
+              </a:rPr>
+              <a:t>чтобы BERT мог лучше справляться с определением связей в нескольких предложениях, предварительное обучение включает дополнительную задачу: дано два предложения (А и В); какова вероятность, что В будет следовать после А</a:t>
+            </a:r>
+            <a:endParaRPr b="0" lang="ru-RU" sz="1500" spc="-1" strike="noStrike">
+              <a:solidFill>
+                <a:srgbClr val="000000"/>
+              </a:solidFill>
+              <a:latin typeface="Arial"/>
+            </a:endParaRPr>
+          </a:p>
+        </p:txBody>
+      </p:sp>
+    </p:spTree>
+  </p:cSld>
+  <mc:AlternateContent>
+    <mc:Choice Requires="p14">
+      <p:transition spd="slow" p14:dur="2000"/>
+    </mc:Choice>
+    <mc:Fallback>
+      <p:transition spd="slow"/>
+    </mc:Fallback>
+  </mc:AlternateContent>
+</p:sld>
+</file>
+
+<file path=ppt/slides/slide19.xml><?xml version="1.0" encoding="utf-8"?>
+<p:sld xmlns:a="http://schemas.openxmlformats.org/drawingml/2006/main" xmlns:p="http://schemas.openxmlformats.org/presentationml/2006/main" xmlns:r="http://schemas.openxmlformats.org/officeDocument/2006/relationships" xmlns:p14="http://schemas.microsoft.com/office/powerpoint/2010/main" xmlns:p15="http://schemas.microsoft.com/office/powerpoint/2012/main" xmlns:mc="http://schemas.openxmlformats.org/markup-compatibility/2006">
+  <p:cSld>
+    <p:spTree>
+      <p:nvGrpSpPr>
+        <p:cNvPr id="1" name=""/>
+        <p:cNvGrpSpPr/>
+        <p:nvPr/>
+      </p:nvGrpSpPr>
+      <p:grpSpPr>
+        <a:xfrm>
+          <a:off x="0" y="0"/>
+          <a:ext cx="0" cy="0"/>
+          <a:chOff x="0" y="0"/>
+          <a:chExt cx="0" cy="0"/>
+        </a:xfrm>
+      </p:grpSpPr>
+      <p:pic>
+        <p:nvPicPr>
+          <p:cNvPr id="200" name="" descr=""/>
+          <p:cNvPicPr/>
+          <p:nvPr/>
+        </p:nvPicPr>
+        <p:blipFill>
+          <a:blip r:embed="rId1"/>
+          <a:stretch/>
+        </p:blipFill>
+        <p:spPr>
+          <a:xfrm>
+            <a:off x="2480760" y="1315080"/>
+            <a:ext cx="4719240" cy="3184920"/>
+          </a:xfrm>
+          <a:prstGeom prst="rect">
+            <a:avLst/>
+          </a:prstGeom>
+          <a:ln w="0">
+            <a:noFill/>
+          </a:ln>
+        </p:spPr>
+      </p:pic>
+      <p:sp>
+        <p:nvSpPr>
+          <p:cNvPr id="201" name=""/>
+          <p:cNvSpPr txBox="1"/>
+          <p:nvPr/>
+        </p:nvSpPr>
+        <p:spPr>
+          <a:xfrm>
+            <a:off x="0" y="321480"/>
+            <a:ext cx="6002280" cy="578520"/>
+          </a:xfrm>
+          <a:prstGeom prst="rect">
+            <a:avLst/>
+          </a:prstGeom>
+          <a:noFill/>
+          <a:ln w="0">
+            <a:noFill/>
+          </a:ln>
+        </p:spPr>
+        <p:txBody>
+          <a:bodyPr lIns="90000" rIns="90000" tIns="45000" bIns="45000" anchor="t">
+            <a:noAutofit/>
+          </a:bodyPr>
+          <a:p>
+            <a:r>
+              <a:rPr b="1" lang="ru-RU" sz="2700" spc="-1" strike="noStrike">
+                <a:solidFill>
+                  <a:srgbClr val="ffffff"/>
+                </a:solidFill>
+                <a:latin typeface="Source Sans Pro Black"/>
+              </a:rPr>
+              <a:t>BERT для различных задач</a:t>
+            </a:r>
+            <a:endParaRPr b="0" lang="ru-RU" sz="2700" spc="-1" strike="noStrike">
+              <a:solidFill>
+                <a:srgbClr val="000000"/>
+              </a:solidFill>
+              <a:latin typeface="Arial"/>
+            </a:endParaRPr>
+          </a:p>
+        </p:txBody>
+      </p:sp>
+      <p:sp>
+        <p:nvSpPr>
+          <p:cNvPr id="202" name=""/>
+          <p:cNvSpPr txBox="1"/>
+          <p:nvPr/>
+        </p:nvSpPr>
+        <p:spPr>
+          <a:xfrm>
+            <a:off x="900000" y="4428360"/>
+            <a:ext cx="8280000" cy="794520"/>
+          </a:xfrm>
+          <a:prstGeom prst="rect">
+            <a:avLst/>
+          </a:prstGeom>
+          <a:noFill/>
+          <a:ln w="0">
+            <a:noFill/>
+          </a:ln>
+        </p:spPr>
+        <p:txBody>
+          <a:bodyPr lIns="90000" rIns="90000" tIns="45000" bIns="45000" anchor="t">
+            <a:noAutofit/>
+          </a:bodyPr>
+          <a:p>
+            <a:r>
+              <a:rPr b="0" lang="ru-RU" sz="1300" spc="-1" strike="noStrike">
+                <a:solidFill>
+                  <a:srgbClr val="000000"/>
+                </a:solidFill>
+                <a:latin typeface="Source Sans Pro Black"/>
+              </a:rPr>
+              <a:t>a) Задачи классификации двух предложений: MNLI, QQP, QNLI, STS-B, MRPC, RTE, SWAG; b) задачи классификации одного предложения: SST-2, CoLA; c) вопросно-ответные задачи: SQuAD v1.1; d) задачи разметки одного предложения: CoNLL-2003 NER</a:t>
+            </a:r>
+            <a:r>
+              <a:rPr b="0" lang="ru-RU" sz="1300" spc="-1" strike="noStrike">
+                <a:solidFill>
+                  <a:srgbClr val="000000"/>
+                </a:solidFill>
+                <a:latin typeface="Arial"/>
+              </a:rPr>
+              <a:t>.</a:t>
+            </a:r>
+            <a:endParaRPr b="0" lang="ru-RU" sz="1300" spc="-1" strike="noStrike">
+              <a:solidFill>
+                <a:srgbClr val="000000"/>
+              </a:solidFill>
+              <a:latin typeface="Arial"/>
+            </a:endParaRPr>
           </a:p>
         </p:txBody>
       </p:sp>
@@ -10519,27 +11398,38 @@
       <p:sp>
         <p:nvSpPr>
           <p:cNvPr id="132" name=""/>
-          <p:cNvSpPr txBox="1"/>
+          <p:cNvSpPr/>
           <p:nvPr/>
         </p:nvSpPr>
         <p:spPr>
           <a:xfrm>
             <a:off x="540000" y="321480"/>
-            <a:ext cx="6300000" cy="1065960"/>
-          </a:xfrm>
-          <a:prstGeom prst="rect">
-            <a:avLst/>
-          </a:prstGeom>
-          <a:noFill/>
-          <a:ln w="0">
-            <a:noFill/>
-          </a:ln>
-        </p:spPr>
+            <a:ext cx="6299640" cy="1065600"/>
+          </a:xfrm>
+          <a:prstGeom prst="rect">
+            <a:avLst/>
+          </a:prstGeom>
+          <a:noFill/>
+          <a:ln w="0">
+            <a:noFill/>
+          </a:ln>
+        </p:spPr>
+        <p:style>
+          <a:lnRef idx="0"/>
+          <a:fillRef idx="0"/>
+          <a:effectRef idx="0"/>
+          <a:fontRef idx="minor"/>
+        </p:style>
         <p:txBody>
           <a:bodyPr lIns="90000" rIns="90000" tIns="45000" bIns="45000" anchor="t">
             <a:noAutofit/>
           </a:bodyPr>
           <a:p>
+            <a:pPr>
+              <a:lnSpc>
+                <a:spcPct val="100000"/>
+              </a:lnSpc>
+            </a:pPr>
             <a:r>
               <a:rPr b="1" lang="ru-RU" sz="2700" spc="-1" strike="noStrike">
                 <a:solidFill>
@@ -10561,27 +11451,38 @@
       <p:sp>
         <p:nvSpPr>
           <p:cNvPr id="133" name=""/>
-          <p:cNvSpPr txBox="1"/>
+          <p:cNvSpPr/>
           <p:nvPr/>
         </p:nvSpPr>
         <p:spPr>
           <a:xfrm>
             <a:off x="167760" y="1454760"/>
-            <a:ext cx="7572240" cy="2697480"/>
-          </a:xfrm>
-          <a:prstGeom prst="rect">
-            <a:avLst/>
-          </a:prstGeom>
-          <a:noFill/>
-          <a:ln w="0">
-            <a:noFill/>
-          </a:ln>
-        </p:spPr>
+            <a:ext cx="7571880" cy="2697120"/>
+          </a:xfrm>
+          <a:prstGeom prst="rect">
+            <a:avLst/>
+          </a:prstGeom>
+          <a:noFill/>
+          <a:ln w="0">
+            <a:noFill/>
+          </a:ln>
+        </p:spPr>
+        <p:style>
+          <a:lnRef idx="0"/>
+          <a:fillRef idx="0"/>
+          <a:effectRef idx="0"/>
+          <a:fontRef idx="minor"/>
+        </p:style>
         <p:txBody>
           <a:bodyPr lIns="90000" rIns="90000" tIns="45000" bIns="45000" anchor="t">
             <a:noAutofit/>
           </a:bodyPr>
           <a:p>
+            <a:pPr>
+              <a:lnSpc>
+                <a:spcPct val="100000"/>
+              </a:lnSpc>
+            </a:pPr>
             <a:r>
               <a:rPr b="1" lang="ru-RU" sz="2400" spc="-1" strike="noStrike">
                 <a:solidFill>
@@ -10599,6 +11500,11 @@
             </a:endParaRPr>
           </a:p>
           <a:p>
+            <a:pPr>
+              <a:lnSpc>
+                <a:spcPct val="100000"/>
+              </a:lnSpc>
+            </a:pPr>
             <a:r>
               <a:rPr b="1" lang="ru-RU" sz="2400" spc="-1" strike="noStrike">
                 <a:solidFill>
@@ -10616,6 +11522,11 @@
             </a:endParaRPr>
           </a:p>
           <a:p>
+            <a:pPr>
+              <a:lnSpc>
+                <a:spcPct val="100000"/>
+              </a:lnSpc>
+            </a:pPr>
             <a:r>
               <a:rPr b="1" lang="ru-RU" sz="2400" spc="-1" strike="noStrike">
                 <a:solidFill>
@@ -10633,6 +11544,11 @@
             </a:endParaRPr>
           </a:p>
           <a:p>
+            <a:pPr>
+              <a:lnSpc>
+                <a:spcPct val="100000"/>
+              </a:lnSpc>
+            </a:pPr>
             <a:r>
               <a:rPr b="1" lang="ru-RU" sz="2400" spc="-1" strike="noStrike">
                 <a:solidFill>
@@ -10650,6 +11566,11 @@
             </a:endParaRPr>
           </a:p>
           <a:p>
+            <a:pPr>
+              <a:lnSpc>
+                <a:spcPct val="100000"/>
+              </a:lnSpc>
+            </a:pPr>
             <a:r>
               <a:rPr b="1" lang="ru-RU" sz="2400" spc="-1" strike="noStrike">
                 <a:solidFill>
@@ -10667,6 +11588,11 @@
             </a:endParaRPr>
           </a:p>
           <a:p>
+            <a:pPr>
+              <a:lnSpc>
+                <a:spcPct val="100000"/>
+              </a:lnSpc>
+            </a:pPr>
             <a:r>
               <a:rPr b="1" lang="ru-RU" sz="2400" spc="-1" strike="noStrike">
                 <a:solidFill>
@@ -10682,6 +11608,96 @@
               </a:solidFill>
               <a:latin typeface="Arial"/>
             </a:endParaRPr>
+          </a:p>
+        </p:txBody>
+      </p:sp>
+    </p:spTree>
+  </p:cSld>
+  <mc:AlternateContent>
+    <mc:Choice Requires="p14">
+      <p:transition spd="slow" p14:dur="2000"/>
+    </mc:Choice>
+    <mc:Fallback>
+      <p:transition spd="slow"/>
+    </mc:Fallback>
+  </mc:AlternateContent>
+</p:sld>
+</file>
+
+<file path=ppt/slides/slide20.xml><?xml version="1.0" encoding="utf-8"?>
+<p:sld xmlns:a="http://schemas.openxmlformats.org/drawingml/2006/main" xmlns:p="http://schemas.openxmlformats.org/presentationml/2006/main" xmlns:r="http://schemas.openxmlformats.org/officeDocument/2006/relationships" xmlns:p14="http://schemas.microsoft.com/office/powerpoint/2010/main" xmlns:p15="http://schemas.microsoft.com/office/powerpoint/2012/main" xmlns:mc="http://schemas.openxmlformats.org/markup-compatibility/2006">
+  <p:cSld>
+    <p:spTree>
+      <p:nvGrpSpPr>
+        <p:cNvPr id="1" name=""/>
+        <p:cNvGrpSpPr/>
+        <p:nvPr/>
+      </p:nvGrpSpPr>
+      <p:grpSpPr>
+        <a:xfrm>
+          <a:off x="0" y="0"/>
+          <a:ext cx="0" cy="0"/>
+          <a:chOff x="0" y="0"/>
+          <a:chExt cx="0" cy="0"/>
+        </a:xfrm>
+      </p:grpSpPr>
+      <p:sp>
+        <p:nvSpPr>
+          <p:cNvPr id="203" name="PlaceHolder 1"/>
+          <p:cNvSpPr>
+            <a:spLocks noGrp="1"/>
+          </p:cNvSpPr>
+          <p:nvPr>
+            <p:ph type="title"/>
+          </p:nvPr>
+        </p:nvSpPr>
+        <p:spPr>
+          <a:xfrm>
+            <a:off x="2700000" y="1440000"/>
+            <a:ext cx="4679280" cy="1619280"/>
+          </a:xfrm>
+          <a:prstGeom prst="rect">
+            <a:avLst/>
+          </a:prstGeom>
+          <a:noFill/>
+          <a:ln w="0">
+            <a:noFill/>
+          </a:ln>
+        </p:spPr>
+        <p:txBody>
+          <a:bodyPr lIns="0" rIns="0" tIns="0" bIns="0" anchor="ctr" anchorCtr="1">
+            <a:noAutofit/>
+          </a:bodyPr>
+          <a:p>
+            <a:pPr indent="0" algn="ctr">
+              <a:buNone/>
+            </a:pPr>
+            <a:endParaRPr b="0" lang="ru-RU" sz="1800" spc="-1" strike="noStrike">
+              <a:solidFill>
+                <a:srgbClr val="000000"/>
+              </a:solidFill>
+              <a:latin typeface="Arial"/>
+            </a:endParaRPr>
+          </a:p>
+        </p:txBody>
+      </p:sp>
+      <p:sp>
+        <p:nvSpPr>
+          <p:cNvPr id="3" name="PlaceHolder 2"/>
+          <p:cNvSpPr>
+            <a:spLocks noGrp="1"/>
+          </p:cNvSpPr>
+          <p:nvPr>
+            <p:ph type="sldNum" idx="7"/>
+          </p:nvPr>
+        </p:nvSpPr>
+        <p:spPr/>
+        <p:txBody>
+          <a:bodyPr/>
+          <a:p>
+            <a:fld id="{FE3EA54C-726A-460B-8968-888643A81D24}" type="slidenum">
+              <a:t>20</a:t>
+            </a:fld>
           </a:p>
         </p:txBody>
       </p:sp>
@@ -10728,7 +11744,7 @@
         <p:spPr>
           <a:xfrm>
             <a:off x="360000" y="225720"/>
-            <a:ext cx="9359640" cy="719640"/>
+            <a:ext cx="9359280" cy="719280"/>
           </a:xfrm>
           <a:prstGeom prst="rect">
             <a:avLst/>
@@ -10783,7 +11799,7 @@
         <p:spPr>
           <a:xfrm>
             <a:off x="180000" y="1620000"/>
-            <a:ext cx="9359640" cy="3779640"/>
+            <a:ext cx="9359280" cy="3779280"/>
           </a:xfrm>
           <a:prstGeom prst="rect">
             <a:avLst/>
@@ -10841,7 +11857,7 @@
         <p:spPr>
           <a:xfrm>
             <a:off x="3039840" y="2093040"/>
-            <a:ext cx="4159800" cy="2946600"/>
+            <a:ext cx="4159440" cy="2946240"/>
           </a:xfrm>
           <a:prstGeom prst="rect">
             <a:avLst/>
@@ -10894,7 +11910,7 @@
         <p:spPr>
           <a:xfrm>
             <a:off x="360000" y="225720"/>
-            <a:ext cx="9359640" cy="718560"/>
+            <a:ext cx="9359280" cy="718200"/>
           </a:xfrm>
           <a:prstGeom prst="rect">
             <a:avLst/>
@@ -10948,8 +11964,8 @@
         </p:nvSpPr>
         <p:spPr>
           <a:xfrm>
-            <a:off x="0" y="1260000"/>
-            <a:ext cx="5039640" cy="3914640"/>
+            <a:off x="8280" y="1127520"/>
+            <a:ext cx="5039280" cy="3914280"/>
           </a:xfrm>
           <a:prstGeom prst="rect">
             <a:avLst/>
@@ -11145,7 +12161,7 @@
                 </a:solidFill>
                 <a:latin typeface="Source Sans Pro Semibold"/>
               </a:rPr>
-              <a:t>работы“ →w3[0,0,0,1,0,0,0]</a:t>
+              <a:t>работы“ →w4[0,0,0,1,0,0,0]</a:t>
             </a:r>
             <a:endParaRPr b="0" lang="ru-RU" sz="2400" spc="-1" strike="noStrike">
               <a:solidFill>
@@ -11185,7 +12201,7 @@
                 </a:solidFill>
                 <a:latin typeface="Source Sans Pro Semibold"/>
               </a:rPr>
-              <a:t>до“ →w3 [0,0,0,0,1,0,0]</a:t>
+              <a:t>до“ →w5 [0,0,0,0,1,0,0]</a:t>
             </a:r>
             <a:endParaRPr b="0" lang="ru-RU" sz="2400" spc="-1" strike="noStrike">
               <a:solidFill>
@@ -11225,7 +12241,7 @@
                 </a:solidFill>
                 <a:latin typeface="Source Sans Pro Semibold"/>
               </a:rPr>
-              <a:t>срока“ → w4[0,0,0,0,0,1,0]</a:t>
+              <a:t>срока“ → w6[0,0,0,0,0,1,0]</a:t>
             </a:r>
             <a:endParaRPr b="0" lang="ru-RU" sz="2400" spc="-1" strike="noStrike">
               <a:solidFill>
@@ -11265,7 +12281,7 @@
                 </a:solidFill>
                 <a:latin typeface="Source Sans Pro Semibold"/>
               </a:rPr>
-              <a:t>сдачи“ →w5 [0,0,0,0,0,0,1]</a:t>
+              <a:t>сдачи“ →w7 [0,0,0,0,0,0,1]</a:t>
             </a:r>
             <a:endParaRPr b="0" lang="ru-RU" sz="2400" spc="-1" strike="noStrike">
               <a:solidFill>
@@ -11285,7 +12301,7 @@
         <p:spPr>
           <a:xfrm>
             <a:off x="5580000" y="1710000"/>
-            <a:ext cx="2339640" cy="809640"/>
+            <a:ext cx="2339280" cy="809280"/>
           </a:xfrm>
           <a:prstGeom prst="rect">
             <a:avLst/>
@@ -11326,8 +12342,9 @@
                   <a:srgbClr val="2c3e50"/>
                 </a:solidFill>
                 <a:latin typeface="Source Sans Pro Semibold"/>
+                <a:ea typeface="DejaVu Sans"/>
               </a:rPr>
-              <a:t>wi x wj i,j[1,5] </a:t>
+              <a:t>wi x wj i,j[1,7] </a:t>
             </a:r>
             <a:r>
               <a:rPr b="1" lang="ru-RU" sz="2400" spc="-1" strike="noStrike">
@@ -11335,6 +12352,7 @@
                   <a:srgbClr val="2c3e50"/>
                 </a:solidFill>
                 <a:latin typeface="Source Sans Pro Semibold"/>
+                <a:ea typeface="DejaVu Sans"/>
               </a:rPr>
               <a:t> </a:t>
             </a:r>
@@ -11360,7 +12378,7 @@
         <p:spPr>
           <a:xfrm>
             <a:off x="3780000" y="3758760"/>
-            <a:ext cx="6094800" cy="920880"/>
+            <a:ext cx="6094440" cy="920520"/>
           </a:xfrm>
           <a:prstGeom prst="rect">
             <a:avLst/>
@@ -11379,7 +12397,7 @@
         <p:spPr>
           <a:xfrm>
             <a:off x="4860000" y="3287880"/>
-            <a:ext cx="2699640" cy="671760"/>
+            <a:ext cx="2699280" cy="671400"/>
           </a:xfrm>
           <a:prstGeom prst="rect">
             <a:avLst/>
@@ -11411,6 +12429,7 @@
                   <a:srgbClr val="2c3e50"/>
                 </a:solidFill>
                 <a:latin typeface="Source Sans Pro"/>
+                <a:ea typeface="DejaVu Sans"/>
               </a:rPr>
               <a:t>Нормализуем</a:t>
             </a:r>
@@ -11905,7 +12924,7 @@
         <p:spPr>
           <a:xfrm>
             <a:off x="360000" y="225720"/>
-            <a:ext cx="9359640" cy="718560"/>
+            <a:ext cx="9359280" cy="718200"/>
           </a:xfrm>
           <a:prstGeom prst="rect">
             <a:avLst/>
@@ -11960,7 +12979,7 @@
         <p:spPr>
           <a:xfrm>
             <a:off x="0" y="1440000"/>
-            <a:ext cx="9359640" cy="3779640"/>
+            <a:ext cx="9359280" cy="3779280"/>
           </a:xfrm>
           <a:prstGeom prst="rect">
             <a:avLst/>
@@ -12073,7 +13092,7 @@
         <p:spPr>
           <a:xfrm>
             <a:off x="5580000" y="4251960"/>
-            <a:ext cx="3419640" cy="1147680"/>
+            <a:ext cx="3419280" cy="1147320"/>
           </a:xfrm>
           <a:prstGeom prst="rect">
             <a:avLst/>
@@ -12096,7 +13115,7 @@
         <p:spPr>
           <a:xfrm>
             <a:off x="78480" y="4599000"/>
-            <a:ext cx="5321160" cy="665640"/>
+            <a:ext cx="5320800" cy="665280"/>
           </a:xfrm>
           <a:prstGeom prst="rect">
             <a:avLst/>
@@ -12115,7 +13134,7 @@
         <p:spPr>
           <a:xfrm>
             <a:off x="-180000" y="3960000"/>
-            <a:ext cx="5399640" cy="719640"/>
+            <a:ext cx="5399280" cy="719280"/>
           </a:xfrm>
           <a:prstGeom prst="rect">
             <a:avLst/>
@@ -12169,7 +13188,7 @@
         <p:spPr>
           <a:xfrm>
             <a:off x="5212080" y="3780000"/>
-            <a:ext cx="4327560" cy="359640"/>
+            <a:ext cx="4327200" cy="359280"/>
           </a:xfrm>
           <a:prstGeom prst="rect">
             <a:avLst/>
@@ -12404,7 +13423,7 @@
         <p:spPr>
           <a:xfrm>
             <a:off x="360000" y="225720"/>
-            <a:ext cx="9359640" cy="718560"/>
+            <a:ext cx="9359280" cy="718200"/>
           </a:xfrm>
           <a:prstGeom prst="rect">
             <a:avLst/>
@@ -12459,7 +13478,7 @@
         <p:spPr>
           <a:xfrm>
             <a:off x="180000" y="1260000"/>
-            <a:ext cx="8460000" cy="1080000"/>
+            <a:ext cx="8459640" cy="1079640"/>
           </a:xfrm>
           <a:prstGeom prst="rect">
             <a:avLst/>
@@ -12519,7 +13538,7 @@
         <p:spPr>
           <a:xfrm>
             <a:off x="234720" y="2340000"/>
-            <a:ext cx="5705280" cy="899640"/>
+            <a:ext cx="5704920" cy="899280"/>
           </a:xfrm>
           <a:prstGeom prst="rect">
             <a:avLst/>
@@ -12532,27 +13551,38 @@
       <p:sp>
         <p:nvSpPr>
           <p:cNvPr id="151" name=""/>
-          <p:cNvSpPr txBox="1"/>
+          <p:cNvSpPr/>
           <p:nvPr/>
         </p:nvSpPr>
         <p:spPr>
           <a:xfrm>
             <a:off x="227880" y="3240000"/>
-            <a:ext cx="3192120" cy="1028160"/>
-          </a:xfrm>
-          <a:prstGeom prst="rect">
-            <a:avLst/>
-          </a:prstGeom>
-          <a:noFill/>
-          <a:ln w="0">
-            <a:noFill/>
-          </a:ln>
-        </p:spPr>
+            <a:ext cx="3191760" cy="1027800"/>
+          </a:xfrm>
+          <a:prstGeom prst="rect">
+            <a:avLst/>
+          </a:prstGeom>
+          <a:noFill/>
+          <a:ln w="0">
+            <a:noFill/>
+          </a:ln>
+        </p:spPr>
+        <p:style>
+          <a:lnRef idx="0"/>
+          <a:fillRef idx="0"/>
+          <a:effectRef idx="0"/>
+          <a:fontRef idx="minor"/>
+        </p:style>
         <p:txBody>
           <a:bodyPr lIns="90000" rIns="90000" tIns="45000" bIns="45000" anchor="t">
             <a:noAutofit/>
           </a:bodyPr>
           <a:p>
+            <a:pPr>
+              <a:lnSpc>
+                <a:spcPct val="100000"/>
+              </a:lnSpc>
+            </a:pPr>
             <a:r>
               <a:rPr b="1" lang="ru-RU" sz="2200" spc="-1" strike="noStrike">
                 <a:solidFill>
@@ -12570,6 +13600,11 @@
             </a:endParaRPr>
           </a:p>
           <a:p>
+            <a:pPr>
+              <a:lnSpc>
+                <a:spcPct val="100000"/>
+              </a:lnSpc>
+            </a:pPr>
             <a:r>
               <a:rPr b="1" lang="ru-RU" sz="2200" spc="-1" strike="noStrike">
                 <a:solidFill>
@@ -12587,6 +13622,11 @@
             </a:endParaRPr>
           </a:p>
           <a:p>
+            <a:pPr>
+              <a:lnSpc>
+                <a:spcPct val="100000"/>
+              </a:lnSpc>
+            </a:pPr>
             <a:r>
               <a:rPr b="1" lang="ru-RU" sz="2200" spc="-1" strike="noStrike">
                 <a:solidFill>
@@ -12608,27 +13648,38 @@
       <p:sp>
         <p:nvSpPr>
           <p:cNvPr id="152" name=""/>
-          <p:cNvSpPr txBox="1"/>
+          <p:cNvSpPr/>
           <p:nvPr/>
         </p:nvSpPr>
         <p:spPr>
           <a:xfrm>
             <a:off x="3780000" y="4551840"/>
-            <a:ext cx="3780000" cy="1748160"/>
-          </a:xfrm>
-          <a:prstGeom prst="rect">
-            <a:avLst/>
-          </a:prstGeom>
-          <a:noFill/>
-          <a:ln w="0">
-            <a:noFill/>
-          </a:ln>
-        </p:spPr>
+            <a:ext cx="3779640" cy="1747800"/>
+          </a:xfrm>
+          <a:prstGeom prst="rect">
+            <a:avLst/>
+          </a:prstGeom>
+          <a:noFill/>
+          <a:ln w="0">
+            <a:noFill/>
+          </a:ln>
+        </p:spPr>
+        <p:style>
+          <a:lnRef idx="0"/>
+          <a:fillRef idx="0"/>
+          <a:effectRef idx="0"/>
+          <a:fontRef idx="minor"/>
+        </p:style>
         <p:txBody>
           <a:bodyPr lIns="90000" rIns="90000" tIns="45000" bIns="45000" anchor="t">
             <a:noAutofit/>
           </a:bodyPr>
           <a:p>
+            <a:pPr>
+              <a:lnSpc>
+                <a:spcPct val="100000"/>
+              </a:lnSpc>
+            </a:pPr>
             <a:r>
               <a:rPr b="1" lang="ru-RU" sz="2200" spc="-1" strike="noStrike">
                 <a:solidFill>
@@ -12769,27 +13820,38 @@
       <p:sp>
         <p:nvSpPr>
           <p:cNvPr id="153" name=""/>
-          <p:cNvSpPr txBox="1"/>
+          <p:cNvSpPr/>
           <p:nvPr/>
         </p:nvSpPr>
         <p:spPr>
           <a:xfrm>
             <a:off x="478080" y="360000"/>
-            <a:ext cx="3301920" cy="578520"/>
-          </a:xfrm>
-          <a:prstGeom prst="rect">
-            <a:avLst/>
-          </a:prstGeom>
-          <a:noFill/>
-          <a:ln w="0">
-            <a:noFill/>
-          </a:ln>
-        </p:spPr>
+            <a:ext cx="3301560" cy="578160"/>
+          </a:xfrm>
+          <a:prstGeom prst="rect">
+            <a:avLst/>
+          </a:prstGeom>
+          <a:noFill/>
+          <a:ln w="0">
+            <a:noFill/>
+          </a:ln>
+        </p:spPr>
+        <p:style>
+          <a:lnRef idx="0"/>
+          <a:fillRef idx="0"/>
+          <a:effectRef idx="0"/>
+          <a:fontRef idx="minor"/>
+        </p:style>
         <p:txBody>
           <a:bodyPr lIns="90000" rIns="90000" tIns="45000" bIns="45000" anchor="t">
             <a:noAutofit/>
           </a:bodyPr>
           <a:p>
+            <a:pPr>
+              <a:lnSpc>
+                <a:spcPct val="100000"/>
+              </a:lnSpc>
+            </a:pPr>
             <a:r>
               <a:rPr b="1" lang="ru-RU" sz="2700" spc="-1" strike="noStrike">
                 <a:solidFill>
@@ -12811,27 +13873,38 @@
       <p:sp>
         <p:nvSpPr>
           <p:cNvPr id="154" name=""/>
-          <p:cNvSpPr txBox="1"/>
+          <p:cNvSpPr/>
           <p:nvPr/>
         </p:nvSpPr>
         <p:spPr>
           <a:xfrm>
             <a:off x="490320" y="1380600"/>
-            <a:ext cx="7429680" cy="524880"/>
-          </a:xfrm>
-          <a:prstGeom prst="rect">
-            <a:avLst/>
-          </a:prstGeom>
-          <a:noFill/>
-          <a:ln w="0">
-            <a:noFill/>
-          </a:ln>
-        </p:spPr>
+            <a:ext cx="7429320" cy="524520"/>
+          </a:xfrm>
+          <a:prstGeom prst="rect">
+            <a:avLst/>
+          </a:prstGeom>
+          <a:noFill/>
+          <a:ln w="0">
+            <a:noFill/>
+          </a:ln>
+        </p:spPr>
+        <p:style>
+          <a:lnRef idx="0"/>
+          <a:fillRef idx="0"/>
+          <a:effectRef idx="0"/>
+          <a:fontRef idx="minor"/>
+        </p:style>
         <p:txBody>
           <a:bodyPr lIns="90000" rIns="90000" tIns="45000" bIns="45000" anchor="t">
             <a:noAutofit/>
           </a:bodyPr>
           <a:p>
+            <a:pPr>
+              <a:lnSpc>
+                <a:spcPct val="100000"/>
+              </a:lnSpc>
+            </a:pPr>
             <a:r>
               <a:rPr b="1" lang="ru-RU" sz="2400" spc="-1" strike="noStrike">
                 <a:solidFill>
@@ -12853,27 +13926,38 @@
       <p:sp>
         <p:nvSpPr>
           <p:cNvPr id="155" name=""/>
-          <p:cNvSpPr txBox="1"/>
+          <p:cNvSpPr/>
           <p:nvPr/>
         </p:nvSpPr>
         <p:spPr>
           <a:xfrm>
             <a:off x="540000" y="2160000"/>
-            <a:ext cx="4125240" cy="1080000"/>
-          </a:xfrm>
-          <a:prstGeom prst="rect">
-            <a:avLst/>
-          </a:prstGeom>
-          <a:noFill/>
-          <a:ln w="0">
-            <a:noFill/>
-          </a:ln>
-        </p:spPr>
+            <a:ext cx="4124880" cy="1079640"/>
+          </a:xfrm>
+          <a:prstGeom prst="rect">
+            <a:avLst/>
+          </a:prstGeom>
+          <a:noFill/>
+          <a:ln w="0">
+            <a:noFill/>
+          </a:ln>
+        </p:spPr>
+        <p:style>
+          <a:lnRef idx="0"/>
+          <a:fillRef idx="0"/>
+          <a:effectRef idx="0"/>
+          <a:fontRef idx="minor"/>
+        </p:style>
         <p:txBody>
           <a:bodyPr lIns="90000" rIns="90000" tIns="45000" bIns="45000" anchor="t">
             <a:noAutofit/>
           </a:bodyPr>
           <a:p>
+            <a:pPr>
+              <a:lnSpc>
+                <a:spcPct val="100000"/>
+              </a:lnSpc>
+            </a:pPr>
             <a:r>
               <a:rPr b="1" lang="ru-RU" sz="2400" spc="-1" strike="noStrike">
                 <a:solidFill>
@@ -12895,27 +13979,38 @@
       <p:sp>
         <p:nvSpPr>
           <p:cNvPr id="156" name=""/>
-          <p:cNvSpPr txBox="1"/>
+          <p:cNvSpPr/>
           <p:nvPr/>
         </p:nvSpPr>
         <p:spPr>
           <a:xfrm>
             <a:off x="540000" y="3420000"/>
-            <a:ext cx="8419320" cy="1279800"/>
-          </a:xfrm>
-          <a:prstGeom prst="rect">
-            <a:avLst/>
-          </a:prstGeom>
-          <a:noFill/>
-          <a:ln w="0">
-            <a:noFill/>
-          </a:ln>
-        </p:spPr>
+            <a:ext cx="8418960" cy="1279440"/>
+          </a:xfrm>
+          <a:prstGeom prst="rect">
+            <a:avLst/>
+          </a:prstGeom>
+          <a:noFill/>
+          <a:ln w="0">
+            <a:noFill/>
+          </a:ln>
+        </p:spPr>
+        <p:style>
+          <a:lnRef idx="0"/>
+          <a:fillRef idx="0"/>
+          <a:effectRef idx="0"/>
+          <a:fontRef idx="minor"/>
+        </p:style>
         <p:txBody>
           <a:bodyPr lIns="90000" rIns="90000" tIns="45000" bIns="45000" anchor="t">
             <a:noAutofit/>
           </a:bodyPr>
           <a:p>
+            <a:pPr>
+              <a:lnSpc>
+                <a:spcPct val="100000"/>
+              </a:lnSpc>
+            </a:pPr>
             <a:r>
               <a:rPr b="1" lang="ru-RU" sz="2100" spc="-1" strike="noStrike">
                 <a:solidFill>
@@ -12925,7 +14020,7 @@
               </a:rPr>
               <a:t>Таким образом, для трёх слов на выходе получаем три исходных вектора к которым "подмешаны" компоненты близких по смыслу слов окружения (если эмбединг был удачно построен). </a:t>
             </a:r>
-            <a:endParaRPr b="1" lang="ru-RU" sz="2100" spc="-1" strike="noStrike">
+            <a:endParaRPr b="0" lang="ru-RU" sz="2100" spc="-1" strike="noStrike">
               <a:solidFill>
                 <a:srgbClr val="000000"/>
               </a:solidFill>
@@ -13105,7 +14200,7 @@
         <p:spPr>
           <a:xfrm>
             <a:off x="360000" y="225720"/>
-            <a:ext cx="9359640" cy="718560"/>
+            <a:ext cx="9359280" cy="718200"/>
           </a:xfrm>
           <a:prstGeom prst="rect">
             <a:avLst/>
@@ -13160,7 +14255,7 @@
         <p:spPr>
           <a:xfrm>
             <a:off x="-180000" y="1305000"/>
-            <a:ext cx="7200000" cy="1035000"/>
+            <a:ext cx="7199640" cy="1034640"/>
           </a:xfrm>
           <a:prstGeom prst="rect">
             <a:avLst/>
@@ -13176,10 +14271,16 @@
           </a:bodyPr>
           <a:p>
             <a:pPr marL="432000" indent="0">
+              <a:lnSpc>
+                <a:spcPct val="100000"/>
+              </a:lnSpc>
               <a:spcBef>
                 <a:spcPts val="1417"/>
               </a:spcBef>
               <a:buNone/>
+              <a:tabLst>
+                <a:tab algn="l" pos="0"/>
+              </a:tabLst>
             </a:pPr>
             <a:r>
               <a:rPr b="1" lang="ru-RU" sz="2400" spc="-1" strike="noStrike">
@@ -13190,7 +14291,7 @@
               </a:rPr>
               <a:t>Однако развитие не стояло на месте</a:t>
             </a:r>
-            <a:endParaRPr b="1" lang="ru-RU" sz="2400" spc="-1" strike="noStrike">
+            <a:endParaRPr b="0" lang="ru-RU" sz="2400" spc="-1" strike="noStrike">
               <a:solidFill>
                 <a:srgbClr val="000000"/>
               </a:solidFill>
@@ -13202,27 +14303,38 @@
       <p:sp>
         <p:nvSpPr>
           <p:cNvPr id="159" name=""/>
-          <p:cNvSpPr txBox="1"/>
+          <p:cNvSpPr/>
           <p:nvPr/>
         </p:nvSpPr>
         <p:spPr>
           <a:xfrm>
             <a:off x="180000" y="1929960"/>
-            <a:ext cx="6120000" cy="770040"/>
-          </a:xfrm>
-          <a:prstGeom prst="rect">
-            <a:avLst/>
-          </a:prstGeom>
-          <a:noFill/>
-          <a:ln w="0">
-            <a:noFill/>
-          </a:ln>
-        </p:spPr>
+            <a:ext cx="6119640" cy="769680"/>
+          </a:xfrm>
+          <a:prstGeom prst="rect">
+            <a:avLst/>
+          </a:prstGeom>
+          <a:noFill/>
+          <a:ln w="0">
+            <a:noFill/>
+          </a:ln>
+        </p:spPr>
+        <p:style>
+          <a:lnRef idx="0"/>
+          <a:fillRef idx="0"/>
+          <a:effectRef idx="0"/>
+          <a:fontRef idx="minor"/>
+        </p:style>
         <p:txBody>
           <a:bodyPr lIns="90000" rIns="90000" tIns="45000" bIns="45000" anchor="t">
             <a:noAutofit/>
           </a:bodyPr>
           <a:p>
+            <a:pPr>
+              <a:lnSpc>
+                <a:spcPct val="100000"/>
+              </a:lnSpc>
+            </a:pPr>
             <a:r>
               <a:rPr b="1" lang="ru-RU" sz="2400" spc="-1" strike="noStrike">
                 <a:solidFill>
@@ -13244,27 +14356,38 @@
       <p:sp>
         <p:nvSpPr>
           <p:cNvPr id="160" name=""/>
-          <p:cNvSpPr txBox="1"/>
+          <p:cNvSpPr/>
           <p:nvPr/>
         </p:nvSpPr>
         <p:spPr>
           <a:xfrm>
             <a:off x="141120" y="2880000"/>
-            <a:ext cx="6518880" cy="1330560"/>
-          </a:xfrm>
-          <a:prstGeom prst="rect">
-            <a:avLst/>
-          </a:prstGeom>
-          <a:noFill/>
-          <a:ln w="0">
-            <a:noFill/>
-          </a:ln>
-        </p:spPr>
+            <a:ext cx="6518520" cy="1330200"/>
+          </a:xfrm>
+          <a:prstGeom prst="rect">
+            <a:avLst/>
+          </a:prstGeom>
+          <a:noFill/>
+          <a:ln w="0">
+            <a:noFill/>
+          </a:ln>
+        </p:spPr>
+        <p:style>
+          <a:lnRef idx="0"/>
+          <a:fillRef idx="0"/>
+          <a:effectRef idx="0"/>
+          <a:fontRef idx="minor"/>
+        </p:style>
         <p:txBody>
           <a:bodyPr lIns="90000" rIns="90000" tIns="45000" bIns="45000" anchor="t">
             <a:noAutofit/>
           </a:bodyPr>
           <a:p>
+            <a:pPr>
+              <a:lnSpc>
+                <a:spcPct val="100000"/>
+              </a:lnSpc>
+            </a:pPr>
             <a:r>
               <a:rPr b="1" lang="ru-RU" sz="2400" spc="-1" strike="noStrike">
                 <a:solidFill>
@@ -13272,16 +14395,7 @@
                 </a:solidFill>
                 <a:latin typeface="Arial"/>
               </a:rPr>
-              <a:t>hi=attn(</a:t>
-            </a:r>
-            <a:r>
-              <a:rPr b="1" lang="ru-RU" sz="2400" spc="-1" strike="noStrike">
-                <a:solidFill>
-                  <a:srgbClr val="000000"/>
-                </a:solidFill>
-                <a:latin typeface="Arial"/>
-              </a:rPr>
-              <a:t>QW</a:t>
+              <a:t>hi=attn(QW</a:t>
             </a:r>
             <a:r>
               <a:rPr b="1" lang="ru-RU" sz="2400" spc="-1" strike="noStrike" baseline="33000">
@@ -13386,7 +14500,7 @@
         <p:spPr>
           <a:xfrm>
             <a:off x="4500000" y="2700000"/>
-            <a:ext cx="5040000" cy="720000"/>
+            <a:ext cx="5039640" cy="719640"/>
           </a:xfrm>
           <a:prstGeom prst="rect">
             <a:avLst/>
@@ -13399,27 +14513,38 @@
       <p:sp>
         <p:nvSpPr>
           <p:cNvPr id="162" name=""/>
-          <p:cNvSpPr txBox="1"/>
+          <p:cNvSpPr/>
           <p:nvPr/>
         </p:nvSpPr>
         <p:spPr>
           <a:xfrm>
             <a:off x="193680" y="3410280"/>
-            <a:ext cx="9346320" cy="1449720"/>
-          </a:xfrm>
-          <a:prstGeom prst="rect">
-            <a:avLst/>
-          </a:prstGeom>
-          <a:noFill/>
-          <a:ln w="0">
-            <a:noFill/>
-          </a:ln>
-        </p:spPr>
+            <a:ext cx="9345960" cy="1449360"/>
+          </a:xfrm>
+          <a:prstGeom prst="rect">
+            <a:avLst/>
+          </a:prstGeom>
+          <a:noFill/>
+          <a:ln w="0">
+            <a:noFill/>
+          </a:ln>
+        </p:spPr>
+        <p:style>
+          <a:lnRef idx="0"/>
+          <a:fillRef idx="0"/>
+          <a:effectRef idx="0"/>
+          <a:fontRef idx="minor"/>
+        </p:style>
         <p:txBody>
           <a:bodyPr lIns="90000" rIns="90000" tIns="45000" bIns="45000" anchor="t">
             <a:noAutofit/>
           </a:bodyPr>
           <a:p>
+            <a:pPr>
+              <a:lnSpc>
+                <a:spcPct val="100000"/>
+              </a:lnSpc>
+            </a:pPr>
             <a:r>
               <a:rPr b="1" lang="ru-RU" sz="2400" spc="-1" strike="noStrike">
                 <a:solidFill>
@@ -13495,27 +14620,38 @@
       <p:sp>
         <p:nvSpPr>
           <p:cNvPr id="163" name=""/>
-          <p:cNvSpPr txBox="1"/>
+          <p:cNvSpPr/>
           <p:nvPr/>
         </p:nvSpPr>
         <p:spPr>
           <a:xfrm>
             <a:off x="2880000" y="4680000"/>
-            <a:ext cx="6480000" cy="720000"/>
-          </a:xfrm>
-          <a:prstGeom prst="rect">
-            <a:avLst/>
-          </a:prstGeom>
-          <a:noFill/>
-          <a:ln w="0">
-            <a:noFill/>
-          </a:ln>
-        </p:spPr>
+            <a:ext cx="6479640" cy="719640"/>
+          </a:xfrm>
+          <a:prstGeom prst="rect">
+            <a:avLst/>
+          </a:prstGeom>
+          <a:noFill/>
+          <a:ln w="0">
+            <a:noFill/>
+          </a:ln>
+        </p:spPr>
+        <p:style>
+          <a:lnRef idx="0"/>
+          <a:fillRef idx="0"/>
+          <a:effectRef idx="0"/>
+          <a:fontRef idx="minor"/>
+        </p:style>
         <p:txBody>
           <a:bodyPr lIns="90000" rIns="90000" tIns="45000" bIns="45000" anchor="t">
             <a:noAutofit/>
           </a:bodyPr>
           <a:p>
+            <a:pPr>
+              <a:lnSpc>
+                <a:spcPct val="100000"/>
+              </a:lnSpc>
+            </a:pPr>
             <a:r>
               <a:rPr b="1" lang="ru-RU" sz="2400" spc="-1" strike="noStrike">
                 <a:solidFill>
@@ -13784,27 +14920,38 @@
       <p:sp>
         <p:nvSpPr>
           <p:cNvPr id="164" name=""/>
-          <p:cNvSpPr txBox="1"/>
+          <p:cNvSpPr/>
           <p:nvPr/>
         </p:nvSpPr>
         <p:spPr>
           <a:xfrm>
             <a:off x="201960" y="360000"/>
-            <a:ext cx="5738040" cy="720000"/>
-          </a:xfrm>
-          <a:prstGeom prst="rect">
-            <a:avLst/>
-          </a:prstGeom>
-          <a:noFill/>
-          <a:ln w="0">
-            <a:noFill/>
-          </a:ln>
-        </p:spPr>
+            <a:ext cx="5737680" cy="719640"/>
+          </a:xfrm>
+          <a:prstGeom prst="rect">
+            <a:avLst/>
+          </a:prstGeom>
+          <a:noFill/>
+          <a:ln w="0">
+            <a:noFill/>
+          </a:ln>
+        </p:spPr>
+        <p:style>
+          <a:lnRef idx="0"/>
+          <a:fillRef idx="0"/>
+          <a:effectRef idx="0"/>
+          <a:fontRef idx="minor"/>
+        </p:style>
         <p:txBody>
           <a:bodyPr lIns="90000" rIns="90000" tIns="45000" bIns="45000" anchor="t">
             <a:noAutofit/>
           </a:bodyPr>
           <a:p>
+            <a:pPr>
+              <a:lnSpc>
+                <a:spcPct val="100000"/>
+              </a:lnSpc>
+            </a:pPr>
             <a:r>
               <a:rPr b="1" lang="ru-RU" sz="2700" spc="-1" strike="noStrike">
                 <a:solidFill>
@@ -13826,27 +14973,38 @@
       <p:sp>
         <p:nvSpPr>
           <p:cNvPr id="165" name=""/>
-          <p:cNvSpPr txBox="1"/>
+          <p:cNvSpPr/>
           <p:nvPr/>
         </p:nvSpPr>
         <p:spPr>
           <a:xfrm>
             <a:off x="3780000" y="1560240"/>
-            <a:ext cx="1620000" cy="959760"/>
-          </a:xfrm>
-          <a:prstGeom prst="rect">
-            <a:avLst/>
-          </a:prstGeom>
-          <a:noFill/>
-          <a:ln w="0">
-            <a:noFill/>
-          </a:ln>
-        </p:spPr>
+            <a:ext cx="1619640" cy="959400"/>
+          </a:xfrm>
+          <a:prstGeom prst="rect">
+            <a:avLst/>
+          </a:prstGeom>
+          <a:noFill/>
+          <a:ln w="0">
+            <a:noFill/>
+          </a:ln>
+        </p:spPr>
+        <p:style>
+          <a:lnRef idx="0"/>
+          <a:fillRef idx="0"/>
+          <a:effectRef idx="0"/>
+          <a:fontRef idx="minor"/>
+        </p:style>
         <p:txBody>
           <a:bodyPr lIns="90000" rIns="90000" tIns="45000" bIns="45000" anchor="t">
             <a:noAutofit/>
           </a:bodyPr>
           <a:p>
+            <a:pPr>
+              <a:lnSpc>
+                <a:spcPct val="100000"/>
+              </a:lnSpc>
+            </a:pPr>
             <a:r>
               <a:rPr b="1" lang="ru-RU" sz="3600" spc="-1" strike="noStrike">
                 <a:solidFill>
@@ -13874,7 +15032,7 @@
         <p:spPr>
           <a:xfrm>
             <a:off x="1440000" y="2700000"/>
-            <a:ext cx="3060000" cy="900000"/>
+            <a:ext cx="3059640" cy="899640"/>
           </a:xfrm>
           <a:prstGeom prst="rect">
             <a:avLst/>
@@ -13899,11 +15057,17 @@
             <a:noAutofit/>
           </a:bodyPr>
           <a:p>
+            <a:pPr>
+              <a:lnSpc>
+                <a:spcPct val="100000"/>
+              </a:lnSpc>
+            </a:pPr>
             <a:endParaRPr b="0" lang="ru-RU" sz="1800" spc="-1" strike="noStrike">
               <a:solidFill>
                 <a:srgbClr val="000000"/>
               </a:solidFill>
               <a:latin typeface="Arial"/>
+              <a:ea typeface="DejaVu Sans"/>
             </a:endParaRPr>
           </a:p>
         </p:txBody>
@@ -13917,7 +15081,7 @@
         <p:spPr>
           <a:xfrm>
             <a:off x="4860000" y="2700000"/>
-            <a:ext cx="2880000" cy="900000"/>
+            <a:ext cx="2879640" cy="899640"/>
           </a:xfrm>
           <a:prstGeom prst="rect">
             <a:avLst/>
@@ -13942,21 +15106,26 @@
             <a:noAutofit/>
           </a:bodyPr>
           <a:p>
-            <a:pPr algn="ctr"/>
+            <a:pPr algn="ctr">
+              <a:lnSpc>
+                <a:spcPct val="100000"/>
+              </a:lnSpc>
+            </a:pPr>
             <a:r>
               <a:rPr b="1" lang="ru-RU" sz="1800" spc="-1" strike="noStrike">
                 <a:solidFill>
                   <a:srgbClr val="ffffff"/>
                 </a:solidFill>
                 <a:latin typeface="Source Sans Pro Black"/>
+                <a:ea typeface="DejaVu Sans"/>
               </a:rPr>
               <a:t>Вещественная(attn_mask)[N,M]</a:t>
             </a:r>
-            <a:endParaRPr b="1" lang="ru-RU" sz="1800" spc="-1" strike="noStrike">
-              <a:solidFill>
-                <a:srgbClr val="ffffff"/>
-              </a:solidFill>
-              <a:latin typeface="Source Sans Pro Black"/>
+            <a:endParaRPr b="0" lang="ru-RU" sz="1800" spc="-1" strike="noStrike">
+              <a:solidFill>
+                <a:srgbClr val="000000"/>
+              </a:solidFill>
+              <a:latin typeface="Arial"/>
             </a:endParaRPr>
           </a:p>
         </p:txBody>
@@ -13964,28 +15133,38 @@
       <p:sp>
         <p:nvSpPr>
           <p:cNvPr id="168" name=""/>
-          <p:cNvSpPr txBox="1"/>
+          <p:cNvSpPr/>
           <p:nvPr/>
         </p:nvSpPr>
         <p:spPr>
           <a:xfrm>
             <a:off x="1440000" y="2700000"/>
-            <a:ext cx="3060000" cy="1068840"/>
-          </a:xfrm>
-          <a:prstGeom prst="rect">
-            <a:avLst/>
-          </a:prstGeom>
-          <a:noFill/>
-          <a:ln w="0">
-            <a:noFill/>
-          </a:ln>
-        </p:spPr>
+            <a:ext cx="3059640" cy="1068480"/>
+          </a:xfrm>
+          <a:prstGeom prst="rect">
+            <a:avLst/>
+          </a:prstGeom>
+          <a:noFill/>
+          <a:ln w="0">
+            <a:noFill/>
+          </a:ln>
+        </p:spPr>
+        <p:style>
+          <a:lnRef idx="0"/>
+          <a:fillRef idx="0"/>
+          <a:effectRef idx="0"/>
+          <a:fontRef idx="minor"/>
+        </p:style>
         <p:txBody>
           <a:bodyPr lIns="90000" rIns="90000" tIns="45000" bIns="45000" anchor="t">
             <a:noAutofit/>
           </a:bodyPr>
           <a:p>
-            <a:pPr algn="ctr"/>
+            <a:pPr algn="ctr">
+              <a:lnSpc>
+                <a:spcPct val="100000"/>
+              </a:lnSpc>
+            </a:pPr>
             <a:r>
               <a:rPr b="1" lang="ru-RU" sz="1800" spc="-1" strike="noStrike">
                 <a:solidFill>

--- a/Трансфомеры.pptx
+++ b/Трансфомеры.pptx
@@ -27,6 +27,7 @@
     <p:sldId id="273" r:id="rId22"/>
     <p:sldId id="274" r:id="rId23"/>
     <p:sldId id="275" r:id="rId24"/>
+    <p:sldId id="276" r:id="rId25"/>
   </p:sldIdLst>
   <p:sldSz cx="10080625" cy="5670550"/>
   <p:notesSz cx="7559675" cy="10691813"/>
@@ -84,7 +85,7 @@
         <p:txBody>
           <a:bodyPr/>
           <a:p>
-            <a:fld id="{0D2B308A-C855-4148-8B9C-5FED14F5FA79}" type="slidenum">
+            <a:fld id="{C50E1B48-1A7F-41D3-A3F2-CC3265DB4140}" type="slidenum">
               <a:t>&lt;#&gt;</a:t>
             </a:fld>
           </a:p>
@@ -293,7 +294,7 @@
         <p:txBody>
           <a:bodyPr/>
           <a:p>
-            <a:fld id="{A66EE16F-10F6-4114-9889-D19ACE0A5C98}" type="slidenum">
+            <a:fld id="{B5A4ED42-6748-4052-BDE6-5A1BD4A0269A}" type="slidenum">
               <a:t>&lt;#&gt;</a:t>
             </a:fld>
           </a:p>
@@ -588,7 +589,7 @@
         <p:txBody>
           <a:bodyPr/>
           <a:p>
-            <a:fld id="{1F3EB736-6125-422E-A34F-74E1597D9720}" type="slidenum">
+            <a:fld id="{97707425-AA30-4514-9873-400A28D29378}" type="slidenum">
               <a:t>&lt;#&gt;</a:t>
             </a:fld>
           </a:p>
@@ -969,7 +970,7 @@
         <p:txBody>
           <a:bodyPr/>
           <a:p>
-            <a:fld id="{01C1646B-1204-42A3-94EC-357B0B9535F1}" type="slidenum">
+            <a:fld id="{CC891BA3-A4D6-48C1-981D-64D9809CBCF5}" type="slidenum">
               <a:t>&lt;#&gt;</a:t>
             </a:fld>
           </a:p>
@@ -2109,7 +2110,7 @@
         <p:txBody>
           <a:bodyPr/>
           <a:p>
-            <a:fld id="{A01A25B1-7E91-4A67-A697-0305F18FED68}" type="slidenum">
+            <a:fld id="{8F7A50ED-637D-44D3-A231-4C9D7B584239}" type="slidenum">
               <a:t>&lt;#&gt;</a:t>
             </a:fld>
           </a:p>
@@ -3481,7 +3482,7 @@
         <p:txBody>
           <a:bodyPr/>
           <a:p>
-            <a:fld id="{002F61D5-53B0-45BC-9068-43531A4F00E0}" type="slidenum">
+            <a:fld id="{8FE3EDC1-CBA2-4B6A-AE2C-832339F79BBE}" type="slidenum">
               <a:t>&lt;#&gt;</a:t>
             </a:fld>
           </a:p>
@@ -3644,7 +3645,7 @@
         <p:txBody>
           <a:bodyPr/>
           <a:p>
-            <a:fld id="{83ABC702-5D90-41CE-80C1-938941F89E57}" type="slidenum">
+            <a:fld id="{C42A20FE-F217-4552-8C43-D1798E644397}" type="slidenum">
               <a:t>&lt;#&gt;</a:t>
             </a:fld>
           </a:p>
@@ -3810,7 +3811,7 @@
         <p:txBody>
           <a:bodyPr/>
           <a:p>
-            <a:fld id="{330D5B49-F2BA-40FF-B363-290FB58340D8}" type="slidenum">
+            <a:fld id="{B6911ACA-DD68-4C7B-9B8B-5850610AD71C}" type="slidenum">
               <a:t>&lt;#&gt;</a:t>
             </a:fld>
           </a:p>
@@ -4019,7 +4020,7 @@
         <p:txBody>
           <a:bodyPr/>
           <a:p>
-            <a:fld id="{91AB3805-ABC8-48A0-8185-3FC5BD5BE4EA}" type="slidenum">
+            <a:fld id="{196D5087-1823-47AB-B7EE-9B7311AFE86C}" type="slidenum">
               <a:t>&lt;#&gt;</a:t>
             </a:fld>
           </a:p>
@@ -4142,7 +4143,7 @@
         <p:txBody>
           <a:bodyPr/>
           <a:p>
-            <a:fld id="{B0EA6A73-9A83-43F7-A7A9-CA499F19C6A1}" type="slidenum">
+            <a:fld id="{B405DB07-6C5C-4B88-979E-FA9964F32B5B}" type="slidenum">
               <a:t>&lt;#&gt;</a:t>
             </a:fld>
           </a:p>
@@ -4308,7 +4309,7 @@
         <p:txBody>
           <a:bodyPr/>
           <a:p>
-            <a:fld id="{9F7B20C2-4F3B-412E-BE85-C53A7BA7BDAD}" type="slidenum">
+            <a:fld id="{B5CB187D-8010-4657-A6C4-723A3EBD36F3}" type="slidenum">
               <a:t>&lt;#&gt;</a:t>
             </a:fld>
           </a:p>
@@ -4429,7 +4430,7 @@
         <p:txBody>
           <a:bodyPr/>
           <a:p>
-            <a:fld id="{AA531556-8152-486B-BC21-875EFD78C633}" type="slidenum">
+            <a:fld id="{A8950B94-A1F7-41E4-841B-CA853EA7F66D}" type="slidenum">
               <a:t>&lt;#&gt;</a:t>
             </a:fld>
           </a:p>
@@ -4681,7 +4682,7 @@
         <p:txBody>
           <a:bodyPr/>
           <a:p>
-            <a:fld id="{E678E65E-7A02-4494-9C0C-087204E12811}" type="slidenum">
+            <a:fld id="{14F1A8BE-8C57-4789-8DE8-BC90A14550D8}" type="slidenum">
               <a:t>&lt;#&gt;</a:t>
             </a:fld>
           </a:p>
@@ -4933,7 +4934,7 @@
         <p:txBody>
           <a:bodyPr/>
           <a:p>
-            <a:fld id="{3E45DE5E-F74E-4382-B942-F3FF459C4955}" type="slidenum">
+            <a:fld id="{80F301B8-1654-4E69-B525-033D2900EF8E}" type="slidenum">
               <a:t>&lt;#&gt;</a:t>
             </a:fld>
           </a:p>
@@ -5185,7 +5186,7 @@
         <p:txBody>
           <a:bodyPr/>
           <a:p>
-            <a:fld id="{70301E90-4F75-43D3-B6A0-915FAA2901AF}" type="slidenum">
+            <a:fld id="{9B9FC6D2-F092-456B-A879-6B09AD7B5EAE}" type="slidenum">
               <a:t>&lt;#&gt;</a:t>
             </a:fld>
           </a:p>
@@ -5394,7 +5395,7 @@
         <p:txBody>
           <a:bodyPr/>
           <a:p>
-            <a:fld id="{CCAEDB91-19FB-413A-8915-2DC01CA3170E}" type="slidenum">
+            <a:fld id="{32BF7D05-27F0-4F4B-A3B0-6D8122175D21}" type="slidenum">
               <a:t>&lt;#&gt;</a:t>
             </a:fld>
           </a:p>
@@ -5689,7 +5690,7 @@
         <p:txBody>
           <a:bodyPr/>
           <a:p>
-            <a:fld id="{F024C29C-E243-416B-BE63-D87F294CDADA}" type="slidenum">
+            <a:fld id="{45ABC770-B695-45B0-99B1-8C2D60AFE263}" type="slidenum">
               <a:t>&lt;#&gt;</a:t>
             </a:fld>
           </a:p>
@@ -6070,7 +6071,7 @@
         <p:txBody>
           <a:bodyPr/>
           <a:p>
-            <a:fld id="{492C31A3-FE49-49EC-9210-B12A317DEA5B}" type="slidenum">
+            <a:fld id="{E4DDB8E9-C1E4-4E36-AA70-7C9EEBFCAAA1}" type="slidenum">
               <a:t>&lt;#&gt;</a:t>
             </a:fld>
           </a:p>
@@ -6279,7 +6280,7 @@
         <p:txBody>
           <a:bodyPr/>
           <a:p>
-            <a:fld id="{7A120CC0-2F9F-4680-871C-725C149577A4}" type="slidenum">
+            <a:fld id="{ABCA4EE7-37CF-4113-AD7B-31F795AB5E91}" type="slidenum">
               <a:t>&lt;#&gt;</a:t>
             </a:fld>
           </a:p>
@@ -6402,7 +6403,7 @@
         <p:txBody>
           <a:bodyPr/>
           <a:p>
-            <a:fld id="{E5AC80A2-258B-494A-9718-BA65D162257A}" type="slidenum">
+            <a:fld id="{FCEEC2DA-7D56-43E8-A52D-ABAD81B48CD7}" type="slidenum">
               <a:t>&lt;#&gt;</a:t>
             </a:fld>
           </a:p>
@@ -6523,7 +6524,7 @@
         <p:txBody>
           <a:bodyPr/>
           <a:p>
-            <a:fld id="{38775527-D1B5-4BA3-8001-862E4871BA95}" type="slidenum">
+            <a:fld id="{C40B6E8A-D5A9-46E7-BA6B-68CF1EEF02EA}" type="slidenum">
               <a:t>&lt;#&gt;</a:t>
             </a:fld>
           </a:p>
@@ -6775,7 +6776,7 @@
         <p:txBody>
           <a:bodyPr/>
           <a:p>
-            <a:fld id="{C67199B7-5578-4593-BF27-5C189C58FA1C}" type="slidenum">
+            <a:fld id="{B141A5AF-1827-446E-88D5-0F67EBAD3EDF}" type="slidenum">
               <a:t>&lt;#&gt;</a:t>
             </a:fld>
           </a:p>
@@ -7027,7 +7028,7 @@
         <p:txBody>
           <a:bodyPr/>
           <a:p>
-            <a:fld id="{8AEB7F91-5F8A-4C9F-ADEF-984CC9EEE6F1}" type="slidenum">
+            <a:fld id="{D61A3B14-D096-4D68-912E-2C81E0259F3D}" type="slidenum">
               <a:t>&lt;#&gt;</a:t>
             </a:fld>
           </a:p>
@@ -7279,7 +7280,7 @@
         <p:txBody>
           <a:bodyPr/>
           <a:p>
-            <a:fld id="{F014306A-3E1D-47EA-81B5-9029156D106E}" type="slidenum">
+            <a:fld id="{BA627A11-4914-4ADA-A8AE-641B162CF2D4}" type="slidenum">
               <a:t>&lt;#&gt;</a:t>
             </a:fld>
           </a:p>
@@ -7337,7 +7338,7 @@
         <p:spPr>
           <a:xfrm>
             <a:off x="0" y="0"/>
-            <a:ext cx="10079280" cy="5669280"/>
+            <a:ext cx="10078920" cy="5668920"/>
           </a:xfrm>
           <a:prstGeom prst="rect">
             <a:avLst/>
@@ -7384,7 +7385,7 @@
         <p:spPr>
           <a:xfrm>
             <a:off x="0" y="0"/>
-            <a:ext cx="10079280" cy="3779280"/>
+            <a:ext cx="10078920" cy="3778920"/>
           </a:xfrm>
           <a:prstGeom prst="rect">
             <a:avLst/>
@@ -7432,287 +7433,13 @@
             <a:spLocks noGrp="1"/>
           </p:cNvSpPr>
           <p:nvPr>
-            <p:ph type="title"/>
-          </p:nvPr>
-        </p:nvSpPr>
-        <p:spPr>
-          <a:xfrm>
-            <a:off x="2700000" y="1357200"/>
-            <a:ext cx="4679280" cy="1874880"/>
-          </a:xfrm>
-          <a:prstGeom prst="rect">
-            <a:avLst/>
-          </a:prstGeom>
-          <a:noFill/>
-          <a:ln w="0">
-            <a:noFill/>
-          </a:ln>
-        </p:spPr>
-        <p:txBody>
-          <a:bodyPr lIns="0" rIns="0" tIns="0" bIns="0" anchor="ctr">
-            <a:noAutofit/>
-          </a:bodyPr>
-          <a:p>
-            <a:pPr indent="0">
-              <a:buNone/>
-            </a:pPr>
-            <a:r>
-              <a:rPr b="0" lang="ru-RU" sz="1800" spc="-1" strike="noStrike">
-                <a:solidFill>
-                  <a:srgbClr val="000000"/>
-                </a:solidFill>
-                <a:latin typeface="Arial"/>
-              </a:rPr>
-              <a:t>Для правки текста заглавия щёлкните мышью</a:t>
-            </a:r>
-            <a:endParaRPr b="0" lang="ru-RU" sz="1800" spc="-1" strike="noStrike">
-              <a:solidFill>
-                <a:srgbClr val="000000"/>
-              </a:solidFill>
-              <a:latin typeface="Arial"/>
-            </a:endParaRPr>
-          </a:p>
-        </p:txBody>
-      </p:sp>
-      <p:sp>
-        <p:nvSpPr>
-          <p:cNvPr id="3" name="PlaceHolder 2"/>
-          <p:cNvSpPr>
-            <a:spLocks noGrp="1"/>
-          </p:cNvSpPr>
-          <p:nvPr>
-            <p:ph type="body"/>
-          </p:nvPr>
-        </p:nvSpPr>
-        <p:spPr>
-          <a:xfrm>
-            <a:off x="3420000" y="3240000"/>
-            <a:ext cx="6299280" cy="1619280"/>
-          </a:xfrm>
-          <a:prstGeom prst="rect">
-            <a:avLst/>
-          </a:prstGeom>
-          <a:noFill/>
-          <a:ln w="0">
-            <a:noFill/>
-          </a:ln>
-        </p:spPr>
-        <p:txBody>
-          <a:bodyPr lIns="0" rIns="0" tIns="0" bIns="0" anchor="t">
-            <a:normAutofit fontScale="70000"/>
-          </a:bodyPr>
-          <a:p>
-            <a:pPr marL="302400" indent="-226800">
-              <a:spcBef>
-                <a:spcPts val="1417"/>
-              </a:spcBef>
-              <a:buClr>
-                <a:srgbClr val="000000"/>
-              </a:buClr>
-              <a:buSzPct val="45000"/>
-              <a:buFont typeface="Wingdings" charset="2"/>
-              <a:buChar char=""/>
-            </a:pPr>
-            <a:r>
-              <a:rPr b="0" lang="ru-RU" sz="1800" spc="-1" strike="noStrike">
-                <a:solidFill>
-                  <a:srgbClr val="000000"/>
-                </a:solidFill>
-                <a:latin typeface="Arial"/>
-              </a:rPr>
-              <a:t>Для правки структуры щёлкните мышью</a:t>
-            </a:r>
-            <a:endParaRPr b="0" lang="ru-RU" sz="1800" spc="-1" strike="noStrike">
-              <a:solidFill>
-                <a:srgbClr val="000000"/>
-              </a:solidFill>
-              <a:latin typeface="Arial"/>
-            </a:endParaRPr>
-          </a:p>
-          <a:p>
-            <a:pPr lvl="1" marL="604800" indent="-226800">
-              <a:spcBef>
-                <a:spcPts val="1134"/>
-              </a:spcBef>
-              <a:buClr>
-                <a:srgbClr val="000000"/>
-              </a:buClr>
-              <a:buSzPct val="75000"/>
-              <a:buFont typeface="Symbol" charset="2"/>
-              <a:buChar char=""/>
-            </a:pPr>
-            <a:r>
-              <a:rPr b="0" lang="ru-RU" sz="1800" spc="-1" strike="noStrike">
-                <a:solidFill>
-                  <a:srgbClr val="000000"/>
-                </a:solidFill>
-                <a:latin typeface="Arial"/>
-              </a:rPr>
-              <a:t>Второй уровень структуры</a:t>
-            </a:r>
-            <a:endParaRPr b="0" lang="ru-RU" sz="1800" spc="-1" strike="noStrike">
-              <a:solidFill>
-                <a:srgbClr val="000000"/>
-              </a:solidFill>
-              <a:latin typeface="Arial"/>
-            </a:endParaRPr>
-          </a:p>
-          <a:p>
-            <a:pPr lvl="2" marL="907200" indent="-201600">
-              <a:spcBef>
-                <a:spcPts val="850"/>
-              </a:spcBef>
-              <a:buClr>
-                <a:srgbClr val="000000"/>
-              </a:buClr>
-              <a:buSzPct val="45000"/>
-              <a:buFont typeface="Wingdings" charset="2"/>
-              <a:buChar char=""/>
-            </a:pPr>
-            <a:r>
-              <a:rPr b="0" lang="ru-RU" sz="1800" spc="-1" strike="noStrike">
-                <a:solidFill>
-                  <a:srgbClr val="000000"/>
-                </a:solidFill>
-                <a:latin typeface="Arial"/>
-              </a:rPr>
-              <a:t>Третий уровень структуры</a:t>
-            </a:r>
-            <a:endParaRPr b="0" lang="ru-RU" sz="1800" spc="-1" strike="noStrike">
-              <a:solidFill>
-                <a:srgbClr val="000000"/>
-              </a:solidFill>
-              <a:latin typeface="Arial"/>
-            </a:endParaRPr>
-          </a:p>
-          <a:p>
-            <a:pPr lvl="3" marL="1209600" indent="-151200">
-              <a:spcBef>
-                <a:spcPts val="567"/>
-              </a:spcBef>
-              <a:buClr>
-                <a:srgbClr val="000000"/>
-              </a:buClr>
-              <a:buSzPct val="75000"/>
-              <a:buFont typeface="Symbol" charset="2"/>
-              <a:buChar char=""/>
-            </a:pPr>
-            <a:r>
-              <a:rPr b="0" lang="ru-RU" sz="1800" spc="-1" strike="noStrike">
-                <a:solidFill>
-                  <a:srgbClr val="000000"/>
-                </a:solidFill>
-                <a:latin typeface="Arial"/>
-              </a:rPr>
-              <a:t>Четвёртый уровень структуры</a:t>
-            </a:r>
-            <a:endParaRPr b="0" lang="ru-RU" sz="1800" spc="-1" strike="noStrike">
-              <a:solidFill>
-                <a:srgbClr val="000000"/>
-              </a:solidFill>
-              <a:latin typeface="Arial"/>
-            </a:endParaRPr>
-          </a:p>
-          <a:p>
-            <a:pPr lvl="4" marL="1512000" indent="-151200">
-              <a:spcBef>
-                <a:spcPts val="283"/>
-              </a:spcBef>
-              <a:buClr>
-                <a:srgbClr val="000000"/>
-              </a:buClr>
-              <a:buSzPct val="45000"/>
-              <a:buFont typeface="Wingdings" charset="2"/>
-              <a:buChar char=""/>
-            </a:pPr>
-            <a:r>
-              <a:rPr b="0" lang="ru-RU" sz="1800" spc="-1" strike="noStrike">
-                <a:solidFill>
-                  <a:srgbClr val="000000"/>
-                </a:solidFill>
-                <a:latin typeface="Arial"/>
-              </a:rPr>
-              <a:t>Пятый уровень структуры</a:t>
-            </a:r>
-            <a:endParaRPr b="0" lang="ru-RU" sz="1800" spc="-1" strike="noStrike">
-              <a:solidFill>
-                <a:srgbClr val="000000"/>
-              </a:solidFill>
-              <a:latin typeface="Arial"/>
-            </a:endParaRPr>
-          </a:p>
-          <a:p>
-            <a:pPr lvl="5" marL="1814400" indent="-151200">
-              <a:spcBef>
-                <a:spcPts val="283"/>
-              </a:spcBef>
-              <a:buClr>
-                <a:srgbClr val="000000"/>
-              </a:buClr>
-              <a:buSzPct val="45000"/>
-              <a:buFont typeface="Wingdings" charset="2"/>
-              <a:buChar char=""/>
-            </a:pPr>
-            <a:r>
-              <a:rPr b="0" lang="ru-RU" sz="1800" spc="-1" strike="noStrike">
-                <a:solidFill>
-                  <a:srgbClr val="000000"/>
-                </a:solidFill>
-                <a:latin typeface="Arial"/>
-              </a:rPr>
-              <a:t>Шестой уровень структуры</a:t>
-            </a:r>
-            <a:endParaRPr b="0" lang="ru-RU" sz="1800" spc="-1" strike="noStrike">
-              <a:solidFill>
-                <a:srgbClr val="000000"/>
-              </a:solidFill>
-              <a:latin typeface="Arial"/>
-            </a:endParaRPr>
-          </a:p>
-          <a:p>
-            <a:pPr lvl="6" marL="2116800" indent="-151200">
-              <a:spcBef>
-                <a:spcPts val="283"/>
-              </a:spcBef>
-              <a:buClr>
-                <a:srgbClr val="000000"/>
-              </a:buClr>
-              <a:buSzPct val="45000"/>
-              <a:buFont typeface="Wingdings" charset="2"/>
-              <a:buChar char=""/>
-            </a:pPr>
-            <a:r>
-              <a:rPr b="0" lang="ru-RU" sz="1800" spc="-1" strike="noStrike">
-                <a:solidFill>
-                  <a:srgbClr val="000000"/>
-                </a:solidFill>
-                <a:latin typeface="Arial"/>
-              </a:rPr>
-              <a:t>Седьмой уровень структуры</a:t>
-            </a:r>
-            <a:endParaRPr b="0" lang="ru-RU" sz="1800" spc="-1" strike="noStrike">
-              <a:solidFill>
-                <a:srgbClr val="000000"/>
-              </a:solidFill>
-              <a:latin typeface="Arial"/>
-            </a:endParaRPr>
-          </a:p>
-        </p:txBody>
-      </p:sp>
-      <p:sp>
-        <p:nvSpPr>
-          <p:cNvPr id="4" name="PlaceHolder 3"/>
-          <p:cNvSpPr>
-            <a:spLocks noGrp="1"/>
-          </p:cNvSpPr>
-          <p:nvPr>
             <p:ph type="ftr" idx="1"/>
           </p:nvPr>
         </p:nvSpPr>
         <p:spPr>
           <a:xfrm>
             <a:off x="3420000" y="5400000"/>
-            <a:ext cx="3239280" cy="269280"/>
+            <a:ext cx="3238920" cy="268920"/>
           </a:xfrm>
           <a:prstGeom prst="rect">
             <a:avLst/>
@@ -7760,7 +7487,7 @@
                 </a:solidFill>
                 <a:latin typeface="Source Sans Pro Black"/>
               </a:rPr>
-              <a:t>&lt;нижний колонтитул&gt;</a:t>
+              <a:t> </a:t>
             </a:r>
             <a:endParaRPr b="0" lang="ru-RU" sz="1800" spc="-1" strike="noStrike">
               <a:solidFill>
@@ -7773,7 +7500,7 @@
       </p:sp>
       <p:sp>
         <p:nvSpPr>
-          <p:cNvPr id="5" name="PlaceHolder 4"/>
+          <p:cNvPr id="3" name="PlaceHolder 2"/>
           <p:cNvSpPr>
             <a:spLocks noGrp="1"/>
           </p:cNvSpPr>
@@ -7784,7 +7511,7 @@
         <p:spPr>
           <a:xfrm>
             <a:off x="9180000" y="5130000"/>
-            <a:ext cx="719280" cy="539280"/>
+            <a:ext cx="718920" cy="538920"/>
           </a:xfrm>
           <a:prstGeom prst="rect">
             <a:avLst/>
@@ -7825,14 +7552,14 @@
                 <a:tab algn="l" pos="0"/>
               </a:tabLst>
             </a:pPr>
-            <a:fld id="{BC83BDCE-8F65-4DAD-8E07-018084BF296B}" type="slidenum">
+            <a:fld id="{0331CCB7-FB59-45CA-B4FF-C78D05EDC9F3}" type="slidenum">
               <a:rPr b="1" lang="ru-RU" sz="1800" spc="-1" strike="noStrike">
                 <a:solidFill>
                   <a:srgbClr val="ffffff"/>
                 </a:solidFill>
                 <a:latin typeface="Source Sans Pro Black"/>
               </a:rPr>
-              <a:t>&lt;номер&gt;</a:t>
+              <a:t>16</a:t>
             </a:fld>
             <a:endParaRPr b="0" lang="ru-RU" sz="1800" spc="-1" strike="noStrike">
               <a:solidFill>
@@ -7845,7 +7572,7 @@
       </p:sp>
       <p:sp>
         <p:nvSpPr>
-          <p:cNvPr id="6" name="PlaceHolder 5"/>
+          <p:cNvPr id="4" name="PlaceHolder 3"/>
           <p:cNvSpPr>
             <a:spLocks noGrp="1"/>
           </p:cNvSpPr>
@@ -7856,7 +7583,7 @@
         <p:spPr>
           <a:xfrm>
             <a:off x="360000" y="5400000"/>
-            <a:ext cx="2879280" cy="269280"/>
+            <a:ext cx="2878920" cy="268920"/>
           </a:xfrm>
           <a:prstGeom prst="rect">
             <a:avLst/>
@@ -7892,13 +7619,287 @@
                 </a:solidFill>
                 <a:latin typeface="Times New Roman"/>
               </a:rPr>
-              <a:t>&lt;дата/время&gt;</a:t>
+              <a:t> </a:t>
             </a:r>
             <a:endParaRPr b="0" lang="ru-RU" sz="1400" spc="-1" strike="noStrike">
               <a:solidFill>
                 <a:srgbClr val="000000"/>
               </a:solidFill>
               <a:latin typeface="Times New Roman"/>
+            </a:endParaRPr>
+          </a:p>
+        </p:txBody>
+      </p:sp>
+      <p:sp>
+        <p:nvSpPr>
+          <p:cNvPr id="5" name="PlaceHolder 4"/>
+          <p:cNvSpPr>
+            <a:spLocks noGrp="1"/>
+          </p:cNvSpPr>
+          <p:nvPr>
+            <p:ph type="title"/>
+          </p:nvPr>
+        </p:nvSpPr>
+        <p:spPr>
+          <a:xfrm>
+            <a:off x="504000" y="226080"/>
+            <a:ext cx="9072000" cy="946440"/>
+          </a:xfrm>
+          <a:prstGeom prst="rect">
+            <a:avLst/>
+          </a:prstGeom>
+          <a:noFill/>
+          <a:ln w="0">
+            <a:noFill/>
+          </a:ln>
+        </p:spPr>
+        <p:txBody>
+          <a:bodyPr lIns="0" rIns="0" tIns="0" bIns="0" anchor="ctr">
+            <a:noAutofit/>
+          </a:bodyPr>
+          <a:p>
+            <a:pPr indent="0" algn="ctr">
+              <a:buNone/>
+            </a:pPr>
+            <a:r>
+              <a:rPr b="0" lang="ru-RU" sz="4400" spc="-1" strike="noStrike">
+                <a:solidFill>
+                  <a:srgbClr val="000000"/>
+                </a:solidFill>
+                <a:latin typeface="Arial"/>
+              </a:rPr>
+              <a:t>Для правки текста заглавия щёлкните мышью</a:t>
+            </a:r>
+            <a:endParaRPr b="0" lang="ru-RU" sz="4400" spc="-1" strike="noStrike">
+              <a:solidFill>
+                <a:srgbClr val="000000"/>
+              </a:solidFill>
+              <a:latin typeface="Arial"/>
+            </a:endParaRPr>
+          </a:p>
+        </p:txBody>
+      </p:sp>
+      <p:sp>
+        <p:nvSpPr>
+          <p:cNvPr id="6" name="PlaceHolder 5"/>
+          <p:cNvSpPr>
+            <a:spLocks noGrp="1"/>
+          </p:cNvSpPr>
+          <p:nvPr>
+            <p:ph type="body"/>
+          </p:nvPr>
+        </p:nvSpPr>
+        <p:spPr>
+          <a:xfrm>
+            <a:off x="504000" y="1326600"/>
+            <a:ext cx="9072000" cy="3288600"/>
+          </a:xfrm>
+          <a:prstGeom prst="rect">
+            <a:avLst/>
+          </a:prstGeom>
+          <a:noFill/>
+          <a:ln w="0">
+            <a:noFill/>
+          </a:ln>
+        </p:spPr>
+        <p:txBody>
+          <a:bodyPr lIns="0" rIns="0" tIns="0" bIns="0" anchor="t">
+            <a:normAutofit/>
+          </a:bodyPr>
+          <a:p>
+            <a:pPr marL="432000" indent="-324000">
+              <a:spcBef>
+                <a:spcPts val="1417"/>
+              </a:spcBef>
+              <a:buClr>
+                <a:srgbClr val="000000"/>
+              </a:buClr>
+              <a:buSzPct val="45000"/>
+              <a:buFont typeface="Wingdings" charset="2"/>
+              <a:buChar char=""/>
+            </a:pPr>
+            <a:r>
+              <a:rPr b="0" lang="ru-RU" sz="3200" spc="-1" strike="noStrike">
+                <a:solidFill>
+                  <a:srgbClr val="000000"/>
+                </a:solidFill>
+                <a:latin typeface="Arial"/>
+              </a:rPr>
+              <a:t>Для правки структуры щёлкните мышью</a:t>
+            </a:r>
+            <a:endParaRPr b="0" lang="ru-RU" sz="3200" spc="-1" strike="noStrike">
+              <a:solidFill>
+                <a:srgbClr val="000000"/>
+              </a:solidFill>
+              <a:latin typeface="Arial"/>
+            </a:endParaRPr>
+          </a:p>
+          <a:p>
+            <a:pPr lvl="1" marL="864000" indent="-324000">
+              <a:spcBef>
+                <a:spcPts val="1134"/>
+              </a:spcBef>
+              <a:buClr>
+                <a:srgbClr val="000000"/>
+              </a:buClr>
+              <a:buSzPct val="75000"/>
+              <a:buFont typeface="Symbol" charset="2"/>
+              <a:buChar char=""/>
+            </a:pPr>
+            <a:r>
+              <a:rPr b="0" lang="ru-RU" sz="2800" spc="-1" strike="noStrike">
+                <a:solidFill>
+                  <a:srgbClr val="000000"/>
+                </a:solidFill>
+                <a:latin typeface="Arial"/>
+              </a:rPr>
+              <a:t>Второй уровень структуры</a:t>
+            </a:r>
+            <a:endParaRPr b="0" lang="ru-RU" sz="2800" spc="-1" strike="noStrike">
+              <a:solidFill>
+                <a:srgbClr val="000000"/>
+              </a:solidFill>
+              <a:latin typeface="Arial"/>
+            </a:endParaRPr>
+          </a:p>
+          <a:p>
+            <a:pPr lvl="2" marL="1296000" indent="-288000">
+              <a:spcBef>
+                <a:spcPts val="850"/>
+              </a:spcBef>
+              <a:buClr>
+                <a:srgbClr val="000000"/>
+              </a:buClr>
+              <a:buSzPct val="45000"/>
+              <a:buFont typeface="Wingdings" charset="2"/>
+              <a:buChar char=""/>
+            </a:pPr>
+            <a:r>
+              <a:rPr b="0" lang="ru-RU" sz="2400" spc="-1" strike="noStrike">
+                <a:solidFill>
+                  <a:srgbClr val="000000"/>
+                </a:solidFill>
+                <a:latin typeface="Arial"/>
+              </a:rPr>
+              <a:t>Третий уровень структуры</a:t>
+            </a:r>
+            <a:endParaRPr b="0" lang="ru-RU" sz="2400" spc="-1" strike="noStrike">
+              <a:solidFill>
+                <a:srgbClr val="000000"/>
+              </a:solidFill>
+              <a:latin typeface="Arial"/>
+            </a:endParaRPr>
+          </a:p>
+          <a:p>
+            <a:pPr lvl="3" marL="1728000" indent="-216000">
+              <a:spcBef>
+                <a:spcPts val="567"/>
+              </a:spcBef>
+              <a:buClr>
+                <a:srgbClr val="000000"/>
+              </a:buClr>
+              <a:buSzPct val="75000"/>
+              <a:buFont typeface="Symbol" charset="2"/>
+              <a:buChar char=""/>
+            </a:pPr>
+            <a:r>
+              <a:rPr b="0" lang="ru-RU" sz="2000" spc="-1" strike="noStrike">
+                <a:solidFill>
+                  <a:srgbClr val="000000"/>
+                </a:solidFill>
+                <a:latin typeface="Arial"/>
+              </a:rPr>
+              <a:t>Четвёртый уровень структуры</a:t>
+            </a:r>
+            <a:endParaRPr b="0" lang="ru-RU" sz="2000" spc="-1" strike="noStrike">
+              <a:solidFill>
+                <a:srgbClr val="000000"/>
+              </a:solidFill>
+              <a:latin typeface="Arial"/>
+            </a:endParaRPr>
+          </a:p>
+          <a:p>
+            <a:pPr lvl="4" marL="2160000" indent="-216000">
+              <a:spcBef>
+                <a:spcPts val="283"/>
+              </a:spcBef>
+              <a:buClr>
+                <a:srgbClr val="000000"/>
+              </a:buClr>
+              <a:buSzPct val="45000"/>
+              <a:buFont typeface="Wingdings" charset="2"/>
+              <a:buChar char=""/>
+            </a:pPr>
+            <a:r>
+              <a:rPr b="0" lang="ru-RU" sz="2000" spc="-1" strike="noStrike">
+                <a:solidFill>
+                  <a:srgbClr val="000000"/>
+                </a:solidFill>
+                <a:latin typeface="Arial"/>
+              </a:rPr>
+              <a:t>Пятый уровень структуры</a:t>
+            </a:r>
+            <a:endParaRPr b="0" lang="ru-RU" sz="2000" spc="-1" strike="noStrike">
+              <a:solidFill>
+                <a:srgbClr val="000000"/>
+              </a:solidFill>
+              <a:latin typeface="Arial"/>
+            </a:endParaRPr>
+          </a:p>
+          <a:p>
+            <a:pPr lvl="5" marL="2592000" indent="-216000">
+              <a:spcBef>
+                <a:spcPts val="283"/>
+              </a:spcBef>
+              <a:buClr>
+                <a:srgbClr val="000000"/>
+              </a:buClr>
+              <a:buSzPct val="45000"/>
+              <a:buFont typeface="Wingdings" charset="2"/>
+              <a:buChar char=""/>
+            </a:pPr>
+            <a:r>
+              <a:rPr b="0" lang="ru-RU" sz="2000" spc="-1" strike="noStrike">
+                <a:solidFill>
+                  <a:srgbClr val="000000"/>
+                </a:solidFill>
+                <a:latin typeface="Arial"/>
+              </a:rPr>
+              <a:t>Шестой уровень структуры</a:t>
+            </a:r>
+            <a:endParaRPr b="0" lang="ru-RU" sz="2000" spc="-1" strike="noStrike">
+              <a:solidFill>
+                <a:srgbClr val="000000"/>
+              </a:solidFill>
+              <a:latin typeface="Arial"/>
+            </a:endParaRPr>
+          </a:p>
+          <a:p>
+            <a:pPr lvl="6" marL="3024000" indent="-216000">
+              <a:spcBef>
+                <a:spcPts val="283"/>
+              </a:spcBef>
+              <a:buClr>
+                <a:srgbClr val="000000"/>
+              </a:buClr>
+              <a:buSzPct val="45000"/>
+              <a:buFont typeface="Wingdings" charset="2"/>
+              <a:buChar char=""/>
+            </a:pPr>
+            <a:r>
+              <a:rPr b="0" lang="ru-RU" sz="2000" spc="-1" strike="noStrike">
+                <a:solidFill>
+                  <a:srgbClr val="000000"/>
+                </a:solidFill>
+                <a:latin typeface="Arial"/>
+              </a:rPr>
+              <a:t>Седьмой уровень структуры</a:t>
+            </a:r>
+            <a:endParaRPr b="0" lang="ru-RU" sz="2000" spc="-1" strike="noStrike">
+              <a:solidFill>
+                <a:srgbClr val="000000"/>
+              </a:solidFill>
+              <a:latin typeface="Arial"/>
             </a:endParaRPr>
           </a:p>
         </p:txBody>
@@ -7949,7 +7950,7 @@
         <p:spPr>
           <a:xfrm>
             <a:off x="0" y="5400000"/>
-            <a:ext cx="10079280" cy="269280"/>
+            <a:ext cx="10078920" cy="268920"/>
           </a:xfrm>
           <a:prstGeom prst="rect">
             <a:avLst/>
@@ -7996,7 +7997,7 @@
         <p:spPr>
           <a:xfrm>
             <a:off x="0" y="0"/>
-            <a:ext cx="10079280" cy="1214280"/>
+            <a:ext cx="10078920" cy="1213920"/>
           </a:xfrm>
           <a:prstGeom prst="rect">
             <a:avLst/>
@@ -8043,7 +8044,7 @@
         <p:spPr>
           <a:xfrm>
             <a:off x="9315000" y="5175000"/>
-            <a:ext cx="449280" cy="449280"/>
+            <a:ext cx="448920" cy="448920"/>
           </a:xfrm>
           <a:prstGeom prst="ellipse">
             <a:avLst/>
@@ -8093,7 +8094,7 @@
         <p:spPr>
           <a:xfrm>
             <a:off x="9180000" y="5130000"/>
-            <a:ext cx="719280" cy="539280"/>
+            <a:ext cx="718920" cy="538920"/>
           </a:xfrm>
           <a:prstGeom prst="rect">
             <a:avLst/>
@@ -8119,7 +8120,7 @@
                 <a:spcPct val="100000"/>
               </a:lnSpc>
             </a:pPr>
-            <a:fld id="{E72E1C6B-F25A-4BBC-B435-5F4AB32A768F}" type="slidenum">
+            <a:fld id="{EABE8023-8BC9-47DB-8C04-18ACCAA7A8C5}" type="slidenum">
               <a:rPr b="1" lang="ru-RU" sz="1800" spc="-1" strike="noStrike">
                 <a:solidFill>
                   <a:srgbClr val="ffffff"/>
@@ -8151,7 +8152,7 @@
         <p:spPr>
           <a:xfrm>
             <a:off x="3420000" y="5400000"/>
-            <a:ext cx="3239280" cy="269280"/>
+            <a:ext cx="3238920" cy="268920"/>
           </a:xfrm>
           <a:prstGeom prst="rect">
             <a:avLst/>
@@ -8223,7 +8224,7 @@
         <p:spPr>
           <a:xfrm>
             <a:off x="360000" y="5400000"/>
-            <a:ext cx="2879280" cy="269280"/>
+            <a:ext cx="2878920" cy="268920"/>
           </a:xfrm>
           <a:prstGeom prst="rect">
             <a:avLst/>
@@ -8590,7 +8591,7 @@
         <p:spPr>
           <a:xfrm>
             <a:off x="0" y="0"/>
-            <a:ext cx="10079280" cy="5669280"/>
+            <a:ext cx="10078920" cy="5668920"/>
           </a:xfrm>
           <a:prstGeom prst="rect">
             <a:avLst/>
@@ -8637,7 +8638,7 @@
         <p:spPr>
           <a:xfrm>
             <a:off x="2520000" y="1350000"/>
-            <a:ext cx="5039280" cy="1889280"/>
+            <a:ext cx="5038920" cy="1888920"/>
           </a:xfrm>
           <a:prstGeom prst="wedgeRectCallout">
             <a:avLst>
@@ -8694,7 +8695,7 @@
         <p:spPr>
           <a:xfrm>
             <a:off x="3420000" y="5400000"/>
-            <a:ext cx="3239280" cy="269280"/>
+            <a:ext cx="3238920" cy="268920"/>
           </a:xfrm>
           <a:prstGeom prst="rect">
             <a:avLst/>
@@ -8766,7 +8767,7 @@
         <p:spPr>
           <a:xfrm>
             <a:off x="9180000" y="5130000"/>
-            <a:ext cx="719280" cy="539280"/>
+            <a:ext cx="718920" cy="538920"/>
           </a:xfrm>
           <a:prstGeom prst="rect">
             <a:avLst/>
@@ -8807,7 +8808,7 @@
                 <a:tab algn="l" pos="0"/>
               </a:tabLst>
             </a:pPr>
-            <a:fld id="{B6D78213-1E43-47A3-A03B-359D9D352E69}" type="slidenum">
+            <a:fld id="{46174D6D-59A6-4C61-83DB-73537B87C6F4}" type="slidenum">
               <a:rPr b="1" lang="ru-RU" sz="1800" spc="-1" strike="noStrike">
                 <a:solidFill>
                   <a:srgbClr val="ffffff"/>
@@ -8838,7 +8839,7 @@
         <p:spPr>
           <a:xfrm>
             <a:off x="360000" y="5400000"/>
-            <a:ext cx="2879280" cy="269280"/>
+            <a:ext cx="2878920" cy="268920"/>
           </a:xfrm>
           <a:prstGeom prst="rect">
             <a:avLst/>
@@ -9209,7 +9210,7 @@
         <p:spPr>
           <a:xfrm>
             <a:off x="360000" y="2828520"/>
-            <a:ext cx="9359280" cy="731160"/>
+            <a:ext cx="9358920" cy="730800"/>
           </a:xfrm>
           <a:prstGeom prst="rect">
             <a:avLst/>
@@ -9264,7 +9265,7 @@
         <p:spPr>
           <a:xfrm>
             <a:off x="360000" y="3915000"/>
-            <a:ext cx="9359280" cy="1484280"/>
+            <a:ext cx="9358920" cy="1483920"/>
           </a:xfrm>
           <a:prstGeom prst="rect">
             <a:avLst/>
@@ -9390,69 +9391,14 @@
       </p:grpSpPr>
       <p:sp>
         <p:nvSpPr>
-          <p:cNvPr id="169" name="PlaceHolder 1"/>
-          <p:cNvSpPr>
-            <a:spLocks noGrp="1"/>
-          </p:cNvSpPr>
-          <p:nvPr>
-            <p:ph type="title"/>
-          </p:nvPr>
-        </p:nvSpPr>
-        <p:spPr>
-          <a:xfrm>
-            <a:off x="-540000" y="0"/>
-            <a:ext cx="7559640" cy="1619280"/>
-          </a:xfrm>
-          <a:prstGeom prst="rect">
-            <a:avLst/>
-          </a:prstGeom>
-          <a:noFill/>
-          <a:ln w="0">
-            <a:noFill/>
-          </a:ln>
-        </p:spPr>
-        <p:txBody>
-          <a:bodyPr lIns="0" rIns="0" tIns="0" bIns="0" anchor="ctr">
-            <a:noAutofit/>
-          </a:bodyPr>
-          <a:p>
-            <a:pPr indent="0" algn="ctr">
-              <a:lnSpc>
-                <a:spcPct val="100000"/>
-              </a:lnSpc>
-              <a:buNone/>
-              <a:tabLst>
-                <a:tab algn="l" pos="0"/>
-              </a:tabLst>
-            </a:pPr>
-            <a:r>
-              <a:rPr b="1" lang="ru-RU" sz="2700" spc="-1" strike="noStrike">
-                <a:solidFill>
-                  <a:srgbClr val="ffffff"/>
-                </a:solidFill>
-                <a:latin typeface="Source Sans Pro Black"/>
-              </a:rPr>
-              <a:t>Пару слов о Positional Embeddings (PE)</a:t>
-            </a:r>
-            <a:endParaRPr b="0" lang="ru-RU" sz="2700" spc="-1" strike="noStrike">
-              <a:solidFill>
-                <a:srgbClr val="000000"/>
-              </a:solidFill>
-              <a:latin typeface="Arial"/>
-            </a:endParaRPr>
-          </a:p>
-        </p:txBody>
-      </p:sp>
-      <p:sp>
-        <p:nvSpPr>
-          <p:cNvPr id="170" name=""/>
+          <p:cNvPr id="164" name=""/>
           <p:cNvSpPr/>
           <p:nvPr/>
         </p:nvSpPr>
         <p:spPr>
           <a:xfrm>
-            <a:off x="180000" y="1897200"/>
-            <a:ext cx="10066680" cy="982440"/>
+            <a:off x="201960" y="360000"/>
+            <a:ext cx="5737320" cy="719280"/>
           </a:xfrm>
           <a:prstGeom prst="rect">
             <a:avLst/>
@@ -9479,77 +9425,34 @@
               </a:lnSpc>
             </a:pPr>
             <a:r>
-              <a:rPr b="1" lang="ru-RU" sz="2100" spc="-1" strike="noStrike">
+              <a:rPr b="1" lang="ru-RU" sz="2700" spc="-1" strike="noStrike">
                 <a:solidFill>
-                  <a:srgbClr val="000000"/>
+                  <a:srgbClr val="ffffff"/>
                 </a:solidFill>
-                <a:latin typeface="Arial"/>
+                <a:latin typeface="Source Sans Pro Black"/>
+                <a:ea typeface="DejaVu Sans"/>
               </a:rPr>
-              <a:t>Типы PE в MHSA:</a:t>
-            </a:r>
-            <a:endParaRPr b="0" lang="ru-RU" sz="2100" spc="-1" strike="noStrike">
-              <a:solidFill>
-                <a:srgbClr val="000000"/>
-              </a:solidFill>
-              <a:latin typeface="Arial"/>
-            </a:endParaRPr>
-          </a:p>
-          <a:p>
-            <a:pPr>
-              <a:lnSpc>
-                <a:spcPct val="100000"/>
-              </a:lnSpc>
-            </a:pPr>
-            <a:r>
-              <a:rPr b="1" lang="ru-RU" sz="2100" spc="-1" strike="noStrike">
-                <a:solidFill>
-                  <a:srgbClr val="000000"/>
-                </a:solidFill>
-                <a:latin typeface="Arial"/>
-              </a:rPr>
-              <a:t>1) Абсолютный</a:t>
-            </a:r>
-            <a:endParaRPr b="0" lang="ru-RU" sz="2100" spc="-1" strike="noStrike">
-              <a:solidFill>
-                <a:srgbClr val="000000"/>
-              </a:solidFill>
-              <a:latin typeface="Arial"/>
-            </a:endParaRPr>
-          </a:p>
-          <a:p>
-            <a:pPr>
-              <a:lnSpc>
-                <a:spcPct val="100000"/>
-              </a:lnSpc>
-            </a:pPr>
-            <a:r>
-              <a:rPr b="1" lang="ru-RU" sz="2100" spc="-1" strike="noStrike">
-                <a:solidFill>
-                  <a:srgbClr val="000000"/>
-                </a:solidFill>
-                <a:latin typeface="Arial"/>
-              </a:rPr>
-              <a:t>2)Относительный</a:t>
-            </a:r>
-            <a:endParaRPr b="0" lang="ru-RU" sz="2100" spc="-1" strike="noStrike">
-              <a:solidFill>
-                <a:srgbClr val="000000"/>
-              </a:solidFill>
-              <a:latin typeface="Arial"/>
-            </a:endParaRPr>
-          </a:p>
-        </p:txBody>
-      </p:sp>
-      <p:sp>
-        <p:nvSpPr>
-          <p:cNvPr id="171" name=""/>
+              <a:t>Маскированное внимание</a:t>
+            </a:r>
+            <a:endParaRPr b="0" lang="ru-RU" sz="2700" spc="-1" strike="noStrike">
+              <a:solidFill>
+                <a:srgbClr val="000000"/>
+              </a:solidFill>
+              <a:latin typeface="Arial"/>
+            </a:endParaRPr>
+          </a:p>
+        </p:txBody>
+      </p:sp>
+      <p:sp>
+        <p:nvSpPr>
+          <p:cNvPr id="165" name=""/>
           <p:cNvSpPr/>
           <p:nvPr/>
         </p:nvSpPr>
         <p:spPr>
           <a:xfrm>
-            <a:off x="180000" y="1357200"/>
-            <a:ext cx="3959640" cy="982440"/>
+            <a:off x="3780000" y="1560240"/>
+            <a:ext cx="1619280" cy="959040"/>
           </a:xfrm>
           <a:prstGeom prst="rect">
             <a:avLst/>
@@ -9576,88 +9479,45 @@
               </a:lnSpc>
             </a:pPr>
             <a:r>
-              <a:rPr b="1" lang="ru-RU" sz="2400" spc="-1" strike="noStrike">
+              <a:rPr b="1" lang="ru-RU" sz="3600" spc="-1" strike="noStrike">
                 <a:solidFill>
-                  <a:srgbClr val="000000"/>
+                  <a:srgbClr val="2c3e50"/>
                 </a:solidFill>
-                <a:latin typeface="Arial"/>
+                <a:latin typeface="Source Sans Pro Semibold"/>
+                <a:ea typeface="DejaVu Sans"/>
               </a:rPr>
-              <a:t>Что это и зачем оно?</a:t>
-            </a:r>
-            <a:endParaRPr b="0" lang="ru-RU" sz="2400" spc="-1" strike="noStrike">
-              <a:solidFill>
-                <a:srgbClr val="000000"/>
-              </a:solidFill>
-              <a:latin typeface="Arial"/>
-            </a:endParaRPr>
-          </a:p>
-        </p:txBody>
-      </p:sp>
-      <p:pic>
-        <p:nvPicPr>
-          <p:cNvPr id="172" name="" descr=""/>
-          <p:cNvPicPr/>
-          <p:nvPr/>
-        </p:nvPicPr>
-        <p:blipFill>
-          <a:blip r:embed="rId1"/>
-          <a:stretch/>
-        </p:blipFill>
-        <p:spPr>
-          <a:xfrm>
-            <a:off x="3960000" y="1620000"/>
-            <a:ext cx="5399640" cy="1117440"/>
-          </a:xfrm>
-          <a:prstGeom prst="rect">
-            <a:avLst/>
-          </a:prstGeom>
-          <a:ln w="0">
-            <a:noFill/>
-          </a:ln>
-        </p:spPr>
-      </p:pic>
-      <p:pic>
-        <p:nvPicPr>
-          <p:cNvPr id="173" name="" descr=""/>
-          <p:cNvPicPr/>
-          <p:nvPr/>
-        </p:nvPicPr>
-        <p:blipFill>
-          <a:blip r:embed="rId2"/>
-          <a:stretch/>
-        </p:blipFill>
-        <p:spPr>
-          <a:xfrm>
-            <a:off x="180000" y="3938760"/>
-            <a:ext cx="6987960" cy="1100880"/>
-          </a:xfrm>
-          <a:prstGeom prst="rect">
-            <a:avLst/>
-          </a:prstGeom>
-          <a:ln w="0">
-            <a:noFill/>
-          </a:ln>
-        </p:spPr>
-      </p:pic>
-      <p:sp>
-        <p:nvSpPr>
-          <p:cNvPr id="174" name=""/>
+              <a:t>Маски</a:t>
+            </a:r>
+            <a:endParaRPr b="0" lang="ru-RU" sz="3600" spc="-1" strike="noStrike">
+              <a:solidFill>
+                <a:srgbClr val="000000"/>
+              </a:solidFill>
+              <a:latin typeface="Arial"/>
+            </a:endParaRPr>
+          </a:p>
+        </p:txBody>
+      </p:sp>
+      <p:sp>
+        <p:nvSpPr>
+          <p:cNvPr id="166" name=""/>
           <p:cNvSpPr/>
           <p:nvPr/>
         </p:nvSpPr>
         <p:spPr>
           <a:xfrm>
-            <a:off x="5580000" y="4320000"/>
-            <a:ext cx="900000" cy="360000"/>
-          </a:xfrm>
-          <a:prstGeom prst="line">
-            <a:avLst/>
-          </a:prstGeom>
+            <a:off x="1440000" y="2700000"/>
+            <a:ext cx="3059280" cy="899280"/>
+          </a:xfrm>
+          <a:prstGeom prst="rect">
+            <a:avLst/>
+          </a:prstGeom>
+          <a:solidFill>
+            <a:schemeClr val="accent1"/>
+          </a:solidFill>
           <a:ln w="0">
             <a:solidFill>
-              <a:srgbClr val="3465a4"/>
+              <a:srgbClr val="254061"/>
             </a:solidFill>
-            <a:tailEnd len="med" type="triangle" w="med"/>
           </a:ln>
         </p:spPr>
         <p:style>
@@ -9671,6 +9531,11 @@
             <a:noAutofit/>
           </a:bodyPr>
           <a:p>
+            <a:pPr>
+              <a:lnSpc>
+                <a:spcPct val="100000"/>
+              </a:lnSpc>
+            </a:pPr>
             <a:endParaRPr b="0" lang="ru-RU" sz="1800" spc="-1" strike="noStrike">
               <a:solidFill>
                 <a:srgbClr val="000000"/>
@@ -9683,21 +9548,25 @@
       </p:sp>
       <p:sp>
         <p:nvSpPr>
-          <p:cNvPr id="175" name=""/>
+          <p:cNvPr id="167" name=""/>
           <p:cNvSpPr/>
           <p:nvPr/>
         </p:nvSpPr>
         <p:spPr>
           <a:xfrm>
-            <a:off x="6480000" y="4462920"/>
-            <a:ext cx="3369960" cy="936720"/>
-          </a:xfrm>
-          <a:prstGeom prst="rect">
-            <a:avLst/>
-          </a:prstGeom>
-          <a:noFill/>
+            <a:off x="4860000" y="2700000"/>
+            <a:ext cx="2879280" cy="899280"/>
+          </a:xfrm>
+          <a:prstGeom prst="rect">
+            <a:avLst/>
+          </a:prstGeom>
+          <a:solidFill>
+            <a:schemeClr val="accent1"/>
+          </a:solidFill>
           <a:ln w="0">
-            <a:noFill/>
+            <a:solidFill>
+              <a:srgbClr val="254061"/>
+            </a:solidFill>
           </a:ln>
         </p:spPr>
         <p:style>
@@ -9707,25 +9576,80 @@
           <a:fontRef idx="minor"/>
         </p:style>
         <p:txBody>
-          <a:bodyPr lIns="90000" rIns="90000" tIns="45000" bIns="45000" anchor="t">
+          <a:bodyPr lIns="90000" rIns="90000" tIns="45000" bIns="45000" anchor="ctr">
             <a:noAutofit/>
           </a:bodyPr>
           <a:p>
-            <a:pPr>
+            <a:pPr algn="ctr">
               <a:lnSpc>
                 <a:spcPct val="100000"/>
               </a:lnSpc>
             </a:pPr>
             <a:r>
-              <a:rPr b="1" lang="ru-RU" sz="1500" spc="-1" strike="noStrike">
+              <a:rPr b="1" lang="ru-RU" sz="1800" spc="-1" strike="noStrike">
                 <a:solidFill>
-                  <a:srgbClr val="000000"/>
+                  <a:srgbClr val="ffffff"/>
                 </a:solidFill>
                 <a:latin typeface="Arial"/>
+                <a:ea typeface="DejaVu Sans"/>
               </a:rPr>
-              <a:t>Добавление показывает дистанцию между элементом запроса к позиции последовательности </a:t>
-            </a:r>
-            <a:endParaRPr b="0" lang="ru-RU" sz="1500" spc="-1" strike="noStrike">
+              <a:t>Вещественная(attn_mask)[N,M]</a:t>
+            </a:r>
+            <a:endParaRPr b="0" lang="ru-RU" sz="1800" spc="-1" strike="noStrike">
+              <a:solidFill>
+                <a:srgbClr val="000000"/>
+              </a:solidFill>
+              <a:latin typeface="Arial"/>
+            </a:endParaRPr>
+          </a:p>
+        </p:txBody>
+      </p:sp>
+      <p:sp>
+        <p:nvSpPr>
+          <p:cNvPr id="168" name=""/>
+          <p:cNvSpPr/>
+          <p:nvPr/>
+        </p:nvSpPr>
+        <p:spPr>
+          <a:xfrm>
+            <a:off x="1440000" y="2700000"/>
+            <a:ext cx="3059280" cy="1068120"/>
+          </a:xfrm>
+          <a:prstGeom prst="rect">
+            <a:avLst/>
+          </a:prstGeom>
+          <a:noFill/>
+          <a:ln w="0">
+            <a:noFill/>
+          </a:ln>
+        </p:spPr>
+        <p:style>
+          <a:lnRef idx="0"/>
+          <a:fillRef idx="0"/>
+          <a:effectRef idx="0"/>
+          <a:fontRef idx="minor"/>
+        </p:style>
+        <p:txBody>
+          <a:bodyPr lIns="90000" rIns="90000" tIns="45000" bIns="45000" anchor="t">
+            <a:noAutofit/>
+          </a:bodyPr>
+          <a:p>
+            <a:pPr algn="ctr">
+              <a:lnSpc>
+                <a:spcPct val="100000"/>
+              </a:lnSpc>
+            </a:pPr>
+            <a:r>
+              <a:rPr b="1" lang="ru-RU" sz="1800" spc="-1" strike="noStrike">
+                <a:solidFill>
+                  <a:srgbClr val="ffffff"/>
+                </a:solidFill>
+                <a:latin typeface="Arial"/>
+                <a:ea typeface="DejaVu Sans"/>
+              </a:rPr>
+              <a:t>Булева маска(key_padding mask)[B,M]</a:t>
+            </a:r>
+            <a:endParaRPr b="0" lang="ru-RU" sz="1800" spc="-1" strike="noStrike">
               <a:solidFill>
                 <a:srgbClr val="000000"/>
               </a:solidFill>
@@ -9747,102 +9671,40 @@
   <p:timing>
     <p:tnLst>
       <p:par>
-        <p:cTn id="87" dur="indefinite" restart="never" nodeType="tmRoot">
+        <p:cTn id="65" dur="indefinite" restart="never" nodeType="tmRoot">
           <p:childTnLst>
             <p:seq>
-              <p:cTn id="88" dur="indefinite" nodeType="mainSeq">
+              <p:cTn id="66" dur="indefinite" nodeType="mainSeq">
                 <p:childTnLst>
                   <p:par>
-                    <p:cTn id="89" fill="hold">
+                    <p:cTn id="67" fill="hold">
                       <p:stCondLst>
                         <p:cond delay="indefinite"/>
                       </p:stCondLst>
                       <p:childTnLst>
                         <p:par>
-                          <p:cTn id="90" fill="hold">
+                          <p:cTn id="68" fill="hold">
                             <p:stCondLst>
                               <p:cond delay="0"/>
                             </p:stCondLst>
                             <p:childTnLst>
                               <p:par>
-                                <p:cTn id="91" nodeType="clickEffect" fill="hold" presetClass="entr" presetID="1">
+                                <p:cTn id="69" nodeType="clickEffect" fill="hold" presetClass="entr" presetID="1">
                                   <p:stCondLst>
                                     <p:cond delay="0"/>
                                   </p:stCondLst>
                                   <p:childTnLst>
                                     <p:set>
                                       <p:cBhvr>
-                                        <p:cTn id="92" dur="1" fill="hold">
+                                        <p:cTn id="70" dur="1" fill="hold">
                                           <p:stCondLst>
                                             <p:cond delay="0"/>
                                           </p:stCondLst>
                                         </p:cTn>
                                         <p:tgtEl>
-                                          <p:spTgt spid="170">
+                                          <p:spTgt spid="168">
                                             <p:txEl>
                                               <p:pRg st="0" end="0"/>
-                                            </p:txEl>
-                                          </p:spTgt>
-                                        </p:tgtEl>
-                                        <p:attrNameLst>
-                                          <p:attrName>style.visibility</p:attrName>
-                                        </p:attrNameLst>
-                                      </p:cBhvr>
-                                      <p:to>
-                                        <p:strVal val="visible"/>
-                                      </p:to>
-                                    </p:set>
-                                  </p:childTnLst>
-                                </p:cTn>
-                              </p:par>
-                              <p:par>
-                                <p:cTn id="93" nodeType="withEffect" fill="hold" presetClass="entr" presetID="1">
-                                  <p:stCondLst>
-                                    <p:cond delay="0"/>
-                                  </p:stCondLst>
-                                  <p:childTnLst>
-                                    <p:set>
-                                      <p:cBhvr>
-                                        <p:cTn id="94" dur="1" fill="hold">
-                                          <p:stCondLst>
-                                            <p:cond delay="0"/>
-                                          </p:stCondLst>
-                                        </p:cTn>
-                                        <p:tgtEl>
-                                          <p:spTgt spid="170">
-                                            <p:txEl>
-                                              <p:pRg st="1" end="1"/>
-                                            </p:txEl>
-                                          </p:spTgt>
-                                        </p:tgtEl>
-                                        <p:attrNameLst>
-                                          <p:attrName>style.visibility</p:attrName>
-                                        </p:attrNameLst>
-                                      </p:cBhvr>
-                                      <p:to>
-                                        <p:strVal val="visible"/>
-                                      </p:to>
-                                    </p:set>
-                                  </p:childTnLst>
-                                </p:cTn>
-                              </p:par>
-                              <p:par>
-                                <p:cTn id="95" nodeType="withEffect" fill="hold" presetClass="entr" presetID="1">
-                                  <p:stCondLst>
-                                    <p:cond delay="0"/>
-                                  </p:stCondLst>
-                                  <p:childTnLst>
-                                    <p:set>
-                                      <p:cBhvr>
-                                        <p:cTn id="96" dur="1" fill="hold">
-                                          <p:stCondLst>
-                                            <p:cond delay="0"/>
-                                          </p:stCondLst>
-                                        </p:cTn>
-                                        <p:tgtEl>
-                                          <p:spTgt spid="170">
-                                            <p:txEl>
-                                              <p:pRg st="2" end="2"/>
                                             </p:txEl>
                                           </p:spTgt>
                                         </p:tgtEl>
@@ -9864,131 +9726,32 @@
                     </p:cTn>
                   </p:par>
                   <p:par>
-                    <p:cTn id="97" fill="hold">
+                    <p:cTn id="71" fill="hold">
                       <p:stCondLst>
                         <p:cond delay="indefinite"/>
                       </p:stCondLst>
                       <p:childTnLst>
                         <p:par>
-                          <p:cTn id="98" fill="hold">
+                          <p:cTn id="72" fill="hold">
                             <p:stCondLst>
                               <p:cond delay="0"/>
                             </p:stCondLst>
                             <p:childTnLst>
                               <p:par>
-                                <p:cTn id="99" nodeType="clickEffect" fill="hold" presetClass="entr" presetID="1">
+                                <p:cTn id="73" nodeType="clickEffect" fill="hold" presetClass="entr" presetID="1">
                                   <p:stCondLst>
                                     <p:cond delay="0"/>
                                   </p:stCondLst>
                                   <p:childTnLst>
                                     <p:set>
                                       <p:cBhvr>
-                                        <p:cTn id="100" dur="1" fill="hold">
+                                        <p:cTn id="74" dur="1" fill="hold">
                                           <p:stCondLst>
                                             <p:cond delay="0"/>
                                           </p:stCondLst>
                                         </p:cTn>
                                         <p:tgtEl>
-                                          <p:spTgt spid="172"/>
-                                        </p:tgtEl>
-                                        <p:attrNameLst>
-                                          <p:attrName>style.visibility</p:attrName>
-                                        </p:attrNameLst>
-                                      </p:cBhvr>
-                                      <p:to>
-                                        <p:strVal val="visible"/>
-                                      </p:to>
-                                    </p:set>
-                                  </p:childTnLst>
-                                </p:cTn>
-                              </p:par>
-                            </p:childTnLst>
-                          </p:cTn>
-                        </p:par>
-                      </p:childTnLst>
-                    </p:cTn>
-                  </p:par>
-                  <p:par>
-                    <p:cTn id="101" fill="hold">
-                      <p:stCondLst>
-                        <p:cond delay="indefinite"/>
-                      </p:stCondLst>
-                      <p:childTnLst>
-                        <p:par>
-                          <p:cTn id="102" fill="hold">
-                            <p:stCondLst>
-                              <p:cond delay="0"/>
-                            </p:stCondLst>
-                            <p:childTnLst>
-                              <p:par>
-                                <p:cTn id="103" nodeType="clickEffect" fill="hold" presetClass="entr" presetID="1">
-                                  <p:stCondLst>
-                                    <p:cond delay="0"/>
-                                  </p:stCondLst>
-                                  <p:childTnLst>
-                                    <p:set>
-                                      <p:cBhvr>
-                                        <p:cTn id="104" dur="1" fill="hold">
-                                          <p:stCondLst>
-                                            <p:cond delay="0"/>
-                                          </p:stCondLst>
-                                        </p:cTn>
-                                        <p:tgtEl>
-                                          <p:spTgt spid="173"/>
-                                        </p:tgtEl>
-                                        <p:attrNameLst>
-                                          <p:attrName>style.visibility</p:attrName>
-                                        </p:attrNameLst>
-                                      </p:cBhvr>
-                                      <p:to>
-                                        <p:strVal val="visible"/>
-                                      </p:to>
-                                    </p:set>
-                                  </p:childTnLst>
-                                </p:cTn>
-                              </p:par>
-                              <p:par>
-                                <p:cTn id="105" nodeType="withEffect" fill="hold" presetClass="entr" presetID="1">
-                                  <p:stCondLst>
-                                    <p:cond delay="0"/>
-                                  </p:stCondLst>
-                                  <p:childTnLst>
-                                    <p:set>
-                                      <p:cBhvr>
-                                        <p:cTn id="106" dur="1" fill="hold">
-                                          <p:stCondLst>
-                                            <p:cond delay="0"/>
-                                          </p:stCondLst>
-                                        </p:cTn>
-                                        <p:tgtEl>
-                                          <p:spTgt spid="174"/>
-                                        </p:tgtEl>
-                                        <p:attrNameLst>
-                                          <p:attrName>style.visibility</p:attrName>
-                                        </p:attrNameLst>
-                                      </p:cBhvr>
-                                      <p:to>
-                                        <p:strVal val="visible"/>
-                                      </p:to>
-                                    </p:set>
-                                  </p:childTnLst>
-                                </p:cTn>
-                              </p:par>
-                              <p:par>
-                                <p:cTn id="107" nodeType="withEffect" fill="hold" presetClass="entr" presetID="1">
-                                  <p:stCondLst>
-                                    <p:cond delay="0"/>
-                                  </p:stCondLst>
-                                  <p:childTnLst>
-                                    <p:set>
-                                      <p:cBhvr>
-                                        <p:cTn id="108" dur="1" fill="hold">
-                                          <p:stCondLst>
-                                            <p:cond delay="0"/>
-                                          </p:stCondLst>
-                                        </p:cTn>
-                                        <p:tgtEl>
-                                          <p:spTgt spid="175"/>
+                                          <p:spTgt spid="167"/>
                                         </p:tgtEl>
                                         <p:attrNameLst>
                                           <p:attrName>style.visibility</p:attrName>
@@ -10051,7 +9814,7 @@
       </p:grpSpPr>
       <p:sp>
         <p:nvSpPr>
-          <p:cNvPr id="176" name="PlaceHolder 1"/>
+          <p:cNvPr id="169" name="PlaceHolder 1"/>
           <p:cNvSpPr>
             <a:spLocks noGrp="1"/>
           </p:cNvSpPr>
@@ -10061,8 +9824,8 @@
         </p:nvSpPr>
         <p:spPr>
           <a:xfrm>
-            <a:off x="360000" y="225720"/>
-            <a:ext cx="9359280" cy="718200"/>
+            <a:off x="-540000" y="0"/>
+            <a:ext cx="7559280" cy="1618920"/>
           </a:xfrm>
           <a:prstGeom prst="rect">
             <a:avLst/>
@@ -10077,7 +9840,7 @@
             <a:noAutofit/>
           </a:bodyPr>
           <a:p>
-            <a:pPr indent="0">
+            <a:pPr indent="0" algn="ctr">
               <a:lnSpc>
                 <a:spcPct val="100000"/>
               </a:lnSpc>
@@ -10093,7 +9856,7 @@
                 </a:solidFill>
                 <a:latin typeface="Source Sans Pro Black"/>
               </a:rPr>
-              <a:t>Encoder and Decoder</a:t>
+              <a:t>Пару слов о Positional Embeddings (PE)</a:t>
             </a:r>
             <a:endParaRPr b="0" lang="ru-RU" sz="2700" spc="-1" strike="noStrike">
               <a:solidFill>
@@ -10106,18 +9869,14 @@
       </p:sp>
       <p:sp>
         <p:nvSpPr>
-          <p:cNvPr id="177" name="PlaceHolder 2"/>
-          <p:cNvSpPr>
-            <a:spLocks noGrp="1"/>
-          </p:cNvSpPr>
-          <p:nvPr>
-            <p:ph/>
-          </p:nvPr>
-        </p:nvSpPr>
-        <p:spPr>
-          <a:xfrm>
-            <a:off x="360000" y="1485000"/>
-            <a:ext cx="9359280" cy="3779280"/>
+          <p:cNvPr id="170" name=""/>
+          <p:cNvSpPr/>
+          <p:nvPr/>
+        </p:nvSpPr>
+        <p:spPr>
+          <a:xfrm>
+            <a:off x="180000" y="1897200"/>
+            <a:ext cx="10066320" cy="982080"/>
           </a:xfrm>
           <a:prstGeom prst="rect">
             <a:avLst/>
@@ -10127,33 +9886,131 @@
             <a:noFill/>
           </a:ln>
         </p:spPr>
-        <p:txBody>
-          <a:bodyPr lIns="0" rIns="0" tIns="0" bIns="0" anchor="t">
-            <a:normAutofit/>
-          </a:bodyPr>
-          <a:p>
-            <a:pPr marL="432000" indent="-324000">
+        <p:style>
+          <a:lnRef idx="0"/>
+          <a:fillRef idx="0"/>
+          <a:effectRef idx="0"/>
+          <a:fontRef idx="minor"/>
+        </p:style>
+        <p:txBody>
+          <a:bodyPr lIns="90000" rIns="90000" tIns="45000" bIns="45000" anchor="t">
+            <a:noAutofit/>
+          </a:bodyPr>
+          <a:p>
+            <a:pPr>
               <a:lnSpc>
                 <a:spcPct val="100000"/>
               </a:lnSpc>
-              <a:spcAft>
-                <a:spcPts val="1057"/>
-              </a:spcAft>
-              <a:buClr>
-                <a:srgbClr val="2c3e50"/>
-              </a:buClr>
-              <a:buSzPct val="45000"/>
-              <a:buFont typeface="Wingdings" charset="2"/>
-              <a:buChar char=""/>
-            </a:pPr>
-            <a:r>
-              <a:rPr b="1" lang="ru-RU" sz="2400" spc="-1" strike="noStrike">
+            </a:pPr>
+            <a:r>
+              <a:rPr b="0" lang="ru-RU" sz="2100" spc="-1" strike="noStrike">
                 <a:solidFill>
-                  <a:srgbClr val="2c3e50"/>
+                  <a:srgbClr val="000000"/>
                 </a:solidFill>
-                <a:latin typeface="Source Sans Pro Semibold"/>
+                <a:latin typeface="Arial"/>
+                <a:ea typeface="DejaVu Sans"/>
               </a:rPr>
-              <a:t>Что это? Кратко говоря, две RNN</a:t>
+              <a:t>Типы PE в MHSA:</a:t>
+            </a:r>
+            <a:endParaRPr b="0" lang="ru-RU" sz="2100" spc="-1" strike="noStrike">
+              <a:solidFill>
+                <a:srgbClr val="000000"/>
+              </a:solidFill>
+              <a:latin typeface="Arial"/>
+            </a:endParaRPr>
+          </a:p>
+          <a:p>
+            <a:pPr>
+              <a:lnSpc>
+                <a:spcPct val="100000"/>
+              </a:lnSpc>
+            </a:pPr>
+            <a:r>
+              <a:rPr b="0" lang="ru-RU" sz="2100" spc="-1" strike="noStrike">
+                <a:solidFill>
+                  <a:srgbClr val="000000"/>
+                </a:solidFill>
+                <a:latin typeface="Arial"/>
+                <a:ea typeface="DejaVu Sans"/>
+              </a:rPr>
+              <a:t>1) Абсолютный</a:t>
+            </a:r>
+            <a:endParaRPr b="0" lang="ru-RU" sz="2100" spc="-1" strike="noStrike">
+              <a:solidFill>
+                <a:srgbClr val="000000"/>
+              </a:solidFill>
+              <a:latin typeface="Arial"/>
+            </a:endParaRPr>
+          </a:p>
+          <a:p>
+            <a:pPr>
+              <a:lnSpc>
+                <a:spcPct val="100000"/>
+              </a:lnSpc>
+            </a:pPr>
+            <a:r>
+              <a:rPr b="0" lang="ru-RU" sz="2100" spc="-1" strike="noStrike">
+                <a:solidFill>
+                  <a:srgbClr val="000000"/>
+                </a:solidFill>
+                <a:latin typeface="Arial"/>
+                <a:ea typeface="DejaVu Sans"/>
+              </a:rPr>
+              <a:t>2)Относительный</a:t>
+            </a:r>
+            <a:endParaRPr b="0" lang="ru-RU" sz="2100" spc="-1" strike="noStrike">
+              <a:solidFill>
+                <a:srgbClr val="000000"/>
+              </a:solidFill>
+              <a:latin typeface="Arial"/>
+            </a:endParaRPr>
+          </a:p>
+        </p:txBody>
+      </p:sp>
+      <p:sp>
+        <p:nvSpPr>
+          <p:cNvPr id="171" name=""/>
+          <p:cNvSpPr/>
+          <p:nvPr/>
+        </p:nvSpPr>
+        <p:spPr>
+          <a:xfrm>
+            <a:off x="180000" y="1357200"/>
+            <a:ext cx="3959280" cy="982080"/>
+          </a:xfrm>
+          <a:prstGeom prst="rect">
+            <a:avLst/>
+          </a:prstGeom>
+          <a:noFill/>
+          <a:ln w="0">
+            <a:noFill/>
+          </a:ln>
+        </p:spPr>
+        <p:style>
+          <a:lnRef idx="0"/>
+          <a:fillRef idx="0"/>
+          <a:effectRef idx="0"/>
+          <a:fontRef idx="minor"/>
+        </p:style>
+        <p:txBody>
+          <a:bodyPr lIns="90000" rIns="90000" tIns="45000" bIns="45000" anchor="t">
+            <a:noAutofit/>
+          </a:bodyPr>
+          <a:p>
+            <a:pPr>
+              <a:lnSpc>
+                <a:spcPct val="100000"/>
+              </a:lnSpc>
+            </a:pPr>
+            <a:r>
+              <a:rPr b="0" lang="ru-RU" sz="2400" spc="-1" strike="noStrike">
+                <a:solidFill>
+                  <a:srgbClr val="000000"/>
+                </a:solidFill>
+                <a:latin typeface="Arial"/>
+                <a:ea typeface="DejaVu Sans"/>
+              </a:rPr>
+              <a:t>Что это и зачем оно?</a:t>
             </a:r>
             <a:endParaRPr b="0" lang="ru-RU" sz="2400" spc="-1" strike="noStrike">
               <a:solidFill>
@@ -10164,29 +10021,385 @@
           </a:p>
         </p:txBody>
       </p:sp>
-      <p:pic>
-        <p:nvPicPr>
-          <p:cNvPr id="178" name="" descr=""/>
-          <p:cNvPicPr/>
+      <p:sp>
+        <p:nvSpPr>
+          <p:cNvPr id="172" name=""/>
+          <p:cNvSpPr/>
           <p:nvPr/>
-        </p:nvPicPr>
-        <p:blipFill>
-          <a:blip r:embed="rId1"/>
-          <a:stretch/>
-        </p:blipFill>
-        <p:spPr>
-          <a:xfrm>
-            <a:off x="1837440" y="1980000"/>
-            <a:ext cx="5541840" cy="2674800"/>
-          </a:xfrm>
-          <a:prstGeom prst="rect">
-            <a:avLst/>
-          </a:prstGeom>
-          <a:ln w="10800">
-            <a:noFill/>
-          </a:ln>
-        </p:spPr>
-      </p:pic>
+        </p:nvSpPr>
+        <p:spPr>
+          <a:xfrm>
+            <a:off x="4680000" y="3780000"/>
+            <a:ext cx="3369600" cy="936360"/>
+          </a:xfrm>
+          <a:prstGeom prst="rect">
+            <a:avLst/>
+          </a:prstGeom>
+          <a:noFill/>
+          <a:ln w="0">
+            <a:noFill/>
+          </a:ln>
+        </p:spPr>
+        <p:style>
+          <a:lnRef idx="0"/>
+          <a:fillRef idx="0"/>
+          <a:effectRef idx="0"/>
+          <a:fontRef idx="minor"/>
+        </p:style>
+        <p:txBody>
+          <a:bodyPr lIns="90000" rIns="90000" tIns="45000" bIns="45000" anchor="t">
+            <a:noAutofit/>
+          </a:bodyPr>
+          <a:p>
+            <a:pPr>
+              <a:lnSpc>
+                <a:spcPct val="100000"/>
+              </a:lnSpc>
+            </a:pPr>
+            <a:r>
+              <a:rPr b="0" lang="ru-RU" sz="1500" spc="-1" strike="noStrike">
+                <a:solidFill>
+                  <a:srgbClr val="000000"/>
+                </a:solidFill>
+                <a:latin typeface="Arial"/>
+                <a:ea typeface="DejaVu Sans"/>
+              </a:rPr>
+              <a:t>Добавление показывает дистанцию между элементом запроса к позиции последовательности </a:t>
+            </a:r>
+            <a:endParaRPr b="0" lang="ru-RU" sz="1500" spc="-1" strike="noStrike">
+              <a:solidFill>
+                <a:srgbClr val="000000"/>
+              </a:solidFill>
+              <a:latin typeface="Arial"/>
+            </a:endParaRPr>
+          </a:p>
+        </p:txBody>
+      </p:sp>
+      <mc:AlternateContent>
+        <mc:Choice xmlns:a14="http://schemas.microsoft.com/office/drawing/2010/main" Requires="a14">
+          <p:sp>
+            <p:nvSpPr>
+              <p:cNvPr id="173" name=""/>
+              <p:cNvSpPr txBox="1"/>
+              <p:nvPr/>
+            </p:nvSpPr>
+            <p:spPr>
+              <a:xfrm>
+                <a:off x="4456800" y="1374480"/>
+                <a:ext cx="3643200" cy="1325520"/>
+              </a:xfrm>
+              <a:prstGeom prst="rect">
+                <a:avLst/>
+              </a:prstGeom>
+            </p:spPr>
+            <p:txBody>
+              <a:bodyPr/>
+              <a:p>
+                <a14:m>
+                  <m:oMath xmlns:m="http://schemas.openxmlformats.org/officeDocument/2006/math">
+                    <m:r>
+                      <m:t xml:space="preserve">Attn</m:t>
+                    </m:r>
+                    <m:d>
+                      <m:dPr>
+                        <m:begChr m:val="("/>
+                        <m:endChr m:val=")"/>
+                      </m:dPr>
+                      <m:e>
+                        <m:r>
+                          <m:t xml:space="preserve">Q</m:t>
+                        </m:r>
+                        <m:r>
+                          <m:t xml:space="preserve">,</m:t>
+                        </m:r>
+                        <m:r>
+                          <m:t xml:space="preserve">K</m:t>
+                        </m:r>
+                        <m:r>
+                          <m:t xml:space="preserve">,</m:t>
+                        </m:r>
+                        <m:r>
+                          <m:t xml:space="preserve">V</m:t>
+                        </m:r>
+                      </m:e>
+                    </m:d>
+                    <m:r>
+                      <m:t xml:space="preserve">=</m:t>
+                    </m:r>
+                    <m:r>
+                      <m:t xml:space="preserve">softmax</m:t>
+                    </m:r>
+                    <m:d>
+                      <m:dPr>
+                        <m:begChr m:val="("/>
+                        <m:endChr m:val=")"/>
+                      </m:dPr>
+                      <m:e>
+                        <m:f>
+                          <m:num>
+                            <m:d>
+                              <m:dPr>
+                                <m:begChr m:val="("/>
+                                <m:endChr m:val=")"/>
+                              </m:dPr>
+                              <m:e>
+                                <m:sSup>
+                                  <m:e>
+                                    <m:r>
+                                      <m:t xml:space="preserve">QK</m:t>
+                                    </m:r>
+                                  </m:e>
+                                  <m:sup>
+                                    <m:r>
+                                      <m:t xml:space="preserve">T</m:t>
+                                    </m:r>
+                                  </m:sup>
+                                </m:sSup>
+                                <m:r>
+                                  <m:t xml:space="preserve">+</m:t>
+                                </m:r>
+                                <m:r>
+                                  <m:t xml:space="preserve">QR</m:t>
+                                </m:r>
+                              </m:e>
+                            </m:d>
+                          </m:num>
+                          <m:den>
+                            <m:rad>
+                              <m:radPr>
+                                <m:degHide m:val="1"/>
+                              </m:radPr>
+                              <m:deg/>
+                              <m:e>
+                                <m:d>
+                                  <m:dPr>
+                                    <m:begChr m:val="("/>
+                                    <m:endChr m:val=")"/>
+                                  </m:dPr>
+                                  <m:e>
+                                    <m:r>
+                                      <m:t xml:space="preserve">E</m:t>
+                                    </m:r>
+                                  </m:e>
+                                </m:d>
+                              </m:e>
+                            </m:rad>
+                          </m:den>
+                        </m:f>
+                      </m:e>
+                    </m:d>
+                  </m:oMath>
+                </a14:m>
+              </a:p>
+            </p:txBody>
+          </p:sp>
+        </mc:Choice>
+        <mc:Fallback/>
+      </mc:AlternateContent>
+      <mc:AlternateContent>
+        <mc:Choice xmlns:a14="http://schemas.microsoft.com/office/drawing/2010/main" Requires="a14">
+          <p:sp>
+            <p:nvSpPr>
+              <p:cNvPr id="174" name=""/>
+              <p:cNvSpPr txBox="1"/>
+              <p:nvPr/>
+            </p:nvSpPr>
+            <p:spPr>
+              <a:xfrm>
+                <a:off x="907560" y="3861360"/>
+                <a:ext cx="3232440" cy="1358640"/>
+              </a:xfrm>
+              <a:prstGeom prst="rect">
+                <a:avLst/>
+              </a:prstGeom>
+            </p:spPr>
+            <p:txBody>
+              <a:bodyPr/>
+              <a:p>
+                <a14:m>
+                  <m:oMath xmlns:m="http://schemas.openxmlformats.org/officeDocument/2006/math">
+                    <m:sSub>
+                      <m:e>
+                        <m:r>
+                          <m:t xml:space="preserve">e</m:t>
+                        </m:r>
+                      </m:e>
+                      <m:sub>
+                        <m:r>
+                          <m:t xml:space="preserve">ij</m:t>
+                        </m:r>
+                      </m:sub>
+                    </m:sSub>
+                    <m:r>
+                      <m:t xml:space="preserve">=</m:t>
+                    </m:r>
+                    <m:f>
+                      <m:num>
+                        <m:d>
+                          <m:dPr>
+                            <m:begChr m:val="("/>
+                            <m:endChr m:val=")"/>
+                          </m:dPr>
+                          <m:e>
+                            <m:sSub>
+                              <m:e>
+                                <m:r>
+                                  <m:t xml:space="preserve">x</m:t>
+                                </m:r>
+                              </m:e>
+                              <m:sub>
+                                <m:r>
+                                  <m:t xml:space="preserve">i</m:t>
+                                </m:r>
+                              </m:sub>
+                            </m:sSub>
+                            <m:sSup>
+                              <m:e>
+                                <m:r>
+                                  <m:t xml:space="preserve">W</m:t>
+                                </m:r>
+                              </m:e>
+                              <m:sup>
+                                <m:r>
+                                  <m:t xml:space="preserve">Q</m:t>
+                                </m:r>
+                              </m:sup>
+                            </m:sSup>
+                            <m:sSup>
+                              <m:e>
+                                <m:d>
+                                  <m:dPr>
+                                    <m:begChr m:val="("/>
+                                    <m:endChr m:val=")"/>
+                                  </m:dPr>
+                                  <m:e>
+                                    <m:sSub>
+                                      <m:e>
+                                        <m:r>
+                                          <m:t xml:space="preserve">x</m:t>
+                                        </m:r>
+                                      </m:e>
+                                      <m:sub>
+                                        <m:r>
+                                          <m:t xml:space="preserve">j</m:t>
+                                        </m:r>
+                                      </m:sub>
+                                    </m:sSub>
+                                    <m:sSup>
+                                      <m:e>
+                                        <m:r>
+                                          <m:t xml:space="preserve">W</m:t>
+                                        </m:r>
+                                      </m:e>
+                                      <m:sup>
+                                        <m:r>
+                                          <m:t xml:space="preserve">K</m:t>
+                                        </m:r>
+                                      </m:sup>
+                                    </m:sSup>
+                                  </m:e>
+                                </m:d>
+                              </m:e>
+                              <m:sup>
+                                <m:r>
+                                  <m:t xml:space="preserve">T</m:t>
+                                </m:r>
+                              </m:sup>
+                            </m:sSup>
+                            <m:r>
+                              <m:t xml:space="preserve">+</m:t>
+                            </m:r>
+                            <m:sSub>
+                              <m:e>
+                                <m:r>
+                                  <m:t xml:space="preserve">x</m:t>
+                                </m:r>
+                              </m:e>
+                              <m:sub>
+                                <m:r>
+                                  <m:t xml:space="preserve">i</m:t>
+                                </m:r>
+                              </m:sub>
+                            </m:sSub>
+                            <m:sSup>
+                              <m:e>
+                                <m:r>
+                                  <m:t xml:space="preserve">W</m:t>
+                                </m:r>
+                              </m:e>
+                              <m:sup>
+                                <m:r>
+                                  <m:t xml:space="preserve">Q</m:t>
+                                </m:r>
+                              </m:sup>
+                            </m:sSup>
+                            <m:sSup>
+                              <m:e>
+                                <m:d>
+                                  <m:dPr>
+                                    <m:begChr m:val="("/>
+                                    <m:endChr m:val=")"/>
+                                  </m:dPr>
+                                  <m:e>
+                                    <m:sSubSup>
+                                      <m:e>
+                                        <m:r>
+                                          <m:t xml:space="preserve">P</m:t>
+                                        </m:r>
+                                      </m:e>
+                                      <m:sub>
+                                        <m:r>
+                                          <m:t xml:space="preserve">ij</m:t>
+                                        </m:r>
+                                      </m:sub>
+                                      <m:sup>
+                                        <m:r>
+                                          <m:t xml:space="preserve">K</m:t>
+                                        </m:r>
+                                      </m:sup>
+                                    </m:sSubSup>
+                                  </m:e>
+                                </m:d>
+                              </m:e>
+                              <m:sup>
+                                <m:r>
+                                  <m:t xml:space="preserve">T</m:t>
+                                </m:r>
+                              </m:sup>
+                            </m:sSup>
+                          </m:e>
+                        </m:d>
+                      </m:num>
+                      <m:den>
+                        <m:rad>
+                          <m:radPr>
+                            <m:degHide m:val="1"/>
+                          </m:radPr>
+                          <m:deg/>
+                          <m:e>
+                            <m:d>
+                              <m:dPr>
+                                <m:begChr m:val="("/>
+                                <m:endChr m:val=")"/>
+                              </m:dPr>
+                              <m:e>
+                                <m:r>
+                                  <m:t xml:space="preserve">E</m:t>
+                                </m:r>
+                              </m:e>
+                            </m:d>
+                          </m:e>
+                        </m:rad>
+                      </m:den>
+                    </m:f>
+                  </m:oMath>
+                </a14:m>
+              </a:p>
+            </p:txBody>
+          </p:sp>
+        </mc:Choice>
+        <mc:Fallback/>
+      </mc:AlternateContent>
     </p:spTree>
   </p:cSld>
   <mc:AlternateContent>
@@ -10197,6 +10410,174 @@
       <p:transition spd="slow"/>
     </mc:Fallback>
   </mc:AlternateContent>
+  <p:timing>
+    <p:tnLst>
+      <p:par>
+        <p:cTn id="75" dur="indefinite" restart="never" nodeType="tmRoot">
+          <p:childTnLst>
+            <p:seq>
+              <p:cTn id="76" dur="indefinite" nodeType="mainSeq">
+                <p:childTnLst>
+                  <p:par>
+                    <p:cTn id="77" fill="hold">
+                      <p:stCondLst>
+                        <p:cond delay="indefinite"/>
+                      </p:stCondLst>
+                      <p:childTnLst>
+                        <p:par>
+                          <p:cTn id="78" fill="hold">
+                            <p:stCondLst>
+                              <p:cond delay="0"/>
+                            </p:stCondLst>
+                            <p:childTnLst>
+                              <p:par>
+                                <p:cTn id="79" nodeType="clickEffect" fill="hold" presetClass="entr" presetID="1">
+                                  <p:stCondLst>
+                                    <p:cond delay="0"/>
+                                  </p:stCondLst>
+                                  <p:childTnLst>
+                                    <p:set>
+                                      <p:cBhvr>
+                                        <p:cTn id="80" dur="1" fill="hold">
+                                          <p:stCondLst>
+                                            <p:cond delay="0"/>
+                                          </p:stCondLst>
+                                        </p:cTn>
+                                        <p:tgtEl>
+                                          <p:spTgt spid="170">
+                                            <p:txEl>
+                                              <p:pRg st="0" end="0"/>
+                                            </p:txEl>
+                                          </p:spTgt>
+                                        </p:tgtEl>
+                                        <p:attrNameLst>
+                                          <p:attrName>style.visibility</p:attrName>
+                                        </p:attrNameLst>
+                                      </p:cBhvr>
+                                      <p:to>
+                                        <p:strVal val="visible"/>
+                                      </p:to>
+                                    </p:set>
+                                  </p:childTnLst>
+                                </p:cTn>
+                              </p:par>
+                              <p:par>
+                                <p:cTn id="81" nodeType="withEffect" fill="hold" presetClass="entr" presetID="1">
+                                  <p:stCondLst>
+                                    <p:cond delay="0"/>
+                                  </p:stCondLst>
+                                  <p:childTnLst>
+                                    <p:set>
+                                      <p:cBhvr>
+                                        <p:cTn id="82" dur="1" fill="hold">
+                                          <p:stCondLst>
+                                            <p:cond delay="0"/>
+                                          </p:stCondLst>
+                                        </p:cTn>
+                                        <p:tgtEl>
+                                          <p:spTgt spid="170">
+                                            <p:txEl>
+                                              <p:pRg st="1" end="1"/>
+                                            </p:txEl>
+                                          </p:spTgt>
+                                        </p:tgtEl>
+                                        <p:attrNameLst>
+                                          <p:attrName>style.visibility</p:attrName>
+                                        </p:attrNameLst>
+                                      </p:cBhvr>
+                                      <p:to>
+                                        <p:strVal val="visible"/>
+                                      </p:to>
+                                    </p:set>
+                                  </p:childTnLst>
+                                </p:cTn>
+                              </p:par>
+                              <p:par>
+                                <p:cTn id="83" nodeType="withEffect" fill="hold" presetClass="entr" presetID="1">
+                                  <p:stCondLst>
+                                    <p:cond delay="0"/>
+                                  </p:stCondLst>
+                                  <p:childTnLst>
+                                    <p:set>
+                                      <p:cBhvr>
+                                        <p:cTn id="84" dur="1" fill="hold">
+                                          <p:stCondLst>
+                                            <p:cond delay="0"/>
+                                          </p:stCondLst>
+                                        </p:cTn>
+                                        <p:tgtEl>
+                                          <p:spTgt spid="170">
+                                            <p:txEl>
+                                              <p:pRg st="2" end="2"/>
+                                            </p:txEl>
+                                          </p:spTgt>
+                                        </p:tgtEl>
+                                        <p:attrNameLst>
+                                          <p:attrName>style.visibility</p:attrName>
+                                        </p:attrNameLst>
+                                      </p:cBhvr>
+                                      <p:to>
+                                        <p:strVal val="visible"/>
+                                      </p:to>
+                                    </p:set>
+                                  </p:childTnLst>
+                                </p:cTn>
+                              </p:par>
+                              <p:par>
+                                <p:cTn id="85" nodeType="withEffect" fill="hold" presetClass="entr" presetID="1">
+                                  <p:stCondLst>
+                                    <p:cond delay="0"/>
+                                  </p:stCondLst>
+                                  <p:childTnLst>
+                                    <p:set>
+                                      <p:cBhvr>
+                                        <p:cTn id="86" dur="1" fill="hold">
+                                          <p:stCondLst>
+                                            <p:cond delay="0"/>
+                                          </p:stCondLst>
+                                        </p:cTn>
+                                        <p:tgtEl>
+                                          <p:spTgt spid="172"/>
+                                        </p:tgtEl>
+                                        <p:attrNameLst>
+                                          <p:attrName>style.visibility</p:attrName>
+                                        </p:attrNameLst>
+                                      </p:cBhvr>
+                                      <p:to>
+                                        <p:strVal val="visible"/>
+                                      </p:to>
+                                    </p:set>
+                                  </p:childTnLst>
+                                </p:cTn>
+                              </p:par>
+                            </p:childTnLst>
+                          </p:cTn>
+                        </p:par>
+                      </p:childTnLst>
+                    </p:cTn>
+                  </p:par>
+                </p:childTnLst>
+              </p:cTn>
+              <p:prevCondLst>
+                <p:cond evt="onPrev">
+                  <p:tgtEl>
+                    <p:sldTgt/>
+                  </p:tgtEl>
+                </p:cond>
+              </p:prevCondLst>
+              <p:nextCondLst>
+                <p:cond evt="onNext">
+                  <p:tgtEl>
+                    <p:sldTgt/>
+                  </p:tgtEl>
+                </p:cond>
+              </p:nextCondLst>
+            </p:seq>
+          </p:childTnLst>
+        </p:cTn>
+      </p:par>
+    </p:tnLst>
+  </p:timing>
 </p:sld>
 </file>
 
@@ -10219,14 +10600,18 @@
       </p:grpSpPr>
       <p:sp>
         <p:nvSpPr>
-          <p:cNvPr id="179" name=""/>
-          <p:cNvSpPr/>
-          <p:nvPr/>
-        </p:nvSpPr>
-        <p:spPr>
-          <a:xfrm>
-            <a:off x="412920" y="321480"/>
-            <a:ext cx="3546720" cy="578160"/>
+          <p:cNvPr id="175" name="PlaceHolder 1"/>
+          <p:cNvSpPr>
+            <a:spLocks noGrp="1"/>
+          </p:cNvSpPr>
+          <p:nvPr>
+            <p:ph type="title"/>
+          </p:nvPr>
+        </p:nvSpPr>
+        <p:spPr>
+          <a:xfrm>
+            <a:off x="360000" y="225720"/>
+            <a:ext cx="9358920" cy="717840"/>
           </a:xfrm>
           <a:prstGeom prst="rect">
             <a:avLst/>
@@ -10236,21 +10621,19 @@
             <a:noFill/>
           </a:ln>
         </p:spPr>
-        <p:style>
-          <a:lnRef idx="0"/>
-          <a:fillRef idx="0"/>
-          <a:effectRef idx="0"/>
-          <a:fontRef idx="minor"/>
-        </p:style>
-        <p:txBody>
-          <a:bodyPr lIns="90000" rIns="90000" tIns="45000" bIns="45000" anchor="t">
+        <p:txBody>
+          <a:bodyPr lIns="0" rIns="0" tIns="0" bIns="0" anchor="ctr">
             <a:noAutofit/>
           </a:bodyPr>
           <a:p>
-            <a:pPr>
+            <a:pPr indent="0">
               <a:lnSpc>
                 <a:spcPct val="100000"/>
               </a:lnSpc>
+              <a:buNone/>
+              <a:tabLst>
+                <a:tab algn="l" pos="0"/>
+              </a:tabLst>
             </a:pPr>
             <a:r>
               <a:rPr b="1" lang="ru-RU" sz="2700" spc="-1" strike="noStrike">
@@ -10259,9 +10642,69 @@
                 </a:solidFill>
                 <a:latin typeface="Source Sans Pro Black"/>
               </a:rPr>
-              <a:t>Подробнее о Encoder</a:t>
+              <a:t>Encoder and Decoder</a:t>
             </a:r>
             <a:endParaRPr b="0" lang="ru-RU" sz="2700" spc="-1" strike="noStrike">
+              <a:solidFill>
+                <a:srgbClr val="000000"/>
+              </a:solidFill>
+              <a:latin typeface="Arial"/>
+            </a:endParaRPr>
+          </a:p>
+        </p:txBody>
+      </p:sp>
+      <p:sp>
+        <p:nvSpPr>
+          <p:cNvPr id="176" name="PlaceHolder 2"/>
+          <p:cNvSpPr>
+            <a:spLocks noGrp="1"/>
+          </p:cNvSpPr>
+          <p:nvPr>
+            <p:ph/>
+          </p:nvPr>
+        </p:nvSpPr>
+        <p:spPr>
+          <a:xfrm>
+            <a:off x="360000" y="1485000"/>
+            <a:ext cx="9358920" cy="3778920"/>
+          </a:xfrm>
+          <a:prstGeom prst="rect">
+            <a:avLst/>
+          </a:prstGeom>
+          <a:noFill/>
+          <a:ln w="0">
+            <a:noFill/>
+          </a:ln>
+        </p:spPr>
+        <p:txBody>
+          <a:bodyPr lIns="0" rIns="0" tIns="0" bIns="0" anchor="t">
+            <a:normAutofit/>
+          </a:bodyPr>
+          <a:p>
+            <a:pPr marL="432000" indent="-324000">
+              <a:lnSpc>
+                <a:spcPct val="100000"/>
+              </a:lnSpc>
+              <a:spcAft>
+                <a:spcPts val="1057"/>
+              </a:spcAft>
+              <a:buClr>
+                <a:srgbClr val="2c3e50"/>
+              </a:buClr>
+              <a:buSzPct val="45000"/>
+              <a:buFont typeface="Wingdings" charset="2"/>
+              <a:buChar char=""/>
+            </a:pPr>
+            <a:r>
+              <a:rPr b="1" lang="ru-RU" sz="2400" spc="-1" strike="noStrike">
+                <a:solidFill>
+                  <a:srgbClr val="2c3e50"/>
+                </a:solidFill>
+                <a:latin typeface="Source Sans Pro Semibold"/>
+              </a:rPr>
+              <a:t>Что это? Кратко говоря, две RNN</a:t>
+            </a:r>
+            <a:endParaRPr b="0" lang="ru-RU" sz="2400" spc="-1" strike="noStrike">
               <a:solidFill>
                 <a:srgbClr val="000000"/>
               </a:solidFill>
@@ -10272,7 +10715,7 @@
       </p:sp>
       <p:pic>
         <p:nvPicPr>
-          <p:cNvPr id="180" name="" descr=""/>
+          <p:cNvPr id="177" name="" descr=""/>
           <p:cNvPicPr/>
           <p:nvPr/>
         </p:nvPicPr>
@@ -10282,13 +10725,13 @@
         </p:blipFill>
         <p:spPr>
           <a:xfrm>
-            <a:off x="2160360" y="1260000"/>
-            <a:ext cx="5219640" cy="4068000"/>
-          </a:xfrm>
-          <a:prstGeom prst="rect">
-            <a:avLst/>
-          </a:prstGeom>
-          <a:ln w="0">
+            <a:off x="1837440" y="1980000"/>
+            <a:ext cx="5541480" cy="2674440"/>
+          </a:xfrm>
+          <a:prstGeom prst="rect">
+            <a:avLst/>
+          </a:prstGeom>
+          <a:ln w="10800">
             <a:noFill/>
           </a:ln>
         </p:spPr>
@@ -10325,14 +10768,14 @@
       </p:grpSpPr>
       <p:sp>
         <p:nvSpPr>
-          <p:cNvPr id="181" name=""/>
+          <p:cNvPr id="178" name=""/>
           <p:cNvSpPr/>
           <p:nvPr/>
         </p:nvSpPr>
         <p:spPr>
           <a:xfrm>
-            <a:off x="357840" y="180000"/>
-            <a:ext cx="6841800" cy="1065600"/>
+            <a:off x="412920" y="321480"/>
+            <a:ext cx="3546360" cy="577800"/>
           </a:xfrm>
           <a:prstGeom prst="rect">
             <a:avLst/>
@@ -10364,8 +10807,9 @@
                   <a:srgbClr val="ffffff"/>
                 </a:solidFill>
                 <a:latin typeface="Source Sans Pro Black"/>
+                <a:ea typeface="DejaVu Sans"/>
               </a:rPr>
-              <a:t>Подробнее о Encoder Decoder вместе</a:t>
+              <a:t>Подробнее о Encoder</a:t>
             </a:r>
             <a:endParaRPr b="0" lang="ru-RU" sz="2700" spc="-1" strike="noStrike">
               <a:solidFill>
@@ -10378,7 +10822,7 @@
       </p:sp>
       <p:pic>
         <p:nvPicPr>
-          <p:cNvPr id="182" name="" descr=""/>
+          <p:cNvPr id="179" name="" descr=""/>
           <p:cNvPicPr/>
           <p:nvPr/>
         </p:nvPicPr>
@@ -10388,8 +10832,8 @@
         </p:blipFill>
         <p:spPr>
           <a:xfrm>
-            <a:off x="1980000" y="1800000"/>
-            <a:ext cx="5587560" cy="3174840"/>
+            <a:off x="2160360" y="1260000"/>
+            <a:ext cx="5219280" cy="4067640"/>
           </a:xfrm>
           <a:prstGeom prst="rect">
             <a:avLst/>
@@ -10399,48 +10843,6 @@
           </a:ln>
         </p:spPr>
       </p:pic>
-      <p:sp>
-        <p:nvSpPr>
-          <p:cNvPr id="183" name=""/>
-          <p:cNvSpPr txBox="1"/>
-          <p:nvPr/>
-        </p:nvSpPr>
-        <p:spPr>
-          <a:xfrm>
-            <a:off x="2353680" y="1369440"/>
-            <a:ext cx="5746320" cy="430560"/>
-          </a:xfrm>
-          <a:prstGeom prst="rect">
-            <a:avLst/>
-          </a:prstGeom>
-          <a:noFill/>
-          <a:ln w="0">
-            <a:noFill/>
-          </a:ln>
-        </p:spPr>
-        <p:txBody>
-          <a:bodyPr lIns="90000" rIns="90000" tIns="45000" bIns="45000" anchor="t">
-            <a:noAutofit/>
-          </a:bodyPr>
-          <a:p>
-            <a:r>
-              <a:rPr b="1" lang="ru-RU" sz="2400" spc="-1" strike="noStrike">
-                <a:solidFill>
-                  <a:srgbClr val="000000"/>
-                </a:solidFill>
-                <a:latin typeface="Arial"/>
-              </a:rPr>
-              <a:t>Encoder + Decoder = Transformer</a:t>
-            </a:r>
-            <a:endParaRPr b="0" lang="ru-RU" sz="2400" spc="-1" strike="noStrike">
-              <a:solidFill>
-                <a:srgbClr val="000000"/>
-              </a:solidFill>
-              <a:latin typeface="Arial"/>
-            </a:endParaRPr>
-          </a:p>
-        </p:txBody>
-      </p:sp>
     </p:spTree>
   </p:cSld>
   <mc:AlternateContent>
@@ -10473,14 +10875,14 @@
       </p:grpSpPr>
       <p:sp>
         <p:nvSpPr>
-          <p:cNvPr id="184" name=""/>
+          <p:cNvPr id="180" name=""/>
           <p:cNvSpPr/>
           <p:nvPr/>
         </p:nvSpPr>
         <p:spPr>
           <a:xfrm>
-            <a:off x="252000" y="360000"/>
-            <a:ext cx="6047640" cy="578160"/>
+            <a:off x="357840" y="180000"/>
+            <a:ext cx="6841440" cy="1065240"/>
           </a:xfrm>
           <a:prstGeom prst="rect">
             <a:avLst/>
@@ -10512,8 +10914,9 @@
                   <a:srgbClr val="ffffff"/>
                 </a:solidFill>
                 <a:latin typeface="Source Sans Pro Black"/>
+                <a:ea typeface="DejaVu Sans"/>
               </a:rPr>
-              <a:t>Про Linear Layer and Softmax</a:t>
+              <a:t>Подробнее о Encoder Decoder вместе</a:t>
             </a:r>
             <a:endParaRPr b="0" lang="ru-RU" sz="2700" spc="-1" strike="noStrike">
               <a:solidFill>
@@ -10526,7 +10929,7 @@
       </p:sp>
       <p:pic>
         <p:nvPicPr>
-          <p:cNvPr id="185" name="" descr=""/>
+          <p:cNvPr id="181" name="" descr=""/>
           <p:cNvPicPr/>
           <p:nvPr/>
         </p:nvPicPr>
@@ -10536,8 +10939,8 @@
         </p:blipFill>
         <p:spPr>
           <a:xfrm>
-            <a:off x="2628360" y="1727640"/>
-            <a:ext cx="4571640" cy="2952360"/>
+            <a:off x="1980000" y="1800000"/>
+            <a:ext cx="5587200" cy="3174480"/>
           </a:xfrm>
           <a:prstGeom prst="rect">
             <a:avLst/>
@@ -10547,6 +10950,59 @@
           </a:ln>
         </p:spPr>
       </p:pic>
+      <p:sp>
+        <p:nvSpPr>
+          <p:cNvPr id="182" name=""/>
+          <p:cNvSpPr/>
+          <p:nvPr/>
+        </p:nvSpPr>
+        <p:spPr>
+          <a:xfrm>
+            <a:off x="2353680" y="1369440"/>
+            <a:ext cx="5745960" cy="430200"/>
+          </a:xfrm>
+          <a:prstGeom prst="rect">
+            <a:avLst/>
+          </a:prstGeom>
+          <a:noFill/>
+          <a:ln w="0">
+            <a:noFill/>
+          </a:ln>
+        </p:spPr>
+        <p:style>
+          <a:lnRef idx="0"/>
+          <a:fillRef idx="0"/>
+          <a:effectRef idx="0"/>
+          <a:fontRef idx="minor"/>
+        </p:style>
+        <p:txBody>
+          <a:bodyPr lIns="90000" rIns="90000" tIns="45000" bIns="45000" anchor="t">
+            <a:noAutofit/>
+          </a:bodyPr>
+          <a:p>
+            <a:pPr>
+              <a:lnSpc>
+                <a:spcPct val="100000"/>
+              </a:lnSpc>
+            </a:pPr>
+            <a:r>
+              <a:rPr b="1" lang="ru-RU" sz="2400" spc="-1" strike="noStrike">
+                <a:solidFill>
+                  <a:srgbClr val="000000"/>
+                </a:solidFill>
+                <a:latin typeface="Arial"/>
+              </a:rPr>
+              <a:t>Encoder + Decoder = Transformer</a:t>
+            </a:r>
+            <a:endParaRPr b="0" lang="ru-RU" sz="2400" spc="-1" strike="noStrike">
+              <a:solidFill>
+                <a:srgbClr val="000000"/>
+              </a:solidFill>
+              <a:latin typeface="Arial"/>
+            </a:endParaRPr>
+          </a:p>
+        </p:txBody>
+      </p:sp>
     </p:spTree>
   </p:cSld>
   <mc:AlternateContent>
@@ -10579,14 +11035,14 @@
       </p:grpSpPr>
       <p:sp>
         <p:nvSpPr>
-          <p:cNvPr id="186" name=""/>
-          <p:cNvSpPr txBox="1"/>
+          <p:cNvPr id="183" name=""/>
+          <p:cNvSpPr/>
           <p:nvPr/>
         </p:nvSpPr>
         <p:spPr>
           <a:xfrm>
-            <a:off x="360000" y="180000"/>
-            <a:ext cx="5580000" cy="1065960"/>
+            <a:off x="252000" y="360000"/>
+            <a:ext cx="6047280" cy="577800"/>
           </a:xfrm>
           <a:prstGeom prst="rect">
             <a:avLst/>
@@ -10596,19 +11052,31 @@
             <a:noFill/>
           </a:ln>
         </p:spPr>
+        <p:style>
+          <a:lnRef idx="0"/>
+          <a:fillRef idx="0"/>
+          <a:effectRef idx="0"/>
+          <a:fontRef idx="minor"/>
+        </p:style>
         <p:txBody>
           <a:bodyPr lIns="90000" rIns="90000" tIns="45000" bIns="45000" anchor="t">
             <a:noAutofit/>
           </a:bodyPr>
           <a:p>
+            <a:pPr>
+              <a:lnSpc>
+                <a:spcPct val="100000"/>
+              </a:lnSpc>
+            </a:pPr>
             <a:r>
               <a:rPr b="1" lang="ru-RU" sz="2700" spc="-1" strike="noStrike">
                 <a:solidFill>
                   <a:srgbClr val="ffffff"/>
                 </a:solidFill>
                 <a:latin typeface="Source Sans Pro Black"/>
+                <a:ea typeface="DejaVu Sans"/>
               </a:rPr>
-              <a:t>Обучение трансфомера и loss function </a:t>
+              <a:t>Про Linear Layer and Softmax</a:t>
             </a:r>
             <a:endParaRPr b="0" lang="ru-RU" sz="2700" spc="-1" strike="noStrike">
               <a:solidFill>
@@ -10621,7 +11089,7 @@
       </p:sp>
       <p:pic>
         <p:nvPicPr>
-          <p:cNvPr id="187" name="" descr=""/>
+          <p:cNvPr id="184" name="" descr=""/>
           <p:cNvPicPr/>
           <p:nvPr/>
         </p:nvPicPr>
@@ -10631,31 +11099,8 @@
         </p:blipFill>
         <p:spPr>
           <a:xfrm>
-            <a:off x="360000" y="1213200"/>
-            <a:ext cx="4691160" cy="3646800"/>
-          </a:xfrm>
-          <a:prstGeom prst="rect">
-            <a:avLst/>
-          </a:prstGeom>
-          <a:ln w="0">
-            <a:noFill/>
-          </a:ln>
-        </p:spPr>
-      </p:pic>
-      <p:pic>
-        <p:nvPicPr>
-          <p:cNvPr id="188" name="" descr=""/>
-          <p:cNvPicPr/>
-          <p:nvPr/>
-        </p:nvPicPr>
-        <p:blipFill>
-          <a:blip r:embed="rId2"/>
-          <a:stretch/>
-        </p:blipFill>
-        <p:spPr>
-          <a:xfrm>
-            <a:off x="5076720" y="1440000"/>
-            <a:ext cx="4643280" cy="3600000"/>
+            <a:off x="2332440" y="1548000"/>
+            <a:ext cx="5407560" cy="3492000"/>
           </a:xfrm>
           <a:prstGeom prst="rect">
             <a:avLst/>
@@ -10697,14 +11142,14 @@
       </p:grpSpPr>
       <p:sp>
         <p:nvSpPr>
-          <p:cNvPr id="189" name=""/>
-          <p:cNvSpPr txBox="1"/>
+          <p:cNvPr id="185" name=""/>
+          <p:cNvSpPr/>
           <p:nvPr/>
         </p:nvSpPr>
         <p:spPr>
           <a:xfrm>
-            <a:off x="180000" y="501480"/>
-            <a:ext cx="6002280" cy="578520"/>
+            <a:off x="360000" y="180000"/>
+            <a:ext cx="5579640" cy="1065600"/>
           </a:xfrm>
           <a:prstGeom prst="rect">
             <a:avLst/>
@@ -10714,11 +11159,22 @@
             <a:noFill/>
           </a:ln>
         </p:spPr>
+        <p:style>
+          <a:lnRef idx="0"/>
+          <a:fillRef idx="0"/>
+          <a:effectRef idx="0"/>
+          <a:fontRef idx="minor"/>
+        </p:style>
         <p:txBody>
           <a:bodyPr lIns="90000" rIns="90000" tIns="45000" bIns="45000" anchor="t">
             <a:noAutofit/>
           </a:bodyPr>
           <a:p>
+            <a:pPr>
+              <a:lnSpc>
+                <a:spcPct val="100000"/>
+              </a:lnSpc>
+            </a:pPr>
             <a:r>
               <a:rPr b="1" lang="ru-RU" sz="2700" spc="-1" strike="noStrike">
                 <a:solidFill>
@@ -10726,7 +11182,7 @@
                 </a:solidFill>
                 <a:latin typeface="Source Sans Pro Black"/>
               </a:rPr>
-              <a:t>BERT</a:t>
+              <a:t>Обучение трансфомера и loss function </a:t>
             </a:r>
             <a:endParaRPr b="0" lang="ru-RU" sz="2700" spc="-1" strike="noStrike">
               <a:solidFill>
@@ -10739,7 +11195,7 @@
       </p:sp>
       <p:pic>
         <p:nvPicPr>
-          <p:cNvPr id="190" name="" descr=""/>
+          <p:cNvPr id="186" name="" descr=""/>
           <p:cNvPicPr/>
           <p:nvPr/>
         </p:nvPicPr>
@@ -10749,8 +11205,8 @@
         </p:blipFill>
         <p:spPr>
           <a:xfrm>
-            <a:off x="72000" y="1440000"/>
-            <a:ext cx="6117480" cy="2340000"/>
+            <a:off x="169200" y="1393560"/>
+            <a:ext cx="4690800" cy="3646440"/>
           </a:xfrm>
           <a:prstGeom prst="rect">
             <a:avLst/>
@@ -10760,191 +11216,29 @@
           </a:ln>
         </p:spPr>
       </p:pic>
-      <p:sp>
-        <p:nvSpPr>
-          <p:cNvPr id="191" name=""/>
-          <p:cNvSpPr txBox="1"/>
+      <p:pic>
+        <p:nvPicPr>
+          <p:cNvPr id="187" name="" descr=""/>
+          <p:cNvPicPr/>
           <p:nvPr/>
-        </p:nvSpPr>
-        <p:spPr>
-          <a:xfrm>
-            <a:off x="5548320" y="1620000"/>
-            <a:ext cx="4171680" cy="1541880"/>
-          </a:xfrm>
-          <a:prstGeom prst="rect">
-            <a:avLst/>
-          </a:prstGeom>
-          <a:noFill/>
+        </p:nvPicPr>
+        <p:blipFill>
+          <a:blip r:embed="rId2"/>
+          <a:stretch/>
+        </p:blipFill>
+        <p:spPr>
+          <a:xfrm>
+            <a:off x="5077080" y="1440360"/>
+            <a:ext cx="4642920" cy="3599640"/>
+          </a:xfrm>
+          <a:prstGeom prst="rect">
+            <a:avLst/>
+          </a:prstGeom>
           <a:ln w="0">
             <a:noFill/>
           </a:ln>
         </p:spPr>
-        <p:txBody>
-          <a:bodyPr lIns="90000" rIns="90000" tIns="45000" bIns="45000" anchor="t">
-            <a:noAutofit/>
-          </a:bodyPr>
-          <a:p>
-            <a:r>
-              <a:rPr b="1" lang="ru-RU" sz="2000" spc="-1" strike="noStrike">
-                <a:solidFill>
-                  <a:srgbClr val="2c3e50"/>
-                </a:solidFill>
-                <a:latin typeface="Source Sans Pro Semibold"/>
-              </a:rPr>
-              <a:t>С точки зрения ахритектуры BERT’s input индентичен трансфомерам.</a:t>
-            </a:r>
-            <a:endParaRPr b="0" lang="ru-RU" sz="2000" spc="-1" strike="noStrike">
-              <a:solidFill>
-                <a:srgbClr val="000000"/>
-              </a:solidFill>
-              <a:latin typeface="Arial"/>
-            </a:endParaRPr>
-          </a:p>
-        </p:txBody>
-      </p:sp>
-      <p:sp>
-        <p:nvSpPr>
-          <p:cNvPr id="192" name=""/>
-          <p:cNvSpPr txBox="1"/>
-          <p:nvPr/>
-        </p:nvSpPr>
-        <p:spPr>
-          <a:xfrm>
-            <a:off x="5430240" y="2880000"/>
-            <a:ext cx="3929760" cy="2267640"/>
-          </a:xfrm>
-          <a:prstGeom prst="rect">
-            <a:avLst/>
-          </a:prstGeom>
-          <a:noFill/>
-          <a:ln w="0">
-            <a:noFill/>
-          </a:ln>
-        </p:spPr>
-        <p:txBody>
-          <a:bodyPr lIns="90000" rIns="90000" tIns="45000" bIns="45000" anchor="t">
-            <a:noAutofit/>
-          </a:bodyPr>
-          <a:p>
-            <a:r>
-              <a:rPr b="1" lang="ru-RU" sz="2000" spc="-1" strike="noStrike">
-                <a:solidFill>
-                  <a:srgbClr val="2c3e50"/>
-                </a:solidFill>
-                <a:latin typeface="Source Sans Pro Semibold"/>
-              </a:rPr>
-              <a:t>Различие в выходе, а именно Для каждой позиции на выход подается вектор размерностью hidden_size (768 в базовой модели BERT'а).</a:t>
-            </a:r>
-            <a:endParaRPr b="0" lang="ru-RU" sz="2000" spc="-1" strike="noStrike">
-              <a:solidFill>
-                <a:srgbClr val="000000"/>
-              </a:solidFill>
-              <a:latin typeface="Arial"/>
-            </a:endParaRPr>
-          </a:p>
-          <a:p>
-            <a:endParaRPr b="0" lang="ru-RU" sz="2000" spc="-1" strike="noStrike">
-              <a:solidFill>
-                <a:srgbClr val="000000"/>
-              </a:solidFill>
-              <a:latin typeface="Arial"/>
-            </a:endParaRPr>
-          </a:p>
-        </p:txBody>
-      </p:sp>
-      <p:sp>
-        <p:nvSpPr>
-          <p:cNvPr id="193" name=""/>
-          <p:cNvSpPr txBox="1"/>
-          <p:nvPr/>
-        </p:nvSpPr>
-        <p:spPr>
-          <a:xfrm>
-            <a:off x="235440" y="4043520"/>
-            <a:ext cx="1384560" cy="1176480"/>
-          </a:xfrm>
-          <a:prstGeom prst="rect">
-            <a:avLst/>
-          </a:prstGeom>
-          <a:noFill/>
-          <a:ln w="0">
-            <a:noFill/>
-          </a:ln>
-        </p:spPr>
-        <p:txBody>
-          <a:bodyPr lIns="90000" rIns="90000" tIns="45000" bIns="45000" anchor="t">
-            <a:noAutofit/>
-          </a:bodyPr>
-          <a:p>
-            <a:r>
-              <a:rPr b="0" lang="ru-RU" sz="1500" spc="-1" strike="noStrike">
-                <a:solidFill>
-                  <a:srgbClr val="000000"/>
-                </a:solidFill>
-                <a:latin typeface="Source Sans Pro Black"/>
-              </a:rPr>
-              <a:t>Токены BERT:</a:t>
-            </a:r>
-            <a:endParaRPr b="0" lang="ru-RU" sz="1500" spc="-1" strike="noStrike">
-              <a:solidFill>
-                <a:srgbClr val="000000"/>
-              </a:solidFill>
-              <a:latin typeface="Arial"/>
-            </a:endParaRPr>
-          </a:p>
-          <a:p>
-            <a:r>
-              <a:rPr b="0" lang="ru-RU" sz="1500" spc="-1" strike="noStrike">
-                <a:solidFill>
-                  <a:srgbClr val="000000"/>
-                </a:solidFill>
-                <a:latin typeface="Source Sans Pro Black"/>
-              </a:rPr>
-              <a:t>[SEP]</a:t>
-            </a:r>
-            <a:endParaRPr b="0" lang="ru-RU" sz="1500" spc="-1" strike="noStrike">
-              <a:solidFill>
-                <a:srgbClr val="000000"/>
-              </a:solidFill>
-              <a:latin typeface="Arial"/>
-            </a:endParaRPr>
-          </a:p>
-          <a:p>
-            <a:r>
-              <a:rPr b="0" lang="ru-RU" sz="1500" spc="-1" strike="noStrike">
-                <a:solidFill>
-                  <a:srgbClr val="000000"/>
-                </a:solidFill>
-                <a:latin typeface="Source Sans Pro Black"/>
-              </a:rPr>
-              <a:t>[MASK]</a:t>
-            </a:r>
-            <a:endParaRPr b="0" lang="ru-RU" sz="1500" spc="-1" strike="noStrike">
-              <a:solidFill>
-                <a:srgbClr val="000000"/>
-              </a:solidFill>
-              <a:latin typeface="Arial"/>
-            </a:endParaRPr>
-          </a:p>
-          <a:p>
-            <a:r>
-              <a:rPr b="0" lang="ru-RU" sz="1500" spc="-1" strike="noStrike">
-                <a:solidFill>
-                  <a:srgbClr val="000000"/>
-                </a:solidFill>
-                <a:latin typeface="Source Sans Pro Black"/>
-              </a:rPr>
-              <a:t>[CLS]</a:t>
-            </a:r>
-            <a:endParaRPr b="0" lang="ru-RU" sz="1500" spc="-1" strike="noStrike">
-              <a:solidFill>
-                <a:srgbClr val="000000"/>
-              </a:solidFill>
-              <a:latin typeface="Arial"/>
-            </a:endParaRPr>
-          </a:p>
-        </p:txBody>
-      </p:sp>
+      </p:pic>
     </p:spTree>
   </p:cSld>
   <mc:AlternateContent>
@@ -10977,14 +11271,14 @@
       </p:grpSpPr>
       <p:sp>
         <p:nvSpPr>
-          <p:cNvPr id="194" name=""/>
-          <p:cNvSpPr txBox="1"/>
+          <p:cNvPr id="188" name=""/>
+          <p:cNvSpPr/>
           <p:nvPr/>
         </p:nvSpPr>
         <p:spPr>
           <a:xfrm>
-            <a:off x="180000" y="194040"/>
-            <a:ext cx="6366600" cy="1065960"/>
+            <a:off x="180000" y="501480"/>
+            <a:ext cx="6001920" cy="578160"/>
           </a:xfrm>
           <a:prstGeom prst="rect">
             <a:avLst/>
@@ -10994,11 +11288,22 @@
             <a:noFill/>
           </a:ln>
         </p:spPr>
+        <p:style>
+          <a:lnRef idx="0"/>
+          <a:fillRef idx="0"/>
+          <a:effectRef idx="0"/>
+          <a:fontRef idx="minor"/>
+        </p:style>
         <p:txBody>
           <a:bodyPr lIns="90000" rIns="90000" tIns="45000" bIns="45000" anchor="t">
             <a:noAutofit/>
           </a:bodyPr>
           <a:p>
+            <a:pPr>
+              <a:lnSpc>
+                <a:spcPct val="100000"/>
+              </a:lnSpc>
+            </a:pPr>
             <a:r>
               <a:rPr b="1" lang="ru-RU" sz="2700" spc="-1" strike="noStrike">
                 <a:solidFill>
@@ -11006,7 +11311,7 @@
                 </a:solidFill>
                 <a:latin typeface="Source Sans Pro Black"/>
               </a:rPr>
-              <a:t>BERT для задач языкового моделирования</a:t>
+              <a:t>BERT</a:t>
             </a:r>
             <a:endParaRPr b="0" lang="ru-RU" sz="2700" spc="-1" strike="noStrike">
               <a:solidFill>
@@ -11019,7 +11324,7 @@
       </p:sp>
       <p:pic>
         <p:nvPicPr>
-          <p:cNvPr id="195" name="" descr=""/>
+          <p:cNvPr id="189" name="" descr=""/>
           <p:cNvPicPr/>
           <p:nvPr/>
         </p:nvPicPr>
@@ -11029,8 +11334,8 @@
         </p:blipFill>
         <p:spPr>
           <a:xfrm>
-            <a:off x="540000" y="1687680"/>
-            <a:ext cx="4828320" cy="3172320"/>
+            <a:off x="72000" y="1440000"/>
+            <a:ext cx="6117120" cy="2339640"/>
           </a:xfrm>
           <a:prstGeom prst="rect">
             <a:avLst/>
@@ -11042,14 +11347,14 @@
       </p:pic>
       <p:sp>
         <p:nvSpPr>
-          <p:cNvPr id="196" name=""/>
-          <p:cNvSpPr txBox="1"/>
+          <p:cNvPr id="190" name=""/>
+          <p:cNvSpPr/>
           <p:nvPr/>
         </p:nvSpPr>
         <p:spPr>
           <a:xfrm>
-            <a:off x="5700240" y="2201040"/>
-            <a:ext cx="3839760" cy="1758960"/>
+            <a:off x="5430240" y="1620000"/>
+            <a:ext cx="4171320" cy="1541520"/>
           </a:xfrm>
           <a:prstGeom prst="rect">
             <a:avLst/>
@@ -11059,25 +11364,221 @@
             <a:noFill/>
           </a:ln>
         </p:spPr>
+        <p:style>
+          <a:lnRef idx="0"/>
+          <a:fillRef idx="0"/>
+          <a:effectRef idx="0"/>
+          <a:fontRef idx="minor"/>
+        </p:style>
         <p:txBody>
           <a:bodyPr lIns="90000" rIns="90000" tIns="45000" bIns="45000" anchor="t">
             <a:noAutofit/>
           </a:bodyPr>
           <a:p>
+            <a:pPr>
+              <a:lnSpc>
+                <a:spcPct val="100000"/>
+              </a:lnSpc>
+            </a:pPr>
+            <a:r>
+              <a:rPr b="1" lang="ru-RU" sz="2000" spc="-1" strike="noStrike">
+                <a:solidFill>
+                  <a:srgbClr val="2c3e50"/>
+                </a:solidFill>
+                <a:latin typeface="Arial"/>
+              </a:rPr>
+              <a:t>С точки зрения ахритектуры BERT’s input индентичен трансфомерам.</a:t>
+            </a:r>
+            <a:endParaRPr b="0" lang="ru-RU" sz="2000" spc="-1" strike="noStrike">
+              <a:solidFill>
+                <a:srgbClr val="000000"/>
+              </a:solidFill>
+              <a:latin typeface="Arial"/>
+            </a:endParaRPr>
+          </a:p>
+        </p:txBody>
+      </p:sp>
+      <p:sp>
+        <p:nvSpPr>
+          <p:cNvPr id="191" name=""/>
+          <p:cNvSpPr/>
+          <p:nvPr/>
+        </p:nvSpPr>
+        <p:spPr>
+          <a:xfrm>
+            <a:off x="5430240" y="2700000"/>
+            <a:ext cx="3929400" cy="2267280"/>
+          </a:xfrm>
+          <a:prstGeom prst="rect">
+            <a:avLst/>
+          </a:prstGeom>
+          <a:noFill/>
+          <a:ln w="0">
+            <a:noFill/>
+          </a:ln>
+        </p:spPr>
+        <p:style>
+          <a:lnRef idx="0"/>
+          <a:fillRef idx="0"/>
+          <a:effectRef idx="0"/>
+          <a:fontRef idx="minor"/>
+        </p:style>
+        <p:txBody>
+          <a:bodyPr lIns="90000" rIns="90000" tIns="45000" bIns="45000" anchor="t">
+            <a:noAutofit/>
+          </a:bodyPr>
+          <a:p>
+            <a:pPr>
+              <a:lnSpc>
+                <a:spcPct val="100000"/>
+              </a:lnSpc>
+            </a:pPr>
+            <a:r>
+              <a:rPr b="1" lang="ru-RU" sz="2000" spc="-1" strike="noStrike">
+                <a:solidFill>
+                  <a:srgbClr val="2c3e50"/>
+                </a:solidFill>
+                <a:latin typeface="Arial"/>
+              </a:rPr>
+              <a:t>Различие в выходе, а именно Для каждой позиции на выход подается вектор размерностью hidden_size (768 в базовой модели BERT'а).</a:t>
+            </a:r>
+            <a:endParaRPr b="0" lang="ru-RU" sz="2000" spc="-1" strike="noStrike">
+              <a:solidFill>
+                <a:srgbClr val="000000"/>
+              </a:solidFill>
+              <a:latin typeface="Arial"/>
+            </a:endParaRPr>
+          </a:p>
+          <a:p>
+            <a:pPr>
+              <a:lnSpc>
+                <a:spcPct val="100000"/>
+              </a:lnSpc>
+            </a:pPr>
+            <a:endParaRPr b="0" lang="ru-RU" sz="2000" spc="-1" strike="noStrike">
+              <a:solidFill>
+                <a:srgbClr val="000000"/>
+              </a:solidFill>
+              <a:latin typeface="Arial"/>
+            </a:endParaRPr>
+          </a:p>
+        </p:txBody>
+      </p:sp>
+      <p:sp>
+        <p:nvSpPr>
+          <p:cNvPr id="192" name=""/>
+          <p:cNvSpPr/>
+          <p:nvPr/>
+        </p:nvSpPr>
+        <p:spPr>
+          <a:xfrm>
+            <a:off x="235440" y="4043520"/>
+            <a:ext cx="1384200" cy="1176120"/>
+          </a:xfrm>
+          <a:prstGeom prst="rect">
+            <a:avLst/>
+          </a:prstGeom>
+          <a:noFill/>
+          <a:ln w="0">
+            <a:noFill/>
+          </a:ln>
+        </p:spPr>
+        <p:style>
+          <a:lnRef idx="0"/>
+          <a:fillRef idx="0"/>
+          <a:effectRef idx="0"/>
+          <a:fontRef idx="minor"/>
+        </p:style>
+        <p:txBody>
+          <a:bodyPr lIns="90000" rIns="90000" tIns="45000" bIns="45000" anchor="t">
+            <a:noAutofit/>
+          </a:bodyPr>
+          <a:p>
+            <a:pPr>
+              <a:lnSpc>
+                <a:spcPct val="100000"/>
+              </a:lnSpc>
+            </a:pPr>
             <a:r>
               <a:rPr b="0" lang="ru-RU" sz="1500" spc="-1" strike="noStrike">
                 <a:solidFill>
                   <a:srgbClr val="000000"/>
                 </a:solidFill>
-                <a:latin typeface="Source Sans Pro Black"/>
+                <a:latin typeface="Arial"/>
               </a:rPr>
-              <a:t>Для задач языкового моделирования BERT использует «умные» маски для 15% слов во входном предложении и просит модель предсказать пропущенное слово</a:t>
+              <a:t>Токены BERT:</a:t>
             </a:r>
             <a:endParaRPr b="0" lang="ru-RU" sz="1500" spc="-1" strike="noStrike">
               <a:solidFill>
                 <a:srgbClr val="000000"/>
               </a:solidFill>
-              <a:latin typeface="Source Sans Pro Black"/>
+              <a:latin typeface="Arial"/>
+            </a:endParaRPr>
+          </a:p>
+          <a:p>
+            <a:pPr>
+              <a:lnSpc>
+                <a:spcPct val="100000"/>
+              </a:lnSpc>
+            </a:pPr>
+            <a:r>
+              <a:rPr b="0" lang="ru-RU" sz="1500" spc="-1" strike="noStrike">
+                <a:solidFill>
+                  <a:srgbClr val="000000"/>
+                </a:solidFill>
+                <a:latin typeface="Arial"/>
+              </a:rPr>
+              <a:t>[SEP]</a:t>
+            </a:r>
+            <a:endParaRPr b="0" lang="ru-RU" sz="1500" spc="-1" strike="noStrike">
+              <a:solidFill>
+                <a:srgbClr val="000000"/>
+              </a:solidFill>
+              <a:latin typeface="Arial"/>
+            </a:endParaRPr>
+          </a:p>
+          <a:p>
+            <a:pPr>
+              <a:lnSpc>
+                <a:spcPct val="100000"/>
+              </a:lnSpc>
+            </a:pPr>
+            <a:r>
+              <a:rPr b="0" lang="ru-RU" sz="1500" spc="-1" strike="noStrike">
+                <a:solidFill>
+                  <a:srgbClr val="000000"/>
+                </a:solidFill>
+                <a:latin typeface="Arial"/>
+              </a:rPr>
+              <a:t>[MASK]</a:t>
+            </a:r>
+            <a:endParaRPr b="0" lang="ru-RU" sz="1500" spc="-1" strike="noStrike">
+              <a:solidFill>
+                <a:srgbClr val="000000"/>
+              </a:solidFill>
+              <a:latin typeface="Arial"/>
+            </a:endParaRPr>
+          </a:p>
+          <a:p>
+            <a:pPr>
+              <a:lnSpc>
+                <a:spcPct val="100000"/>
+              </a:lnSpc>
+            </a:pPr>
+            <a:r>
+              <a:rPr b="0" lang="ru-RU" sz="1500" spc="-1" strike="noStrike">
+                <a:solidFill>
+                  <a:srgbClr val="000000"/>
+                </a:solidFill>
+                <a:latin typeface="Arial"/>
+              </a:rPr>
+              <a:t>[CLS]</a:t>
+            </a:r>
+            <a:endParaRPr b="0" lang="ru-RU" sz="1500" spc="-1" strike="noStrike">
+              <a:solidFill>
+                <a:srgbClr val="000000"/>
+              </a:solidFill>
+              <a:latin typeface="Arial"/>
             </a:endParaRPr>
           </a:p>
         </p:txBody>
@@ -11114,14 +11615,14 @@
       </p:grpSpPr>
       <p:sp>
         <p:nvSpPr>
-          <p:cNvPr id="197" name=""/>
-          <p:cNvSpPr txBox="1"/>
+          <p:cNvPr id="193" name=""/>
+          <p:cNvSpPr/>
           <p:nvPr/>
         </p:nvSpPr>
         <p:spPr>
           <a:xfrm>
-            <a:off x="180000" y="321480"/>
-            <a:ext cx="6660000" cy="3504960"/>
+            <a:off x="180000" y="194040"/>
+            <a:ext cx="6366240" cy="1065600"/>
           </a:xfrm>
           <a:prstGeom prst="rect">
             <a:avLst/>
@@ -11131,11 +11632,22 @@
             <a:noFill/>
           </a:ln>
         </p:spPr>
+        <p:style>
+          <a:lnRef idx="0"/>
+          <a:fillRef idx="0"/>
+          <a:effectRef idx="0"/>
+          <a:fontRef idx="minor"/>
+        </p:style>
         <p:txBody>
           <a:bodyPr lIns="90000" rIns="90000" tIns="45000" bIns="45000" anchor="t">
             <a:noAutofit/>
           </a:bodyPr>
           <a:p>
+            <a:pPr>
+              <a:lnSpc>
+                <a:spcPct val="100000"/>
+              </a:lnSpc>
+            </a:pPr>
             <a:r>
               <a:rPr b="1" lang="ru-RU" sz="2700" spc="-1" strike="noStrike">
                 <a:solidFill>
@@ -11143,7 +11655,7 @@
                 </a:solidFill>
                 <a:latin typeface="Source Sans Pro Black"/>
               </a:rPr>
-              <a:t>BERT для задачи двух предложений</a:t>
+              <a:t>BERT для задач языкового моделирования</a:t>
             </a:r>
             <a:endParaRPr b="0" lang="ru-RU" sz="2700" spc="-1" strike="noStrike">
               <a:solidFill>
@@ -11156,7 +11668,7 @@
       </p:sp>
       <p:pic>
         <p:nvPicPr>
-          <p:cNvPr id="198" name="" descr=""/>
+          <p:cNvPr id="194" name="" descr=""/>
           <p:cNvPicPr/>
           <p:nvPr/>
         </p:nvPicPr>
@@ -11166,8 +11678,8 @@
         </p:blipFill>
         <p:spPr>
           <a:xfrm>
-            <a:off x="398160" y="1668600"/>
-            <a:ext cx="4641840" cy="3191400"/>
+            <a:off x="540000" y="1687680"/>
+            <a:ext cx="4827960" cy="3171960"/>
           </a:xfrm>
           <a:prstGeom prst="rect">
             <a:avLst/>
@@ -11179,14 +11691,14 @@
       </p:pic>
       <p:sp>
         <p:nvSpPr>
-          <p:cNvPr id="199" name=""/>
-          <p:cNvSpPr txBox="1"/>
+          <p:cNvPr id="195" name=""/>
+          <p:cNvSpPr/>
           <p:nvPr/>
         </p:nvSpPr>
         <p:spPr>
           <a:xfrm>
-            <a:off x="4860000" y="2520000"/>
-            <a:ext cx="5040000" cy="1447560"/>
+            <a:off x="5940000" y="2340000"/>
+            <a:ext cx="3839400" cy="1758600"/>
           </a:xfrm>
           <a:prstGeom prst="rect">
             <a:avLst/>
@@ -11196,19 +11708,30 @@
             <a:noFill/>
           </a:ln>
         </p:spPr>
+        <p:style>
+          <a:lnRef idx="0"/>
+          <a:fillRef idx="0"/>
+          <a:effectRef idx="0"/>
+          <a:fontRef idx="minor"/>
+        </p:style>
         <p:txBody>
           <a:bodyPr lIns="90000" rIns="90000" tIns="45000" bIns="45000" anchor="t">
             <a:noAutofit/>
           </a:bodyPr>
           <a:p>
+            <a:pPr>
+              <a:lnSpc>
+                <a:spcPct val="100000"/>
+              </a:lnSpc>
+            </a:pPr>
             <a:r>
               <a:rPr b="0" lang="ru-RU" sz="1500" spc="-1" strike="noStrike">
                 <a:solidFill>
                   <a:srgbClr val="000000"/>
                 </a:solidFill>
-                <a:latin typeface="Source Sans Pro Black"/>
+                <a:latin typeface="Arial"/>
               </a:rPr>
-              <a:t>чтобы BERT мог лучше справляться с определением связей в нескольких предложениях, предварительное обучение включает дополнительную задачу: дано два предложения (А и В); какова вероятность, что В будет следовать после А</a:t>
+              <a:t>Для задач языкового моделирования BERT использует «умные» маски для 15% слов во входном предложении и просит модель предсказать пропущенное слово</a:t>
             </a:r>
             <a:endParaRPr b="0" lang="ru-RU" sz="1500" spc="-1" strike="noStrike">
               <a:solidFill>
@@ -11249,9 +11772,62 @@
           <a:chExt cx="0" cy="0"/>
         </a:xfrm>
       </p:grpSpPr>
+      <p:sp>
+        <p:nvSpPr>
+          <p:cNvPr id="196" name=""/>
+          <p:cNvSpPr/>
+          <p:nvPr/>
+        </p:nvSpPr>
+        <p:spPr>
+          <a:xfrm>
+            <a:off x="180000" y="321480"/>
+            <a:ext cx="6659640" cy="3504600"/>
+          </a:xfrm>
+          <a:prstGeom prst="rect">
+            <a:avLst/>
+          </a:prstGeom>
+          <a:noFill/>
+          <a:ln w="0">
+            <a:noFill/>
+          </a:ln>
+        </p:spPr>
+        <p:style>
+          <a:lnRef idx="0"/>
+          <a:fillRef idx="0"/>
+          <a:effectRef idx="0"/>
+          <a:fontRef idx="minor"/>
+        </p:style>
+        <p:txBody>
+          <a:bodyPr lIns="90000" rIns="90000" tIns="45000" bIns="45000" anchor="t">
+            <a:noAutofit/>
+          </a:bodyPr>
+          <a:p>
+            <a:pPr>
+              <a:lnSpc>
+                <a:spcPct val="100000"/>
+              </a:lnSpc>
+            </a:pPr>
+            <a:r>
+              <a:rPr b="1" lang="ru-RU" sz="2700" spc="-1" strike="noStrike">
+                <a:solidFill>
+                  <a:srgbClr val="ffffff"/>
+                </a:solidFill>
+                <a:latin typeface="Source Sans Pro Black"/>
+              </a:rPr>
+              <a:t>BERT для задачи двух предложений</a:t>
+            </a:r>
+            <a:endParaRPr b="0" lang="ru-RU" sz="2700" spc="-1" strike="noStrike">
+              <a:solidFill>
+                <a:srgbClr val="000000"/>
+              </a:solidFill>
+              <a:latin typeface="Arial"/>
+            </a:endParaRPr>
+          </a:p>
+        </p:txBody>
+      </p:sp>
       <p:pic>
         <p:nvPicPr>
-          <p:cNvPr id="200" name="" descr=""/>
+          <p:cNvPr id="197" name="" descr=""/>
           <p:cNvPicPr/>
           <p:nvPr/>
         </p:nvPicPr>
@@ -11261,8 +11837,8 @@
         </p:blipFill>
         <p:spPr>
           <a:xfrm>
-            <a:off x="2480760" y="1315080"/>
-            <a:ext cx="4719240" cy="3184920"/>
+            <a:off x="398160" y="1668600"/>
+            <a:ext cx="4641480" cy="3191040"/>
           </a:xfrm>
           <a:prstGeom prst="rect">
             <a:avLst/>
@@ -11274,14 +11850,14 @@
       </p:pic>
       <p:sp>
         <p:nvSpPr>
-          <p:cNvPr id="201" name=""/>
-          <p:cNvSpPr txBox="1"/>
+          <p:cNvPr id="198" name=""/>
+          <p:cNvSpPr/>
           <p:nvPr/>
         </p:nvSpPr>
         <p:spPr>
           <a:xfrm>
-            <a:off x="0" y="321480"/>
-            <a:ext cx="6002280" cy="578520"/>
+            <a:off x="4860000" y="2520000"/>
+            <a:ext cx="5039640" cy="1447200"/>
           </a:xfrm>
           <a:prstGeom prst="rect">
             <a:avLst/>
@@ -11291,72 +11867,32 @@
             <a:noFill/>
           </a:ln>
         </p:spPr>
+        <p:style>
+          <a:lnRef idx="0"/>
+          <a:fillRef idx="0"/>
+          <a:effectRef idx="0"/>
+          <a:fontRef idx="minor"/>
+        </p:style>
         <p:txBody>
           <a:bodyPr lIns="90000" rIns="90000" tIns="45000" bIns="45000" anchor="t">
             <a:noAutofit/>
           </a:bodyPr>
           <a:p>
-            <a:r>
-              <a:rPr b="1" lang="ru-RU" sz="2700" spc="-1" strike="noStrike">
-                <a:solidFill>
-                  <a:srgbClr val="ffffff"/>
-                </a:solidFill>
-                <a:latin typeface="Source Sans Pro Black"/>
-              </a:rPr>
-              <a:t>BERT для различных задач</a:t>
-            </a:r>
-            <a:endParaRPr b="0" lang="ru-RU" sz="2700" spc="-1" strike="noStrike">
-              <a:solidFill>
-                <a:srgbClr val="000000"/>
-              </a:solidFill>
-              <a:latin typeface="Arial"/>
-            </a:endParaRPr>
-          </a:p>
-        </p:txBody>
-      </p:sp>
-      <p:sp>
-        <p:nvSpPr>
-          <p:cNvPr id="202" name=""/>
-          <p:cNvSpPr txBox="1"/>
-          <p:nvPr/>
-        </p:nvSpPr>
-        <p:spPr>
-          <a:xfrm>
-            <a:off x="900000" y="4428360"/>
-            <a:ext cx="8280000" cy="794520"/>
-          </a:xfrm>
-          <a:prstGeom prst="rect">
-            <a:avLst/>
-          </a:prstGeom>
-          <a:noFill/>
-          <a:ln w="0">
-            <a:noFill/>
-          </a:ln>
-        </p:spPr>
-        <p:txBody>
-          <a:bodyPr lIns="90000" rIns="90000" tIns="45000" bIns="45000" anchor="t">
-            <a:noAutofit/>
-          </a:bodyPr>
-          <a:p>
-            <a:r>
-              <a:rPr b="0" lang="ru-RU" sz="1300" spc="-1" strike="noStrike">
-                <a:solidFill>
-                  <a:srgbClr val="000000"/>
-                </a:solidFill>
-                <a:latin typeface="Source Sans Pro Black"/>
-              </a:rPr>
-              <a:t>a) Задачи классификации двух предложений: MNLI, QQP, QNLI, STS-B, MRPC, RTE, SWAG; b) задачи классификации одного предложения: SST-2, CoLA; c) вопросно-ответные задачи: SQuAD v1.1; d) задачи разметки одного предложения: CoNLL-2003 NER</a:t>
-            </a:r>
-            <a:r>
-              <a:rPr b="0" lang="ru-RU" sz="1300" spc="-1" strike="noStrike">
+            <a:pPr>
+              <a:lnSpc>
+                <a:spcPct val="100000"/>
+              </a:lnSpc>
+            </a:pPr>
+            <a:r>
+              <a:rPr b="0" lang="ru-RU" sz="1500" spc="-1" strike="noStrike">
                 <a:solidFill>
                   <a:srgbClr val="000000"/>
                 </a:solidFill>
                 <a:latin typeface="Arial"/>
               </a:rPr>
-              <a:t>.</a:t>
-            </a:r>
-            <a:endParaRPr b="0" lang="ru-RU" sz="1300" spc="-1" strike="noStrike">
+              <a:t>Чтобы BERT мог лучше справляться с определением связей в нескольких предложениях, предварительное обучение включает дополнительную задачу: дано два предложения (А и В); какова вероятность, что В будет следовать после А?</a:t>
+            </a:r>
+            <a:endParaRPr b="0" lang="ru-RU" sz="1500" spc="-1" strike="noStrike">
               <a:solidFill>
                 <a:srgbClr val="000000"/>
               </a:solidFill>
@@ -11404,7 +11940,7 @@
         <p:spPr>
           <a:xfrm>
             <a:off x="540000" y="321480"/>
-            <a:ext cx="6299640" cy="1065600"/>
+            <a:ext cx="6299280" cy="1065240"/>
           </a:xfrm>
           <a:prstGeom prst="rect">
             <a:avLst/>
@@ -11436,6 +11972,7 @@
                   <a:srgbClr val="ffffff"/>
                 </a:solidFill>
                 <a:latin typeface="Source Sans Pro Black"/>
+                <a:ea typeface="DejaVu Sans"/>
               </a:rPr>
               <a:t>Краткий план</a:t>
             </a:r>
@@ -11457,7 +11994,7 @@
         <p:spPr>
           <a:xfrm>
             <a:off x="167760" y="1454760"/>
-            <a:ext cx="7571880" cy="2697120"/>
+            <a:ext cx="7571520" cy="2696760"/>
           </a:xfrm>
           <a:prstGeom prst="rect">
             <a:avLst/>
@@ -11489,6 +12026,7 @@
                   <a:srgbClr val="2c3e50"/>
                 </a:solidFill>
                 <a:latin typeface="Source Sans Pro Semibold"/>
+                <a:ea typeface="DejaVu Sans"/>
               </a:rPr>
               <a:t>1)Введение</a:t>
             </a:r>
@@ -11511,6 +12049,7 @@
                   <a:srgbClr val="2c3e50"/>
                 </a:solidFill>
                 <a:latin typeface="Source Sans Pro Semibold"/>
+                <a:ea typeface="DejaVu Sans"/>
               </a:rPr>
               <a:t>2)Главная идея</a:t>
             </a:r>
@@ -11533,6 +12072,7 @@
                   <a:srgbClr val="2c3e50"/>
                 </a:solidFill>
                 <a:latin typeface="Source Sans Pro Semibold"/>
+                <a:ea typeface="DejaVu Sans"/>
               </a:rPr>
               <a:t>3)Внимание, Енкодер и Декодер</a:t>
             </a:r>
@@ -11555,6 +12095,7 @@
                   <a:srgbClr val="2c3e50"/>
                 </a:solidFill>
                 <a:latin typeface="Source Sans Pro Semibold"/>
+                <a:ea typeface="DejaVu Sans"/>
               </a:rPr>
               <a:t>4)Трансфомеры</a:t>
             </a:r>
@@ -11577,6 +12118,7 @@
                   <a:srgbClr val="2c3e50"/>
                 </a:solidFill>
                 <a:latin typeface="Source Sans Pro Semibold"/>
+                <a:ea typeface="DejaVu Sans"/>
               </a:rPr>
               <a:t>5)BERT</a:t>
             </a:r>
@@ -11599,6 +12141,7 @@
                   <a:srgbClr val="2c3e50"/>
                 </a:solidFill>
                 <a:latin typeface="Source Sans Pro Semibold"/>
+                <a:ea typeface="DejaVu Sans"/>
               </a:rPr>
               <a:t>6)GPT</a:t>
             </a:r>
@@ -11641,20 +12184,39 @@
           <a:chExt cx="0" cy="0"/>
         </a:xfrm>
       </p:grpSpPr>
-      <p:sp>
-        <p:nvSpPr>
-          <p:cNvPr id="203" name="PlaceHolder 1"/>
-          <p:cNvSpPr>
-            <a:spLocks noGrp="1"/>
-          </p:cNvSpPr>
-          <p:nvPr>
-            <p:ph type="title"/>
-          </p:nvPr>
-        </p:nvSpPr>
-        <p:spPr>
-          <a:xfrm>
-            <a:off x="2700000" y="1440000"/>
-            <a:ext cx="4679280" cy="1619280"/>
+      <p:pic>
+        <p:nvPicPr>
+          <p:cNvPr id="199" name="" descr=""/>
+          <p:cNvPicPr/>
+          <p:nvPr/>
+        </p:nvPicPr>
+        <p:blipFill>
+          <a:blip r:embed="rId1"/>
+          <a:stretch/>
+        </p:blipFill>
+        <p:spPr>
+          <a:xfrm>
+            <a:off x="2480760" y="1315080"/>
+            <a:ext cx="4718880" cy="3184560"/>
+          </a:xfrm>
+          <a:prstGeom prst="rect">
+            <a:avLst/>
+          </a:prstGeom>
+          <a:ln w="0">
+            <a:noFill/>
+          </a:ln>
+        </p:spPr>
+      </p:pic>
+      <p:sp>
+        <p:nvSpPr>
+          <p:cNvPr id="200" name=""/>
+          <p:cNvSpPr/>
+          <p:nvPr/>
+        </p:nvSpPr>
+        <p:spPr>
+          <a:xfrm>
+            <a:off x="0" y="321480"/>
+            <a:ext cx="6001920" cy="578160"/>
           </a:xfrm>
           <a:prstGeom prst="rect">
             <a:avLst/>
@@ -11664,6 +12226,146 @@
             <a:noFill/>
           </a:ln>
         </p:spPr>
+        <p:style>
+          <a:lnRef idx="0"/>
+          <a:fillRef idx="0"/>
+          <a:effectRef idx="0"/>
+          <a:fontRef idx="minor"/>
+        </p:style>
+        <p:txBody>
+          <a:bodyPr lIns="90000" rIns="90000" tIns="45000" bIns="45000" anchor="t">
+            <a:noAutofit/>
+          </a:bodyPr>
+          <a:p>
+            <a:pPr>
+              <a:lnSpc>
+                <a:spcPct val="100000"/>
+              </a:lnSpc>
+            </a:pPr>
+            <a:r>
+              <a:rPr b="1" lang="ru-RU" sz="2700" spc="-1" strike="noStrike">
+                <a:solidFill>
+                  <a:srgbClr val="ffffff"/>
+                </a:solidFill>
+                <a:latin typeface="Source Sans Pro Black"/>
+              </a:rPr>
+              <a:t>BERT для различных задач</a:t>
+            </a:r>
+            <a:endParaRPr b="0" lang="ru-RU" sz="2700" spc="-1" strike="noStrike">
+              <a:solidFill>
+                <a:srgbClr val="000000"/>
+              </a:solidFill>
+              <a:latin typeface="Arial"/>
+            </a:endParaRPr>
+          </a:p>
+        </p:txBody>
+      </p:sp>
+      <p:sp>
+        <p:nvSpPr>
+          <p:cNvPr id="201" name=""/>
+          <p:cNvSpPr/>
+          <p:nvPr/>
+        </p:nvSpPr>
+        <p:spPr>
+          <a:xfrm>
+            <a:off x="900000" y="4428360"/>
+            <a:ext cx="8279640" cy="794160"/>
+          </a:xfrm>
+          <a:prstGeom prst="rect">
+            <a:avLst/>
+          </a:prstGeom>
+          <a:noFill/>
+          <a:ln w="0">
+            <a:noFill/>
+          </a:ln>
+        </p:spPr>
+        <p:style>
+          <a:lnRef idx="0"/>
+          <a:fillRef idx="0"/>
+          <a:effectRef idx="0"/>
+          <a:fontRef idx="minor"/>
+        </p:style>
+        <p:txBody>
+          <a:bodyPr lIns="90000" rIns="90000" tIns="45000" bIns="45000" anchor="t">
+            <a:noAutofit/>
+          </a:bodyPr>
+          <a:p>
+            <a:pPr>
+              <a:lnSpc>
+                <a:spcPct val="100000"/>
+              </a:lnSpc>
+            </a:pPr>
+            <a:r>
+              <a:rPr b="0" lang="ru-RU" sz="1300" spc="-1" strike="noStrike">
+                <a:solidFill>
+                  <a:srgbClr val="000000"/>
+                </a:solidFill>
+                <a:latin typeface="Arial"/>
+              </a:rPr>
+              <a:t>a) Задачи классификации двух предложений: MNLI, QQP, QNLI, STS-B, MRPC, RTE, SWAG; b) задачи классификации одного предложения: SST-2, CoLA; c) вопросно-ответные задачи: SQuAD v1.1; d) задачи разметки одного предложения: CoNLL-2003 NER.</a:t>
+            </a:r>
+            <a:endParaRPr b="0" lang="ru-RU" sz="1300" spc="-1" strike="noStrike">
+              <a:solidFill>
+                <a:srgbClr val="000000"/>
+              </a:solidFill>
+              <a:latin typeface="Arial"/>
+            </a:endParaRPr>
+          </a:p>
+        </p:txBody>
+      </p:sp>
+    </p:spTree>
+  </p:cSld>
+  <mc:AlternateContent>
+    <mc:Choice Requires="p14">
+      <p:transition spd="slow" p14:dur="2000"/>
+    </mc:Choice>
+    <mc:Fallback>
+      <p:transition spd="slow"/>
+    </mc:Fallback>
+  </mc:AlternateContent>
+</p:sld>
+</file>
+
+<file path=ppt/slides/slide21.xml><?xml version="1.0" encoding="utf-8"?>
+<p:sld xmlns:a="http://schemas.openxmlformats.org/drawingml/2006/main" xmlns:p="http://schemas.openxmlformats.org/presentationml/2006/main" xmlns:r="http://schemas.openxmlformats.org/officeDocument/2006/relationships" xmlns:p14="http://schemas.microsoft.com/office/powerpoint/2010/main" xmlns:p15="http://schemas.microsoft.com/office/powerpoint/2012/main" xmlns:mc="http://schemas.openxmlformats.org/markup-compatibility/2006">
+  <p:cSld>
+    <p:spTree>
+      <p:nvGrpSpPr>
+        <p:cNvPr id="1" name=""/>
+        <p:cNvGrpSpPr/>
+        <p:nvPr/>
+      </p:nvGrpSpPr>
+      <p:grpSpPr>
+        <a:xfrm>
+          <a:off x="0" y="0"/>
+          <a:ext cx="0" cy="0"/>
+          <a:chOff x="0" y="0"/>
+          <a:chExt cx="0" cy="0"/>
+        </a:xfrm>
+      </p:grpSpPr>
+      <p:sp>
+        <p:nvSpPr>
+          <p:cNvPr id="202" name="PlaceHolder 1"/>
+          <p:cNvSpPr>
+            <a:spLocks noGrp="1"/>
+          </p:cNvSpPr>
+          <p:nvPr>
+            <p:ph type="title"/>
+          </p:nvPr>
+        </p:nvSpPr>
+        <p:spPr>
+          <a:xfrm>
+            <a:off x="2700000" y="1440000"/>
+            <a:ext cx="4678920" cy="1618920"/>
+          </a:xfrm>
+          <a:prstGeom prst="rect">
+            <a:avLst/>
+          </a:prstGeom>
+          <a:noFill/>
+          <a:ln w="0">
+            <a:noFill/>
+          </a:ln>
+        </p:spPr>
         <p:txBody>
           <a:bodyPr lIns="0" rIns="0" tIns="0" bIns="0" anchor="ctr" anchorCtr="1">
             <a:noAutofit/>
@@ -11695,8 +12397,8 @@
         <p:txBody>
           <a:bodyPr/>
           <a:p>
-            <a:fld id="{FE3EA54C-726A-460B-8968-888643A81D24}" type="slidenum">
-              <a:t>20</a:t>
+            <a:fld id="{C334F76E-D68A-499F-847A-379FDA984DCF}" type="slidenum">
+              <a:t>21</a:t>
             </a:fld>
           </a:p>
         </p:txBody>
@@ -11731,142 +12433,6 @@
           <a:chExt cx="0" cy="0"/>
         </a:xfrm>
       </p:grpSpPr>
-      <p:sp>
-        <p:nvSpPr>
-          <p:cNvPr id="134" name="PlaceHolder 1"/>
-          <p:cNvSpPr>
-            <a:spLocks noGrp="1"/>
-          </p:cNvSpPr>
-          <p:nvPr>
-            <p:ph type="title"/>
-          </p:nvPr>
-        </p:nvSpPr>
-        <p:spPr>
-          <a:xfrm>
-            <a:off x="360000" y="225720"/>
-            <a:ext cx="9359280" cy="719280"/>
-          </a:xfrm>
-          <a:prstGeom prst="rect">
-            <a:avLst/>
-          </a:prstGeom>
-          <a:noFill/>
-          <a:ln w="0">
-            <a:noFill/>
-          </a:ln>
-        </p:spPr>
-        <p:txBody>
-          <a:bodyPr lIns="0" rIns="0" tIns="0" bIns="0" anchor="ctr">
-            <a:noAutofit/>
-          </a:bodyPr>
-          <a:p>
-            <a:pPr indent="0">
-              <a:lnSpc>
-                <a:spcPct val="100000"/>
-              </a:lnSpc>
-              <a:buNone/>
-              <a:tabLst>
-                <a:tab algn="l" pos="0"/>
-              </a:tabLst>
-            </a:pPr>
-            <a:r>
-              <a:rPr b="1" lang="ru-RU" sz="2700" spc="-1" strike="noStrike">
-                <a:solidFill>
-                  <a:srgbClr val="ffffff"/>
-                </a:solidFill>
-                <a:latin typeface="Source Sans Pro Black"/>
-              </a:rPr>
-              <a:t>Введение</a:t>
-            </a:r>
-            <a:endParaRPr b="0" lang="ru-RU" sz="2700" spc="-1" strike="noStrike">
-              <a:solidFill>
-                <a:srgbClr val="000000"/>
-              </a:solidFill>
-              <a:latin typeface="Arial"/>
-            </a:endParaRPr>
-          </a:p>
-        </p:txBody>
-      </p:sp>
-      <p:sp>
-        <p:nvSpPr>
-          <p:cNvPr id="135" name="PlaceHolder 2"/>
-          <p:cNvSpPr>
-            <a:spLocks noGrp="1"/>
-          </p:cNvSpPr>
-          <p:nvPr>
-            <p:ph/>
-          </p:nvPr>
-        </p:nvSpPr>
-        <p:spPr>
-          <a:xfrm>
-            <a:off x="180000" y="1620000"/>
-            <a:ext cx="9359280" cy="3779280"/>
-          </a:xfrm>
-          <a:prstGeom prst="rect">
-            <a:avLst/>
-          </a:prstGeom>
-          <a:noFill/>
-          <a:ln w="0">
-            <a:noFill/>
-          </a:ln>
-        </p:spPr>
-        <p:txBody>
-          <a:bodyPr lIns="0" rIns="0" tIns="0" bIns="0" anchor="t">
-            <a:normAutofit/>
-          </a:bodyPr>
-          <a:p>
-            <a:pPr marL="432000" indent="0" algn="ctr">
-              <a:lnSpc>
-                <a:spcPct val="100000"/>
-              </a:lnSpc>
-              <a:spcAft>
-                <a:spcPts val="1057"/>
-              </a:spcAft>
-              <a:buNone/>
-              <a:tabLst>
-                <a:tab algn="l" pos="0"/>
-              </a:tabLst>
-            </a:pPr>
-            <a:r>
-              <a:rPr b="1" lang="ru-RU" sz="2400" spc="-1" strike="noStrike">
-                <a:solidFill>
-                  <a:srgbClr val="2c3e50"/>
-                </a:solidFill>
-                <a:latin typeface="Source Sans Pro Semibold"/>
-              </a:rPr>
-              <a:t>Что такое внимание?</a:t>
-            </a:r>
-            <a:endParaRPr b="0" lang="ru-RU" sz="2400" spc="-1" strike="noStrike">
-              <a:solidFill>
-                <a:srgbClr val="000000"/>
-              </a:solidFill>
-              <a:latin typeface="Arial"/>
-            </a:endParaRPr>
-          </a:p>
-        </p:txBody>
-      </p:sp>
-      <p:pic>
-        <p:nvPicPr>
-          <p:cNvPr id="136" name="" descr=""/>
-          <p:cNvPicPr/>
-          <p:nvPr/>
-        </p:nvPicPr>
-        <p:blipFill>
-          <a:blip r:embed="rId1"/>
-          <a:stretch/>
-        </p:blipFill>
-        <p:spPr>
-          <a:xfrm>
-            <a:off x="3039840" y="2093040"/>
-            <a:ext cx="4159440" cy="2946240"/>
-          </a:xfrm>
-          <a:prstGeom prst="rect">
-            <a:avLst/>
-          </a:prstGeom>
-          <a:ln w="10800">
-            <a:noFill/>
-          </a:ln>
-        </p:spPr>
-      </p:pic>
     </p:spTree>
   </p:cSld>
   <mc:AlternateContent>
@@ -11899,7 +12465,7 @@
       </p:grpSpPr>
       <p:sp>
         <p:nvSpPr>
-          <p:cNvPr id="137" name="PlaceHolder 1"/>
+          <p:cNvPr id="134" name="PlaceHolder 1"/>
           <p:cNvSpPr>
             <a:spLocks noGrp="1"/>
           </p:cNvSpPr>
@@ -11910,7 +12476,7 @@
         <p:spPr>
           <a:xfrm>
             <a:off x="360000" y="225720"/>
-            <a:ext cx="9359280" cy="718200"/>
+            <a:ext cx="9358920" cy="718920"/>
           </a:xfrm>
           <a:prstGeom prst="rect">
             <a:avLst/>
@@ -11941,6 +12507,172 @@
                 </a:solidFill>
                 <a:latin typeface="Source Sans Pro Black"/>
               </a:rPr>
+              <a:t>Введение</a:t>
+            </a:r>
+            <a:endParaRPr b="0" lang="ru-RU" sz="2700" spc="-1" strike="noStrike">
+              <a:solidFill>
+                <a:srgbClr val="000000"/>
+              </a:solidFill>
+              <a:latin typeface="Arial"/>
+            </a:endParaRPr>
+          </a:p>
+        </p:txBody>
+      </p:sp>
+      <p:sp>
+        <p:nvSpPr>
+          <p:cNvPr id="135" name="PlaceHolder 2"/>
+          <p:cNvSpPr>
+            <a:spLocks noGrp="1"/>
+          </p:cNvSpPr>
+          <p:nvPr>
+            <p:ph/>
+          </p:nvPr>
+        </p:nvSpPr>
+        <p:spPr>
+          <a:xfrm>
+            <a:off x="180000" y="1620000"/>
+            <a:ext cx="9358920" cy="3778920"/>
+          </a:xfrm>
+          <a:prstGeom prst="rect">
+            <a:avLst/>
+          </a:prstGeom>
+          <a:noFill/>
+          <a:ln w="0">
+            <a:noFill/>
+          </a:ln>
+        </p:spPr>
+        <p:txBody>
+          <a:bodyPr lIns="0" rIns="0" tIns="0" bIns="0" anchor="t">
+            <a:normAutofit/>
+          </a:bodyPr>
+          <a:p>
+            <a:pPr marL="432000" indent="0" algn="ctr">
+              <a:lnSpc>
+                <a:spcPct val="100000"/>
+              </a:lnSpc>
+              <a:spcAft>
+                <a:spcPts val="1057"/>
+              </a:spcAft>
+              <a:buNone/>
+              <a:tabLst>
+                <a:tab algn="l" pos="0"/>
+              </a:tabLst>
+            </a:pPr>
+            <a:r>
+              <a:rPr b="1" lang="ru-RU" sz="2400" spc="-1" strike="noStrike">
+                <a:solidFill>
+                  <a:srgbClr val="2c3e50"/>
+                </a:solidFill>
+                <a:latin typeface="Source Sans Pro Semibold"/>
+              </a:rPr>
+              <a:t>Что такое внимание?</a:t>
+            </a:r>
+            <a:endParaRPr b="0" lang="ru-RU" sz="2400" spc="-1" strike="noStrike">
+              <a:solidFill>
+                <a:srgbClr val="000000"/>
+              </a:solidFill>
+              <a:latin typeface="Arial"/>
+            </a:endParaRPr>
+          </a:p>
+        </p:txBody>
+      </p:sp>
+      <p:pic>
+        <p:nvPicPr>
+          <p:cNvPr id="136" name="" descr=""/>
+          <p:cNvPicPr/>
+          <p:nvPr/>
+        </p:nvPicPr>
+        <p:blipFill>
+          <a:blip r:embed="rId1"/>
+          <a:stretch/>
+        </p:blipFill>
+        <p:spPr>
+          <a:xfrm>
+            <a:off x="3039840" y="2093040"/>
+            <a:ext cx="4159080" cy="2945880"/>
+          </a:xfrm>
+          <a:prstGeom prst="rect">
+            <a:avLst/>
+          </a:prstGeom>
+          <a:ln w="10800">
+            <a:noFill/>
+          </a:ln>
+        </p:spPr>
+      </p:pic>
+    </p:spTree>
+  </p:cSld>
+  <mc:AlternateContent>
+    <mc:Choice Requires="p14">
+      <p:transition spd="slow" p14:dur="2000"/>
+    </mc:Choice>
+    <mc:Fallback>
+      <p:transition spd="slow"/>
+    </mc:Fallback>
+  </mc:AlternateContent>
+</p:sld>
+</file>
+
+<file path=ppt/slides/slide5.xml><?xml version="1.0" encoding="utf-8"?>
+<p:sld xmlns:a="http://schemas.openxmlformats.org/drawingml/2006/main" xmlns:p="http://schemas.openxmlformats.org/presentationml/2006/main" xmlns:r="http://schemas.openxmlformats.org/officeDocument/2006/relationships" xmlns:p14="http://schemas.microsoft.com/office/powerpoint/2010/main" xmlns:p15="http://schemas.microsoft.com/office/powerpoint/2012/main" xmlns:mc="http://schemas.openxmlformats.org/markup-compatibility/2006">
+  <p:cSld>
+    <p:spTree>
+      <p:nvGrpSpPr>
+        <p:cNvPr id="1" name=""/>
+        <p:cNvGrpSpPr/>
+        <p:nvPr/>
+      </p:nvGrpSpPr>
+      <p:grpSpPr>
+        <a:xfrm>
+          <a:off x="0" y="0"/>
+          <a:ext cx="0" cy="0"/>
+          <a:chOff x="0" y="0"/>
+          <a:chExt cx="0" cy="0"/>
+        </a:xfrm>
+      </p:grpSpPr>
+      <p:sp>
+        <p:nvSpPr>
+          <p:cNvPr id="137" name="PlaceHolder 1"/>
+          <p:cNvSpPr>
+            <a:spLocks noGrp="1"/>
+          </p:cNvSpPr>
+          <p:nvPr>
+            <p:ph type="title"/>
+          </p:nvPr>
+        </p:nvSpPr>
+        <p:spPr>
+          <a:xfrm>
+            <a:off x="360000" y="225720"/>
+            <a:ext cx="9358920" cy="717840"/>
+          </a:xfrm>
+          <a:prstGeom prst="rect">
+            <a:avLst/>
+          </a:prstGeom>
+          <a:noFill/>
+          <a:ln w="0">
+            <a:noFill/>
+          </a:ln>
+        </p:spPr>
+        <p:txBody>
+          <a:bodyPr lIns="0" rIns="0" tIns="0" bIns="0" anchor="ctr">
+            <a:noAutofit/>
+          </a:bodyPr>
+          <a:p>
+            <a:pPr indent="0">
+              <a:lnSpc>
+                <a:spcPct val="100000"/>
+              </a:lnSpc>
+              <a:buNone/>
+              <a:tabLst>
+                <a:tab algn="l" pos="0"/>
+              </a:tabLst>
+            </a:pPr>
+            <a:r>
+              <a:rPr b="1" lang="ru-RU" sz="2700" spc="-1" strike="noStrike">
+                <a:solidFill>
+                  <a:srgbClr val="ffffff"/>
+                </a:solidFill>
+                <a:latin typeface="Source Sans Pro Black"/>
+              </a:rPr>
               <a:t>Основная идея в ML</a:t>
             </a:r>
             <a:endParaRPr b="0" lang="ru-RU" sz="2700" spc="-1" strike="noStrike">
@@ -11964,8 +12696,8 @@
         </p:nvSpPr>
         <p:spPr>
           <a:xfrm>
-            <a:off x="8280" y="1127520"/>
-            <a:ext cx="5039280" cy="3914280"/>
+            <a:off x="-180000" y="1260000"/>
+            <a:ext cx="5038920" cy="3913920"/>
           </a:xfrm>
           <a:prstGeom prst="rect">
             <a:avLst/>
@@ -11995,11 +12727,11 @@
               <a:buChar char=""/>
             </a:pPr>
             <a:r>
-              <a:rPr b="1" lang="ru-RU" sz="2400" spc="-1" strike="noStrike">
+              <a:rPr b="0" lang="ru-RU" sz="2400" spc="-1" strike="noStrike">
                 <a:solidFill>
                   <a:srgbClr val="2c3e50"/>
                 </a:solidFill>
-                <a:latin typeface="Source Sans Pro Semibold"/>
+                <a:latin typeface="Arial"/>
               </a:rPr>
               <a:t>«Надо сдавать лабораторные работы до срока сдачи»</a:t>
             </a:r>
@@ -12026,22 +12758,58 @@
               <a:buChar char=""/>
             </a:pPr>
             <a:r>
-              <a:rPr b="1" lang="ru-RU" sz="2400" spc="-1" strike="noStrike">
+              <a:rPr b="0" lang="ru-RU" sz="2400" spc="-1" strike="noStrike">
                 <a:solidFill>
                   <a:srgbClr val="2c3e50"/>
                 </a:solidFill>
-                <a:latin typeface="Source Sans Pro Semibold"/>
+                <a:latin typeface="Arial"/>
               </a:rPr>
               <a:t>„</a:t>
             </a:r>
             <a:r>
-              <a:rPr b="1" lang="ru-RU" sz="2400" spc="-1" strike="noStrike">
+              <a:rPr b="0" lang="ru-RU" sz="2400" spc="-1" strike="noStrike">
                 <a:solidFill>
                   <a:srgbClr val="2c3e50"/>
                 </a:solidFill>
-                <a:latin typeface="Source Sans Pro Semibold"/>
+                <a:latin typeface="Arial"/>
               </a:rPr>
-              <a:t>Надо“ →w1 [1,0,0,0,0,0,0]</a:t>
+              <a:t>Надо“ →w</a:t>
+            </a:r>
+            <a:r>
+              <a:rPr b="0" lang="ru-RU" sz="2400" spc="-1" strike="noStrike" baseline="-8000">
+                <a:solidFill>
+                  <a:srgbClr val="2c3e50"/>
+                </a:solidFill>
+                <a:latin typeface="Arial"/>
+              </a:rPr>
+              <a:t>1</a:t>
+            </a:r>
+            <a:r>
+              <a:rPr b="0" lang="ru-RU" sz="2400" spc="-1" strike="noStrike">
+                <a:solidFill>
+                  <a:srgbClr val="2c3e50"/>
+                </a:solidFill>
+                <a:latin typeface="Arial"/>
+              </a:rPr>
+              <a:t>=</a:t>
+            </a:r>
+            <a:r>
+              <a:rPr b="0" lang="ru-RU" sz="2400" spc="-1" strike="noStrike" baseline="-8000">
+                <a:solidFill>
+                  <a:srgbClr val="2c3e50"/>
+                </a:solidFill>
+                <a:latin typeface="Arial"/>
+              </a:rPr>
+              <a:t> </a:t>
+            </a:r>
+            <a:r>
+              <a:rPr b="0" lang="ru-RU" sz="2400" spc="-1" strike="noStrike">
+                <a:solidFill>
+                  <a:srgbClr val="2c3e50"/>
+                </a:solidFill>
+                <a:latin typeface="Arial"/>
+              </a:rPr>
+              <a:t>[1,0,0,0,0,0,0]</a:t>
             </a:r>
             <a:endParaRPr b="0" lang="ru-RU" sz="2400" spc="-1" strike="noStrike">
               <a:solidFill>
@@ -12066,22 +12834,43 @@
               <a:buChar char=""/>
             </a:pPr>
             <a:r>
-              <a:rPr b="1" lang="ru-RU" sz="2400" spc="-1" strike="noStrike">
+              <a:rPr b="0" lang="ru-RU" sz="2400" spc="-1" strike="noStrike">
                 <a:solidFill>
                   <a:srgbClr val="2c3e50"/>
                 </a:solidFill>
-                <a:latin typeface="Source Sans Pro Semibold"/>
+                <a:latin typeface="Arial"/>
+                <a:ea typeface="Source Han Sans CN"/>
               </a:rPr>
               <a:t>„</a:t>
             </a:r>
             <a:r>
-              <a:rPr b="1" lang="ru-RU" sz="2400" spc="-1" strike="noStrike">
+              <a:rPr b="0" lang="ru-RU" sz="2400" spc="-1" strike="noStrike">
                 <a:solidFill>
                   <a:srgbClr val="2c3e50"/>
                 </a:solidFill>
-                <a:latin typeface="Source Sans Pro Semibold"/>
+                <a:latin typeface="Arial"/>
+                <a:ea typeface="Source Han Sans CN"/>
               </a:rPr>
-              <a:t>Cдавать“ →w2 [0,1,0,0,0,0,0]</a:t>
+              <a:t>Cдавать“ →w</a:t>
+            </a:r>
+            <a:r>
+              <a:rPr b="0" lang="ru-RU" sz="2400" spc="-1" strike="noStrike" baseline="-8000">
+                <a:solidFill>
+                  <a:srgbClr val="2c3e50"/>
+                </a:solidFill>
+                <a:latin typeface="Arial"/>
+                <a:ea typeface="Source Han Sans CN"/>
+              </a:rPr>
+              <a:t>2</a:t>
+            </a:r>
+            <a:r>
+              <a:rPr b="0" lang="ru-RU" sz="2400" spc="-1" strike="noStrike">
+                <a:solidFill>
+                  <a:srgbClr val="2c3e50"/>
+                </a:solidFill>
+                <a:latin typeface="Arial"/>
+              </a:rPr>
+              <a:t>=[0,1,0,0,0,0,0]</a:t>
             </a:r>
             <a:endParaRPr b="0" lang="ru-RU" sz="2400" spc="-1" strike="noStrike">
               <a:solidFill>
@@ -12106,22 +12895,43 @@
               <a:buChar char=""/>
             </a:pPr>
             <a:r>
-              <a:rPr b="1" lang="ru-RU" sz="2400" spc="-1" strike="noStrike">
+              <a:rPr b="0" lang="ru-RU" sz="2400" spc="-1" strike="noStrike">
                 <a:solidFill>
                   <a:srgbClr val="2c3e50"/>
                 </a:solidFill>
-                <a:latin typeface="Source Sans Pro Semibold"/>
+                <a:latin typeface="Arial"/>
+                <a:ea typeface="Source Han Sans CN"/>
               </a:rPr>
               <a:t>„</a:t>
             </a:r>
             <a:r>
-              <a:rPr b="1" lang="ru-RU" sz="2400" spc="-1" strike="noStrike">
+              <a:rPr b="0" lang="ru-RU" sz="2400" spc="-1" strike="noStrike">
                 <a:solidFill>
                   <a:srgbClr val="2c3e50"/>
                 </a:solidFill>
-                <a:latin typeface="Source Sans Pro Semibold"/>
+                <a:latin typeface="Arial"/>
+                <a:ea typeface="Source Han Sans CN"/>
               </a:rPr>
-              <a:t>Лабораторные“ →w3[0,0,1,0,0,0,0]</a:t>
+              <a:t>Лабораторные“ →w</a:t>
+            </a:r>
+            <a:r>
+              <a:rPr b="0" lang="ru-RU" sz="2400" spc="-1" strike="noStrike" baseline="-8000">
+                <a:solidFill>
+                  <a:srgbClr val="2c3e50"/>
+                </a:solidFill>
+                <a:latin typeface="Arial"/>
+                <a:ea typeface="Source Han Sans CN"/>
+              </a:rPr>
+              <a:t>3</a:t>
+            </a:r>
+            <a:r>
+              <a:rPr b="0" lang="ru-RU" sz="2400" spc="-1" strike="noStrike">
+                <a:solidFill>
+                  <a:srgbClr val="2c3e50"/>
+                </a:solidFill>
+                <a:latin typeface="Arial"/>
+              </a:rPr>
+              <a:t>=[0,0,1,0,0,0,0]</a:t>
             </a:r>
             <a:endParaRPr b="0" lang="ru-RU" sz="2400" spc="-1" strike="noStrike">
               <a:solidFill>
@@ -12146,22 +12956,43 @@
               <a:buChar char=""/>
             </a:pPr>
             <a:r>
-              <a:rPr b="1" lang="ru-RU" sz="2400" spc="-1" strike="noStrike">
+              <a:rPr b="0" lang="ru-RU" sz="2400" spc="-1" strike="noStrike">
                 <a:solidFill>
                   <a:srgbClr val="2c3e50"/>
                 </a:solidFill>
-                <a:latin typeface="Source Sans Pro Semibold"/>
+                <a:latin typeface="Arial"/>
+                <a:ea typeface="Source Han Sans CN"/>
               </a:rPr>
               <a:t>„</a:t>
             </a:r>
             <a:r>
-              <a:rPr b="1" lang="ru-RU" sz="2400" spc="-1" strike="noStrike">
+              <a:rPr b="0" lang="ru-RU" sz="2400" spc="-1" strike="noStrike">
                 <a:solidFill>
                   <a:srgbClr val="2c3e50"/>
                 </a:solidFill>
-                <a:latin typeface="Source Sans Pro Semibold"/>
+                <a:latin typeface="Arial"/>
+                <a:ea typeface="Source Han Sans CN"/>
               </a:rPr>
-              <a:t>работы“ →w4[0,0,0,1,0,0,0]</a:t>
+              <a:t>работы“ →w</a:t>
+            </a:r>
+            <a:r>
+              <a:rPr b="0" lang="ru-RU" sz="2400" spc="-1" strike="noStrike" baseline="-8000">
+                <a:solidFill>
+                  <a:srgbClr val="2c3e50"/>
+                </a:solidFill>
+                <a:latin typeface="Arial"/>
+                <a:ea typeface="Source Han Sans CN"/>
+              </a:rPr>
+              <a:t>4</a:t>
+            </a:r>
+            <a:r>
+              <a:rPr b="0" lang="ru-RU" sz="2400" spc="-1" strike="noStrike">
+                <a:solidFill>
+                  <a:srgbClr val="2c3e50"/>
+                </a:solidFill>
+                <a:latin typeface="Arial"/>
+              </a:rPr>
+              <a:t>=[0,0,0,1,0,0,0]</a:t>
             </a:r>
             <a:endParaRPr b="0" lang="ru-RU" sz="2400" spc="-1" strike="noStrike">
               <a:solidFill>
@@ -12186,22 +13017,43 @@
               <a:buChar char=""/>
             </a:pPr>
             <a:r>
-              <a:rPr b="1" lang="ru-RU" sz="2400" spc="-1" strike="noStrike">
+              <a:rPr b="0" lang="ru-RU" sz="2400" spc="-1" strike="noStrike">
                 <a:solidFill>
                   <a:srgbClr val="2c3e50"/>
                 </a:solidFill>
-                <a:latin typeface="Source Sans Pro Semibold"/>
+                <a:latin typeface="Arial"/>
+                <a:ea typeface="Source Han Sans CN"/>
               </a:rPr>
               <a:t>„</a:t>
             </a:r>
             <a:r>
-              <a:rPr b="1" lang="ru-RU" sz="2400" spc="-1" strike="noStrike">
+              <a:rPr b="0" lang="ru-RU" sz="2400" spc="-1" strike="noStrike">
                 <a:solidFill>
                   <a:srgbClr val="2c3e50"/>
                 </a:solidFill>
-                <a:latin typeface="Source Sans Pro Semibold"/>
+                <a:latin typeface="Arial"/>
+                <a:ea typeface="Source Han Sans CN"/>
               </a:rPr>
-              <a:t>до“ →w5 [0,0,0,0,1,0,0]</a:t>
+              <a:t>до“ →w</a:t>
+            </a:r>
+            <a:r>
+              <a:rPr b="0" lang="ru-RU" sz="2400" spc="-1" strike="noStrike" baseline="-8000">
+                <a:solidFill>
+                  <a:srgbClr val="2c3e50"/>
+                </a:solidFill>
+                <a:latin typeface="Arial"/>
+                <a:ea typeface="Source Han Sans CN"/>
+              </a:rPr>
+              <a:t>5</a:t>
+            </a:r>
+            <a:r>
+              <a:rPr b="0" lang="ru-RU" sz="2400" spc="-1" strike="noStrike">
+                <a:solidFill>
+                  <a:srgbClr val="2c3e50"/>
+                </a:solidFill>
+                <a:latin typeface="Arial"/>
+              </a:rPr>
+              <a:t>= [0,0,0,0,1,0,0]</a:t>
             </a:r>
             <a:endParaRPr b="0" lang="ru-RU" sz="2400" spc="-1" strike="noStrike">
               <a:solidFill>
@@ -12226,22 +13078,43 @@
               <a:buChar char=""/>
             </a:pPr>
             <a:r>
-              <a:rPr b="1" lang="ru-RU" sz="2400" spc="-1" strike="noStrike">
+              <a:rPr b="0" lang="ru-RU" sz="2400" spc="-1" strike="noStrike">
                 <a:solidFill>
                   <a:srgbClr val="2c3e50"/>
                 </a:solidFill>
-                <a:latin typeface="Source Sans Pro Semibold"/>
+                <a:latin typeface="Arial"/>
+                <a:ea typeface="Source Han Sans CN"/>
               </a:rPr>
               <a:t>„</a:t>
             </a:r>
             <a:r>
-              <a:rPr b="1" lang="ru-RU" sz="2400" spc="-1" strike="noStrike">
+              <a:rPr b="0" lang="ru-RU" sz="2400" spc="-1" strike="noStrike">
                 <a:solidFill>
                   <a:srgbClr val="2c3e50"/>
                 </a:solidFill>
-                <a:latin typeface="Source Sans Pro Semibold"/>
+                <a:latin typeface="Arial"/>
+                <a:ea typeface="Source Han Sans CN"/>
               </a:rPr>
-              <a:t>срока“ → w6[0,0,0,0,0,1,0]</a:t>
+              <a:t>срока“ → w</a:t>
+            </a:r>
+            <a:r>
+              <a:rPr b="0" lang="ru-RU" sz="2400" spc="-1" strike="noStrike" baseline="-8000">
+                <a:solidFill>
+                  <a:srgbClr val="2c3e50"/>
+                </a:solidFill>
+                <a:latin typeface="Arial"/>
+                <a:ea typeface="Source Han Sans CN"/>
+              </a:rPr>
+              <a:t>6</a:t>
+            </a:r>
+            <a:r>
+              <a:rPr b="0" lang="ru-RU" sz="2400" spc="-1" strike="noStrike">
+                <a:solidFill>
+                  <a:srgbClr val="2c3e50"/>
+                </a:solidFill>
+                <a:latin typeface="Arial"/>
+              </a:rPr>
+              <a:t>=[0,0,0,0,0,1,0]</a:t>
             </a:r>
             <a:endParaRPr b="0" lang="ru-RU" sz="2400" spc="-1" strike="noStrike">
               <a:solidFill>
@@ -12266,22 +13139,53 @@
               <a:buChar char=""/>
             </a:pPr>
             <a:r>
-              <a:rPr b="1" lang="ru-RU" sz="2400" spc="-1" strike="noStrike">
+              <a:rPr b="0" lang="ru-RU" sz="2400" spc="-1" strike="noStrike">
                 <a:solidFill>
                   <a:srgbClr val="2c3e50"/>
                 </a:solidFill>
-                <a:latin typeface="Source Sans Pro Semibold"/>
+                <a:latin typeface="Arial"/>
+                <a:ea typeface="Source Han Sans CN"/>
               </a:rPr>
               <a:t>„</a:t>
             </a:r>
             <a:r>
-              <a:rPr b="1" lang="ru-RU" sz="2400" spc="-1" strike="noStrike">
+              <a:rPr b="0" lang="ru-RU" sz="2400" spc="-1" strike="noStrike">
                 <a:solidFill>
                   <a:srgbClr val="2c3e50"/>
                 </a:solidFill>
-                <a:latin typeface="Source Sans Pro Semibold"/>
+                <a:latin typeface="Arial"/>
+                <a:ea typeface="Source Han Sans CN"/>
               </a:rPr>
-              <a:t>сдачи“ →w7 [0,0,0,0,0,0,1]</a:t>
+              <a:t>сдачи“ →w</a:t>
+            </a:r>
+            <a:r>
+              <a:rPr b="0" lang="ru-RU" sz="2400" spc="-1" strike="noStrike" baseline="-8000">
+                <a:solidFill>
+                  <a:srgbClr val="2c3e50"/>
+                </a:solidFill>
+                <a:latin typeface="Arial"/>
+                <a:ea typeface="Source Han Sans CN"/>
+              </a:rPr>
+              <a:t>7</a:t>
+            </a:r>
+            <a:r>
+              <a:rPr b="0" lang="ru-RU" sz="2400" spc="-1" strike="noStrike">
+                <a:solidFill>
+                  <a:srgbClr val="2c3e50"/>
+                </a:solidFill>
+                <a:latin typeface="Arial"/>
+                <a:ea typeface="Source Han Sans CN"/>
+              </a:rPr>
+              <a:t> </a:t>
+            </a:r>
+            <a:r>
+              <a:rPr b="0" lang="ru-RU" sz="2400" spc="-1" strike="noStrike">
+                <a:solidFill>
+                  <a:srgbClr val="2c3e50"/>
+                </a:solidFill>
+                <a:latin typeface="Arial"/>
+              </a:rPr>
+              <a:t>=[0,0,0,0,0,0,1]</a:t>
             </a:r>
             <a:endParaRPr b="0" lang="ru-RU" sz="2400" spc="-1" strike="noStrike">
               <a:solidFill>
@@ -12300,14 +13204,14 @@
         </p:nvSpPr>
         <p:spPr>
           <a:xfrm>
-            <a:off x="5580000" y="1710000"/>
-            <a:ext cx="2339280" cy="809280"/>
+            <a:off x="4860000" y="3287880"/>
+            <a:ext cx="2698920" cy="671040"/>
           </a:xfrm>
           <a:prstGeom prst="rect">
             <a:avLst/>
           </a:prstGeom>
           <a:noFill/>
-          <a:ln w="0">
+          <a:ln w="10800">
             <a:noFill/>
           </a:ln>
         </p:spPr>
@@ -12318,102 +13222,6 @@
           <a:fontRef idx="minor"/>
         </p:style>
         <p:txBody>
-          <a:bodyPr lIns="0" rIns="0" tIns="0" bIns="0" anchor="t">
-            <a:normAutofit fontScale="97000"/>
-          </a:bodyPr>
-          <a:p>
-            <a:pPr marL="419040" indent="-314280">
-              <a:lnSpc>
-                <a:spcPct val="100000"/>
-              </a:lnSpc>
-              <a:spcAft>
-                <a:spcPts val="1057"/>
-              </a:spcAft>
-              <a:buClr>
-                <a:srgbClr val="2c3e50"/>
-              </a:buClr>
-              <a:buSzPct val="45000"/>
-              <a:buFont typeface="Wingdings" charset="2"/>
-              <a:buChar char=""/>
-            </a:pPr>
-            <a:r>
-              <a:rPr b="1" lang="ru-RU" sz="2800" spc="-1" strike="noStrike">
-                <a:solidFill>
-                  <a:srgbClr val="2c3e50"/>
-                </a:solidFill>
-                <a:latin typeface="Source Sans Pro Semibold"/>
-                <a:ea typeface="DejaVu Sans"/>
-              </a:rPr>
-              <a:t>wi x wj i,j[1,7] </a:t>
-            </a:r>
-            <a:r>
-              <a:rPr b="1" lang="ru-RU" sz="2400" spc="-1" strike="noStrike">
-                <a:solidFill>
-                  <a:srgbClr val="2c3e50"/>
-                </a:solidFill>
-                <a:latin typeface="Source Sans Pro Semibold"/>
-                <a:ea typeface="DejaVu Sans"/>
-              </a:rPr>
-              <a:t> </a:t>
-            </a:r>
-            <a:endParaRPr b="0" lang="ru-RU" sz="2400" spc="-1" strike="noStrike">
-              <a:solidFill>
-                <a:srgbClr val="000000"/>
-              </a:solidFill>
-              <a:latin typeface="Arial"/>
-            </a:endParaRPr>
-          </a:p>
-        </p:txBody>
-      </p:sp>
-      <p:pic>
-        <p:nvPicPr>
-          <p:cNvPr id="140" name="" descr=""/>
-          <p:cNvPicPr/>
-          <p:nvPr/>
-        </p:nvPicPr>
-        <p:blipFill>
-          <a:blip r:embed="rId1"/>
-          <a:stretch/>
-        </p:blipFill>
-        <p:spPr>
-          <a:xfrm>
-            <a:off x="3780000" y="3758760"/>
-            <a:ext cx="6094440" cy="920520"/>
-          </a:xfrm>
-          <a:prstGeom prst="rect">
-            <a:avLst/>
-          </a:prstGeom>
-          <a:ln w="10800">
-            <a:noFill/>
-          </a:ln>
-        </p:spPr>
-      </p:pic>
-      <p:sp>
-        <p:nvSpPr>
-          <p:cNvPr id="141" name=""/>
-          <p:cNvSpPr/>
-          <p:nvPr/>
-        </p:nvSpPr>
-        <p:spPr>
-          <a:xfrm>
-            <a:off x="4860000" y="3287880"/>
-            <a:ext cx="2699280" cy="671400"/>
-          </a:xfrm>
-          <a:prstGeom prst="rect">
-            <a:avLst/>
-          </a:prstGeom>
-          <a:noFill/>
-          <a:ln w="10800">
-            <a:noFill/>
-          </a:ln>
-        </p:spPr>
-        <p:style>
-          <a:lnRef idx="0"/>
-          <a:fillRef idx="0"/>
-          <a:effectRef idx="0"/>
-          <a:fontRef idx="minor"/>
-        </p:style>
-        <p:txBody>
           <a:bodyPr lIns="90000" rIns="90000" tIns="45000" bIns="45000" anchor="ctr">
             <a:noAutofit/>
           </a:bodyPr>
@@ -12424,11 +13232,11 @@
               </a:lnSpc>
             </a:pPr>
             <a:r>
-              <a:rPr b="1" lang="ru-RU" sz="2800" spc="-1" strike="noStrike">
+              <a:rPr b="0" lang="ru-RU" sz="2800" spc="-1" strike="noStrike">
                 <a:solidFill>
                   <a:srgbClr val="2c3e50"/>
                 </a:solidFill>
-                <a:latin typeface="Source Sans Pro"/>
+                <a:latin typeface="Arial"/>
                 <a:ea typeface="DejaVu Sans"/>
               </a:rPr>
               <a:t>Нормализуем</a:t>
@@ -12442,6 +13250,261 @@
           </a:p>
         </p:txBody>
       </p:sp>
+      <mc:AlternateContent>
+        <mc:Choice xmlns:a14="http://schemas.microsoft.com/office/drawing/2010/main" Requires="a14">
+          <p:sp>
+            <p:nvSpPr>
+              <p:cNvPr id="140" name=""/>
+              <p:cNvSpPr txBox="1"/>
+              <p:nvPr/>
+            </p:nvSpPr>
+            <p:spPr>
+              <a:xfrm>
+                <a:off x="4680000" y="3754800"/>
+                <a:ext cx="4024800" cy="1285200"/>
+              </a:xfrm>
+              <a:prstGeom prst="rect">
+                <a:avLst/>
+              </a:prstGeom>
+            </p:spPr>
+            <p:txBody>
+              <a:bodyPr/>
+              <a:p>
+                <a14:m>
+                  <m:oMath xmlns:m="http://schemas.openxmlformats.org/officeDocument/2006/math">
+                    <m:r>
+                      <m:t xml:space="preserve">w</m:t>
+                    </m:r>
+                    <m:sSub>
+                      <m:e>
+                        <m:r>
+                          <m:t xml:space="preserve">'</m:t>
+                        </m:r>
+                      </m:e>
+                      <m:sub>
+                        <m:r>
+                          <m:t xml:space="preserve">i</m:t>
+                        </m:r>
+                      </m:sub>
+                    </m:sSub>
+                    <m:r>
+                      <m:t xml:space="preserve">=</m:t>
+                    </m:r>
+                    <m:r>
+                      <m:t xml:space="preserve">softmax</m:t>
+                    </m:r>
+                    <m:d>
+                      <m:dPr>
+                        <m:begChr m:val="("/>
+                        <m:endChr m:val=")"/>
+                      </m:dPr>
+                      <m:e>
+                        <m:r>
+                          <m:t xml:space="preserve">w</m:t>
+                        </m:r>
+                        <m:r>
+                          <m:t xml:space="preserve">1</m:t>
+                        </m:r>
+                        <m:r>
+                          <m:t xml:space="preserve">,</m:t>
+                        </m:r>
+                        <m:r>
+                          <m:t xml:space="preserve">...</m:t>
+                        </m:r>
+                        <m:r>
+                          <m:t xml:space="preserve">,</m:t>
+                        </m:r>
+                        <m:r>
+                          <m:t xml:space="preserve">w</m:t>
+                        </m:r>
+                        <m:r>
+                          <m:t xml:space="preserve">7</m:t>
+                        </m:r>
+                      </m:e>
+                    </m:d>
+                    <m:r>
+                      <m:t xml:space="preserve">=</m:t>
+                    </m:r>
+                    <m:sSup>
+                      <m:e>
+                        <m:r>
+                          <m:t xml:space="preserve">e</m:t>
+                        </m:r>
+                      </m:e>
+                      <m:sup>
+                        <m:d>
+                          <m:dPr>
+                            <m:begChr m:val="("/>
+                            <m:endChr m:val=")"/>
+                          </m:dPr>
+                          <m:e>
+                            <m:sSub>
+                              <m:e>
+                                <m:r>
+                                  <m:t xml:space="preserve">w</m:t>
+                                </m:r>
+                              </m:e>
+                              <m:sub>
+                                <m:r>
+                                  <m:t xml:space="preserve">i</m:t>
+                                </m:r>
+                              </m:sub>
+                            </m:sSub>
+                          </m:e>
+                        </m:d>
+                      </m:sup>
+                    </m:sSup>
+                    <m:r>
+                      <m:t xml:space="preserve">÷</m:t>
+                    </m:r>
+                    <m:d>
+                      <m:dPr>
+                        <m:begChr m:val="("/>
+                        <m:endChr m:val=")"/>
+                      </m:dPr>
+                      <m:e>
+                        <m:nary>
+                          <m:naryPr>
+                            <m:chr m:val="∑"/>
+                          </m:naryPr>
+                          <m:sub>
+                            <m:r>
+                              <m:t xml:space="preserve">1</m:t>
+                            </m:r>
+                          </m:sub>
+                          <m:sup>
+                            <m:r>
+                              <m:t xml:space="preserve">7</m:t>
+                            </m:r>
+                          </m:sup>
+                          <m:e>
+                            <m:sSup>
+                              <m:e>
+                                <m:r>
+                                  <m:t xml:space="preserve">e</m:t>
+                                </m:r>
+                              </m:e>
+                              <m:sup>
+                                <m:d>
+                                  <m:dPr>
+                                    <m:begChr m:val="("/>
+                                    <m:endChr m:val=")"/>
+                                  </m:dPr>
+                                  <m:e>
+                                    <m:sSub>
+                                      <m:e>
+                                        <m:r>
+                                          <m:t xml:space="preserve">w</m:t>
+                                        </m:r>
+                                      </m:e>
+                                      <m:sub>
+                                        <m:r>
+                                          <m:t xml:space="preserve">i</m:t>
+                                        </m:r>
+                                      </m:sub>
+                                    </m:sSub>
+                                  </m:e>
+                                </m:d>
+                              </m:sup>
+                            </m:sSup>
+                          </m:e>
+                        </m:nary>
+                      </m:e>
+                    </m:d>
+                  </m:oMath>
+                </a14:m>
+              </a:p>
+            </p:txBody>
+          </p:sp>
+        </mc:Choice>
+        <mc:Fallback/>
+      </mc:AlternateContent>
+      <mc:AlternateContent>
+        <mc:Choice xmlns:a14="http://schemas.microsoft.com/office/drawing/2010/main" Requires="a14">
+          <p:sp>
+            <p:nvSpPr>
+              <p:cNvPr id="141" name=""/>
+              <p:cNvSpPr txBox="1"/>
+              <p:nvPr/>
+            </p:nvSpPr>
+            <p:spPr>
+              <a:xfrm>
+                <a:off x="5680440" y="1922040"/>
+                <a:ext cx="1879560" cy="597960"/>
+              </a:xfrm>
+              <a:prstGeom prst="rect">
+                <a:avLst/>
+              </a:prstGeom>
+            </p:spPr>
+            <p:txBody>
+              <a:bodyPr/>
+              <a:p>
+                <a14:m>
+                  <m:oMath xmlns:m="http://schemas.openxmlformats.org/officeDocument/2006/math">
+                    <m:sSub>
+                      <m:e>
+                        <m:r>
+                          <m:t xml:space="preserve">w</m:t>
+                        </m:r>
+                      </m:e>
+                      <m:sub>
+                        <m:r>
+                          <m:t xml:space="preserve">i</m:t>
+                        </m:r>
+                      </m:sub>
+                    </m:sSub>
+                    <m:r>
+                      <m:t xml:space="preserve">×</m:t>
+                    </m:r>
+                    <m:sSub>
+                      <m:e>
+                        <m:r>
+                          <m:t xml:space="preserve">w</m:t>
+                        </m:r>
+                      </m:e>
+                      <m:sub>
+                        <m:r>
+                          <m:t xml:space="preserve">j</m:t>
+                        </m:r>
+                      </m:sub>
+                    </m:sSub>
+                    <m:r>
+                      <m:t xml:space="preserve">∀</m:t>
+                    </m:r>
+                    <m:r>
+                      <m:t xml:space="preserve">i</m:t>
+                    </m:r>
+                    <m:r>
+                      <m:t xml:space="preserve">,</m:t>
+                    </m:r>
+                    <m:r>
+                      <m:t xml:space="preserve">j</m:t>
+                    </m:r>
+                    <m:r>
+                      <m:t xml:space="preserve">∈</m:t>
+                    </m:r>
+                    <m:d>
+                      <m:dPr>
+                        <m:begChr m:val="["/>
+                        <m:endChr m:val="]"/>
+                      </m:dPr>
+                      <m:e>
+                        <m:r>
+                          <m:t xml:space="preserve">1</m:t>
+                        </m:r>
+                        <m:r>
+                          <m:t xml:space="preserve">,7</m:t>
+                        </m:r>
+                      </m:e>
+                    </m:d>
+                  </m:oMath>
+                </a14:m>
+              </a:p>
+            </p:txBody>
+          </p:sp>
+        </mc:Choice>
+        <mc:Fallback/>
+      </mc:AlternateContent>
     </p:spTree>
   </p:cSld>
   <mc:AlternateContent>
@@ -12630,7 +13693,7 @@
                                         <p:tgtEl>
                                           <p:spTgt spid="138">
                                             <p:txEl>
-                                              <p:pRg st="4" end="4"/>
+                                              <p:pRg st="2" end="2"/>
                                             </p:txEl>
                                           </p:spTgt>
                                         </p:tgtEl>
@@ -12661,7 +13724,7 @@
                                         <p:tgtEl>
                                           <p:spTgt spid="138">
                                             <p:txEl>
-                                              <p:pRg st="6" end="6"/>
+                                              <p:pRg st="3" end="3"/>
                                             </p:txEl>
                                           </p:spTgt>
                                         </p:tgtEl>
@@ -12692,7 +13755,7 @@
                                         <p:tgtEl>
                                           <p:spTgt spid="138">
                                             <p:txEl>
-                                              <p:pRg st="7" end="7"/>
+                                              <p:pRg st="4" end="4"/>
                                             </p:txEl>
                                           </p:spTgt>
                                         </p:tgtEl>
@@ -12738,26 +13801,39 @@
                                   </p:childTnLst>
                                 </p:cTn>
                               </p:par>
-                            </p:childTnLst>
-                          </p:cTn>
-                        </p:par>
-                      </p:childTnLst>
-                    </p:cTn>
-                  </p:par>
-                  <p:par>
-                    <p:cTn id="23" fill="hold">
-                      <p:stCondLst>
-                        <p:cond delay="indefinite"/>
-                      </p:stCondLst>
-                      <p:childTnLst>
-                        <p:par>
-                          <p:cTn id="24" fill="hold">
-                            <p:stCondLst>
-                              <p:cond delay="0"/>
-                            </p:stCondLst>
-                            <p:childTnLst>
                               <p:par>
-                                <p:cTn id="25" nodeType="clickEffect" fill="hold" presetClass="entr" presetID="1">
+                                <p:cTn id="23" nodeType="withEffect" fill="hold" presetClass="entr" presetID="1">
+                                  <p:stCondLst>
+                                    <p:cond delay="0"/>
+                                  </p:stCondLst>
+                                  <p:childTnLst>
+                                    <p:set>
+                                      <p:cBhvr>
+                                        <p:cTn id="24" dur="1" fill="hold">
+                                          <p:stCondLst>
+                                            <p:cond delay="0"/>
+                                          </p:stCondLst>
+                                        </p:cTn>
+                                        <p:tgtEl>
+                                          <p:spTgt spid="138">
+                                            <p:txEl>
+                                              <p:pRg st="6" end="6"/>
+                                            </p:txEl>
+                                          </p:spTgt>
+                                        </p:tgtEl>
+                                        <p:attrNameLst>
+                                          <p:attrName>style.visibility</p:attrName>
+                                        </p:attrNameLst>
+                                      </p:cBhvr>
+                                      <p:to>
+                                        <p:strVal val="visible"/>
+                                      </p:to>
+                                    </p:set>
+                                  </p:childTnLst>
+                                </p:cTn>
+                              </p:par>
+                              <p:par>
+                                <p:cTn id="25" nodeType="withEffect" fill="hold" presetClass="entr" presetID="1">
                                   <p:stCondLst>
                                     <p:cond delay="0"/>
                                   </p:stCondLst>
@@ -12770,9 +13846,9 @@
                                           </p:stCondLst>
                                         </p:cTn>
                                         <p:tgtEl>
-                                          <p:spTgt spid="139">
+                                          <p:spTgt spid="138">
                                             <p:txEl>
-                                              <p:pRg st="0" end="0"/>
+                                              <p:pRg st="7" end="7"/>
                                             </p:txEl>
                                           </p:spTgt>
                                         </p:tgtEl>
@@ -12819,492 +13895,7 @@
                                           </p:stCondLst>
                                         </p:cTn>
                                         <p:tgtEl>
-                                          <p:spTgt spid="141">
-                                            <p:txEl>
-                                              <p:pRg st="0" end="0"/>
-                                            </p:txEl>
-                                          </p:spTgt>
-                                        </p:tgtEl>
-                                        <p:attrNameLst>
-                                          <p:attrName>style.visibility</p:attrName>
-                                        </p:attrNameLst>
-                                      </p:cBhvr>
-                                      <p:to>
-                                        <p:strVal val="visible"/>
-                                      </p:to>
-                                    </p:set>
-                                  </p:childTnLst>
-                                </p:cTn>
-                              </p:par>
-                              <p:par>
-                                <p:cTn id="31" nodeType="withEffect" fill="hold" presetClass="entr" presetID="1">
-                                  <p:stCondLst>
-                                    <p:cond delay="0"/>
-                                  </p:stCondLst>
-                                  <p:childTnLst>
-                                    <p:set>
-                                      <p:cBhvr>
-                                        <p:cTn id="32" dur="1" fill="hold">
-                                          <p:stCondLst>
-                                            <p:cond delay="0"/>
-                                          </p:stCondLst>
-                                        </p:cTn>
-                                        <p:tgtEl>
-                                          <p:spTgt spid="140"/>
-                                        </p:tgtEl>
-                                        <p:attrNameLst>
-                                          <p:attrName>style.visibility</p:attrName>
-                                        </p:attrNameLst>
-                                      </p:cBhvr>
-                                      <p:to>
-                                        <p:strVal val="visible"/>
-                                      </p:to>
-                                    </p:set>
-                                  </p:childTnLst>
-                                </p:cTn>
-                              </p:par>
-                            </p:childTnLst>
-                          </p:cTn>
-                        </p:par>
-                      </p:childTnLst>
-                    </p:cTn>
-                  </p:par>
-                </p:childTnLst>
-              </p:cTn>
-              <p:prevCondLst>
-                <p:cond evt="onPrev">
-                  <p:tgtEl>
-                    <p:sldTgt/>
-                  </p:tgtEl>
-                </p:cond>
-              </p:prevCondLst>
-              <p:nextCondLst>
-                <p:cond evt="onNext">
-                  <p:tgtEl>
-                    <p:sldTgt/>
-                  </p:tgtEl>
-                </p:cond>
-              </p:nextCondLst>
-            </p:seq>
-          </p:childTnLst>
-        </p:cTn>
-      </p:par>
-    </p:tnLst>
-  </p:timing>
-</p:sld>
-</file>
-
-<file path=ppt/slides/slide5.xml><?xml version="1.0" encoding="utf-8"?>
-<p:sld xmlns:a="http://schemas.openxmlformats.org/drawingml/2006/main" xmlns:p="http://schemas.openxmlformats.org/presentationml/2006/main" xmlns:r="http://schemas.openxmlformats.org/officeDocument/2006/relationships" xmlns:p14="http://schemas.microsoft.com/office/powerpoint/2010/main" xmlns:p15="http://schemas.microsoft.com/office/powerpoint/2012/main" xmlns:mc="http://schemas.openxmlformats.org/markup-compatibility/2006">
-  <p:cSld>
-    <p:spTree>
-      <p:nvGrpSpPr>
-        <p:cNvPr id="1" name=""/>
-        <p:cNvGrpSpPr/>
-        <p:nvPr/>
-      </p:nvGrpSpPr>
-      <p:grpSpPr>
-        <a:xfrm>
-          <a:off x="0" y="0"/>
-          <a:ext cx="0" cy="0"/>
-          <a:chOff x="0" y="0"/>
-          <a:chExt cx="0" cy="0"/>
-        </a:xfrm>
-      </p:grpSpPr>
-      <p:sp>
-        <p:nvSpPr>
-          <p:cNvPr id="142" name="PlaceHolder 1"/>
-          <p:cNvSpPr>
-            <a:spLocks noGrp="1"/>
-          </p:cNvSpPr>
-          <p:nvPr>
-            <p:ph type="title"/>
-          </p:nvPr>
-        </p:nvSpPr>
-        <p:spPr>
-          <a:xfrm>
-            <a:off x="360000" y="225720"/>
-            <a:ext cx="9359280" cy="718200"/>
-          </a:xfrm>
-          <a:prstGeom prst="rect">
-            <a:avLst/>
-          </a:prstGeom>
-          <a:noFill/>
-          <a:ln w="0">
-            <a:noFill/>
-          </a:ln>
-        </p:spPr>
-        <p:txBody>
-          <a:bodyPr lIns="0" rIns="0" tIns="0" bIns="0" anchor="ctr">
-            <a:noAutofit/>
-          </a:bodyPr>
-          <a:p>
-            <a:pPr indent="0">
-              <a:lnSpc>
-                <a:spcPct val="100000"/>
-              </a:lnSpc>
-              <a:buNone/>
-              <a:tabLst>
-                <a:tab algn="l" pos="0"/>
-              </a:tabLst>
-            </a:pPr>
-            <a:r>
-              <a:rPr b="1" lang="ru-RU" sz="2700" spc="-1" strike="noStrike">
-                <a:solidFill>
-                  <a:srgbClr val="ffffff"/>
-                </a:solidFill>
-                <a:latin typeface="Source Sans Pro Black"/>
-              </a:rPr>
-              <a:t>Веса внимания в структуре decode encode</a:t>
-            </a:r>
-            <a:endParaRPr b="0" lang="ru-RU" sz="2700" spc="-1" strike="noStrike">
-              <a:solidFill>
-                <a:srgbClr val="000000"/>
-              </a:solidFill>
-              <a:latin typeface="Arial"/>
-            </a:endParaRPr>
-          </a:p>
-        </p:txBody>
-      </p:sp>
-      <p:sp>
-        <p:nvSpPr>
-          <p:cNvPr id="143" name="PlaceHolder 2"/>
-          <p:cNvSpPr>
-            <a:spLocks noGrp="1"/>
-          </p:cNvSpPr>
-          <p:nvPr>
-            <p:ph/>
-          </p:nvPr>
-        </p:nvSpPr>
-        <p:spPr>
-          <a:xfrm>
-            <a:off x="0" y="1440000"/>
-            <a:ext cx="9359280" cy="3779280"/>
-          </a:xfrm>
-          <a:prstGeom prst="rect">
-            <a:avLst/>
-          </a:prstGeom>
-          <a:noFill/>
-          <a:ln w="0">
-            <a:noFill/>
-          </a:ln>
-        </p:spPr>
-        <p:txBody>
-          <a:bodyPr lIns="0" rIns="0" tIns="0" bIns="0" anchor="t">
-            <a:normAutofit/>
-          </a:bodyPr>
-          <a:p>
-            <a:pPr marL="432000" indent="-324000">
-              <a:lnSpc>
-                <a:spcPct val="100000"/>
-              </a:lnSpc>
-              <a:spcAft>
-                <a:spcPts val="1057"/>
-              </a:spcAft>
-              <a:buClr>
-                <a:srgbClr val="2c3e50"/>
-              </a:buClr>
-              <a:buSzPct val="45000"/>
-              <a:buFont typeface="Wingdings" charset="2"/>
-              <a:buChar char=""/>
-            </a:pPr>
-            <a:r>
-              <a:rPr b="1" lang="ru-RU" sz="2400" spc="-1" strike="noStrike">
-                <a:solidFill>
-                  <a:srgbClr val="2c3e50"/>
-                </a:solidFill>
-                <a:latin typeface="Source Sans Pro Semibold"/>
-              </a:rPr>
-              <a:t>V</a:t>
-            </a:r>
-            <a:r>
-              <a:rPr b="1" lang="ru-RU" sz="2400" spc="-1" strike="noStrike">
-                <a:solidFill>
-                  <a:srgbClr val="2c3e50"/>
-                </a:solidFill>
-                <a:latin typeface="Source Sans Pro Semibold"/>
-                <a:ea typeface="Source Sans Pro Semibold"/>
-              </a:rPr>
-              <a:t>α : α — ячейка скрытого состояние в енкодере → Vα — вектор скрытого состояние в енкодере</a:t>
-            </a:r>
-            <a:endParaRPr b="0" lang="ru-RU" sz="2400" spc="-1" strike="noStrike">
-              <a:solidFill>
-                <a:srgbClr val="000000"/>
-              </a:solidFill>
-              <a:latin typeface="Arial"/>
-            </a:endParaRPr>
-          </a:p>
-          <a:p>
-            <a:pPr marL="432000" indent="-324000">
-              <a:lnSpc>
-                <a:spcPct val="100000"/>
-              </a:lnSpc>
-              <a:spcAft>
-                <a:spcPts val="1057"/>
-              </a:spcAft>
-              <a:buClr>
-                <a:srgbClr val="2c3e50"/>
-              </a:buClr>
-              <a:buSzPct val="45000"/>
-              <a:buFont typeface="Wingdings" charset="2"/>
-              <a:buChar char=""/>
-            </a:pPr>
-            <a:r>
-              <a:rPr b="1" lang="ru-RU" sz="2400" spc="-1" strike="noStrike">
-                <a:solidFill>
-                  <a:srgbClr val="2c3e50"/>
-                </a:solidFill>
-                <a:latin typeface="Source Sans Pro Semibold"/>
-                <a:ea typeface="Source Sans Pro Semibold"/>
-              </a:rPr>
-              <a:t> </a:t>
-            </a:r>
-            <a:r>
-              <a:rPr b="1" lang="ru-RU" sz="2400" spc="-1" strike="noStrike">
-                <a:solidFill>
-                  <a:srgbClr val="2c3e50"/>
-                </a:solidFill>
-                <a:latin typeface="Source Sans Pro Semibold"/>
-                <a:ea typeface="Source Sans Pro Semibold"/>
-              </a:rPr>
-              <a:t>Vβ : β — ячейка скрытого состояние в декодере → Vβ — вектор скрытого состояние в декодере</a:t>
-            </a:r>
-            <a:endParaRPr b="0" lang="ru-RU" sz="2400" spc="-1" strike="noStrike">
-              <a:solidFill>
-                <a:srgbClr val="000000"/>
-              </a:solidFill>
-              <a:latin typeface="Arial"/>
-            </a:endParaRPr>
-          </a:p>
-        </p:txBody>
-      </p:sp>
-      <p:pic>
-        <p:nvPicPr>
-          <p:cNvPr id="144" name="" descr=""/>
-          <p:cNvPicPr/>
-          <p:nvPr/>
-        </p:nvPicPr>
-        <p:blipFill>
-          <a:blip r:embed="rId1"/>
-          <a:srcRect l="0" t="0" r="38462" b="0"/>
-          <a:stretch/>
-        </p:blipFill>
-        <p:spPr>
-          <a:xfrm>
-            <a:off x="5580000" y="4251960"/>
-            <a:ext cx="3419280" cy="1147320"/>
-          </a:xfrm>
-          <a:prstGeom prst="rect">
-            <a:avLst/>
-          </a:prstGeom>
-          <a:ln w="10800">
-            <a:noFill/>
-          </a:ln>
-        </p:spPr>
-      </p:pic>
-      <p:pic>
-        <p:nvPicPr>
-          <p:cNvPr id="145" name="" descr=""/>
-          <p:cNvPicPr/>
-          <p:nvPr/>
-        </p:nvPicPr>
-        <p:blipFill>
-          <a:blip r:embed="rId2"/>
-          <a:stretch/>
-        </p:blipFill>
-        <p:spPr>
-          <a:xfrm>
-            <a:off x="78480" y="4599000"/>
-            <a:ext cx="5320800" cy="665280"/>
-          </a:xfrm>
-          <a:prstGeom prst="rect">
-            <a:avLst/>
-          </a:prstGeom>
-          <a:ln w="10800">
-            <a:noFill/>
-          </a:ln>
-        </p:spPr>
-      </p:pic>
-      <p:sp>
-        <p:nvSpPr>
-          <p:cNvPr id="146" name=""/>
-          <p:cNvSpPr/>
-          <p:nvPr/>
-        </p:nvSpPr>
-        <p:spPr>
-          <a:xfrm>
-            <a:off x="-180000" y="3960000"/>
-            <a:ext cx="5399280" cy="719280"/>
-          </a:xfrm>
-          <a:prstGeom prst="rect">
-            <a:avLst/>
-          </a:prstGeom>
-          <a:noFill/>
-          <a:ln w="10800">
-            <a:noFill/>
-          </a:ln>
-        </p:spPr>
-        <p:style>
-          <a:lnRef idx="0"/>
-          <a:fillRef idx="0"/>
-          <a:effectRef idx="0"/>
-          <a:fontRef idx="minor"/>
-        </p:style>
-        <p:txBody>
-          <a:bodyPr lIns="90000" rIns="90000" tIns="45000" bIns="45000" anchor="ctr">
-            <a:noAutofit/>
-          </a:bodyPr>
-          <a:p>
-            <a:pPr algn="ctr">
-              <a:lnSpc>
-                <a:spcPct val="100000"/>
-              </a:lnSpc>
-            </a:pPr>
-            <a:r>
-              <a:rPr b="1" lang="ru-RU" sz="2000" spc="-1" strike="noStrike">
-                <a:solidFill>
-                  <a:srgbClr val="2c3e50"/>
-                </a:solidFill>
-                <a:latin typeface="Source Sans Pro Semibold"/>
-                <a:ea typeface="Source Sans Pro Semibold"/>
-              </a:rPr>
-              <a:t>Вес внимания к скрытым состоянием декодера</a:t>
-            </a:r>
-            <a:endParaRPr b="0" lang="ru-RU" sz="2000" spc="-1" strike="noStrike">
-              <a:solidFill>
-                <a:srgbClr val="000000"/>
-              </a:solidFill>
-              <a:latin typeface="Arial"/>
-            </a:endParaRPr>
-          </a:p>
-        </p:txBody>
-      </p:sp>
-      <p:sp>
-        <p:nvSpPr>
-          <p:cNvPr id="147" name=""/>
-          <p:cNvSpPr/>
-          <p:nvPr/>
-        </p:nvSpPr>
-        <p:spPr>
-          <a:xfrm>
-            <a:off x="5212080" y="3780000"/>
-            <a:ext cx="4327200" cy="359280"/>
-          </a:xfrm>
-          <a:prstGeom prst="rect">
-            <a:avLst/>
-          </a:prstGeom>
-          <a:noFill/>
-          <a:ln w="10800">
-            <a:noFill/>
-          </a:ln>
-        </p:spPr>
-        <p:style>
-          <a:lnRef idx="0"/>
-          <a:fillRef idx="0"/>
-          <a:effectRef idx="0"/>
-          <a:fontRef idx="minor"/>
-        </p:style>
-        <p:txBody>
-          <a:bodyPr lIns="90000" rIns="90000" tIns="45000" bIns="45000" anchor="ctr">
-            <a:noAutofit/>
-          </a:bodyPr>
-          <a:p>
-            <a:pPr algn="ctr">
-              <a:lnSpc>
-                <a:spcPct val="100000"/>
-              </a:lnSpc>
-            </a:pPr>
-            <a:r>
-              <a:rPr b="1" lang="ru-RU" sz="2000" spc="-1" strike="noStrike">
-                <a:solidFill>
-                  <a:srgbClr val="2c3e50"/>
-                </a:solidFill>
-                <a:latin typeface="Source Sans Pro Semibold"/>
-                <a:ea typeface="Source Sans Pro Semibold"/>
-              </a:rPr>
-              <a:t>Расчет следующего скрытого состояния</a:t>
-            </a:r>
-            <a:endParaRPr b="0" lang="ru-RU" sz="2000" spc="-1" strike="noStrike">
-              <a:solidFill>
-                <a:srgbClr val="000000"/>
-              </a:solidFill>
-              <a:latin typeface="Arial"/>
-            </a:endParaRPr>
-          </a:p>
-        </p:txBody>
-      </p:sp>
-    </p:spTree>
-  </p:cSld>
-  <mc:AlternateContent>
-    <mc:Choice Requires="p14">
-      <p:transition spd="slow" p14:dur="2000"/>
-    </mc:Choice>
-    <mc:Fallback>
-      <p:transition spd="slow"/>
-    </mc:Fallback>
-  </mc:AlternateContent>
-  <p:timing>
-    <p:tnLst>
-      <p:par>
-        <p:cTn id="33" dur="indefinite" restart="never" nodeType="tmRoot">
-          <p:childTnLst>
-            <p:seq>
-              <p:cTn id="34" dur="indefinite" nodeType="mainSeq">
-                <p:childTnLst>
-                  <p:par>
-                    <p:cTn id="35" fill="hold">
-                      <p:stCondLst>
-                        <p:cond delay="indefinite"/>
-                      </p:stCondLst>
-                      <p:childTnLst>
-                        <p:par>
-                          <p:cTn id="36" fill="hold">
-                            <p:stCondLst>
-                              <p:cond delay="0"/>
-                            </p:stCondLst>
-                            <p:childTnLst>
-                              <p:par>
-                                <p:cTn id="37" nodeType="clickEffect" fill="hold" presetClass="entr" presetID="1">
-                                  <p:stCondLst>
-                                    <p:cond delay="0"/>
-                                  </p:stCondLst>
-                                  <p:childTnLst>
-                                    <p:set>
-                                      <p:cBhvr>
-                                        <p:cTn id="38" dur="1" fill="hold">
-                                          <p:stCondLst>
-                                            <p:cond delay="0"/>
-                                          </p:stCondLst>
-                                        </p:cTn>
-                                        <p:tgtEl>
-                                          <p:spTgt spid="145"/>
-                                        </p:tgtEl>
-                                        <p:attrNameLst>
-                                          <p:attrName>style.visibility</p:attrName>
-                                        </p:attrNameLst>
-                                      </p:cBhvr>
-                                      <p:to>
-                                        <p:strVal val="visible"/>
-                                      </p:to>
-                                    </p:set>
-                                  </p:childTnLst>
-                                </p:cTn>
-                              </p:par>
-                              <p:par>
-                                <p:cTn id="39" nodeType="withEffect" fill="hold" presetClass="entr" presetID="1">
-                                  <p:stCondLst>
-                                    <p:cond delay="0"/>
-                                  </p:stCondLst>
-                                  <p:childTnLst>
-                                    <p:set>
-                                      <p:cBhvr>
-                                        <p:cTn id="40" dur="1" fill="hold">
-                                          <p:stCondLst>
-                                            <p:cond delay="0"/>
-                                          </p:stCondLst>
-                                        </p:cTn>
-                                        <p:tgtEl>
-                                          <p:spTgt spid="146"/>
+                                          <p:spTgt spid="141"/>
                                         </p:tgtEl>
                                         <p:attrNameLst>
                                           <p:attrName>style.visibility</p:attrName>
@@ -13324,32 +13915,63 @@
                     </p:cTn>
                   </p:par>
                   <p:par>
-                    <p:cTn id="41" fill="hold">
+                    <p:cTn id="31" fill="hold">
                       <p:stCondLst>
                         <p:cond delay="indefinite"/>
                       </p:stCondLst>
                       <p:childTnLst>
                         <p:par>
-                          <p:cTn id="42" fill="hold">
+                          <p:cTn id="32" fill="hold">
                             <p:stCondLst>
                               <p:cond delay="0"/>
                             </p:stCondLst>
                             <p:childTnLst>
                               <p:par>
-                                <p:cTn id="43" nodeType="clickEffect" fill="hold" presetClass="entr" presetID="1">
+                                <p:cTn id="33" nodeType="clickEffect" fill="hold" presetClass="entr" presetID="1">
                                   <p:stCondLst>
                                     <p:cond delay="0"/>
                                   </p:stCondLst>
                                   <p:childTnLst>
                                     <p:set>
                                       <p:cBhvr>
-                                        <p:cTn id="44" dur="1" fill="hold">
+                                        <p:cTn id="34" dur="1" fill="hold">
                                           <p:stCondLst>
                                             <p:cond delay="0"/>
                                           </p:stCondLst>
                                         </p:cTn>
                                         <p:tgtEl>
-                                          <p:spTgt spid="144"/>
+                                          <p:spTgt spid="139">
+                                            <p:txEl>
+                                              <p:pRg st="0" end="0"/>
+                                            </p:txEl>
+                                          </p:spTgt>
+                                        </p:tgtEl>
+                                        <p:attrNameLst>
+                                          <p:attrName>style.visibility</p:attrName>
+                                        </p:attrNameLst>
+                                      </p:cBhvr>
+                                      <p:to>
+                                        <p:strVal val="visible"/>
+                                      </p:to>
+                                    </p:set>
+                                  </p:childTnLst>
+                                </p:cTn>
+                              </p:par>
+                              <p:par>
+                                <p:cTn id="35" nodeType="withEffect" fill="hold" presetClass="entr" presetID="1">
+                                  <p:stCondLst>
+                                    <p:cond delay="0"/>
+                                  </p:stCondLst>
+                                  <p:childTnLst>
+                                    <p:set>
+                                      <p:cBhvr>
+                                        <p:cTn id="36" dur="1" fill="hold">
+                                          <p:stCondLst>
+                                            <p:cond delay="0"/>
+                                          </p:stCondLst>
+                                        </p:cTn>
+                                        <p:tgtEl>
+                                          <p:spTgt spid="140"/>
                                         </p:tgtEl>
                                         <p:attrNameLst>
                                           <p:attrName>style.visibility</p:attrName>
@@ -13412,7 +14034,7 @@
       </p:grpSpPr>
       <p:sp>
         <p:nvSpPr>
-          <p:cNvPr id="148" name="PlaceHolder 1"/>
+          <p:cNvPr id="142" name="PlaceHolder 1"/>
           <p:cNvSpPr>
             <a:spLocks noGrp="1"/>
           </p:cNvSpPr>
@@ -13423,7 +14045,7 @@
         <p:spPr>
           <a:xfrm>
             <a:off x="360000" y="225720"/>
-            <a:ext cx="9359280" cy="718200"/>
+            <a:ext cx="9358920" cy="717840"/>
           </a:xfrm>
           <a:prstGeom prst="rect">
             <a:avLst/>
@@ -13454,7 +14076,7 @@
                 </a:solidFill>
                 <a:latin typeface="Source Sans Pro Black"/>
               </a:rPr>
-              <a:t>Функция внимания</a:t>
+              <a:t>Веса внимания в структуре decode encode</a:t>
             </a:r>
             <a:endParaRPr b="0" lang="ru-RU" sz="2700" spc="-1" strike="noStrike">
               <a:solidFill>
@@ -13467,7 +14089,7 @@
       </p:sp>
       <p:sp>
         <p:nvSpPr>
-          <p:cNvPr id="149" name="PlaceHolder 2"/>
+          <p:cNvPr id="143" name="PlaceHolder 2"/>
           <p:cNvSpPr>
             <a:spLocks noGrp="1"/>
           </p:cNvSpPr>
@@ -13477,8 +14099,8 @@
         </p:nvSpPr>
         <p:spPr>
           <a:xfrm>
-            <a:off x="180000" y="1260000"/>
-            <a:ext cx="8459640" cy="1079640"/>
+            <a:off x="1080" y="1261080"/>
+            <a:ext cx="9358920" cy="3778920"/>
           </a:xfrm>
           <a:prstGeom prst="rect">
             <a:avLst/>
@@ -13508,13 +14130,53 @@
               <a:buChar char=""/>
             </a:pPr>
             <a:r>
-              <a:rPr b="1" lang="ru-RU" sz="2400" spc="-1" strike="noStrike">
+              <a:rPr b="0" lang="ru-RU" sz="2400" spc="-1" strike="noStrike">
                 <a:solidFill>
                   <a:srgbClr val="2c3e50"/>
                 </a:solidFill>
-                <a:latin typeface="Source Sans Pro Semibold"/>
+                <a:latin typeface="Arial"/>
               </a:rPr>
-              <a:t>Q — матрица запросов, K — матрица ключей, V — матрица значений, E - размерность</a:t>
+              <a:t>V</a:t>
+            </a:r>
+            <a:r>
+              <a:rPr b="0" lang="ru-RU" sz="2400" spc="-1" strike="noStrike" baseline="-8000">
+                <a:solidFill>
+                  <a:srgbClr val="2c3e50"/>
+                </a:solidFill>
+                <a:latin typeface="Arial"/>
+                <a:ea typeface="Source Sans Pro Semibold"/>
+              </a:rPr>
+              <a:t>α</a:t>
+            </a:r>
+            <a:r>
+              <a:rPr b="0" lang="ru-RU" sz="2400" spc="-1" strike="noStrike">
+                <a:solidFill>
+                  <a:srgbClr val="2c3e50"/>
+                </a:solidFill>
+                <a:latin typeface="Arial"/>
+                <a:ea typeface="Source Sans Pro Semibold"/>
+              </a:rPr>
+              <a:t> : α — ячейка скрытого состояние в енкодере → V</a:t>
+            </a:r>
+            <a:r>
+              <a:rPr b="0" lang="ru-RU" sz="2400" spc="-1" strike="noStrike" baseline="-8000">
+                <a:solidFill>
+                  <a:srgbClr val="2c3e50"/>
+                </a:solidFill>
+                <a:latin typeface="Arial"/>
+                <a:ea typeface="Source Sans Pro Semibold"/>
+              </a:rPr>
+              <a:t>α</a:t>
+            </a:r>
+            <a:r>
+              <a:rPr b="0" lang="ru-RU" sz="2400" spc="-1" strike="noStrike">
+                <a:solidFill>
+                  <a:srgbClr val="2c3e50"/>
+                </a:solidFill>
+                <a:latin typeface="Arial"/>
+                <a:ea typeface="Source Sans Pro Semibold"/>
+              </a:rPr>
+              <a:t> — вектор скрытого состояние в енкодере</a:t>
             </a:r>
             <a:endParaRPr b="0" lang="ru-RU" sz="2400" spc="-1" strike="noStrike">
               <a:solidFill>
@@ -13523,47 +14185,106 @@
               <a:latin typeface="Arial"/>
             </a:endParaRPr>
           </a:p>
-        </p:txBody>
-      </p:sp>
-      <p:pic>
-        <p:nvPicPr>
-          <p:cNvPr id="150" name="" descr=""/>
-          <p:cNvPicPr/>
-          <p:nvPr/>
-        </p:nvPicPr>
-        <p:blipFill>
-          <a:blip r:embed="rId1"/>
-          <a:stretch/>
-        </p:blipFill>
-        <p:spPr>
-          <a:xfrm>
-            <a:off x="234720" y="2340000"/>
-            <a:ext cx="5704920" cy="899280"/>
-          </a:xfrm>
-          <a:prstGeom prst="rect">
-            <a:avLst/>
-          </a:prstGeom>
-          <a:ln w="10800">
-            <a:noFill/>
-          </a:ln>
-        </p:spPr>
-      </p:pic>
-      <p:sp>
-        <p:nvSpPr>
-          <p:cNvPr id="151" name=""/>
+          <a:p>
+            <a:pPr marL="432000" indent="-324000">
+              <a:lnSpc>
+                <a:spcPct val="100000"/>
+              </a:lnSpc>
+              <a:spcAft>
+                <a:spcPts val="1057"/>
+              </a:spcAft>
+              <a:buClr>
+                <a:srgbClr val="2c3e50"/>
+              </a:buClr>
+              <a:buSzPct val="45000"/>
+              <a:buFont typeface="Wingdings" charset="2"/>
+              <a:buChar char=""/>
+            </a:pPr>
+            <a:r>
+              <a:rPr b="0" lang="ru-RU" sz="2400" spc="-1" strike="noStrike">
+                <a:solidFill>
+                  <a:srgbClr val="2c3e50"/>
+                </a:solidFill>
+                <a:latin typeface="Arial"/>
+                <a:ea typeface="Source Sans Pro Semibold"/>
+              </a:rPr>
+              <a:t> </a:t>
+            </a:r>
+            <a:r>
+              <a:rPr b="0" lang="ru-RU" sz="2400" spc="-1" strike="noStrike">
+                <a:solidFill>
+                  <a:srgbClr val="2c3e50"/>
+                </a:solidFill>
+                <a:latin typeface="Arial"/>
+                <a:ea typeface="Source Sans Pro Semibold"/>
+              </a:rPr>
+              <a:t>V</a:t>
+            </a:r>
+            <a:r>
+              <a:rPr b="0" lang="ru-RU" sz="2400" spc="-1" strike="noStrike" baseline="-8000">
+                <a:solidFill>
+                  <a:srgbClr val="2c3e50"/>
+                </a:solidFill>
+                <a:latin typeface="Arial"/>
+                <a:ea typeface="Source Sans Pro Semibold"/>
+              </a:rPr>
+              <a:t>β</a:t>
+            </a:r>
+            <a:r>
+              <a:rPr b="0" lang="ru-RU" sz="2400" spc="-1" strike="noStrike">
+                <a:solidFill>
+                  <a:srgbClr val="2c3e50"/>
+                </a:solidFill>
+                <a:latin typeface="Arial"/>
+                <a:ea typeface="Source Sans Pro Semibold"/>
+              </a:rPr>
+              <a:t> : β — ячейка скрытого состояние в декодере → V</a:t>
+            </a:r>
+            <a:r>
+              <a:rPr b="0" lang="ru-RU" sz="2400" spc="-1" strike="noStrike" baseline="-8000">
+                <a:solidFill>
+                  <a:srgbClr val="2c3e50"/>
+                </a:solidFill>
+                <a:latin typeface="Arial"/>
+                <a:ea typeface="Source Sans Pro Semibold"/>
+              </a:rPr>
+              <a:t>β</a:t>
+            </a:r>
+            <a:r>
+              <a:rPr b="0" lang="ru-RU" sz="2400" spc="-1" strike="noStrike">
+                <a:solidFill>
+                  <a:srgbClr val="2c3e50"/>
+                </a:solidFill>
+                <a:latin typeface="Arial"/>
+                <a:ea typeface="Source Sans Pro Semibold"/>
+              </a:rPr>
+              <a:t> — вектор скрытого состояние в декодере</a:t>
+            </a:r>
+            <a:endParaRPr b="0" lang="ru-RU" sz="2400" spc="-1" strike="noStrike">
+              <a:solidFill>
+                <a:srgbClr val="000000"/>
+              </a:solidFill>
+              <a:latin typeface="Arial"/>
+            </a:endParaRPr>
+          </a:p>
+        </p:txBody>
+      </p:sp>
+      <p:sp>
+        <p:nvSpPr>
+          <p:cNvPr id="144" name=""/>
           <p:cNvSpPr/>
           <p:nvPr/>
         </p:nvSpPr>
         <p:spPr>
           <a:xfrm>
-            <a:off x="227880" y="3240000"/>
-            <a:ext cx="3191760" cy="1027800"/>
+            <a:off x="-186840" y="3241080"/>
+            <a:ext cx="5398920" cy="718920"/>
           </a:xfrm>
           <a:prstGeom prst="rect">
             <a:avLst/>
           </a:prstGeom>
           <a:noFill/>
-          <a:ln w="0">
+          <a:ln w="10800">
             <a:noFill/>
           </a:ln>
         </p:spPr>
@@ -13574,93 +14295,50 @@
           <a:fontRef idx="minor"/>
         </p:style>
         <p:txBody>
-          <a:bodyPr lIns="90000" rIns="90000" tIns="45000" bIns="45000" anchor="t">
+          <a:bodyPr lIns="90000" rIns="90000" tIns="45000" bIns="45000" anchor="ctr">
             <a:noAutofit/>
           </a:bodyPr>
           <a:p>
-            <a:pPr>
+            <a:pPr algn="ctr">
               <a:lnSpc>
                 <a:spcPct val="100000"/>
               </a:lnSpc>
             </a:pPr>
             <a:r>
-              <a:rPr b="1" lang="ru-RU" sz="2200" spc="-1" strike="noStrike">
+              <a:rPr b="0" lang="ru-RU" sz="2000" spc="-1" strike="noStrike">
                 <a:solidFill>
-                  <a:srgbClr val="000000"/>
+                  <a:srgbClr val="2c3e50"/>
                 </a:solidFill>
                 <a:latin typeface="Arial"/>
+                <a:ea typeface="Source Sans Pro Semibold"/>
               </a:rPr>
-              <a:t>Размерность Q: [N,E]</a:t>
-            </a:r>
-            <a:endParaRPr b="0" lang="ru-RU" sz="2200" spc="-1" strike="noStrike">
-              <a:solidFill>
-                <a:srgbClr val="000000"/>
-              </a:solidFill>
-              <a:latin typeface="Arial"/>
-            </a:endParaRPr>
-          </a:p>
-          <a:p>
-            <a:pPr>
-              <a:lnSpc>
-                <a:spcPct val="100000"/>
-              </a:lnSpc>
-            </a:pPr>
-            <a:r>
-              <a:rPr b="1" lang="ru-RU" sz="2200" spc="-1" strike="noStrike">
-                <a:solidFill>
-                  <a:srgbClr val="000000"/>
-                </a:solidFill>
-                <a:latin typeface="Arial"/>
-              </a:rPr>
-              <a:t>Размерность K: [M, E]</a:t>
-            </a:r>
-            <a:endParaRPr b="0" lang="ru-RU" sz="2200" spc="-1" strike="noStrike">
-              <a:solidFill>
-                <a:srgbClr val="000000"/>
-              </a:solidFill>
-              <a:latin typeface="Arial"/>
-            </a:endParaRPr>
-          </a:p>
-          <a:p>
-            <a:pPr>
-              <a:lnSpc>
-                <a:spcPct val="100000"/>
-              </a:lnSpc>
-            </a:pPr>
-            <a:r>
-              <a:rPr b="1" lang="ru-RU" sz="2200" spc="-1" strike="noStrike">
-                <a:solidFill>
-                  <a:srgbClr val="000000"/>
-                </a:solidFill>
-                <a:latin typeface="Arial"/>
-              </a:rPr>
-              <a:t>Размерность V: [M,E’]</a:t>
-            </a:r>
-            <a:endParaRPr b="0" lang="ru-RU" sz="2200" spc="-1" strike="noStrike">
-              <a:solidFill>
-                <a:srgbClr val="000000"/>
-              </a:solidFill>
-              <a:latin typeface="Arial"/>
-            </a:endParaRPr>
-          </a:p>
-        </p:txBody>
-      </p:sp>
-      <p:sp>
-        <p:nvSpPr>
-          <p:cNvPr id="152" name=""/>
+              <a:t>Вес внимания к скрытым состоянием декодера</a:t>
+            </a:r>
+            <a:endParaRPr b="0" lang="ru-RU" sz="2000" spc="-1" strike="noStrike">
+              <a:solidFill>
+                <a:srgbClr val="000000"/>
+              </a:solidFill>
+              <a:latin typeface="Arial"/>
+            </a:endParaRPr>
+          </a:p>
+        </p:txBody>
+      </p:sp>
+      <p:sp>
+        <p:nvSpPr>
+          <p:cNvPr id="145" name=""/>
           <p:cNvSpPr/>
           <p:nvPr/>
         </p:nvSpPr>
         <p:spPr>
           <a:xfrm>
-            <a:off x="3780000" y="4551840"/>
-            <a:ext cx="3779640" cy="1747800"/>
+            <a:off x="5212080" y="3421080"/>
+            <a:ext cx="4326840" cy="358920"/>
           </a:xfrm>
           <a:prstGeom prst="rect">
             <a:avLst/>
           </a:prstGeom>
           <a:noFill/>
-          <a:ln w="0">
+          <a:ln w="10800">
             <a:noFill/>
           </a:ln>
         </p:spPr>
@@ -13671,43 +14349,384 @@
           <a:fontRef idx="minor"/>
         </p:style>
         <p:txBody>
-          <a:bodyPr lIns="90000" rIns="90000" tIns="45000" bIns="45000" anchor="t">
+          <a:bodyPr lIns="90000" rIns="90000" tIns="45000" bIns="45000" anchor="ctr">
             <a:noAutofit/>
           </a:bodyPr>
           <a:p>
-            <a:pPr>
+            <a:pPr algn="ctr">
               <a:lnSpc>
                 <a:spcPct val="100000"/>
               </a:lnSpc>
             </a:pPr>
             <a:r>
-              <a:rPr b="1" lang="ru-RU" sz="2200" spc="-1" strike="noStrike">
+              <a:rPr b="0" lang="ru-RU" sz="2000" spc="-1" strike="noStrike">
                 <a:solidFill>
-                  <a:srgbClr val="000000"/>
+                  <a:srgbClr val="2c3e50"/>
                 </a:solidFill>
                 <a:latin typeface="Arial"/>
+                <a:ea typeface="Source Sans Pro Semibold"/>
               </a:rPr>
-              <a:t>Почему </a:t>
-            </a:r>
-            <a:r>
-              <a:rPr b="1" lang="ru-RU" sz="2200" spc="-1" strike="noStrike">
-                <a:solidFill>
-                  <a:srgbClr val="000000"/>
-                </a:solidFill>
-                <a:latin typeface="Arial"/>
-                <a:ea typeface="Arial"/>
-              </a:rPr>
-              <a:t>√E ?</a:t>
-            </a:r>
-            <a:endParaRPr b="0" lang="ru-RU" sz="2200" spc="-1" strike="noStrike">
-              <a:solidFill>
-                <a:srgbClr val="000000"/>
-              </a:solidFill>
-              <a:latin typeface="Arial"/>
-            </a:endParaRPr>
-          </a:p>
-        </p:txBody>
-      </p:sp>
+              <a:t>Расчет следующего скрытого состояния</a:t>
+            </a:r>
+            <a:endParaRPr b="0" lang="ru-RU" sz="2000" spc="-1" strike="noStrike">
+              <a:solidFill>
+                <a:srgbClr val="000000"/>
+              </a:solidFill>
+              <a:latin typeface="Arial"/>
+            </a:endParaRPr>
+          </a:p>
+        </p:txBody>
+      </p:sp>
+      <mc:AlternateContent>
+        <mc:Choice xmlns:a14="http://schemas.microsoft.com/office/drawing/2010/main" Requires="a14">
+          <p:sp>
+            <p:nvSpPr>
+              <p:cNvPr id="146" name=""/>
+              <p:cNvSpPr txBox="1"/>
+              <p:nvPr/>
+            </p:nvSpPr>
+            <p:spPr>
+              <a:xfrm>
+                <a:off x="450720" y="4135320"/>
+                <a:ext cx="4229280" cy="904680"/>
+              </a:xfrm>
+              <a:prstGeom prst="rect">
+                <a:avLst/>
+              </a:prstGeom>
+            </p:spPr>
+            <p:txBody>
+              <a:bodyPr/>
+              <a:p>
+                <a14:m>
+                  <m:oMath xmlns:m="http://schemas.openxmlformats.org/officeDocument/2006/math">
+                    <m:r>
+                      <m:t xml:space="preserve">w</m:t>
+                    </m:r>
+                    <m:sSub>
+                      <m:e>
+                        <m:r>
+                          <m:t xml:space="preserve">'</m:t>
+                        </m:r>
+                      </m:e>
+                      <m:sub>
+                        <m:r>
+                          <m:t xml:space="preserve">α</m:t>
+                        </m:r>
+                        <m:r>
+                          <m:t xml:space="preserve">β</m:t>
+                        </m:r>
+                      </m:sub>
+                    </m:sSub>
+                    <m:r>
+                      <m:t xml:space="preserve">=</m:t>
+                    </m:r>
+                    <m:r>
+                      <m:t xml:space="preserve">softmax</m:t>
+                    </m:r>
+                    <m:d>
+                      <m:dPr>
+                        <m:begChr m:val="("/>
+                        <m:endChr m:val=")"/>
+                      </m:dPr>
+                      <m:e>
+                        <m:r>
+                          <m:t xml:space="preserve">μ</m:t>
+                        </m:r>
+                        <m:sSub>
+                          <m:e>
+                            <m:r>
+                              <m:t xml:space="preserve">u</m:t>
+                            </m:r>
+                          </m:e>
+                          <m:sub>
+                            <m:r>
+                              <m:t xml:space="preserve">α</m:t>
+                            </m:r>
+                          </m:sub>
+                        </m:sSub>
+                        <m:sSub>
+                          <m:e>
+                            <m:r>
+                              <m:t xml:space="preserve">v</m:t>
+                            </m:r>
+                          </m:e>
+                          <m:sub>
+                            <m:r>
+                              <m:t xml:space="preserve">β</m:t>
+                            </m:r>
+                          </m:sub>
+                        </m:sSub>
+                      </m:e>
+                    </m:d>
+                    <m:r>
+                      <m:t xml:space="preserve">=</m:t>
+                    </m:r>
+                    <m:sSup>
+                      <m:e>
+                        <m:r>
+                          <m:t xml:space="preserve">e</m:t>
+                        </m:r>
+                      </m:e>
+                      <m:sup>
+                        <m:d>
+                          <m:dPr>
+                            <m:begChr m:val="("/>
+                            <m:endChr m:val=")"/>
+                          </m:dPr>
+                          <m:e>
+                            <m:r>
+                              <m:t xml:space="preserve">μ</m:t>
+                            </m:r>
+                            <m:sSub>
+                              <m:e>
+                                <m:r>
+                                  <m:t xml:space="preserve">u</m:t>
+                                </m:r>
+                              </m:e>
+                              <m:sub>
+                                <m:r>
+                                  <m:t xml:space="preserve">α</m:t>
+                                </m:r>
+                              </m:sub>
+                            </m:sSub>
+                            <m:sSub>
+                              <m:e>
+                                <m:r>
+                                  <m:t xml:space="preserve">v</m:t>
+                                </m:r>
+                              </m:e>
+                              <m:sub>
+                                <m:r>
+                                  <m:t xml:space="preserve">β</m:t>
+                                </m:r>
+                              </m:sub>
+                            </m:sSub>
+                          </m:e>
+                        </m:d>
+                      </m:sup>
+                    </m:sSup>
+                    <m:r>
+                      <m:t xml:space="preserve">÷</m:t>
+                    </m:r>
+                    <m:d>
+                      <m:dPr>
+                        <m:begChr m:val="("/>
+                        <m:endChr m:val=")"/>
+                      </m:dPr>
+                      <m:e>
+                        <m:nary>
+                          <m:naryPr>
+                            <m:chr m:val="∑"/>
+                            <m:supHide m:val="1"/>
+                          </m:naryPr>
+                          <m:sub>
+                            <m:r>
+                              <m:t xml:space="preserve">γ</m:t>
+                            </m:r>
+                          </m:sub>
+                          <m:sup/>
+                          <m:e>
+                            <m:sSup>
+                              <m:e>
+                                <m:r>
+                                  <m:t xml:space="preserve">e</m:t>
+                                </m:r>
+                              </m:e>
+                              <m:sup>
+                                <m:d>
+                                  <m:dPr>
+                                    <m:begChr m:val="("/>
+                                    <m:endChr m:val=")"/>
+                                  </m:dPr>
+                                  <m:e>
+                                    <m:r>
+                                      <m:t xml:space="preserve">μ</m:t>
+                                    </m:r>
+                                    <m:sSub>
+                                      <m:e>
+                                        <m:r>
+                                          <m:t xml:space="preserve">u</m:t>
+                                        </m:r>
+                                      </m:e>
+                                      <m:sub>
+                                        <m:r>
+                                          <m:t xml:space="preserve">α</m:t>
+                                        </m:r>
+                                      </m:sub>
+                                    </m:sSub>
+                                    <m:sSub>
+                                      <m:e>
+                                        <m:r>
+                                          <m:t xml:space="preserve">v</m:t>
+                                        </m:r>
+                                      </m:e>
+                                      <m:sub>
+                                        <m:r>
+                                          <m:t xml:space="preserve">γ</m:t>
+                                        </m:r>
+                                      </m:sub>
+                                    </m:sSub>
+                                  </m:e>
+                                </m:d>
+                              </m:sup>
+                            </m:sSup>
+                          </m:e>
+                        </m:nary>
+                      </m:e>
+                    </m:d>
+                  </m:oMath>
+                </a14:m>
+              </a:p>
+            </p:txBody>
+          </p:sp>
+        </mc:Choice>
+        <mc:Fallback/>
+      </mc:AlternateContent>
+      <mc:AlternateContent>
+        <mc:Choice xmlns:a14="http://schemas.microsoft.com/office/drawing/2010/main" Requires="a14">
+          <p:sp>
+            <p:nvSpPr>
+              <p:cNvPr id="147" name=""/>
+              <p:cNvSpPr txBox="1"/>
+              <p:nvPr/>
+            </p:nvSpPr>
+            <p:spPr>
+              <a:xfrm>
+                <a:off x="5913360" y="4098240"/>
+                <a:ext cx="2726640" cy="941760"/>
+              </a:xfrm>
+              <a:prstGeom prst="rect">
+                <a:avLst/>
+              </a:prstGeom>
+            </p:spPr>
+            <p:txBody>
+              <a:bodyPr/>
+              <a:p>
+                <a14:m>
+                  <m:oMath xmlns:m="http://schemas.openxmlformats.org/officeDocument/2006/math">
+                    <m:sSubSup>
+                      <m:e>
+                        <m:r>
+                          <m:t xml:space="preserve">u</m:t>
+                        </m:r>
+                      </m:e>
+                      <m:sub>
+                        <m:r>
+                          <m:t xml:space="preserve">α</m:t>
+                        </m:r>
+                      </m:sub>
+                      <m:sup>
+                        <m:r>
+                          <m:t xml:space="preserve">'</m:t>
+                        </m:r>
+                      </m:sup>
+                    </m:sSubSup>
+                    <m:r>
+                      <m:t xml:space="preserve">=</m:t>
+                    </m:r>
+                    <m:nary>
+                      <m:naryPr>
+                        <m:chr m:val="∑"/>
+                        <m:supHide m:val="1"/>
+                      </m:naryPr>
+                      <m:sub>
+                        <m:r>
+                          <m:t xml:space="preserve">β</m:t>
+                        </m:r>
+                      </m:sub>
+                      <m:sup/>
+                      <m:e>
+                        <m:d>
+                          <m:dPr>
+                            <m:begChr m:val="("/>
+                            <m:endChr m:val=")"/>
+                          </m:dPr>
+                          <m:e>
+                            <m:sSub>
+                              <m:e>
+                                <m:r>
+                                  <m:t xml:space="preserve">w</m:t>
+                                </m:r>
+                              </m:e>
+                              <m:sub>
+                                <m:r>
+                                  <m:t xml:space="preserve">α</m:t>
+                                </m:r>
+                                <m:r>
+                                  <m:t xml:space="preserve">β</m:t>
+                                </m:r>
+                              </m:sub>
+                            </m:sSub>
+                            <m:sSub>
+                              <m:e>
+                                <m:r>
+                                  <m:t xml:space="preserve">v</m:t>
+                                </m:r>
+                              </m:e>
+                              <m:sub>
+                                <m:r>
+                                  <m:t xml:space="preserve">β</m:t>
+                                </m:r>
+                              </m:sub>
+                            </m:sSub>
+                          </m:e>
+                        </m:d>
+                      </m:e>
+                    </m:nary>
+                    <m:r>
+                      <m:t xml:space="preserve">,</m:t>
+                    </m:r>
+                    <m:nary>
+                      <m:naryPr>
+                        <m:chr m:val="∑"/>
+                        <m:supHide m:val="1"/>
+                      </m:naryPr>
+                      <m:sub>
+                        <m:r>
+                          <m:t xml:space="preserve">β</m:t>
+                        </m:r>
+                      </m:sub>
+                      <m:sup/>
+                      <m:e>
+                        <m:d>
+                          <m:dPr>
+                            <m:begChr m:val="("/>
+                            <m:endChr m:val=")"/>
+                          </m:dPr>
+                          <m:e>
+                            <m:sSub>
+                              <m:e>
+                                <m:r>
+                                  <m:t xml:space="preserve">w</m:t>
+                                </m:r>
+                              </m:e>
+                              <m:sub>
+                                <m:r>
+                                  <m:t xml:space="preserve">α</m:t>
+                                </m:r>
+                                <m:r>
+                                  <m:t xml:space="preserve">β</m:t>
+                                </m:r>
+                              </m:sub>
+                            </m:sSub>
+                          </m:e>
+                        </m:d>
+                      </m:e>
+                    </m:nary>
+                    <m:r>
+                      <m:t xml:space="preserve">=</m:t>
+                    </m:r>
+                    <m:r>
+                      <m:t xml:space="preserve">1</m:t>
+                    </m:r>
+                  </m:oMath>
+                </a14:m>
+              </a:p>
+            </p:txBody>
+          </p:sp>
+        </mc:Choice>
+        <mc:Fallback/>
+      </mc:AlternateContent>
     </p:spTree>
   </p:cSld>
   <mc:AlternateContent>
@@ -13721,42 +14740,38 @@
   <p:timing>
     <p:tnLst>
       <p:par>
-        <p:cTn id="45" dur="indefinite" restart="never" nodeType="tmRoot">
+        <p:cTn id="37" dur="indefinite" restart="never" nodeType="tmRoot">
           <p:childTnLst>
             <p:seq>
-              <p:cTn id="46" dur="indefinite" nodeType="mainSeq">
+              <p:cTn id="38" dur="indefinite" nodeType="mainSeq">
                 <p:childTnLst>
                   <p:par>
-                    <p:cTn id="47" fill="hold">
+                    <p:cTn id="39" fill="hold">
                       <p:stCondLst>
-                        <p:cond delay="indefinite"/>
+                        <p:cond delay="0"/>
                       </p:stCondLst>
                       <p:childTnLst>
                         <p:par>
-                          <p:cTn id="48" fill="hold">
+                          <p:cTn id="40" fill="hold">
                             <p:stCondLst>
                               <p:cond delay="0"/>
                             </p:stCondLst>
                             <p:childTnLst>
                               <p:par>
-                                <p:cTn id="49" nodeType="clickEffect" fill="hold" presetClass="entr" presetID="1">
+                                <p:cTn id="41" nodeType="withEffect" fill="hold" presetClass="entr" presetID="1">
                                   <p:stCondLst>
                                     <p:cond delay="0"/>
                                   </p:stCondLst>
                                   <p:childTnLst>
                                     <p:set>
                                       <p:cBhvr>
-                                        <p:cTn id="50" dur="1" fill="hold">
+                                        <p:cTn id="42" dur="1" fill="hold">
                                           <p:stCondLst>
                                             <p:cond delay="0"/>
                                           </p:stCondLst>
                                         </p:cTn>
                                         <p:tgtEl>
-                                          <p:spTgt spid="152">
-                                            <p:txEl>
-                                              <p:pRg st="0" end="0"/>
-                                            </p:txEl>
-                                          </p:spTgt>
+                                          <p:spTgt spid="144"/>
                                         </p:tgtEl>
                                         <p:attrNameLst>
                                           <p:attrName>style.visibility</p:attrName>
@@ -13819,14 +14834,129 @@
       </p:grpSpPr>
       <p:sp>
         <p:nvSpPr>
-          <p:cNvPr id="153" name=""/>
+          <p:cNvPr id="148" name="PlaceHolder 1"/>
+          <p:cNvSpPr>
+            <a:spLocks noGrp="1"/>
+          </p:cNvSpPr>
+          <p:nvPr>
+            <p:ph type="title"/>
+          </p:nvPr>
+        </p:nvSpPr>
+        <p:spPr>
+          <a:xfrm>
+            <a:off x="360000" y="225720"/>
+            <a:ext cx="9358920" cy="717840"/>
+          </a:xfrm>
+          <a:prstGeom prst="rect">
+            <a:avLst/>
+          </a:prstGeom>
+          <a:noFill/>
+          <a:ln w="0">
+            <a:noFill/>
+          </a:ln>
+        </p:spPr>
+        <p:txBody>
+          <a:bodyPr lIns="0" rIns="0" tIns="0" bIns="0" anchor="ctr">
+            <a:noAutofit/>
+          </a:bodyPr>
+          <a:p>
+            <a:pPr indent="0">
+              <a:lnSpc>
+                <a:spcPct val="100000"/>
+              </a:lnSpc>
+              <a:buNone/>
+              <a:tabLst>
+                <a:tab algn="l" pos="0"/>
+              </a:tabLst>
+            </a:pPr>
+            <a:r>
+              <a:rPr b="1" lang="ru-RU" sz="2700" spc="-1" strike="noStrike">
+                <a:solidFill>
+                  <a:srgbClr val="ffffff"/>
+                </a:solidFill>
+                <a:latin typeface="Source Sans Pro Black"/>
+              </a:rPr>
+              <a:t>Функция внимания</a:t>
+            </a:r>
+            <a:endParaRPr b="0" lang="ru-RU" sz="2700" spc="-1" strike="noStrike">
+              <a:solidFill>
+                <a:srgbClr val="000000"/>
+              </a:solidFill>
+              <a:latin typeface="Arial"/>
+            </a:endParaRPr>
+          </a:p>
+        </p:txBody>
+      </p:sp>
+      <p:sp>
+        <p:nvSpPr>
+          <p:cNvPr id="149" name="PlaceHolder 2"/>
+          <p:cNvSpPr>
+            <a:spLocks noGrp="1"/>
+          </p:cNvSpPr>
+          <p:nvPr>
+            <p:ph/>
+          </p:nvPr>
+        </p:nvSpPr>
+        <p:spPr>
+          <a:xfrm>
+            <a:off x="180000" y="1260000"/>
+            <a:ext cx="8459280" cy="1079280"/>
+          </a:xfrm>
+          <a:prstGeom prst="rect">
+            <a:avLst/>
+          </a:prstGeom>
+          <a:noFill/>
+          <a:ln w="0">
+            <a:noFill/>
+          </a:ln>
+        </p:spPr>
+        <p:txBody>
+          <a:bodyPr lIns="0" rIns="0" tIns="0" bIns="0" anchor="t">
+            <a:normAutofit/>
+          </a:bodyPr>
+          <a:p>
+            <a:pPr marL="432000" indent="-324000">
+              <a:lnSpc>
+                <a:spcPct val="100000"/>
+              </a:lnSpc>
+              <a:spcAft>
+                <a:spcPts val="1057"/>
+              </a:spcAft>
+              <a:buClr>
+                <a:srgbClr val="2c3e50"/>
+              </a:buClr>
+              <a:buSzPct val="45000"/>
+              <a:buFont typeface="Wingdings" charset="2"/>
+              <a:buChar char=""/>
+            </a:pPr>
+            <a:r>
+              <a:rPr b="1" lang="ru-RU" sz="1800" spc="-1" strike="noStrike">
+                <a:solidFill>
+                  <a:srgbClr val="2c3e50"/>
+                </a:solidFill>
+                <a:latin typeface="Arial"/>
+              </a:rPr>
+              <a:t>Q — матрица запросов, K — матрица ключей, V — матрица значений, E - размерность</a:t>
+            </a:r>
+            <a:endParaRPr b="0" lang="ru-RU" sz="1800" spc="-1" strike="noStrike">
+              <a:solidFill>
+                <a:srgbClr val="000000"/>
+              </a:solidFill>
+              <a:latin typeface="Arial"/>
+            </a:endParaRPr>
+          </a:p>
+        </p:txBody>
+      </p:sp>
+      <p:sp>
+        <p:nvSpPr>
+          <p:cNvPr id="150" name=""/>
           <p:cNvSpPr/>
           <p:nvPr/>
         </p:nvSpPr>
         <p:spPr>
           <a:xfrm>
-            <a:off x="478080" y="360000"/>
-            <a:ext cx="3301560" cy="578160"/>
+            <a:off x="408600" y="2339280"/>
+            <a:ext cx="3191400" cy="1027440"/>
           </a:xfrm>
           <a:prstGeom prst="rect">
             <a:avLst/>
@@ -13853,33 +14983,80 @@
               </a:lnSpc>
             </a:pPr>
             <a:r>
-              <a:rPr b="1" lang="ru-RU" sz="2700" spc="-1" strike="noStrike">
+              <a:rPr b="0" lang="ru-RU" sz="2200" spc="-1" strike="noStrike">
                 <a:solidFill>
-                  <a:srgbClr val="ffffff"/>
+                  <a:srgbClr val="000000"/>
                 </a:solidFill>
-                <a:latin typeface="Source Sans Pro Black"/>
+                <a:latin typeface="Arial"/>
+                <a:ea typeface="DejaVu Sans"/>
               </a:rPr>
-              <a:t>Self-Attention</a:t>
-            </a:r>
-            <a:endParaRPr b="0" lang="ru-RU" sz="2700" spc="-1" strike="noStrike">
-              <a:solidFill>
-                <a:srgbClr val="000000"/>
-              </a:solidFill>
-              <a:latin typeface="Arial"/>
-            </a:endParaRPr>
-          </a:p>
-        </p:txBody>
-      </p:sp>
-      <p:sp>
-        <p:nvSpPr>
-          <p:cNvPr id="154" name=""/>
+              <a:t>Размерность Q: [N,E]</a:t>
+            </a:r>
+            <a:endParaRPr b="0" lang="ru-RU" sz="2200" spc="-1" strike="noStrike">
+              <a:solidFill>
+                <a:srgbClr val="000000"/>
+              </a:solidFill>
+              <a:latin typeface="Arial"/>
+            </a:endParaRPr>
+          </a:p>
+          <a:p>
+            <a:pPr>
+              <a:lnSpc>
+                <a:spcPct val="100000"/>
+              </a:lnSpc>
+            </a:pPr>
+            <a:r>
+              <a:rPr b="0" lang="ru-RU" sz="2200" spc="-1" strike="noStrike">
+                <a:solidFill>
+                  <a:srgbClr val="000000"/>
+                </a:solidFill>
+                <a:latin typeface="Arial"/>
+                <a:ea typeface="DejaVu Sans"/>
+              </a:rPr>
+              <a:t>Размерность K: [M, E]</a:t>
+            </a:r>
+            <a:endParaRPr b="0" lang="ru-RU" sz="2200" spc="-1" strike="noStrike">
+              <a:solidFill>
+                <a:srgbClr val="000000"/>
+              </a:solidFill>
+              <a:latin typeface="Arial"/>
+            </a:endParaRPr>
+          </a:p>
+          <a:p>
+            <a:pPr>
+              <a:lnSpc>
+                <a:spcPct val="100000"/>
+              </a:lnSpc>
+            </a:pPr>
+            <a:r>
+              <a:rPr b="0" lang="ru-RU" sz="2200" spc="-1" strike="noStrike">
+                <a:solidFill>
+                  <a:srgbClr val="000000"/>
+                </a:solidFill>
+                <a:latin typeface="Arial"/>
+                <a:ea typeface="DejaVu Sans"/>
+              </a:rPr>
+              <a:t>Размерность V: [M,E’]</a:t>
+            </a:r>
+            <a:endParaRPr b="0" lang="ru-RU" sz="2200" spc="-1" strike="noStrike">
+              <a:solidFill>
+                <a:srgbClr val="000000"/>
+              </a:solidFill>
+              <a:latin typeface="Arial"/>
+            </a:endParaRPr>
+          </a:p>
+        </p:txBody>
+      </p:sp>
+      <p:sp>
+        <p:nvSpPr>
+          <p:cNvPr id="151" name=""/>
           <p:cNvSpPr/>
           <p:nvPr/>
         </p:nvSpPr>
         <p:spPr>
           <a:xfrm>
-            <a:off x="490320" y="1380600"/>
-            <a:ext cx="7429320" cy="524520"/>
+            <a:off x="3600000" y="3780000"/>
+            <a:ext cx="3779280" cy="1747440"/>
           </a:xfrm>
           <a:prstGeom prst="rect">
             <a:avLst/>
@@ -13906,129 +15083,150 @@
               </a:lnSpc>
             </a:pPr>
             <a:r>
-              <a:rPr b="1" lang="ru-RU" sz="2400" spc="-1" strike="noStrike">
-                <a:solidFill>
-                  <a:srgbClr val="2c3e50"/>
-                </a:solidFill>
-                <a:latin typeface="Source Sans Pro Semibold"/>
-              </a:rPr>
-              <a:t>Какие проблемы решает функция self-attention?</a:t>
-            </a:r>
-            <a:endParaRPr b="0" lang="ru-RU" sz="2400" spc="-1" strike="noStrike">
-              <a:solidFill>
-                <a:srgbClr val="000000"/>
-              </a:solidFill>
-              <a:latin typeface="Arial"/>
-            </a:endParaRPr>
-          </a:p>
-        </p:txBody>
-      </p:sp>
-      <p:sp>
-        <p:nvSpPr>
-          <p:cNvPr id="155" name=""/>
-          <p:cNvSpPr/>
-          <p:nvPr/>
-        </p:nvSpPr>
-        <p:spPr>
-          <a:xfrm>
-            <a:off x="540000" y="2160000"/>
-            <a:ext cx="4124880" cy="1079640"/>
-          </a:xfrm>
-          <a:prstGeom prst="rect">
-            <a:avLst/>
-          </a:prstGeom>
-          <a:noFill/>
-          <a:ln w="0">
-            <a:noFill/>
-          </a:ln>
-        </p:spPr>
-        <p:style>
-          <a:lnRef idx="0"/>
-          <a:fillRef idx="0"/>
-          <a:effectRef idx="0"/>
-          <a:fontRef idx="minor"/>
-        </p:style>
-        <p:txBody>
-          <a:bodyPr lIns="90000" rIns="90000" tIns="45000" bIns="45000" anchor="t">
-            <a:noAutofit/>
-          </a:bodyPr>
-          <a:p>
-            <a:pPr>
-              <a:lnSpc>
-                <a:spcPct val="100000"/>
-              </a:lnSpc>
-            </a:pPr>
-            <a:r>
-              <a:rPr b="1" lang="ru-RU" sz="2400" spc="-1" strike="noStrike">
-                <a:solidFill>
-                  <a:srgbClr val="2c3e50"/>
-                </a:solidFill>
-                <a:latin typeface="Source Sans Pro Semibold"/>
-              </a:rPr>
-              <a:t>Self-attention = attn(V,V,V)</a:t>
-            </a:r>
-            <a:endParaRPr b="0" lang="ru-RU" sz="2400" spc="-1" strike="noStrike">
-              <a:solidFill>
-                <a:srgbClr val="000000"/>
-              </a:solidFill>
-              <a:latin typeface="Arial"/>
-            </a:endParaRPr>
-          </a:p>
-        </p:txBody>
-      </p:sp>
-      <p:sp>
-        <p:nvSpPr>
-          <p:cNvPr id="156" name=""/>
-          <p:cNvSpPr/>
-          <p:nvPr/>
-        </p:nvSpPr>
-        <p:spPr>
-          <a:xfrm>
-            <a:off x="540000" y="3420000"/>
-            <a:ext cx="8418960" cy="1279440"/>
-          </a:xfrm>
-          <a:prstGeom prst="rect">
-            <a:avLst/>
-          </a:prstGeom>
-          <a:noFill/>
-          <a:ln w="0">
-            <a:noFill/>
-          </a:ln>
-        </p:spPr>
-        <p:style>
-          <a:lnRef idx="0"/>
-          <a:fillRef idx="0"/>
-          <a:effectRef idx="0"/>
-          <a:fontRef idx="minor"/>
-        </p:style>
-        <p:txBody>
-          <a:bodyPr lIns="90000" rIns="90000" tIns="45000" bIns="45000" anchor="t">
-            <a:noAutofit/>
-          </a:bodyPr>
-          <a:p>
-            <a:pPr>
-              <a:lnSpc>
-                <a:spcPct val="100000"/>
-              </a:lnSpc>
-            </a:pPr>
-            <a:r>
-              <a:rPr b="1" lang="ru-RU" sz="2100" spc="-1" strike="noStrike">
+              <a:rPr b="0" lang="ru-RU" sz="2200" spc="-1" strike="noStrike">
                 <a:solidFill>
                   <a:srgbClr val="000000"/>
                 </a:solidFill>
                 <a:latin typeface="Arial"/>
+                <a:ea typeface="DejaVu Sans"/>
               </a:rPr>
-              <a:t>Таким образом, для трёх слов на выходе получаем три исходных вектора к которым "подмешаны" компоненты близких по смыслу слов окружения (если эмбединг был удачно построен). </a:t>
-            </a:r>
-            <a:endParaRPr b="0" lang="ru-RU" sz="2100" spc="-1" strike="noStrike">
-              <a:solidFill>
-                <a:srgbClr val="000000"/>
-              </a:solidFill>
-              <a:latin typeface="Arial"/>
-            </a:endParaRPr>
-          </a:p>
-        </p:txBody>
-      </p:sp>
+              <a:t>Почему </a:t>
+            </a:r>
+            <a:r>
+              <a:rPr b="0" lang="ru-RU" sz="2200" spc="-1" strike="noStrike">
+                <a:solidFill>
+                  <a:srgbClr val="000000"/>
+                </a:solidFill>
+                <a:latin typeface="Arial"/>
+                <a:ea typeface="Arial"/>
+              </a:rPr>
+              <a:t>√E ?</a:t>
+            </a:r>
+            <a:endParaRPr b="0" lang="ru-RU" sz="2200" spc="-1" strike="noStrike">
+              <a:solidFill>
+                <a:srgbClr val="000000"/>
+              </a:solidFill>
+              <a:latin typeface="Arial"/>
+            </a:endParaRPr>
+          </a:p>
+        </p:txBody>
+      </p:sp>
+      <mc:AlternateContent>
+        <mc:Choice xmlns:a14="http://schemas.microsoft.com/office/drawing/2010/main" Requires="a14">
+          <p:sp>
+            <p:nvSpPr>
+              <p:cNvPr id="152" name=""/>
+              <p:cNvSpPr txBox="1"/>
+              <p:nvPr/>
+            </p:nvSpPr>
+            <p:spPr>
+              <a:xfrm>
+                <a:off x="5033520" y="2309040"/>
+                <a:ext cx="3605760" cy="1290960"/>
+              </a:xfrm>
+              <a:prstGeom prst="rect">
+                <a:avLst/>
+              </a:prstGeom>
+            </p:spPr>
+            <p:txBody>
+              <a:bodyPr/>
+              <a:p>
+                <a14:m>
+                  <m:oMath xmlns:m="http://schemas.openxmlformats.org/officeDocument/2006/math">
+                    <m:r>
+                      <m:t xml:space="preserve">A</m:t>
+                    </m:r>
+                    <m:r>
+                      <m:t xml:space="preserve">=</m:t>
+                    </m:r>
+                    <m:r>
+                      <m:t xml:space="preserve">Attn</m:t>
+                    </m:r>
+                    <m:d>
+                      <m:dPr>
+                        <m:begChr m:val="("/>
+                        <m:endChr m:val=")"/>
+                      </m:dPr>
+                      <m:e>
+                        <m:r>
+                          <m:t xml:space="preserve">Q</m:t>
+                        </m:r>
+                        <m:r>
+                          <m:t xml:space="preserve">,</m:t>
+                        </m:r>
+                        <m:r>
+                          <m:t xml:space="preserve">K</m:t>
+                        </m:r>
+                        <m:r>
+                          <m:t xml:space="preserve">,</m:t>
+                        </m:r>
+                        <m:r>
+                          <m:t xml:space="preserve">V</m:t>
+                        </m:r>
+                      </m:e>
+                    </m:d>
+                    <m:r>
+                      <m:t xml:space="preserve">=</m:t>
+                    </m:r>
+                    <m:r>
+                      <m:t xml:space="preserve">softmax</m:t>
+                    </m:r>
+                    <m:d>
+                      <m:dPr>
+                        <m:begChr m:val="("/>
+                        <m:endChr m:val=")"/>
+                      </m:dPr>
+                      <m:e>
+                        <m:f>
+                          <m:num>
+                            <m:sSup>
+                              <m:e>
+                                <m:r>
+                                  <m:t xml:space="preserve">QK</m:t>
+                                </m:r>
+                              </m:e>
+                              <m:sup>
+                                <m:r>
+                                  <m:t xml:space="preserve">T</m:t>
+                                </m:r>
+                              </m:sup>
+                            </m:sSup>
+                          </m:num>
+                          <m:den>
+                            <m:rad>
+                              <m:radPr>
+                                <m:degHide m:val="1"/>
+                              </m:radPr>
+                              <m:deg/>
+                              <m:e>
+                                <m:d>
+                                  <m:dPr>
+                                    <m:begChr m:val="("/>
+                                    <m:endChr m:val=")"/>
+                                  </m:dPr>
+                                  <m:e>
+                                    <m:r>
+                                      <m:t xml:space="preserve">E</m:t>
+                                    </m:r>
+                                  </m:e>
+                                </m:d>
+                              </m:e>
+                            </m:rad>
+                          </m:den>
+                        </m:f>
+                      </m:e>
+                    </m:d>
+                    <m:r>
+                      <m:t xml:space="preserve">V</m:t>
+                    </m:r>
+                  </m:oMath>
+                </a14:m>
+              </a:p>
+            </p:txBody>
+          </p:sp>
+        </mc:Choice>
+        <mc:Fallback/>
+      </mc:AlternateContent>
     </p:spTree>
   </p:cSld>
   <mc:AlternateContent>
@@ -14042,87 +15240,38 @@
   <p:timing>
     <p:tnLst>
       <p:par>
-        <p:cTn id="51" dur="indefinite" restart="never" nodeType="tmRoot">
+        <p:cTn id="43" dur="indefinite" restart="never" nodeType="tmRoot">
           <p:childTnLst>
             <p:seq>
-              <p:cTn id="52" dur="indefinite" nodeType="mainSeq">
+              <p:cTn id="44" dur="indefinite" nodeType="mainSeq">
                 <p:childTnLst>
                   <p:par>
-                    <p:cTn id="53" fill="hold">
+                    <p:cTn id="45" fill="hold">
                       <p:stCondLst>
                         <p:cond delay="indefinite"/>
                       </p:stCondLst>
                       <p:childTnLst>
                         <p:par>
-                          <p:cTn id="54" fill="hold">
+                          <p:cTn id="46" fill="hold">
                             <p:stCondLst>
                               <p:cond delay="0"/>
                             </p:stCondLst>
                             <p:childTnLst>
                               <p:par>
-                                <p:cTn id="55" nodeType="clickEffect" fill="hold" presetClass="entr" presetID="1">
+                                <p:cTn id="47" nodeType="clickEffect" fill="hold" presetClass="entr" presetID="1">
                                   <p:stCondLst>
                                     <p:cond delay="0"/>
                                   </p:stCondLst>
                                   <p:childTnLst>
                                     <p:set>
                                       <p:cBhvr>
-                                        <p:cTn id="56" dur="1" fill="hold">
+                                        <p:cTn id="48" dur="1" fill="hold">
                                           <p:stCondLst>
                                             <p:cond delay="0"/>
                                           </p:stCondLst>
                                         </p:cTn>
                                         <p:tgtEl>
-                                          <p:spTgt spid="155">
-                                            <p:txEl>
-                                              <p:pRg st="0" end="0"/>
-                                            </p:txEl>
-                                          </p:spTgt>
-                                        </p:tgtEl>
-                                        <p:attrNameLst>
-                                          <p:attrName>style.visibility</p:attrName>
-                                        </p:attrNameLst>
-                                      </p:cBhvr>
-                                      <p:to>
-                                        <p:strVal val="visible"/>
-                                      </p:to>
-                                    </p:set>
-                                  </p:childTnLst>
-                                </p:cTn>
-                              </p:par>
-                            </p:childTnLst>
-                          </p:cTn>
-                        </p:par>
-                      </p:childTnLst>
-                    </p:cTn>
-                  </p:par>
-                  <p:par>
-                    <p:cTn id="57" fill="hold">
-                      <p:stCondLst>
-                        <p:cond delay="indefinite"/>
-                      </p:stCondLst>
-                      <p:childTnLst>
-                        <p:par>
-                          <p:cTn id="58" fill="hold">
-                            <p:stCondLst>
-                              <p:cond delay="0"/>
-                            </p:stCondLst>
-                            <p:childTnLst>
-                              <p:par>
-                                <p:cTn id="59" nodeType="clickEffect" fill="hold" presetClass="entr" presetID="1">
-                                  <p:stCondLst>
-                                    <p:cond delay="0"/>
-                                  </p:stCondLst>
-                                  <p:childTnLst>
-                                    <p:set>
-                                      <p:cBhvr>
-                                        <p:cTn id="60" dur="1" fill="hold">
-                                          <p:stCondLst>
-                                            <p:cond delay="0"/>
-                                          </p:stCondLst>
-                                        </p:cTn>
-                                        <p:tgtEl>
-                                          <p:spTgt spid="156">
+                                          <p:spTgt spid="151">
                                             <p:txEl>
                                               <p:pRg st="0" end="0"/>
                                             </p:txEl>
@@ -14189,127 +15338,14 @@
       </p:grpSpPr>
       <p:sp>
         <p:nvSpPr>
-          <p:cNvPr id="157" name="PlaceHolder 1"/>
-          <p:cNvSpPr>
-            <a:spLocks noGrp="1"/>
-          </p:cNvSpPr>
-          <p:nvPr>
-            <p:ph type="title"/>
-          </p:nvPr>
-        </p:nvSpPr>
-        <p:spPr>
-          <a:xfrm>
-            <a:off x="360000" y="225720"/>
-            <a:ext cx="9359280" cy="718200"/>
-          </a:xfrm>
-          <a:prstGeom prst="rect">
-            <a:avLst/>
-          </a:prstGeom>
-          <a:noFill/>
-          <a:ln w="0">
-            <a:noFill/>
-          </a:ln>
-        </p:spPr>
-        <p:txBody>
-          <a:bodyPr lIns="0" rIns="0" tIns="0" bIns="0" anchor="ctr">
-            <a:noAutofit/>
-          </a:bodyPr>
-          <a:p>
-            <a:pPr indent="0">
-              <a:lnSpc>
-                <a:spcPct val="100000"/>
-              </a:lnSpc>
-              <a:buNone/>
-              <a:tabLst>
-                <a:tab algn="l" pos="0"/>
-              </a:tabLst>
-            </a:pPr>
-            <a:r>
-              <a:rPr b="1" lang="ru-RU" sz="2700" spc="-1" strike="noStrike">
-                <a:solidFill>
-                  <a:srgbClr val="ffffff"/>
-                </a:solidFill>
-                <a:latin typeface="Source Sans Pro Black"/>
-              </a:rPr>
-              <a:t>MultiHead</a:t>
-            </a:r>
-            <a:endParaRPr b="0" lang="ru-RU" sz="2700" spc="-1" strike="noStrike">
-              <a:solidFill>
-                <a:srgbClr val="000000"/>
-              </a:solidFill>
-              <a:latin typeface="Arial"/>
-            </a:endParaRPr>
-          </a:p>
-        </p:txBody>
-      </p:sp>
-      <p:sp>
-        <p:nvSpPr>
-          <p:cNvPr id="158" name="PlaceHolder 2"/>
-          <p:cNvSpPr>
-            <a:spLocks noGrp="1"/>
-          </p:cNvSpPr>
-          <p:nvPr>
-            <p:ph/>
-          </p:nvPr>
-        </p:nvSpPr>
-        <p:spPr>
-          <a:xfrm>
-            <a:off x="-180000" y="1305000"/>
-            <a:ext cx="7199640" cy="1034640"/>
-          </a:xfrm>
-          <a:prstGeom prst="rect">
-            <a:avLst/>
-          </a:prstGeom>
-          <a:noFill/>
-          <a:ln w="0">
-            <a:noFill/>
-          </a:ln>
-        </p:spPr>
-        <p:txBody>
-          <a:bodyPr lIns="0" rIns="0" tIns="0" bIns="0" anchor="t">
-            <a:normAutofit/>
-          </a:bodyPr>
-          <a:p>
-            <a:pPr marL="432000" indent="0">
-              <a:lnSpc>
-                <a:spcPct val="100000"/>
-              </a:lnSpc>
-              <a:spcBef>
-                <a:spcPts val="1417"/>
-              </a:spcBef>
-              <a:buNone/>
-              <a:tabLst>
-                <a:tab algn="l" pos="0"/>
-              </a:tabLst>
-            </a:pPr>
-            <a:r>
-              <a:rPr b="1" lang="ru-RU" sz="2400" spc="-1" strike="noStrike">
-                <a:solidFill>
-                  <a:srgbClr val="000000"/>
-                </a:solidFill>
-                <a:latin typeface="Arial"/>
-              </a:rPr>
-              <a:t>Однако развитие не стояло на месте</a:t>
-            </a:r>
-            <a:endParaRPr b="0" lang="ru-RU" sz="2400" spc="-1" strike="noStrike">
-              <a:solidFill>
-                <a:srgbClr val="000000"/>
-              </a:solidFill>
-              <a:latin typeface="Arial"/>
-            </a:endParaRPr>
-          </a:p>
-        </p:txBody>
-      </p:sp>
-      <p:sp>
-        <p:nvSpPr>
-          <p:cNvPr id="159" name=""/>
+          <p:cNvPr id="153" name=""/>
           <p:cNvSpPr/>
           <p:nvPr/>
         </p:nvSpPr>
         <p:spPr>
           <a:xfrm>
-            <a:off x="180000" y="1929960"/>
-            <a:ext cx="6119640" cy="769680"/>
+            <a:off x="478080" y="360000"/>
+            <a:ext cx="3301200" cy="577800"/>
           </a:xfrm>
           <a:prstGeom prst="rect">
             <a:avLst/>
@@ -14336,33 +15372,34 @@
               </a:lnSpc>
             </a:pPr>
             <a:r>
-              <a:rPr b="1" lang="ru-RU" sz="2400" spc="-1" strike="noStrike">
+              <a:rPr b="1" lang="ru-RU" sz="2700" spc="-1" strike="noStrike">
                 <a:solidFill>
-                  <a:srgbClr val="000000"/>
+                  <a:srgbClr val="ffffff"/>
                 </a:solidFill>
-                <a:latin typeface="Arial"/>
+                <a:latin typeface="Source Sans Pro Black"/>
+                <a:ea typeface="DejaVu Sans"/>
               </a:rPr>
-              <a:t>A=MultiHead(Q,K,V) = Concat (h1,…,hH) W0</a:t>
-            </a:r>
-            <a:endParaRPr b="0" lang="ru-RU" sz="2400" spc="-1" strike="noStrike">
-              <a:solidFill>
-                <a:srgbClr val="000000"/>
-              </a:solidFill>
-              <a:latin typeface="Arial"/>
-            </a:endParaRPr>
-          </a:p>
-        </p:txBody>
-      </p:sp>
-      <p:sp>
-        <p:nvSpPr>
-          <p:cNvPr id="160" name=""/>
+              <a:t>Self-Attention</a:t>
+            </a:r>
+            <a:endParaRPr b="0" lang="ru-RU" sz="2700" spc="-1" strike="noStrike">
+              <a:solidFill>
+                <a:srgbClr val="000000"/>
+              </a:solidFill>
+              <a:latin typeface="Arial"/>
+            </a:endParaRPr>
+          </a:p>
+        </p:txBody>
+      </p:sp>
+      <p:sp>
+        <p:nvSpPr>
+          <p:cNvPr id="154" name=""/>
           <p:cNvSpPr/>
           <p:nvPr/>
         </p:nvSpPr>
         <p:spPr>
           <a:xfrm>
-            <a:off x="141120" y="2880000"/>
-            <a:ext cx="6518520" cy="1330200"/>
+            <a:off x="490320" y="1380600"/>
+            <a:ext cx="7428960" cy="524160"/>
           </a:xfrm>
           <a:prstGeom prst="rect">
             <a:avLst/>
@@ -14389,94 +15426,14 @@
               </a:lnSpc>
             </a:pPr>
             <a:r>
-              <a:rPr b="1" lang="ru-RU" sz="2400" spc="-1" strike="noStrike">
+              <a:rPr b="0" lang="ru-RU" sz="2400" spc="-1" strike="noStrike">
                 <a:solidFill>
-                  <a:srgbClr val="000000"/>
+                  <a:srgbClr val="2c3e50"/>
                 </a:solidFill>
                 <a:latin typeface="Arial"/>
+                <a:ea typeface="DejaVu Sans"/>
               </a:rPr>
-              <a:t>hi=attn(QW</a:t>
-            </a:r>
-            <a:r>
-              <a:rPr b="1" lang="ru-RU" sz="2400" spc="-1" strike="noStrike" baseline="33000">
-                <a:solidFill>
-                  <a:srgbClr val="000000"/>
-                </a:solidFill>
-                <a:latin typeface="Arial"/>
-              </a:rPr>
-              <a:t>Q</a:t>
-            </a:r>
-            <a:r>
-              <a:rPr b="1" lang="ru-RU" sz="2400" spc="-1" strike="noStrike" baseline="-8000">
-                <a:solidFill>
-                  <a:srgbClr val="000000"/>
-                </a:solidFill>
-                <a:latin typeface="Arial"/>
-              </a:rPr>
-              <a:t>i, </a:t>
-            </a:r>
-            <a:r>
-              <a:rPr b="1" lang="ru-RU" sz="2400" spc="-1" strike="noStrike">
-                <a:solidFill>
-                  <a:srgbClr val="000000"/>
-                </a:solidFill>
-                <a:latin typeface="Arial"/>
-              </a:rPr>
-              <a:t> KW</a:t>
-            </a:r>
-            <a:r>
-              <a:rPr b="1" lang="ru-RU" sz="2400" spc="-1" strike="noStrike" baseline="-8000">
-                <a:solidFill>
-                  <a:srgbClr val="000000"/>
-                </a:solidFill>
-                <a:latin typeface="Arial"/>
-              </a:rPr>
-              <a:t>i</a:t>
-            </a:r>
-            <a:r>
-              <a:rPr b="1" lang="ru-RU" sz="2400" spc="-1" strike="noStrike" baseline="33000">
-                <a:solidFill>
-                  <a:srgbClr val="000000"/>
-                </a:solidFill>
-                <a:latin typeface="Arial"/>
-              </a:rPr>
-              <a:t>K </a:t>
-            </a:r>
-            <a:r>
-              <a:rPr b="1" lang="ru-RU" sz="2400" spc="-1" strike="noStrike">
-                <a:solidFill>
-                  <a:srgbClr val="000000"/>
-                </a:solidFill>
-                <a:latin typeface="Arial"/>
-              </a:rPr>
-              <a:t>, VW</a:t>
-            </a:r>
-            <a:r>
-              <a:rPr b="1" lang="ru-RU" sz="2400" spc="-1" strike="noStrike" baseline="-8000">
-                <a:solidFill>
-                  <a:srgbClr val="000000"/>
-                </a:solidFill>
-                <a:latin typeface="Arial"/>
-              </a:rPr>
-              <a:t>i</a:t>
-            </a:r>
-            <a:r>
-              <a:rPr b="1" lang="ru-RU" sz="2400" spc="-1" strike="noStrike" baseline="33000">
-                <a:solidFill>
-                  <a:srgbClr val="000000"/>
-                </a:solidFill>
-                <a:latin typeface="Arial"/>
-              </a:rPr>
-              <a:t>V</a:t>
-            </a:r>
-            <a:r>
-              <a:rPr b="1" lang="ru-RU" sz="2400" spc="-1" strike="noStrike">
-                <a:solidFill>
-                  <a:srgbClr val="000000"/>
-                </a:solidFill>
-                <a:latin typeface="Arial"/>
-              </a:rPr>
-              <a:t>)</a:t>
+              <a:t>Какие проблемы решает функция self-attention?</a:t>
             </a:r>
             <a:endParaRPr b="0" lang="ru-RU" sz="2400" spc="-1" strike="noStrike">
               <a:solidFill>
@@ -14487,39 +15444,16 @@
           </a:p>
         </p:txBody>
       </p:sp>
-      <p:pic>
-        <p:nvPicPr>
-          <p:cNvPr id="161" name="" descr=""/>
-          <p:cNvPicPr/>
-          <p:nvPr/>
-        </p:nvPicPr>
-        <p:blipFill>
-          <a:blip r:embed="rId1"/>
-          <a:stretch/>
-        </p:blipFill>
-        <p:spPr>
-          <a:xfrm>
-            <a:off x="4500000" y="2700000"/>
-            <a:ext cx="5039640" cy="719640"/>
-          </a:xfrm>
-          <a:prstGeom prst="rect">
-            <a:avLst/>
-          </a:prstGeom>
-          <a:ln w="0">
-            <a:noFill/>
-          </a:ln>
-        </p:spPr>
-      </p:pic>
-      <p:sp>
-        <p:nvSpPr>
-          <p:cNvPr id="162" name=""/>
+      <p:sp>
+        <p:nvSpPr>
+          <p:cNvPr id="155" name=""/>
           <p:cNvSpPr/>
           <p:nvPr/>
         </p:nvSpPr>
         <p:spPr>
           <a:xfrm>
-            <a:off x="193680" y="3410280"/>
-            <a:ext cx="9345960" cy="1449360"/>
+            <a:off x="540000" y="3420000"/>
+            <a:ext cx="8418600" cy="1279080"/>
           </a:xfrm>
           <a:prstGeom prst="rect">
             <a:avLst/>
@@ -14546,130 +15480,92 @@
               </a:lnSpc>
             </a:pPr>
             <a:r>
-              <a:rPr b="1" lang="ru-RU" sz="2400" spc="-1" strike="noStrike">
+              <a:rPr b="0" lang="ru-RU" sz="2100" spc="-1" strike="noStrike">
                 <a:solidFill>
                   <a:srgbClr val="000000"/>
                 </a:solidFill>
                 <a:latin typeface="Arial"/>
+                <a:ea typeface="DejaVu Sans"/>
               </a:rPr>
-              <a:t>После подсчета внимания для каждой головы, они конкатенируются, из чего получается матрица (N,E</a:t>
-            </a:r>
-            <a:r>
-              <a:rPr b="1" lang="ru-RU" sz="2400" spc="-1" strike="noStrike" baseline="-8000">
-                <a:solidFill>
-                  <a:srgbClr val="000000"/>
-                </a:solidFill>
-                <a:latin typeface="Arial"/>
-              </a:rPr>
-              <a:t>h</a:t>
-            </a:r>
-            <a:r>
-              <a:rPr b="1" lang="ru-RU" sz="2400" spc="-1" strike="noStrike">
-                <a:solidFill>
-                  <a:srgbClr val="000000"/>
-                </a:solidFill>
-                <a:latin typeface="Arial"/>
-              </a:rPr>
-              <a:t>H). Её свертка с W</a:t>
-            </a:r>
-            <a:r>
-              <a:rPr b="1" lang="ru-RU" sz="2400" spc="-1" strike="noStrike" baseline="33000">
-                <a:solidFill>
-                  <a:srgbClr val="000000"/>
-                </a:solidFill>
-                <a:latin typeface="Arial"/>
-              </a:rPr>
-              <a:t>0</a:t>
-            </a:r>
-            <a:r>
-              <a:rPr b="1" lang="ru-RU" sz="2400" spc="-1" strike="noStrike">
-                <a:solidFill>
-                  <a:srgbClr val="000000"/>
-                </a:solidFill>
-                <a:latin typeface="Arial"/>
-              </a:rPr>
-              <a:t> приводит к финальной матрице A [N,E</a:t>
-            </a:r>
-            <a:r>
-              <a:rPr b="1" lang="ru-RU" sz="2200" spc="-1" strike="noStrike">
-                <a:solidFill>
-                  <a:srgbClr val="000000"/>
-                </a:solidFill>
-                <a:latin typeface="Arial"/>
-              </a:rPr>
-              <a:t>a</a:t>
-            </a:r>
-            <a:r>
-              <a:rPr b="1" lang="ru-RU" sz="2400" spc="-1" strike="noStrike">
-                <a:solidFill>
-                  <a:srgbClr val="000000"/>
-                </a:solidFill>
-                <a:latin typeface="Arial"/>
-              </a:rPr>
-              <a:t>].</a:t>
-            </a:r>
-            <a:endParaRPr b="0" lang="ru-RU" sz="2400" spc="-1" strike="noStrike">
-              <a:solidFill>
-                <a:srgbClr val="000000"/>
-              </a:solidFill>
-              <a:latin typeface="Arial"/>
-            </a:endParaRPr>
-          </a:p>
-        </p:txBody>
-      </p:sp>
-      <p:sp>
-        <p:nvSpPr>
-          <p:cNvPr id="163" name=""/>
-          <p:cNvSpPr/>
-          <p:nvPr/>
-        </p:nvSpPr>
-        <p:spPr>
-          <a:xfrm>
-            <a:off x="2880000" y="4680000"/>
-            <a:ext cx="6479640" cy="719640"/>
-          </a:xfrm>
-          <a:prstGeom prst="rect">
-            <a:avLst/>
-          </a:prstGeom>
-          <a:noFill/>
-          <a:ln w="0">
-            <a:noFill/>
-          </a:ln>
-        </p:spPr>
-        <p:style>
-          <a:lnRef idx="0"/>
-          <a:fillRef idx="0"/>
-          <a:effectRef idx="0"/>
-          <a:fontRef idx="minor"/>
-        </p:style>
-        <p:txBody>
-          <a:bodyPr lIns="90000" rIns="90000" tIns="45000" bIns="45000" anchor="t">
-            <a:noAutofit/>
-          </a:bodyPr>
-          <a:p>
-            <a:pPr>
-              <a:lnSpc>
-                <a:spcPct val="100000"/>
-              </a:lnSpc>
-            </a:pPr>
-            <a:r>
-              <a:rPr b="1" lang="ru-RU" sz="2400" spc="-1" strike="noStrike">
-                <a:solidFill>
-                  <a:srgbClr val="000000"/>
-                </a:solidFill>
-                <a:latin typeface="Arial"/>
-              </a:rPr>
-              <a:t>Что нам это дает?</a:t>
-            </a:r>
-            <a:endParaRPr b="0" lang="ru-RU" sz="2400" spc="-1" strike="noStrike">
-              <a:solidFill>
-                <a:srgbClr val="000000"/>
-              </a:solidFill>
-              <a:latin typeface="Arial"/>
-            </a:endParaRPr>
-          </a:p>
-        </p:txBody>
-      </p:sp>
+              <a:t>Таким образом, для трёх слов на выходе получаем три исходных вектора к которым "подмешаны" компоненты близких по смыслу слов окружения (если эмбединг был удачно построен). </a:t>
+            </a:r>
+            <a:endParaRPr b="0" lang="ru-RU" sz="2100" spc="-1" strike="noStrike">
+              <a:solidFill>
+                <a:srgbClr val="000000"/>
+              </a:solidFill>
+              <a:latin typeface="Arial"/>
+            </a:endParaRPr>
+          </a:p>
+        </p:txBody>
+      </p:sp>
+      <mc:AlternateContent>
+        <mc:Choice xmlns:a14="http://schemas.microsoft.com/office/drawing/2010/main" Requires="a14">
+          <p:sp>
+            <p:nvSpPr>
+              <p:cNvPr id="156" name=""/>
+              <p:cNvSpPr txBox="1"/>
+              <p:nvPr/>
+            </p:nvSpPr>
+            <p:spPr>
+              <a:xfrm>
+                <a:off x="528840" y="2160000"/>
+                <a:ext cx="3071160" cy="578520"/>
+              </a:xfrm>
+              <a:prstGeom prst="rect">
+                <a:avLst/>
+              </a:prstGeom>
+            </p:spPr>
+            <p:txBody>
+              <a:bodyPr/>
+              <a:p>
+                <a14:m>
+                  <m:oMath xmlns:m="http://schemas.openxmlformats.org/officeDocument/2006/math">
+                    <m:r>
+                      <m:t xml:space="preserve">Self</m:t>
+                    </m:r>
+                    <m:r>
+                      <m:t xml:space="preserve">−</m:t>
+                    </m:r>
+                    <m:r>
+                      <m:t xml:space="preserve">attentnion</m:t>
+                    </m:r>
+                    <m:r>
+                      <m:t xml:space="preserve">=</m:t>
+                    </m:r>
+                    <m:r>
+                      <m:t xml:space="preserve">attn</m:t>
+                    </m:r>
+                    <m:d>
+                      <m:dPr>
+                        <m:begChr m:val="("/>
+                        <m:endChr m:val=")"/>
+                      </m:dPr>
+                      <m:e>
+                        <m:r>
+                          <m:t xml:space="preserve">V</m:t>
+                        </m:r>
+                        <m:r>
+                          <m:t xml:space="preserve">,</m:t>
+                        </m:r>
+                        <m:r>
+                          <m:t xml:space="preserve">V</m:t>
+                        </m:r>
+                        <m:r>
+                          <m:t xml:space="preserve">,</m:t>
+                        </m:r>
+                        <m:r>
+                          <m:t xml:space="preserve">V</m:t>
+                        </m:r>
+                      </m:e>
+                    </m:d>
+                  </m:oMath>
+                </a14:m>
+              </a:p>
+            </p:txBody>
+          </p:sp>
+        </mc:Choice>
+        <mc:Fallback/>
+      </mc:AlternateContent>
     </p:spTree>
   </p:cSld>
   <mc:AlternateContent>
@@ -14683,176 +15579,38 @@
   <p:timing>
     <p:tnLst>
       <p:par>
-        <p:cTn id="61" dur="indefinite" restart="never" nodeType="tmRoot">
+        <p:cTn id="49" dur="indefinite" restart="never" nodeType="tmRoot">
           <p:childTnLst>
             <p:seq>
-              <p:cTn id="62" dur="indefinite" nodeType="mainSeq">
+              <p:cTn id="50" dur="indefinite" nodeType="mainSeq">
                 <p:childTnLst>
                   <p:par>
-                    <p:cTn id="63" fill="hold">
+                    <p:cTn id="51" fill="hold">
                       <p:stCondLst>
                         <p:cond delay="indefinite"/>
                       </p:stCondLst>
                       <p:childTnLst>
                         <p:par>
-                          <p:cTn id="64" fill="hold">
+                          <p:cTn id="52" fill="hold">
                             <p:stCondLst>
                               <p:cond delay="0"/>
                             </p:stCondLst>
                             <p:childTnLst>
                               <p:par>
-                                <p:cTn id="65" nodeType="clickEffect" fill="hold" presetClass="entr" presetID="1">
+                                <p:cTn id="53" nodeType="clickEffect" fill="hold" presetClass="entr" presetID="1">
                                   <p:stCondLst>
                                     <p:cond delay="0"/>
                                   </p:stCondLst>
                                   <p:childTnLst>
                                     <p:set>
                                       <p:cBhvr>
-                                        <p:cTn id="66" dur="1" fill="hold">
+                                        <p:cTn id="54" dur="1" fill="hold">
                                           <p:stCondLst>
                                             <p:cond delay="0"/>
                                           </p:stCondLst>
                                         </p:cTn>
                                         <p:tgtEl>
-                                          <p:spTgt spid="159">
-                                            <p:txEl>
-                                              <p:pRg st="0" end="0"/>
-                                            </p:txEl>
-                                          </p:spTgt>
-                                        </p:tgtEl>
-                                        <p:attrNameLst>
-                                          <p:attrName>style.visibility</p:attrName>
-                                        </p:attrNameLst>
-                                      </p:cBhvr>
-                                      <p:to>
-                                        <p:strVal val="visible"/>
-                                      </p:to>
-                                    </p:set>
-                                  </p:childTnLst>
-                                </p:cTn>
-                              </p:par>
-                              <p:par>
-                                <p:cTn id="67" nodeType="withEffect" fill="hold" presetClass="entr" presetID="1">
-                                  <p:stCondLst>
-                                    <p:cond delay="0"/>
-                                  </p:stCondLst>
-                                  <p:childTnLst>
-                                    <p:set>
-                                      <p:cBhvr>
-                                        <p:cTn id="68" dur="1" fill="hold">
-                                          <p:stCondLst>
-                                            <p:cond delay="0"/>
-                                          </p:stCondLst>
-                                        </p:cTn>
-                                        <p:tgtEl>
-                                          <p:spTgt spid="160">
-                                            <p:txEl>
-                                              <p:pRg st="0" end="0"/>
-                                            </p:txEl>
-                                          </p:spTgt>
-                                        </p:tgtEl>
-                                        <p:attrNameLst>
-                                          <p:attrName>style.visibility</p:attrName>
-                                        </p:attrNameLst>
-                                      </p:cBhvr>
-                                      <p:to>
-                                        <p:strVal val="visible"/>
-                                      </p:to>
-                                    </p:set>
-                                  </p:childTnLst>
-                                </p:cTn>
-                              </p:par>
-                              <p:par>
-                                <p:cTn id="69" nodeType="withEffect" fill="hold" presetClass="entr" presetID="1">
-                                  <p:stCondLst>
-                                    <p:cond delay="0"/>
-                                  </p:stCondLst>
-                                  <p:childTnLst>
-                                    <p:set>
-                                      <p:cBhvr>
-                                        <p:cTn id="70" dur="1" fill="hold">
-                                          <p:stCondLst>
-                                            <p:cond delay="0"/>
-                                          </p:stCondLst>
-                                        </p:cTn>
-                                        <p:tgtEl>
-                                          <p:spTgt spid="161"/>
-                                        </p:tgtEl>
-                                        <p:attrNameLst>
-                                          <p:attrName>style.visibility</p:attrName>
-                                        </p:attrNameLst>
-                                      </p:cBhvr>
-                                      <p:to>
-                                        <p:strVal val="visible"/>
-                                      </p:to>
-                                    </p:set>
-                                  </p:childTnLst>
-                                </p:cTn>
-                              </p:par>
-                              <p:par>
-                                <p:cTn id="71" nodeType="withEffect" fill="hold" presetClass="entr" presetID="1">
-                                  <p:stCondLst>
-                                    <p:cond delay="0"/>
-                                  </p:stCondLst>
-                                  <p:childTnLst>
-                                    <p:set>
-                                      <p:cBhvr>
-                                        <p:cTn id="72" dur="1" fill="hold">
-                                          <p:stCondLst>
-                                            <p:cond delay="0"/>
-                                          </p:stCondLst>
-                                        </p:cTn>
-                                        <p:tgtEl>
-                                          <p:spTgt spid="162">
-                                            <p:txEl>
-                                              <p:pRg st="0" end="0"/>
-                                            </p:txEl>
-                                          </p:spTgt>
-                                        </p:tgtEl>
-                                        <p:attrNameLst>
-                                          <p:attrName>style.visibility</p:attrName>
-                                        </p:attrNameLst>
-                                      </p:cBhvr>
-                                      <p:to>
-                                        <p:strVal val="visible"/>
-                                      </p:to>
-                                    </p:set>
-                                  </p:childTnLst>
-                                </p:cTn>
-                              </p:par>
-                            </p:childTnLst>
-                          </p:cTn>
-                        </p:par>
-                      </p:childTnLst>
-                    </p:cTn>
-                  </p:par>
-                  <p:par>
-                    <p:cTn id="73" fill="hold">
-                      <p:stCondLst>
-                        <p:cond delay="indefinite"/>
-                      </p:stCondLst>
-                      <p:childTnLst>
-                        <p:par>
-                          <p:cTn id="74" fill="hold">
-                            <p:stCondLst>
-                              <p:cond delay="0"/>
-                            </p:stCondLst>
-                            <p:childTnLst>
-                              <p:par>
-                                <p:cTn id="75" nodeType="clickEffect" fill="hold" presetClass="entr" presetID="1">
-                                  <p:stCondLst>
-                                    <p:cond delay="0"/>
-                                  </p:stCondLst>
-                                  <p:childTnLst>
-                                    <p:set>
-                                      <p:cBhvr>
-                                        <p:cTn id="76" dur="1" fill="hold">
-                                          <p:stCondLst>
-                                            <p:cond delay="0"/>
-                                          </p:stCondLst>
-                                        </p:cTn>
-                                        <p:tgtEl>
-                                          <p:spTgt spid="163">
+                                          <p:spTgt spid="155">
                                             <p:txEl>
                                               <p:pRg st="0" end="0"/>
                                             </p:txEl>
@@ -14919,14 +15677,127 @@
       </p:grpSpPr>
       <p:sp>
         <p:nvSpPr>
-          <p:cNvPr id="164" name=""/>
+          <p:cNvPr id="157" name="PlaceHolder 1"/>
+          <p:cNvSpPr>
+            <a:spLocks noGrp="1"/>
+          </p:cNvSpPr>
+          <p:nvPr>
+            <p:ph type="title"/>
+          </p:nvPr>
+        </p:nvSpPr>
+        <p:spPr>
+          <a:xfrm>
+            <a:off x="360000" y="225720"/>
+            <a:ext cx="9358920" cy="717840"/>
+          </a:xfrm>
+          <a:prstGeom prst="rect">
+            <a:avLst/>
+          </a:prstGeom>
+          <a:noFill/>
+          <a:ln w="0">
+            <a:noFill/>
+          </a:ln>
+        </p:spPr>
+        <p:txBody>
+          <a:bodyPr lIns="0" rIns="0" tIns="0" bIns="0" anchor="ctr">
+            <a:noAutofit/>
+          </a:bodyPr>
+          <a:p>
+            <a:pPr indent="0">
+              <a:lnSpc>
+                <a:spcPct val="100000"/>
+              </a:lnSpc>
+              <a:buNone/>
+              <a:tabLst>
+                <a:tab algn="l" pos="0"/>
+              </a:tabLst>
+            </a:pPr>
+            <a:r>
+              <a:rPr b="1" lang="ru-RU" sz="2700" spc="-1" strike="noStrike">
+                <a:solidFill>
+                  <a:srgbClr val="ffffff"/>
+                </a:solidFill>
+                <a:latin typeface="Source Sans Pro Black"/>
+              </a:rPr>
+              <a:t>MultiHead</a:t>
+            </a:r>
+            <a:endParaRPr b="0" lang="ru-RU" sz="2700" spc="-1" strike="noStrike">
+              <a:solidFill>
+                <a:srgbClr val="000000"/>
+              </a:solidFill>
+              <a:latin typeface="Arial"/>
+            </a:endParaRPr>
+          </a:p>
+        </p:txBody>
+      </p:sp>
+      <p:sp>
+        <p:nvSpPr>
+          <p:cNvPr id="158" name="PlaceHolder 2"/>
+          <p:cNvSpPr>
+            <a:spLocks noGrp="1"/>
+          </p:cNvSpPr>
+          <p:nvPr>
+            <p:ph/>
+          </p:nvPr>
+        </p:nvSpPr>
+        <p:spPr>
+          <a:xfrm>
+            <a:off x="-180000" y="1305000"/>
+            <a:ext cx="7199280" cy="1034280"/>
+          </a:xfrm>
+          <a:prstGeom prst="rect">
+            <a:avLst/>
+          </a:prstGeom>
+          <a:noFill/>
+          <a:ln w="0">
+            <a:noFill/>
+          </a:ln>
+        </p:spPr>
+        <p:txBody>
+          <a:bodyPr lIns="0" rIns="0" tIns="0" bIns="0" anchor="t">
+            <a:normAutofit/>
+          </a:bodyPr>
+          <a:p>
+            <a:pPr marL="432000" indent="0">
+              <a:lnSpc>
+                <a:spcPct val="100000"/>
+              </a:lnSpc>
+              <a:spcBef>
+                <a:spcPts val="1417"/>
+              </a:spcBef>
+              <a:buNone/>
+              <a:tabLst>
+                <a:tab algn="l" pos="0"/>
+              </a:tabLst>
+            </a:pPr>
+            <a:r>
+              <a:rPr b="0" lang="ru-RU" sz="2400" spc="-1" strike="noStrike">
+                <a:solidFill>
+                  <a:srgbClr val="000000"/>
+                </a:solidFill>
+                <a:latin typeface="Arial"/>
+              </a:rPr>
+              <a:t>Однако развитие не стояло на месте</a:t>
+            </a:r>
+            <a:endParaRPr b="0" lang="ru-RU" sz="2400" spc="-1" strike="noStrike">
+              <a:solidFill>
+                <a:srgbClr val="000000"/>
+              </a:solidFill>
+              <a:latin typeface="Arial"/>
+            </a:endParaRPr>
+          </a:p>
+        </p:txBody>
+      </p:sp>
+      <p:sp>
+        <p:nvSpPr>
+          <p:cNvPr id="159" name=""/>
           <p:cNvSpPr/>
           <p:nvPr/>
         </p:nvSpPr>
         <p:spPr>
           <a:xfrm>
-            <a:off x="201960" y="360000"/>
-            <a:ext cx="5737680" cy="719640"/>
+            <a:off x="193680" y="3410280"/>
+            <a:ext cx="9345600" cy="1449000"/>
           </a:xfrm>
           <a:prstGeom prst="rect">
             <a:avLst/>
@@ -14953,33 +15824,94 @@
               </a:lnSpc>
             </a:pPr>
             <a:r>
-              <a:rPr b="1" lang="ru-RU" sz="2700" spc="-1" strike="noStrike">
+              <a:rPr b="0" lang="ru-RU" sz="2400" spc="-1" strike="noStrike">
                 <a:solidFill>
-                  <a:srgbClr val="ffffff"/>
+                  <a:srgbClr val="000000"/>
                 </a:solidFill>
-                <a:latin typeface="Source Sans Pro Black"/>
+                <a:latin typeface="Arial"/>
+                <a:ea typeface="DejaVu Sans"/>
               </a:rPr>
-              <a:t>Маскированное внимание</a:t>
-            </a:r>
-            <a:endParaRPr b="0" lang="ru-RU" sz="2700" spc="-1" strike="noStrike">
-              <a:solidFill>
-                <a:srgbClr val="000000"/>
-              </a:solidFill>
-              <a:latin typeface="Arial"/>
-            </a:endParaRPr>
-          </a:p>
-        </p:txBody>
-      </p:sp>
-      <p:sp>
-        <p:nvSpPr>
-          <p:cNvPr id="165" name=""/>
+              <a:t>После подсчета внимания для каждой головы, они конкатенируются, из чего получается матрица (N,E</a:t>
+            </a:r>
+            <a:r>
+              <a:rPr b="0" lang="ru-RU" sz="2400" spc="-1" strike="noStrike" baseline="-8000">
+                <a:solidFill>
+                  <a:srgbClr val="000000"/>
+                </a:solidFill>
+                <a:latin typeface="Arial"/>
+                <a:ea typeface="DejaVu Sans"/>
+              </a:rPr>
+              <a:t>h</a:t>
+            </a:r>
+            <a:r>
+              <a:rPr b="0" lang="ru-RU" sz="2400" spc="-1" strike="noStrike">
+                <a:solidFill>
+                  <a:srgbClr val="000000"/>
+                </a:solidFill>
+                <a:latin typeface="Arial"/>
+                <a:ea typeface="DejaVu Sans"/>
+              </a:rPr>
+              <a:t>H). Её свертка с W</a:t>
+            </a:r>
+            <a:r>
+              <a:rPr b="0" lang="ru-RU" sz="2400" spc="-1" strike="noStrike" baseline="33000">
+                <a:solidFill>
+                  <a:srgbClr val="000000"/>
+                </a:solidFill>
+                <a:latin typeface="Arial"/>
+                <a:ea typeface="DejaVu Sans"/>
+              </a:rPr>
+              <a:t>0</a:t>
+            </a:r>
+            <a:r>
+              <a:rPr b="0" lang="ru-RU" sz="2400" spc="-1" strike="noStrike">
+                <a:solidFill>
+                  <a:srgbClr val="000000"/>
+                </a:solidFill>
+                <a:latin typeface="Arial"/>
+                <a:ea typeface="DejaVu Sans"/>
+              </a:rPr>
+              <a:t> приводит к финальной матрице A [N,E</a:t>
+            </a:r>
+            <a:r>
+              <a:rPr b="0" lang="ru-RU" sz="2200" spc="-1" strike="noStrike">
+                <a:solidFill>
+                  <a:srgbClr val="000000"/>
+                </a:solidFill>
+                <a:latin typeface="Arial"/>
+                <a:ea typeface="DejaVu Sans"/>
+              </a:rPr>
+              <a:t>a</a:t>
+            </a:r>
+            <a:r>
+              <a:rPr b="0" lang="ru-RU" sz="2400" spc="-1" strike="noStrike">
+                <a:solidFill>
+                  <a:srgbClr val="000000"/>
+                </a:solidFill>
+                <a:latin typeface="Arial"/>
+                <a:ea typeface="DejaVu Sans"/>
+              </a:rPr>
+              <a:t>].</a:t>
+            </a:r>
+            <a:endParaRPr b="0" lang="ru-RU" sz="2400" spc="-1" strike="noStrike">
+              <a:solidFill>
+                <a:srgbClr val="000000"/>
+              </a:solidFill>
+              <a:latin typeface="Arial"/>
+            </a:endParaRPr>
+          </a:p>
+        </p:txBody>
+      </p:sp>
+      <p:sp>
+        <p:nvSpPr>
+          <p:cNvPr id="160" name=""/>
           <p:cNvSpPr/>
           <p:nvPr/>
         </p:nvSpPr>
         <p:spPr>
           <a:xfrm>
-            <a:off x="3780000" y="1560240"/>
-            <a:ext cx="1619640" cy="959400"/>
+            <a:off x="2880000" y="4680000"/>
+            <a:ext cx="6479280" cy="719280"/>
           </a:xfrm>
           <a:prstGeom prst="rect">
             <a:avLst/>
@@ -15006,183 +15938,445 @@
               </a:lnSpc>
             </a:pPr>
             <a:r>
-              <a:rPr b="1" lang="ru-RU" sz="3600" spc="-1" strike="noStrike">
+              <a:rPr b="0" lang="ru-RU" sz="2400" spc="-1" strike="noStrike">
                 <a:solidFill>
-                  <a:srgbClr val="2c3e50"/>
+                  <a:srgbClr val="000000"/>
                 </a:solidFill>
-                <a:latin typeface="Source Sans Pro Semibold"/>
-              </a:rPr>
-              <a:t>Маски</a:t>
-            </a:r>
-            <a:endParaRPr b="0" lang="ru-RU" sz="3600" spc="-1" strike="noStrike">
-              <a:solidFill>
-                <a:srgbClr val="000000"/>
-              </a:solidFill>
-              <a:latin typeface="Arial"/>
-            </a:endParaRPr>
-          </a:p>
-        </p:txBody>
-      </p:sp>
-      <p:sp>
-        <p:nvSpPr>
-          <p:cNvPr id="166" name=""/>
-          <p:cNvSpPr/>
-          <p:nvPr/>
-        </p:nvSpPr>
-        <p:spPr>
-          <a:xfrm>
-            <a:off x="1440000" y="2700000"/>
-            <a:ext cx="3059640" cy="899640"/>
-          </a:xfrm>
-          <a:prstGeom prst="rect">
-            <a:avLst/>
-          </a:prstGeom>
-          <a:solidFill>
-            <a:schemeClr val="accent1"/>
-          </a:solidFill>
-          <a:ln w="0">
-            <a:solidFill>
-              <a:srgbClr val="254061"/>
-            </a:solidFill>
-          </a:ln>
-        </p:spPr>
-        <p:style>
-          <a:lnRef idx="0"/>
-          <a:fillRef idx="0"/>
-          <a:effectRef idx="0"/>
-          <a:fontRef idx="minor"/>
-        </p:style>
-        <p:txBody>
-          <a:bodyPr lIns="90000" rIns="90000" tIns="45000" bIns="45000" anchor="ctr">
-            <a:noAutofit/>
-          </a:bodyPr>
-          <a:p>
-            <a:pPr>
-              <a:lnSpc>
-                <a:spcPct val="100000"/>
-              </a:lnSpc>
-            </a:pPr>
-            <a:endParaRPr b="0" lang="ru-RU" sz="1800" spc="-1" strike="noStrike">
-              <a:solidFill>
-                <a:srgbClr val="000000"/>
-              </a:solidFill>
-              <a:latin typeface="Arial"/>
-              <a:ea typeface="DejaVu Sans"/>
-            </a:endParaRPr>
-          </a:p>
-        </p:txBody>
-      </p:sp>
-      <p:sp>
-        <p:nvSpPr>
-          <p:cNvPr id="167" name=""/>
-          <p:cNvSpPr/>
-          <p:nvPr/>
-        </p:nvSpPr>
-        <p:spPr>
-          <a:xfrm>
-            <a:off x="4860000" y="2700000"/>
-            <a:ext cx="2879640" cy="899640"/>
-          </a:xfrm>
-          <a:prstGeom prst="rect">
-            <a:avLst/>
-          </a:prstGeom>
-          <a:solidFill>
-            <a:schemeClr val="accent1"/>
-          </a:solidFill>
-          <a:ln w="0">
-            <a:solidFill>
-              <a:srgbClr val="254061"/>
-            </a:solidFill>
-          </a:ln>
-        </p:spPr>
-        <p:style>
-          <a:lnRef idx="0"/>
-          <a:fillRef idx="0"/>
-          <a:effectRef idx="0"/>
-          <a:fontRef idx="minor"/>
-        </p:style>
-        <p:txBody>
-          <a:bodyPr lIns="90000" rIns="90000" tIns="45000" bIns="45000" anchor="ctr">
-            <a:noAutofit/>
-          </a:bodyPr>
-          <a:p>
-            <a:pPr algn="ctr">
-              <a:lnSpc>
-                <a:spcPct val="100000"/>
-              </a:lnSpc>
-            </a:pPr>
-            <a:r>
-              <a:rPr b="1" lang="ru-RU" sz="1800" spc="-1" strike="noStrike">
-                <a:solidFill>
-                  <a:srgbClr val="ffffff"/>
-                </a:solidFill>
-                <a:latin typeface="Source Sans Pro Black"/>
+                <a:latin typeface="Arial"/>
                 <a:ea typeface="DejaVu Sans"/>
               </a:rPr>
-              <a:t>Вещественная(attn_mask)[N,M]</a:t>
-            </a:r>
-            <a:endParaRPr b="0" lang="ru-RU" sz="1800" spc="-1" strike="noStrike">
-              <a:solidFill>
-                <a:srgbClr val="000000"/>
-              </a:solidFill>
-              <a:latin typeface="Arial"/>
-            </a:endParaRPr>
-          </a:p>
-        </p:txBody>
-      </p:sp>
-      <p:sp>
-        <p:nvSpPr>
-          <p:cNvPr id="168" name=""/>
-          <p:cNvSpPr/>
-          <p:nvPr/>
-        </p:nvSpPr>
-        <p:spPr>
-          <a:xfrm>
-            <a:off x="1440000" y="2700000"/>
-            <a:ext cx="3059640" cy="1068480"/>
-          </a:xfrm>
-          <a:prstGeom prst="rect">
-            <a:avLst/>
-          </a:prstGeom>
-          <a:noFill/>
-          <a:ln w="0">
-            <a:noFill/>
-          </a:ln>
-        </p:spPr>
-        <p:style>
-          <a:lnRef idx="0"/>
-          <a:fillRef idx="0"/>
-          <a:effectRef idx="0"/>
-          <a:fontRef idx="minor"/>
-        </p:style>
-        <p:txBody>
-          <a:bodyPr lIns="90000" rIns="90000" tIns="45000" bIns="45000" anchor="t">
-            <a:noAutofit/>
-          </a:bodyPr>
-          <a:p>
-            <a:pPr algn="ctr">
-              <a:lnSpc>
-                <a:spcPct val="100000"/>
-              </a:lnSpc>
-            </a:pPr>
-            <a:r>
-              <a:rPr b="1" lang="ru-RU" sz="1800" spc="-1" strike="noStrike">
-                <a:solidFill>
-                  <a:srgbClr val="ffffff"/>
-                </a:solidFill>
-                <a:latin typeface="Source Sans Pro Black"/>
-              </a:rPr>
-              <a:t>Булева маска(key_padding mask)[B,M]</a:t>
-            </a:r>
-            <a:endParaRPr b="0" lang="ru-RU" sz="1800" spc="-1" strike="noStrike">
-              <a:solidFill>
-                <a:srgbClr val="000000"/>
-              </a:solidFill>
-              <a:latin typeface="Arial"/>
-            </a:endParaRPr>
-          </a:p>
-        </p:txBody>
-      </p:sp>
+              <a:t>Что нам это дает?</a:t>
+            </a:r>
+            <a:endParaRPr b="0" lang="ru-RU" sz="2400" spc="-1" strike="noStrike">
+              <a:solidFill>
+                <a:srgbClr val="000000"/>
+              </a:solidFill>
+              <a:latin typeface="Arial"/>
+            </a:endParaRPr>
+          </a:p>
+        </p:txBody>
+      </p:sp>
+      <mc:AlternateContent>
+        <mc:Choice xmlns:a14="http://schemas.microsoft.com/office/drawing/2010/main" Requires="a14">
+          <p:sp>
+            <p:nvSpPr>
+              <p:cNvPr id="161" name=""/>
+              <p:cNvSpPr txBox="1"/>
+              <p:nvPr/>
+            </p:nvSpPr>
+            <p:spPr>
+              <a:xfrm>
+                <a:off x="244440" y="1980000"/>
+                <a:ext cx="4435560" cy="611280"/>
+              </a:xfrm>
+              <a:prstGeom prst="rect">
+                <a:avLst/>
+              </a:prstGeom>
+            </p:spPr>
+            <p:txBody>
+              <a:bodyPr/>
+              <a:p>
+                <a14:m>
+                  <m:oMath xmlns:m="http://schemas.openxmlformats.org/officeDocument/2006/math">
+                    <m:r>
+                      <m:t xml:space="preserve">A</m:t>
+                    </m:r>
+                    <m:r>
+                      <m:t xml:space="preserve">=</m:t>
+                    </m:r>
+                    <m:r>
+                      <m:t xml:space="preserve">MultiAttn</m:t>
+                    </m:r>
+                    <m:d>
+                      <m:dPr>
+                        <m:begChr m:val="("/>
+                        <m:endChr m:val=")"/>
+                      </m:dPr>
+                      <m:e>
+                        <m:r>
+                          <m:t xml:space="preserve">Q</m:t>
+                        </m:r>
+                        <m:r>
+                          <m:t xml:space="preserve">,</m:t>
+                        </m:r>
+                        <m:r>
+                          <m:t xml:space="preserve">K</m:t>
+                        </m:r>
+                        <m:r>
+                          <m:t xml:space="preserve">,</m:t>
+                        </m:r>
+                        <m:r>
+                          <m:t xml:space="preserve">V</m:t>
+                        </m:r>
+                      </m:e>
+                    </m:d>
+                    <m:r>
+                      <m:t xml:space="preserve">=</m:t>
+                    </m:r>
+                    <m:r>
+                      <m:t xml:space="preserve">concat</m:t>
+                    </m:r>
+                    <m:d>
+                      <m:dPr>
+                        <m:begChr m:val="("/>
+                        <m:endChr m:val=")"/>
+                      </m:dPr>
+                      <m:e>
+                        <m:sSub>
+                          <m:e>
+                            <m:r>
+                              <m:t xml:space="preserve">h</m:t>
+                            </m:r>
+                          </m:e>
+                          <m:sub>
+                            <m:r>
+                              <m:t xml:space="preserve">1</m:t>
+                            </m:r>
+                          </m:sub>
+                        </m:sSub>
+                        <m:r>
+                          <m:t xml:space="preserve">,</m:t>
+                        </m:r>
+                        <m:r>
+                          <m:t xml:space="preserve">...</m:t>
+                        </m:r>
+                        <m:r>
+                          <m:t xml:space="preserve">,</m:t>
+                        </m:r>
+                        <m:sSub>
+                          <m:e>
+                            <m:r>
+                              <m:t xml:space="preserve">h</m:t>
+                            </m:r>
+                          </m:e>
+                          <m:sub>
+                            <m:r>
+                              <m:t xml:space="preserve">H</m:t>
+                            </m:r>
+                          </m:sub>
+                        </m:sSub>
+                      </m:e>
+                    </m:d>
+                    <m:sSub>
+                      <m:e>
+                        <m:r>
+                          <m:t xml:space="preserve">W</m:t>
+                        </m:r>
+                      </m:e>
+                      <m:sub>
+                        <m:r>
+                          <m:t xml:space="preserve">0</m:t>
+                        </m:r>
+                      </m:sub>
+                    </m:sSub>
+                  </m:oMath>
+                </a14:m>
+              </a:p>
+            </p:txBody>
+          </p:sp>
+        </mc:Choice>
+        <mc:Fallback/>
+      </mc:AlternateContent>
+      <mc:AlternateContent>
+        <mc:Choice xmlns:a14="http://schemas.microsoft.com/office/drawing/2010/main" Requires="a14">
+          <p:sp>
+            <p:nvSpPr>
+              <p:cNvPr id="162" name=""/>
+              <p:cNvSpPr txBox="1"/>
+              <p:nvPr/>
+            </p:nvSpPr>
+            <p:spPr>
+              <a:xfrm>
+                <a:off x="243720" y="2700000"/>
+                <a:ext cx="2636280" cy="664200"/>
+              </a:xfrm>
+              <a:prstGeom prst="rect">
+                <a:avLst/>
+              </a:prstGeom>
+            </p:spPr>
+            <p:txBody>
+              <a:bodyPr/>
+              <a:p>
+                <a14:m>
+                  <m:oMath xmlns:m="http://schemas.openxmlformats.org/officeDocument/2006/math">
+                    <m:sSub>
+                      <m:e>
+                        <m:r>
+                          <m:t xml:space="preserve">h</m:t>
+                        </m:r>
+                      </m:e>
+                      <m:sub>
+                        <m:r>
+                          <m:t xml:space="preserve">i</m:t>
+                        </m:r>
+                      </m:sub>
+                    </m:sSub>
+                    <m:r>
+                      <m:t xml:space="preserve">=</m:t>
+                    </m:r>
+                    <m:r>
+                      <m:t xml:space="preserve">attn</m:t>
+                    </m:r>
+                    <m:d>
+                      <m:dPr>
+                        <m:begChr m:val="("/>
+                        <m:endChr m:val=")"/>
+                      </m:dPr>
+                      <m:e>
+                        <m:sSubSup>
+                          <m:e>
+                            <m:r>
+                              <m:t xml:space="preserve">QW</m:t>
+                            </m:r>
+                          </m:e>
+                          <m:sub>
+                            <m:r>
+                              <m:t xml:space="preserve">i</m:t>
+                            </m:r>
+                          </m:sub>
+                          <m:sup>
+                            <m:r>
+                              <m:t xml:space="preserve">Q</m:t>
+                            </m:r>
+                          </m:sup>
+                        </m:sSubSup>
+                        <m:r>
+                          <m:t xml:space="preserve">,</m:t>
+                        </m:r>
+                        <m:sSubSup>
+                          <m:e>
+                            <m:r>
+                              <m:t xml:space="preserve">KW</m:t>
+                            </m:r>
+                          </m:e>
+                          <m:sub>
+                            <m:r>
+                              <m:t xml:space="preserve">i</m:t>
+                            </m:r>
+                          </m:sub>
+                          <m:sup>
+                            <m:r>
+                              <m:t xml:space="preserve">K</m:t>
+                            </m:r>
+                          </m:sup>
+                        </m:sSubSup>
+                        <m:r>
+                          <m:t xml:space="preserve">,</m:t>
+                        </m:r>
+                        <m:sSubSup>
+                          <m:e>
+                            <m:r>
+                              <m:t xml:space="preserve">VW</m:t>
+                            </m:r>
+                          </m:e>
+                          <m:sub>
+                            <m:r>
+                              <m:t xml:space="preserve">i</m:t>
+                            </m:r>
+                          </m:sub>
+                          <m:sup>
+                            <m:r>
+                              <m:t xml:space="preserve">V</m:t>
+                            </m:r>
+                          </m:sup>
+                        </m:sSubSup>
+                      </m:e>
+                    </m:d>
+                  </m:oMath>
+                </a14:m>
+              </a:p>
+            </p:txBody>
+          </p:sp>
+        </mc:Choice>
+        <mc:Fallback/>
+      </mc:AlternateContent>
+      <mc:AlternateContent>
+        <mc:Choice xmlns:a14="http://schemas.microsoft.com/office/drawing/2010/main" Requires="a14">
+          <p:sp>
+            <p:nvSpPr>
+              <p:cNvPr id="163" name=""/>
+              <p:cNvSpPr txBox="1"/>
+              <p:nvPr/>
+            </p:nvSpPr>
+            <p:spPr>
+              <a:xfrm>
+                <a:off x="5556960" y="2160000"/>
+                <a:ext cx="3803040" cy="1130400"/>
+              </a:xfrm>
+              <a:prstGeom prst="rect">
+                <a:avLst/>
+              </a:prstGeom>
+            </p:spPr>
+            <p:txBody>
+              <a:bodyPr/>
+              <a:p>
+                <a14:m>
+                  <m:oMath xmlns:m="http://schemas.openxmlformats.org/officeDocument/2006/math">
+                    <m:sSubSup>
+                      <m:e>
+                        <m:r>
+                          <m:t xml:space="preserve">W</m:t>
+                        </m:r>
+                      </m:e>
+                      <m:sub>
+                        <m:r>
+                          <m:t xml:space="preserve">i</m:t>
+                        </m:r>
+                      </m:sub>
+                      <m:sup>
+                        <m:r>
+                          <m:t xml:space="preserve">Q</m:t>
+                        </m:r>
+                      </m:sup>
+                    </m:sSubSup>
+                    <m:r>
+                      <m:t xml:space="preserve">:</m:t>
+                    </m:r>
+                    <m:d>
+                      <m:dPr>
+                        <m:begChr m:val="("/>
+                        <m:endChr m:val=")"/>
+                      </m:dPr>
+                      <m:e>
+                        <m:r>
+                          <m:t xml:space="preserve">E</m:t>
+                        </m:r>
+                        <m:r>
+                          <m:t xml:space="preserve">,</m:t>
+                        </m:r>
+                        <m:f>
+                          <m:num>
+                            <m:r>
+                              <m:t xml:space="preserve">E</m:t>
+                            </m:r>
+                          </m:num>
+                          <m:den>
+                            <m:r>
+                              <m:t xml:space="preserve">H</m:t>
+                            </m:r>
+                          </m:den>
+                        </m:f>
+                      </m:e>
+                    </m:d>
+                    <m:r>
+                      <m:t xml:space="preserve">,</m:t>
+                    </m:r>
+                    <m:sSup>
+                      <m:e>
+                        <m:r>
+                          <m:t xml:space="preserve">W</m:t>
+                        </m:r>
+                      </m:e>
+                      <m:sup>
+                        <m:r>
+                          <m:t xml:space="preserve">K</m:t>
+                        </m:r>
+                      </m:sup>
+                    </m:sSup>
+                    <m:r>
+                      <m:t xml:space="preserve">:</m:t>
+                    </m:r>
+                    <m:d>
+                      <m:dPr>
+                        <m:begChr m:val="("/>
+                        <m:endChr m:val=")"/>
+                      </m:dPr>
+                      <m:e>
+                        <m:sSub>
+                          <m:e>
+                            <m:r>
+                              <m:t xml:space="preserve">E</m:t>
+                            </m:r>
+                          </m:e>
+                          <m:sub>
+                            <m:r>
+                              <m:t xml:space="preserve">k</m:t>
+                            </m:r>
+                          </m:sub>
+                        </m:sSub>
+                        <m:r>
+                          <m:t xml:space="preserve">,</m:t>
+                        </m:r>
+                        <m:f>
+                          <m:num>
+                            <m:r>
+                              <m:t xml:space="preserve">E</m:t>
+                            </m:r>
+                          </m:num>
+                          <m:den>
+                            <m:r>
+                              <m:t xml:space="preserve">H</m:t>
+                            </m:r>
+                          </m:den>
+                        </m:f>
+                      </m:e>
+                    </m:d>
+                    <m:r>
+                      <m:t xml:space="preserve">,</m:t>
+                    </m:r>
+                    <m:sSubSup>
+                      <m:e>
+                        <m:r>
+                          <m:t xml:space="preserve">W</m:t>
+                        </m:r>
+                      </m:e>
+                      <m:sub>
+                        <m:r>
+                          <m:t xml:space="preserve">i</m:t>
+                        </m:r>
+                      </m:sub>
+                      <m:sup>
+                        <m:r>
+                          <m:t xml:space="preserve">V</m:t>
+                        </m:r>
+                      </m:sup>
+                    </m:sSubSup>
+                    <m:r>
+                      <m:t xml:space="preserve">:</m:t>
+                    </m:r>
+                    <m:d>
+                      <m:dPr>
+                        <m:begChr m:val="("/>
+                        <m:endChr m:val=")"/>
+                      </m:dPr>
+                      <m:e>
+                        <m:sSub>
+                          <m:e>
+                            <m:r>
+                              <m:t xml:space="preserve">E</m:t>
+                            </m:r>
+                          </m:e>
+                          <m:sub>
+                            <m:r>
+                              <m:t xml:space="preserve">v</m:t>
+                            </m:r>
+                          </m:sub>
+                        </m:sSub>
+                        <m:r>
+                          <m:t xml:space="preserve">,</m:t>
+                        </m:r>
+                        <m:f>
+                          <m:num>
+                            <m:r>
+                              <m:t xml:space="preserve">E</m:t>
+                            </m:r>
+                          </m:num>
+                          <m:den>
+                            <m:r>
+                              <m:t xml:space="preserve">H</m:t>
+                            </m:r>
+                          </m:den>
+                        </m:f>
+                      </m:e>
+                    </m:d>
+                  </m:oMath>
+                </a14:m>
+              </a:p>
+            </p:txBody>
+          </p:sp>
+        </mc:Choice>
+        <mc:Fallback/>
+      </mc:AlternateContent>
     </p:spTree>
   </p:cSld>
   <mc:AlternateContent>
@@ -15196,38 +16390,38 @@
   <p:timing>
     <p:tnLst>
       <p:par>
-        <p:cTn id="77" dur="indefinite" restart="never" nodeType="tmRoot">
+        <p:cTn id="55" dur="indefinite" restart="never" nodeType="tmRoot">
           <p:childTnLst>
             <p:seq>
-              <p:cTn id="78" dur="indefinite" nodeType="mainSeq">
+              <p:cTn id="56" dur="indefinite" nodeType="mainSeq">
                 <p:childTnLst>
                   <p:par>
-                    <p:cTn id="79" fill="hold">
+                    <p:cTn id="57" fill="hold">
                       <p:stCondLst>
-                        <p:cond delay="indefinite"/>
+                        <p:cond delay="0"/>
                       </p:stCondLst>
                       <p:childTnLst>
                         <p:par>
-                          <p:cTn id="80" fill="hold">
+                          <p:cTn id="58" fill="hold">
                             <p:stCondLst>
                               <p:cond delay="0"/>
                             </p:stCondLst>
                             <p:childTnLst>
                               <p:par>
-                                <p:cTn id="81" nodeType="clickEffect" fill="hold" presetClass="entr" presetID="1">
+                                <p:cTn id="59" nodeType="withEffect" fill="hold" presetClass="entr" presetID="1">
                                   <p:stCondLst>
                                     <p:cond delay="0"/>
                                   </p:stCondLst>
                                   <p:childTnLst>
                                     <p:set>
                                       <p:cBhvr>
-                                        <p:cTn id="82" dur="1" fill="hold">
+                                        <p:cTn id="60" dur="1" fill="hold">
                                           <p:stCondLst>
                                             <p:cond delay="0"/>
                                           </p:stCondLst>
                                         </p:cTn>
                                         <p:tgtEl>
-                                          <p:spTgt spid="168">
+                                          <p:spTgt spid="159">
                                             <p:txEl>
                                               <p:pRg st="0" end="0"/>
                                             </p:txEl>
@@ -15251,32 +16445,36 @@
                     </p:cTn>
                   </p:par>
                   <p:par>
-                    <p:cTn id="83" fill="hold">
+                    <p:cTn id="61" fill="hold">
                       <p:stCondLst>
                         <p:cond delay="indefinite"/>
                       </p:stCondLst>
                       <p:childTnLst>
                         <p:par>
-                          <p:cTn id="84" fill="hold">
+                          <p:cTn id="62" fill="hold">
                             <p:stCondLst>
                               <p:cond delay="0"/>
                             </p:stCondLst>
                             <p:childTnLst>
                               <p:par>
-                                <p:cTn id="85" nodeType="clickEffect" fill="hold" presetClass="entr" presetID="1">
+                                <p:cTn id="63" nodeType="clickEffect" fill="hold" presetClass="entr" presetID="1">
                                   <p:stCondLst>
                                     <p:cond delay="0"/>
                                   </p:stCondLst>
                                   <p:childTnLst>
                                     <p:set>
                                       <p:cBhvr>
-                                        <p:cTn id="86" dur="1" fill="hold">
+                                        <p:cTn id="64" dur="1" fill="hold">
                                           <p:stCondLst>
                                             <p:cond delay="0"/>
                                           </p:stCondLst>
                                         </p:cTn>
                                         <p:tgtEl>
-                                          <p:spTgt spid="167"/>
+                                          <p:spTgt spid="160">
+                                            <p:txEl>
+                                              <p:pRg st="0" end="0"/>
+                                            </p:txEl>
+                                          </p:spTgt>
                                         </p:tgtEl>
                                         <p:attrNameLst>
                                           <p:attrName>style.visibility</p:attrName>

--- a/Трансфомеры.pptx
+++ b/Трансфомеры.pptx
@@ -28,6 +28,8 @@
     <p:sldId id="274" r:id="rId23"/>
     <p:sldId id="275" r:id="rId24"/>
     <p:sldId id="276" r:id="rId25"/>
+    <p:sldId id="277" r:id="rId26"/>
+    <p:sldId id="278" r:id="rId27"/>
   </p:sldIdLst>
   <p:sldSz cx="10080625" cy="5670550"/>
   <p:notesSz cx="7559675" cy="10691813"/>
@@ -85,7 +87,7 @@
         <p:txBody>
           <a:bodyPr/>
           <a:p>
-            <a:fld id="{C50E1B48-1A7F-41D3-A3F2-CC3265DB4140}" type="slidenum">
+            <a:fld id="{F892B22B-E8FB-4B79-9A76-904225C2D19C}" type="slidenum">
               <a:t>&lt;#&gt;</a:t>
             </a:fld>
           </a:p>
@@ -294,7 +296,7 @@
         <p:txBody>
           <a:bodyPr/>
           <a:p>
-            <a:fld id="{B5A4ED42-6748-4052-BDE6-5A1BD4A0269A}" type="slidenum">
+            <a:fld id="{F393CEFE-9E23-452A-8F7D-B262F4FB3EE9}" type="slidenum">
               <a:t>&lt;#&gt;</a:t>
             </a:fld>
           </a:p>
@@ -589,7 +591,7 @@
         <p:txBody>
           <a:bodyPr/>
           <a:p>
-            <a:fld id="{97707425-AA30-4514-9873-400A28D29378}" type="slidenum">
+            <a:fld id="{F8C93B0A-887D-468A-8907-9C7325797C4E}" type="slidenum">
               <a:t>&lt;#&gt;</a:t>
             </a:fld>
           </a:p>
@@ -970,7 +972,7 @@
         <p:txBody>
           <a:bodyPr/>
           <a:p>
-            <a:fld id="{CC891BA3-A4D6-48C1-981D-64D9809CBCF5}" type="slidenum">
+            <a:fld id="{7D0CF09D-D5D3-4367-B433-1FF92670C4C2}" type="slidenum">
               <a:t>&lt;#&gt;</a:t>
             </a:fld>
           </a:p>
@@ -2110,7 +2112,7 @@
         <p:txBody>
           <a:bodyPr/>
           <a:p>
-            <a:fld id="{8F7A50ED-637D-44D3-A231-4C9D7B584239}" type="slidenum">
+            <a:fld id="{86F98F4B-4E9E-428E-B94B-238DCDA21E3A}" type="slidenum">
               <a:t>&lt;#&gt;</a:t>
             </a:fld>
           </a:p>
@@ -3482,7 +3484,7 @@
         <p:txBody>
           <a:bodyPr/>
           <a:p>
-            <a:fld id="{8FE3EDC1-CBA2-4B6A-AE2C-832339F79BBE}" type="slidenum">
+            <a:fld id="{8F56F137-67C3-443E-97CC-77921EC73257}" type="slidenum">
               <a:t>&lt;#&gt;</a:t>
             </a:fld>
           </a:p>
@@ -3645,7 +3647,7 @@
         <p:txBody>
           <a:bodyPr/>
           <a:p>
-            <a:fld id="{C42A20FE-F217-4552-8C43-D1798E644397}" type="slidenum">
+            <a:fld id="{FE32B83A-03D9-45DF-870B-FF74DA2E00B9}" type="slidenum">
               <a:t>&lt;#&gt;</a:t>
             </a:fld>
           </a:p>
@@ -3811,7 +3813,7 @@
         <p:txBody>
           <a:bodyPr/>
           <a:p>
-            <a:fld id="{B6911ACA-DD68-4C7B-9B8B-5850610AD71C}" type="slidenum">
+            <a:fld id="{F9EDE28F-C0E8-479C-A068-564CB2B47AD8}" type="slidenum">
               <a:t>&lt;#&gt;</a:t>
             </a:fld>
           </a:p>
@@ -4020,7 +4022,7 @@
         <p:txBody>
           <a:bodyPr/>
           <a:p>
-            <a:fld id="{196D5087-1823-47AB-B7EE-9B7311AFE86C}" type="slidenum">
+            <a:fld id="{60276BA4-C89C-4BCD-9A3F-65D9D1ABAA48}" type="slidenum">
               <a:t>&lt;#&gt;</a:t>
             </a:fld>
           </a:p>
@@ -4143,7 +4145,7 @@
         <p:txBody>
           <a:bodyPr/>
           <a:p>
-            <a:fld id="{B405DB07-6C5C-4B88-979E-FA9964F32B5B}" type="slidenum">
+            <a:fld id="{B0F5AE05-66AB-434C-9C95-88FDF0DEB361}" type="slidenum">
               <a:t>&lt;#&gt;</a:t>
             </a:fld>
           </a:p>
@@ -4309,7 +4311,7 @@
         <p:txBody>
           <a:bodyPr/>
           <a:p>
-            <a:fld id="{B5CB187D-8010-4657-A6C4-723A3EBD36F3}" type="slidenum">
+            <a:fld id="{C5A25818-38F4-4D50-A132-0B1B4294BAA4}" type="slidenum">
               <a:t>&lt;#&gt;</a:t>
             </a:fld>
           </a:p>
@@ -4430,7 +4432,7 @@
         <p:txBody>
           <a:bodyPr/>
           <a:p>
-            <a:fld id="{A8950B94-A1F7-41E4-841B-CA853EA7F66D}" type="slidenum">
+            <a:fld id="{2AC448CF-0E6A-4E52-97F5-B46D4FE81E75}" type="slidenum">
               <a:t>&lt;#&gt;</a:t>
             </a:fld>
           </a:p>
@@ -4682,7 +4684,7 @@
         <p:txBody>
           <a:bodyPr/>
           <a:p>
-            <a:fld id="{14F1A8BE-8C57-4789-8DE8-BC90A14550D8}" type="slidenum">
+            <a:fld id="{FDC1E3E5-685C-4877-A6B7-AA6DCAFA0112}" type="slidenum">
               <a:t>&lt;#&gt;</a:t>
             </a:fld>
           </a:p>
@@ -4934,7 +4936,7 @@
         <p:txBody>
           <a:bodyPr/>
           <a:p>
-            <a:fld id="{80F301B8-1654-4E69-B525-033D2900EF8E}" type="slidenum">
+            <a:fld id="{651E1FB3-C435-4A30-BA3C-1CAA93D8350B}" type="slidenum">
               <a:t>&lt;#&gt;</a:t>
             </a:fld>
           </a:p>
@@ -5186,7 +5188,7 @@
         <p:txBody>
           <a:bodyPr/>
           <a:p>
-            <a:fld id="{9B9FC6D2-F092-456B-A879-6B09AD7B5EAE}" type="slidenum">
+            <a:fld id="{08765535-7B0B-4EA7-8F27-E04FB463D68E}" type="slidenum">
               <a:t>&lt;#&gt;</a:t>
             </a:fld>
           </a:p>
@@ -5395,7 +5397,7 @@
         <p:txBody>
           <a:bodyPr/>
           <a:p>
-            <a:fld id="{32BF7D05-27F0-4F4B-A3B0-6D8122175D21}" type="slidenum">
+            <a:fld id="{2DE6DF61-8D7F-4D0E-A260-EAB39A61D58F}" type="slidenum">
               <a:t>&lt;#&gt;</a:t>
             </a:fld>
           </a:p>
@@ -5690,7 +5692,7 @@
         <p:txBody>
           <a:bodyPr/>
           <a:p>
-            <a:fld id="{45ABC770-B695-45B0-99B1-8C2D60AFE263}" type="slidenum">
+            <a:fld id="{FA863CB9-57D5-414E-B1D8-C9CB7A5CC571}" type="slidenum">
               <a:t>&lt;#&gt;</a:t>
             </a:fld>
           </a:p>
@@ -6071,7 +6073,7 @@
         <p:txBody>
           <a:bodyPr/>
           <a:p>
-            <a:fld id="{E4DDB8E9-C1E4-4E36-AA70-7C9EEBFCAAA1}" type="slidenum">
+            <a:fld id="{D3BE4E6E-1266-4C12-86A1-11B142016D1A}" type="slidenum">
               <a:t>&lt;#&gt;</a:t>
             </a:fld>
           </a:p>
@@ -6280,7 +6282,7 @@
         <p:txBody>
           <a:bodyPr/>
           <a:p>
-            <a:fld id="{ABCA4EE7-37CF-4113-AD7B-31F795AB5E91}" type="slidenum">
+            <a:fld id="{EBA15B9C-3A4D-4571-A45D-ABDAB1872FD6}" type="slidenum">
               <a:t>&lt;#&gt;</a:t>
             </a:fld>
           </a:p>
@@ -6403,7 +6405,7 @@
         <p:txBody>
           <a:bodyPr/>
           <a:p>
-            <a:fld id="{FCEEC2DA-7D56-43E8-A52D-ABAD81B48CD7}" type="slidenum">
+            <a:fld id="{563A3C56-D973-4256-A650-ED39AB3A408F}" type="slidenum">
               <a:t>&lt;#&gt;</a:t>
             </a:fld>
           </a:p>
@@ -6524,7 +6526,7 @@
         <p:txBody>
           <a:bodyPr/>
           <a:p>
-            <a:fld id="{C40B6E8A-D5A9-46E7-BA6B-68CF1EEF02EA}" type="slidenum">
+            <a:fld id="{FDC1C6C4-BC36-4F73-9C94-4560A7D9C9FA}" type="slidenum">
               <a:t>&lt;#&gt;</a:t>
             </a:fld>
           </a:p>
@@ -6776,7 +6778,7 @@
         <p:txBody>
           <a:bodyPr/>
           <a:p>
-            <a:fld id="{B141A5AF-1827-446E-88D5-0F67EBAD3EDF}" type="slidenum">
+            <a:fld id="{D1020F80-068A-4F16-80AD-E8C0FCC8A210}" type="slidenum">
               <a:t>&lt;#&gt;</a:t>
             </a:fld>
           </a:p>
@@ -7028,7 +7030,7 @@
         <p:txBody>
           <a:bodyPr/>
           <a:p>
-            <a:fld id="{D61A3B14-D096-4D68-912E-2C81E0259F3D}" type="slidenum">
+            <a:fld id="{643EE13D-77D0-42AB-A603-F6D0933FBB7C}" type="slidenum">
               <a:t>&lt;#&gt;</a:t>
             </a:fld>
           </a:p>
@@ -7280,7 +7282,7 @@
         <p:txBody>
           <a:bodyPr/>
           <a:p>
-            <a:fld id="{BA627A11-4914-4ADA-A8AE-641B162CF2D4}" type="slidenum">
+            <a:fld id="{5A314470-7898-4613-9D9E-E309E512CBDF}" type="slidenum">
               <a:t>&lt;#&gt;</a:t>
             </a:fld>
           </a:p>
@@ -7338,7 +7340,7 @@
         <p:spPr>
           <a:xfrm>
             <a:off x="0" y="0"/>
-            <a:ext cx="10078920" cy="5668920"/>
+            <a:ext cx="10077480" cy="5667480"/>
           </a:xfrm>
           <a:prstGeom prst="rect">
             <a:avLst/>
@@ -7385,7 +7387,7 @@
         <p:spPr>
           <a:xfrm>
             <a:off x="0" y="0"/>
-            <a:ext cx="10078920" cy="3778920"/>
+            <a:ext cx="10077480" cy="3777480"/>
           </a:xfrm>
           <a:prstGeom prst="rect">
             <a:avLst/>
@@ -7439,7 +7441,7 @@
         <p:spPr>
           <a:xfrm>
             <a:off x="3420000" y="5400000"/>
-            <a:ext cx="3238920" cy="268920"/>
+            <a:ext cx="3237480" cy="267480"/>
           </a:xfrm>
           <a:prstGeom prst="rect">
             <a:avLst/>
@@ -7487,7 +7489,7 @@
                 </a:solidFill>
                 <a:latin typeface="Source Sans Pro Black"/>
               </a:rPr>
-              <a:t> </a:t>
+              <a:t>&lt;нижний колонтитул&gt;</a:t>
             </a:r>
             <a:endParaRPr b="0" lang="ru-RU" sz="1800" spc="-1" strike="noStrike">
               <a:solidFill>
@@ -7511,7 +7513,7 @@
         <p:spPr>
           <a:xfrm>
             <a:off x="9180000" y="5130000"/>
-            <a:ext cx="718920" cy="538920"/>
+            <a:ext cx="717480" cy="537480"/>
           </a:xfrm>
           <a:prstGeom prst="rect">
             <a:avLst/>
@@ -7552,14 +7554,14 @@
                 <a:tab algn="l" pos="0"/>
               </a:tabLst>
             </a:pPr>
-            <a:fld id="{0331CCB7-FB59-45CA-B4FF-C78D05EDC9F3}" type="slidenum">
+            <a:fld id="{E1CFBA2A-1CAE-4558-A0D5-BBC98F6EDB88}" type="slidenum">
               <a:rPr b="1" lang="ru-RU" sz="1800" spc="-1" strike="noStrike">
                 <a:solidFill>
                   <a:srgbClr val="ffffff"/>
                 </a:solidFill>
                 <a:latin typeface="Source Sans Pro Black"/>
               </a:rPr>
-              <a:t>16</a:t>
+              <a:t>&lt;номер&gt;</a:t>
             </a:fld>
             <a:endParaRPr b="0" lang="ru-RU" sz="1800" spc="-1" strike="noStrike">
               <a:solidFill>
@@ -7583,7 +7585,7 @@
         <p:spPr>
           <a:xfrm>
             <a:off x="360000" y="5400000"/>
-            <a:ext cx="2878920" cy="268920"/>
+            <a:ext cx="2877480" cy="267480"/>
           </a:xfrm>
           <a:prstGeom prst="rect">
             <a:avLst/>
@@ -7619,7 +7621,7 @@
                 </a:solidFill>
                 <a:latin typeface="Times New Roman"/>
               </a:rPr>
-              <a:t> </a:t>
+              <a:t>&lt;дата/время&gt;</a:t>
             </a:r>
             <a:endParaRPr b="0" lang="ru-RU" sz="1400" spc="-1" strike="noStrike">
               <a:solidFill>
@@ -7950,7 +7952,7 @@
         <p:spPr>
           <a:xfrm>
             <a:off x="0" y="5400000"/>
-            <a:ext cx="10078920" cy="268920"/>
+            <a:ext cx="10077480" cy="267480"/>
           </a:xfrm>
           <a:prstGeom prst="rect">
             <a:avLst/>
@@ -7997,7 +7999,7 @@
         <p:spPr>
           <a:xfrm>
             <a:off x="0" y="0"/>
-            <a:ext cx="10078920" cy="1213920"/>
+            <a:ext cx="10077480" cy="1212480"/>
           </a:xfrm>
           <a:prstGeom prst="rect">
             <a:avLst/>
@@ -8044,7 +8046,7 @@
         <p:spPr>
           <a:xfrm>
             <a:off x="9315000" y="5175000"/>
-            <a:ext cx="448920" cy="448920"/>
+            <a:ext cx="447480" cy="447480"/>
           </a:xfrm>
           <a:prstGeom prst="ellipse">
             <a:avLst/>
@@ -8094,7 +8096,7 @@
         <p:spPr>
           <a:xfrm>
             <a:off x="9180000" y="5130000"/>
-            <a:ext cx="718920" cy="538920"/>
+            <a:ext cx="717480" cy="537480"/>
           </a:xfrm>
           <a:prstGeom prst="rect">
             <a:avLst/>
@@ -8120,7 +8122,7 @@
                 <a:spcPct val="100000"/>
               </a:lnSpc>
             </a:pPr>
-            <a:fld id="{EABE8023-8BC9-47DB-8C04-18ACCAA7A8C5}" type="slidenum">
+            <a:fld id="{56D80F2E-102F-49C3-ABCA-CAA86C292ADF}" type="slidenum">
               <a:rPr b="1" lang="ru-RU" sz="1800" spc="-1" strike="noStrike">
                 <a:solidFill>
                   <a:srgbClr val="ffffff"/>
@@ -8152,7 +8154,7 @@
         <p:spPr>
           <a:xfrm>
             <a:off x="3420000" y="5400000"/>
-            <a:ext cx="3238920" cy="268920"/>
+            <a:ext cx="3237480" cy="267480"/>
           </a:xfrm>
           <a:prstGeom prst="rect">
             <a:avLst/>
@@ -8224,7 +8226,7 @@
         <p:spPr>
           <a:xfrm>
             <a:off x="360000" y="5400000"/>
-            <a:ext cx="2878920" cy="268920"/>
+            <a:ext cx="2877480" cy="267480"/>
           </a:xfrm>
           <a:prstGeom prst="rect">
             <a:avLst/>
@@ -8591,7 +8593,7 @@
         <p:spPr>
           <a:xfrm>
             <a:off x="0" y="0"/>
-            <a:ext cx="10078920" cy="5668920"/>
+            <a:ext cx="10077480" cy="5667480"/>
           </a:xfrm>
           <a:prstGeom prst="rect">
             <a:avLst/>
@@ -8638,7 +8640,7 @@
         <p:spPr>
           <a:xfrm>
             <a:off x="2520000" y="1350000"/>
-            <a:ext cx="5038920" cy="1888920"/>
+            <a:ext cx="5037480" cy="1887480"/>
           </a:xfrm>
           <a:prstGeom prst="wedgeRectCallout">
             <a:avLst>
@@ -8695,7 +8697,7 @@
         <p:spPr>
           <a:xfrm>
             <a:off x="3420000" y="5400000"/>
-            <a:ext cx="3238920" cy="268920"/>
+            <a:ext cx="3237480" cy="267480"/>
           </a:xfrm>
           <a:prstGeom prst="rect">
             <a:avLst/>
@@ -8767,7 +8769,7 @@
         <p:spPr>
           <a:xfrm>
             <a:off x="9180000" y="5130000"/>
-            <a:ext cx="718920" cy="538920"/>
+            <a:ext cx="717480" cy="537480"/>
           </a:xfrm>
           <a:prstGeom prst="rect">
             <a:avLst/>
@@ -8808,7 +8810,7 @@
                 <a:tab algn="l" pos="0"/>
               </a:tabLst>
             </a:pPr>
-            <a:fld id="{46174D6D-59A6-4C61-83DB-73537B87C6F4}" type="slidenum">
+            <a:fld id="{9732D2D0-D56C-43DE-9600-22E34763E62A}" type="slidenum">
               <a:rPr b="1" lang="ru-RU" sz="1800" spc="-1" strike="noStrike">
                 <a:solidFill>
                   <a:srgbClr val="ffffff"/>
@@ -8839,7 +8841,7 @@
         <p:spPr>
           <a:xfrm>
             <a:off x="360000" y="5400000"/>
-            <a:ext cx="2878920" cy="268920"/>
+            <a:ext cx="2877480" cy="267480"/>
           </a:xfrm>
           <a:prstGeom prst="rect">
             <a:avLst/>
@@ -9210,7 +9212,7 @@
         <p:spPr>
           <a:xfrm>
             <a:off x="360000" y="2828520"/>
-            <a:ext cx="9358920" cy="730800"/>
+            <a:ext cx="9357480" cy="729360"/>
           </a:xfrm>
           <a:prstGeom prst="rect">
             <a:avLst/>
@@ -9265,7 +9267,7 @@
         <p:spPr>
           <a:xfrm>
             <a:off x="360000" y="3915000"/>
-            <a:ext cx="9358920" cy="1483920"/>
+            <a:ext cx="9357480" cy="1482480"/>
           </a:xfrm>
           <a:prstGeom prst="rect">
             <a:avLst/>
@@ -9391,14 +9393,69 @@
       </p:grpSpPr>
       <p:sp>
         <p:nvSpPr>
-          <p:cNvPr id="164" name=""/>
+          <p:cNvPr id="165" name="PlaceHolder 1"/>
+          <p:cNvSpPr>
+            <a:spLocks noGrp="1"/>
+          </p:cNvSpPr>
+          <p:nvPr>
+            <p:ph type="title"/>
+          </p:nvPr>
+        </p:nvSpPr>
+        <p:spPr>
+          <a:xfrm>
+            <a:off x="-540000" y="0"/>
+            <a:ext cx="7557840" cy="1617480"/>
+          </a:xfrm>
+          <a:prstGeom prst="rect">
+            <a:avLst/>
+          </a:prstGeom>
+          <a:noFill/>
+          <a:ln w="0">
+            <a:noFill/>
+          </a:ln>
+        </p:spPr>
+        <p:txBody>
+          <a:bodyPr lIns="0" rIns="0" tIns="0" bIns="0" anchor="ctr">
+            <a:noAutofit/>
+          </a:bodyPr>
+          <a:p>
+            <a:pPr indent="0" algn="ctr">
+              <a:lnSpc>
+                <a:spcPct val="100000"/>
+              </a:lnSpc>
+              <a:buNone/>
+              <a:tabLst>
+                <a:tab algn="l" pos="0"/>
+              </a:tabLst>
+            </a:pPr>
+            <a:r>
+              <a:rPr b="1" lang="ru-RU" sz="2700" spc="-1" strike="noStrike">
+                <a:solidFill>
+                  <a:srgbClr val="ffffff"/>
+                </a:solidFill>
+                <a:latin typeface="Source Sans Pro Black"/>
+              </a:rPr>
+              <a:t>Пару слов о Positional Embeddings (PE)</a:t>
+            </a:r>
+            <a:endParaRPr b="0" lang="ru-RU" sz="2700" spc="-1" strike="noStrike">
+              <a:solidFill>
+                <a:srgbClr val="000000"/>
+              </a:solidFill>
+              <a:latin typeface="Arial"/>
+            </a:endParaRPr>
+          </a:p>
+        </p:txBody>
+      </p:sp>
+      <p:sp>
+        <p:nvSpPr>
+          <p:cNvPr id="166" name=""/>
           <p:cNvSpPr/>
           <p:nvPr/>
         </p:nvSpPr>
         <p:spPr>
           <a:xfrm>
-            <a:off x="201960" y="360000"/>
-            <a:ext cx="5737320" cy="719280"/>
+            <a:off x="180000" y="1897200"/>
+            <a:ext cx="10064880" cy="980640"/>
           </a:xfrm>
           <a:prstGeom prst="rect">
             <a:avLst/>
@@ -9425,34 +9482,80 @@
               </a:lnSpc>
             </a:pPr>
             <a:r>
-              <a:rPr b="1" lang="ru-RU" sz="2700" spc="-1" strike="noStrike">
+              <a:rPr b="0" lang="ru-RU" sz="2100" spc="-1" strike="noStrike">
                 <a:solidFill>
-                  <a:srgbClr val="ffffff"/>
+                  <a:srgbClr val="000000"/>
                 </a:solidFill>
-                <a:latin typeface="Source Sans Pro Black"/>
+                <a:latin typeface="Arial"/>
                 <a:ea typeface="DejaVu Sans"/>
               </a:rPr>
-              <a:t>Маскированное внимание</a:t>
-            </a:r>
-            <a:endParaRPr b="0" lang="ru-RU" sz="2700" spc="-1" strike="noStrike">
-              <a:solidFill>
-                <a:srgbClr val="000000"/>
-              </a:solidFill>
-              <a:latin typeface="Arial"/>
-            </a:endParaRPr>
-          </a:p>
-        </p:txBody>
-      </p:sp>
-      <p:sp>
-        <p:nvSpPr>
-          <p:cNvPr id="165" name=""/>
+              <a:t>Типы PE в MHSA:</a:t>
+            </a:r>
+            <a:endParaRPr b="0" lang="ru-RU" sz="2100" spc="-1" strike="noStrike">
+              <a:solidFill>
+                <a:srgbClr val="000000"/>
+              </a:solidFill>
+              <a:latin typeface="Arial"/>
+            </a:endParaRPr>
+          </a:p>
+          <a:p>
+            <a:pPr>
+              <a:lnSpc>
+                <a:spcPct val="100000"/>
+              </a:lnSpc>
+            </a:pPr>
+            <a:r>
+              <a:rPr b="0" lang="ru-RU" sz="2100" spc="-1" strike="noStrike">
+                <a:solidFill>
+                  <a:srgbClr val="000000"/>
+                </a:solidFill>
+                <a:latin typeface="Arial"/>
+                <a:ea typeface="DejaVu Sans"/>
+              </a:rPr>
+              <a:t>1) Абсолютный</a:t>
+            </a:r>
+            <a:endParaRPr b="0" lang="ru-RU" sz="2100" spc="-1" strike="noStrike">
+              <a:solidFill>
+                <a:srgbClr val="000000"/>
+              </a:solidFill>
+              <a:latin typeface="Arial"/>
+            </a:endParaRPr>
+          </a:p>
+          <a:p>
+            <a:pPr>
+              <a:lnSpc>
+                <a:spcPct val="100000"/>
+              </a:lnSpc>
+            </a:pPr>
+            <a:r>
+              <a:rPr b="0" lang="ru-RU" sz="2100" spc="-1" strike="noStrike">
+                <a:solidFill>
+                  <a:srgbClr val="000000"/>
+                </a:solidFill>
+                <a:latin typeface="Arial"/>
+                <a:ea typeface="DejaVu Sans"/>
+              </a:rPr>
+              <a:t>2)Относительный</a:t>
+            </a:r>
+            <a:endParaRPr b="0" lang="ru-RU" sz="2100" spc="-1" strike="noStrike">
+              <a:solidFill>
+                <a:srgbClr val="000000"/>
+              </a:solidFill>
+              <a:latin typeface="Arial"/>
+            </a:endParaRPr>
+          </a:p>
+        </p:txBody>
+      </p:sp>
+      <p:sp>
+        <p:nvSpPr>
+          <p:cNvPr id="167" name=""/>
           <p:cNvSpPr/>
           <p:nvPr/>
         </p:nvSpPr>
         <p:spPr>
           <a:xfrm>
-            <a:off x="3780000" y="1560240"/>
-            <a:ext cx="1619280" cy="959040"/>
+            <a:off x="180000" y="1357200"/>
+            <a:ext cx="3957840" cy="980640"/>
           </a:xfrm>
           <a:prstGeom prst="rect">
             <a:avLst/>
@@ -9479,45 +9582,362 @@
               </a:lnSpc>
             </a:pPr>
             <a:r>
-              <a:rPr b="1" lang="ru-RU" sz="3600" spc="-1" strike="noStrike">
+              <a:rPr b="0" lang="ru-RU" sz="2400" spc="-1" strike="noStrike">
                 <a:solidFill>
-                  <a:srgbClr val="2c3e50"/>
+                  <a:srgbClr val="000000"/>
                 </a:solidFill>
-                <a:latin typeface="Source Sans Pro Semibold"/>
+                <a:latin typeface="Arial"/>
                 <a:ea typeface="DejaVu Sans"/>
               </a:rPr>
-              <a:t>Маски</a:t>
-            </a:r>
-            <a:endParaRPr b="0" lang="ru-RU" sz="3600" spc="-1" strike="noStrike">
-              <a:solidFill>
-                <a:srgbClr val="000000"/>
-              </a:solidFill>
-              <a:latin typeface="Arial"/>
-            </a:endParaRPr>
-          </a:p>
-        </p:txBody>
-      </p:sp>
-      <p:sp>
-        <p:nvSpPr>
-          <p:cNvPr id="166" name=""/>
+              <a:t>Что это и зачем оно?</a:t>
+            </a:r>
+            <a:endParaRPr b="0" lang="ru-RU" sz="2400" spc="-1" strike="noStrike">
+              <a:solidFill>
+                <a:srgbClr val="000000"/>
+              </a:solidFill>
+              <a:latin typeface="Arial"/>
+            </a:endParaRPr>
+          </a:p>
+        </p:txBody>
+      </p:sp>
+      <mc:AlternateContent>
+        <mc:Choice xmlns:a14="http://schemas.microsoft.com/office/drawing/2010/main" Requires="a14">
+          <p:sp>
+            <p:nvSpPr>
+              <p:cNvPr id="168" name=""/>
+              <p:cNvSpPr txBox="1"/>
+              <p:nvPr/>
+            </p:nvSpPr>
+            <p:spPr>
+              <a:xfrm>
+                <a:off x="3682800" y="1821240"/>
+                <a:ext cx="5025600" cy="918000"/>
+              </a:xfrm>
+              <a:prstGeom prst="rect">
+                <a:avLst/>
+              </a:prstGeom>
+            </p:spPr>
+            <p:txBody>
+              <a:bodyPr/>
+              <a:p>
+                <a14:m>
+                  <m:oMath xmlns:m="http://schemas.openxmlformats.org/officeDocument/2006/math">
+                    <m:r>
+                      <m:t xml:space="preserve">PosEmb</m:t>
+                    </m:r>
+                    <m:d>
+                      <m:dPr>
+                        <m:begChr m:val="("/>
+                        <m:endChr m:val=")"/>
+                      </m:dPr>
+                      <m:e>
+                        <m:r>
+                          <m:t xml:space="preserve">pos</m:t>
+                        </m:r>
+                        <m:r>
+                          <m:t xml:space="preserve">,2</m:t>
+                        </m:r>
+                        <m:r>
+                          <m:t xml:space="preserve">i</m:t>
+                        </m:r>
+                      </m:e>
+                    </m:d>
+                    <m:r>
+                      <m:t xml:space="preserve">=</m:t>
+                    </m:r>
+                    <m:r>
+                      <m:t xml:space="preserve">sin</m:t>
+                    </m:r>
+                    <m:d>
+                      <m:dPr>
+                        <m:begChr m:val="("/>
+                        <m:endChr m:val=")"/>
+                      </m:dPr>
+                      <m:e>
+                        <m:f>
+                          <m:num>
+                            <m:r>
+                              <m:t xml:space="preserve">pos</m:t>
+                            </m:r>
+                          </m:num>
+                          <m:den>
+                            <m:sSup>
+                              <m:e>
+                                <m:r>
+                                  <m:t xml:space="preserve">100000</m:t>
+                                </m:r>
+                              </m:e>
+                              <m:sup>
+                                <m:d>
+                                  <m:dPr>
+                                    <m:begChr m:val="("/>
+                                    <m:endChr m:val=")"/>
+                                  </m:dPr>
+                                  <m:e>
+                                    <m:f>
+                                      <m:num>
+                                        <m:r>
+                                          <m:t xml:space="preserve">2</m:t>
+                                        </m:r>
+                                        <m:r>
+                                          <m:t xml:space="preserve">i</m:t>
+                                        </m:r>
+                                      </m:num>
+                                      <m:den>
+                                        <m:r>
+                                          <m:t xml:space="preserve">E</m:t>
+                                        </m:r>
+                                      </m:den>
+                                    </m:f>
+                                  </m:e>
+                                </m:d>
+                              </m:sup>
+                            </m:sSup>
+                          </m:den>
+                        </m:f>
+                      </m:e>
+                    </m:d>
+                  </m:oMath>
+                </a14:m>
+              </a:p>
+            </p:txBody>
+          </p:sp>
+        </mc:Choice>
+        <mc:Fallback/>
+      </mc:AlternateContent>
+      <mc:AlternateContent>
+        <mc:Choice xmlns:a14="http://schemas.microsoft.com/office/drawing/2010/main" Requires="a14">
+          <p:sp>
+            <p:nvSpPr>
+              <p:cNvPr id="169" name=""/>
+              <p:cNvSpPr txBox="1"/>
+              <p:nvPr/>
+            </p:nvSpPr>
+            <p:spPr>
+              <a:xfrm>
+                <a:off x="3597120" y="2863800"/>
+                <a:ext cx="5503680" cy="918000"/>
+              </a:xfrm>
+              <a:prstGeom prst="rect">
+                <a:avLst/>
+              </a:prstGeom>
+            </p:spPr>
+            <p:txBody>
+              <a:bodyPr/>
+              <a:p>
+                <a14:m>
+                  <m:oMath xmlns:m="http://schemas.openxmlformats.org/officeDocument/2006/math">
+                    <m:r>
+                      <m:t xml:space="preserve">PosEmb</m:t>
+                    </m:r>
+                    <m:d>
+                      <m:dPr>
+                        <m:begChr m:val="("/>
+                        <m:endChr m:val=")"/>
+                      </m:dPr>
+                      <m:e>
+                        <m:r>
+                          <m:t xml:space="preserve">pos</m:t>
+                        </m:r>
+                        <m:r>
+                          <m:t xml:space="preserve">,2</m:t>
+                        </m:r>
+                        <m:r>
+                          <m:t xml:space="preserve">i</m:t>
+                        </m:r>
+                        <m:r>
+                          <m:t xml:space="preserve">+</m:t>
+                        </m:r>
+                        <m:r>
+                          <m:t xml:space="preserve">1</m:t>
+                        </m:r>
+                      </m:e>
+                    </m:d>
+                    <m:r>
+                      <m:t xml:space="preserve">=</m:t>
+                    </m:r>
+                    <m:r>
+                      <m:t xml:space="preserve">cos</m:t>
+                    </m:r>
+                    <m:d>
+                      <m:dPr>
+                        <m:begChr m:val="("/>
+                        <m:endChr m:val=")"/>
+                      </m:dPr>
+                      <m:e>
+                        <m:f>
+                          <m:num>
+                            <m:r>
+                              <m:t xml:space="preserve">pos</m:t>
+                            </m:r>
+                          </m:num>
+                          <m:den>
+                            <m:sSup>
+                              <m:e>
+                                <m:r>
+                                  <m:t xml:space="preserve">100000</m:t>
+                                </m:r>
+                              </m:e>
+                              <m:sup>
+                                <m:d>
+                                  <m:dPr>
+                                    <m:begChr m:val="("/>
+                                    <m:endChr m:val=")"/>
+                                  </m:dPr>
+                                  <m:e>
+                                    <m:f>
+                                      <m:num>
+                                        <m:r>
+                                          <m:t xml:space="preserve">2</m:t>
+                                        </m:r>
+                                        <m:r>
+                                          <m:t xml:space="preserve">i</m:t>
+                                        </m:r>
+                                      </m:num>
+                                      <m:den>
+                                        <m:r>
+                                          <m:t xml:space="preserve">E</m:t>
+                                        </m:r>
+                                      </m:den>
+                                    </m:f>
+                                  </m:e>
+                                </m:d>
+                              </m:sup>
+                            </m:sSup>
+                          </m:den>
+                        </m:f>
+                      </m:e>
+                    </m:d>
+                  </m:oMath>
+                </a14:m>
+              </a:p>
+            </p:txBody>
+          </p:sp>
+        </mc:Choice>
+        <mc:Fallback/>
+      </mc:AlternateContent>
+      <mc:AlternateContent>
+        <mc:Choice xmlns:a14="http://schemas.microsoft.com/office/drawing/2010/main" Requires="a14">
+          <p:sp>
+            <p:nvSpPr>
+              <p:cNvPr id="170" name=""/>
+              <p:cNvSpPr txBox="1"/>
+              <p:nvPr/>
+            </p:nvSpPr>
+            <p:spPr>
+              <a:xfrm>
+                <a:off x="3682800" y="1821240"/>
+                <a:ext cx="5025600" cy="918000"/>
+              </a:xfrm>
+              <a:prstGeom prst="rect">
+                <a:avLst/>
+              </a:prstGeom>
+            </p:spPr>
+            <p:txBody>
+              <a:bodyPr/>
+              <a:p>
+                <a14:m>
+                  <m:oMath xmlns:m="http://schemas.openxmlformats.org/officeDocument/2006/math">
+                    <m:r>
+                      <m:t xml:space="preserve">PosEmb</m:t>
+                    </m:r>
+                    <m:d>
+                      <m:dPr>
+                        <m:begChr m:val="("/>
+                        <m:endChr m:val=")"/>
+                      </m:dPr>
+                      <m:e>
+                        <m:r>
+                          <m:t xml:space="preserve">pos</m:t>
+                        </m:r>
+                        <m:r>
+                          <m:t xml:space="preserve">,2</m:t>
+                        </m:r>
+                        <m:r>
+                          <m:t xml:space="preserve">i</m:t>
+                        </m:r>
+                      </m:e>
+                    </m:d>
+                    <m:r>
+                      <m:t xml:space="preserve">=</m:t>
+                    </m:r>
+                    <m:r>
+                      <m:t xml:space="preserve">sin</m:t>
+                    </m:r>
+                    <m:d>
+                      <m:dPr>
+                        <m:begChr m:val="("/>
+                        <m:endChr m:val=")"/>
+                      </m:dPr>
+                      <m:e>
+                        <m:f>
+                          <m:num>
+                            <m:r>
+                              <m:t xml:space="preserve">pos</m:t>
+                            </m:r>
+                          </m:num>
+                          <m:den>
+                            <m:sSup>
+                              <m:e>
+                                <m:r>
+                                  <m:t xml:space="preserve">100000</m:t>
+                                </m:r>
+                              </m:e>
+                              <m:sup>
+                                <m:d>
+                                  <m:dPr>
+                                    <m:begChr m:val="("/>
+                                    <m:endChr m:val=")"/>
+                                  </m:dPr>
+                                  <m:e>
+                                    <m:f>
+                                      <m:num>
+                                        <m:r>
+                                          <m:t xml:space="preserve">2</m:t>
+                                        </m:r>
+                                        <m:r>
+                                          <m:t xml:space="preserve">i</m:t>
+                                        </m:r>
+                                      </m:num>
+                                      <m:den>
+                                        <m:r>
+                                          <m:t xml:space="preserve">E</m:t>
+                                        </m:r>
+                                      </m:den>
+                                    </m:f>
+                                  </m:e>
+                                </m:d>
+                              </m:sup>
+                            </m:sSup>
+                          </m:den>
+                        </m:f>
+                      </m:e>
+                    </m:d>
+                  </m:oMath>
+                </a14:m>
+              </a:p>
+            </p:txBody>
+          </p:sp>
+        </mc:Choice>
+        <mc:Fallback/>
+      </mc:AlternateContent>
+      <p:sp>
+        <p:nvSpPr>
+          <p:cNvPr id="171" name=""/>
           <p:cNvSpPr/>
           <p:nvPr/>
         </p:nvSpPr>
         <p:spPr>
           <a:xfrm>
-            <a:off x="1440000" y="2700000"/>
-            <a:ext cx="3059280" cy="899280"/>
-          </a:xfrm>
-          <a:prstGeom prst="rect">
-            <a:avLst/>
-          </a:prstGeom>
-          <a:solidFill>
-            <a:schemeClr val="accent1"/>
-          </a:solidFill>
+            <a:off x="311040" y="4260240"/>
+            <a:ext cx="3368160" cy="934920"/>
+          </a:xfrm>
+          <a:prstGeom prst="rect">
+            <a:avLst/>
+          </a:prstGeom>
+          <a:noFill/>
           <a:ln w="0">
-            <a:solidFill>
-              <a:srgbClr val="254061"/>
-            </a:solidFill>
+            <a:noFill/>
           </a:ln>
         </p:spPr>
         <p:style>
@@ -9527,7 +9947,7 @@
           <a:fontRef idx="minor"/>
         </p:style>
         <p:txBody>
-          <a:bodyPr lIns="90000" rIns="90000" tIns="45000" bIns="45000" anchor="ctr">
+          <a:bodyPr lIns="90000" rIns="90000" tIns="45000" bIns="45000" anchor="t">
             <a:noAutofit/>
           </a:bodyPr>
           <a:p>
@@ -9536,120 +9956,60 @@
                 <a:spcPct val="100000"/>
               </a:lnSpc>
             </a:pPr>
-            <a:endParaRPr b="0" lang="ru-RU" sz="1800" spc="-1" strike="noStrike">
-              <a:solidFill>
-                <a:srgbClr val="000000"/>
-              </a:solidFill>
-              <a:latin typeface="Arial"/>
-              <a:ea typeface="DejaVu Sans"/>
-            </a:endParaRPr>
-          </a:p>
-        </p:txBody>
-      </p:sp>
-      <p:sp>
-        <p:nvSpPr>
-          <p:cNvPr id="167" name=""/>
-          <p:cNvSpPr/>
-          <p:nvPr/>
-        </p:nvSpPr>
-        <p:spPr>
-          <a:xfrm>
-            <a:off x="4860000" y="2700000"/>
-            <a:ext cx="2879280" cy="899280"/>
-          </a:xfrm>
-          <a:prstGeom prst="rect">
-            <a:avLst/>
-          </a:prstGeom>
-          <a:solidFill>
-            <a:schemeClr val="accent1"/>
-          </a:solidFill>
-          <a:ln w="0">
-            <a:solidFill>
-              <a:srgbClr val="254061"/>
-            </a:solidFill>
-          </a:ln>
-        </p:spPr>
-        <p:style>
-          <a:lnRef idx="0"/>
-          <a:fillRef idx="0"/>
-          <a:effectRef idx="0"/>
-          <a:fontRef idx="minor"/>
-        </p:style>
-        <p:txBody>
-          <a:bodyPr lIns="90000" rIns="90000" tIns="45000" bIns="45000" anchor="ctr">
-            <a:noAutofit/>
-          </a:bodyPr>
-          <a:p>
-            <a:pPr algn="ctr">
-              <a:lnSpc>
-                <a:spcPct val="100000"/>
-              </a:lnSpc>
-            </a:pPr>
-            <a:r>
-              <a:rPr b="1" lang="ru-RU" sz="1800" spc="-1" strike="noStrike">
+            <a:r>
+              <a:rPr b="0" i="1" lang="ru-RU" sz="1500" spc="-1" strike="noStrike">
                 <a:solidFill>
-                  <a:srgbClr val="ffffff"/>
+                  <a:srgbClr val="000000"/>
                 </a:solidFill>
                 <a:latin typeface="Arial"/>
                 <a:ea typeface="DejaVu Sans"/>
               </a:rPr>
-              <a:t>Вещественная(attn_mask)[N,M]</a:t>
-            </a:r>
-            <a:endParaRPr b="0" lang="ru-RU" sz="1800" spc="-1" strike="noStrike">
-              <a:solidFill>
-                <a:srgbClr val="000000"/>
-              </a:solidFill>
-              <a:latin typeface="Arial"/>
-            </a:endParaRPr>
-          </a:p>
-        </p:txBody>
-      </p:sp>
-      <p:sp>
-        <p:nvSpPr>
-          <p:cNvPr id="168" name=""/>
-          <p:cNvSpPr/>
-          <p:nvPr/>
-        </p:nvSpPr>
-        <p:spPr>
-          <a:xfrm>
-            <a:off x="1440000" y="2700000"/>
-            <a:ext cx="3059280" cy="1068120"/>
-          </a:xfrm>
-          <a:prstGeom prst="rect">
-            <a:avLst/>
-          </a:prstGeom>
-          <a:noFill/>
-          <a:ln w="0">
-            <a:noFill/>
-          </a:ln>
-        </p:spPr>
-        <p:style>
-          <a:lnRef idx="0"/>
-          <a:fillRef idx="0"/>
-          <a:effectRef idx="0"/>
-          <a:fontRef idx="minor"/>
-        </p:style>
-        <p:txBody>
-          <a:bodyPr lIns="90000" rIns="90000" tIns="45000" bIns="45000" anchor="t">
-            <a:noAutofit/>
-          </a:bodyPr>
-          <a:p>
-            <a:pPr algn="ctr">
-              <a:lnSpc>
-                <a:spcPct val="100000"/>
-              </a:lnSpc>
-            </a:pPr>
-            <a:r>
-              <a:rPr b="1" lang="ru-RU" sz="1800" spc="-1" strike="noStrike">
+              <a:t>Pos</a:t>
+            </a:r>
+            <a:r>
+              <a:rPr b="0" lang="ru-RU" sz="1500" spc="-1" strike="noStrike">
                 <a:solidFill>
-                  <a:srgbClr val="ffffff"/>
+                  <a:srgbClr val="000000"/>
                 </a:solidFill>
                 <a:latin typeface="Arial"/>
                 <a:ea typeface="DejaVu Sans"/>
               </a:rPr>
-              <a:t>Булева маска(key_padding mask)[B,M]</a:t>
-            </a:r>
-            <a:endParaRPr b="0" lang="ru-RU" sz="1800" spc="-1" strike="noStrike">
+              <a:t> — номер слова в предложении</a:t>
+            </a:r>
+            <a:endParaRPr b="0" lang="ru-RU" sz="1500" spc="-1" strike="noStrike">
+              <a:solidFill>
+                <a:srgbClr val="000000"/>
+              </a:solidFill>
+              <a:latin typeface="Arial"/>
+            </a:endParaRPr>
+          </a:p>
+          <a:p>
+            <a:pPr>
+              <a:lnSpc>
+                <a:spcPct val="100000"/>
+              </a:lnSpc>
+            </a:pPr>
+            <a:r>
+              <a:rPr b="0" i="1" lang="ru-RU" sz="1500" spc="-1" strike="noStrike">
+                <a:solidFill>
+                  <a:srgbClr val="000000"/>
+                </a:solidFill>
+                <a:latin typeface="Arial"/>
+                <a:ea typeface="DejaVu Sans"/>
+              </a:rPr>
+              <a:t>i</a:t>
+            </a:r>
+            <a:r>
+              <a:rPr b="0" lang="ru-RU" sz="1500" spc="-1" strike="noStrike">
+                <a:solidFill>
+                  <a:srgbClr val="000000"/>
+                </a:solidFill>
+                <a:latin typeface="Arial"/>
+                <a:ea typeface="DejaVu Sans"/>
+              </a:rPr>
+              <a:t> - номер компоненты вектора эмбединга</a:t>
+            </a:r>
+            <a:endParaRPr b="0" lang="ru-RU" sz="1500" spc="-1" strike="noStrike">
               <a:solidFill>
                 <a:srgbClr val="000000"/>
               </a:solidFill>
@@ -9668,130 +10028,6 @@
       <p:transition spd="slow"/>
     </mc:Fallback>
   </mc:AlternateContent>
-  <p:timing>
-    <p:tnLst>
-      <p:par>
-        <p:cTn id="65" dur="indefinite" restart="never" nodeType="tmRoot">
-          <p:childTnLst>
-            <p:seq>
-              <p:cTn id="66" dur="indefinite" nodeType="mainSeq">
-                <p:childTnLst>
-                  <p:par>
-                    <p:cTn id="67" fill="hold">
-                      <p:stCondLst>
-                        <p:cond delay="indefinite"/>
-                      </p:stCondLst>
-                      <p:childTnLst>
-                        <p:par>
-                          <p:cTn id="68" fill="hold">
-                            <p:stCondLst>
-                              <p:cond delay="0"/>
-                            </p:stCondLst>
-                            <p:childTnLst>
-                              <p:par>
-                                <p:cTn id="69" nodeType="clickEffect" fill="hold" presetClass="entr" presetID="1">
-                                  <p:stCondLst>
-                                    <p:cond delay="0"/>
-                                  </p:stCondLst>
-                                  <p:childTnLst>
-                                    <p:set>
-                                      <p:cBhvr>
-                                        <p:cTn id="70" dur="1" fill="hold">
-                                          <p:stCondLst>
-                                            <p:cond delay="0"/>
-                                          </p:stCondLst>
-                                        </p:cTn>
-                                        <p:tgtEl>
-                                          <p:spTgt spid="168">
-                                            <p:txEl>
-                                              <p:pRg st="0" end="0"/>
-                                            </p:txEl>
-                                          </p:spTgt>
-                                        </p:tgtEl>
-                                        <p:attrNameLst>
-                                          <p:attrName>style.visibility</p:attrName>
-                                        </p:attrNameLst>
-                                      </p:cBhvr>
-                                      <p:to>
-                                        <p:strVal val="visible"/>
-                                      </p:to>
-                                    </p:set>
-                                  </p:childTnLst>
-                                </p:cTn>
-                              </p:par>
-                            </p:childTnLst>
-                          </p:cTn>
-                        </p:par>
-                      </p:childTnLst>
-                    </p:cTn>
-                  </p:par>
-                  <p:par>
-                    <p:cTn id="71" fill="hold">
-                      <p:stCondLst>
-                        <p:cond delay="indefinite"/>
-                      </p:stCondLst>
-                      <p:childTnLst>
-                        <p:par>
-                          <p:cTn id="72" fill="hold">
-                            <p:stCondLst>
-                              <p:cond delay="0"/>
-                            </p:stCondLst>
-                            <p:childTnLst>
-                              <p:par>
-                                <p:cTn id="73" nodeType="clickEffect" fill="hold" presetClass="entr" presetID="1">
-                                  <p:stCondLst>
-                                    <p:cond delay="0"/>
-                                  </p:stCondLst>
-                                  <p:childTnLst>
-                                    <p:set>
-                                      <p:cBhvr>
-                                        <p:cTn id="74" dur="1" fill="hold">
-                                          <p:stCondLst>
-                                            <p:cond delay="0"/>
-                                          </p:stCondLst>
-                                        </p:cTn>
-                                        <p:tgtEl>
-                                          <p:spTgt spid="167"/>
-                                        </p:tgtEl>
-                                        <p:attrNameLst>
-                                          <p:attrName>style.visibility</p:attrName>
-                                        </p:attrNameLst>
-                                      </p:cBhvr>
-                                      <p:to>
-                                        <p:strVal val="visible"/>
-                                      </p:to>
-                                    </p:set>
-                                  </p:childTnLst>
-                                </p:cTn>
-                              </p:par>
-                            </p:childTnLst>
-                          </p:cTn>
-                        </p:par>
-                      </p:childTnLst>
-                    </p:cTn>
-                  </p:par>
-                </p:childTnLst>
-              </p:cTn>
-              <p:prevCondLst>
-                <p:cond evt="onPrev">
-                  <p:tgtEl>
-                    <p:sldTgt/>
-                  </p:tgtEl>
-                </p:cond>
-              </p:prevCondLst>
-              <p:nextCondLst>
-                <p:cond evt="onNext">
-                  <p:tgtEl>
-                    <p:sldTgt/>
-                  </p:tgtEl>
-                </p:cond>
-              </p:nextCondLst>
-            </p:seq>
-          </p:childTnLst>
-        </p:cTn>
-      </p:par>
-    </p:tnLst>
-  </p:timing>
 </p:sld>
 </file>
 
@@ -9814,18 +10050,14 @@
       </p:grpSpPr>
       <p:sp>
         <p:nvSpPr>
-          <p:cNvPr id="169" name="PlaceHolder 1"/>
-          <p:cNvSpPr>
-            <a:spLocks noGrp="1"/>
-          </p:cNvSpPr>
-          <p:nvPr>
-            <p:ph type="title"/>
-          </p:nvPr>
-        </p:nvSpPr>
-        <p:spPr>
-          <a:xfrm>
-            <a:off x="-540000" y="0"/>
-            <a:ext cx="7559280" cy="1618920"/>
+          <p:cNvPr id="172" name=""/>
+          <p:cNvSpPr txBox="1"/>
+          <p:nvPr/>
+        </p:nvSpPr>
+        <p:spPr>
+          <a:xfrm>
+            <a:off x="180000" y="321480"/>
+            <a:ext cx="6366600" cy="578520"/>
           </a:xfrm>
           <a:prstGeom prst="rect">
             <a:avLst/>
@@ -9836,19 +10068,10 @@
           </a:ln>
         </p:spPr>
         <p:txBody>
-          <a:bodyPr lIns="0" rIns="0" tIns="0" bIns="0" anchor="ctr">
+          <a:bodyPr lIns="90000" rIns="90000" tIns="45000" bIns="45000" anchor="t">
             <a:noAutofit/>
           </a:bodyPr>
           <a:p>
-            <a:pPr indent="0" algn="ctr">
-              <a:lnSpc>
-                <a:spcPct val="100000"/>
-              </a:lnSpc>
-              <a:buNone/>
-              <a:tabLst>
-                <a:tab algn="l" pos="0"/>
-              </a:tabLst>
-            </a:pPr>
             <a:r>
               <a:rPr b="1" lang="ru-RU" sz="2700" spc="-1" strike="noStrike">
                 <a:solidFill>
@@ -9856,217 +10079,9 @@
                 </a:solidFill>
                 <a:latin typeface="Source Sans Pro Black"/>
               </a:rPr>
-              <a:t>Пару слов о Positional Embeddings (PE)</a:t>
+              <a:t>Как они складываются?</a:t>
             </a:r>
             <a:endParaRPr b="0" lang="ru-RU" sz="2700" spc="-1" strike="noStrike">
-              <a:solidFill>
-                <a:srgbClr val="000000"/>
-              </a:solidFill>
-              <a:latin typeface="Arial"/>
-            </a:endParaRPr>
-          </a:p>
-        </p:txBody>
-      </p:sp>
-      <p:sp>
-        <p:nvSpPr>
-          <p:cNvPr id="170" name=""/>
-          <p:cNvSpPr/>
-          <p:nvPr/>
-        </p:nvSpPr>
-        <p:spPr>
-          <a:xfrm>
-            <a:off x="180000" y="1897200"/>
-            <a:ext cx="10066320" cy="982080"/>
-          </a:xfrm>
-          <a:prstGeom prst="rect">
-            <a:avLst/>
-          </a:prstGeom>
-          <a:noFill/>
-          <a:ln w="0">
-            <a:noFill/>
-          </a:ln>
-        </p:spPr>
-        <p:style>
-          <a:lnRef idx="0"/>
-          <a:fillRef idx="0"/>
-          <a:effectRef idx="0"/>
-          <a:fontRef idx="minor"/>
-        </p:style>
-        <p:txBody>
-          <a:bodyPr lIns="90000" rIns="90000" tIns="45000" bIns="45000" anchor="t">
-            <a:noAutofit/>
-          </a:bodyPr>
-          <a:p>
-            <a:pPr>
-              <a:lnSpc>
-                <a:spcPct val="100000"/>
-              </a:lnSpc>
-            </a:pPr>
-            <a:r>
-              <a:rPr b="0" lang="ru-RU" sz="2100" spc="-1" strike="noStrike">
-                <a:solidFill>
-                  <a:srgbClr val="000000"/>
-                </a:solidFill>
-                <a:latin typeface="Arial"/>
-                <a:ea typeface="DejaVu Sans"/>
-              </a:rPr>
-              <a:t>Типы PE в MHSA:</a:t>
-            </a:r>
-            <a:endParaRPr b="0" lang="ru-RU" sz="2100" spc="-1" strike="noStrike">
-              <a:solidFill>
-                <a:srgbClr val="000000"/>
-              </a:solidFill>
-              <a:latin typeface="Arial"/>
-            </a:endParaRPr>
-          </a:p>
-          <a:p>
-            <a:pPr>
-              <a:lnSpc>
-                <a:spcPct val="100000"/>
-              </a:lnSpc>
-            </a:pPr>
-            <a:r>
-              <a:rPr b="0" lang="ru-RU" sz="2100" spc="-1" strike="noStrike">
-                <a:solidFill>
-                  <a:srgbClr val="000000"/>
-                </a:solidFill>
-                <a:latin typeface="Arial"/>
-                <a:ea typeface="DejaVu Sans"/>
-              </a:rPr>
-              <a:t>1) Абсолютный</a:t>
-            </a:r>
-            <a:endParaRPr b="0" lang="ru-RU" sz="2100" spc="-1" strike="noStrike">
-              <a:solidFill>
-                <a:srgbClr val="000000"/>
-              </a:solidFill>
-              <a:latin typeface="Arial"/>
-            </a:endParaRPr>
-          </a:p>
-          <a:p>
-            <a:pPr>
-              <a:lnSpc>
-                <a:spcPct val="100000"/>
-              </a:lnSpc>
-            </a:pPr>
-            <a:r>
-              <a:rPr b="0" lang="ru-RU" sz="2100" spc="-1" strike="noStrike">
-                <a:solidFill>
-                  <a:srgbClr val="000000"/>
-                </a:solidFill>
-                <a:latin typeface="Arial"/>
-                <a:ea typeface="DejaVu Sans"/>
-              </a:rPr>
-              <a:t>2)Относительный</a:t>
-            </a:r>
-            <a:endParaRPr b="0" lang="ru-RU" sz="2100" spc="-1" strike="noStrike">
-              <a:solidFill>
-                <a:srgbClr val="000000"/>
-              </a:solidFill>
-              <a:latin typeface="Arial"/>
-            </a:endParaRPr>
-          </a:p>
-        </p:txBody>
-      </p:sp>
-      <p:sp>
-        <p:nvSpPr>
-          <p:cNvPr id="171" name=""/>
-          <p:cNvSpPr/>
-          <p:nvPr/>
-        </p:nvSpPr>
-        <p:spPr>
-          <a:xfrm>
-            <a:off x="180000" y="1357200"/>
-            <a:ext cx="3959280" cy="982080"/>
-          </a:xfrm>
-          <a:prstGeom prst="rect">
-            <a:avLst/>
-          </a:prstGeom>
-          <a:noFill/>
-          <a:ln w="0">
-            <a:noFill/>
-          </a:ln>
-        </p:spPr>
-        <p:style>
-          <a:lnRef idx="0"/>
-          <a:fillRef idx="0"/>
-          <a:effectRef idx="0"/>
-          <a:fontRef idx="minor"/>
-        </p:style>
-        <p:txBody>
-          <a:bodyPr lIns="90000" rIns="90000" tIns="45000" bIns="45000" anchor="t">
-            <a:noAutofit/>
-          </a:bodyPr>
-          <a:p>
-            <a:pPr>
-              <a:lnSpc>
-                <a:spcPct val="100000"/>
-              </a:lnSpc>
-            </a:pPr>
-            <a:r>
-              <a:rPr b="0" lang="ru-RU" sz="2400" spc="-1" strike="noStrike">
-                <a:solidFill>
-                  <a:srgbClr val="000000"/>
-                </a:solidFill>
-                <a:latin typeface="Arial"/>
-                <a:ea typeface="DejaVu Sans"/>
-              </a:rPr>
-              <a:t>Что это и зачем оно?</a:t>
-            </a:r>
-            <a:endParaRPr b="0" lang="ru-RU" sz="2400" spc="-1" strike="noStrike">
-              <a:solidFill>
-                <a:srgbClr val="000000"/>
-              </a:solidFill>
-              <a:latin typeface="Arial"/>
-            </a:endParaRPr>
-          </a:p>
-        </p:txBody>
-      </p:sp>
-      <p:sp>
-        <p:nvSpPr>
-          <p:cNvPr id="172" name=""/>
-          <p:cNvSpPr/>
-          <p:nvPr/>
-        </p:nvSpPr>
-        <p:spPr>
-          <a:xfrm>
-            <a:off x="4680000" y="3780000"/>
-            <a:ext cx="3369600" cy="936360"/>
-          </a:xfrm>
-          <a:prstGeom prst="rect">
-            <a:avLst/>
-          </a:prstGeom>
-          <a:noFill/>
-          <a:ln w="0">
-            <a:noFill/>
-          </a:ln>
-        </p:spPr>
-        <p:style>
-          <a:lnRef idx="0"/>
-          <a:fillRef idx="0"/>
-          <a:effectRef idx="0"/>
-          <a:fontRef idx="minor"/>
-        </p:style>
-        <p:txBody>
-          <a:bodyPr lIns="90000" rIns="90000" tIns="45000" bIns="45000" anchor="t">
-            <a:noAutofit/>
-          </a:bodyPr>
-          <a:p>
-            <a:pPr>
-              <a:lnSpc>
-                <a:spcPct val="100000"/>
-              </a:lnSpc>
-            </a:pPr>
-            <a:r>
-              <a:rPr b="0" lang="ru-RU" sz="1500" spc="-1" strike="noStrike">
-                <a:solidFill>
-                  <a:srgbClr val="000000"/>
-                </a:solidFill>
-                <a:latin typeface="Arial"/>
-                <a:ea typeface="DejaVu Sans"/>
-              </a:rPr>
-              <a:t>Добавление показывает дистанцию между элементом запроса к позиции последовательности </a:t>
-            </a:r>
-            <a:endParaRPr b="0" lang="ru-RU" sz="1500" spc="-1" strike="noStrike">
               <a:solidFill>
                 <a:srgbClr val="000000"/>
               </a:solidFill>
@@ -10085,8 +10100,8 @@
             </p:nvSpPr>
             <p:spPr>
               <a:xfrm>
-                <a:off x="4456800" y="1374480"/>
-                <a:ext cx="3643200" cy="1325520"/>
+                <a:off x="622440" y="1767240"/>
+                <a:ext cx="5040000" cy="936000"/>
               </a:xfrm>
               <a:prstGeom prst="rect">
                 <a:avLst/>
@@ -10206,8 +10221,8 @@
             </p:nvSpPr>
             <p:spPr>
               <a:xfrm>
-                <a:off x="907560" y="3861360"/>
-                <a:ext cx="3232440" cy="1358640"/>
+                <a:off x="188640" y="3444480"/>
+                <a:ext cx="5758920" cy="1078920"/>
               </a:xfrm>
               <a:prstGeom prst="rect">
                 <a:avLst/>
@@ -10400,6 +10415,1063 @@
         </mc:Choice>
         <mc:Fallback/>
       </mc:AlternateContent>
+      <p:sp>
+        <p:nvSpPr>
+          <p:cNvPr id="175" name=""/>
+          <p:cNvSpPr/>
+          <p:nvPr/>
+        </p:nvSpPr>
+        <p:spPr>
+          <a:xfrm>
+            <a:off x="6077160" y="3431160"/>
+            <a:ext cx="3368160" cy="934920"/>
+          </a:xfrm>
+          <a:prstGeom prst="rect">
+            <a:avLst/>
+          </a:prstGeom>
+          <a:noFill/>
+          <a:ln w="0">
+            <a:noFill/>
+          </a:ln>
+        </p:spPr>
+        <p:style>
+          <a:lnRef idx="0"/>
+          <a:fillRef idx="0"/>
+          <a:effectRef idx="0"/>
+          <a:fontRef idx="minor"/>
+        </p:style>
+        <p:txBody>
+          <a:bodyPr lIns="90000" rIns="90000" tIns="45000" bIns="45000" anchor="t">
+            <a:noAutofit/>
+          </a:bodyPr>
+          <a:p>
+            <a:pPr>
+              <a:lnSpc>
+                <a:spcPct val="100000"/>
+              </a:lnSpc>
+            </a:pPr>
+            <a:r>
+              <a:rPr b="0" lang="ru-RU" sz="1500" spc="-1" strike="noStrike">
+                <a:solidFill>
+                  <a:srgbClr val="000000"/>
+                </a:solidFill>
+                <a:latin typeface="Arial"/>
+                <a:ea typeface="DejaVu Sans"/>
+              </a:rPr>
+              <a:t>Добавление показывает дистанцию между элементом запроса к позиции последовательности </a:t>
+            </a:r>
+            <a:endParaRPr b="0" lang="ru-RU" sz="1500" spc="-1" strike="noStrike">
+              <a:solidFill>
+                <a:srgbClr val="000000"/>
+              </a:solidFill>
+              <a:latin typeface="Arial"/>
+            </a:endParaRPr>
+          </a:p>
+        </p:txBody>
+      </p:sp>
+    </p:spTree>
+  </p:cSld>
+  <mc:AlternateContent>
+    <mc:Choice Requires="p14">
+      <p:transition spd="slow" p14:dur="2000"/>
+    </mc:Choice>
+    <mc:Fallback>
+      <p:transition spd="slow"/>
+    </mc:Fallback>
+  </mc:AlternateContent>
+</p:sld>
+</file>
+
+<file path=ppt/slides/slide12.xml><?xml version="1.0" encoding="utf-8"?>
+<p:sld xmlns:a="http://schemas.openxmlformats.org/drawingml/2006/main" xmlns:p="http://schemas.openxmlformats.org/presentationml/2006/main" xmlns:r="http://schemas.openxmlformats.org/officeDocument/2006/relationships" xmlns:p14="http://schemas.microsoft.com/office/powerpoint/2010/main" xmlns:p15="http://schemas.microsoft.com/office/powerpoint/2012/main" xmlns:mc="http://schemas.openxmlformats.org/markup-compatibility/2006">
+  <p:cSld>
+    <p:spTree>
+      <p:nvGrpSpPr>
+        <p:cNvPr id="1" name=""/>
+        <p:cNvGrpSpPr/>
+        <p:nvPr/>
+      </p:nvGrpSpPr>
+      <p:grpSpPr>
+        <a:xfrm>
+          <a:off x="0" y="0"/>
+          <a:ext cx="0" cy="0"/>
+          <a:chOff x="0" y="0"/>
+          <a:chExt cx="0" cy="0"/>
+        </a:xfrm>
+      </p:grpSpPr>
+      <p:sp>
+        <p:nvSpPr>
+          <p:cNvPr id="176" name="PlaceHolder 1"/>
+          <p:cNvSpPr>
+            <a:spLocks noGrp="1"/>
+          </p:cNvSpPr>
+          <p:nvPr>
+            <p:ph type="title"/>
+          </p:nvPr>
+        </p:nvSpPr>
+        <p:spPr>
+          <a:xfrm>
+            <a:off x="360000" y="225720"/>
+            <a:ext cx="9357480" cy="716400"/>
+          </a:xfrm>
+          <a:prstGeom prst="rect">
+            <a:avLst/>
+          </a:prstGeom>
+          <a:noFill/>
+          <a:ln w="0">
+            <a:noFill/>
+          </a:ln>
+        </p:spPr>
+        <p:txBody>
+          <a:bodyPr lIns="0" rIns="0" tIns="0" bIns="0" anchor="ctr">
+            <a:noAutofit/>
+          </a:bodyPr>
+          <a:p>
+            <a:pPr indent="0">
+              <a:lnSpc>
+                <a:spcPct val="100000"/>
+              </a:lnSpc>
+              <a:buNone/>
+              <a:tabLst>
+                <a:tab algn="l" pos="0"/>
+              </a:tabLst>
+            </a:pPr>
+            <a:r>
+              <a:rPr b="1" lang="ru-RU" sz="2700" spc="-1" strike="noStrike">
+                <a:solidFill>
+                  <a:srgbClr val="ffffff"/>
+                </a:solidFill>
+                <a:latin typeface="Source Sans Pro Black"/>
+              </a:rPr>
+              <a:t>Encoder and Decoder</a:t>
+            </a:r>
+            <a:endParaRPr b="0" lang="ru-RU" sz="2700" spc="-1" strike="noStrike">
+              <a:solidFill>
+                <a:srgbClr val="000000"/>
+              </a:solidFill>
+              <a:latin typeface="Arial"/>
+            </a:endParaRPr>
+          </a:p>
+        </p:txBody>
+      </p:sp>
+      <p:sp>
+        <p:nvSpPr>
+          <p:cNvPr id="177" name="PlaceHolder 2"/>
+          <p:cNvSpPr>
+            <a:spLocks noGrp="1"/>
+          </p:cNvSpPr>
+          <p:nvPr>
+            <p:ph/>
+          </p:nvPr>
+        </p:nvSpPr>
+        <p:spPr>
+          <a:xfrm>
+            <a:off x="360000" y="1485000"/>
+            <a:ext cx="9357480" cy="3777480"/>
+          </a:xfrm>
+          <a:prstGeom prst="rect">
+            <a:avLst/>
+          </a:prstGeom>
+          <a:noFill/>
+          <a:ln w="0">
+            <a:noFill/>
+          </a:ln>
+        </p:spPr>
+        <p:txBody>
+          <a:bodyPr lIns="0" rIns="0" tIns="0" bIns="0" anchor="t">
+            <a:normAutofit/>
+          </a:bodyPr>
+          <a:p>
+            <a:pPr marL="432000" indent="-324000">
+              <a:lnSpc>
+                <a:spcPct val="100000"/>
+              </a:lnSpc>
+              <a:spcAft>
+                <a:spcPts val="1057"/>
+              </a:spcAft>
+              <a:buClr>
+                <a:srgbClr val="2c3e50"/>
+              </a:buClr>
+              <a:buSzPct val="45000"/>
+              <a:buFont typeface="Wingdings" charset="2"/>
+              <a:buChar char=""/>
+            </a:pPr>
+            <a:r>
+              <a:rPr b="1" lang="ru-RU" sz="2400" spc="-1" strike="noStrike">
+                <a:solidFill>
+                  <a:srgbClr val="2c3e50"/>
+                </a:solidFill>
+                <a:latin typeface="Source Sans Pro Semibold"/>
+              </a:rPr>
+              <a:t>Что это? Кратко говоря, две RNN</a:t>
+            </a:r>
+            <a:endParaRPr b="0" lang="ru-RU" sz="2400" spc="-1" strike="noStrike">
+              <a:solidFill>
+                <a:srgbClr val="000000"/>
+              </a:solidFill>
+              <a:latin typeface="Arial"/>
+            </a:endParaRPr>
+          </a:p>
+        </p:txBody>
+      </p:sp>
+      <p:pic>
+        <p:nvPicPr>
+          <p:cNvPr id="178" name="" descr=""/>
+          <p:cNvPicPr/>
+          <p:nvPr/>
+        </p:nvPicPr>
+        <p:blipFill>
+          <a:blip r:embed="rId1"/>
+          <a:stretch/>
+        </p:blipFill>
+        <p:spPr>
+          <a:xfrm>
+            <a:off x="1837440" y="1980000"/>
+            <a:ext cx="5540040" cy="2673000"/>
+          </a:xfrm>
+          <a:prstGeom prst="rect">
+            <a:avLst/>
+          </a:prstGeom>
+          <a:ln w="10800">
+            <a:noFill/>
+          </a:ln>
+        </p:spPr>
+      </p:pic>
+    </p:spTree>
+  </p:cSld>
+  <mc:AlternateContent>
+    <mc:Choice Requires="p14">
+      <p:transition spd="slow" p14:dur="2000"/>
+    </mc:Choice>
+    <mc:Fallback>
+      <p:transition spd="slow"/>
+    </mc:Fallback>
+  </mc:AlternateContent>
+</p:sld>
+</file>
+
+<file path=ppt/slides/slide13.xml><?xml version="1.0" encoding="utf-8"?>
+<p:sld xmlns:a="http://schemas.openxmlformats.org/drawingml/2006/main" xmlns:p="http://schemas.openxmlformats.org/presentationml/2006/main" xmlns:r="http://schemas.openxmlformats.org/officeDocument/2006/relationships" xmlns:p14="http://schemas.microsoft.com/office/powerpoint/2010/main" xmlns:p15="http://schemas.microsoft.com/office/powerpoint/2012/main" xmlns:mc="http://schemas.openxmlformats.org/markup-compatibility/2006">
+  <p:cSld>
+    <p:spTree>
+      <p:nvGrpSpPr>
+        <p:cNvPr id="1" name=""/>
+        <p:cNvGrpSpPr/>
+        <p:nvPr/>
+      </p:nvGrpSpPr>
+      <p:grpSpPr>
+        <a:xfrm>
+          <a:off x="0" y="0"/>
+          <a:ext cx="0" cy="0"/>
+          <a:chOff x="0" y="0"/>
+          <a:chExt cx="0" cy="0"/>
+        </a:xfrm>
+      </p:grpSpPr>
+      <p:sp>
+        <p:nvSpPr>
+          <p:cNvPr id="179" name=""/>
+          <p:cNvSpPr/>
+          <p:nvPr/>
+        </p:nvSpPr>
+        <p:spPr>
+          <a:xfrm>
+            <a:off x="412920" y="321480"/>
+            <a:ext cx="4203720" cy="576360"/>
+          </a:xfrm>
+          <a:prstGeom prst="rect">
+            <a:avLst/>
+          </a:prstGeom>
+          <a:noFill/>
+          <a:ln w="0">
+            <a:noFill/>
+          </a:ln>
+        </p:spPr>
+        <p:style>
+          <a:lnRef idx="0"/>
+          <a:fillRef idx="0"/>
+          <a:effectRef idx="0"/>
+          <a:fontRef idx="minor"/>
+        </p:style>
+        <p:txBody>
+          <a:bodyPr lIns="90000" rIns="90000" tIns="45000" bIns="45000" anchor="t">
+            <a:noAutofit/>
+          </a:bodyPr>
+          <a:p>
+            <a:pPr>
+              <a:lnSpc>
+                <a:spcPct val="100000"/>
+              </a:lnSpc>
+            </a:pPr>
+            <a:r>
+              <a:rPr b="1" lang="ru-RU" sz="2700" spc="-1" strike="noStrike">
+                <a:solidFill>
+                  <a:srgbClr val="ffffff"/>
+                </a:solidFill>
+                <a:latin typeface="Source Sans Pro Black"/>
+                <a:ea typeface="DejaVu Sans"/>
+              </a:rPr>
+              <a:t>Подробнее о Encoder</a:t>
+            </a:r>
+            <a:endParaRPr b="0" lang="ru-RU" sz="2700" spc="-1" strike="noStrike">
+              <a:solidFill>
+                <a:srgbClr val="000000"/>
+              </a:solidFill>
+              <a:latin typeface="Arial"/>
+            </a:endParaRPr>
+          </a:p>
+        </p:txBody>
+      </p:sp>
+      <p:pic>
+        <p:nvPicPr>
+          <p:cNvPr id="180" name="" descr=""/>
+          <p:cNvPicPr/>
+          <p:nvPr/>
+        </p:nvPicPr>
+        <p:blipFill>
+          <a:blip r:embed="rId1"/>
+          <a:stretch/>
+        </p:blipFill>
+        <p:spPr>
+          <a:xfrm>
+            <a:off x="2160360" y="1260000"/>
+            <a:ext cx="5217840" cy="4066200"/>
+          </a:xfrm>
+          <a:prstGeom prst="rect">
+            <a:avLst/>
+          </a:prstGeom>
+          <a:ln w="0">
+            <a:noFill/>
+          </a:ln>
+        </p:spPr>
+      </p:pic>
+    </p:spTree>
+  </p:cSld>
+  <mc:AlternateContent>
+    <mc:Choice Requires="p14">
+      <p:transition spd="slow" p14:dur="2000"/>
+    </mc:Choice>
+    <mc:Fallback>
+      <p:transition spd="slow"/>
+    </mc:Fallback>
+  </mc:AlternateContent>
+</p:sld>
+</file>
+
+<file path=ppt/slides/slide14.xml><?xml version="1.0" encoding="utf-8"?>
+<p:sld xmlns:a="http://schemas.openxmlformats.org/drawingml/2006/main" xmlns:p="http://schemas.openxmlformats.org/presentationml/2006/main" xmlns:r="http://schemas.openxmlformats.org/officeDocument/2006/relationships" xmlns:p14="http://schemas.microsoft.com/office/powerpoint/2010/main" xmlns:p15="http://schemas.microsoft.com/office/powerpoint/2012/main" xmlns:mc="http://schemas.openxmlformats.org/markup-compatibility/2006">
+  <p:cSld>
+    <p:spTree>
+      <p:nvGrpSpPr>
+        <p:cNvPr id="1" name=""/>
+        <p:cNvGrpSpPr/>
+        <p:nvPr/>
+      </p:nvGrpSpPr>
+      <p:grpSpPr>
+        <a:xfrm>
+          <a:off x="0" y="0"/>
+          <a:ext cx="0" cy="0"/>
+          <a:chOff x="0" y="0"/>
+          <a:chExt cx="0" cy="0"/>
+        </a:xfrm>
+      </p:grpSpPr>
+      <p:sp>
+        <p:nvSpPr>
+          <p:cNvPr id="181" name="PlaceHolder 1"/>
+          <p:cNvSpPr>
+            <a:spLocks noGrp="1"/>
+          </p:cNvSpPr>
+          <p:nvPr>
+            <p:ph type="title"/>
+          </p:nvPr>
+        </p:nvSpPr>
+        <p:spPr>
+          <a:xfrm>
+            <a:off x="360000" y="225720"/>
+            <a:ext cx="9357480" cy="716400"/>
+          </a:xfrm>
+          <a:prstGeom prst="rect">
+            <a:avLst/>
+          </a:prstGeom>
+          <a:noFill/>
+          <a:ln w="0">
+            <a:noFill/>
+          </a:ln>
+        </p:spPr>
+        <p:txBody>
+          <a:bodyPr lIns="0" rIns="0" tIns="0" bIns="0" anchor="ctr">
+            <a:noAutofit/>
+          </a:bodyPr>
+          <a:p>
+            <a:pPr indent="0">
+              <a:lnSpc>
+                <a:spcPct val="100000"/>
+              </a:lnSpc>
+              <a:buNone/>
+              <a:tabLst>
+                <a:tab algn="l" pos="0"/>
+              </a:tabLst>
+            </a:pPr>
+            <a:r>
+              <a:rPr b="1" lang="ru-RU" sz="2700" spc="-1" strike="noStrike">
+                <a:solidFill>
+                  <a:srgbClr val="ffffff"/>
+                </a:solidFill>
+                <a:latin typeface="Source Sans Pro Black"/>
+              </a:rPr>
+              <a:t>Веса внимания в структуре decode encode</a:t>
+            </a:r>
+            <a:endParaRPr b="0" lang="ru-RU" sz="2700" spc="-1" strike="noStrike">
+              <a:solidFill>
+                <a:srgbClr val="000000"/>
+              </a:solidFill>
+              <a:latin typeface="Arial"/>
+            </a:endParaRPr>
+          </a:p>
+        </p:txBody>
+      </p:sp>
+      <p:sp>
+        <p:nvSpPr>
+          <p:cNvPr id="182" name="PlaceHolder 2"/>
+          <p:cNvSpPr>
+            <a:spLocks noGrp="1"/>
+          </p:cNvSpPr>
+          <p:nvPr>
+            <p:ph/>
+          </p:nvPr>
+        </p:nvSpPr>
+        <p:spPr>
+          <a:xfrm>
+            <a:off x="0" y="1261080"/>
+            <a:ext cx="9357480" cy="3777480"/>
+          </a:xfrm>
+          <a:prstGeom prst="rect">
+            <a:avLst/>
+          </a:prstGeom>
+          <a:noFill/>
+          <a:ln w="0">
+            <a:noFill/>
+          </a:ln>
+        </p:spPr>
+        <p:txBody>
+          <a:bodyPr lIns="0" rIns="0" tIns="0" bIns="0" anchor="t">
+            <a:normAutofit/>
+          </a:bodyPr>
+          <a:p>
+            <a:pPr marL="432000" indent="-324000">
+              <a:lnSpc>
+                <a:spcPct val="100000"/>
+              </a:lnSpc>
+              <a:spcAft>
+                <a:spcPts val="1057"/>
+              </a:spcAft>
+              <a:buClr>
+                <a:srgbClr val="2c3e50"/>
+              </a:buClr>
+              <a:buSzPct val="45000"/>
+              <a:buFont typeface="Wingdings" charset="2"/>
+              <a:buChar char=""/>
+            </a:pPr>
+            <a:r>
+              <a:rPr b="0" lang="ru-RU" sz="2400" spc="-1" strike="noStrike">
+                <a:solidFill>
+                  <a:srgbClr val="2c3e50"/>
+                </a:solidFill>
+                <a:latin typeface="Arial"/>
+              </a:rPr>
+              <a:t>V</a:t>
+            </a:r>
+            <a:r>
+              <a:rPr b="0" lang="ru-RU" sz="2400" spc="-1" strike="noStrike" baseline="-8000">
+                <a:solidFill>
+                  <a:srgbClr val="2c3e50"/>
+                </a:solidFill>
+                <a:latin typeface="Arial"/>
+                <a:ea typeface="Source Sans Pro Semibold"/>
+              </a:rPr>
+              <a:t>α</a:t>
+            </a:r>
+            <a:r>
+              <a:rPr b="0" lang="ru-RU" sz="2400" spc="-1" strike="noStrike">
+                <a:solidFill>
+                  <a:srgbClr val="2c3e50"/>
+                </a:solidFill>
+                <a:latin typeface="Arial"/>
+                <a:ea typeface="Source Sans Pro Semibold"/>
+              </a:rPr>
+              <a:t> : α — ячейка скрытого состояние в енкодере → V</a:t>
+            </a:r>
+            <a:r>
+              <a:rPr b="0" lang="ru-RU" sz="2400" spc="-1" strike="noStrike" baseline="-8000">
+                <a:solidFill>
+                  <a:srgbClr val="2c3e50"/>
+                </a:solidFill>
+                <a:latin typeface="Arial"/>
+                <a:ea typeface="Source Sans Pro Semibold"/>
+              </a:rPr>
+              <a:t>α</a:t>
+            </a:r>
+            <a:r>
+              <a:rPr b="0" lang="ru-RU" sz="2400" spc="-1" strike="noStrike">
+                <a:solidFill>
+                  <a:srgbClr val="2c3e50"/>
+                </a:solidFill>
+                <a:latin typeface="Arial"/>
+                <a:ea typeface="Source Sans Pro Semibold"/>
+              </a:rPr>
+              <a:t> — вектор скрытого состояние в енкодере</a:t>
+            </a:r>
+            <a:endParaRPr b="0" lang="ru-RU" sz="2400" spc="-1" strike="noStrike">
+              <a:solidFill>
+                <a:srgbClr val="000000"/>
+              </a:solidFill>
+              <a:latin typeface="Arial"/>
+            </a:endParaRPr>
+          </a:p>
+          <a:p>
+            <a:pPr marL="432000" indent="-324000">
+              <a:lnSpc>
+                <a:spcPct val="100000"/>
+              </a:lnSpc>
+              <a:spcAft>
+                <a:spcPts val="1057"/>
+              </a:spcAft>
+              <a:buClr>
+                <a:srgbClr val="2c3e50"/>
+              </a:buClr>
+              <a:buSzPct val="45000"/>
+              <a:buFont typeface="Wingdings" charset="2"/>
+              <a:buChar char=""/>
+            </a:pPr>
+            <a:r>
+              <a:rPr b="0" lang="ru-RU" sz="2400" spc="-1" strike="noStrike">
+                <a:solidFill>
+                  <a:srgbClr val="2c3e50"/>
+                </a:solidFill>
+                <a:latin typeface="Arial"/>
+                <a:ea typeface="Source Sans Pro Semibold"/>
+              </a:rPr>
+              <a:t> </a:t>
+            </a:r>
+            <a:r>
+              <a:rPr b="0" lang="ru-RU" sz="2400" spc="-1" strike="noStrike">
+                <a:solidFill>
+                  <a:srgbClr val="2c3e50"/>
+                </a:solidFill>
+                <a:latin typeface="Arial"/>
+                <a:ea typeface="Source Sans Pro Semibold"/>
+              </a:rPr>
+              <a:t>V</a:t>
+            </a:r>
+            <a:r>
+              <a:rPr b="0" lang="ru-RU" sz="2400" spc="-1" strike="noStrike" baseline="-8000">
+                <a:solidFill>
+                  <a:srgbClr val="2c3e50"/>
+                </a:solidFill>
+                <a:latin typeface="Arial"/>
+                <a:ea typeface="Source Sans Pro Semibold"/>
+              </a:rPr>
+              <a:t>β</a:t>
+            </a:r>
+            <a:r>
+              <a:rPr b="0" lang="ru-RU" sz="2400" spc="-1" strike="noStrike">
+                <a:solidFill>
+                  <a:srgbClr val="2c3e50"/>
+                </a:solidFill>
+                <a:latin typeface="Arial"/>
+                <a:ea typeface="Source Sans Pro Semibold"/>
+              </a:rPr>
+              <a:t> : β — ячейка скрытого состояние в декодере → V</a:t>
+            </a:r>
+            <a:r>
+              <a:rPr b="0" lang="ru-RU" sz="2400" spc="-1" strike="noStrike" baseline="-8000">
+                <a:solidFill>
+                  <a:srgbClr val="2c3e50"/>
+                </a:solidFill>
+                <a:latin typeface="Arial"/>
+                <a:ea typeface="Source Sans Pro Semibold"/>
+              </a:rPr>
+              <a:t>β</a:t>
+            </a:r>
+            <a:r>
+              <a:rPr b="0" lang="ru-RU" sz="2400" spc="-1" strike="noStrike">
+                <a:solidFill>
+                  <a:srgbClr val="2c3e50"/>
+                </a:solidFill>
+                <a:latin typeface="Arial"/>
+                <a:ea typeface="Source Sans Pro Semibold"/>
+              </a:rPr>
+              <a:t> — вектор скрытого состояние в декодере</a:t>
+            </a:r>
+            <a:endParaRPr b="0" lang="ru-RU" sz="2400" spc="-1" strike="noStrike">
+              <a:solidFill>
+                <a:srgbClr val="000000"/>
+              </a:solidFill>
+              <a:latin typeface="Arial"/>
+            </a:endParaRPr>
+          </a:p>
+        </p:txBody>
+      </p:sp>
+      <p:sp>
+        <p:nvSpPr>
+          <p:cNvPr id="183" name=""/>
+          <p:cNvSpPr/>
+          <p:nvPr/>
+        </p:nvSpPr>
+        <p:spPr>
+          <a:xfrm>
+            <a:off x="-186840" y="3241080"/>
+            <a:ext cx="5397480" cy="717480"/>
+          </a:xfrm>
+          <a:prstGeom prst="rect">
+            <a:avLst/>
+          </a:prstGeom>
+          <a:noFill/>
+          <a:ln w="10800">
+            <a:noFill/>
+          </a:ln>
+        </p:spPr>
+        <p:style>
+          <a:lnRef idx="0"/>
+          <a:fillRef idx="0"/>
+          <a:effectRef idx="0"/>
+          <a:fontRef idx="minor"/>
+        </p:style>
+        <p:txBody>
+          <a:bodyPr lIns="90000" rIns="90000" tIns="45000" bIns="45000" anchor="ctr">
+            <a:noAutofit/>
+          </a:bodyPr>
+          <a:p>
+            <a:pPr algn="ctr">
+              <a:lnSpc>
+                <a:spcPct val="100000"/>
+              </a:lnSpc>
+            </a:pPr>
+            <a:r>
+              <a:rPr b="0" lang="ru-RU" sz="2000" spc="-1" strike="noStrike">
+                <a:solidFill>
+                  <a:srgbClr val="2c3e50"/>
+                </a:solidFill>
+                <a:latin typeface="Arial"/>
+                <a:ea typeface="Source Sans Pro Semibold"/>
+              </a:rPr>
+              <a:t>Вес внимания к скрытым состоянием декодера</a:t>
+            </a:r>
+            <a:endParaRPr b="0" lang="ru-RU" sz="2000" spc="-1" strike="noStrike">
+              <a:solidFill>
+                <a:srgbClr val="000000"/>
+              </a:solidFill>
+              <a:latin typeface="Arial"/>
+            </a:endParaRPr>
+          </a:p>
+        </p:txBody>
+      </p:sp>
+      <p:sp>
+        <p:nvSpPr>
+          <p:cNvPr id="184" name=""/>
+          <p:cNvSpPr/>
+          <p:nvPr/>
+        </p:nvSpPr>
+        <p:spPr>
+          <a:xfrm>
+            <a:off x="5212080" y="3421080"/>
+            <a:ext cx="4325400" cy="357480"/>
+          </a:xfrm>
+          <a:prstGeom prst="rect">
+            <a:avLst/>
+          </a:prstGeom>
+          <a:noFill/>
+          <a:ln w="10800">
+            <a:noFill/>
+          </a:ln>
+        </p:spPr>
+        <p:style>
+          <a:lnRef idx="0"/>
+          <a:fillRef idx="0"/>
+          <a:effectRef idx="0"/>
+          <a:fontRef idx="minor"/>
+        </p:style>
+        <p:txBody>
+          <a:bodyPr lIns="90000" rIns="90000" tIns="45000" bIns="45000" anchor="ctr">
+            <a:noAutofit/>
+          </a:bodyPr>
+          <a:p>
+            <a:pPr algn="ctr">
+              <a:lnSpc>
+                <a:spcPct val="100000"/>
+              </a:lnSpc>
+            </a:pPr>
+            <a:r>
+              <a:rPr b="0" lang="ru-RU" sz="2000" spc="-1" strike="noStrike">
+                <a:solidFill>
+                  <a:srgbClr val="2c3e50"/>
+                </a:solidFill>
+                <a:latin typeface="Arial"/>
+                <a:ea typeface="Source Sans Pro Semibold"/>
+              </a:rPr>
+              <a:t>Расчет следующего скрытого состояния</a:t>
+            </a:r>
+            <a:endParaRPr b="0" lang="ru-RU" sz="2000" spc="-1" strike="noStrike">
+              <a:solidFill>
+                <a:srgbClr val="000000"/>
+              </a:solidFill>
+              <a:latin typeface="Arial"/>
+            </a:endParaRPr>
+          </a:p>
+        </p:txBody>
+      </p:sp>
+      <mc:AlternateContent>
+        <mc:Choice xmlns:a14="http://schemas.microsoft.com/office/drawing/2010/main" Requires="a14">
+          <p:sp>
+            <p:nvSpPr>
+              <p:cNvPr id="185" name=""/>
+              <p:cNvSpPr txBox="1"/>
+              <p:nvPr/>
+            </p:nvSpPr>
+            <p:spPr>
+              <a:xfrm>
+                <a:off x="97200" y="3959640"/>
+                <a:ext cx="5121720" cy="1474920"/>
+              </a:xfrm>
+              <a:prstGeom prst="rect">
+                <a:avLst/>
+              </a:prstGeom>
+            </p:spPr>
+            <p:txBody>
+              <a:bodyPr/>
+              <a:p>
+                <a14:m>
+                  <m:oMath xmlns:m="http://schemas.openxmlformats.org/officeDocument/2006/math">
+                    <m:r>
+                      <m:t xml:space="preserve">w</m:t>
+                    </m:r>
+                    <m:sSub>
+                      <m:e>
+                        <m:r>
+                          <m:t xml:space="preserve">'</m:t>
+                        </m:r>
+                      </m:e>
+                      <m:sub>
+                        <m:r>
+                          <m:t xml:space="preserve">α</m:t>
+                        </m:r>
+                        <m:r>
+                          <m:t xml:space="preserve">β</m:t>
+                        </m:r>
+                      </m:sub>
+                    </m:sSub>
+                    <m:r>
+                      <m:t xml:space="preserve">=</m:t>
+                    </m:r>
+                    <m:r>
+                      <m:t xml:space="preserve">softmax</m:t>
+                    </m:r>
+                    <m:d>
+                      <m:dPr>
+                        <m:begChr m:val="("/>
+                        <m:endChr m:val=")"/>
+                      </m:dPr>
+                      <m:e>
+                        <m:r>
+                          <m:t xml:space="preserve">μ</m:t>
+                        </m:r>
+                        <m:sSub>
+                          <m:e>
+                            <m:r>
+                              <m:t xml:space="preserve">u</m:t>
+                            </m:r>
+                          </m:e>
+                          <m:sub>
+                            <m:r>
+                              <m:t xml:space="preserve">α</m:t>
+                            </m:r>
+                          </m:sub>
+                        </m:sSub>
+                        <m:sSub>
+                          <m:e>
+                            <m:r>
+                              <m:t xml:space="preserve">v</m:t>
+                            </m:r>
+                          </m:e>
+                          <m:sub>
+                            <m:r>
+                              <m:t xml:space="preserve">β</m:t>
+                            </m:r>
+                          </m:sub>
+                        </m:sSub>
+                      </m:e>
+                    </m:d>
+                    <m:r>
+                      <m:t xml:space="preserve">=</m:t>
+                    </m:r>
+                    <m:f>
+                      <m:num>
+                        <m:sSup>
+                          <m:e>
+                            <m:r>
+                              <m:t xml:space="preserve">e</m:t>
+                            </m:r>
+                          </m:e>
+                          <m:sup>
+                            <m:d>
+                              <m:dPr>
+                                <m:begChr m:val="("/>
+                                <m:endChr m:val=")"/>
+                              </m:dPr>
+                              <m:e>
+                                <m:r>
+                                  <m:t xml:space="preserve">μ</m:t>
+                                </m:r>
+                                <m:sSub>
+                                  <m:e>
+                                    <m:r>
+                                      <m:t xml:space="preserve">u</m:t>
+                                    </m:r>
+                                  </m:e>
+                                  <m:sub>
+                                    <m:r>
+                                      <m:t xml:space="preserve">α</m:t>
+                                    </m:r>
+                                  </m:sub>
+                                </m:sSub>
+                                <m:sSub>
+                                  <m:e>
+                                    <m:r>
+                                      <m:t xml:space="preserve">v</m:t>
+                                    </m:r>
+                                  </m:e>
+                                  <m:sub>
+                                    <m:r>
+                                      <m:t xml:space="preserve">β</m:t>
+                                    </m:r>
+                                  </m:sub>
+                                </m:sSub>
+                              </m:e>
+                            </m:d>
+                          </m:sup>
+                        </m:sSup>
+                      </m:num>
+                      <m:den>
+                        <m:d>
+                          <m:dPr>
+                            <m:begChr m:val="("/>
+                            <m:endChr m:val=")"/>
+                          </m:dPr>
+                          <m:e>
+                            <m:nary>
+                              <m:naryPr>
+                                <m:chr m:val="∑"/>
+                                <m:supHide m:val="1"/>
+                              </m:naryPr>
+                              <m:sub>
+                                <m:r>
+                                  <m:t xml:space="preserve">γ</m:t>
+                                </m:r>
+                              </m:sub>
+                              <m:sup/>
+                              <m:e>
+                                <m:sSup>
+                                  <m:e>
+                                    <m:r>
+                                      <m:t xml:space="preserve">e</m:t>
+                                    </m:r>
+                                  </m:e>
+                                  <m:sup>
+                                    <m:d>
+                                      <m:dPr>
+                                        <m:begChr m:val="("/>
+                                        <m:endChr m:val=")"/>
+                                      </m:dPr>
+                                      <m:e>
+                                        <m:r>
+                                          <m:t xml:space="preserve">μ</m:t>
+                                        </m:r>
+                                        <m:sSub>
+                                          <m:e>
+                                            <m:r>
+                                              <m:t xml:space="preserve">u</m:t>
+                                            </m:r>
+                                          </m:e>
+                                          <m:sub>
+                                            <m:r>
+                                              <m:t xml:space="preserve">α</m:t>
+                                            </m:r>
+                                          </m:sub>
+                                        </m:sSub>
+                                        <m:sSub>
+                                          <m:e>
+                                            <m:r>
+                                              <m:t xml:space="preserve">v</m:t>
+                                            </m:r>
+                                          </m:e>
+                                          <m:sub>
+                                            <m:r>
+                                              <m:t xml:space="preserve">γ</m:t>
+                                            </m:r>
+                                          </m:sub>
+                                        </m:sSub>
+                                      </m:e>
+                                    </m:d>
+                                  </m:sup>
+                                </m:sSup>
+                              </m:e>
+                            </m:nary>
+                          </m:e>
+                        </m:d>
+                      </m:den>
+                    </m:f>
+                  </m:oMath>
+                </a14:m>
+              </a:p>
+            </p:txBody>
+          </p:sp>
+        </mc:Choice>
+        <mc:Fallback/>
+      </mc:AlternateContent>
+      <mc:AlternateContent>
+        <mc:Choice xmlns:a14="http://schemas.microsoft.com/office/drawing/2010/main" Requires="a14">
+          <p:sp>
+            <p:nvSpPr>
+              <p:cNvPr id="186" name=""/>
+              <p:cNvSpPr txBox="1"/>
+              <p:nvPr/>
+            </p:nvSpPr>
+            <p:spPr>
+              <a:xfrm>
+                <a:off x="5220000" y="4140000"/>
+                <a:ext cx="4858920" cy="942120"/>
+              </a:xfrm>
+              <a:prstGeom prst="rect">
+                <a:avLst/>
+              </a:prstGeom>
+            </p:spPr>
+            <p:txBody>
+              <a:bodyPr/>
+              <a:p>
+                <a14:m>
+                  <m:oMath xmlns:m="http://schemas.openxmlformats.org/officeDocument/2006/math">
+                    <m:sSubSup>
+                      <m:e>
+                        <m:r>
+                          <m:t xml:space="preserve">u</m:t>
+                        </m:r>
+                      </m:e>
+                      <m:sub>
+                        <m:r>
+                          <m:t xml:space="preserve">α</m:t>
+                        </m:r>
+                      </m:sub>
+                      <m:sup>
+                        <m:r>
+                          <m:t xml:space="preserve">'</m:t>
+                        </m:r>
+                      </m:sup>
+                    </m:sSubSup>
+                    <m:r>
+                      <m:t xml:space="preserve">=</m:t>
+                    </m:r>
+                    <m:nary>
+                      <m:naryPr>
+                        <m:chr m:val="∑"/>
+                        <m:supHide m:val="1"/>
+                      </m:naryPr>
+                      <m:sub>
+                        <m:r>
+                          <m:t xml:space="preserve">β</m:t>
+                        </m:r>
+                      </m:sub>
+                      <m:sup/>
+                      <m:e>
+                        <m:d>
+                          <m:dPr>
+                            <m:begChr m:val="("/>
+                            <m:endChr m:val=")"/>
+                          </m:dPr>
+                          <m:e>
+                            <m:sSub>
+                              <m:e>
+                                <m:r>
+                                  <m:t xml:space="preserve">w</m:t>
+                                </m:r>
+                              </m:e>
+                              <m:sub>
+                                <m:r>
+                                  <m:t xml:space="preserve">α</m:t>
+                                </m:r>
+                                <m:r>
+                                  <m:t xml:space="preserve">β</m:t>
+                                </m:r>
+                              </m:sub>
+                            </m:sSub>
+                            <m:sSub>
+                              <m:e>
+                                <m:r>
+                                  <m:t xml:space="preserve">v</m:t>
+                                </m:r>
+                              </m:e>
+                              <m:sub>
+                                <m:r>
+                                  <m:t xml:space="preserve">β</m:t>
+                                </m:r>
+                              </m:sub>
+                            </m:sSub>
+                          </m:e>
+                        </m:d>
+                      </m:e>
+                    </m:nary>
+                    <m:r>
+                      <m:t xml:space="preserve">,</m:t>
+                    </m:r>
+                    <m:nary>
+                      <m:naryPr>
+                        <m:chr m:val="∑"/>
+                        <m:supHide m:val="1"/>
+                      </m:naryPr>
+                      <m:sub>
+                        <m:r>
+                          <m:t xml:space="preserve">β</m:t>
+                        </m:r>
+                      </m:sub>
+                      <m:sup/>
+                      <m:e>
+                        <m:d>
+                          <m:dPr>
+                            <m:begChr m:val="("/>
+                            <m:endChr m:val=")"/>
+                          </m:dPr>
+                          <m:e>
+                            <m:sSub>
+                              <m:e>
+                                <m:r>
+                                  <m:t xml:space="preserve">w</m:t>
+                                </m:r>
+                              </m:e>
+                              <m:sub>
+                                <m:r>
+                                  <m:t xml:space="preserve">α</m:t>
+                                </m:r>
+                                <m:r>
+                                  <m:t xml:space="preserve">β</m:t>
+                                </m:r>
+                              </m:sub>
+                            </m:sSub>
+                          </m:e>
+                        </m:d>
+                      </m:e>
+                    </m:nary>
+                    <m:r>
+                      <m:t xml:space="preserve">=</m:t>
+                    </m:r>
+                    <m:r>
+                      <m:t xml:space="preserve">1</m:t>
+                    </m:r>
+                  </m:oMath>
+                </a14:m>
+              </a:p>
+            </p:txBody>
+          </p:sp>
+        </mc:Choice>
+        <mc:Fallback/>
+      </mc:AlternateContent>
     </p:spTree>
   </p:cSld>
   <mc:AlternateContent>
@@ -10413,131 +11485,38 @@
   <p:timing>
     <p:tnLst>
       <p:par>
-        <p:cTn id="75" dur="indefinite" restart="never" nodeType="tmRoot">
+        <p:cTn id="69" dur="indefinite" restart="never" nodeType="tmRoot">
           <p:childTnLst>
             <p:seq>
-              <p:cTn id="76" dur="indefinite" nodeType="mainSeq">
+              <p:cTn id="70" dur="indefinite" nodeType="mainSeq">
                 <p:childTnLst>
                   <p:par>
-                    <p:cTn id="77" fill="hold">
+                    <p:cTn id="71" fill="hold">
                       <p:stCondLst>
-                        <p:cond delay="indefinite"/>
+                        <p:cond delay="0"/>
                       </p:stCondLst>
                       <p:childTnLst>
                         <p:par>
-                          <p:cTn id="78" fill="hold">
+                          <p:cTn id="72" fill="hold">
                             <p:stCondLst>
                               <p:cond delay="0"/>
                             </p:stCondLst>
                             <p:childTnLst>
                               <p:par>
-                                <p:cTn id="79" nodeType="clickEffect" fill="hold" presetClass="entr" presetID="1">
+                                <p:cTn id="73" nodeType="withEffect" fill="hold" presetClass="entr" presetID="1">
                                   <p:stCondLst>
                                     <p:cond delay="0"/>
                                   </p:stCondLst>
                                   <p:childTnLst>
                                     <p:set>
                                       <p:cBhvr>
-                                        <p:cTn id="80" dur="1" fill="hold">
+                                        <p:cTn id="74" dur="1" fill="hold">
                                           <p:stCondLst>
                                             <p:cond delay="0"/>
                                           </p:stCondLst>
                                         </p:cTn>
                                         <p:tgtEl>
-                                          <p:spTgt spid="170">
-                                            <p:txEl>
-                                              <p:pRg st="0" end="0"/>
-                                            </p:txEl>
-                                          </p:spTgt>
-                                        </p:tgtEl>
-                                        <p:attrNameLst>
-                                          <p:attrName>style.visibility</p:attrName>
-                                        </p:attrNameLst>
-                                      </p:cBhvr>
-                                      <p:to>
-                                        <p:strVal val="visible"/>
-                                      </p:to>
-                                    </p:set>
-                                  </p:childTnLst>
-                                </p:cTn>
-                              </p:par>
-                              <p:par>
-                                <p:cTn id="81" nodeType="withEffect" fill="hold" presetClass="entr" presetID="1">
-                                  <p:stCondLst>
-                                    <p:cond delay="0"/>
-                                  </p:stCondLst>
-                                  <p:childTnLst>
-                                    <p:set>
-                                      <p:cBhvr>
-                                        <p:cTn id="82" dur="1" fill="hold">
-                                          <p:stCondLst>
-                                            <p:cond delay="0"/>
-                                          </p:stCondLst>
-                                        </p:cTn>
-                                        <p:tgtEl>
-                                          <p:spTgt spid="170">
-                                            <p:txEl>
-                                              <p:pRg st="1" end="1"/>
-                                            </p:txEl>
-                                          </p:spTgt>
-                                        </p:tgtEl>
-                                        <p:attrNameLst>
-                                          <p:attrName>style.visibility</p:attrName>
-                                        </p:attrNameLst>
-                                      </p:cBhvr>
-                                      <p:to>
-                                        <p:strVal val="visible"/>
-                                      </p:to>
-                                    </p:set>
-                                  </p:childTnLst>
-                                </p:cTn>
-                              </p:par>
-                              <p:par>
-                                <p:cTn id="83" nodeType="withEffect" fill="hold" presetClass="entr" presetID="1">
-                                  <p:stCondLst>
-                                    <p:cond delay="0"/>
-                                  </p:stCondLst>
-                                  <p:childTnLst>
-                                    <p:set>
-                                      <p:cBhvr>
-                                        <p:cTn id="84" dur="1" fill="hold">
-                                          <p:stCondLst>
-                                            <p:cond delay="0"/>
-                                          </p:stCondLst>
-                                        </p:cTn>
-                                        <p:tgtEl>
-                                          <p:spTgt spid="170">
-                                            <p:txEl>
-                                              <p:pRg st="2" end="2"/>
-                                            </p:txEl>
-                                          </p:spTgt>
-                                        </p:tgtEl>
-                                        <p:attrNameLst>
-                                          <p:attrName>style.visibility</p:attrName>
-                                        </p:attrNameLst>
-                                      </p:cBhvr>
-                                      <p:to>
-                                        <p:strVal val="visible"/>
-                                      </p:to>
-                                    </p:set>
-                                  </p:childTnLst>
-                                </p:cTn>
-                              </p:par>
-                              <p:par>
-                                <p:cTn id="85" nodeType="withEffect" fill="hold" presetClass="entr" presetID="1">
-                                  <p:stCondLst>
-                                    <p:cond delay="0"/>
-                                  </p:stCondLst>
-                                  <p:childTnLst>
-                                    <p:set>
-                                      <p:cBhvr>
-                                        <p:cTn id="86" dur="1" fill="hold">
-                                          <p:stCondLst>
-                                            <p:cond delay="0"/>
-                                          </p:stCondLst>
-                                        </p:cTn>
-                                        <p:tgtEl>
-                                          <p:spTgt spid="172"/>
+                                          <p:spTgt spid="183"/>
                                         </p:tgtEl>
                                         <p:attrNameLst>
                                           <p:attrName>style.visibility</p:attrName>
@@ -10581,441 +11560,6 @@
 </p:sld>
 </file>
 
-<file path=ppt/slides/slide12.xml><?xml version="1.0" encoding="utf-8"?>
-<p:sld xmlns:a="http://schemas.openxmlformats.org/drawingml/2006/main" xmlns:p="http://schemas.openxmlformats.org/presentationml/2006/main" xmlns:r="http://schemas.openxmlformats.org/officeDocument/2006/relationships" xmlns:p14="http://schemas.microsoft.com/office/powerpoint/2010/main" xmlns:p15="http://schemas.microsoft.com/office/powerpoint/2012/main" xmlns:mc="http://schemas.openxmlformats.org/markup-compatibility/2006">
-  <p:cSld>
-    <p:spTree>
-      <p:nvGrpSpPr>
-        <p:cNvPr id="1" name=""/>
-        <p:cNvGrpSpPr/>
-        <p:nvPr/>
-      </p:nvGrpSpPr>
-      <p:grpSpPr>
-        <a:xfrm>
-          <a:off x="0" y="0"/>
-          <a:ext cx="0" cy="0"/>
-          <a:chOff x="0" y="0"/>
-          <a:chExt cx="0" cy="0"/>
-        </a:xfrm>
-      </p:grpSpPr>
-      <p:sp>
-        <p:nvSpPr>
-          <p:cNvPr id="175" name="PlaceHolder 1"/>
-          <p:cNvSpPr>
-            <a:spLocks noGrp="1"/>
-          </p:cNvSpPr>
-          <p:nvPr>
-            <p:ph type="title"/>
-          </p:nvPr>
-        </p:nvSpPr>
-        <p:spPr>
-          <a:xfrm>
-            <a:off x="360000" y="225720"/>
-            <a:ext cx="9358920" cy="717840"/>
-          </a:xfrm>
-          <a:prstGeom prst="rect">
-            <a:avLst/>
-          </a:prstGeom>
-          <a:noFill/>
-          <a:ln w="0">
-            <a:noFill/>
-          </a:ln>
-        </p:spPr>
-        <p:txBody>
-          <a:bodyPr lIns="0" rIns="0" tIns="0" bIns="0" anchor="ctr">
-            <a:noAutofit/>
-          </a:bodyPr>
-          <a:p>
-            <a:pPr indent="0">
-              <a:lnSpc>
-                <a:spcPct val="100000"/>
-              </a:lnSpc>
-              <a:buNone/>
-              <a:tabLst>
-                <a:tab algn="l" pos="0"/>
-              </a:tabLst>
-            </a:pPr>
-            <a:r>
-              <a:rPr b="1" lang="ru-RU" sz="2700" spc="-1" strike="noStrike">
-                <a:solidFill>
-                  <a:srgbClr val="ffffff"/>
-                </a:solidFill>
-                <a:latin typeface="Source Sans Pro Black"/>
-              </a:rPr>
-              <a:t>Encoder and Decoder</a:t>
-            </a:r>
-            <a:endParaRPr b="0" lang="ru-RU" sz="2700" spc="-1" strike="noStrike">
-              <a:solidFill>
-                <a:srgbClr val="000000"/>
-              </a:solidFill>
-              <a:latin typeface="Arial"/>
-            </a:endParaRPr>
-          </a:p>
-        </p:txBody>
-      </p:sp>
-      <p:sp>
-        <p:nvSpPr>
-          <p:cNvPr id="176" name="PlaceHolder 2"/>
-          <p:cNvSpPr>
-            <a:spLocks noGrp="1"/>
-          </p:cNvSpPr>
-          <p:nvPr>
-            <p:ph/>
-          </p:nvPr>
-        </p:nvSpPr>
-        <p:spPr>
-          <a:xfrm>
-            <a:off x="360000" y="1485000"/>
-            <a:ext cx="9358920" cy="3778920"/>
-          </a:xfrm>
-          <a:prstGeom prst="rect">
-            <a:avLst/>
-          </a:prstGeom>
-          <a:noFill/>
-          <a:ln w="0">
-            <a:noFill/>
-          </a:ln>
-        </p:spPr>
-        <p:txBody>
-          <a:bodyPr lIns="0" rIns="0" tIns="0" bIns="0" anchor="t">
-            <a:normAutofit/>
-          </a:bodyPr>
-          <a:p>
-            <a:pPr marL="432000" indent="-324000">
-              <a:lnSpc>
-                <a:spcPct val="100000"/>
-              </a:lnSpc>
-              <a:spcAft>
-                <a:spcPts val="1057"/>
-              </a:spcAft>
-              <a:buClr>
-                <a:srgbClr val="2c3e50"/>
-              </a:buClr>
-              <a:buSzPct val="45000"/>
-              <a:buFont typeface="Wingdings" charset="2"/>
-              <a:buChar char=""/>
-            </a:pPr>
-            <a:r>
-              <a:rPr b="1" lang="ru-RU" sz="2400" spc="-1" strike="noStrike">
-                <a:solidFill>
-                  <a:srgbClr val="2c3e50"/>
-                </a:solidFill>
-                <a:latin typeface="Source Sans Pro Semibold"/>
-              </a:rPr>
-              <a:t>Что это? Кратко говоря, две RNN</a:t>
-            </a:r>
-            <a:endParaRPr b="0" lang="ru-RU" sz="2400" spc="-1" strike="noStrike">
-              <a:solidFill>
-                <a:srgbClr val="000000"/>
-              </a:solidFill>
-              <a:latin typeface="Arial"/>
-            </a:endParaRPr>
-          </a:p>
-        </p:txBody>
-      </p:sp>
-      <p:pic>
-        <p:nvPicPr>
-          <p:cNvPr id="177" name="" descr=""/>
-          <p:cNvPicPr/>
-          <p:nvPr/>
-        </p:nvPicPr>
-        <p:blipFill>
-          <a:blip r:embed="rId1"/>
-          <a:stretch/>
-        </p:blipFill>
-        <p:spPr>
-          <a:xfrm>
-            <a:off x="1837440" y="1980000"/>
-            <a:ext cx="5541480" cy="2674440"/>
-          </a:xfrm>
-          <a:prstGeom prst="rect">
-            <a:avLst/>
-          </a:prstGeom>
-          <a:ln w="10800">
-            <a:noFill/>
-          </a:ln>
-        </p:spPr>
-      </p:pic>
-    </p:spTree>
-  </p:cSld>
-  <mc:AlternateContent>
-    <mc:Choice Requires="p14">
-      <p:transition spd="slow" p14:dur="2000"/>
-    </mc:Choice>
-    <mc:Fallback>
-      <p:transition spd="slow"/>
-    </mc:Fallback>
-  </mc:AlternateContent>
-</p:sld>
-</file>
-
-<file path=ppt/slides/slide13.xml><?xml version="1.0" encoding="utf-8"?>
-<p:sld xmlns:a="http://schemas.openxmlformats.org/drawingml/2006/main" xmlns:p="http://schemas.openxmlformats.org/presentationml/2006/main" xmlns:r="http://schemas.openxmlformats.org/officeDocument/2006/relationships" xmlns:p14="http://schemas.microsoft.com/office/powerpoint/2010/main" xmlns:p15="http://schemas.microsoft.com/office/powerpoint/2012/main" xmlns:mc="http://schemas.openxmlformats.org/markup-compatibility/2006">
-  <p:cSld>
-    <p:spTree>
-      <p:nvGrpSpPr>
-        <p:cNvPr id="1" name=""/>
-        <p:cNvGrpSpPr/>
-        <p:nvPr/>
-      </p:nvGrpSpPr>
-      <p:grpSpPr>
-        <a:xfrm>
-          <a:off x="0" y="0"/>
-          <a:ext cx="0" cy="0"/>
-          <a:chOff x="0" y="0"/>
-          <a:chExt cx="0" cy="0"/>
-        </a:xfrm>
-      </p:grpSpPr>
-      <p:sp>
-        <p:nvSpPr>
-          <p:cNvPr id="178" name=""/>
-          <p:cNvSpPr/>
-          <p:nvPr/>
-        </p:nvSpPr>
-        <p:spPr>
-          <a:xfrm>
-            <a:off x="412920" y="321480"/>
-            <a:ext cx="3546360" cy="577800"/>
-          </a:xfrm>
-          <a:prstGeom prst="rect">
-            <a:avLst/>
-          </a:prstGeom>
-          <a:noFill/>
-          <a:ln w="0">
-            <a:noFill/>
-          </a:ln>
-        </p:spPr>
-        <p:style>
-          <a:lnRef idx="0"/>
-          <a:fillRef idx="0"/>
-          <a:effectRef idx="0"/>
-          <a:fontRef idx="minor"/>
-        </p:style>
-        <p:txBody>
-          <a:bodyPr lIns="90000" rIns="90000" tIns="45000" bIns="45000" anchor="t">
-            <a:noAutofit/>
-          </a:bodyPr>
-          <a:p>
-            <a:pPr>
-              <a:lnSpc>
-                <a:spcPct val="100000"/>
-              </a:lnSpc>
-            </a:pPr>
-            <a:r>
-              <a:rPr b="1" lang="ru-RU" sz="2700" spc="-1" strike="noStrike">
-                <a:solidFill>
-                  <a:srgbClr val="ffffff"/>
-                </a:solidFill>
-                <a:latin typeface="Source Sans Pro Black"/>
-                <a:ea typeface="DejaVu Sans"/>
-              </a:rPr>
-              <a:t>Подробнее о Encoder</a:t>
-            </a:r>
-            <a:endParaRPr b="0" lang="ru-RU" sz="2700" spc="-1" strike="noStrike">
-              <a:solidFill>
-                <a:srgbClr val="000000"/>
-              </a:solidFill>
-              <a:latin typeface="Arial"/>
-            </a:endParaRPr>
-          </a:p>
-        </p:txBody>
-      </p:sp>
-      <p:pic>
-        <p:nvPicPr>
-          <p:cNvPr id="179" name="" descr=""/>
-          <p:cNvPicPr/>
-          <p:nvPr/>
-        </p:nvPicPr>
-        <p:blipFill>
-          <a:blip r:embed="rId1"/>
-          <a:stretch/>
-        </p:blipFill>
-        <p:spPr>
-          <a:xfrm>
-            <a:off x="2160360" y="1260000"/>
-            <a:ext cx="5219280" cy="4067640"/>
-          </a:xfrm>
-          <a:prstGeom prst="rect">
-            <a:avLst/>
-          </a:prstGeom>
-          <a:ln w="0">
-            <a:noFill/>
-          </a:ln>
-        </p:spPr>
-      </p:pic>
-    </p:spTree>
-  </p:cSld>
-  <mc:AlternateContent>
-    <mc:Choice Requires="p14">
-      <p:transition spd="slow" p14:dur="2000"/>
-    </mc:Choice>
-    <mc:Fallback>
-      <p:transition spd="slow"/>
-    </mc:Fallback>
-  </mc:AlternateContent>
-</p:sld>
-</file>
-
-<file path=ppt/slides/slide14.xml><?xml version="1.0" encoding="utf-8"?>
-<p:sld xmlns:a="http://schemas.openxmlformats.org/drawingml/2006/main" xmlns:p="http://schemas.openxmlformats.org/presentationml/2006/main" xmlns:r="http://schemas.openxmlformats.org/officeDocument/2006/relationships" xmlns:p14="http://schemas.microsoft.com/office/powerpoint/2010/main" xmlns:p15="http://schemas.microsoft.com/office/powerpoint/2012/main" xmlns:mc="http://schemas.openxmlformats.org/markup-compatibility/2006">
-  <p:cSld>
-    <p:spTree>
-      <p:nvGrpSpPr>
-        <p:cNvPr id="1" name=""/>
-        <p:cNvGrpSpPr/>
-        <p:nvPr/>
-      </p:nvGrpSpPr>
-      <p:grpSpPr>
-        <a:xfrm>
-          <a:off x="0" y="0"/>
-          <a:ext cx="0" cy="0"/>
-          <a:chOff x="0" y="0"/>
-          <a:chExt cx="0" cy="0"/>
-        </a:xfrm>
-      </p:grpSpPr>
-      <p:sp>
-        <p:nvSpPr>
-          <p:cNvPr id="180" name=""/>
-          <p:cNvSpPr/>
-          <p:nvPr/>
-        </p:nvSpPr>
-        <p:spPr>
-          <a:xfrm>
-            <a:off x="357840" y="180000"/>
-            <a:ext cx="6841440" cy="1065240"/>
-          </a:xfrm>
-          <a:prstGeom prst="rect">
-            <a:avLst/>
-          </a:prstGeom>
-          <a:noFill/>
-          <a:ln w="0">
-            <a:noFill/>
-          </a:ln>
-        </p:spPr>
-        <p:style>
-          <a:lnRef idx="0"/>
-          <a:fillRef idx="0"/>
-          <a:effectRef idx="0"/>
-          <a:fontRef idx="minor"/>
-        </p:style>
-        <p:txBody>
-          <a:bodyPr lIns="90000" rIns="90000" tIns="45000" bIns="45000" anchor="t">
-            <a:noAutofit/>
-          </a:bodyPr>
-          <a:p>
-            <a:pPr>
-              <a:lnSpc>
-                <a:spcPct val="100000"/>
-              </a:lnSpc>
-            </a:pPr>
-            <a:r>
-              <a:rPr b="1" lang="ru-RU" sz="2700" spc="-1" strike="noStrike">
-                <a:solidFill>
-                  <a:srgbClr val="ffffff"/>
-                </a:solidFill>
-                <a:latin typeface="Source Sans Pro Black"/>
-                <a:ea typeface="DejaVu Sans"/>
-              </a:rPr>
-              <a:t>Подробнее о Encoder Decoder вместе</a:t>
-            </a:r>
-            <a:endParaRPr b="0" lang="ru-RU" sz="2700" spc="-1" strike="noStrike">
-              <a:solidFill>
-                <a:srgbClr val="000000"/>
-              </a:solidFill>
-              <a:latin typeface="Arial"/>
-            </a:endParaRPr>
-          </a:p>
-        </p:txBody>
-      </p:sp>
-      <p:pic>
-        <p:nvPicPr>
-          <p:cNvPr id="181" name="" descr=""/>
-          <p:cNvPicPr/>
-          <p:nvPr/>
-        </p:nvPicPr>
-        <p:blipFill>
-          <a:blip r:embed="rId1"/>
-          <a:stretch/>
-        </p:blipFill>
-        <p:spPr>
-          <a:xfrm>
-            <a:off x="1980000" y="1800000"/>
-            <a:ext cx="5587200" cy="3174480"/>
-          </a:xfrm>
-          <a:prstGeom prst="rect">
-            <a:avLst/>
-          </a:prstGeom>
-          <a:ln w="0">
-            <a:noFill/>
-          </a:ln>
-        </p:spPr>
-      </p:pic>
-      <p:sp>
-        <p:nvSpPr>
-          <p:cNvPr id="182" name=""/>
-          <p:cNvSpPr/>
-          <p:nvPr/>
-        </p:nvSpPr>
-        <p:spPr>
-          <a:xfrm>
-            <a:off x="2353680" y="1369440"/>
-            <a:ext cx="5745960" cy="430200"/>
-          </a:xfrm>
-          <a:prstGeom prst="rect">
-            <a:avLst/>
-          </a:prstGeom>
-          <a:noFill/>
-          <a:ln w="0">
-            <a:noFill/>
-          </a:ln>
-        </p:spPr>
-        <p:style>
-          <a:lnRef idx="0"/>
-          <a:fillRef idx="0"/>
-          <a:effectRef idx="0"/>
-          <a:fontRef idx="minor"/>
-        </p:style>
-        <p:txBody>
-          <a:bodyPr lIns="90000" rIns="90000" tIns="45000" bIns="45000" anchor="t">
-            <a:noAutofit/>
-          </a:bodyPr>
-          <a:p>
-            <a:pPr>
-              <a:lnSpc>
-                <a:spcPct val="100000"/>
-              </a:lnSpc>
-            </a:pPr>
-            <a:r>
-              <a:rPr b="1" lang="ru-RU" sz="2400" spc="-1" strike="noStrike">
-                <a:solidFill>
-                  <a:srgbClr val="000000"/>
-                </a:solidFill>
-                <a:latin typeface="Arial"/>
-              </a:rPr>
-              <a:t>Encoder + Decoder = Transformer</a:t>
-            </a:r>
-            <a:endParaRPr b="0" lang="ru-RU" sz="2400" spc="-1" strike="noStrike">
-              <a:solidFill>
-                <a:srgbClr val="000000"/>
-              </a:solidFill>
-              <a:latin typeface="Arial"/>
-            </a:endParaRPr>
-          </a:p>
-        </p:txBody>
-      </p:sp>
-    </p:spTree>
-  </p:cSld>
-  <mc:AlternateContent>
-    <mc:Choice Requires="p14">
-      <p:transition spd="slow" p14:dur="2000"/>
-    </mc:Choice>
-    <mc:Fallback>
-      <p:transition spd="slow"/>
-    </mc:Fallback>
-  </mc:AlternateContent>
-</p:sld>
-</file>
-
 <file path=ppt/slides/slide15.xml><?xml version="1.0" encoding="utf-8"?>
 <p:sld xmlns:a="http://schemas.openxmlformats.org/drawingml/2006/main" xmlns:p="http://schemas.openxmlformats.org/presentationml/2006/main" xmlns:r="http://schemas.openxmlformats.org/officeDocument/2006/relationships" xmlns:p14="http://schemas.microsoft.com/office/powerpoint/2010/main" xmlns:p15="http://schemas.microsoft.com/office/powerpoint/2012/main" xmlns:mc="http://schemas.openxmlformats.org/markup-compatibility/2006">
   <p:cSld>
@@ -11035,14 +11579,14 @@
       </p:grpSpPr>
       <p:sp>
         <p:nvSpPr>
-          <p:cNvPr id="183" name=""/>
+          <p:cNvPr id="187" name=""/>
           <p:cNvSpPr/>
           <p:nvPr/>
         </p:nvSpPr>
         <p:spPr>
           <a:xfrm>
-            <a:off x="252000" y="360000"/>
-            <a:ext cx="6047280" cy="577800"/>
+            <a:off x="357840" y="180000"/>
+            <a:ext cx="6840000" cy="1063800"/>
           </a:xfrm>
           <a:prstGeom prst="rect">
             <a:avLst/>
@@ -11076,7 +11620,7 @@
                 <a:latin typeface="Source Sans Pro Black"/>
                 <a:ea typeface="DejaVu Sans"/>
               </a:rPr>
-              <a:t>Про Linear Layer and Softmax</a:t>
+              <a:t>Подробнее о Encoder Decoder вместе</a:t>
             </a:r>
             <a:endParaRPr b="0" lang="ru-RU" sz="2700" spc="-1" strike="noStrike">
               <a:solidFill>
@@ -11089,7 +11633,7 @@
       </p:sp>
       <p:pic>
         <p:nvPicPr>
-          <p:cNvPr id="184" name="" descr=""/>
+          <p:cNvPr id="188" name="" descr=""/>
           <p:cNvPicPr/>
           <p:nvPr/>
         </p:nvPicPr>
@@ -11099,8 +11643,8 @@
         </p:blipFill>
         <p:spPr>
           <a:xfrm>
-            <a:off x="2332440" y="1548000"/>
-            <a:ext cx="5407560" cy="3492000"/>
+            <a:off x="1980000" y="1800000"/>
+            <a:ext cx="5585760" cy="3173040"/>
           </a:xfrm>
           <a:prstGeom prst="rect">
             <a:avLst/>
@@ -11110,6 +11654,60 @@
           </a:ln>
         </p:spPr>
       </p:pic>
+      <p:sp>
+        <p:nvSpPr>
+          <p:cNvPr id="189" name=""/>
+          <p:cNvSpPr/>
+          <p:nvPr/>
+        </p:nvSpPr>
+        <p:spPr>
+          <a:xfrm>
+            <a:off x="2353680" y="1369440"/>
+            <a:ext cx="5744520" cy="428760"/>
+          </a:xfrm>
+          <a:prstGeom prst="rect">
+            <a:avLst/>
+          </a:prstGeom>
+          <a:noFill/>
+          <a:ln w="0">
+            <a:noFill/>
+          </a:ln>
+        </p:spPr>
+        <p:style>
+          <a:lnRef idx="0"/>
+          <a:fillRef idx="0"/>
+          <a:effectRef idx="0"/>
+          <a:fontRef idx="minor"/>
+        </p:style>
+        <p:txBody>
+          <a:bodyPr lIns="90000" rIns="90000" tIns="45000" bIns="45000" anchor="t">
+            <a:noAutofit/>
+          </a:bodyPr>
+          <a:p>
+            <a:pPr>
+              <a:lnSpc>
+                <a:spcPct val="100000"/>
+              </a:lnSpc>
+            </a:pPr>
+            <a:r>
+              <a:rPr b="1" lang="ru-RU" sz="2400" spc="-1" strike="noStrike">
+                <a:solidFill>
+                  <a:srgbClr val="000000"/>
+                </a:solidFill>
+                <a:latin typeface="Arial"/>
+                <a:ea typeface="DejaVu Sans"/>
+              </a:rPr>
+              <a:t>Encoder + Decoder = Transformer</a:t>
+            </a:r>
+            <a:endParaRPr b="0" lang="ru-RU" sz="2400" spc="-1" strike="noStrike">
+              <a:solidFill>
+                <a:srgbClr val="000000"/>
+              </a:solidFill>
+              <a:latin typeface="Arial"/>
+            </a:endParaRPr>
+          </a:p>
+        </p:txBody>
+      </p:sp>
     </p:spTree>
   </p:cSld>
   <mc:AlternateContent>
@@ -11142,14 +11740,14 @@
       </p:grpSpPr>
       <p:sp>
         <p:nvSpPr>
-          <p:cNvPr id="185" name=""/>
+          <p:cNvPr id="190" name=""/>
           <p:cNvSpPr/>
           <p:nvPr/>
         </p:nvSpPr>
         <p:spPr>
           <a:xfrm>
-            <a:off x="360000" y="180000"/>
-            <a:ext cx="5579640" cy="1065600"/>
+            <a:off x="252000" y="360000"/>
+            <a:ext cx="6045840" cy="576360"/>
           </a:xfrm>
           <a:prstGeom prst="rect">
             <a:avLst/>
@@ -11181,8 +11779,9 @@
                   <a:srgbClr val="ffffff"/>
                 </a:solidFill>
                 <a:latin typeface="Source Sans Pro Black"/>
+                <a:ea typeface="DejaVu Sans"/>
               </a:rPr>
-              <a:t>Обучение трансфомера и loss function </a:t>
+              <a:t>Про Linear Layer and Softmax</a:t>
             </a:r>
             <a:endParaRPr b="0" lang="ru-RU" sz="2700" spc="-1" strike="noStrike">
               <a:solidFill>
@@ -11195,7 +11794,7 @@
       </p:sp>
       <p:pic>
         <p:nvPicPr>
-          <p:cNvPr id="186" name="" descr=""/>
+          <p:cNvPr id="191" name="" descr=""/>
           <p:cNvPicPr/>
           <p:nvPr/>
         </p:nvPicPr>
@@ -11205,31 +11804,8 @@
         </p:blipFill>
         <p:spPr>
           <a:xfrm>
-            <a:off x="169200" y="1393560"/>
-            <a:ext cx="4690800" cy="3646440"/>
-          </a:xfrm>
-          <a:prstGeom prst="rect">
-            <a:avLst/>
-          </a:prstGeom>
-          <a:ln w="0">
-            <a:noFill/>
-          </a:ln>
-        </p:spPr>
-      </p:pic>
-      <p:pic>
-        <p:nvPicPr>
-          <p:cNvPr id="187" name="" descr=""/>
-          <p:cNvPicPr/>
-          <p:nvPr/>
-        </p:nvPicPr>
-        <p:blipFill>
-          <a:blip r:embed="rId2"/>
-          <a:stretch/>
-        </p:blipFill>
-        <p:spPr>
-          <a:xfrm>
-            <a:off x="5077080" y="1440360"/>
-            <a:ext cx="4642920" cy="3599640"/>
+            <a:off x="2328480" y="1653480"/>
+            <a:ext cx="4952880" cy="3197520"/>
           </a:xfrm>
           <a:prstGeom prst="rect">
             <a:avLst/>
@@ -11271,14 +11847,14 @@
       </p:grpSpPr>
       <p:sp>
         <p:nvSpPr>
-          <p:cNvPr id="188" name=""/>
+          <p:cNvPr id="192" name=""/>
           <p:cNvSpPr/>
           <p:nvPr/>
         </p:nvSpPr>
         <p:spPr>
           <a:xfrm>
-            <a:off x="180000" y="501480"/>
-            <a:ext cx="6001920" cy="578160"/>
+            <a:off x="360000" y="180000"/>
+            <a:ext cx="5578200" cy="1064160"/>
           </a:xfrm>
           <a:prstGeom prst="rect">
             <a:avLst/>
@@ -11310,8 +11886,9 @@
                   <a:srgbClr val="ffffff"/>
                 </a:solidFill>
                 <a:latin typeface="Source Sans Pro Black"/>
+                <a:ea typeface="DejaVu Sans"/>
               </a:rPr>
-              <a:t>BERT</a:t>
+              <a:t>Обучение трансфомера и loss function </a:t>
             </a:r>
             <a:endParaRPr b="0" lang="ru-RU" sz="2700" spc="-1" strike="noStrike">
               <a:solidFill>
@@ -11324,7 +11901,7 @@
       </p:sp>
       <p:pic>
         <p:nvPicPr>
-          <p:cNvPr id="189" name="" descr=""/>
+          <p:cNvPr id="193" name="" descr=""/>
           <p:cNvPicPr/>
           <p:nvPr/>
         </p:nvPicPr>
@@ -11334,8 +11911,8 @@
         </p:blipFill>
         <p:spPr>
           <a:xfrm>
-            <a:off x="72000" y="1440000"/>
-            <a:ext cx="6117120" cy="2339640"/>
+            <a:off x="169200" y="1393560"/>
+            <a:ext cx="4689360" cy="3645000"/>
           </a:xfrm>
           <a:prstGeom prst="rect">
             <a:avLst/>
@@ -11345,244 +11922,29 @@
           </a:ln>
         </p:spPr>
       </p:pic>
-      <p:sp>
-        <p:nvSpPr>
-          <p:cNvPr id="190" name=""/>
-          <p:cNvSpPr/>
+      <p:pic>
+        <p:nvPicPr>
+          <p:cNvPr id="194" name="" descr=""/>
+          <p:cNvPicPr/>
           <p:nvPr/>
-        </p:nvSpPr>
-        <p:spPr>
-          <a:xfrm>
-            <a:off x="5430240" y="1620000"/>
-            <a:ext cx="4171320" cy="1541520"/>
-          </a:xfrm>
-          <a:prstGeom prst="rect">
-            <a:avLst/>
-          </a:prstGeom>
-          <a:noFill/>
+        </p:nvPicPr>
+        <p:blipFill>
+          <a:blip r:embed="rId2"/>
+          <a:stretch/>
+        </p:blipFill>
+        <p:spPr>
+          <a:xfrm>
+            <a:off x="5077080" y="1440360"/>
+            <a:ext cx="4641480" cy="3598200"/>
+          </a:xfrm>
+          <a:prstGeom prst="rect">
+            <a:avLst/>
+          </a:prstGeom>
           <a:ln w="0">
             <a:noFill/>
           </a:ln>
         </p:spPr>
-        <p:style>
-          <a:lnRef idx="0"/>
-          <a:fillRef idx="0"/>
-          <a:effectRef idx="0"/>
-          <a:fontRef idx="minor"/>
-        </p:style>
-        <p:txBody>
-          <a:bodyPr lIns="90000" rIns="90000" tIns="45000" bIns="45000" anchor="t">
-            <a:noAutofit/>
-          </a:bodyPr>
-          <a:p>
-            <a:pPr>
-              <a:lnSpc>
-                <a:spcPct val="100000"/>
-              </a:lnSpc>
-            </a:pPr>
-            <a:r>
-              <a:rPr b="1" lang="ru-RU" sz="2000" spc="-1" strike="noStrike">
-                <a:solidFill>
-                  <a:srgbClr val="2c3e50"/>
-                </a:solidFill>
-                <a:latin typeface="Arial"/>
-              </a:rPr>
-              <a:t>С точки зрения ахритектуры BERT’s input индентичен трансфомерам.</a:t>
-            </a:r>
-            <a:endParaRPr b="0" lang="ru-RU" sz="2000" spc="-1" strike="noStrike">
-              <a:solidFill>
-                <a:srgbClr val="000000"/>
-              </a:solidFill>
-              <a:latin typeface="Arial"/>
-            </a:endParaRPr>
-          </a:p>
-        </p:txBody>
-      </p:sp>
-      <p:sp>
-        <p:nvSpPr>
-          <p:cNvPr id="191" name=""/>
-          <p:cNvSpPr/>
-          <p:nvPr/>
-        </p:nvSpPr>
-        <p:spPr>
-          <a:xfrm>
-            <a:off x="5430240" y="2700000"/>
-            <a:ext cx="3929400" cy="2267280"/>
-          </a:xfrm>
-          <a:prstGeom prst="rect">
-            <a:avLst/>
-          </a:prstGeom>
-          <a:noFill/>
-          <a:ln w="0">
-            <a:noFill/>
-          </a:ln>
-        </p:spPr>
-        <p:style>
-          <a:lnRef idx="0"/>
-          <a:fillRef idx="0"/>
-          <a:effectRef idx="0"/>
-          <a:fontRef idx="minor"/>
-        </p:style>
-        <p:txBody>
-          <a:bodyPr lIns="90000" rIns="90000" tIns="45000" bIns="45000" anchor="t">
-            <a:noAutofit/>
-          </a:bodyPr>
-          <a:p>
-            <a:pPr>
-              <a:lnSpc>
-                <a:spcPct val="100000"/>
-              </a:lnSpc>
-            </a:pPr>
-            <a:r>
-              <a:rPr b="1" lang="ru-RU" sz="2000" spc="-1" strike="noStrike">
-                <a:solidFill>
-                  <a:srgbClr val="2c3e50"/>
-                </a:solidFill>
-                <a:latin typeface="Arial"/>
-              </a:rPr>
-              <a:t>Различие в выходе, а именно Для каждой позиции на выход подается вектор размерностью hidden_size (768 в базовой модели BERT'а).</a:t>
-            </a:r>
-            <a:endParaRPr b="0" lang="ru-RU" sz="2000" spc="-1" strike="noStrike">
-              <a:solidFill>
-                <a:srgbClr val="000000"/>
-              </a:solidFill>
-              <a:latin typeface="Arial"/>
-            </a:endParaRPr>
-          </a:p>
-          <a:p>
-            <a:pPr>
-              <a:lnSpc>
-                <a:spcPct val="100000"/>
-              </a:lnSpc>
-            </a:pPr>
-            <a:endParaRPr b="0" lang="ru-RU" sz="2000" spc="-1" strike="noStrike">
-              <a:solidFill>
-                <a:srgbClr val="000000"/>
-              </a:solidFill>
-              <a:latin typeface="Arial"/>
-            </a:endParaRPr>
-          </a:p>
-        </p:txBody>
-      </p:sp>
-      <p:sp>
-        <p:nvSpPr>
-          <p:cNvPr id="192" name=""/>
-          <p:cNvSpPr/>
-          <p:nvPr/>
-        </p:nvSpPr>
-        <p:spPr>
-          <a:xfrm>
-            <a:off x="235440" y="4043520"/>
-            <a:ext cx="1384200" cy="1176120"/>
-          </a:xfrm>
-          <a:prstGeom prst="rect">
-            <a:avLst/>
-          </a:prstGeom>
-          <a:noFill/>
-          <a:ln w="0">
-            <a:noFill/>
-          </a:ln>
-        </p:spPr>
-        <p:style>
-          <a:lnRef idx="0"/>
-          <a:fillRef idx="0"/>
-          <a:effectRef idx="0"/>
-          <a:fontRef idx="minor"/>
-        </p:style>
-        <p:txBody>
-          <a:bodyPr lIns="90000" rIns="90000" tIns="45000" bIns="45000" anchor="t">
-            <a:noAutofit/>
-          </a:bodyPr>
-          <a:p>
-            <a:pPr>
-              <a:lnSpc>
-                <a:spcPct val="100000"/>
-              </a:lnSpc>
-            </a:pPr>
-            <a:r>
-              <a:rPr b="0" lang="ru-RU" sz="1500" spc="-1" strike="noStrike">
-                <a:solidFill>
-                  <a:srgbClr val="000000"/>
-                </a:solidFill>
-                <a:latin typeface="Arial"/>
-              </a:rPr>
-              <a:t>Токены BERT:</a:t>
-            </a:r>
-            <a:endParaRPr b="0" lang="ru-RU" sz="1500" spc="-1" strike="noStrike">
-              <a:solidFill>
-                <a:srgbClr val="000000"/>
-              </a:solidFill>
-              <a:latin typeface="Arial"/>
-            </a:endParaRPr>
-          </a:p>
-          <a:p>
-            <a:pPr>
-              <a:lnSpc>
-                <a:spcPct val="100000"/>
-              </a:lnSpc>
-            </a:pPr>
-            <a:r>
-              <a:rPr b="0" lang="ru-RU" sz="1500" spc="-1" strike="noStrike">
-                <a:solidFill>
-                  <a:srgbClr val="000000"/>
-                </a:solidFill>
-                <a:latin typeface="Arial"/>
-              </a:rPr>
-              <a:t>[SEP]</a:t>
-            </a:r>
-            <a:endParaRPr b="0" lang="ru-RU" sz="1500" spc="-1" strike="noStrike">
-              <a:solidFill>
-                <a:srgbClr val="000000"/>
-              </a:solidFill>
-              <a:latin typeface="Arial"/>
-            </a:endParaRPr>
-          </a:p>
-          <a:p>
-            <a:pPr>
-              <a:lnSpc>
-                <a:spcPct val="100000"/>
-              </a:lnSpc>
-            </a:pPr>
-            <a:r>
-              <a:rPr b="0" lang="ru-RU" sz="1500" spc="-1" strike="noStrike">
-                <a:solidFill>
-                  <a:srgbClr val="000000"/>
-                </a:solidFill>
-                <a:latin typeface="Arial"/>
-              </a:rPr>
-              <a:t>[MASK]</a:t>
-            </a:r>
-            <a:endParaRPr b="0" lang="ru-RU" sz="1500" spc="-1" strike="noStrike">
-              <a:solidFill>
-                <a:srgbClr val="000000"/>
-              </a:solidFill>
-              <a:latin typeface="Arial"/>
-            </a:endParaRPr>
-          </a:p>
-          <a:p>
-            <a:pPr>
-              <a:lnSpc>
-                <a:spcPct val="100000"/>
-              </a:lnSpc>
-            </a:pPr>
-            <a:r>
-              <a:rPr b="0" lang="ru-RU" sz="1500" spc="-1" strike="noStrike">
-                <a:solidFill>
-                  <a:srgbClr val="000000"/>
-                </a:solidFill>
-                <a:latin typeface="Arial"/>
-              </a:rPr>
-              <a:t>[CLS]</a:t>
-            </a:r>
-            <a:endParaRPr b="0" lang="ru-RU" sz="1500" spc="-1" strike="noStrike">
-              <a:solidFill>
-                <a:srgbClr val="000000"/>
-              </a:solidFill>
-              <a:latin typeface="Arial"/>
-            </a:endParaRPr>
-          </a:p>
-        </p:txBody>
-      </p:sp>
+      </p:pic>
     </p:spTree>
   </p:cSld>
   <mc:AlternateContent>
@@ -11615,14 +11977,14 @@
       </p:grpSpPr>
       <p:sp>
         <p:nvSpPr>
-          <p:cNvPr id="193" name=""/>
+          <p:cNvPr id="195" name=""/>
           <p:cNvSpPr/>
           <p:nvPr/>
         </p:nvSpPr>
         <p:spPr>
           <a:xfrm>
-            <a:off x="180000" y="194040"/>
-            <a:ext cx="6366240" cy="1065600"/>
+            <a:off x="180000" y="501480"/>
+            <a:ext cx="6000480" cy="576720"/>
           </a:xfrm>
           <a:prstGeom prst="rect">
             <a:avLst/>
@@ -11654,8 +12016,9 @@
                   <a:srgbClr val="ffffff"/>
                 </a:solidFill>
                 <a:latin typeface="Source Sans Pro Black"/>
+                <a:ea typeface="DejaVu Sans"/>
               </a:rPr>
-              <a:t>BERT для задач языкового моделирования</a:t>
+              <a:t>BERT</a:t>
             </a:r>
             <a:endParaRPr b="0" lang="ru-RU" sz="2700" spc="-1" strike="noStrike">
               <a:solidFill>
@@ -11668,7 +12031,7 @@
       </p:sp>
       <p:pic>
         <p:nvPicPr>
-          <p:cNvPr id="194" name="" descr=""/>
+          <p:cNvPr id="196" name="" descr=""/>
           <p:cNvPicPr/>
           <p:nvPr/>
         </p:nvPicPr>
@@ -11678,8 +12041,8 @@
         </p:blipFill>
         <p:spPr>
           <a:xfrm>
-            <a:off x="540000" y="1687680"/>
-            <a:ext cx="4827960" cy="3171960"/>
+            <a:off x="72000" y="1440000"/>
+            <a:ext cx="6115680" cy="2338200"/>
           </a:xfrm>
           <a:prstGeom prst="rect">
             <a:avLst/>
@@ -11691,14 +12054,14 @@
       </p:pic>
       <p:sp>
         <p:nvSpPr>
-          <p:cNvPr id="195" name=""/>
+          <p:cNvPr id="197" name=""/>
           <p:cNvSpPr/>
           <p:nvPr/>
         </p:nvSpPr>
         <p:spPr>
           <a:xfrm>
-            <a:off x="5940000" y="2340000"/>
-            <a:ext cx="3839400" cy="1758600"/>
+            <a:off x="5430240" y="1620000"/>
+            <a:ext cx="4169880" cy="1540080"/>
           </a:xfrm>
           <a:prstGeom prst="rect">
             <a:avLst/>
@@ -11725,13 +12088,204 @@
               </a:lnSpc>
             </a:pPr>
             <a:r>
+              <a:rPr b="1" lang="ru-RU" sz="2000" spc="-1" strike="noStrike">
+                <a:solidFill>
+                  <a:srgbClr val="2c3e50"/>
+                </a:solidFill>
+                <a:latin typeface="Arial"/>
+                <a:ea typeface="DejaVu Sans"/>
+              </a:rPr>
+              <a:t>С точки зрения ахритектуры BERT’s input индентичен трансфомерам.</a:t>
+            </a:r>
+            <a:endParaRPr b="0" lang="ru-RU" sz="2000" spc="-1" strike="noStrike">
+              <a:solidFill>
+                <a:srgbClr val="000000"/>
+              </a:solidFill>
+              <a:latin typeface="Arial"/>
+            </a:endParaRPr>
+          </a:p>
+        </p:txBody>
+      </p:sp>
+      <p:sp>
+        <p:nvSpPr>
+          <p:cNvPr id="198" name=""/>
+          <p:cNvSpPr/>
+          <p:nvPr/>
+        </p:nvSpPr>
+        <p:spPr>
+          <a:xfrm>
+            <a:off x="5430240" y="2700000"/>
+            <a:ext cx="3927960" cy="2265840"/>
+          </a:xfrm>
+          <a:prstGeom prst="rect">
+            <a:avLst/>
+          </a:prstGeom>
+          <a:noFill/>
+          <a:ln w="0">
+            <a:noFill/>
+          </a:ln>
+        </p:spPr>
+        <p:style>
+          <a:lnRef idx="0"/>
+          <a:fillRef idx="0"/>
+          <a:effectRef idx="0"/>
+          <a:fontRef idx="minor"/>
+        </p:style>
+        <p:txBody>
+          <a:bodyPr lIns="90000" rIns="90000" tIns="45000" bIns="45000" anchor="t">
+            <a:noAutofit/>
+          </a:bodyPr>
+          <a:p>
+            <a:pPr>
+              <a:lnSpc>
+                <a:spcPct val="100000"/>
+              </a:lnSpc>
+            </a:pPr>
+            <a:r>
+              <a:rPr b="1" lang="ru-RU" sz="2000" spc="-1" strike="noStrike">
+                <a:solidFill>
+                  <a:srgbClr val="2c3e50"/>
+                </a:solidFill>
+                <a:latin typeface="Arial"/>
+                <a:ea typeface="DejaVu Sans"/>
+              </a:rPr>
+              <a:t>Различие в выходе, а именно Для каждой позиции на выход подается вектор размерностью hidden_size (768 в базовой модели BERT'а).</a:t>
+            </a:r>
+            <a:endParaRPr b="0" lang="ru-RU" sz="2000" spc="-1" strike="noStrike">
+              <a:solidFill>
+                <a:srgbClr val="000000"/>
+              </a:solidFill>
+              <a:latin typeface="Arial"/>
+            </a:endParaRPr>
+          </a:p>
+          <a:p>
+            <a:pPr>
+              <a:lnSpc>
+                <a:spcPct val="100000"/>
+              </a:lnSpc>
+            </a:pPr>
+            <a:endParaRPr b="0" lang="ru-RU" sz="2000" spc="-1" strike="noStrike">
+              <a:solidFill>
+                <a:srgbClr val="000000"/>
+              </a:solidFill>
+              <a:latin typeface="Arial"/>
+            </a:endParaRPr>
+          </a:p>
+        </p:txBody>
+      </p:sp>
+      <p:sp>
+        <p:nvSpPr>
+          <p:cNvPr id="199" name=""/>
+          <p:cNvSpPr/>
+          <p:nvPr/>
+        </p:nvSpPr>
+        <p:spPr>
+          <a:xfrm>
+            <a:off x="235440" y="4043520"/>
+            <a:ext cx="1382760" cy="1174680"/>
+          </a:xfrm>
+          <a:prstGeom prst="rect">
+            <a:avLst/>
+          </a:prstGeom>
+          <a:noFill/>
+          <a:ln w="0">
+            <a:noFill/>
+          </a:ln>
+        </p:spPr>
+        <p:style>
+          <a:lnRef idx="0"/>
+          <a:fillRef idx="0"/>
+          <a:effectRef idx="0"/>
+          <a:fontRef idx="minor"/>
+        </p:style>
+        <p:txBody>
+          <a:bodyPr lIns="90000" rIns="90000" tIns="45000" bIns="45000" anchor="t">
+            <a:noAutofit/>
+          </a:bodyPr>
+          <a:p>
+            <a:pPr>
+              <a:lnSpc>
+                <a:spcPct val="100000"/>
+              </a:lnSpc>
+            </a:pPr>
+            <a:r>
               <a:rPr b="0" lang="ru-RU" sz="1500" spc="-1" strike="noStrike">
                 <a:solidFill>
                   <a:srgbClr val="000000"/>
                 </a:solidFill>
                 <a:latin typeface="Arial"/>
+                <a:ea typeface="DejaVu Sans"/>
               </a:rPr>
-              <a:t>Для задач языкового моделирования BERT использует «умные» маски для 15% слов во входном предложении и просит модель предсказать пропущенное слово</a:t>
+              <a:t>Токены BERT:</a:t>
+            </a:r>
+            <a:endParaRPr b="0" lang="ru-RU" sz="1500" spc="-1" strike="noStrike">
+              <a:solidFill>
+                <a:srgbClr val="000000"/>
+              </a:solidFill>
+              <a:latin typeface="Arial"/>
+            </a:endParaRPr>
+          </a:p>
+          <a:p>
+            <a:pPr>
+              <a:lnSpc>
+                <a:spcPct val="100000"/>
+              </a:lnSpc>
+            </a:pPr>
+            <a:r>
+              <a:rPr b="0" lang="ru-RU" sz="1500" spc="-1" strike="noStrike">
+                <a:solidFill>
+                  <a:srgbClr val="000000"/>
+                </a:solidFill>
+                <a:latin typeface="Arial"/>
+                <a:ea typeface="DejaVu Sans"/>
+              </a:rPr>
+              <a:t>[SEP]</a:t>
+            </a:r>
+            <a:endParaRPr b="0" lang="ru-RU" sz="1500" spc="-1" strike="noStrike">
+              <a:solidFill>
+                <a:srgbClr val="000000"/>
+              </a:solidFill>
+              <a:latin typeface="Arial"/>
+            </a:endParaRPr>
+          </a:p>
+          <a:p>
+            <a:pPr>
+              <a:lnSpc>
+                <a:spcPct val="100000"/>
+              </a:lnSpc>
+            </a:pPr>
+            <a:r>
+              <a:rPr b="0" lang="ru-RU" sz="1500" spc="-1" strike="noStrike">
+                <a:solidFill>
+                  <a:srgbClr val="000000"/>
+                </a:solidFill>
+                <a:latin typeface="Arial"/>
+                <a:ea typeface="DejaVu Sans"/>
+              </a:rPr>
+              <a:t>[MASK]</a:t>
+            </a:r>
+            <a:endParaRPr b="0" lang="ru-RU" sz="1500" spc="-1" strike="noStrike">
+              <a:solidFill>
+                <a:srgbClr val="000000"/>
+              </a:solidFill>
+              <a:latin typeface="Arial"/>
+            </a:endParaRPr>
+          </a:p>
+          <a:p>
+            <a:pPr>
+              <a:lnSpc>
+                <a:spcPct val="100000"/>
+              </a:lnSpc>
+            </a:pPr>
+            <a:r>
+              <a:rPr b="0" lang="ru-RU" sz="1500" spc="-1" strike="noStrike">
+                <a:solidFill>
+                  <a:srgbClr val="000000"/>
+                </a:solidFill>
+                <a:latin typeface="Arial"/>
+                <a:ea typeface="DejaVu Sans"/>
+              </a:rPr>
+              <a:t>[CLS]</a:t>
             </a:r>
             <a:endParaRPr b="0" lang="ru-RU" sz="1500" spc="-1" strike="noStrike">
               <a:solidFill>
@@ -11772,62 +12326,9 @@
           <a:chExt cx="0" cy="0"/>
         </a:xfrm>
       </p:grpSpPr>
-      <p:sp>
-        <p:nvSpPr>
-          <p:cNvPr id="196" name=""/>
-          <p:cNvSpPr/>
-          <p:nvPr/>
-        </p:nvSpPr>
-        <p:spPr>
-          <a:xfrm>
-            <a:off x="180000" y="321480"/>
-            <a:ext cx="6659640" cy="3504600"/>
-          </a:xfrm>
-          <a:prstGeom prst="rect">
-            <a:avLst/>
-          </a:prstGeom>
-          <a:noFill/>
-          <a:ln w="0">
-            <a:noFill/>
-          </a:ln>
-        </p:spPr>
-        <p:style>
-          <a:lnRef idx="0"/>
-          <a:fillRef idx="0"/>
-          <a:effectRef idx="0"/>
-          <a:fontRef idx="minor"/>
-        </p:style>
-        <p:txBody>
-          <a:bodyPr lIns="90000" rIns="90000" tIns="45000" bIns="45000" anchor="t">
-            <a:noAutofit/>
-          </a:bodyPr>
-          <a:p>
-            <a:pPr>
-              <a:lnSpc>
-                <a:spcPct val="100000"/>
-              </a:lnSpc>
-            </a:pPr>
-            <a:r>
-              <a:rPr b="1" lang="ru-RU" sz="2700" spc="-1" strike="noStrike">
-                <a:solidFill>
-                  <a:srgbClr val="ffffff"/>
-                </a:solidFill>
-                <a:latin typeface="Source Sans Pro Black"/>
-              </a:rPr>
-              <a:t>BERT для задачи двух предложений</a:t>
-            </a:r>
-            <a:endParaRPr b="0" lang="ru-RU" sz="2700" spc="-1" strike="noStrike">
-              <a:solidFill>
-                <a:srgbClr val="000000"/>
-              </a:solidFill>
-              <a:latin typeface="Arial"/>
-            </a:endParaRPr>
-          </a:p>
-        </p:txBody>
-      </p:sp>
       <p:pic>
         <p:nvPicPr>
-          <p:cNvPr id="197" name="" descr=""/>
+          <p:cNvPr id="200" name="" descr=""/>
           <p:cNvPicPr/>
           <p:nvPr/>
         </p:nvPicPr>
@@ -11837,8 +12338,8 @@
         </p:blipFill>
         <p:spPr>
           <a:xfrm>
-            <a:off x="398160" y="1668600"/>
-            <a:ext cx="4641480" cy="3191040"/>
+            <a:off x="1029960" y="1980000"/>
+            <a:ext cx="7610040" cy="2638080"/>
           </a:xfrm>
           <a:prstGeom prst="rect">
             <a:avLst/>
@@ -11850,14 +12351,14 @@
       </p:pic>
       <p:sp>
         <p:nvSpPr>
-          <p:cNvPr id="198" name=""/>
-          <p:cNvSpPr/>
+          <p:cNvPr id="201" name=""/>
+          <p:cNvSpPr txBox="1"/>
           <p:nvPr/>
         </p:nvSpPr>
         <p:spPr>
           <a:xfrm>
-            <a:off x="4860000" y="2520000"/>
-            <a:ext cx="5039640" cy="1447200"/>
+            <a:off x="276120" y="321480"/>
+            <a:ext cx="7283880" cy="3017160"/>
           </a:xfrm>
           <a:prstGeom prst="rect">
             <a:avLst/>
@@ -11867,32 +12368,22 @@
             <a:noFill/>
           </a:ln>
         </p:spPr>
-        <p:style>
-          <a:lnRef idx="0"/>
-          <a:fillRef idx="0"/>
-          <a:effectRef idx="0"/>
-          <a:fontRef idx="minor"/>
-        </p:style>
         <p:txBody>
           <a:bodyPr lIns="90000" rIns="90000" tIns="45000" bIns="45000" anchor="t">
             <a:noAutofit/>
           </a:bodyPr>
           <a:p>
-            <a:pPr>
-              <a:lnSpc>
-                <a:spcPct val="100000"/>
-              </a:lnSpc>
-            </a:pPr>
-            <a:r>
-              <a:rPr b="0" lang="ru-RU" sz="1500" spc="-1" strike="noStrike">
+            <a:r>
+              <a:rPr b="1" lang="ru-RU" sz="2700" spc="-1" strike="noStrike">
                 <a:solidFill>
-                  <a:srgbClr val="000000"/>
+                  <a:srgbClr val="ffffff"/>
                 </a:solidFill>
-                <a:latin typeface="Arial"/>
+                <a:latin typeface="Source Sans Pro Black"/>
+                <a:ea typeface="DejaVu Sans"/>
               </a:rPr>
-              <a:t>Чтобы BERT мог лучше справляться с определением связей в нескольких предложениях, предварительное обучение включает дополнительную задачу: дано два предложения (А и В); какова вероятность, что В будет следовать после А?</a:t>
-            </a:r>
-            <a:endParaRPr b="0" lang="ru-RU" sz="1500" spc="-1" strike="noStrike">
+              <a:t>Входные данны BERT</a:t>
+            </a:r>
+            <a:endParaRPr b="0" lang="ru-RU" sz="2700" spc="-1" strike="noStrike">
               <a:solidFill>
                 <a:srgbClr val="000000"/>
               </a:solidFill>
@@ -11940,7 +12431,7 @@
         <p:spPr>
           <a:xfrm>
             <a:off x="540000" y="321480"/>
-            <a:ext cx="6299280" cy="1065240"/>
+            <a:ext cx="6297840" cy="1063800"/>
           </a:xfrm>
           <a:prstGeom prst="rect">
             <a:avLst/>
@@ -11994,7 +12485,7 @@
         <p:spPr>
           <a:xfrm>
             <a:off x="167760" y="1454760"/>
-            <a:ext cx="7571520" cy="2696760"/>
+            <a:ext cx="7570080" cy="2695320"/>
           </a:xfrm>
           <a:prstGeom prst="rect">
             <a:avLst/>
@@ -12184,9 +12675,63 @@
           <a:chExt cx="0" cy="0"/>
         </a:xfrm>
       </p:grpSpPr>
+      <p:sp>
+        <p:nvSpPr>
+          <p:cNvPr id="202" name=""/>
+          <p:cNvSpPr/>
+          <p:nvPr/>
+        </p:nvSpPr>
+        <p:spPr>
+          <a:xfrm>
+            <a:off x="180000" y="194040"/>
+            <a:ext cx="6364800" cy="1064160"/>
+          </a:xfrm>
+          <a:prstGeom prst="rect">
+            <a:avLst/>
+          </a:prstGeom>
+          <a:noFill/>
+          <a:ln w="0">
+            <a:noFill/>
+          </a:ln>
+        </p:spPr>
+        <p:style>
+          <a:lnRef idx="0"/>
+          <a:fillRef idx="0"/>
+          <a:effectRef idx="0"/>
+          <a:fontRef idx="minor"/>
+        </p:style>
+        <p:txBody>
+          <a:bodyPr lIns="90000" rIns="90000" tIns="45000" bIns="45000" anchor="t">
+            <a:noAutofit/>
+          </a:bodyPr>
+          <a:p>
+            <a:pPr>
+              <a:lnSpc>
+                <a:spcPct val="100000"/>
+              </a:lnSpc>
+            </a:pPr>
+            <a:r>
+              <a:rPr b="1" lang="ru-RU" sz="2700" spc="-1" strike="noStrike">
+                <a:solidFill>
+                  <a:srgbClr val="ffffff"/>
+                </a:solidFill>
+                <a:latin typeface="Source Sans Pro Black"/>
+                <a:ea typeface="DejaVu Sans"/>
+              </a:rPr>
+              <a:t>BERT для задач языкового моделирования</a:t>
+            </a:r>
+            <a:endParaRPr b="0" lang="ru-RU" sz="2700" spc="-1" strike="noStrike">
+              <a:solidFill>
+                <a:srgbClr val="000000"/>
+              </a:solidFill>
+              <a:latin typeface="Arial"/>
+            </a:endParaRPr>
+          </a:p>
+        </p:txBody>
+      </p:sp>
       <p:pic>
         <p:nvPicPr>
-          <p:cNvPr id="199" name="" descr=""/>
+          <p:cNvPr id="203" name="" descr=""/>
           <p:cNvPicPr/>
           <p:nvPr/>
         </p:nvPicPr>
@@ -12196,8 +12741,8 @@
         </p:blipFill>
         <p:spPr>
           <a:xfrm>
-            <a:off x="2480760" y="1315080"/>
-            <a:ext cx="4718880" cy="3184560"/>
+            <a:off x="540000" y="1687680"/>
+            <a:ext cx="4826520" cy="3170520"/>
           </a:xfrm>
           <a:prstGeom prst="rect">
             <a:avLst/>
@@ -12209,14 +12754,14 @@
       </p:pic>
       <p:sp>
         <p:nvSpPr>
-          <p:cNvPr id="200" name=""/>
+          <p:cNvPr id="204" name=""/>
           <p:cNvSpPr/>
           <p:nvPr/>
         </p:nvSpPr>
         <p:spPr>
           <a:xfrm>
-            <a:off x="0" y="321480"/>
-            <a:ext cx="6001920" cy="578160"/>
+            <a:off x="5940000" y="2340000"/>
+            <a:ext cx="3837960" cy="1757160"/>
           </a:xfrm>
           <a:prstGeom prst="rect">
             <a:avLst/>
@@ -12243,68 +12788,16 @@
               </a:lnSpc>
             </a:pPr>
             <a:r>
-              <a:rPr b="1" lang="ru-RU" sz="2700" spc="-1" strike="noStrike">
-                <a:solidFill>
-                  <a:srgbClr val="ffffff"/>
-                </a:solidFill>
-                <a:latin typeface="Source Sans Pro Black"/>
-              </a:rPr>
-              <a:t>BERT для различных задач</a:t>
-            </a:r>
-            <a:endParaRPr b="0" lang="ru-RU" sz="2700" spc="-1" strike="noStrike">
-              <a:solidFill>
-                <a:srgbClr val="000000"/>
-              </a:solidFill>
-              <a:latin typeface="Arial"/>
-            </a:endParaRPr>
-          </a:p>
-        </p:txBody>
-      </p:sp>
-      <p:sp>
-        <p:nvSpPr>
-          <p:cNvPr id="201" name=""/>
-          <p:cNvSpPr/>
-          <p:nvPr/>
-        </p:nvSpPr>
-        <p:spPr>
-          <a:xfrm>
-            <a:off x="900000" y="4428360"/>
-            <a:ext cx="8279640" cy="794160"/>
-          </a:xfrm>
-          <a:prstGeom prst="rect">
-            <a:avLst/>
-          </a:prstGeom>
-          <a:noFill/>
-          <a:ln w="0">
-            <a:noFill/>
-          </a:ln>
-        </p:spPr>
-        <p:style>
-          <a:lnRef idx="0"/>
-          <a:fillRef idx="0"/>
-          <a:effectRef idx="0"/>
-          <a:fontRef idx="minor"/>
-        </p:style>
-        <p:txBody>
-          <a:bodyPr lIns="90000" rIns="90000" tIns="45000" bIns="45000" anchor="t">
-            <a:noAutofit/>
-          </a:bodyPr>
-          <a:p>
-            <a:pPr>
-              <a:lnSpc>
-                <a:spcPct val="100000"/>
-              </a:lnSpc>
-            </a:pPr>
-            <a:r>
-              <a:rPr b="0" lang="ru-RU" sz="1300" spc="-1" strike="noStrike">
+              <a:rPr b="0" lang="ru-RU" sz="1500" spc="-1" strike="noStrike">
                 <a:solidFill>
                   <a:srgbClr val="000000"/>
                 </a:solidFill>
                 <a:latin typeface="Arial"/>
+                <a:ea typeface="DejaVu Sans"/>
               </a:rPr>
-              <a:t>a) Задачи классификации двух предложений: MNLI, QQP, QNLI, STS-B, MRPC, RTE, SWAG; b) задачи классификации одного предложения: SST-2, CoLA; c) вопросно-ответные задачи: SQuAD v1.1; d) задачи разметки одного предложения: CoNLL-2003 NER.</a:t>
-            </a:r>
-            <a:endParaRPr b="0" lang="ru-RU" sz="1300" spc="-1" strike="noStrike">
+              <a:t>Для задач языкового моделирования BERT использует «умные» маски для 15% слов во входном предложении и просит модель предсказать пропущенное слово</a:t>
+            </a:r>
+            <a:endParaRPr b="0" lang="ru-RU" sz="1500" spc="-1" strike="noStrike">
               <a:solidFill>
                 <a:srgbClr val="000000"/>
               </a:solidFill>
@@ -12345,18 +12838,14 @@
       </p:grpSpPr>
       <p:sp>
         <p:nvSpPr>
-          <p:cNvPr id="202" name="PlaceHolder 1"/>
-          <p:cNvSpPr>
-            <a:spLocks noGrp="1"/>
-          </p:cNvSpPr>
-          <p:nvPr>
-            <p:ph type="title"/>
-          </p:nvPr>
-        </p:nvSpPr>
-        <p:spPr>
-          <a:xfrm>
-            <a:off x="2700000" y="1440000"/>
-            <a:ext cx="4678920" cy="1618920"/>
+          <p:cNvPr id="205" name=""/>
+          <p:cNvSpPr/>
+          <p:nvPr/>
+        </p:nvSpPr>
+        <p:spPr>
+          <a:xfrm>
+            <a:off x="180000" y="321480"/>
+            <a:ext cx="6658200" cy="3503160"/>
           </a:xfrm>
           <a:prstGeom prst="rect">
             <a:avLst/>
@@ -12366,6 +12855,332 @@
             <a:noFill/>
           </a:ln>
         </p:spPr>
+        <p:style>
+          <a:lnRef idx="0"/>
+          <a:fillRef idx="0"/>
+          <a:effectRef idx="0"/>
+          <a:fontRef idx="minor"/>
+        </p:style>
+        <p:txBody>
+          <a:bodyPr lIns="90000" rIns="90000" tIns="45000" bIns="45000" anchor="t">
+            <a:noAutofit/>
+          </a:bodyPr>
+          <a:p>
+            <a:pPr>
+              <a:lnSpc>
+                <a:spcPct val="100000"/>
+              </a:lnSpc>
+            </a:pPr>
+            <a:r>
+              <a:rPr b="1" lang="ru-RU" sz="2700" spc="-1" strike="noStrike">
+                <a:solidFill>
+                  <a:srgbClr val="ffffff"/>
+                </a:solidFill>
+                <a:latin typeface="Source Sans Pro Black"/>
+                <a:ea typeface="DejaVu Sans"/>
+              </a:rPr>
+              <a:t>BERT для задачи двух предложений</a:t>
+            </a:r>
+            <a:endParaRPr b="0" lang="ru-RU" sz="2700" spc="-1" strike="noStrike">
+              <a:solidFill>
+                <a:srgbClr val="000000"/>
+              </a:solidFill>
+              <a:latin typeface="Arial"/>
+            </a:endParaRPr>
+          </a:p>
+        </p:txBody>
+      </p:sp>
+      <p:pic>
+        <p:nvPicPr>
+          <p:cNvPr id="206" name="" descr=""/>
+          <p:cNvPicPr/>
+          <p:nvPr/>
+        </p:nvPicPr>
+        <p:blipFill>
+          <a:blip r:embed="rId1"/>
+          <a:stretch/>
+        </p:blipFill>
+        <p:spPr>
+          <a:xfrm>
+            <a:off x="398160" y="1668600"/>
+            <a:ext cx="4640040" cy="3189600"/>
+          </a:xfrm>
+          <a:prstGeom prst="rect">
+            <a:avLst/>
+          </a:prstGeom>
+          <a:ln w="0">
+            <a:noFill/>
+          </a:ln>
+        </p:spPr>
+      </p:pic>
+      <p:sp>
+        <p:nvSpPr>
+          <p:cNvPr id="207" name=""/>
+          <p:cNvSpPr/>
+          <p:nvPr/>
+        </p:nvSpPr>
+        <p:spPr>
+          <a:xfrm>
+            <a:off x="4860000" y="2520000"/>
+            <a:ext cx="5038200" cy="1445760"/>
+          </a:xfrm>
+          <a:prstGeom prst="rect">
+            <a:avLst/>
+          </a:prstGeom>
+          <a:noFill/>
+          <a:ln w="0">
+            <a:noFill/>
+          </a:ln>
+        </p:spPr>
+        <p:style>
+          <a:lnRef idx="0"/>
+          <a:fillRef idx="0"/>
+          <a:effectRef idx="0"/>
+          <a:fontRef idx="minor"/>
+        </p:style>
+        <p:txBody>
+          <a:bodyPr lIns="90000" rIns="90000" tIns="45000" bIns="45000" anchor="t">
+            <a:noAutofit/>
+          </a:bodyPr>
+          <a:p>
+            <a:pPr>
+              <a:lnSpc>
+                <a:spcPct val="100000"/>
+              </a:lnSpc>
+            </a:pPr>
+            <a:r>
+              <a:rPr b="0" lang="ru-RU" sz="1500" spc="-1" strike="noStrike">
+                <a:solidFill>
+                  <a:srgbClr val="000000"/>
+                </a:solidFill>
+                <a:latin typeface="Arial"/>
+                <a:ea typeface="DejaVu Sans"/>
+              </a:rPr>
+              <a:t>Чтобы BERT мог лучше справляться с определением связей в нескольких предложениях, предварительное обучение включает дополнительную задачу: дано два предложения (А и В); какова вероятность, что В будет следовать после А?</a:t>
+            </a:r>
+            <a:endParaRPr b="0" lang="ru-RU" sz="1500" spc="-1" strike="noStrike">
+              <a:solidFill>
+                <a:srgbClr val="000000"/>
+              </a:solidFill>
+              <a:latin typeface="Arial"/>
+            </a:endParaRPr>
+          </a:p>
+        </p:txBody>
+      </p:sp>
+    </p:spTree>
+  </p:cSld>
+  <mc:AlternateContent>
+    <mc:Choice Requires="p14">
+      <p:transition spd="slow" p14:dur="2000"/>
+    </mc:Choice>
+    <mc:Fallback>
+      <p:transition spd="slow"/>
+    </mc:Fallback>
+  </mc:AlternateContent>
+</p:sld>
+</file>
+
+<file path=ppt/slides/slide22.xml><?xml version="1.0" encoding="utf-8"?>
+<p:sld xmlns:a="http://schemas.openxmlformats.org/drawingml/2006/main" xmlns:p="http://schemas.openxmlformats.org/presentationml/2006/main" xmlns:r="http://schemas.openxmlformats.org/officeDocument/2006/relationships" xmlns:p14="http://schemas.microsoft.com/office/powerpoint/2010/main" xmlns:p15="http://schemas.microsoft.com/office/powerpoint/2012/main" xmlns:mc="http://schemas.openxmlformats.org/markup-compatibility/2006">
+  <p:cSld>
+    <p:spTree>
+      <p:nvGrpSpPr>
+        <p:cNvPr id="1" name=""/>
+        <p:cNvGrpSpPr/>
+        <p:nvPr/>
+      </p:nvGrpSpPr>
+      <p:grpSpPr>
+        <a:xfrm>
+          <a:off x="0" y="0"/>
+          <a:ext cx="0" cy="0"/>
+          <a:chOff x="0" y="0"/>
+          <a:chExt cx="0" cy="0"/>
+        </a:xfrm>
+      </p:grpSpPr>
+      <p:pic>
+        <p:nvPicPr>
+          <p:cNvPr id="208" name="" descr=""/>
+          <p:cNvPicPr/>
+          <p:nvPr/>
+        </p:nvPicPr>
+        <p:blipFill>
+          <a:blip r:embed="rId1"/>
+          <a:stretch/>
+        </p:blipFill>
+        <p:spPr>
+          <a:xfrm>
+            <a:off x="2480760" y="1315080"/>
+            <a:ext cx="4717440" cy="3183120"/>
+          </a:xfrm>
+          <a:prstGeom prst="rect">
+            <a:avLst/>
+          </a:prstGeom>
+          <a:ln w="0">
+            <a:noFill/>
+          </a:ln>
+        </p:spPr>
+      </p:pic>
+      <p:sp>
+        <p:nvSpPr>
+          <p:cNvPr id="209" name=""/>
+          <p:cNvSpPr/>
+          <p:nvPr/>
+        </p:nvSpPr>
+        <p:spPr>
+          <a:xfrm>
+            <a:off x="0" y="321480"/>
+            <a:ext cx="6000480" cy="576720"/>
+          </a:xfrm>
+          <a:prstGeom prst="rect">
+            <a:avLst/>
+          </a:prstGeom>
+          <a:noFill/>
+          <a:ln w="0">
+            <a:noFill/>
+          </a:ln>
+        </p:spPr>
+        <p:style>
+          <a:lnRef idx="0"/>
+          <a:fillRef idx="0"/>
+          <a:effectRef idx="0"/>
+          <a:fontRef idx="minor"/>
+        </p:style>
+        <p:txBody>
+          <a:bodyPr lIns="90000" rIns="90000" tIns="45000" bIns="45000" anchor="t">
+            <a:noAutofit/>
+          </a:bodyPr>
+          <a:p>
+            <a:pPr>
+              <a:lnSpc>
+                <a:spcPct val="100000"/>
+              </a:lnSpc>
+            </a:pPr>
+            <a:r>
+              <a:rPr b="1" lang="ru-RU" sz="2700" spc="-1" strike="noStrike">
+                <a:solidFill>
+                  <a:srgbClr val="ffffff"/>
+                </a:solidFill>
+                <a:latin typeface="Source Sans Pro Black"/>
+                <a:ea typeface="DejaVu Sans"/>
+              </a:rPr>
+              <a:t>BERT для различных задач</a:t>
+            </a:r>
+            <a:endParaRPr b="0" lang="ru-RU" sz="2700" spc="-1" strike="noStrike">
+              <a:solidFill>
+                <a:srgbClr val="000000"/>
+              </a:solidFill>
+              <a:latin typeface="Arial"/>
+            </a:endParaRPr>
+          </a:p>
+        </p:txBody>
+      </p:sp>
+      <p:sp>
+        <p:nvSpPr>
+          <p:cNvPr id="210" name=""/>
+          <p:cNvSpPr/>
+          <p:nvPr/>
+        </p:nvSpPr>
+        <p:spPr>
+          <a:xfrm>
+            <a:off x="900000" y="4428360"/>
+            <a:ext cx="8278200" cy="792720"/>
+          </a:xfrm>
+          <a:prstGeom prst="rect">
+            <a:avLst/>
+          </a:prstGeom>
+          <a:noFill/>
+          <a:ln w="0">
+            <a:noFill/>
+          </a:ln>
+        </p:spPr>
+        <p:style>
+          <a:lnRef idx="0"/>
+          <a:fillRef idx="0"/>
+          <a:effectRef idx="0"/>
+          <a:fontRef idx="minor"/>
+        </p:style>
+        <p:txBody>
+          <a:bodyPr lIns="90000" rIns="90000" tIns="45000" bIns="45000" anchor="t">
+            <a:noAutofit/>
+          </a:bodyPr>
+          <a:p>
+            <a:pPr>
+              <a:lnSpc>
+                <a:spcPct val="100000"/>
+              </a:lnSpc>
+            </a:pPr>
+            <a:r>
+              <a:rPr b="0" lang="ru-RU" sz="1300" spc="-1" strike="noStrike">
+                <a:solidFill>
+                  <a:srgbClr val="000000"/>
+                </a:solidFill>
+                <a:latin typeface="Arial"/>
+                <a:ea typeface="DejaVu Sans"/>
+              </a:rPr>
+              <a:t>a) Задачи классификации двух предложений: MNLI, QQP, QNLI, STS-B, MRPC, RTE, SWAG; b) задачи классификации одного предложения: SST-2, CoLA; c) вопросно-ответные задачи: SQuAD v1.1; d) задачи разметки одного предложения: CoNLL-2003 NER.</a:t>
+            </a:r>
+            <a:endParaRPr b="0" lang="ru-RU" sz="1300" spc="-1" strike="noStrike">
+              <a:solidFill>
+                <a:srgbClr val="000000"/>
+              </a:solidFill>
+              <a:latin typeface="Arial"/>
+            </a:endParaRPr>
+          </a:p>
+        </p:txBody>
+      </p:sp>
+    </p:spTree>
+  </p:cSld>
+  <mc:AlternateContent>
+    <mc:Choice Requires="p14">
+      <p:transition spd="slow" p14:dur="2000"/>
+    </mc:Choice>
+    <mc:Fallback>
+      <p:transition spd="slow"/>
+    </mc:Fallback>
+  </mc:AlternateContent>
+</p:sld>
+</file>
+
+<file path=ppt/slides/slide23.xml><?xml version="1.0" encoding="utf-8"?>
+<p:sld xmlns:a="http://schemas.openxmlformats.org/drawingml/2006/main" xmlns:p="http://schemas.openxmlformats.org/presentationml/2006/main" xmlns:r="http://schemas.openxmlformats.org/officeDocument/2006/relationships" xmlns:p14="http://schemas.microsoft.com/office/powerpoint/2010/main" xmlns:p15="http://schemas.microsoft.com/office/powerpoint/2012/main" xmlns:mc="http://schemas.openxmlformats.org/markup-compatibility/2006">
+  <p:cSld>
+    <p:spTree>
+      <p:nvGrpSpPr>
+        <p:cNvPr id="1" name=""/>
+        <p:cNvGrpSpPr/>
+        <p:nvPr/>
+      </p:nvGrpSpPr>
+      <p:grpSpPr>
+        <a:xfrm>
+          <a:off x="0" y="0"/>
+          <a:ext cx="0" cy="0"/>
+          <a:chOff x="0" y="0"/>
+          <a:chExt cx="0" cy="0"/>
+        </a:xfrm>
+      </p:grpSpPr>
+      <p:sp>
+        <p:nvSpPr>
+          <p:cNvPr id="211" name="PlaceHolder 1"/>
+          <p:cNvSpPr>
+            <a:spLocks noGrp="1"/>
+          </p:cNvSpPr>
+          <p:nvPr>
+            <p:ph type="title"/>
+          </p:nvPr>
+        </p:nvSpPr>
+        <p:spPr>
+          <a:xfrm>
+            <a:off x="2700000" y="1440000"/>
+            <a:ext cx="4677480" cy="1617480"/>
+          </a:xfrm>
+          <a:prstGeom prst="rect">
+            <a:avLst/>
+          </a:prstGeom>
+          <a:noFill/>
+          <a:ln w="0">
+            <a:noFill/>
+          </a:ln>
+        </p:spPr>
         <p:txBody>
           <a:bodyPr lIns="0" rIns="0" tIns="0" bIns="0" anchor="ctr" anchorCtr="1">
             <a:noAutofit/>
@@ -12397,8 +13212,8 @@
         <p:txBody>
           <a:bodyPr/>
           <a:p>
-            <a:fld id="{C334F76E-D68A-499F-847A-379FDA984DCF}" type="slidenum">
-              <a:t>21</a:t>
+            <a:fld id="{DEB317A6-F447-4677-8DB7-0E107EB44008}" type="slidenum">
+              <a:t>23</a:t>
             </a:fld>
           </a:p>
         </p:txBody>
@@ -12433,6 +13248,142 @@
           <a:chExt cx="0" cy="0"/>
         </a:xfrm>
       </p:grpSpPr>
+      <p:sp>
+        <p:nvSpPr>
+          <p:cNvPr id="134" name="PlaceHolder 1"/>
+          <p:cNvSpPr>
+            <a:spLocks noGrp="1"/>
+          </p:cNvSpPr>
+          <p:nvPr>
+            <p:ph type="title"/>
+          </p:nvPr>
+        </p:nvSpPr>
+        <p:spPr>
+          <a:xfrm>
+            <a:off x="360000" y="225720"/>
+            <a:ext cx="9357480" cy="717480"/>
+          </a:xfrm>
+          <a:prstGeom prst="rect">
+            <a:avLst/>
+          </a:prstGeom>
+          <a:noFill/>
+          <a:ln w="0">
+            <a:noFill/>
+          </a:ln>
+        </p:spPr>
+        <p:txBody>
+          <a:bodyPr lIns="0" rIns="0" tIns="0" bIns="0" anchor="ctr">
+            <a:noAutofit/>
+          </a:bodyPr>
+          <a:p>
+            <a:pPr indent="0">
+              <a:lnSpc>
+                <a:spcPct val="100000"/>
+              </a:lnSpc>
+              <a:buNone/>
+              <a:tabLst>
+                <a:tab algn="l" pos="0"/>
+              </a:tabLst>
+            </a:pPr>
+            <a:r>
+              <a:rPr b="1" lang="ru-RU" sz="2700" spc="-1" strike="noStrike">
+                <a:solidFill>
+                  <a:srgbClr val="ffffff"/>
+                </a:solidFill>
+                <a:latin typeface="Source Sans Pro Black"/>
+              </a:rPr>
+              <a:t>Введение</a:t>
+            </a:r>
+            <a:endParaRPr b="0" lang="ru-RU" sz="2700" spc="-1" strike="noStrike">
+              <a:solidFill>
+                <a:srgbClr val="000000"/>
+              </a:solidFill>
+              <a:latin typeface="Arial"/>
+            </a:endParaRPr>
+          </a:p>
+        </p:txBody>
+      </p:sp>
+      <p:sp>
+        <p:nvSpPr>
+          <p:cNvPr id="135" name="PlaceHolder 2"/>
+          <p:cNvSpPr>
+            <a:spLocks noGrp="1"/>
+          </p:cNvSpPr>
+          <p:nvPr>
+            <p:ph/>
+          </p:nvPr>
+        </p:nvSpPr>
+        <p:spPr>
+          <a:xfrm>
+            <a:off x="180000" y="1620000"/>
+            <a:ext cx="9357480" cy="3777480"/>
+          </a:xfrm>
+          <a:prstGeom prst="rect">
+            <a:avLst/>
+          </a:prstGeom>
+          <a:noFill/>
+          <a:ln w="0">
+            <a:noFill/>
+          </a:ln>
+        </p:spPr>
+        <p:txBody>
+          <a:bodyPr lIns="0" rIns="0" tIns="0" bIns="0" anchor="t">
+            <a:normAutofit/>
+          </a:bodyPr>
+          <a:p>
+            <a:pPr marL="432000" indent="0" algn="ctr">
+              <a:lnSpc>
+                <a:spcPct val="100000"/>
+              </a:lnSpc>
+              <a:spcAft>
+                <a:spcPts val="1057"/>
+              </a:spcAft>
+              <a:buNone/>
+              <a:tabLst>
+                <a:tab algn="l" pos="0"/>
+              </a:tabLst>
+            </a:pPr>
+            <a:r>
+              <a:rPr b="1" lang="ru-RU" sz="2400" spc="-1" strike="noStrike">
+                <a:solidFill>
+                  <a:srgbClr val="2c3e50"/>
+                </a:solidFill>
+                <a:latin typeface="Source Sans Pro Semibold"/>
+              </a:rPr>
+              <a:t>Что такое внимание?</a:t>
+            </a:r>
+            <a:endParaRPr b="0" lang="ru-RU" sz="2400" spc="-1" strike="noStrike">
+              <a:solidFill>
+                <a:srgbClr val="000000"/>
+              </a:solidFill>
+              <a:latin typeface="Arial"/>
+            </a:endParaRPr>
+          </a:p>
+        </p:txBody>
+      </p:sp>
+      <p:pic>
+        <p:nvPicPr>
+          <p:cNvPr id="136" name="" descr=""/>
+          <p:cNvPicPr/>
+          <p:nvPr/>
+        </p:nvPicPr>
+        <p:blipFill>
+          <a:blip r:embed="rId1"/>
+          <a:stretch/>
+        </p:blipFill>
+        <p:spPr>
+          <a:xfrm>
+            <a:off x="3039840" y="2093040"/>
+            <a:ext cx="4157640" cy="2944440"/>
+          </a:xfrm>
+          <a:prstGeom prst="rect">
+            <a:avLst/>
+          </a:prstGeom>
+          <a:ln w="10800">
+            <a:noFill/>
+          </a:ln>
+        </p:spPr>
+      </p:pic>
     </p:spTree>
   </p:cSld>
   <mc:AlternateContent>
@@ -12465,7 +13416,7 @@
       </p:grpSpPr>
       <p:sp>
         <p:nvSpPr>
-          <p:cNvPr id="134" name="PlaceHolder 1"/>
+          <p:cNvPr id="137" name="PlaceHolder 1"/>
           <p:cNvSpPr>
             <a:spLocks noGrp="1"/>
           </p:cNvSpPr>
@@ -12476,7 +13427,7 @@
         <p:spPr>
           <a:xfrm>
             <a:off x="360000" y="225720"/>
-            <a:ext cx="9358920" cy="718920"/>
+            <a:ext cx="9357480" cy="716400"/>
           </a:xfrm>
           <a:prstGeom prst="rect">
             <a:avLst/>
@@ -12507,7 +13458,7 @@
                 </a:solidFill>
                 <a:latin typeface="Source Sans Pro Black"/>
               </a:rPr>
-              <a:t>Введение</a:t>
+              <a:t>Основная идея в ML</a:t>
             </a:r>
             <a:endParaRPr b="0" lang="ru-RU" sz="2700" spc="-1" strike="noStrike">
               <a:solidFill>
@@ -12520,7 +13471,7 @@
       </p:sp>
       <p:sp>
         <p:nvSpPr>
-          <p:cNvPr id="135" name="PlaceHolder 2"/>
+          <p:cNvPr id="138" name="PlaceHolder 2"/>
           <p:cNvSpPr>
             <a:spLocks noGrp="1"/>
           </p:cNvSpPr>
@@ -12530,174 +13481,8 @@
         </p:nvSpPr>
         <p:spPr>
           <a:xfrm>
-            <a:off x="180000" y="1620000"/>
-            <a:ext cx="9358920" cy="3778920"/>
-          </a:xfrm>
-          <a:prstGeom prst="rect">
-            <a:avLst/>
-          </a:prstGeom>
-          <a:noFill/>
-          <a:ln w="0">
-            <a:noFill/>
-          </a:ln>
-        </p:spPr>
-        <p:txBody>
-          <a:bodyPr lIns="0" rIns="0" tIns="0" bIns="0" anchor="t">
-            <a:normAutofit/>
-          </a:bodyPr>
-          <a:p>
-            <a:pPr marL="432000" indent="0" algn="ctr">
-              <a:lnSpc>
-                <a:spcPct val="100000"/>
-              </a:lnSpc>
-              <a:spcAft>
-                <a:spcPts val="1057"/>
-              </a:spcAft>
-              <a:buNone/>
-              <a:tabLst>
-                <a:tab algn="l" pos="0"/>
-              </a:tabLst>
-            </a:pPr>
-            <a:r>
-              <a:rPr b="1" lang="ru-RU" sz="2400" spc="-1" strike="noStrike">
-                <a:solidFill>
-                  <a:srgbClr val="2c3e50"/>
-                </a:solidFill>
-                <a:latin typeface="Source Sans Pro Semibold"/>
-              </a:rPr>
-              <a:t>Что такое внимание?</a:t>
-            </a:r>
-            <a:endParaRPr b="0" lang="ru-RU" sz="2400" spc="-1" strike="noStrike">
-              <a:solidFill>
-                <a:srgbClr val="000000"/>
-              </a:solidFill>
-              <a:latin typeface="Arial"/>
-            </a:endParaRPr>
-          </a:p>
-        </p:txBody>
-      </p:sp>
-      <p:pic>
-        <p:nvPicPr>
-          <p:cNvPr id="136" name="" descr=""/>
-          <p:cNvPicPr/>
-          <p:nvPr/>
-        </p:nvPicPr>
-        <p:blipFill>
-          <a:blip r:embed="rId1"/>
-          <a:stretch/>
-        </p:blipFill>
-        <p:spPr>
-          <a:xfrm>
-            <a:off x="3039840" y="2093040"/>
-            <a:ext cx="4159080" cy="2945880"/>
-          </a:xfrm>
-          <a:prstGeom prst="rect">
-            <a:avLst/>
-          </a:prstGeom>
-          <a:ln w="10800">
-            <a:noFill/>
-          </a:ln>
-        </p:spPr>
-      </p:pic>
-    </p:spTree>
-  </p:cSld>
-  <mc:AlternateContent>
-    <mc:Choice Requires="p14">
-      <p:transition spd="slow" p14:dur="2000"/>
-    </mc:Choice>
-    <mc:Fallback>
-      <p:transition spd="slow"/>
-    </mc:Fallback>
-  </mc:AlternateContent>
-</p:sld>
-</file>
-
-<file path=ppt/slides/slide5.xml><?xml version="1.0" encoding="utf-8"?>
-<p:sld xmlns:a="http://schemas.openxmlformats.org/drawingml/2006/main" xmlns:p="http://schemas.openxmlformats.org/presentationml/2006/main" xmlns:r="http://schemas.openxmlformats.org/officeDocument/2006/relationships" xmlns:p14="http://schemas.microsoft.com/office/powerpoint/2010/main" xmlns:p15="http://schemas.microsoft.com/office/powerpoint/2012/main" xmlns:mc="http://schemas.openxmlformats.org/markup-compatibility/2006">
-  <p:cSld>
-    <p:spTree>
-      <p:nvGrpSpPr>
-        <p:cNvPr id="1" name=""/>
-        <p:cNvGrpSpPr/>
-        <p:nvPr/>
-      </p:nvGrpSpPr>
-      <p:grpSpPr>
-        <a:xfrm>
-          <a:off x="0" y="0"/>
-          <a:ext cx="0" cy="0"/>
-          <a:chOff x="0" y="0"/>
-          <a:chExt cx="0" cy="0"/>
-        </a:xfrm>
-      </p:grpSpPr>
-      <p:sp>
-        <p:nvSpPr>
-          <p:cNvPr id="137" name="PlaceHolder 1"/>
-          <p:cNvSpPr>
-            <a:spLocks noGrp="1"/>
-          </p:cNvSpPr>
-          <p:nvPr>
-            <p:ph type="title"/>
-          </p:nvPr>
-        </p:nvSpPr>
-        <p:spPr>
-          <a:xfrm>
-            <a:off x="360000" y="225720"/>
-            <a:ext cx="9358920" cy="717840"/>
-          </a:xfrm>
-          <a:prstGeom prst="rect">
-            <a:avLst/>
-          </a:prstGeom>
-          <a:noFill/>
-          <a:ln w="0">
-            <a:noFill/>
-          </a:ln>
-        </p:spPr>
-        <p:txBody>
-          <a:bodyPr lIns="0" rIns="0" tIns="0" bIns="0" anchor="ctr">
-            <a:noAutofit/>
-          </a:bodyPr>
-          <a:p>
-            <a:pPr indent="0">
-              <a:lnSpc>
-                <a:spcPct val="100000"/>
-              </a:lnSpc>
-              <a:buNone/>
-              <a:tabLst>
-                <a:tab algn="l" pos="0"/>
-              </a:tabLst>
-            </a:pPr>
-            <a:r>
-              <a:rPr b="1" lang="ru-RU" sz="2700" spc="-1" strike="noStrike">
-                <a:solidFill>
-                  <a:srgbClr val="ffffff"/>
-                </a:solidFill>
-                <a:latin typeface="Source Sans Pro Black"/>
-              </a:rPr>
-              <a:t>Основная идея в ML</a:t>
-            </a:r>
-            <a:endParaRPr b="0" lang="ru-RU" sz="2700" spc="-1" strike="noStrike">
-              <a:solidFill>
-                <a:srgbClr val="000000"/>
-              </a:solidFill>
-              <a:latin typeface="Arial"/>
-            </a:endParaRPr>
-          </a:p>
-        </p:txBody>
-      </p:sp>
-      <p:sp>
-        <p:nvSpPr>
-          <p:cNvPr id="138" name="PlaceHolder 2"/>
-          <p:cNvSpPr>
-            <a:spLocks noGrp="1"/>
-          </p:cNvSpPr>
-          <p:nvPr>
-            <p:ph/>
-          </p:nvPr>
-        </p:nvSpPr>
-        <p:spPr>
-          <a:xfrm>
             <a:off x="-180000" y="1260000"/>
-            <a:ext cx="5038920" cy="3913920"/>
+            <a:ext cx="5037480" cy="3912480"/>
           </a:xfrm>
           <a:prstGeom prst="rect">
             <a:avLst/>
@@ -12869,6 +13654,7 @@
                   <a:srgbClr val="2c3e50"/>
                 </a:solidFill>
                 <a:latin typeface="Arial"/>
+                <a:ea typeface="Source Han Sans CN"/>
               </a:rPr>
               <a:t>=[0,1,0,0,0,0,0]</a:t>
             </a:r>
@@ -12930,6 +13716,7 @@
                   <a:srgbClr val="2c3e50"/>
                 </a:solidFill>
                 <a:latin typeface="Arial"/>
+                <a:ea typeface="Source Han Sans CN"/>
               </a:rPr>
               <a:t>=[0,0,1,0,0,0,0]</a:t>
             </a:r>
@@ -12991,6 +13778,7 @@
                   <a:srgbClr val="2c3e50"/>
                 </a:solidFill>
                 <a:latin typeface="Arial"/>
+                <a:ea typeface="Source Han Sans CN"/>
               </a:rPr>
               <a:t>=[0,0,0,1,0,0,0]</a:t>
             </a:r>
@@ -13052,6 +13840,7 @@
                   <a:srgbClr val="2c3e50"/>
                 </a:solidFill>
                 <a:latin typeface="Arial"/>
+                <a:ea typeface="Source Han Sans CN"/>
               </a:rPr>
               <a:t>= [0,0,0,0,1,0,0]</a:t>
             </a:r>
@@ -13113,6 +13902,7 @@
                   <a:srgbClr val="2c3e50"/>
                 </a:solidFill>
                 <a:latin typeface="Arial"/>
+                <a:ea typeface="Source Han Sans CN"/>
               </a:rPr>
               <a:t>=[0,0,0,0,0,1,0]</a:t>
             </a:r>
@@ -13176,16 +13966,7 @@
                 <a:latin typeface="Arial"/>
                 <a:ea typeface="Source Han Sans CN"/>
               </a:rPr>
-              <a:t> </a:t>
-            </a:r>
-            <a:r>
-              <a:rPr b="0" lang="ru-RU" sz="2400" spc="-1" strike="noStrike">
-                <a:solidFill>
-                  <a:srgbClr val="2c3e50"/>
-                </a:solidFill>
-                <a:latin typeface="Arial"/>
-              </a:rPr>
-              <a:t>=[0,0,0,0,0,0,1]</a:t>
+              <a:t> =[0,0,0,0,0,0,1]</a:t>
             </a:r>
             <a:endParaRPr b="0" lang="ru-RU" sz="2400" spc="-1" strike="noStrike">
               <a:solidFill>
@@ -13204,8 +13985,8 @@
         </p:nvSpPr>
         <p:spPr>
           <a:xfrm>
-            <a:off x="4860000" y="3287880"/>
-            <a:ext cx="2698920" cy="671040"/>
+            <a:off x="5581440" y="2700000"/>
+            <a:ext cx="2697480" cy="669600"/>
           </a:xfrm>
           <a:prstGeom prst="rect">
             <a:avLst/>
@@ -13260,8 +14041,8 @@
             </p:nvSpPr>
             <p:spPr>
               <a:xfrm>
-                <a:off x="4680000" y="3754800"/>
-                <a:ext cx="4024800" cy="1285200"/>
+                <a:off x="4140000" y="3287520"/>
+                <a:ext cx="5134680" cy="1931400"/>
               </a:xfrm>
               <a:prstGeom prst="rect">
                 <a:avLst/>
@@ -13325,92 +14106,95 @@
                     <m:r>
                       <m:t xml:space="preserve">=</m:t>
                     </m:r>
-                    <m:sSup>
-                      <m:e>
-                        <m:r>
-                          <m:t xml:space="preserve">e</m:t>
-                        </m:r>
-                      </m:e>
-                      <m:sup>
+                    <m:f>
+                      <m:num>
+                        <m:sSup>
+                          <m:e>
+                            <m:r>
+                              <m:t xml:space="preserve">e</m:t>
+                            </m:r>
+                          </m:e>
+                          <m:sup>
+                            <m:d>
+                              <m:dPr>
+                                <m:begChr m:val="("/>
+                                <m:endChr m:val=")"/>
+                              </m:dPr>
+                              <m:e>
+                                <m:sSub>
+                                  <m:e>
+                                    <m:r>
+                                      <m:t xml:space="preserve">w</m:t>
+                                    </m:r>
+                                  </m:e>
+                                  <m:sub>
+                                    <m:r>
+                                      <m:t xml:space="preserve">i</m:t>
+                                    </m:r>
+                                  </m:sub>
+                                </m:sSub>
+                              </m:e>
+                            </m:d>
+                          </m:sup>
+                        </m:sSup>
+                      </m:num>
+                      <m:den>
                         <m:d>
                           <m:dPr>
                             <m:begChr m:val="("/>
                             <m:endChr m:val=")"/>
                           </m:dPr>
                           <m:e>
-                            <m:sSub>
-                              <m:e>
-                                <m:r>
-                                  <m:t xml:space="preserve">w</m:t>
-                                </m:r>
-                              </m:e>
+                            <m:nary>
+                              <m:naryPr>
+                                <m:chr m:val="∑"/>
+                              </m:naryPr>
                               <m:sub>
                                 <m:r>
-                                  <m:t xml:space="preserve">i</m:t>
+                                  <m:t xml:space="preserve">1</m:t>
                                 </m:r>
                               </m:sub>
-                            </m:sSub>
+                              <m:sup>
+                                <m:r>
+                                  <m:t xml:space="preserve">7</m:t>
+                                </m:r>
+                              </m:sup>
+                              <m:e>
+                                <m:sSup>
+                                  <m:e>
+                                    <m:r>
+                                      <m:t xml:space="preserve">e</m:t>
+                                    </m:r>
+                                  </m:e>
+                                  <m:sup>
+                                    <m:d>
+                                      <m:dPr>
+                                        <m:begChr m:val="("/>
+                                        <m:endChr m:val=")"/>
+                                      </m:dPr>
+                                      <m:e>
+                                        <m:sSub>
+                                          <m:e>
+                                            <m:r>
+                                              <m:t xml:space="preserve">w</m:t>
+                                            </m:r>
+                                          </m:e>
+                                          <m:sub>
+                                            <m:r>
+                                              <m:t xml:space="preserve">i</m:t>
+                                            </m:r>
+                                          </m:sub>
+                                        </m:sSub>
+                                      </m:e>
+                                    </m:d>
+                                  </m:sup>
+                                </m:sSup>
+                              </m:e>
+                            </m:nary>
                           </m:e>
                         </m:d>
-                      </m:sup>
-                    </m:sSup>
-                    <m:r>
-                      <m:t xml:space="preserve">÷</m:t>
-                    </m:r>
-                    <m:d>
-                      <m:dPr>
-                        <m:begChr m:val="("/>
-                        <m:endChr m:val=")"/>
-                      </m:dPr>
-                      <m:e>
-                        <m:nary>
-                          <m:naryPr>
-                            <m:chr m:val="∑"/>
-                          </m:naryPr>
-                          <m:sub>
-                            <m:r>
-                              <m:t xml:space="preserve">1</m:t>
-                            </m:r>
-                          </m:sub>
-                          <m:sup>
-                            <m:r>
-                              <m:t xml:space="preserve">7</m:t>
-                            </m:r>
-                          </m:sup>
-                          <m:e>
-                            <m:sSup>
-                              <m:e>
-                                <m:r>
-                                  <m:t xml:space="preserve">e</m:t>
-                                </m:r>
-                              </m:e>
-                              <m:sup>
-                                <m:d>
-                                  <m:dPr>
-                                    <m:begChr m:val="("/>
-                                    <m:endChr m:val=")"/>
-                                  </m:dPr>
-                                  <m:e>
-                                    <m:sSub>
-                                      <m:e>
-                                        <m:r>
-                                          <m:t xml:space="preserve">w</m:t>
-                                        </m:r>
-                                      </m:e>
-                                      <m:sub>
-                                        <m:r>
-                                          <m:t xml:space="preserve">i</m:t>
-                                        </m:r>
-                                      </m:sub>
-                                    </m:sSub>
-                                  </m:e>
-                                </m:d>
-                              </m:sup>
-                            </m:sSup>
-                          </m:e>
-                        </m:nary>
-                      </m:e>
-                    </m:d>
+                      </m:den>
+                    </m:f>
                   </m:oMath>
                 </a14:m>
               </a:p>
@@ -13430,7 +14214,7 @@
             <p:spPr>
               <a:xfrm>
                 <a:off x="5680440" y="1922040"/>
-                <a:ext cx="1879560" cy="597960"/>
+                <a:ext cx="2238120" cy="596520"/>
               </a:xfrm>
               <a:prstGeom prst="rect">
                 <a:avLst/>
@@ -14015,7 +14799,7 @@
 </p:sld>
 </file>
 
-<file path=ppt/slides/slide6.xml><?xml version="1.0" encoding="utf-8"?>
+<file path=ppt/slides/slide5.xml><?xml version="1.0" encoding="utf-8"?>
 <p:sld xmlns:a="http://schemas.openxmlformats.org/drawingml/2006/main" xmlns:p="http://schemas.openxmlformats.org/presentationml/2006/main" xmlns:r="http://schemas.openxmlformats.org/officeDocument/2006/relationships" xmlns:p14="http://schemas.microsoft.com/office/powerpoint/2010/main" xmlns:p15="http://schemas.microsoft.com/office/powerpoint/2012/main" xmlns:mc="http://schemas.openxmlformats.org/markup-compatibility/2006">
   <p:cSld>
     <p:spTree>
@@ -14045,7 +14829,7 @@
         <p:spPr>
           <a:xfrm>
             <a:off x="360000" y="225720"/>
-            <a:ext cx="9358920" cy="717840"/>
+            <a:ext cx="9357480" cy="716400"/>
           </a:xfrm>
           <a:prstGeom prst="rect">
             <a:avLst/>
@@ -14076,7 +14860,7 @@
                 </a:solidFill>
                 <a:latin typeface="Source Sans Pro Black"/>
               </a:rPr>
-              <a:t>Веса внимания в структуре decode encode</a:t>
+              <a:t>Функция внимания</a:t>
             </a:r>
             <a:endParaRPr b="0" lang="ru-RU" sz="2700" spc="-1" strike="noStrike">
               <a:solidFill>
@@ -14099,8 +14883,8 @@
         </p:nvSpPr>
         <p:spPr>
           <a:xfrm>
-            <a:off x="1080" y="1261080"/>
-            <a:ext cx="9358920" cy="3778920"/>
+            <a:off x="180000" y="1260000"/>
+            <a:ext cx="8457840" cy="1077840"/>
           </a:xfrm>
           <a:prstGeom prst="rect">
             <a:avLst/>
@@ -14130,137 +14914,15 @@
               <a:buChar char=""/>
             </a:pPr>
             <a:r>
-              <a:rPr b="0" lang="ru-RU" sz="2400" spc="-1" strike="noStrike">
+              <a:rPr b="1" lang="ru-RU" sz="1800" spc="-1" strike="noStrike">
                 <a:solidFill>
                   <a:srgbClr val="2c3e50"/>
                 </a:solidFill>
                 <a:latin typeface="Arial"/>
               </a:rPr>
-              <a:t>V</a:t>
-            </a:r>
-            <a:r>
-              <a:rPr b="0" lang="ru-RU" sz="2400" spc="-1" strike="noStrike" baseline="-8000">
-                <a:solidFill>
-                  <a:srgbClr val="2c3e50"/>
-                </a:solidFill>
-                <a:latin typeface="Arial"/>
-                <a:ea typeface="Source Sans Pro Semibold"/>
-              </a:rPr>
-              <a:t>α</a:t>
-            </a:r>
-            <a:r>
-              <a:rPr b="0" lang="ru-RU" sz="2400" spc="-1" strike="noStrike">
-                <a:solidFill>
-                  <a:srgbClr val="2c3e50"/>
-                </a:solidFill>
-                <a:latin typeface="Arial"/>
-                <a:ea typeface="Source Sans Pro Semibold"/>
-              </a:rPr>
-              <a:t> : α — ячейка скрытого состояние в енкодере → V</a:t>
-            </a:r>
-            <a:r>
-              <a:rPr b="0" lang="ru-RU" sz="2400" spc="-1" strike="noStrike" baseline="-8000">
-                <a:solidFill>
-                  <a:srgbClr val="2c3e50"/>
-                </a:solidFill>
-                <a:latin typeface="Arial"/>
-                <a:ea typeface="Source Sans Pro Semibold"/>
-              </a:rPr>
-              <a:t>α</a:t>
-            </a:r>
-            <a:r>
-              <a:rPr b="0" lang="ru-RU" sz="2400" spc="-1" strike="noStrike">
-                <a:solidFill>
-                  <a:srgbClr val="2c3e50"/>
-                </a:solidFill>
-                <a:latin typeface="Arial"/>
-                <a:ea typeface="Source Sans Pro Semibold"/>
-              </a:rPr>
-              <a:t> — вектор скрытого состояние в енкодере</a:t>
-            </a:r>
-            <a:endParaRPr b="0" lang="ru-RU" sz="2400" spc="-1" strike="noStrike">
-              <a:solidFill>
-                <a:srgbClr val="000000"/>
-              </a:solidFill>
-              <a:latin typeface="Arial"/>
-            </a:endParaRPr>
-          </a:p>
-          <a:p>
-            <a:pPr marL="432000" indent="-324000">
-              <a:lnSpc>
-                <a:spcPct val="100000"/>
-              </a:lnSpc>
-              <a:spcAft>
-                <a:spcPts val="1057"/>
-              </a:spcAft>
-              <a:buClr>
-                <a:srgbClr val="2c3e50"/>
-              </a:buClr>
-              <a:buSzPct val="45000"/>
-              <a:buFont typeface="Wingdings" charset="2"/>
-              <a:buChar char=""/>
-            </a:pPr>
-            <a:r>
-              <a:rPr b="0" lang="ru-RU" sz="2400" spc="-1" strike="noStrike">
-                <a:solidFill>
-                  <a:srgbClr val="2c3e50"/>
-                </a:solidFill>
-                <a:latin typeface="Arial"/>
-                <a:ea typeface="Source Sans Pro Semibold"/>
-              </a:rPr>
-              <a:t> </a:t>
-            </a:r>
-            <a:r>
-              <a:rPr b="0" lang="ru-RU" sz="2400" spc="-1" strike="noStrike">
-                <a:solidFill>
-                  <a:srgbClr val="2c3e50"/>
-                </a:solidFill>
-                <a:latin typeface="Arial"/>
-                <a:ea typeface="Source Sans Pro Semibold"/>
-              </a:rPr>
-              <a:t>V</a:t>
-            </a:r>
-            <a:r>
-              <a:rPr b="0" lang="ru-RU" sz="2400" spc="-1" strike="noStrike" baseline="-8000">
-                <a:solidFill>
-                  <a:srgbClr val="2c3e50"/>
-                </a:solidFill>
-                <a:latin typeface="Arial"/>
-                <a:ea typeface="Source Sans Pro Semibold"/>
-              </a:rPr>
-              <a:t>β</a:t>
-            </a:r>
-            <a:r>
-              <a:rPr b="0" lang="ru-RU" sz="2400" spc="-1" strike="noStrike">
-                <a:solidFill>
-                  <a:srgbClr val="2c3e50"/>
-                </a:solidFill>
-                <a:latin typeface="Arial"/>
-                <a:ea typeface="Source Sans Pro Semibold"/>
-              </a:rPr>
-              <a:t> : β — ячейка скрытого состояние в декодере → V</a:t>
-            </a:r>
-            <a:r>
-              <a:rPr b="0" lang="ru-RU" sz="2400" spc="-1" strike="noStrike" baseline="-8000">
-                <a:solidFill>
-                  <a:srgbClr val="2c3e50"/>
-                </a:solidFill>
-                <a:latin typeface="Arial"/>
-                <a:ea typeface="Source Sans Pro Semibold"/>
-              </a:rPr>
-              <a:t>β</a:t>
-            </a:r>
-            <a:r>
-              <a:rPr b="0" lang="ru-RU" sz="2400" spc="-1" strike="noStrike">
-                <a:solidFill>
-                  <a:srgbClr val="2c3e50"/>
-                </a:solidFill>
-                <a:latin typeface="Arial"/>
-                <a:ea typeface="Source Sans Pro Semibold"/>
-              </a:rPr>
-              <a:t> — вектор скрытого состояние в декодере</a:t>
-            </a:r>
-            <a:endParaRPr b="0" lang="ru-RU" sz="2400" spc="-1" strike="noStrike">
+              <a:t>Q — матрица запросов, K — матрица ключей, V — матрица значений, E - размерность</a:t>
+            </a:r>
+            <a:endParaRPr b="0" lang="ru-RU" sz="1800" spc="-1" strike="noStrike">
               <a:solidFill>
                 <a:srgbClr val="000000"/>
               </a:solidFill>
@@ -14277,14 +14939,14 @@
         </p:nvSpPr>
         <p:spPr>
           <a:xfrm>
-            <a:off x="-186840" y="3241080"/>
-            <a:ext cx="5398920" cy="718920"/>
+            <a:off x="408600" y="2339280"/>
+            <a:ext cx="3189960" cy="1026000"/>
           </a:xfrm>
           <a:prstGeom prst="rect">
             <a:avLst/>
           </a:prstGeom>
           <a:noFill/>
-          <a:ln w="10800">
+          <a:ln w="0">
             <a:noFill/>
           </a:ln>
         </p:spPr>
@@ -14295,26 +14957,72 @@
           <a:fontRef idx="minor"/>
         </p:style>
         <p:txBody>
-          <a:bodyPr lIns="90000" rIns="90000" tIns="45000" bIns="45000" anchor="ctr">
+          <a:bodyPr lIns="90000" rIns="90000" tIns="45000" bIns="45000" anchor="t">
             <a:noAutofit/>
           </a:bodyPr>
           <a:p>
-            <a:pPr algn="ctr">
+            <a:pPr>
               <a:lnSpc>
                 <a:spcPct val="100000"/>
               </a:lnSpc>
             </a:pPr>
             <a:r>
-              <a:rPr b="0" lang="ru-RU" sz="2000" spc="-1" strike="noStrike">
+              <a:rPr b="0" lang="ru-RU" sz="2200" spc="-1" strike="noStrike">
                 <a:solidFill>
-                  <a:srgbClr val="2c3e50"/>
+                  <a:srgbClr val="000000"/>
                 </a:solidFill>
                 <a:latin typeface="Arial"/>
-                <a:ea typeface="Source Sans Pro Semibold"/>
+                <a:ea typeface="DejaVu Sans"/>
               </a:rPr>
-              <a:t>Вес внимания к скрытым состоянием декодера</a:t>
-            </a:r>
-            <a:endParaRPr b="0" lang="ru-RU" sz="2000" spc="-1" strike="noStrike">
+              <a:t>Размерность Q: [N,E]</a:t>
+            </a:r>
+            <a:endParaRPr b="0" lang="ru-RU" sz="2200" spc="-1" strike="noStrike">
+              <a:solidFill>
+                <a:srgbClr val="000000"/>
+              </a:solidFill>
+              <a:latin typeface="Arial"/>
+            </a:endParaRPr>
+          </a:p>
+          <a:p>
+            <a:pPr>
+              <a:lnSpc>
+                <a:spcPct val="100000"/>
+              </a:lnSpc>
+            </a:pPr>
+            <a:r>
+              <a:rPr b="0" lang="ru-RU" sz="2200" spc="-1" strike="noStrike">
+                <a:solidFill>
+                  <a:srgbClr val="000000"/>
+                </a:solidFill>
+                <a:latin typeface="Arial"/>
+                <a:ea typeface="DejaVu Sans"/>
+              </a:rPr>
+              <a:t>Размерность K: [M, E]</a:t>
+            </a:r>
+            <a:endParaRPr b="0" lang="ru-RU" sz="2200" spc="-1" strike="noStrike">
+              <a:solidFill>
+                <a:srgbClr val="000000"/>
+              </a:solidFill>
+              <a:latin typeface="Arial"/>
+            </a:endParaRPr>
+          </a:p>
+          <a:p>
+            <a:pPr>
+              <a:lnSpc>
+                <a:spcPct val="100000"/>
+              </a:lnSpc>
+            </a:pPr>
+            <a:r>
+              <a:rPr b="0" lang="ru-RU" sz="2200" spc="-1" strike="noStrike">
+                <a:solidFill>
+                  <a:srgbClr val="000000"/>
+                </a:solidFill>
+                <a:latin typeface="Arial"/>
+                <a:ea typeface="DejaVu Sans"/>
+              </a:rPr>
+              <a:t>Размерность V: [M,E’]</a:t>
+            </a:r>
+            <a:endParaRPr b="0" lang="ru-RU" sz="2200" spc="-1" strike="noStrike">
               <a:solidFill>
                 <a:srgbClr val="000000"/>
               </a:solidFill>
@@ -14331,14 +15039,14 @@
         </p:nvSpPr>
         <p:spPr>
           <a:xfrm>
-            <a:off x="5212080" y="3421080"/>
-            <a:ext cx="4326840" cy="358920"/>
+            <a:off x="3600000" y="3780000"/>
+            <a:ext cx="3777840" cy="1746000"/>
           </a:xfrm>
           <a:prstGeom prst="rect">
             <a:avLst/>
           </a:prstGeom>
           <a:noFill/>
-          <a:ln w="10800">
+          <a:ln w="0">
             <a:noFill/>
           </a:ln>
         </p:spPr>
@@ -14349,26 +15057,36 @@
           <a:fontRef idx="minor"/>
         </p:style>
         <p:txBody>
-          <a:bodyPr lIns="90000" rIns="90000" tIns="45000" bIns="45000" anchor="ctr">
+          <a:bodyPr lIns="90000" rIns="90000" tIns="45000" bIns="45000" anchor="t">
             <a:noAutofit/>
           </a:bodyPr>
           <a:p>
-            <a:pPr algn="ctr">
+            <a:pPr>
               <a:lnSpc>
                 <a:spcPct val="100000"/>
               </a:lnSpc>
             </a:pPr>
             <a:r>
-              <a:rPr b="0" lang="ru-RU" sz="2000" spc="-1" strike="noStrike">
+              <a:rPr b="0" lang="ru-RU" sz="2200" spc="-1" strike="noStrike">
                 <a:solidFill>
-                  <a:srgbClr val="2c3e50"/>
+                  <a:srgbClr val="000000"/>
                 </a:solidFill>
                 <a:latin typeface="Arial"/>
-                <a:ea typeface="Source Sans Pro Semibold"/>
+                <a:ea typeface="DejaVu Sans"/>
               </a:rPr>
-              <a:t>Расчет следующего скрытого состояния</a:t>
-            </a:r>
-            <a:endParaRPr b="0" lang="ru-RU" sz="2000" spc="-1" strike="noStrike">
+              <a:t>Почему </a:t>
+            </a:r>
+            <a:r>
+              <a:rPr b="0" lang="ru-RU" sz="2200" spc="-1" strike="noStrike">
+                <a:solidFill>
+                  <a:srgbClr val="000000"/>
+                </a:solidFill>
+                <a:latin typeface="Arial"/>
+                <a:ea typeface="Arial"/>
+              </a:rPr>
+              <a:t>√E ?</a:t>
+            </a:r>
+            <a:endParaRPr b="0" lang="ru-RU" sz="2200" spc="-1" strike="noStrike">
               <a:solidFill>
                 <a:srgbClr val="000000"/>
               </a:solidFill>
@@ -14387,742 +15105,8 @@
             </p:nvSpPr>
             <p:spPr>
               <a:xfrm>
-                <a:off x="450720" y="4135320"/>
-                <a:ext cx="4229280" cy="904680"/>
-              </a:xfrm>
-              <a:prstGeom prst="rect">
-                <a:avLst/>
-              </a:prstGeom>
-            </p:spPr>
-            <p:txBody>
-              <a:bodyPr/>
-              <a:p>
-                <a14:m>
-                  <m:oMath xmlns:m="http://schemas.openxmlformats.org/officeDocument/2006/math">
-                    <m:r>
-                      <m:t xml:space="preserve">w</m:t>
-                    </m:r>
-                    <m:sSub>
-                      <m:e>
-                        <m:r>
-                          <m:t xml:space="preserve">'</m:t>
-                        </m:r>
-                      </m:e>
-                      <m:sub>
-                        <m:r>
-                          <m:t xml:space="preserve">α</m:t>
-                        </m:r>
-                        <m:r>
-                          <m:t xml:space="preserve">β</m:t>
-                        </m:r>
-                      </m:sub>
-                    </m:sSub>
-                    <m:r>
-                      <m:t xml:space="preserve">=</m:t>
-                    </m:r>
-                    <m:r>
-                      <m:t xml:space="preserve">softmax</m:t>
-                    </m:r>
-                    <m:d>
-                      <m:dPr>
-                        <m:begChr m:val="("/>
-                        <m:endChr m:val=")"/>
-                      </m:dPr>
-                      <m:e>
-                        <m:r>
-                          <m:t xml:space="preserve">μ</m:t>
-                        </m:r>
-                        <m:sSub>
-                          <m:e>
-                            <m:r>
-                              <m:t xml:space="preserve">u</m:t>
-                            </m:r>
-                          </m:e>
-                          <m:sub>
-                            <m:r>
-                              <m:t xml:space="preserve">α</m:t>
-                            </m:r>
-                          </m:sub>
-                        </m:sSub>
-                        <m:sSub>
-                          <m:e>
-                            <m:r>
-                              <m:t xml:space="preserve">v</m:t>
-                            </m:r>
-                          </m:e>
-                          <m:sub>
-                            <m:r>
-                              <m:t xml:space="preserve">β</m:t>
-                            </m:r>
-                          </m:sub>
-                        </m:sSub>
-                      </m:e>
-                    </m:d>
-                    <m:r>
-                      <m:t xml:space="preserve">=</m:t>
-                    </m:r>
-                    <m:sSup>
-                      <m:e>
-                        <m:r>
-                          <m:t xml:space="preserve">e</m:t>
-                        </m:r>
-                      </m:e>
-                      <m:sup>
-                        <m:d>
-                          <m:dPr>
-                            <m:begChr m:val="("/>
-                            <m:endChr m:val=")"/>
-                          </m:dPr>
-                          <m:e>
-                            <m:r>
-                              <m:t xml:space="preserve">μ</m:t>
-                            </m:r>
-                            <m:sSub>
-                              <m:e>
-                                <m:r>
-                                  <m:t xml:space="preserve">u</m:t>
-                                </m:r>
-                              </m:e>
-                              <m:sub>
-                                <m:r>
-                                  <m:t xml:space="preserve">α</m:t>
-                                </m:r>
-                              </m:sub>
-                            </m:sSub>
-                            <m:sSub>
-                              <m:e>
-                                <m:r>
-                                  <m:t xml:space="preserve">v</m:t>
-                                </m:r>
-                              </m:e>
-                              <m:sub>
-                                <m:r>
-                                  <m:t xml:space="preserve">β</m:t>
-                                </m:r>
-                              </m:sub>
-                            </m:sSub>
-                          </m:e>
-                        </m:d>
-                      </m:sup>
-                    </m:sSup>
-                    <m:r>
-                      <m:t xml:space="preserve">÷</m:t>
-                    </m:r>
-                    <m:d>
-                      <m:dPr>
-                        <m:begChr m:val="("/>
-                        <m:endChr m:val=")"/>
-                      </m:dPr>
-                      <m:e>
-                        <m:nary>
-                          <m:naryPr>
-                            <m:chr m:val="∑"/>
-                            <m:supHide m:val="1"/>
-                          </m:naryPr>
-                          <m:sub>
-                            <m:r>
-                              <m:t xml:space="preserve">γ</m:t>
-                            </m:r>
-                          </m:sub>
-                          <m:sup/>
-                          <m:e>
-                            <m:sSup>
-                              <m:e>
-                                <m:r>
-                                  <m:t xml:space="preserve">e</m:t>
-                                </m:r>
-                              </m:e>
-                              <m:sup>
-                                <m:d>
-                                  <m:dPr>
-                                    <m:begChr m:val="("/>
-                                    <m:endChr m:val=")"/>
-                                  </m:dPr>
-                                  <m:e>
-                                    <m:r>
-                                      <m:t xml:space="preserve">μ</m:t>
-                                    </m:r>
-                                    <m:sSub>
-                                      <m:e>
-                                        <m:r>
-                                          <m:t xml:space="preserve">u</m:t>
-                                        </m:r>
-                                      </m:e>
-                                      <m:sub>
-                                        <m:r>
-                                          <m:t xml:space="preserve">α</m:t>
-                                        </m:r>
-                                      </m:sub>
-                                    </m:sSub>
-                                    <m:sSub>
-                                      <m:e>
-                                        <m:r>
-                                          <m:t xml:space="preserve">v</m:t>
-                                        </m:r>
-                                      </m:e>
-                                      <m:sub>
-                                        <m:r>
-                                          <m:t xml:space="preserve">γ</m:t>
-                                        </m:r>
-                                      </m:sub>
-                                    </m:sSub>
-                                  </m:e>
-                                </m:d>
-                              </m:sup>
-                            </m:sSup>
-                          </m:e>
-                        </m:nary>
-                      </m:e>
-                    </m:d>
-                  </m:oMath>
-                </a14:m>
-              </a:p>
-            </p:txBody>
-          </p:sp>
-        </mc:Choice>
-        <mc:Fallback/>
-      </mc:AlternateContent>
-      <mc:AlternateContent>
-        <mc:Choice xmlns:a14="http://schemas.microsoft.com/office/drawing/2010/main" Requires="a14">
-          <p:sp>
-            <p:nvSpPr>
-              <p:cNvPr id="147" name=""/>
-              <p:cNvSpPr txBox="1"/>
-              <p:nvPr/>
-            </p:nvSpPr>
-            <p:spPr>
-              <a:xfrm>
-                <a:off x="5913360" y="4098240"/>
-                <a:ext cx="2726640" cy="941760"/>
-              </a:xfrm>
-              <a:prstGeom prst="rect">
-                <a:avLst/>
-              </a:prstGeom>
-            </p:spPr>
-            <p:txBody>
-              <a:bodyPr/>
-              <a:p>
-                <a14:m>
-                  <m:oMath xmlns:m="http://schemas.openxmlformats.org/officeDocument/2006/math">
-                    <m:sSubSup>
-                      <m:e>
-                        <m:r>
-                          <m:t xml:space="preserve">u</m:t>
-                        </m:r>
-                      </m:e>
-                      <m:sub>
-                        <m:r>
-                          <m:t xml:space="preserve">α</m:t>
-                        </m:r>
-                      </m:sub>
-                      <m:sup>
-                        <m:r>
-                          <m:t xml:space="preserve">'</m:t>
-                        </m:r>
-                      </m:sup>
-                    </m:sSubSup>
-                    <m:r>
-                      <m:t xml:space="preserve">=</m:t>
-                    </m:r>
-                    <m:nary>
-                      <m:naryPr>
-                        <m:chr m:val="∑"/>
-                        <m:supHide m:val="1"/>
-                      </m:naryPr>
-                      <m:sub>
-                        <m:r>
-                          <m:t xml:space="preserve">β</m:t>
-                        </m:r>
-                      </m:sub>
-                      <m:sup/>
-                      <m:e>
-                        <m:d>
-                          <m:dPr>
-                            <m:begChr m:val="("/>
-                            <m:endChr m:val=")"/>
-                          </m:dPr>
-                          <m:e>
-                            <m:sSub>
-                              <m:e>
-                                <m:r>
-                                  <m:t xml:space="preserve">w</m:t>
-                                </m:r>
-                              </m:e>
-                              <m:sub>
-                                <m:r>
-                                  <m:t xml:space="preserve">α</m:t>
-                                </m:r>
-                                <m:r>
-                                  <m:t xml:space="preserve">β</m:t>
-                                </m:r>
-                              </m:sub>
-                            </m:sSub>
-                            <m:sSub>
-                              <m:e>
-                                <m:r>
-                                  <m:t xml:space="preserve">v</m:t>
-                                </m:r>
-                              </m:e>
-                              <m:sub>
-                                <m:r>
-                                  <m:t xml:space="preserve">β</m:t>
-                                </m:r>
-                              </m:sub>
-                            </m:sSub>
-                          </m:e>
-                        </m:d>
-                      </m:e>
-                    </m:nary>
-                    <m:r>
-                      <m:t xml:space="preserve">,</m:t>
-                    </m:r>
-                    <m:nary>
-                      <m:naryPr>
-                        <m:chr m:val="∑"/>
-                        <m:supHide m:val="1"/>
-                      </m:naryPr>
-                      <m:sub>
-                        <m:r>
-                          <m:t xml:space="preserve">β</m:t>
-                        </m:r>
-                      </m:sub>
-                      <m:sup/>
-                      <m:e>
-                        <m:d>
-                          <m:dPr>
-                            <m:begChr m:val="("/>
-                            <m:endChr m:val=")"/>
-                          </m:dPr>
-                          <m:e>
-                            <m:sSub>
-                              <m:e>
-                                <m:r>
-                                  <m:t xml:space="preserve">w</m:t>
-                                </m:r>
-                              </m:e>
-                              <m:sub>
-                                <m:r>
-                                  <m:t xml:space="preserve">α</m:t>
-                                </m:r>
-                                <m:r>
-                                  <m:t xml:space="preserve">β</m:t>
-                                </m:r>
-                              </m:sub>
-                            </m:sSub>
-                          </m:e>
-                        </m:d>
-                      </m:e>
-                    </m:nary>
-                    <m:r>
-                      <m:t xml:space="preserve">=</m:t>
-                    </m:r>
-                    <m:r>
-                      <m:t xml:space="preserve">1</m:t>
-                    </m:r>
-                  </m:oMath>
-                </a14:m>
-              </a:p>
-            </p:txBody>
-          </p:sp>
-        </mc:Choice>
-        <mc:Fallback/>
-      </mc:AlternateContent>
-    </p:spTree>
-  </p:cSld>
-  <mc:AlternateContent>
-    <mc:Choice Requires="p14">
-      <p:transition spd="slow" p14:dur="2000"/>
-    </mc:Choice>
-    <mc:Fallback>
-      <p:transition spd="slow"/>
-    </mc:Fallback>
-  </mc:AlternateContent>
-  <p:timing>
-    <p:tnLst>
-      <p:par>
-        <p:cTn id="37" dur="indefinite" restart="never" nodeType="tmRoot">
-          <p:childTnLst>
-            <p:seq>
-              <p:cTn id="38" dur="indefinite" nodeType="mainSeq">
-                <p:childTnLst>
-                  <p:par>
-                    <p:cTn id="39" fill="hold">
-                      <p:stCondLst>
-                        <p:cond delay="0"/>
-                      </p:stCondLst>
-                      <p:childTnLst>
-                        <p:par>
-                          <p:cTn id="40" fill="hold">
-                            <p:stCondLst>
-                              <p:cond delay="0"/>
-                            </p:stCondLst>
-                            <p:childTnLst>
-                              <p:par>
-                                <p:cTn id="41" nodeType="withEffect" fill="hold" presetClass="entr" presetID="1">
-                                  <p:stCondLst>
-                                    <p:cond delay="0"/>
-                                  </p:stCondLst>
-                                  <p:childTnLst>
-                                    <p:set>
-                                      <p:cBhvr>
-                                        <p:cTn id="42" dur="1" fill="hold">
-                                          <p:stCondLst>
-                                            <p:cond delay="0"/>
-                                          </p:stCondLst>
-                                        </p:cTn>
-                                        <p:tgtEl>
-                                          <p:spTgt spid="144"/>
-                                        </p:tgtEl>
-                                        <p:attrNameLst>
-                                          <p:attrName>style.visibility</p:attrName>
-                                        </p:attrNameLst>
-                                      </p:cBhvr>
-                                      <p:to>
-                                        <p:strVal val="visible"/>
-                                      </p:to>
-                                    </p:set>
-                                  </p:childTnLst>
-                                </p:cTn>
-                              </p:par>
-                            </p:childTnLst>
-                          </p:cTn>
-                        </p:par>
-                      </p:childTnLst>
-                    </p:cTn>
-                  </p:par>
-                </p:childTnLst>
-              </p:cTn>
-              <p:prevCondLst>
-                <p:cond evt="onPrev">
-                  <p:tgtEl>
-                    <p:sldTgt/>
-                  </p:tgtEl>
-                </p:cond>
-              </p:prevCondLst>
-              <p:nextCondLst>
-                <p:cond evt="onNext">
-                  <p:tgtEl>
-                    <p:sldTgt/>
-                  </p:tgtEl>
-                </p:cond>
-              </p:nextCondLst>
-            </p:seq>
-          </p:childTnLst>
-        </p:cTn>
-      </p:par>
-    </p:tnLst>
-  </p:timing>
-</p:sld>
-</file>
-
-<file path=ppt/slides/slide7.xml><?xml version="1.0" encoding="utf-8"?>
-<p:sld xmlns:a="http://schemas.openxmlformats.org/drawingml/2006/main" xmlns:p="http://schemas.openxmlformats.org/presentationml/2006/main" xmlns:r="http://schemas.openxmlformats.org/officeDocument/2006/relationships" xmlns:p14="http://schemas.microsoft.com/office/powerpoint/2010/main" xmlns:p15="http://schemas.microsoft.com/office/powerpoint/2012/main" xmlns:mc="http://schemas.openxmlformats.org/markup-compatibility/2006">
-  <p:cSld>
-    <p:spTree>
-      <p:nvGrpSpPr>
-        <p:cNvPr id="1" name=""/>
-        <p:cNvGrpSpPr/>
-        <p:nvPr/>
-      </p:nvGrpSpPr>
-      <p:grpSpPr>
-        <a:xfrm>
-          <a:off x="0" y="0"/>
-          <a:ext cx="0" cy="0"/>
-          <a:chOff x="0" y="0"/>
-          <a:chExt cx="0" cy="0"/>
-        </a:xfrm>
-      </p:grpSpPr>
-      <p:sp>
-        <p:nvSpPr>
-          <p:cNvPr id="148" name="PlaceHolder 1"/>
-          <p:cNvSpPr>
-            <a:spLocks noGrp="1"/>
-          </p:cNvSpPr>
-          <p:nvPr>
-            <p:ph type="title"/>
-          </p:nvPr>
-        </p:nvSpPr>
-        <p:spPr>
-          <a:xfrm>
-            <a:off x="360000" y="225720"/>
-            <a:ext cx="9358920" cy="717840"/>
-          </a:xfrm>
-          <a:prstGeom prst="rect">
-            <a:avLst/>
-          </a:prstGeom>
-          <a:noFill/>
-          <a:ln w="0">
-            <a:noFill/>
-          </a:ln>
-        </p:spPr>
-        <p:txBody>
-          <a:bodyPr lIns="0" rIns="0" tIns="0" bIns="0" anchor="ctr">
-            <a:noAutofit/>
-          </a:bodyPr>
-          <a:p>
-            <a:pPr indent="0">
-              <a:lnSpc>
-                <a:spcPct val="100000"/>
-              </a:lnSpc>
-              <a:buNone/>
-              <a:tabLst>
-                <a:tab algn="l" pos="0"/>
-              </a:tabLst>
-            </a:pPr>
-            <a:r>
-              <a:rPr b="1" lang="ru-RU" sz="2700" spc="-1" strike="noStrike">
-                <a:solidFill>
-                  <a:srgbClr val="ffffff"/>
-                </a:solidFill>
-                <a:latin typeface="Source Sans Pro Black"/>
-              </a:rPr>
-              <a:t>Функция внимания</a:t>
-            </a:r>
-            <a:endParaRPr b="0" lang="ru-RU" sz="2700" spc="-1" strike="noStrike">
-              <a:solidFill>
-                <a:srgbClr val="000000"/>
-              </a:solidFill>
-              <a:latin typeface="Arial"/>
-            </a:endParaRPr>
-          </a:p>
-        </p:txBody>
-      </p:sp>
-      <p:sp>
-        <p:nvSpPr>
-          <p:cNvPr id="149" name="PlaceHolder 2"/>
-          <p:cNvSpPr>
-            <a:spLocks noGrp="1"/>
-          </p:cNvSpPr>
-          <p:nvPr>
-            <p:ph/>
-          </p:nvPr>
-        </p:nvSpPr>
-        <p:spPr>
-          <a:xfrm>
-            <a:off x="180000" y="1260000"/>
-            <a:ext cx="8459280" cy="1079280"/>
-          </a:xfrm>
-          <a:prstGeom prst="rect">
-            <a:avLst/>
-          </a:prstGeom>
-          <a:noFill/>
-          <a:ln w="0">
-            <a:noFill/>
-          </a:ln>
-        </p:spPr>
-        <p:txBody>
-          <a:bodyPr lIns="0" rIns="0" tIns="0" bIns="0" anchor="t">
-            <a:normAutofit/>
-          </a:bodyPr>
-          <a:p>
-            <a:pPr marL="432000" indent="-324000">
-              <a:lnSpc>
-                <a:spcPct val="100000"/>
-              </a:lnSpc>
-              <a:spcAft>
-                <a:spcPts val="1057"/>
-              </a:spcAft>
-              <a:buClr>
-                <a:srgbClr val="2c3e50"/>
-              </a:buClr>
-              <a:buSzPct val="45000"/>
-              <a:buFont typeface="Wingdings" charset="2"/>
-              <a:buChar char=""/>
-            </a:pPr>
-            <a:r>
-              <a:rPr b="1" lang="ru-RU" sz="1800" spc="-1" strike="noStrike">
-                <a:solidFill>
-                  <a:srgbClr val="2c3e50"/>
-                </a:solidFill>
-                <a:latin typeface="Arial"/>
-              </a:rPr>
-              <a:t>Q — матрица запросов, K — матрица ключей, V — матрица значений, E - размерность</a:t>
-            </a:r>
-            <a:endParaRPr b="0" lang="ru-RU" sz="1800" spc="-1" strike="noStrike">
-              <a:solidFill>
-                <a:srgbClr val="000000"/>
-              </a:solidFill>
-              <a:latin typeface="Arial"/>
-            </a:endParaRPr>
-          </a:p>
-        </p:txBody>
-      </p:sp>
-      <p:sp>
-        <p:nvSpPr>
-          <p:cNvPr id="150" name=""/>
-          <p:cNvSpPr/>
-          <p:nvPr/>
-        </p:nvSpPr>
-        <p:spPr>
-          <a:xfrm>
-            <a:off x="408600" y="2339280"/>
-            <a:ext cx="3191400" cy="1027440"/>
-          </a:xfrm>
-          <a:prstGeom prst="rect">
-            <a:avLst/>
-          </a:prstGeom>
-          <a:noFill/>
-          <a:ln w="0">
-            <a:noFill/>
-          </a:ln>
-        </p:spPr>
-        <p:style>
-          <a:lnRef idx="0"/>
-          <a:fillRef idx="0"/>
-          <a:effectRef idx="0"/>
-          <a:fontRef idx="minor"/>
-        </p:style>
-        <p:txBody>
-          <a:bodyPr lIns="90000" rIns="90000" tIns="45000" bIns="45000" anchor="t">
-            <a:noAutofit/>
-          </a:bodyPr>
-          <a:p>
-            <a:pPr>
-              <a:lnSpc>
-                <a:spcPct val="100000"/>
-              </a:lnSpc>
-            </a:pPr>
-            <a:r>
-              <a:rPr b="0" lang="ru-RU" sz="2200" spc="-1" strike="noStrike">
-                <a:solidFill>
-                  <a:srgbClr val="000000"/>
-                </a:solidFill>
-                <a:latin typeface="Arial"/>
-                <a:ea typeface="DejaVu Sans"/>
-              </a:rPr>
-              <a:t>Размерность Q: [N,E]</a:t>
-            </a:r>
-            <a:endParaRPr b="0" lang="ru-RU" sz="2200" spc="-1" strike="noStrike">
-              <a:solidFill>
-                <a:srgbClr val="000000"/>
-              </a:solidFill>
-              <a:latin typeface="Arial"/>
-            </a:endParaRPr>
-          </a:p>
-          <a:p>
-            <a:pPr>
-              <a:lnSpc>
-                <a:spcPct val="100000"/>
-              </a:lnSpc>
-            </a:pPr>
-            <a:r>
-              <a:rPr b="0" lang="ru-RU" sz="2200" spc="-1" strike="noStrike">
-                <a:solidFill>
-                  <a:srgbClr val="000000"/>
-                </a:solidFill>
-                <a:latin typeface="Arial"/>
-                <a:ea typeface="DejaVu Sans"/>
-              </a:rPr>
-              <a:t>Размерность K: [M, E]</a:t>
-            </a:r>
-            <a:endParaRPr b="0" lang="ru-RU" sz="2200" spc="-1" strike="noStrike">
-              <a:solidFill>
-                <a:srgbClr val="000000"/>
-              </a:solidFill>
-              <a:latin typeface="Arial"/>
-            </a:endParaRPr>
-          </a:p>
-          <a:p>
-            <a:pPr>
-              <a:lnSpc>
-                <a:spcPct val="100000"/>
-              </a:lnSpc>
-            </a:pPr>
-            <a:r>
-              <a:rPr b="0" lang="ru-RU" sz="2200" spc="-1" strike="noStrike">
-                <a:solidFill>
-                  <a:srgbClr val="000000"/>
-                </a:solidFill>
-                <a:latin typeface="Arial"/>
-                <a:ea typeface="DejaVu Sans"/>
-              </a:rPr>
-              <a:t>Размерность V: [M,E’]</a:t>
-            </a:r>
-            <a:endParaRPr b="0" lang="ru-RU" sz="2200" spc="-1" strike="noStrike">
-              <a:solidFill>
-                <a:srgbClr val="000000"/>
-              </a:solidFill>
-              <a:latin typeface="Arial"/>
-            </a:endParaRPr>
-          </a:p>
-        </p:txBody>
-      </p:sp>
-      <p:sp>
-        <p:nvSpPr>
-          <p:cNvPr id="151" name=""/>
-          <p:cNvSpPr/>
-          <p:nvPr/>
-        </p:nvSpPr>
-        <p:spPr>
-          <a:xfrm>
-            <a:off x="3600000" y="3780000"/>
-            <a:ext cx="3779280" cy="1747440"/>
-          </a:xfrm>
-          <a:prstGeom prst="rect">
-            <a:avLst/>
-          </a:prstGeom>
-          <a:noFill/>
-          <a:ln w="0">
-            <a:noFill/>
-          </a:ln>
-        </p:spPr>
-        <p:style>
-          <a:lnRef idx="0"/>
-          <a:fillRef idx="0"/>
-          <a:effectRef idx="0"/>
-          <a:fontRef idx="minor"/>
-        </p:style>
-        <p:txBody>
-          <a:bodyPr lIns="90000" rIns="90000" tIns="45000" bIns="45000" anchor="t">
-            <a:noAutofit/>
-          </a:bodyPr>
-          <a:p>
-            <a:pPr>
-              <a:lnSpc>
-                <a:spcPct val="100000"/>
-              </a:lnSpc>
-            </a:pPr>
-            <a:r>
-              <a:rPr b="0" lang="ru-RU" sz="2200" spc="-1" strike="noStrike">
-                <a:solidFill>
-                  <a:srgbClr val="000000"/>
-                </a:solidFill>
-                <a:latin typeface="Arial"/>
-                <a:ea typeface="DejaVu Sans"/>
-              </a:rPr>
-              <a:t>Почему </a:t>
-            </a:r>
-            <a:r>
-              <a:rPr b="0" lang="ru-RU" sz="2200" spc="-1" strike="noStrike">
-                <a:solidFill>
-                  <a:srgbClr val="000000"/>
-                </a:solidFill>
-                <a:latin typeface="Arial"/>
-                <a:ea typeface="Arial"/>
-              </a:rPr>
-              <a:t>√E ?</a:t>
-            </a:r>
-            <a:endParaRPr b="0" lang="ru-RU" sz="2200" spc="-1" strike="noStrike">
-              <a:solidFill>
-                <a:srgbClr val="000000"/>
-              </a:solidFill>
-              <a:latin typeface="Arial"/>
-            </a:endParaRPr>
-          </a:p>
-        </p:txBody>
-      </p:sp>
-      <mc:AlternateContent>
-        <mc:Choice xmlns:a14="http://schemas.microsoft.com/office/drawing/2010/main" Requires="a14">
-          <p:sp>
-            <p:nvSpPr>
-              <p:cNvPr id="152" name=""/>
-              <p:cNvSpPr txBox="1"/>
-              <p:nvPr/>
-            </p:nvSpPr>
-            <p:spPr>
-              <a:xfrm>
-                <a:off x="5033520" y="2309040"/>
-                <a:ext cx="3605760" cy="1290960"/>
+                <a:off x="4132800" y="2338920"/>
+                <a:ext cx="5406120" cy="1291320"/>
               </a:xfrm>
               <a:prstGeom prst="rect">
                 <a:avLst/>
@@ -15240,38 +15224,38 @@
   <p:timing>
     <p:tnLst>
       <p:par>
-        <p:cTn id="43" dur="indefinite" restart="never" nodeType="tmRoot">
+        <p:cTn id="37" dur="indefinite" restart="never" nodeType="tmRoot">
           <p:childTnLst>
             <p:seq>
-              <p:cTn id="44" dur="indefinite" nodeType="mainSeq">
+              <p:cTn id="38" dur="indefinite" nodeType="mainSeq">
                 <p:childTnLst>
                   <p:par>
-                    <p:cTn id="45" fill="hold">
+                    <p:cTn id="39" fill="hold">
                       <p:stCondLst>
                         <p:cond delay="indefinite"/>
                       </p:stCondLst>
                       <p:childTnLst>
                         <p:par>
-                          <p:cTn id="46" fill="hold">
+                          <p:cTn id="40" fill="hold">
                             <p:stCondLst>
                               <p:cond delay="0"/>
                             </p:stCondLst>
                             <p:childTnLst>
                               <p:par>
-                                <p:cTn id="47" nodeType="clickEffect" fill="hold" presetClass="entr" presetID="1">
+                                <p:cTn id="41" nodeType="clickEffect" fill="hold" presetClass="entr" presetID="1">
                                   <p:stCondLst>
                                     <p:cond delay="0"/>
                                   </p:stCondLst>
                                   <p:childTnLst>
                                     <p:set>
                                       <p:cBhvr>
-                                        <p:cTn id="48" dur="1" fill="hold">
+                                        <p:cTn id="42" dur="1" fill="hold">
                                           <p:stCondLst>
                                             <p:cond delay="0"/>
                                           </p:stCondLst>
                                         </p:cTn>
                                         <p:tgtEl>
-                                          <p:spTgt spid="151">
+                                          <p:spTgt spid="145">
                                             <p:txEl>
                                               <p:pRg st="0" end="0"/>
                                             </p:txEl>
@@ -15319,7 +15303,7 @@
 </p:sld>
 </file>
 
-<file path=ppt/slides/slide8.xml><?xml version="1.0" encoding="utf-8"?>
+<file path=ppt/slides/slide6.xml><?xml version="1.0" encoding="utf-8"?>
 <p:sld xmlns:a="http://schemas.openxmlformats.org/drawingml/2006/main" xmlns:p="http://schemas.openxmlformats.org/presentationml/2006/main" xmlns:r="http://schemas.openxmlformats.org/officeDocument/2006/relationships" xmlns:p14="http://schemas.microsoft.com/office/powerpoint/2010/main" xmlns:p15="http://schemas.microsoft.com/office/powerpoint/2012/main" xmlns:mc="http://schemas.openxmlformats.org/markup-compatibility/2006">
   <p:cSld>
     <p:spTree>
@@ -15338,14 +15322,14 @@
       </p:grpSpPr>
       <p:sp>
         <p:nvSpPr>
-          <p:cNvPr id="153" name=""/>
+          <p:cNvPr id="147" name=""/>
           <p:cNvSpPr/>
           <p:nvPr/>
         </p:nvSpPr>
         <p:spPr>
           <a:xfrm>
             <a:off x="478080" y="360000"/>
-            <a:ext cx="3301200" cy="577800"/>
+            <a:ext cx="3299760" cy="576360"/>
           </a:xfrm>
           <a:prstGeom prst="rect">
             <a:avLst/>
@@ -15392,14 +15376,14 @@
       </p:sp>
       <p:sp>
         <p:nvSpPr>
-          <p:cNvPr id="154" name=""/>
+          <p:cNvPr id="148" name=""/>
           <p:cNvSpPr/>
           <p:nvPr/>
         </p:nvSpPr>
         <p:spPr>
           <a:xfrm>
             <a:off x="490320" y="1380600"/>
-            <a:ext cx="7428960" cy="524160"/>
+            <a:ext cx="7427520" cy="522720"/>
           </a:xfrm>
           <a:prstGeom prst="rect">
             <a:avLst/>
@@ -15446,14 +15430,14 @@
       </p:sp>
       <p:sp>
         <p:nvSpPr>
-          <p:cNvPr id="155" name=""/>
+          <p:cNvPr id="149" name=""/>
           <p:cNvSpPr/>
           <p:nvPr/>
         </p:nvSpPr>
         <p:spPr>
           <a:xfrm>
             <a:off x="540000" y="3420000"/>
-            <a:ext cx="8418600" cy="1279080"/>
+            <a:ext cx="8417160" cy="1277640"/>
           </a:xfrm>
           <a:prstGeom prst="rect">
             <a:avLst/>
@@ -15502,14 +15486,14 @@
         <mc:Choice xmlns:a14="http://schemas.microsoft.com/office/drawing/2010/main" Requires="a14">
           <p:sp>
             <p:nvSpPr>
-              <p:cNvPr id="156" name=""/>
+              <p:cNvPr id="150" name=""/>
               <p:cNvSpPr txBox="1"/>
               <p:nvPr/>
             </p:nvSpPr>
             <p:spPr>
               <a:xfrm>
                 <a:off x="528840" y="2160000"/>
-                <a:ext cx="3071160" cy="578520"/>
+                <a:ext cx="4509720" cy="578520"/>
               </a:xfrm>
               <a:prstGeom prst="rect">
                 <a:avLst/>
@@ -15579,38 +15563,38 @@
   <p:timing>
     <p:tnLst>
       <p:par>
-        <p:cTn id="49" dur="indefinite" restart="never" nodeType="tmRoot">
+        <p:cTn id="43" dur="indefinite" restart="never" nodeType="tmRoot">
           <p:childTnLst>
             <p:seq>
-              <p:cTn id="50" dur="indefinite" nodeType="mainSeq">
+              <p:cTn id="44" dur="indefinite" nodeType="mainSeq">
                 <p:childTnLst>
                   <p:par>
-                    <p:cTn id="51" fill="hold">
+                    <p:cTn id="45" fill="hold">
                       <p:stCondLst>
                         <p:cond delay="indefinite"/>
                       </p:stCondLst>
                       <p:childTnLst>
                         <p:par>
-                          <p:cTn id="52" fill="hold">
+                          <p:cTn id="46" fill="hold">
                             <p:stCondLst>
                               <p:cond delay="0"/>
                             </p:stCondLst>
                             <p:childTnLst>
                               <p:par>
-                                <p:cTn id="53" nodeType="clickEffect" fill="hold" presetClass="entr" presetID="1">
+                                <p:cTn id="47" nodeType="clickEffect" fill="hold" presetClass="entr" presetID="1">
                                   <p:stCondLst>
                                     <p:cond delay="0"/>
                                   </p:stCondLst>
                                   <p:childTnLst>
                                     <p:set>
                                       <p:cBhvr>
-                                        <p:cTn id="54" dur="1" fill="hold">
+                                        <p:cTn id="48" dur="1" fill="hold">
                                           <p:stCondLst>
                                             <p:cond delay="0"/>
                                           </p:stCondLst>
                                         </p:cTn>
                                         <p:tgtEl>
-                                          <p:spTgt spid="155">
+                                          <p:spTgt spid="149">
                                             <p:txEl>
                                               <p:pRg st="0" end="0"/>
                                             </p:txEl>
@@ -15658,7 +15642,7 @@
 </p:sld>
 </file>
 
-<file path=ppt/slides/slide9.xml><?xml version="1.0" encoding="utf-8"?>
+<file path=ppt/slides/slide7.xml><?xml version="1.0" encoding="utf-8"?>
 <p:sld xmlns:a="http://schemas.openxmlformats.org/drawingml/2006/main" xmlns:p="http://schemas.openxmlformats.org/presentationml/2006/main" xmlns:r="http://schemas.openxmlformats.org/officeDocument/2006/relationships" xmlns:p14="http://schemas.microsoft.com/office/powerpoint/2010/main" xmlns:p15="http://schemas.microsoft.com/office/powerpoint/2012/main" xmlns:mc="http://schemas.openxmlformats.org/markup-compatibility/2006">
   <p:cSld>
     <p:spTree>
@@ -15677,7 +15661,7 @@
       </p:grpSpPr>
       <p:sp>
         <p:nvSpPr>
-          <p:cNvPr id="157" name="PlaceHolder 1"/>
+          <p:cNvPr id="151" name="PlaceHolder 1"/>
           <p:cNvSpPr>
             <a:spLocks noGrp="1"/>
           </p:cNvSpPr>
@@ -15688,7 +15672,7 @@
         <p:spPr>
           <a:xfrm>
             <a:off x="360000" y="225720"/>
-            <a:ext cx="9358920" cy="717840"/>
+            <a:ext cx="9357480" cy="716400"/>
           </a:xfrm>
           <a:prstGeom prst="rect">
             <a:avLst/>
@@ -15732,7 +15716,7 @@
       </p:sp>
       <p:sp>
         <p:nvSpPr>
-          <p:cNvPr id="158" name="PlaceHolder 2"/>
+          <p:cNvPr id="152" name="PlaceHolder 2"/>
           <p:cNvSpPr>
             <a:spLocks noGrp="1"/>
           </p:cNvSpPr>
@@ -15743,7 +15727,7 @@
         <p:spPr>
           <a:xfrm>
             <a:off x="-180000" y="1305000"/>
-            <a:ext cx="7199280" cy="1034280"/>
+            <a:ext cx="7197840" cy="1032840"/>
           </a:xfrm>
           <a:prstGeom prst="rect">
             <a:avLst/>
@@ -15790,14 +15774,14 @@
       </p:sp>
       <p:sp>
         <p:nvSpPr>
-          <p:cNvPr id="159" name=""/>
+          <p:cNvPr id="153" name=""/>
           <p:cNvSpPr/>
           <p:nvPr/>
         </p:nvSpPr>
         <p:spPr>
           <a:xfrm>
             <a:off x="193680" y="3410280"/>
-            <a:ext cx="9345600" cy="1449000"/>
+            <a:ext cx="9344160" cy="1447560"/>
           </a:xfrm>
           <a:prstGeom prst="rect">
             <a:avLst/>
@@ -15851,7 +15835,7 @@
                 <a:latin typeface="Arial"/>
                 <a:ea typeface="DejaVu Sans"/>
               </a:rPr>
-              <a:t>H). Её свертка с W</a:t>
+              <a:t>H). Её умножение с W</a:t>
             </a:r>
             <a:r>
               <a:rPr b="0" lang="ru-RU" sz="2400" spc="-1" strike="noStrike" baseline="33000">
@@ -15904,14 +15888,14 @@
       </p:sp>
       <p:sp>
         <p:nvSpPr>
-          <p:cNvPr id="160" name=""/>
+          <p:cNvPr id="154" name=""/>
           <p:cNvSpPr/>
           <p:nvPr/>
         </p:nvSpPr>
         <p:spPr>
           <a:xfrm>
             <a:off x="2880000" y="4680000"/>
-            <a:ext cx="6479280" cy="719280"/>
+            <a:ext cx="6477840" cy="717840"/>
           </a:xfrm>
           <a:prstGeom prst="rect">
             <a:avLst/>
@@ -15960,14 +15944,14 @@
         <mc:Choice xmlns:a14="http://schemas.microsoft.com/office/drawing/2010/main" Requires="a14">
           <p:sp>
             <p:nvSpPr>
-              <p:cNvPr id="161" name=""/>
+              <p:cNvPr id="155" name=""/>
               <p:cNvSpPr txBox="1"/>
               <p:nvPr/>
             </p:nvSpPr>
             <p:spPr>
               <a:xfrm>
-                <a:off x="244440" y="1980000"/>
-                <a:ext cx="4435560" cy="611280"/>
+                <a:off x="244440" y="1800000"/>
+                <a:ext cx="6058440" cy="538920"/>
               </a:xfrm>
               <a:prstGeom prst="rect">
                 <a:avLst/>
@@ -15979,7 +15963,7 @@
                 <a14:m>
                   <m:oMath xmlns:m="http://schemas.openxmlformats.org/officeDocument/2006/math">
                     <m:r>
-                      <m:t xml:space="preserve">A</m:t>
+                      <m:t xml:space="preserve">Z</m:t>
                     </m:r>
                     <m:r>
                       <m:t xml:space="preserve">=</m:t>
@@ -16025,7 +16009,7 @@
                         <m:sSub>
                           <m:e>
                             <m:r>
-                              <m:t xml:space="preserve">h</m:t>
+                              <m:t xml:space="preserve">z</m:t>
                             </m:r>
                           </m:e>
                           <m:sub>
@@ -16046,7 +16030,7 @@
                         <m:sSub>
                           <m:e>
                             <m:r>
-                              <m:t xml:space="preserve">h</m:t>
+                              <m:t xml:space="preserve">z</m:t>
                             </m:r>
                           </m:e>
                           <m:sub>
@@ -16081,14 +16065,14 @@
         <mc:Choice xmlns:a14="http://schemas.microsoft.com/office/drawing/2010/main" Requires="a14">
           <p:sp>
             <p:nvSpPr>
-              <p:cNvPr id="162" name=""/>
+              <p:cNvPr id="156" name=""/>
               <p:cNvSpPr txBox="1"/>
               <p:nvPr/>
             </p:nvSpPr>
             <p:spPr>
               <a:xfrm>
                 <a:off x="243720" y="2700000"/>
-                <a:ext cx="2636280" cy="664200"/>
+                <a:ext cx="3702240" cy="538920"/>
               </a:xfrm>
               <a:prstGeom prst="rect">
                 <a:avLst/>
@@ -16102,7 +16086,7 @@
                     <m:sSub>
                       <m:e>
                         <m:r>
-                          <m:t xml:space="preserve">h</m:t>
+                          <m:t xml:space="preserve">z</m:t>
                         </m:r>
                       </m:e>
                       <m:sub>
@@ -16194,14 +16178,14 @@
         <mc:Choice xmlns:a14="http://schemas.microsoft.com/office/drawing/2010/main" Requires="a14">
           <p:sp>
             <p:nvSpPr>
-              <p:cNvPr id="163" name=""/>
+              <p:cNvPr id="157" name=""/>
               <p:cNvSpPr txBox="1"/>
               <p:nvPr/>
             </p:nvSpPr>
             <p:spPr>
               <a:xfrm>
-                <a:off x="5556960" y="2160000"/>
-                <a:ext cx="3803040" cy="1130400"/>
+                <a:off x="4320000" y="2700000"/>
+                <a:ext cx="4880160" cy="718920"/>
               </a:xfrm>
               <a:prstGeom prst="rect">
                 <a:avLst/>
@@ -16261,18 +16245,23 @@
                     <m:r>
                       <m:t xml:space="preserve">,</m:t>
                     </m:r>
-                    <m:sSup>
+                    <m:sSubSup>
                       <m:e>
                         <m:r>
                           <m:t xml:space="preserve">W</m:t>
                         </m:r>
                       </m:e>
+                      <m:sub>
+                        <m:r>
+                          <m:t xml:space="preserve">i</m:t>
+                        </m:r>
+                      </m:sub>
                       <m:sup>
                         <m:r>
                           <m:t xml:space="preserve">K</m:t>
                         </m:r>
                       </m:sup>
-                    </m:sSup>
+                    </m:sSubSup>
                     <m:r>
                       <m:t xml:space="preserve">:</m:t>
                     </m:r>
@@ -16390,38 +16379,38 @@
   <p:timing>
     <p:tnLst>
       <p:par>
-        <p:cTn id="55" dur="indefinite" restart="never" nodeType="tmRoot">
+        <p:cTn id="49" dur="indefinite" restart="never" nodeType="tmRoot">
           <p:childTnLst>
             <p:seq>
-              <p:cTn id="56" dur="indefinite" nodeType="mainSeq">
+              <p:cTn id="50" dur="indefinite" nodeType="mainSeq">
                 <p:childTnLst>
                   <p:par>
-                    <p:cTn id="57" fill="hold">
+                    <p:cTn id="51" fill="hold">
                       <p:stCondLst>
                         <p:cond delay="0"/>
                       </p:stCondLst>
                       <p:childTnLst>
                         <p:par>
-                          <p:cTn id="58" fill="hold">
+                          <p:cTn id="52" fill="hold">
                             <p:stCondLst>
                               <p:cond delay="0"/>
                             </p:stCondLst>
                             <p:childTnLst>
                               <p:par>
-                                <p:cTn id="59" nodeType="withEffect" fill="hold" presetClass="entr" presetID="1">
+                                <p:cTn id="53" nodeType="withEffect" fill="hold" presetClass="entr" presetID="1">
                                   <p:stCondLst>
                                     <p:cond delay="0"/>
                                   </p:stCondLst>
                                   <p:childTnLst>
                                     <p:set>
                                       <p:cBhvr>
-                                        <p:cTn id="60" dur="1" fill="hold">
+                                        <p:cTn id="54" dur="1" fill="hold">
                                           <p:stCondLst>
                                             <p:cond delay="0"/>
                                           </p:stCondLst>
                                         </p:cTn>
                                         <p:tgtEl>
-                                          <p:spTgt spid="159">
+                                          <p:spTgt spid="153">
                                             <p:txEl>
                                               <p:pRg st="0" end="0"/>
                                             </p:txEl>
@@ -16444,6 +16433,480 @@
                       </p:childTnLst>
                     </p:cTn>
                   </p:par>
+                  <p:par>
+                    <p:cTn id="55" fill="hold">
+                      <p:stCondLst>
+                        <p:cond delay="indefinite"/>
+                      </p:stCondLst>
+                      <p:childTnLst>
+                        <p:par>
+                          <p:cTn id="56" fill="hold">
+                            <p:stCondLst>
+                              <p:cond delay="0"/>
+                            </p:stCondLst>
+                            <p:childTnLst>
+                              <p:par>
+                                <p:cTn id="57" nodeType="clickEffect" fill="hold" presetClass="entr" presetID="1">
+                                  <p:stCondLst>
+                                    <p:cond delay="0"/>
+                                  </p:stCondLst>
+                                  <p:childTnLst>
+                                    <p:set>
+                                      <p:cBhvr>
+                                        <p:cTn id="58" dur="1" fill="hold">
+                                          <p:stCondLst>
+                                            <p:cond delay="0"/>
+                                          </p:stCondLst>
+                                        </p:cTn>
+                                        <p:tgtEl>
+                                          <p:spTgt spid="154">
+                                            <p:txEl>
+                                              <p:pRg st="0" end="0"/>
+                                            </p:txEl>
+                                          </p:spTgt>
+                                        </p:tgtEl>
+                                        <p:attrNameLst>
+                                          <p:attrName>style.visibility</p:attrName>
+                                        </p:attrNameLst>
+                                      </p:cBhvr>
+                                      <p:to>
+                                        <p:strVal val="visible"/>
+                                      </p:to>
+                                    </p:set>
+                                  </p:childTnLst>
+                                </p:cTn>
+                              </p:par>
+                            </p:childTnLst>
+                          </p:cTn>
+                        </p:par>
+                      </p:childTnLst>
+                    </p:cTn>
+                  </p:par>
+                </p:childTnLst>
+              </p:cTn>
+              <p:prevCondLst>
+                <p:cond evt="onPrev">
+                  <p:tgtEl>
+                    <p:sldTgt/>
+                  </p:tgtEl>
+                </p:cond>
+              </p:prevCondLst>
+              <p:nextCondLst>
+                <p:cond evt="onNext">
+                  <p:tgtEl>
+                    <p:sldTgt/>
+                  </p:tgtEl>
+                </p:cond>
+              </p:nextCondLst>
+            </p:seq>
+          </p:childTnLst>
+        </p:cTn>
+      </p:par>
+    </p:tnLst>
+  </p:timing>
+</p:sld>
+</file>
+
+<file path=ppt/slides/slide8.xml><?xml version="1.0" encoding="utf-8"?>
+<p:sld xmlns:a="http://schemas.openxmlformats.org/drawingml/2006/main" xmlns:p="http://schemas.openxmlformats.org/presentationml/2006/main" xmlns:r="http://schemas.openxmlformats.org/officeDocument/2006/relationships" xmlns:p14="http://schemas.microsoft.com/office/powerpoint/2010/main" xmlns:p15="http://schemas.microsoft.com/office/powerpoint/2012/main" xmlns:mc="http://schemas.openxmlformats.org/markup-compatibility/2006">
+  <p:cSld>
+    <p:spTree>
+      <p:nvGrpSpPr>
+        <p:cNvPr id="1" name=""/>
+        <p:cNvGrpSpPr/>
+        <p:nvPr/>
+      </p:nvGrpSpPr>
+      <p:grpSpPr>
+        <a:xfrm>
+          <a:off x="0" y="0"/>
+          <a:ext cx="0" cy="0"/>
+          <a:chOff x="0" y="0"/>
+          <a:chExt cx="0" cy="0"/>
+        </a:xfrm>
+      </p:grpSpPr>
+      <p:pic>
+        <p:nvPicPr>
+          <p:cNvPr id="158" name="" descr=""/>
+          <p:cNvPicPr/>
+          <p:nvPr/>
+        </p:nvPicPr>
+        <p:blipFill>
+          <a:blip r:embed="rId1"/>
+          <a:stretch/>
+        </p:blipFill>
+        <p:spPr>
+          <a:xfrm>
+            <a:off x="1941840" y="1613520"/>
+            <a:ext cx="6207840" cy="3434040"/>
+          </a:xfrm>
+          <a:prstGeom prst="rect">
+            <a:avLst/>
+          </a:prstGeom>
+          <a:ln w="0">
+            <a:noFill/>
+          </a:ln>
+        </p:spPr>
+      </p:pic>
+      <p:sp>
+        <p:nvSpPr>
+          <p:cNvPr id="159" name=""/>
+          <p:cNvSpPr txBox="1"/>
+          <p:nvPr/>
+        </p:nvSpPr>
+        <p:spPr>
+          <a:xfrm>
+            <a:off x="34200" y="325440"/>
+            <a:ext cx="6379560" cy="1065960"/>
+          </a:xfrm>
+          <a:prstGeom prst="rect">
+            <a:avLst/>
+          </a:prstGeom>
+          <a:noFill/>
+          <a:ln w="0">
+            <a:noFill/>
+          </a:ln>
+        </p:spPr>
+        <p:txBody>
+          <a:bodyPr lIns="90000" rIns="90000" tIns="45000" bIns="45000" anchor="t">
+            <a:noAutofit/>
+          </a:bodyPr>
+          <a:p>
+            <a:r>
+              <a:rPr b="1" lang="ru-RU" sz="2700" spc="-1" strike="noStrike">
+                <a:solidFill>
+                  <a:srgbClr val="ffffff"/>
+                </a:solidFill>
+                <a:latin typeface="Source Sans Pro Black"/>
+                <a:ea typeface="DejaVu Sans"/>
+              </a:rPr>
+              <a:t>Графическое представлние MultiHead</a:t>
+            </a:r>
+            <a:endParaRPr b="0" lang="ru-RU" sz="2700" spc="-1" strike="noStrike">
+              <a:solidFill>
+                <a:srgbClr val="000000"/>
+              </a:solidFill>
+              <a:latin typeface="Arial"/>
+            </a:endParaRPr>
+          </a:p>
+        </p:txBody>
+      </p:sp>
+    </p:spTree>
+  </p:cSld>
+  <mc:AlternateContent>
+    <mc:Choice Requires="p14">
+      <p:transition spd="slow" p14:dur="2000"/>
+    </mc:Choice>
+    <mc:Fallback>
+      <p:transition spd="slow"/>
+    </mc:Fallback>
+  </mc:AlternateContent>
+</p:sld>
+</file>
+
+<file path=ppt/slides/slide9.xml><?xml version="1.0" encoding="utf-8"?>
+<p:sld xmlns:a="http://schemas.openxmlformats.org/drawingml/2006/main" xmlns:p="http://schemas.openxmlformats.org/presentationml/2006/main" xmlns:r="http://schemas.openxmlformats.org/officeDocument/2006/relationships" xmlns:p14="http://schemas.microsoft.com/office/powerpoint/2010/main" xmlns:p15="http://schemas.microsoft.com/office/powerpoint/2012/main" xmlns:mc="http://schemas.openxmlformats.org/markup-compatibility/2006">
+  <p:cSld>
+    <p:spTree>
+      <p:nvGrpSpPr>
+        <p:cNvPr id="1" name=""/>
+        <p:cNvGrpSpPr/>
+        <p:nvPr/>
+      </p:nvGrpSpPr>
+      <p:grpSpPr>
+        <a:xfrm>
+          <a:off x="0" y="0"/>
+          <a:ext cx="0" cy="0"/>
+          <a:chOff x="0" y="0"/>
+          <a:chExt cx="0" cy="0"/>
+        </a:xfrm>
+      </p:grpSpPr>
+      <p:sp>
+        <p:nvSpPr>
+          <p:cNvPr id="160" name=""/>
+          <p:cNvSpPr/>
+          <p:nvPr/>
+        </p:nvSpPr>
+        <p:spPr>
+          <a:xfrm>
+            <a:off x="201960" y="360000"/>
+            <a:ext cx="5735880" cy="717840"/>
+          </a:xfrm>
+          <a:prstGeom prst="rect">
+            <a:avLst/>
+          </a:prstGeom>
+          <a:noFill/>
+          <a:ln w="0">
+            <a:noFill/>
+          </a:ln>
+        </p:spPr>
+        <p:style>
+          <a:lnRef idx="0"/>
+          <a:fillRef idx="0"/>
+          <a:effectRef idx="0"/>
+          <a:fontRef idx="minor"/>
+        </p:style>
+        <p:txBody>
+          <a:bodyPr lIns="90000" rIns="90000" tIns="45000" bIns="45000" anchor="t">
+            <a:noAutofit/>
+          </a:bodyPr>
+          <a:p>
+            <a:pPr>
+              <a:lnSpc>
+                <a:spcPct val="100000"/>
+              </a:lnSpc>
+            </a:pPr>
+            <a:r>
+              <a:rPr b="1" lang="ru-RU" sz="2700" spc="-1" strike="noStrike">
+                <a:solidFill>
+                  <a:srgbClr val="ffffff"/>
+                </a:solidFill>
+                <a:latin typeface="Source Sans Pro Black"/>
+                <a:ea typeface="DejaVu Sans"/>
+              </a:rPr>
+              <a:t>Маскированное внимание</a:t>
+            </a:r>
+            <a:endParaRPr b="0" lang="ru-RU" sz="2700" spc="-1" strike="noStrike">
+              <a:solidFill>
+                <a:srgbClr val="000000"/>
+              </a:solidFill>
+              <a:latin typeface="Arial"/>
+            </a:endParaRPr>
+          </a:p>
+        </p:txBody>
+      </p:sp>
+      <p:sp>
+        <p:nvSpPr>
+          <p:cNvPr id="161" name=""/>
+          <p:cNvSpPr/>
+          <p:nvPr/>
+        </p:nvSpPr>
+        <p:spPr>
+          <a:xfrm>
+            <a:off x="3780000" y="1560240"/>
+            <a:ext cx="1617840" cy="957600"/>
+          </a:xfrm>
+          <a:prstGeom prst="rect">
+            <a:avLst/>
+          </a:prstGeom>
+          <a:noFill/>
+          <a:ln w="0">
+            <a:noFill/>
+          </a:ln>
+        </p:spPr>
+        <p:style>
+          <a:lnRef idx="0"/>
+          <a:fillRef idx="0"/>
+          <a:effectRef idx="0"/>
+          <a:fontRef idx="minor"/>
+        </p:style>
+        <p:txBody>
+          <a:bodyPr lIns="90000" rIns="90000" tIns="45000" bIns="45000" anchor="t">
+            <a:noAutofit/>
+          </a:bodyPr>
+          <a:p>
+            <a:pPr>
+              <a:lnSpc>
+                <a:spcPct val="100000"/>
+              </a:lnSpc>
+            </a:pPr>
+            <a:r>
+              <a:rPr b="1" lang="ru-RU" sz="3600" spc="-1" strike="noStrike">
+                <a:solidFill>
+                  <a:srgbClr val="2c3e50"/>
+                </a:solidFill>
+                <a:latin typeface="Source Sans Pro Semibold"/>
+                <a:ea typeface="DejaVu Sans"/>
+              </a:rPr>
+              <a:t>Маски</a:t>
+            </a:r>
+            <a:endParaRPr b="0" lang="ru-RU" sz="3600" spc="-1" strike="noStrike">
+              <a:solidFill>
+                <a:srgbClr val="000000"/>
+              </a:solidFill>
+              <a:latin typeface="Arial"/>
+            </a:endParaRPr>
+          </a:p>
+        </p:txBody>
+      </p:sp>
+      <p:sp>
+        <p:nvSpPr>
+          <p:cNvPr id="162" name=""/>
+          <p:cNvSpPr/>
+          <p:nvPr/>
+        </p:nvSpPr>
+        <p:spPr>
+          <a:xfrm>
+            <a:off x="1440000" y="2700000"/>
+            <a:ext cx="3057840" cy="897840"/>
+          </a:xfrm>
+          <a:prstGeom prst="rect">
+            <a:avLst/>
+          </a:prstGeom>
+          <a:solidFill>
+            <a:schemeClr val="accent1"/>
+          </a:solidFill>
+          <a:ln w="0">
+            <a:solidFill>
+              <a:srgbClr val="254061"/>
+            </a:solidFill>
+          </a:ln>
+        </p:spPr>
+        <p:style>
+          <a:lnRef idx="0"/>
+          <a:fillRef idx="0"/>
+          <a:effectRef idx="0"/>
+          <a:fontRef idx="minor"/>
+        </p:style>
+        <p:txBody>
+          <a:bodyPr lIns="90000" rIns="90000" tIns="45000" bIns="45000" anchor="ctr">
+            <a:noAutofit/>
+          </a:bodyPr>
+          <a:p>
+            <a:pPr>
+              <a:lnSpc>
+                <a:spcPct val="100000"/>
+              </a:lnSpc>
+            </a:pPr>
+            <a:endParaRPr b="0" lang="ru-RU" sz="1800" spc="-1" strike="noStrike">
+              <a:solidFill>
+                <a:srgbClr val="000000"/>
+              </a:solidFill>
+              <a:latin typeface="Arial"/>
+              <a:ea typeface="DejaVu Sans"/>
+            </a:endParaRPr>
+          </a:p>
+        </p:txBody>
+      </p:sp>
+      <p:sp>
+        <p:nvSpPr>
+          <p:cNvPr id="163" name=""/>
+          <p:cNvSpPr/>
+          <p:nvPr/>
+        </p:nvSpPr>
+        <p:spPr>
+          <a:xfrm>
+            <a:off x="4860000" y="2700000"/>
+            <a:ext cx="2877840" cy="897840"/>
+          </a:xfrm>
+          <a:prstGeom prst="rect">
+            <a:avLst/>
+          </a:prstGeom>
+          <a:solidFill>
+            <a:schemeClr val="accent1"/>
+          </a:solidFill>
+          <a:ln w="0">
+            <a:solidFill>
+              <a:srgbClr val="254061"/>
+            </a:solidFill>
+          </a:ln>
+        </p:spPr>
+        <p:style>
+          <a:lnRef idx="0"/>
+          <a:fillRef idx="0"/>
+          <a:effectRef idx="0"/>
+          <a:fontRef idx="minor"/>
+        </p:style>
+        <p:txBody>
+          <a:bodyPr lIns="90000" rIns="90000" tIns="45000" bIns="45000" anchor="ctr">
+            <a:noAutofit/>
+          </a:bodyPr>
+          <a:p>
+            <a:pPr algn="ctr">
+              <a:lnSpc>
+                <a:spcPct val="100000"/>
+              </a:lnSpc>
+            </a:pPr>
+            <a:r>
+              <a:rPr b="1" lang="ru-RU" sz="1800" spc="-1" strike="noStrike">
+                <a:solidFill>
+                  <a:srgbClr val="ffffff"/>
+                </a:solidFill>
+                <a:latin typeface="Arial"/>
+                <a:ea typeface="DejaVu Sans"/>
+              </a:rPr>
+              <a:t>Вещественная(attn_mask)[N,M]</a:t>
+            </a:r>
+            <a:endParaRPr b="0" lang="ru-RU" sz="1800" spc="-1" strike="noStrike">
+              <a:solidFill>
+                <a:srgbClr val="000000"/>
+              </a:solidFill>
+              <a:latin typeface="Arial"/>
+            </a:endParaRPr>
+          </a:p>
+        </p:txBody>
+      </p:sp>
+      <p:sp>
+        <p:nvSpPr>
+          <p:cNvPr id="164" name=""/>
+          <p:cNvSpPr/>
+          <p:nvPr/>
+        </p:nvSpPr>
+        <p:spPr>
+          <a:xfrm>
+            <a:off x="1440000" y="2700000"/>
+            <a:ext cx="3057840" cy="1066680"/>
+          </a:xfrm>
+          <a:prstGeom prst="rect">
+            <a:avLst/>
+          </a:prstGeom>
+          <a:noFill/>
+          <a:ln w="0">
+            <a:noFill/>
+          </a:ln>
+        </p:spPr>
+        <p:style>
+          <a:lnRef idx="0"/>
+          <a:fillRef idx="0"/>
+          <a:effectRef idx="0"/>
+          <a:fontRef idx="minor"/>
+        </p:style>
+        <p:txBody>
+          <a:bodyPr lIns="90000" rIns="90000" tIns="45000" bIns="45000" anchor="t">
+            <a:noAutofit/>
+          </a:bodyPr>
+          <a:p>
+            <a:pPr algn="ctr">
+              <a:lnSpc>
+                <a:spcPct val="100000"/>
+              </a:lnSpc>
+            </a:pPr>
+            <a:r>
+              <a:rPr b="1" lang="ru-RU" sz="1800" spc="-1" strike="noStrike">
+                <a:solidFill>
+                  <a:srgbClr val="ffffff"/>
+                </a:solidFill>
+                <a:latin typeface="Arial"/>
+                <a:ea typeface="DejaVu Sans"/>
+              </a:rPr>
+              <a:t>Булева маска(key_padding mask)[B,M]</a:t>
+            </a:r>
+            <a:endParaRPr b="0" lang="ru-RU" sz="1800" spc="-1" strike="noStrike">
+              <a:solidFill>
+                <a:srgbClr val="000000"/>
+              </a:solidFill>
+              <a:latin typeface="Arial"/>
+            </a:endParaRPr>
+          </a:p>
+        </p:txBody>
+      </p:sp>
+    </p:spTree>
+  </p:cSld>
+  <mc:AlternateContent>
+    <mc:Choice Requires="p14">
+      <p:transition spd="slow" p14:dur="2000"/>
+    </mc:Choice>
+    <mc:Fallback>
+      <p:transition spd="slow"/>
+    </mc:Fallback>
+  </mc:AlternateContent>
+  <p:timing>
+    <p:tnLst>
+      <p:par>
+        <p:cTn id="59" dur="indefinite" restart="never" nodeType="tmRoot">
+          <p:childTnLst>
+            <p:seq>
+              <p:cTn id="60" dur="indefinite" nodeType="mainSeq">
+                <p:childTnLst>
                   <p:par>
                     <p:cTn id="61" fill="hold">
                       <p:stCondLst>
@@ -16470,11 +16933,56 @@
                                           </p:stCondLst>
                                         </p:cTn>
                                         <p:tgtEl>
-                                          <p:spTgt spid="160">
+                                          <p:spTgt spid="164">
                                             <p:txEl>
                                               <p:pRg st="0" end="0"/>
                                             </p:txEl>
                                           </p:spTgt>
+                                        </p:tgtEl>
+                                        <p:attrNameLst>
+                                          <p:attrName>style.visibility</p:attrName>
+                                        </p:attrNameLst>
+                                      </p:cBhvr>
+                                      <p:to>
+                                        <p:strVal val="visible"/>
+                                      </p:to>
+                                    </p:set>
+                                  </p:childTnLst>
+                                </p:cTn>
+                              </p:par>
+                            </p:childTnLst>
+                          </p:cTn>
+                        </p:par>
+                      </p:childTnLst>
+                    </p:cTn>
+                  </p:par>
+                  <p:par>
+                    <p:cTn id="65" fill="hold">
+                      <p:stCondLst>
+                        <p:cond delay="indefinite"/>
+                      </p:stCondLst>
+                      <p:childTnLst>
+                        <p:par>
+                          <p:cTn id="66" fill="hold">
+                            <p:stCondLst>
+                              <p:cond delay="0"/>
+                            </p:stCondLst>
+                            <p:childTnLst>
+                              <p:par>
+                                <p:cTn id="67" nodeType="clickEffect" fill="hold" presetClass="entr" presetID="1">
+                                  <p:stCondLst>
+                                    <p:cond delay="0"/>
+                                  </p:stCondLst>
+                                  <p:childTnLst>
+                                    <p:set>
+                                      <p:cBhvr>
+                                        <p:cTn id="68" dur="1" fill="hold">
+                                          <p:stCondLst>
+                                            <p:cond delay="0"/>
+                                          </p:stCondLst>
+                                        </p:cTn>
+                                        <p:tgtEl>
+                                          <p:spTgt spid="163"/>
                                         </p:tgtEl>
                                         <p:attrNameLst>
                                           <p:attrName>style.visibility</p:attrName>
